--- a/Presentación/Electronica II.pptx
+++ b/Presentación/Electronica II.pptx
@@ -56,27 +56,40 @@
     <p:sldId id="624" r:id="rId50"/>
     <p:sldId id="625" r:id="rId51"/>
     <p:sldId id="626" r:id="rId52"/>
-    <p:sldId id="567" r:id="rId53"/>
-    <p:sldId id="468" r:id="rId54"/>
-    <p:sldId id="568" r:id="rId55"/>
-    <p:sldId id="569" r:id="rId56"/>
-    <p:sldId id="570" r:id="rId57"/>
-    <p:sldId id="571" r:id="rId58"/>
-    <p:sldId id="572" r:id="rId59"/>
-    <p:sldId id="573" r:id="rId60"/>
-    <p:sldId id="574" r:id="rId61"/>
-    <p:sldId id="575" r:id="rId62"/>
-    <p:sldId id="576" r:id="rId63"/>
-    <p:sldId id="577" r:id="rId64"/>
-    <p:sldId id="578" r:id="rId65"/>
-    <p:sldId id="579" r:id="rId66"/>
-    <p:sldId id="580" r:id="rId67"/>
-    <p:sldId id="581" r:id="rId68"/>
-    <p:sldId id="582" r:id="rId69"/>
-    <p:sldId id="583" r:id="rId70"/>
-    <p:sldId id="584" r:id="rId71"/>
-    <p:sldId id="587" r:id="rId72"/>
-    <p:sldId id="586" r:id="rId73"/>
+    <p:sldId id="468" r:id="rId53"/>
+    <p:sldId id="637" r:id="rId54"/>
+    <p:sldId id="639" r:id="rId55"/>
+    <p:sldId id="577" r:id="rId56"/>
+    <p:sldId id="635" r:id="rId57"/>
+    <p:sldId id="636" r:id="rId58"/>
+    <p:sldId id="640" r:id="rId59"/>
+    <p:sldId id="641" r:id="rId60"/>
+    <p:sldId id="642" r:id="rId61"/>
+    <p:sldId id="643" r:id="rId62"/>
+    <p:sldId id="644" r:id="rId63"/>
+    <p:sldId id="645" r:id="rId64"/>
+    <p:sldId id="646" r:id="rId65"/>
+    <p:sldId id="647" r:id="rId66"/>
+    <p:sldId id="648" r:id="rId67"/>
+    <p:sldId id="649" r:id="rId68"/>
+    <p:sldId id="650" r:id="rId69"/>
+    <p:sldId id="651" r:id="rId70"/>
+    <p:sldId id="652" r:id="rId71"/>
+    <p:sldId id="653" r:id="rId72"/>
+    <p:sldId id="654" r:id="rId73"/>
+    <p:sldId id="655" r:id="rId74"/>
+    <p:sldId id="578" r:id="rId75"/>
+    <p:sldId id="580" r:id="rId76"/>
+    <p:sldId id="581" r:id="rId77"/>
+    <p:sldId id="582" r:id="rId78"/>
+    <p:sldId id="628" r:id="rId79"/>
+    <p:sldId id="629" r:id="rId80"/>
+    <p:sldId id="630" r:id="rId81"/>
+    <p:sldId id="632" r:id="rId82"/>
+    <p:sldId id="631" r:id="rId83"/>
+    <p:sldId id="633" r:id="rId84"/>
+    <p:sldId id="634" r:id="rId85"/>
+    <p:sldId id="627" r:id="rId86"/>
   </p:sldIdLst>
   <p:sldSz cx="12192000" cy="6858000"/>
   <p:notesSz cx="7315200" cy="9601200"/>
@@ -382,7 +395,7 @@
             <a:fld id="{E9462EF3-3C4F-43EE-ACEE-D4B806740EA3}" type="datetimeFigureOut">
               <a:rPr lang="en-US" smtClean="0"/>
               <a:pPr/>
-              <a:t>1/12/2020</a:t>
+              <a:t>1/19/2020</a:t>
             </a:fld>
             <a:endParaRPr lang="en-US" dirty="0"/>
           </a:p>
@@ -663,7 +676,7 @@
           <a:p>
             <a:fld id="{36343B39-165A-4B68-AA5C-581F5336313C}" type="datetimeFigureOut">
               <a:rPr lang="en-US" smtClean="0"/>
-              <a:t>1/12/2020</a:t>
+              <a:t>1/19/2020</a:t>
             </a:fld>
             <a:endParaRPr lang="en-US" dirty="0"/>
           </a:p>
@@ -863,7 +876,7 @@
           <a:p>
             <a:fld id="{942C8C57-33F9-4259-AC4F-0E3F5BEC9B94}" type="datetimeFigureOut">
               <a:rPr lang="en-US" smtClean="0"/>
-              <a:t>1/12/2020</a:t>
+              <a:t>1/19/2020</a:t>
             </a:fld>
             <a:endParaRPr lang="en-US" dirty="0"/>
           </a:p>
@@ -1140,7 +1153,7 @@
           <a:p>
             <a:fld id="{8748772B-8FA2-401F-A0A1-A59855EDBC3E}" type="datetimeFigureOut">
               <a:rPr lang="en-US" smtClean="0"/>
-              <a:t>1/12/2020</a:t>
+              <a:t>1/19/2020</a:t>
             </a:fld>
             <a:endParaRPr lang="en-US" dirty="0"/>
           </a:p>
@@ -1473,7 +1486,7 @@
           <a:p>
             <a:fld id="{D3DD5BDE-5A90-4611-82E9-0FC5746D30C5}" type="datetimeFigureOut">
               <a:rPr lang="en-US" smtClean="0"/>
-              <a:t>1/12/2020</a:t>
+              <a:t>1/19/2020</a:t>
             </a:fld>
             <a:endParaRPr lang="en-US" dirty="0"/>
           </a:p>
@@ -2098,7 +2111,7 @@
           <a:p>
             <a:fld id="{1ADDA17D-0BEA-4E76-A7FC-F7C188BC48D1}" type="datetimeFigureOut">
               <a:rPr lang="en-US" smtClean="0"/>
-              <a:t>1/12/2020</a:t>
+              <a:t>1/19/2020</a:t>
             </a:fld>
             <a:endParaRPr lang="en-US" dirty="0"/>
           </a:p>
@@ -2951,7 +2964,7 @@
           <a:p>
             <a:fld id="{6909AC7D-18CA-4236-82B9-D75EB1D66EAE}" type="datetimeFigureOut">
               <a:rPr lang="en-US" smtClean="0"/>
-              <a:t>1/12/2020</a:t>
+              <a:t>1/19/2020</a:t>
             </a:fld>
             <a:endParaRPr lang="en-US" dirty="0"/>
           </a:p>
@@ -3127,7 +3140,7 @@
           <a:p>
             <a:fld id="{5568300E-C023-45CD-A0BE-EDB7A8C6EA8B}" type="datetimeFigureOut">
               <a:rPr lang="en-US" smtClean="0"/>
-              <a:t>1/12/2020</a:t>
+              <a:t>1/19/2020</a:t>
             </a:fld>
             <a:endParaRPr lang="en-US" dirty="0"/>
           </a:p>
@@ -3313,7 +3326,7 @@
           <a:p>
             <a:fld id="{3B620EAD-E369-4933-8469-ED7764B56A1B}" type="datetimeFigureOut">
               <a:rPr lang="en-US" smtClean="0"/>
-              <a:t>1/12/2020</a:t>
+              <a:t>1/19/2020</a:t>
             </a:fld>
             <a:endParaRPr lang="en-US" dirty="0"/>
           </a:p>
@@ -3489,7 +3502,7 @@
           <a:p>
             <a:fld id="{076C0EF2-9919-473B-8215-8616BAF10692}" type="datetimeFigureOut">
               <a:rPr lang="en-US" smtClean="0"/>
-              <a:t>1/12/2020</a:t>
+              <a:t>1/19/2020</a:t>
             </a:fld>
             <a:endParaRPr lang="en-US" dirty="0"/>
           </a:p>
@@ -3742,7 +3755,7 @@
           <a:p>
             <a:fld id="{A09472EB-AC54-4713-BFC2-BEB621108C63}" type="datetimeFigureOut">
               <a:rPr lang="en-US" smtClean="0"/>
-              <a:t>1/12/2020</a:t>
+              <a:t>1/19/2020</a:t>
             </a:fld>
             <a:endParaRPr lang="en-US" dirty="0"/>
           </a:p>
@@ -4040,7 +4053,7 @@
           <a:p>
             <a:fld id="{99455A0C-791E-4545-B787-F98AD45CD761}" type="datetimeFigureOut">
               <a:rPr lang="en-US" smtClean="0"/>
-              <a:t>1/12/2020</a:t>
+              <a:t>1/19/2020</a:t>
             </a:fld>
             <a:endParaRPr lang="en-US" dirty="0"/>
           </a:p>
@@ -4490,7 +4503,7 @@
           <a:p>
             <a:fld id="{42536B77-F4F4-4427-AC4F-9A623798AD82}" type="datetimeFigureOut">
               <a:rPr lang="en-US" smtClean="0"/>
-              <a:t>1/12/2020</a:t>
+              <a:t>1/19/2020</a:t>
             </a:fld>
             <a:endParaRPr lang="en-US" dirty="0"/>
           </a:p>
@@ -4614,7 +4627,7 @@
           <a:p>
             <a:fld id="{D8BE790C-34EB-4565-8437-CACF4CDB7822}" type="datetimeFigureOut">
               <a:rPr lang="en-US" smtClean="0"/>
-              <a:t>1/12/2020</a:t>
+              <a:t>1/19/2020</a:t>
             </a:fld>
             <a:endParaRPr lang="en-US" dirty="0"/>
           </a:p>
@@ -4715,7 +4728,7 @@
           <a:p>
             <a:fld id="{F84A4C11-22B8-4A4E-8126-B3AF6B948A8E}" type="datetimeFigureOut">
               <a:rPr lang="en-US" smtClean="0"/>
-              <a:t>1/12/2020</a:t>
+              <a:t>1/19/2020</a:t>
             </a:fld>
             <a:endParaRPr lang="en-US" dirty="0"/>
           </a:p>
@@ -5000,7 +5013,7 @@
           <a:p>
             <a:fld id="{16ED06B6-C816-4861-964D-15A98395707D}" type="datetimeFigureOut">
               <a:rPr lang="en-US" smtClean="0"/>
-              <a:t>1/12/2020</a:t>
+              <a:t>1/19/2020</a:t>
             </a:fld>
             <a:endParaRPr lang="en-US" dirty="0"/>
           </a:p>
@@ -5281,7 +5294,7 @@
           <a:p>
             <a:fld id="{00B1A8AB-EA7C-4B1B-9D73-E2551851FABE}" type="datetimeFigureOut">
               <a:rPr lang="en-US" smtClean="0"/>
-              <a:t>1/12/2020</a:t>
+              <a:t>1/19/2020</a:t>
             </a:fld>
             <a:endParaRPr lang="en-US" dirty="0"/>
           </a:p>
@@ -5710,7 +5723,7 @@
           <a:p>
             <a:fld id="{90786BE5-D2A3-4BF0-8B30-D7403E61B3DC}" type="datetimeFigureOut">
               <a:rPr lang="en-US" smtClean="0"/>
-              <a:t>1/12/2020</a:t>
+              <a:t>1/19/2020</a:t>
             </a:fld>
             <a:endParaRPr lang="en-US" dirty="0"/>
           </a:p>
@@ -13335,11 +13348,6 @@
               </a:rPr>
               <a:t>PROVISIONAL PARA “AYUDAR” A MANTENER SU BECA.</a:t>
             </a:r>
-            <a:endParaRPr lang="en-US" b="1" dirty="0" smtClean="0">
-              <a:solidFill>
-                <a:srgbClr val="FF0000"/>
-              </a:solidFill>
-            </a:endParaRPr>
           </a:p>
           <a:p>
             <a:r>
@@ -16548,34 +16556,6 @@
       </p:grpSpPr>
       <p:sp>
         <p:nvSpPr>
-          <p:cNvPr id="2" name="Título 1"/>
-          <p:cNvSpPr>
-            <a:spLocks noGrp="1"/>
-          </p:cNvSpPr>
-          <p:nvPr>
-            <p:ph type="title"/>
-          </p:nvPr>
-        </p:nvSpPr>
-        <p:spPr>
-          <a:xfrm>
-            <a:off x="646111" y="452718"/>
-            <a:ext cx="9721382" cy="1400530"/>
-          </a:xfrm>
-        </p:spPr>
-        <p:txBody>
-          <a:bodyPr/>
-          <a:lstStyle/>
-          <a:p>
-            <a:r>
-              <a:rPr lang="es-PA" dirty="0" smtClean="0"/>
-              <a:t>Amplificador Operacional</a:t>
-            </a:r>
-            <a:endParaRPr lang="es-PA" dirty="0"/>
-          </a:p>
-        </p:txBody>
-      </p:sp>
-      <p:sp>
-        <p:nvSpPr>
           <p:cNvPr id="3" name="Marcador de contenido 2"/>
           <p:cNvSpPr>
             <a:spLocks noGrp="1"/>
@@ -16586,8 +16566,8 @@
         </p:nvSpPr>
         <p:spPr>
           <a:xfrm>
-            <a:off x="310675" y="1335097"/>
-            <a:ext cx="8402585" cy="4425154"/>
+            <a:off x="0" y="0"/>
+            <a:ext cx="12192000" cy="6858000"/>
           </a:xfrm>
         </p:spPr>
         <p:txBody>
@@ -16596,21 +16576,45 @@
           </a:bodyPr>
           <a:lstStyle/>
           <a:p>
-            <a:r>
-              <a:rPr lang="es-PA" dirty="0" smtClean="0"/>
-              <a:t>2</a:t>
-            </a:r>
-            <a:r>
-              <a:rPr lang="es-PA" dirty="0"/>
-              <a:t>. Tipo de amplificadores </a:t>
-            </a:r>
+            <a:pPr marL="0" indent="0" algn="ctr">
+              <a:buNone/>
+            </a:pPr>
+            <a:endParaRPr lang="es-PA" sz="4000" dirty="0"/>
+          </a:p>
+          <a:p>
+            <a:pPr marL="0" indent="0" algn="ctr">
+              <a:buNone/>
+            </a:pPr>
+            <a:endParaRPr lang="es-PA" sz="4000" dirty="0" smtClean="0"/>
+          </a:p>
+          <a:p>
+            <a:pPr marL="0" indent="0" algn="ctr">
+              <a:buNone/>
+            </a:pPr>
+            <a:endParaRPr lang="es-PA" sz="4000" dirty="0"/>
+          </a:p>
+          <a:p>
+            <a:pPr marL="0" indent="0" algn="ctr">
+              <a:buNone/>
+            </a:pPr>
+            <a:endParaRPr lang="es-PA" sz="4000" dirty="0" smtClean="0"/>
+          </a:p>
+          <a:p>
+            <a:pPr marL="0" indent="0" algn="ctr">
+              <a:buNone/>
+            </a:pPr>
+            <a:r>
+              <a:rPr lang="es-PA" sz="10000" dirty="0" smtClean="0"/>
+              <a:t>FINAL DÍA 1</a:t>
+            </a:r>
+            <a:endParaRPr lang="es-PA" sz="10000" dirty="0"/>
           </a:p>
         </p:txBody>
       </p:sp>
     </p:spTree>
     <p:extLst>
       <p:ext uri="{BB962C8B-B14F-4D97-AF65-F5344CB8AC3E}">
-        <p14:creationId xmlns:p14="http://schemas.microsoft.com/office/powerpoint/2010/main" val="1773732805"/>
+        <p14:creationId xmlns:p14="http://schemas.microsoft.com/office/powerpoint/2010/main" val="3621786427"/>
       </p:ext>
     </p:extLst>
   </p:cSld>
@@ -16646,6 +16650,34 @@
       </p:grpSpPr>
       <p:sp>
         <p:nvSpPr>
+          <p:cNvPr id="2" name="Título 1"/>
+          <p:cNvSpPr>
+            <a:spLocks noGrp="1"/>
+          </p:cNvSpPr>
+          <p:nvPr>
+            <p:ph type="title"/>
+          </p:nvPr>
+        </p:nvSpPr>
+        <p:spPr>
+          <a:xfrm>
+            <a:off x="646111" y="452718"/>
+            <a:ext cx="9721382" cy="1400530"/>
+          </a:xfrm>
+        </p:spPr>
+        <p:txBody>
+          <a:bodyPr/>
+          <a:lstStyle/>
+          <a:p>
+            <a:r>
+              <a:rPr lang="es-PA" dirty="0" smtClean="0"/>
+              <a:t>Amplificador Operacional</a:t>
+            </a:r>
+            <a:endParaRPr lang="es-PA" dirty="0"/>
+          </a:p>
+        </p:txBody>
+      </p:sp>
+      <p:sp>
+        <p:nvSpPr>
           <p:cNvPr id="3" name="Marcador de contenido 2"/>
           <p:cNvSpPr>
             <a:spLocks noGrp="1"/>
@@ -16656,8 +16688,8 @@
         </p:nvSpPr>
         <p:spPr>
           <a:xfrm>
-            <a:off x="0" y="0"/>
-            <a:ext cx="12192000" cy="6858000"/>
+            <a:off x="310675" y="1335097"/>
+            <a:ext cx="11098543" cy="4425154"/>
           </a:xfrm>
         </p:spPr>
         <p:txBody>
@@ -16666,45 +16698,78 @@
           </a:bodyPr>
           <a:lstStyle/>
           <a:p>
-            <a:pPr marL="0" indent="0" algn="ctr">
-              <a:buNone/>
-            </a:pPr>
-            <a:endParaRPr lang="es-PA" sz="4000" dirty="0"/>
-          </a:p>
-          <a:p>
-            <a:pPr marL="0" indent="0" algn="ctr">
-              <a:buNone/>
-            </a:pPr>
-            <a:endParaRPr lang="es-PA" sz="4000" dirty="0" smtClean="0"/>
-          </a:p>
-          <a:p>
-            <a:pPr marL="0" indent="0" algn="ctr">
-              <a:buNone/>
-            </a:pPr>
-            <a:endParaRPr lang="es-PA" sz="4000" dirty="0"/>
-          </a:p>
-          <a:p>
-            <a:pPr marL="0" indent="0" algn="ctr">
-              <a:buNone/>
-            </a:pPr>
-            <a:endParaRPr lang="es-PA" sz="4000" dirty="0" smtClean="0"/>
-          </a:p>
-          <a:p>
-            <a:pPr marL="0" indent="0" algn="ctr">
-              <a:buNone/>
-            </a:pPr>
-            <a:r>
-              <a:rPr lang="es-PA" sz="10000" dirty="0" smtClean="0"/>
-              <a:t>FINAL DÍA 1</a:t>
-            </a:r>
-            <a:endParaRPr lang="es-PA" sz="10000" dirty="0"/>
-          </a:p>
-        </p:txBody>
-      </p:sp>
+            <a:r>
+              <a:rPr lang="es-PA" dirty="0" smtClean="0"/>
+              <a:t>Pregunta.</a:t>
+            </a:r>
+          </a:p>
+          <a:p>
+            <a:r>
+              <a:rPr lang="es-PA" dirty="0" smtClean="0"/>
+              <a:t>¿Cuántos pines necesita un </a:t>
+            </a:r>
+            <a:r>
+              <a:rPr lang="es-PA" dirty="0" err="1" smtClean="0"/>
+              <a:t>op</a:t>
+            </a:r>
+            <a:r>
+              <a:rPr lang="es-PA" dirty="0" smtClean="0"/>
+              <a:t> </a:t>
+            </a:r>
+            <a:r>
+              <a:rPr lang="es-PA" dirty="0" err="1" smtClean="0"/>
+              <a:t>amp</a:t>
+            </a:r>
+            <a:r>
+              <a:rPr lang="es-PA" dirty="0" smtClean="0"/>
+              <a:t> para operar (en el mundo real)?</a:t>
+            </a:r>
+          </a:p>
+          <a:p>
+            <a:r>
+              <a:rPr lang="es-PA" dirty="0" smtClean="0"/>
+              <a:t>¿4 </a:t>
+            </a:r>
+            <a:r>
+              <a:rPr lang="es-PA" dirty="0" err="1" smtClean="0"/>
+              <a:t>op-amps</a:t>
+            </a:r>
+            <a:r>
+              <a:rPr lang="es-PA" dirty="0" smtClean="0"/>
+              <a:t> están en un encapsulado DIP, de cuantos pines debe ser?</a:t>
+            </a:r>
+            <a:endParaRPr lang="es-PA" dirty="0"/>
+          </a:p>
+        </p:txBody>
+      </p:sp>
+      <p:pic>
+        <p:nvPicPr>
+          <p:cNvPr id="4" name="Imagen 3"/>
+          <p:cNvPicPr>
+            <a:picLocks noChangeAspect="1"/>
+          </p:cNvPicPr>
+          <p:nvPr/>
+        </p:nvPicPr>
+        <p:blipFill>
+          <a:blip r:embed="rId2"/>
+          <a:stretch>
+            <a:fillRect/>
+          </a:stretch>
+        </p:blipFill>
+        <p:spPr>
+          <a:xfrm>
+            <a:off x="4197927" y="3132037"/>
+            <a:ext cx="4218276" cy="2779367"/>
+          </a:xfrm>
+          <a:prstGeom prst="rect">
+            <a:avLst/>
+          </a:prstGeom>
+        </p:spPr>
+      </p:pic>
     </p:spTree>
     <p:extLst>
       <p:ext uri="{BB962C8B-B14F-4D97-AF65-F5344CB8AC3E}">
-        <p14:creationId xmlns:p14="http://schemas.microsoft.com/office/powerpoint/2010/main" val="3621786427"/>
+        <p14:creationId xmlns:p14="http://schemas.microsoft.com/office/powerpoint/2010/main" val="1787170605"/>
       </p:ext>
     </p:extLst>
   </p:cSld>
@@ -16779,7 +16844,7 @@
         <p:spPr>
           <a:xfrm>
             <a:off x="310675" y="1335097"/>
-            <a:ext cx="8402585" cy="4425154"/>
+            <a:ext cx="11098543" cy="4425154"/>
           </a:xfrm>
         </p:spPr>
         <p:txBody>
@@ -16789,16 +16854,84 @@
           <a:lstStyle/>
           <a:p>
             <a:r>
+              <a:rPr lang="es-PA" dirty="0" smtClean="0"/>
+              <a:t>Respuesta</a:t>
+            </a:r>
+          </a:p>
+          <a:p>
+            <a:r>
+              <a:rPr lang="es-PA" dirty="0" smtClean="0"/>
+              <a:t>¿Cuántos pines necesita un </a:t>
+            </a:r>
+            <a:r>
+              <a:rPr lang="es-PA" dirty="0" err="1" smtClean="0"/>
+              <a:t>op</a:t>
+            </a:r>
+            <a:r>
+              <a:rPr lang="es-PA" dirty="0" smtClean="0"/>
+              <a:t> </a:t>
+            </a:r>
+            <a:r>
+              <a:rPr lang="es-PA" dirty="0" err="1" smtClean="0"/>
+              <a:t>amp</a:t>
+            </a:r>
+            <a:r>
+              <a:rPr lang="es-PA" dirty="0" smtClean="0"/>
+              <a:t> para operar (en el mundo real)?</a:t>
+            </a:r>
+          </a:p>
+          <a:p>
+            <a:pPr lvl="1"/>
+            <a:r>
               <a:rPr lang="es-PA" dirty="0"/>
-              <a:t>3. Circuito equivalente de un amplificador (modelo funcional) </a:t>
-            </a:r>
+              <a:t>5</a:t>
+            </a:r>
+            <a:endParaRPr lang="es-PA" dirty="0" smtClean="0"/>
+          </a:p>
+          <a:p>
+            <a:r>
+              <a:rPr lang="es-PA" dirty="0" smtClean="0"/>
+              <a:t>¿4 </a:t>
+            </a:r>
+            <a:r>
+              <a:rPr lang="es-PA" dirty="0" err="1" smtClean="0"/>
+              <a:t>op-amps</a:t>
+            </a:r>
+            <a:r>
+              <a:rPr lang="es-PA" dirty="0" smtClean="0"/>
+              <a:t> están en un encapsulado DIP, de cuantos pines debe ser?</a:t>
+            </a:r>
+          </a:p>
+          <a:p>
+            <a:pPr lvl="1"/>
+            <a:r>
+              <a:rPr lang="es-PA" dirty="0" smtClean="0"/>
+              <a:t>(2 entradas diferenciales + 1 salida)*(4 </a:t>
+            </a:r>
+            <a:r>
+              <a:rPr lang="es-PA" dirty="0" err="1" smtClean="0"/>
+              <a:t>op</a:t>
+            </a:r>
+            <a:r>
+              <a:rPr lang="es-PA" dirty="0" smtClean="0"/>
+              <a:t> </a:t>
+            </a:r>
+            <a:r>
+              <a:rPr lang="es-PA" dirty="0" err="1" smtClean="0"/>
+              <a:t>amp</a:t>
+            </a:r>
+            <a:r>
+              <a:rPr lang="es-PA" dirty="0" smtClean="0"/>
+              <a:t>) + (2 de alimentación) = 14</a:t>
+            </a:r>
+            <a:endParaRPr lang="es-PA" dirty="0"/>
           </a:p>
         </p:txBody>
       </p:sp>
     </p:spTree>
     <p:extLst>
       <p:ext uri="{BB962C8B-B14F-4D97-AF65-F5344CB8AC3E}">
-        <p14:creationId xmlns:p14="http://schemas.microsoft.com/office/powerpoint/2010/main" val="1978263766"/>
+        <p14:creationId xmlns:p14="http://schemas.microsoft.com/office/powerpoint/2010/main" val="1873784001"/>
       </p:ext>
     </p:extLst>
   </p:cSld>
@@ -16883,16 +17016,85 @@
           <a:lstStyle/>
           <a:p>
             <a:r>
-              <a:rPr lang="es-PA" dirty="0"/>
-              <a:t>4. Ejemplo: efectos de carga en un amplificador de tensión </a:t>
-            </a:r>
-          </a:p>
-        </p:txBody>
-      </p:sp>
+              <a:rPr lang="es-PA" dirty="0" smtClean="0"/>
+              <a:t>Recordando, el amplificador operacional ideal tiene:</a:t>
+            </a:r>
+          </a:p>
+          <a:p>
+            <a:r>
+              <a:rPr lang="es-PA" dirty="0" smtClean="0"/>
+              <a:t>Impedancia de Entrada Infinita</a:t>
+            </a:r>
+            <a:endParaRPr lang="es-PA" dirty="0"/>
+          </a:p>
+          <a:p>
+            <a:r>
+              <a:rPr lang="es-PA" dirty="0" smtClean="0"/>
+              <a:t>Impedancia de Salida 0</a:t>
+            </a:r>
+            <a:endParaRPr lang="es-PA" dirty="0"/>
+          </a:p>
+          <a:p>
+            <a:r>
+              <a:rPr lang="es-PA" dirty="0" smtClean="0"/>
+              <a:t>Ganancia de Modo común 0 </a:t>
+            </a:r>
+            <a:r>
+              <a:rPr lang="es-PA" dirty="0" err="1" smtClean="0"/>
+              <a:t>ó</a:t>
+            </a:r>
+            <a:r>
+              <a:rPr lang="es-PA" dirty="0" smtClean="0"/>
+              <a:t> rechazo de modo común 0</a:t>
+            </a:r>
+            <a:endParaRPr lang="es-PA" dirty="0"/>
+          </a:p>
+          <a:p>
+            <a:r>
+              <a:rPr lang="es-PA" dirty="0" smtClean="0"/>
+              <a:t>Ganancia infinita de lazo abierto A</a:t>
+            </a:r>
+            <a:endParaRPr lang="es-PA" i="1" dirty="0"/>
+          </a:p>
+          <a:p>
+            <a:r>
+              <a:rPr lang="es-PA" dirty="0" smtClean="0"/>
+              <a:t>Ancho de banda infinito</a:t>
+            </a:r>
+          </a:p>
+          <a:p>
+            <a:endParaRPr lang="es-PA" dirty="0"/>
+          </a:p>
+        </p:txBody>
+      </p:sp>
+      <p:pic>
+        <p:nvPicPr>
+          <p:cNvPr id="4" name="Imagen 3"/>
+          <p:cNvPicPr>
+            <a:picLocks noChangeAspect="1"/>
+          </p:cNvPicPr>
+          <p:nvPr/>
+        </p:nvPicPr>
+        <p:blipFill>
+          <a:blip r:embed="rId2"/>
+          <a:stretch>
+            <a:fillRect/>
+          </a:stretch>
+        </p:blipFill>
+        <p:spPr>
+          <a:xfrm>
+            <a:off x="5964381" y="3140208"/>
+            <a:ext cx="4218276" cy="2779367"/>
+          </a:xfrm>
+          <a:prstGeom prst="rect">
+            <a:avLst/>
+          </a:prstGeom>
+        </p:spPr>
+      </p:pic>
     </p:spTree>
     <p:extLst>
       <p:ext uri="{BB962C8B-B14F-4D97-AF65-F5344CB8AC3E}">
-        <p14:creationId xmlns:p14="http://schemas.microsoft.com/office/powerpoint/2010/main" val="3160900683"/>
+        <p14:creationId xmlns:p14="http://schemas.microsoft.com/office/powerpoint/2010/main" val="29539714"/>
       </p:ext>
     </p:extLst>
   </p:cSld>
@@ -16977,22 +17179,188 @@
           <a:lstStyle/>
           <a:p>
             <a:r>
-              <a:rPr lang="es-PA" dirty="0"/>
-              <a:t>B. El amplificador operacional. </a:t>
-            </a:r>
-          </a:p>
-          <a:p>
-            <a:r>
-              <a:rPr lang="es-PA" dirty="0"/>
-              <a:t>1. Definición </a:t>
-            </a:r>
-          </a:p>
-        </p:txBody>
-      </p:sp>
+              <a:rPr lang="es-PA" dirty="0" smtClean="0"/>
+              <a:t>Diferencial y Modo Común</a:t>
+            </a:r>
+          </a:p>
+          <a:p>
+            <a:endParaRPr lang="es-PA" dirty="0"/>
+          </a:p>
+          <a:p>
+            <a:r>
+              <a:rPr lang="es-PA" dirty="0" smtClean="0"/>
+              <a:t>La entrada diferencial es</a:t>
+            </a:r>
+          </a:p>
+          <a:p>
+            <a:r>
+              <a:rPr lang="es-PA" dirty="0" smtClean="0"/>
+              <a:t>El modo común de la señal es el promedio</a:t>
+            </a:r>
+          </a:p>
+          <a:p>
+            <a:r>
+              <a:rPr lang="es-PA" dirty="0" smtClean="0"/>
+              <a:t>Podemos expresar v1 y v2 en función de su modo común</a:t>
+            </a:r>
+          </a:p>
+          <a:p>
+            <a:r>
+              <a:rPr lang="es-PA" dirty="0" smtClean="0"/>
+              <a:t>La representación gráfica de lo anterior es como sigue</a:t>
+            </a:r>
+            <a:endParaRPr lang="es-PA" dirty="0"/>
+          </a:p>
+        </p:txBody>
+      </p:sp>
+      <p:pic>
+        <p:nvPicPr>
+          <p:cNvPr id="4" name="Imagen 3"/>
+          <p:cNvPicPr>
+            <a:picLocks noChangeAspect="1"/>
+          </p:cNvPicPr>
+          <p:nvPr/>
+        </p:nvPicPr>
+        <p:blipFill>
+          <a:blip r:embed="rId2"/>
+          <a:stretch>
+            <a:fillRect/>
+          </a:stretch>
+        </p:blipFill>
+        <p:spPr>
+          <a:xfrm>
+            <a:off x="7980970" y="452718"/>
+            <a:ext cx="4012483" cy="2643773"/>
+          </a:xfrm>
+          <a:prstGeom prst="rect">
+            <a:avLst/>
+          </a:prstGeom>
+        </p:spPr>
+      </p:pic>
+      <p:pic>
+        <p:nvPicPr>
+          <p:cNvPr id="5" name="Imagen 4"/>
+          <p:cNvPicPr>
+            <a:picLocks noChangeAspect="1"/>
+          </p:cNvPicPr>
+          <p:nvPr/>
+        </p:nvPicPr>
+        <p:blipFill>
+          <a:blip r:embed="rId3"/>
+          <a:stretch>
+            <a:fillRect/>
+          </a:stretch>
+        </p:blipFill>
+        <p:spPr>
+          <a:xfrm>
+            <a:off x="4017726" y="2010641"/>
+            <a:ext cx="2017313" cy="537950"/>
+          </a:xfrm>
+          <a:prstGeom prst="rect">
+            <a:avLst/>
+          </a:prstGeom>
+        </p:spPr>
+      </p:pic>
+      <p:pic>
+        <p:nvPicPr>
+          <p:cNvPr id="6" name="Imagen 5"/>
+          <p:cNvPicPr>
+            <a:picLocks noChangeAspect="1"/>
+          </p:cNvPicPr>
+          <p:nvPr/>
+        </p:nvPicPr>
+        <p:blipFill>
+          <a:blip r:embed="rId4"/>
+          <a:stretch>
+            <a:fillRect/>
+          </a:stretch>
+        </p:blipFill>
+        <p:spPr>
+          <a:xfrm>
+            <a:off x="6035039" y="2548591"/>
+            <a:ext cx="1935913" cy="547900"/>
+          </a:xfrm>
+          <a:prstGeom prst="rect">
+            <a:avLst/>
+          </a:prstGeom>
+        </p:spPr>
+      </p:pic>
+      <p:pic>
+        <p:nvPicPr>
+          <p:cNvPr id="7" name="Imagen 6"/>
+          <p:cNvPicPr>
+            <a:picLocks noChangeAspect="1"/>
+          </p:cNvPicPr>
+          <p:nvPr/>
+        </p:nvPicPr>
+        <p:blipFill>
+          <a:blip r:embed="rId5"/>
+          <a:stretch>
+            <a:fillRect/>
+          </a:stretch>
+        </p:blipFill>
+        <p:spPr>
+          <a:xfrm>
+            <a:off x="8037596" y="3177241"/>
+            <a:ext cx="2329897" cy="529522"/>
+          </a:xfrm>
+          <a:prstGeom prst="rect">
+            <a:avLst/>
+          </a:prstGeom>
+        </p:spPr>
+      </p:pic>
+      <p:pic>
+        <p:nvPicPr>
+          <p:cNvPr id="8" name="Imagen 7"/>
+          <p:cNvPicPr>
+            <a:picLocks noChangeAspect="1"/>
+          </p:cNvPicPr>
+          <p:nvPr/>
+        </p:nvPicPr>
+        <p:blipFill>
+          <a:blip r:embed="rId6"/>
+          <a:stretch>
+            <a:fillRect/>
+          </a:stretch>
+        </p:blipFill>
+        <p:spPr>
+          <a:xfrm>
+            <a:off x="8040940" y="3810265"/>
+            <a:ext cx="2178855" cy="491571"/>
+          </a:xfrm>
+          <a:prstGeom prst="rect">
+            <a:avLst/>
+          </a:prstGeom>
+        </p:spPr>
+      </p:pic>
+      <p:pic>
+        <p:nvPicPr>
+          <p:cNvPr id="9" name="Imagen 8"/>
+          <p:cNvPicPr>
+            <a:picLocks noChangeAspect="1"/>
+          </p:cNvPicPr>
+          <p:nvPr/>
+        </p:nvPicPr>
+        <p:blipFill>
+          <a:blip r:embed="rId7"/>
+          <a:stretch>
+            <a:fillRect/>
+          </a:stretch>
+        </p:blipFill>
+        <p:spPr>
+          <a:xfrm>
+            <a:off x="646111" y="3911849"/>
+            <a:ext cx="3115398" cy="2749677"/>
+          </a:xfrm>
+          <a:prstGeom prst="rect">
+            <a:avLst/>
+          </a:prstGeom>
+        </p:spPr>
+      </p:pic>
     </p:spTree>
     <p:extLst>
       <p:ext uri="{BB962C8B-B14F-4D97-AF65-F5344CB8AC3E}">
-        <p14:creationId xmlns:p14="http://schemas.microsoft.com/office/powerpoint/2010/main" val="2165538041"/>
+        <p14:creationId xmlns:p14="http://schemas.microsoft.com/office/powerpoint/2010/main" val="33301740"/>
       </p:ext>
     </p:extLst>
   </p:cSld>
@@ -17067,7 +17435,7 @@
         <p:spPr>
           <a:xfrm>
             <a:off x="310675" y="1335097"/>
-            <a:ext cx="8402585" cy="4425154"/>
+            <a:ext cx="11618089" cy="4425154"/>
           </a:xfrm>
         </p:spPr>
         <p:txBody>
@@ -17077,16 +17445,186 @@
           <a:lstStyle/>
           <a:p>
             <a:r>
+              <a:rPr lang="es-PA" dirty="0" smtClean="0"/>
+              <a:t>Diferencial y Modo Común</a:t>
+            </a:r>
+          </a:p>
+          <a:p>
+            <a:r>
+              <a:rPr lang="es-PA" dirty="0" smtClean="0"/>
+              <a:t>Considere un </a:t>
+            </a:r>
+            <a:r>
+              <a:rPr lang="es-PA" dirty="0" err="1" smtClean="0"/>
+              <a:t>amplficador</a:t>
+            </a:r>
+            <a:r>
+              <a:rPr lang="es-PA" dirty="0" smtClean="0"/>
+              <a:t> operacional con las siguientes características</a:t>
+            </a:r>
+          </a:p>
+          <a:p>
+            <a:r>
+              <a:rPr lang="es-PA" dirty="0" smtClean="0"/>
+              <a:t>A = 10^3</a:t>
+            </a:r>
+          </a:p>
+          <a:p>
+            <a:r>
+              <a:rPr lang="es-PA" dirty="0" smtClean="0"/>
+              <a:t>Se miden las señales de las dos terminales y se desea tener el resultado de</a:t>
+            </a:r>
+          </a:p>
+          <a:p>
+            <a:r>
+              <a:rPr lang="es-PA" dirty="0" smtClean="0"/>
+              <a:t>la tercera terminal (salida)</a:t>
+            </a:r>
+          </a:p>
+          <a:p>
+            <a:r>
+              <a:rPr lang="es-PA" dirty="0" smtClean="0"/>
+              <a:t>También se desea calcular la diferencia y modo común de las señales del </a:t>
+            </a:r>
+            <a:r>
+              <a:rPr lang="es-PA" dirty="0" err="1" smtClean="0"/>
+              <a:t>op-amp</a:t>
+            </a:r>
+            <a:endParaRPr lang="es-PA" dirty="0" smtClean="0"/>
+          </a:p>
+          <a:p>
+            <a:r>
+              <a:rPr lang="es-PA" dirty="0" smtClean="0"/>
+              <a:t>v2 = 0, v3 = 2V					</a:t>
+            </a:r>
+          </a:p>
+          <a:p>
+            <a:r>
+              <a:rPr lang="es-PA" dirty="0" smtClean="0"/>
+              <a:t>v2 = 5V, v3 = -10V</a:t>
+            </a:r>
+          </a:p>
+          <a:p>
+            <a:r>
+              <a:rPr lang="es-PA" dirty="0" smtClean="0"/>
+              <a:t>v1 = 1.002V, v2 = 0.998V</a:t>
+            </a:r>
+          </a:p>
+          <a:p>
+            <a:r>
               <a:rPr lang="es-PA" dirty="0"/>
-              <a:t>2. Símbolo </a:t>
-            </a:r>
-          </a:p>
-        </p:txBody>
-      </p:sp>
+              <a:t>v</a:t>
+            </a:r>
+            <a:r>
+              <a:rPr lang="es-PA" dirty="0" smtClean="0"/>
+              <a:t>1 = -3.6V, v3 = -3.6V</a:t>
+            </a:r>
+          </a:p>
+          <a:p>
+            <a:endParaRPr lang="es-PA" dirty="0"/>
+          </a:p>
+        </p:txBody>
+      </p:sp>
+      <p:pic>
+        <p:nvPicPr>
+          <p:cNvPr id="5" name="Imagen 4"/>
+          <p:cNvPicPr>
+            <a:picLocks noChangeAspect="1"/>
+          </p:cNvPicPr>
+          <p:nvPr/>
+        </p:nvPicPr>
+        <p:blipFill>
+          <a:blip r:embed="rId2"/>
+          <a:stretch>
+            <a:fillRect/>
+          </a:stretch>
+        </p:blipFill>
+        <p:spPr>
+          <a:xfrm>
+            <a:off x="9911451" y="355958"/>
+            <a:ext cx="2017313" cy="537950"/>
+          </a:xfrm>
+          <a:prstGeom prst="rect">
+            <a:avLst/>
+          </a:prstGeom>
+        </p:spPr>
+      </p:pic>
+      <p:pic>
+        <p:nvPicPr>
+          <p:cNvPr id="6" name="Imagen 5"/>
+          <p:cNvPicPr>
+            <a:picLocks noChangeAspect="1"/>
+          </p:cNvPicPr>
+          <p:nvPr/>
+        </p:nvPicPr>
+        <p:blipFill>
+          <a:blip r:embed="rId3"/>
+          <a:stretch>
+            <a:fillRect/>
+          </a:stretch>
+        </p:blipFill>
+        <p:spPr>
+          <a:xfrm>
+            <a:off x="9911451" y="1097235"/>
+            <a:ext cx="1935913" cy="547900"/>
+          </a:xfrm>
+          <a:prstGeom prst="rect">
+            <a:avLst/>
+          </a:prstGeom>
+        </p:spPr>
+      </p:pic>
+      <p:pic>
+        <p:nvPicPr>
+          <p:cNvPr id="7" name="Imagen 6"/>
+          <p:cNvPicPr>
+            <a:picLocks noChangeAspect="1"/>
+          </p:cNvPicPr>
+          <p:nvPr/>
+        </p:nvPicPr>
+        <p:blipFill>
+          <a:blip r:embed="rId4"/>
+          <a:stretch>
+            <a:fillRect/>
+          </a:stretch>
+        </p:blipFill>
+        <p:spPr>
+          <a:xfrm>
+            <a:off x="9846187" y="1751554"/>
+            <a:ext cx="2329897" cy="529522"/>
+          </a:xfrm>
+          <a:prstGeom prst="rect">
+            <a:avLst/>
+          </a:prstGeom>
+        </p:spPr>
+      </p:pic>
+      <p:pic>
+        <p:nvPicPr>
+          <p:cNvPr id="8" name="Imagen 7"/>
+          <p:cNvPicPr>
+            <a:picLocks noChangeAspect="1"/>
+          </p:cNvPicPr>
+          <p:nvPr/>
+        </p:nvPicPr>
+        <p:blipFill>
+          <a:blip r:embed="rId5"/>
+          <a:stretch>
+            <a:fillRect/>
+          </a:stretch>
+        </p:blipFill>
+        <p:spPr>
+          <a:xfrm>
+            <a:off x="9911451" y="2398823"/>
+            <a:ext cx="2178855" cy="491571"/>
+          </a:xfrm>
+          <a:prstGeom prst="rect">
+            <a:avLst/>
+          </a:prstGeom>
+        </p:spPr>
+      </p:pic>
     </p:spTree>
     <p:extLst>
       <p:ext uri="{BB962C8B-B14F-4D97-AF65-F5344CB8AC3E}">
-        <p14:creationId xmlns:p14="http://schemas.microsoft.com/office/powerpoint/2010/main" val="327211023"/>
+        <p14:creationId xmlns:p14="http://schemas.microsoft.com/office/powerpoint/2010/main" val="438062425"/>
       </p:ext>
     </p:extLst>
   </p:cSld>
@@ -17160,8 +17698,8 @@
         </p:nvSpPr>
         <p:spPr>
           <a:xfrm>
-            <a:off x="310675" y="1335097"/>
-            <a:ext cx="8402585" cy="4425154"/>
+            <a:off x="310675" y="1335096"/>
+            <a:ext cx="11618089" cy="5044921"/>
           </a:xfrm>
         </p:spPr>
         <p:txBody>
@@ -17171,16 +17709,273 @@
           <a:lstStyle/>
           <a:p>
             <a:r>
+              <a:rPr lang="es-PA" dirty="0" smtClean="0"/>
+              <a:t>Respuestas</a:t>
+            </a:r>
+          </a:p>
+          <a:p>
+            <a:r>
+              <a:rPr lang="es-PA" dirty="0" smtClean="0"/>
+              <a:t>v1 = -2mV, vid = 2V, </a:t>
+            </a:r>
+            <a:r>
+              <a:rPr lang="es-PA" dirty="0" err="1" smtClean="0"/>
+              <a:t>vicm</a:t>
+            </a:r>
+            <a:r>
+              <a:rPr lang="es-PA" dirty="0" smtClean="0"/>
+              <a:t> = -1mV</a:t>
+            </a:r>
+          </a:p>
+          <a:p>
+            <a:r>
+              <a:rPr lang="es-PA" dirty="0" smtClean="0"/>
+              <a:t>v1 = +5.01V</a:t>
+            </a:r>
+            <a:r>
               <a:rPr lang="es-PA" dirty="0"/>
-              <a:t>3. Circuito equivalente </a:t>
-            </a:r>
-          </a:p>
-        </p:txBody>
-      </p:sp>
+              <a:t>, </a:t>
+            </a:r>
+            <a:r>
+              <a:rPr lang="es-PA" dirty="0" smtClean="0"/>
+              <a:t>vid = −</a:t>
+            </a:r>
+            <a:r>
+              <a:rPr lang="es-PA" dirty="0"/>
+              <a:t>10 </a:t>
+            </a:r>
+            <a:r>
+              <a:rPr lang="es-PA" dirty="0" err="1"/>
+              <a:t>mV</a:t>
+            </a:r>
+            <a:r>
+              <a:rPr lang="es-PA" dirty="0"/>
+              <a:t>, </a:t>
+            </a:r>
+            <a:r>
+              <a:rPr lang="es-PA" dirty="0" err="1" smtClean="0"/>
+              <a:t>vIcm</a:t>
+            </a:r>
+            <a:r>
+              <a:rPr lang="es-PA" dirty="0"/>
+              <a:t> </a:t>
+            </a:r>
+            <a:r>
+              <a:rPr lang="es-PA" dirty="0" smtClean="0"/>
+              <a:t>=5.005V</a:t>
+            </a:r>
+          </a:p>
+          <a:p>
+            <a:r>
+              <a:rPr lang="es-PA" i="1" dirty="0"/>
+              <a:t>v</a:t>
+            </a:r>
+            <a:r>
+              <a:rPr lang="es-PA" dirty="0" smtClean="0"/>
+              <a:t>3 = −4V</a:t>
+            </a:r>
+            <a:r>
+              <a:rPr lang="es-PA" dirty="0"/>
+              <a:t>, </a:t>
+            </a:r>
+            <a:r>
+              <a:rPr lang="es-PA" i="1" dirty="0" smtClean="0"/>
+              <a:t>vid </a:t>
+            </a:r>
+            <a:r>
+              <a:rPr lang="es-PA" dirty="0" smtClean="0"/>
+              <a:t>= −</a:t>
+            </a:r>
+            <a:r>
+              <a:rPr lang="es-PA" dirty="0"/>
+              <a:t>4 </a:t>
+            </a:r>
+            <a:r>
+              <a:rPr lang="es-PA" dirty="0" err="1"/>
+              <a:t>mV</a:t>
+            </a:r>
+            <a:r>
+              <a:rPr lang="es-PA" dirty="0"/>
+              <a:t>, </a:t>
+            </a:r>
+            <a:r>
+              <a:rPr lang="es-PA" i="1" dirty="0" err="1" smtClean="0"/>
+              <a:t>vicm</a:t>
+            </a:r>
+            <a:r>
+              <a:rPr lang="es-PA" i="1" dirty="0" smtClean="0"/>
+              <a:t> </a:t>
+            </a:r>
+            <a:r>
+              <a:rPr lang="es-PA" dirty="0" smtClean="0"/>
+              <a:t>= 1V</a:t>
+            </a:r>
+            <a:endParaRPr lang="es-PA" dirty="0"/>
+          </a:p>
+          <a:p>
+            <a:r>
+              <a:rPr lang="es-PA" i="1" dirty="0"/>
+              <a:t>v</a:t>
+            </a:r>
+            <a:r>
+              <a:rPr lang="es-PA" dirty="0" smtClean="0"/>
+              <a:t>2 =</a:t>
+            </a:r>
+            <a:r>
+              <a:rPr lang="es-PA" dirty="0"/>
+              <a:t>−</a:t>
+            </a:r>
+            <a:r>
+              <a:rPr lang="es-PA" dirty="0" smtClean="0"/>
+              <a:t>3.6036V</a:t>
+            </a:r>
+            <a:r>
+              <a:rPr lang="es-PA" dirty="0"/>
+              <a:t>, </a:t>
+            </a:r>
+            <a:r>
+              <a:rPr lang="es-PA" i="1" dirty="0" err="1" smtClean="0"/>
+              <a:t>vId</a:t>
+            </a:r>
+            <a:r>
+              <a:rPr lang="es-PA" i="1" dirty="0"/>
+              <a:t> </a:t>
+            </a:r>
+            <a:r>
+              <a:rPr lang="es-PA" dirty="0" smtClean="0"/>
+              <a:t>= −</a:t>
+            </a:r>
+            <a:r>
+              <a:rPr lang="es-PA" dirty="0"/>
+              <a:t>3.6 </a:t>
+            </a:r>
+            <a:r>
+              <a:rPr lang="es-PA" dirty="0" err="1"/>
+              <a:t>mV</a:t>
+            </a:r>
+            <a:r>
+              <a:rPr lang="es-PA" dirty="0"/>
+              <a:t>, </a:t>
+            </a:r>
+            <a:r>
+              <a:rPr lang="es-PA" i="1" dirty="0" err="1" smtClean="0"/>
+              <a:t>vIcm</a:t>
+            </a:r>
+            <a:r>
+              <a:rPr lang="es-PA" i="1" dirty="0" smtClean="0"/>
+              <a:t> = </a:t>
+            </a:r>
+            <a:r>
+              <a:rPr lang="es-PA" dirty="0" smtClean="0"/>
+              <a:t>−</a:t>
+            </a:r>
+            <a:r>
+              <a:rPr lang="es-PA" dirty="0"/>
+              <a:t>3.6 V</a:t>
+            </a:r>
+          </a:p>
+        </p:txBody>
+      </p:sp>
+      <p:pic>
+        <p:nvPicPr>
+          <p:cNvPr id="5" name="Imagen 4"/>
+          <p:cNvPicPr>
+            <a:picLocks noChangeAspect="1"/>
+          </p:cNvPicPr>
+          <p:nvPr/>
+        </p:nvPicPr>
+        <p:blipFill>
+          <a:blip r:embed="rId2"/>
+          <a:stretch>
+            <a:fillRect/>
+          </a:stretch>
+        </p:blipFill>
+        <p:spPr>
+          <a:xfrm>
+            <a:off x="8442967" y="1943231"/>
+            <a:ext cx="2017313" cy="537950"/>
+          </a:xfrm>
+          <a:prstGeom prst="rect">
+            <a:avLst/>
+          </a:prstGeom>
+        </p:spPr>
+      </p:pic>
+      <p:pic>
+        <p:nvPicPr>
+          <p:cNvPr id="6" name="Imagen 5"/>
+          <p:cNvPicPr>
+            <a:picLocks noChangeAspect="1"/>
+          </p:cNvPicPr>
+          <p:nvPr/>
+        </p:nvPicPr>
+        <p:blipFill>
+          <a:blip r:embed="rId3"/>
+          <a:stretch>
+            <a:fillRect/>
+          </a:stretch>
+        </p:blipFill>
+        <p:spPr>
+          <a:xfrm>
+            <a:off x="8442967" y="2701775"/>
+            <a:ext cx="1935913" cy="547900"/>
+          </a:xfrm>
+          <a:prstGeom prst="rect">
+            <a:avLst/>
+          </a:prstGeom>
+        </p:spPr>
+      </p:pic>
+      <p:pic>
+        <p:nvPicPr>
+          <p:cNvPr id="7" name="Imagen 6"/>
+          <p:cNvPicPr>
+            <a:picLocks noChangeAspect="1"/>
+          </p:cNvPicPr>
+          <p:nvPr/>
+        </p:nvPicPr>
+        <p:blipFill>
+          <a:blip r:embed="rId4"/>
+          <a:stretch>
+            <a:fillRect/>
+          </a:stretch>
+        </p:blipFill>
+        <p:spPr>
+          <a:xfrm>
+            <a:off x="8442967" y="3470269"/>
+            <a:ext cx="2329897" cy="529522"/>
+          </a:xfrm>
+          <a:prstGeom prst="rect">
+            <a:avLst/>
+          </a:prstGeom>
+        </p:spPr>
+      </p:pic>
+      <p:pic>
+        <p:nvPicPr>
+          <p:cNvPr id="8" name="Imagen 7"/>
+          <p:cNvPicPr>
+            <a:picLocks noChangeAspect="1"/>
+          </p:cNvPicPr>
+          <p:nvPr/>
+        </p:nvPicPr>
+        <p:blipFill>
+          <a:blip r:embed="rId5"/>
+          <a:stretch>
+            <a:fillRect/>
+          </a:stretch>
+        </p:blipFill>
+        <p:spPr>
+          <a:xfrm>
+            <a:off x="8442967" y="4195193"/>
+            <a:ext cx="2178855" cy="491571"/>
+          </a:xfrm>
+          <a:prstGeom prst="rect">
+            <a:avLst/>
+          </a:prstGeom>
+        </p:spPr>
+      </p:pic>
     </p:spTree>
     <p:extLst>
       <p:ext uri="{BB962C8B-B14F-4D97-AF65-F5344CB8AC3E}">
-        <p14:creationId xmlns:p14="http://schemas.microsoft.com/office/powerpoint/2010/main" val="4015751252"/>
+        <p14:creationId xmlns:p14="http://schemas.microsoft.com/office/powerpoint/2010/main" val="2812042413"/>
       </p:ext>
     </p:extLst>
   </p:cSld>
@@ -17254,8 +18049,8 @@
         </p:nvSpPr>
         <p:spPr>
           <a:xfrm>
-            <a:off x="310675" y="1335097"/>
-            <a:ext cx="8402585" cy="4425154"/>
+            <a:off x="310675" y="1335096"/>
+            <a:ext cx="11618089" cy="5044921"/>
           </a:xfrm>
         </p:spPr>
         <p:txBody>
@@ -17265,16 +18060,101 @@
           <a:lstStyle/>
           <a:p>
             <a:r>
-              <a:rPr lang="es-PA" dirty="0"/>
-              <a:t>4. El amplificador operacional ideal </a:t>
-            </a:r>
-          </a:p>
-        </p:txBody>
-      </p:sp>
+              <a:rPr lang="es-PA" dirty="0" smtClean="0"/>
+              <a:t>El circuito de </a:t>
+            </a:r>
+            <a:r>
+              <a:rPr lang="es-PA" dirty="0" err="1" smtClean="0"/>
+              <a:t>op-amp</a:t>
+            </a:r>
+            <a:r>
+              <a:rPr lang="es-PA" dirty="0" smtClean="0"/>
+              <a:t> puede ser representado como</a:t>
+            </a:r>
+          </a:p>
+          <a:p>
+            <a:r>
+              <a:rPr lang="es-PA" dirty="0" smtClean="0"/>
+              <a:t>Exprese v3 en función de v1 y v2</a:t>
+            </a:r>
+          </a:p>
+          <a:p>
+            <a:r>
+              <a:rPr lang="es-PA" dirty="0" smtClean="0"/>
+              <a:t>Encuentre la ganancia de lazo abierto A</a:t>
+            </a:r>
+          </a:p>
+          <a:p>
+            <a:r>
+              <a:rPr lang="es-PA" dirty="0" smtClean="0"/>
+              <a:t>Al final reemplace</a:t>
+            </a:r>
+          </a:p>
+          <a:p>
+            <a:pPr lvl="1"/>
+            <a:r>
+              <a:rPr lang="es-PA" dirty="0" err="1" smtClean="0"/>
+              <a:t>Gm</a:t>
+            </a:r>
+            <a:r>
+              <a:rPr lang="es-PA" dirty="0" smtClean="0"/>
+              <a:t> = 10mA/V</a:t>
+            </a:r>
+          </a:p>
+          <a:p>
+            <a:pPr lvl="1"/>
+            <a:r>
+              <a:rPr lang="es-PA" dirty="0" smtClean="0"/>
+              <a:t>R = 10k</a:t>
+            </a:r>
+          </a:p>
+          <a:p>
+            <a:pPr lvl="1"/>
+            <a:r>
+              <a:rPr lang="es-PA" dirty="0" smtClean="0">
+                <a:sym typeface="Symbol" panose="05050102010706020507" pitchFamily="18" charset="2"/>
+              </a:rPr>
+              <a:t> </a:t>
+            </a:r>
+            <a:r>
+              <a:rPr lang="es-PA" dirty="0" smtClean="0"/>
+              <a:t>= 100</a:t>
+            </a:r>
+          </a:p>
+          <a:p>
+            <a:pPr lvl="1"/>
+            <a:endParaRPr lang="es-PA" dirty="0"/>
+          </a:p>
+        </p:txBody>
+      </p:sp>
+      <p:pic>
+        <p:nvPicPr>
+          <p:cNvPr id="4" name="Imagen 3"/>
+          <p:cNvPicPr>
+            <a:picLocks noChangeAspect="1"/>
+          </p:cNvPicPr>
+          <p:nvPr/>
+        </p:nvPicPr>
+        <p:blipFill>
+          <a:blip r:embed="rId2"/>
+          <a:stretch>
+            <a:fillRect/>
+          </a:stretch>
+        </p:blipFill>
+        <p:spPr>
+          <a:xfrm>
+            <a:off x="7324725" y="1152983"/>
+            <a:ext cx="4867275" cy="4543425"/>
+          </a:xfrm>
+          <a:prstGeom prst="rect">
+            <a:avLst/>
+          </a:prstGeom>
+        </p:spPr>
+      </p:pic>
     </p:spTree>
     <p:extLst>
       <p:ext uri="{BB962C8B-B14F-4D97-AF65-F5344CB8AC3E}">
-        <p14:creationId xmlns:p14="http://schemas.microsoft.com/office/powerpoint/2010/main" val="3622417896"/>
+        <p14:creationId xmlns:p14="http://schemas.microsoft.com/office/powerpoint/2010/main" val="1355629074"/>
       </p:ext>
     </p:extLst>
   </p:cSld>
@@ -17706,7 +18586,6 @@
               <a:rPr lang="en-US" dirty="0" smtClean="0"/>
               <a:t>SN</a:t>
             </a:r>
-            <a:endParaRPr lang="en-US" dirty="0" smtClean="0"/>
           </a:p>
           <a:p>
             <a:r>
@@ -17901,8 +18780,8 @@
         </p:nvSpPr>
         <p:spPr>
           <a:xfrm>
-            <a:off x="310675" y="1335097"/>
-            <a:ext cx="8402585" cy="4425154"/>
+            <a:off x="310675" y="1335096"/>
+            <a:ext cx="11618089" cy="5044921"/>
           </a:xfrm>
         </p:spPr>
         <p:txBody>
@@ -17912,22 +18791,150 @@
           <a:lstStyle/>
           <a:p>
             <a:r>
+              <a:rPr lang="es-PA" dirty="0" smtClean="0"/>
+              <a:t>Respuesta</a:t>
+            </a:r>
+          </a:p>
+          <a:p>
+            <a:r>
+              <a:rPr lang="es-PA" dirty="0" smtClean="0"/>
+              <a:t>v3 = </a:t>
+            </a:r>
+            <a:r>
+              <a:rPr lang="es-PA" dirty="0" smtClean="0">
+                <a:sym typeface="Symbol" panose="05050102010706020507" pitchFamily="18" charset="2"/>
+              </a:rPr>
+              <a:t> </a:t>
+            </a:r>
+            <a:r>
+              <a:rPr lang="es-PA" dirty="0" err="1" smtClean="0">
+                <a:sym typeface="Symbol" panose="05050102010706020507" pitchFamily="18" charset="2"/>
+              </a:rPr>
+              <a:t>vd</a:t>
+            </a:r>
+            <a:endParaRPr lang="es-PA" dirty="0" smtClean="0"/>
+          </a:p>
+          <a:p>
+            <a:r>
+              <a:rPr lang="es-PA" dirty="0" smtClean="0"/>
+              <a:t>Id + </a:t>
+            </a:r>
+            <a:r>
+              <a:rPr lang="es-PA" dirty="0" err="1" smtClean="0"/>
+              <a:t>Gm</a:t>
+            </a:r>
+            <a:r>
+              <a:rPr lang="es-PA" dirty="0" smtClean="0"/>
+              <a:t> v1 = </a:t>
+            </a:r>
+            <a:r>
+              <a:rPr lang="es-PA" dirty="0" err="1" smtClean="0"/>
+              <a:t>Gm</a:t>
+            </a:r>
+            <a:r>
+              <a:rPr lang="es-PA" dirty="0" smtClean="0"/>
+              <a:t> v2</a:t>
+            </a:r>
+          </a:p>
+          <a:p>
+            <a:r>
+              <a:rPr lang="es-PA" dirty="0" err="1" smtClean="0"/>
+              <a:t>vd</a:t>
+            </a:r>
+            <a:r>
+              <a:rPr lang="es-PA" dirty="0" smtClean="0"/>
+              <a:t>/R + </a:t>
+            </a:r>
+            <a:r>
+              <a:rPr lang="es-PA" dirty="0" err="1" smtClean="0"/>
+              <a:t>Gm</a:t>
+            </a:r>
+            <a:r>
+              <a:rPr lang="es-PA" dirty="0" smtClean="0"/>
+              <a:t> v1 = </a:t>
+            </a:r>
+            <a:r>
+              <a:rPr lang="es-PA" dirty="0" err="1" smtClean="0"/>
+              <a:t>Gm</a:t>
+            </a:r>
+            <a:r>
+              <a:rPr lang="es-PA" dirty="0" smtClean="0"/>
+              <a:t> v2</a:t>
+            </a:r>
+          </a:p>
+          <a:p>
+            <a:r>
+              <a:rPr lang="es-PA" dirty="0" err="1" smtClean="0"/>
+              <a:t>vd</a:t>
+            </a:r>
+            <a:r>
+              <a:rPr lang="es-PA" dirty="0" smtClean="0"/>
+              <a:t> = </a:t>
+            </a:r>
+            <a:r>
+              <a:rPr lang="es-PA" dirty="0" err="1" smtClean="0"/>
+              <a:t>GmR</a:t>
+            </a:r>
+            <a:r>
+              <a:rPr lang="es-PA" dirty="0" smtClean="0"/>
+              <a:t>(v2 – v1)</a:t>
+            </a:r>
+          </a:p>
+          <a:p>
+            <a:r>
+              <a:rPr lang="es-PA" dirty="0" smtClean="0"/>
+              <a:t>v3 = </a:t>
+            </a:r>
+            <a:r>
+              <a:rPr lang="es-PA" dirty="0" smtClean="0">
+                <a:sym typeface="Symbol" panose="05050102010706020507" pitchFamily="18" charset="2"/>
+              </a:rPr>
+              <a:t></a:t>
+            </a:r>
+            <a:r>
+              <a:rPr lang="es-PA" dirty="0" err="1"/>
+              <a:t>GmR</a:t>
+            </a:r>
+            <a:r>
               <a:rPr lang="es-PA" dirty="0"/>
-              <a:t>C. Configuración básica con amplificadores operacionales </a:t>
-            </a:r>
-          </a:p>
-          <a:p>
-            <a:r>
-              <a:rPr lang="es-PA" dirty="0"/>
-              <a:t>1. Amplificador no inversor </a:t>
-            </a:r>
-          </a:p>
-        </p:txBody>
-      </p:sp>
+              <a:t>(v2 – v1</a:t>
+            </a:r>
+            <a:r>
+              <a:rPr lang="es-PA" dirty="0" smtClean="0"/>
+              <a:t>)</a:t>
+            </a:r>
+            <a:endParaRPr lang="es-PA" dirty="0"/>
+          </a:p>
+        </p:txBody>
+      </p:sp>
+      <p:pic>
+        <p:nvPicPr>
+          <p:cNvPr id="4" name="Imagen 3"/>
+          <p:cNvPicPr>
+            <a:picLocks noChangeAspect="1"/>
+          </p:cNvPicPr>
+          <p:nvPr/>
+        </p:nvPicPr>
+        <p:blipFill>
+          <a:blip r:embed="rId2"/>
+          <a:stretch>
+            <a:fillRect/>
+          </a:stretch>
+        </p:blipFill>
+        <p:spPr>
+          <a:xfrm>
+            <a:off x="7324725" y="1152983"/>
+            <a:ext cx="4867275" cy="4543425"/>
+          </a:xfrm>
+          <a:prstGeom prst="rect">
+            <a:avLst/>
+          </a:prstGeom>
+        </p:spPr>
+      </p:pic>
     </p:spTree>
     <p:extLst>
       <p:ext uri="{BB962C8B-B14F-4D97-AF65-F5344CB8AC3E}">
-        <p14:creationId xmlns:p14="http://schemas.microsoft.com/office/powerpoint/2010/main" val="3456794919"/>
+        <p14:creationId xmlns:p14="http://schemas.microsoft.com/office/powerpoint/2010/main" val="3390275490"/>
       </p:ext>
     </p:extLst>
   </p:cSld>
@@ -18001,8 +19008,8 @@
         </p:nvSpPr>
         <p:spPr>
           <a:xfrm>
-            <a:off x="310675" y="1335097"/>
-            <a:ext cx="8402585" cy="4425154"/>
+            <a:off x="310675" y="1335096"/>
+            <a:ext cx="11618089" cy="5044921"/>
           </a:xfrm>
         </p:spPr>
         <p:txBody>
@@ -18012,16 +19019,233 @@
           <a:lstStyle/>
           <a:p>
             <a:r>
-              <a:rPr lang="es-PA" dirty="0"/>
-              <a:t>2. Amplificador inversor </a:t>
-            </a:r>
-          </a:p>
-        </p:txBody>
-      </p:sp>
+              <a:rPr lang="es-PA" dirty="0" smtClean="0"/>
+              <a:t>La ganancia del </a:t>
+            </a:r>
+            <a:r>
+              <a:rPr lang="es-PA" dirty="0" err="1" smtClean="0"/>
+              <a:t>op-amp</a:t>
+            </a:r>
+            <a:r>
+              <a:rPr lang="es-PA" dirty="0" smtClean="0"/>
+              <a:t> ideal inversor de lazo cerrado es –R2/R1</a:t>
+            </a:r>
+          </a:p>
+          <a:p>
+            <a:r>
+              <a:rPr lang="es-PA" dirty="0" smtClean="0"/>
+              <a:t>Pero los efectos de la ganancia de lazo abierto se muestran a continuación</a:t>
+            </a:r>
+          </a:p>
+          <a:p>
+            <a:r>
+              <a:rPr lang="es-PA" dirty="0" smtClean="0"/>
+              <a:t>Del siguiente operacional se tiene la salida abierta</a:t>
+            </a:r>
+          </a:p>
+          <a:p>
+            <a:pPr lvl="1"/>
+            <a:r>
+              <a:rPr lang="es-PA" dirty="0" smtClean="0"/>
+              <a:t>Podemos calcular el voltaje en el punto v1</a:t>
+            </a:r>
+          </a:p>
+          <a:p>
+            <a:pPr lvl="2"/>
+            <a:r>
+              <a:rPr lang="es-PA" dirty="0" smtClean="0"/>
+              <a:t>A(v2 – v1) = </a:t>
+            </a:r>
+            <a:r>
+              <a:rPr lang="es-PA" dirty="0" err="1" smtClean="0"/>
+              <a:t>vo</a:t>
+            </a:r>
+            <a:endParaRPr lang="es-PA" dirty="0" smtClean="0"/>
+          </a:p>
+          <a:p>
+            <a:pPr lvl="2"/>
+            <a:r>
+              <a:rPr lang="es-PA" dirty="0" smtClean="0"/>
+              <a:t>v1 = -</a:t>
+            </a:r>
+            <a:r>
+              <a:rPr lang="es-PA" dirty="0" err="1" smtClean="0"/>
+              <a:t>vo</a:t>
+            </a:r>
+            <a:r>
+              <a:rPr lang="es-PA" dirty="0" smtClean="0"/>
+              <a:t>/A</a:t>
+            </a:r>
+          </a:p>
+          <a:p>
+            <a:pPr lvl="1"/>
+            <a:r>
+              <a:rPr lang="es-PA" dirty="0" smtClean="0"/>
+              <a:t>Calculamos con leyes de </a:t>
+            </a:r>
+            <a:r>
+              <a:rPr lang="es-PA" dirty="0" err="1" smtClean="0"/>
+              <a:t>kirchoff</a:t>
+            </a:r>
+            <a:r>
+              <a:rPr lang="es-PA" dirty="0" smtClean="0"/>
+              <a:t>  los datos restantes</a:t>
+            </a:r>
+          </a:p>
+          <a:p>
+            <a:r>
+              <a:rPr lang="es-PA" dirty="0" smtClean="0"/>
+              <a:t>Notar si A tiende a </a:t>
+            </a:r>
+            <a:r>
+              <a:rPr lang="es-PA" dirty="0" err="1" smtClean="0"/>
+              <a:t>inf</a:t>
+            </a:r>
+            <a:r>
+              <a:rPr lang="es-PA" dirty="0" smtClean="0"/>
+              <a:t>.</a:t>
+            </a:r>
+          </a:p>
+          <a:p>
+            <a:pPr lvl="1"/>
+            <a:r>
+              <a:rPr lang="es-PA" dirty="0" smtClean="0"/>
+              <a:t>-R2/R1</a:t>
+            </a:r>
+          </a:p>
+          <a:p>
+            <a:r>
+              <a:rPr lang="es-PA" dirty="0" smtClean="0"/>
+              <a:t>Concluimos a lazo cerrado</a:t>
+            </a:r>
+            <a:endParaRPr lang="es-PA" dirty="0"/>
+          </a:p>
+        </p:txBody>
+      </p:sp>
+      <p:pic>
+        <p:nvPicPr>
+          <p:cNvPr id="5" name="Imagen 4"/>
+          <p:cNvPicPr>
+            <a:picLocks noChangeAspect="1"/>
+          </p:cNvPicPr>
+          <p:nvPr/>
+        </p:nvPicPr>
+        <p:blipFill>
+          <a:blip r:embed="rId2"/>
+          <a:stretch>
+            <a:fillRect/>
+          </a:stretch>
+        </p:blipFill>
+        <p:spPr>
+          <a:xfrm>
+            <a:off x="7691174" y="2265219"/>
+            <a:ext cx="4237590" cy="2701635"/>
+          </a:xfrm>
+          <a:prstGeom prst="rect">
+            <a:avLst/>
+          </a:prstGeom>
+        </p:spPr>
+      </p:pic>
+      <p:pic>
+        <p:nvPicPr>
+          <p:cNvPr id="6" name="Imagen 5"/>
+          <p:cNvPicPr>
+            <a:picLocks noChangeAspect="1"/>
+          </p:cNvPicPr>
+          <p:nvPr/>
+        </p:nvPicPr>
+        <p:blipFill>
+          <a:blip r:embed="rId3"/>
+          <a:stretch>
+            <a:fillRect/>
+          </a:stretch>
+        </p:blipFill>
+        <p:spPr>
+          <a:xfrm>
+            <a:off x="4035452" y="4132876"/>
+            <a:ext cx="3493167" cy="957262"/>
+          </a:xfrm>
+          <a:prstGeom prst="rect">
+            <a:avLst/>
+          </a:prstGeom>
+        </p:spPr>
+      </p:pic>
+      <p:pic>
+        <p:nvPicPr>
+          <p:cNvPr id="7" name="Imagen 6"/>
+          <p:cNvPicPr>
+            <a:picLocks noChangeAspect="1"/>
+          </p:cNvPicPr>
+          <p:nvPr/>
+        </p:nvPicPr>
+        <p:blipFill>
+          <a:blip r:embed="rId4"/>
+          <a:stretch>
+            <a:fillRect/>
+          </a:stretch>
+        </p:blipFill>
+        <p:spPr>
+          <a:xfrm>
+            <a:off x="9001351" y="5110919"/>
+            <a:ext cx="3004424" cy="1621199"/>
+          </a:xfrm>
+          <a:prstGeom prst="rect">
+            <a:avLst/>
+          </a:prstGeom>
+        </p:spPr>
+      </p:pic>
+      <p:pic>
+        <p:nvPicPr>
+          <p:cNvPr id="8" name="Imagen 7"/>
+          <p:cNvPicPr>
+            <a:picLocks noChangeAspect="1"/>
+          </p:cNvPicPr>
+          <p:nvPr/>
+        </p:nvPicPr>
+        <p:blipFill>
+          <a:blip r:embed="rId5"/>
+          <a:stretch>
+            <a:fillRect/>
+          </a:stretch>
+        </p:blipFill>
+        <p:spPr>
+          <a:xfrm>
+            <a:off x="233664" y="5483800"/>
+            <a:ext cx="3274844" cy="957262"/>
+          </a:xfrm>
+          <a:prstGeom prst="rect">
+            <a:avLst/>
+          </a:prstGeom>
+        </p:spPr>
+      </p:pic>
+      <p:pic>
+        <p:nvPicPr>
+          <p:cNvPr id="9" name="Imagen 8"/>
+          <p:cNvPicPr>
+            <a:picLocks noChangeAspect="1"/>
+          </p:cNvPicPr>
+          <p:nvPr/>
+        </p:nvPicPr>
+        <p:blipFill>
+          <a:blip r:embed="rId6"/>
+          <a:stretch>
+            <a:fillRect/>
+          </a:stretch>
+        </p:blipFill>
+        <p:spPr>
+          <a:xfrm>
+            <a:off x="3585519" y="5524818"/>
+            <a:ext cx="1571834" cy="875226"/>
+          </a:xfrm>
+          <a:prstGeom prst="rect">
+            <a:avLst/>
+          </a:prstGeom>
+        </p:spPr>
+      </p:pic>
     </p:spTree>
     <p:extLst>
       <p:ext uri="{BB962C8B-B14F-4D97-AF65-F5344CB8AC3E}">
-        <p14:creationId xmlns:p14="http://schemas.microsoft.com/office/powerpoint/2010/main" val="1743412750"/>
+        <p14:creationId xmlns:p14="http://schemas.microsoft.com/office/powerpoint/2010/main" val="1499809690"/>
       </p:ext>
     </p:extLst>
   </p:cSld>
@@ -18095,8 +19319,8 @@
         </p:nvSpPr>
         <p:spPr>
           <a:xfrm>
-            <a:off x="310675" y="1335097"/>
-            <a:ext cx="8402585" cy="4425154"/>
+            <a:off x="310675" y="1335096"/>
+            <a:ext cx="11618089" cy="5044921"/>
           </a:xfrm>
         </p:spPr>
         <p:txBody>
@@ -18106,16 +19330,160 @@
           <a:lstStyle/>
           <a:p>
             <a:r>
-              <a:rPr lang="es-PA" dirty="0"/>
-              <a:t>3. Seguidor de tensión </a:t>
-            </a:r>
-          </a:p>
-        </p:txBody>
-      </p:sp>
+              <a:rPr lang="es-PA" dirty="0" smtClean="0"/>
+              <a:t>Considere la configuración inversora con R1 = 1k y R2 = 100k.  La ganancia ideal es </a:t>
+            </a:r>
+            <a:r>
+              <a:rPr lang="es-PA" dirty="0" err="1" smtClean="0"/>
+              <a:t>Av</a:t>
+            </a:r>
+            <a:r>
+              <a:rPr lang="es-PA" dirty="0" smtClean="0"/>
+              <a:t> = -100</a:t>
+            </a:r>
+          </a:p>
+          <a:p>
+            <a:r>
+              <a:rPr lang="es-PA" dirty="0" smtClean="0"/>
+              <a:t>Parte 1</a:t>
+            </a:r>
+          </a:p>
+          <a:p>
+            <a:pPr lvl="1"/>
+            <a:r>
+              <a:rPr lang="es-PA" dirty="0" smtClean="0"/>
+              <a:t>Encuentre las ganancias a lazo cerrado de A = 10^3, 10^4, 10^5</a:t>
+            </a:r>
+          </a:p>
+          <a:p>
+            <a:pPr lvl="1"/>
+            <a:r>
+              <a:rPr lang="es-PA" dirty="0" smtClean="0"/>
+              <a:t>En cada caso determine el porcentaje de error </a:t>
+            </a:r>
+            <a:r>
+              <a:rPr lang="es-PA" dirty="0" err="1" smtClean="0"/>
+              <a:t>Gideal</a:t>
+            </a:r>
+            <a:r>
+              <a:rPr lang="es-PA" dirty="0" smtClean="0"/>
+              <a:t> vs </a:t>
+            </a:r>
+            <a:r>
+              <a:rPr lang="es-PA" dirty="0" err="1" smtClean="0"/>
+              <a:t>Greal</a:t>
+            </a:r>
+            <a:endParaRPr lang="es-PA" dirty="0" smtClean="0"/>
+          </a:p>
+          <a:p>
+            <a:pPr lvl="1"/>
+            <a:r>
+              <a:rPr lang="es-PA" dirty="0" smtClean="0"/>
+              <a:t>Determine el voltaje v1 cuando vi = 0.1</a:t>
+            </a:r>
+          </a:p>
+          <a:p>
+            <a:endParaRPr lang="es-PA" dirty="0" smtClean="0"/>
+          </a:p>
+          <a:p>
+            <a:endParaRPr lang="es-PA" dirty="0"/>
+          </a:p>
+          <a:p>
+            <a:r>
+              <a:rPr lang="es-PA" dirty="0" smtClean="0"/>
+              <a:t>Parte 2</a:t>
+            </a:r>
+          </a:p>
+          <a:p>
+            <a:pPr lvl="1"/>
+            <a:r>
+              <a:rPr lang="es-PA" dirty="0" smtClean="0"/>
+              <a:t>Si la ganancia a lazo abierto cambia de 100 000 a 50 000, cual  es el porcentaje de cambio en la magnitud de lazo cerrado de </a:t>
+            </a:r>
+            <a:r>
+              <a:rPr lang="es-PA" dirty="0" err="1" smtClean="0"/>
+              <a:t>Av</a:t>
+            </a:r>
+            <a:endParaRPr lang="es-PA" dirty="0" smtClean="0"/>
+          </a:p>
+        </p:txBody>
+      </p:sp>
+      <p:pic>
+        <p:nvPicPr>
+          <p:cNvPr id="4" name="Imagen 3"/>
+          <p:cNvPicPr>
+            <a:picLocks noChangeAspect="1"/>
+          </p:cNvPicPr>
+          <p:nvPr/>
+        </p:nvPicPr>
+        <p:blipFill>
+          <a:blip r:embed="rId2"/>
+          <a:stretch>
+            <a:fillRect/>
+          </a:stretch>
+        </p:blipFill>
+        <p:spPr>
+          <a:xfrm>
+            <a:off x="8570823" y="2774570"/>
+            <a:ext cx="2831757" cy="931499"/>
+          </a:xfrm>
+          <a:prstGeom prst="rect">
+            <a:avLst/>
+          </a:prstGeom>
+        </p:spPr>
+      </p:pic>
+      <p:pic>
+        <p:nvPicPr>
+          <p:cNvPr id="10" name="Imagen 9"/>
+          <p:cNvPicPr>
+            <a:picLocks noChangeAspect="1"/>
+          </p:cNvPicPr>
+          <p:nvPr/>
+        </p:nvPicPr>
+        <p:blipFill>
+          <a:blip r:embed="rId3"/>
+          <a:stretch>
+            <a:fillRect/>
+          </a:stretch>
+        </p:blipFill>
+        <p:spPr>
+          <a:xfrm>
+            <a:off x="8570823" y="3857556"/>
+            <a:ext cx="2860431" cy="581025"/>
+          </a:xfrm>
+          <a:prstGeom prst="rect">
+            <a:avLst/>
+          </a:prstGeom>
+        </p:spPr>
+      </p:pic>
+      <p:pic>
+        <p:nvPicPr>
+          <p:cNvPr id="11" name="Imagen 10"/>
+          <p:cNvPicPr>
+            <a:picLocks noChangeAspect="1"/>
+          </p:cNvPicPr>
+          <p:nvPr/>
+        </p:nvPicPr>
+        <p:blipFill>
+          <a:blip r:embed="rId4"/>
+          <a:stretch>
+            <a:fillRect/>
+          </a:stretch>
+        </p:blipFill>
+        <p:spPr>
+          <a:xfrm>
+            <a:off x="8570823" y="1685554"/>
+            <a:ext cx="3274844" cy="957262"/>
+          </a:xfrm>
+          <a:prstGeom prst="rect">
+            <a:avLst/>
+          </a:prstGeom>
+        </p:spPr>
+      </p:pic>
     </p:spTree>
     <p:extLst>
       <p:ext uri="{BB962C8B-B14F-4D97-AF65-F5344CB8AC3E}">
-        <p14:creationId xmlns:p14="http://schemas.microsoft.com/office/powerpoint/2010/main" val="2876870444"/>
+        <p14:creationId xmlns:p14="http://schemas.microsoft.com/office/powerpoint/2010/main" val="3954865180"/>
       </p:ext>
     </p:extLst>
   </p:cSld>
@@ -18189,8 +19557,8 @@
         </p:nvSpPr>
         <p:spPr>
           <a:xfrm>
-            <a:off x="310675" y="1335097"/>
-            <a:ext cx="8402585" cy="4425154"/>
+            <a:off x="310675" y="1335096"/>
+            <a:ext cx="11618089" cy="5044921"/>
           </a:xfrm>
         </p:spPr>
         <p:txBody>
@@ -18200,16 +19568,85 @@
           <a:lstStyle/>
           <a:p>
             <a:r>
-              <a:rPr lang="es-PA" dirty="0"/>
-              <a:t>4. Sumador de tensión </a:t>
-            </a:r>
-          </a:p>
-        </p:txBody>
-      </p:sp>
+              <a:rPr lang="es-PA" dirty="0" smtClean="0"/>
+              <a:t>Respuesta</a:t>
+            </a:r>
+          </a:p>
+          <a:p>
+            <a:endParaRPr lang="es-PA" dirty="0"/>
+          </a:p>
+          <a:p>
+            <a:r>
+              <a:rPr lang="es-PA" dirty="0" smtClean="0"/>
+              <a:t>1</a:t>
+            </a:r>
+          </a:p>
+          <a:p>
+            <a:endParaRPr lang="es-PA" dirty="0"/>
+          </a:p>
+          <a:p>
+            <a:endParaRPr lang="es-PA" dirty="0" smtClean="0"/>
+          </a:p>
+          <a:p>
+            <a:endParaRPr lang="es-PA" dirty="0"/>
+          </a:p>
+          <a:p>
+            <a:endParaRPr lang="es-PA" dirty="0" smtClean="0"/>
+          </a:p>
+          <a:p>
+            <a:r>
+              <a:rPr lang="es-PA" dirty="0" smtClean="0"/>
+              <a:t>2</a:t>
+            </a:r>
+          </a:p>
+          <a:p>
+            <a:r>
+              <a:rPr lang="es-PA" dirty="0" smtClean="0"/>
+              <a:t>G = -99.899 @ 100 000</a:t>
+            </a:r>
+          </a:p>
+          <a:p>
+            <a:r>
+              <a:rPr lang="es-PA" dirty="0" smtClean="0"/>
+              <a:t>G = -99.798 @ 50 000</a:t>
+            </a:r>
+          </a:p>
+          <a:p>
+            <a:r>
+              <a:rPr lang="es-PA" dirty="0" smtClean="0"/>
+              <a:t>Se redujo a 0.1V @ -0.1%</a:t>
+            </a:r>
+          </a:p>
+        </p:txBody>
+      </p:sp>
+      <p:pic>
+        <p:nvPicPr>
+          <p:cNvPr id="4" name="Imagen 3"/>
+          <p:cNvPicPr>
+            <a:picLocks noChangeAspect="1"/>
+          </p:cNvPicPr>
+          <p:nvPr/>
+        </p:nvPicPr>
+        <p:blipFill>
+          <a:blip r:embed="rId2"/>
+          <a:stretch>
+            <a:fillRect/>
+          </a:stretch>
+        </p:blipFill>
+        <p:spPr>
+          <a:xfrm>
+            <a:off x="2805112" y="1853248"/>
+            <a:ext cx="6143584" cy="2261319"/>
+          </a:xfrm>
+          <a:prstGeom prst="rect">
+            <a:avLst/>
+          </a:prstGeom>
+        </p:spPr>
+      </p:pic>
     </p:spTree>
     <p:extLst>
       <p:ext uri="{BB962C8B-B14F-4D97-AF65-F5344CB8AC3E}">
-        <p14:creationId xmlns:p14="http://schemas.microsoft.com/office/powerpoint/2010/main" val="29539714"/>
+        <p14:creationId xmlns:p14="http://schemas.microsoft.com/office/powerpoint/2010/main" val="3080396104"/>
       </p:ext>
     </p:extLst>
   </p:cSld>
@@ -18283,8 +19720,8 @@
         </p:nvSpPr>
         <p:spPr>
           <a:xfrm>
-            <a:off x="310675" y="1335097"/>
-            <a:ext cx="8402585" cy="4425154"/>
+            <a:off x="310675" y="1335096"/>
+            <a:ext cx="11618089" cy="5044921"/>
           </a:xfrm>
         </p:spPr>
         <p:txBody>
@@ -18294,16 +19731,99 @@
           <a:lstStyle/>
           <a:p>
             <a:r>
-              <a:rPr lang="es-PA" dirty="0"/>
-              <a:t>5. Integrador </a:t>
-            </a:r>
-          </a:p>
-        </p:txBody>
-      </p:sp>
+              <a:rPr lang="es-PA" dirty="0" smtClean="0"/>
+              <a:t>Resistencias de Entrada y Salida</a:t>
+            </a:r>
+          </a:p>
+          <a:p>
+            <a:endParaRPr lang="es-PA" dirty="0"/>
+          </a:p>
+          <a:p>
+            <a:r>
+              <a:rPr lang="es-PA" dirty="0" smtClean="0"/>
+              <a:t>Para el amplificador ideal la resistencia de entrada es</a:t>
+            </a:r>
+          </a:p>
+          <a:p>
+            <a:r>
+              <a:rPr lang="es-PA" dirty="0" smtClean="0"/>
+              <a:t>Para que esto ocurre Rin debe ser mayor que R1</a:t>
+            </a:r>
+          </a:p>
+          <a:p>
+            <a:r>
+              <a:rPr lang="es-PA" dirty="0" smtClean="0"/>
+              <a:t>Pero si -R2/R1 es de alta ganancia, R1 debe ser menor</a:t>
+            </a:r>
+          </a:p>
+          <a:p>
+            <a:r>
+              <a:rPr lang="es-PA" dirty="0" smtClean="0"/>
+              <a:t>No podemos seleccionar R1 en </a:t>
+            </a:r>
+            <a:r>
+              <a:rPr lang="es-PA" dirty="0" err="1" smtClean="0"/>
+              <a:t>Megaohms</a:t>
+            </a:r>
+            <a:r>
+              <a:rPr lang="es-PA" dirty="0" smtClean="0"/>
+              <a:t> pues R2 sería impráctico de conseguir</a:t>
+            </a:r>
+          </a:p>
+          <a:p>
+            <a:endParaRPr lang="es-PA" dirty="0"/>
+          </a:p>
+          <a:p>
+            <a:r>
+              <a:rPr lang="es-PA" dirty="0" smtClean="0"/>
+              <a:t>La solución a este problema se ve mejor en un ejemplo:</a:t>
+            </a:r>
+          </a:p>
+          <a:p>
+            <a:pPr lvl="1"/>
+            <a:r>
+              <a:rPr lang="es-PA" dirty="0" smtClean="0"/>
+              <a:t>Diseñe un circuito de </a:t>
+            </a:r>
+            <a:r>
+              <a:rPr lang="es-PA" dirty="0" err="1" smtClean="0"/>
+              <a:t>op-amp</a:t>
+            </a:r>
+            <a:r>
+              <a:rPr lang="es-PA" dirty="0" smtClean="0"/>
+              <a:t> inversor con ganancia 100 y resistencia de entrada de 1Mohm</a:t>
+            </a:r>
+          </a:p>
+        </p:txBody>
+      </p:sp>
+      <p:pic>
+        <p:nvPicPr>
+          <p:cNvPr id="5" name="Imagen 4"/>
+          <p:cNvPicPr>
+            <a:picLocks noChangeAspect="1"/>
+          </p:cNvPicPr>
+          <p:nvPr/>
+        </p:nvPicPr>
+        <p:blipFill>
+          <a:blip r:embed="rId2"/>
+          <a:stretch>
+            <a:fillRect/>
+          </a:stretch>
+        </p:blipFill>
+        <p:spPr>
+          <a:xfrm>
+            <a:off x="7627793" y="2020706"/>
+            <a:ext cx="2077316" cy="714920"/>
+          </a:xfrm>
+          <a:prstGeom prst="rect">
+            <a:avLst/>
+          </a:prstGeom>
+        </p:spPr>
+      </p:pic>
     </p:spTree>
     <p:extLst>
       <p:ext uri="{BB962C8B-B14F-4D97-AF65-F5344CB8AC3E}">
-        <p14:creationId xmlns:p14="http://schemas.microsoft.com/office/powerpoint/2010/main" val="1800350710"/>
+        <p14:creationId xmlns:p14="http://schemas.microsoft.com/office/powerpoint/2010/main" val="690124781"/>
       </p:ext>
     </p:extLst>
   </p:cSld>
@@ -18377,33 +19897,326 @@
         </p:nvSpPr>
         <p:spPr>
           <a:xfrm>
-            <a:off x="310675" y="1335097"/>
-            <a:ext cx="8402585" cy="4425154"/>
+            <a:off x="310675" y="1335096"/>
+            <a:ext cx="11618089" cy="5044921"/>
           </a:xfrm>
         </p:spPr>
         <p:txBody>
           <a:bodyPr>
-            <a:normAutofit/>
+            <a:normAutofit lnSpcReduction="10000"/>
           </a:bodyPr>
           <a:lstStyle/>
           <a:p>
             <a:r>
-              <a:rPr lang="es-PA" dirty="0"/>
-              <a:t>D. Realimentación negativa </a:t>
-            </a:r>
-          </a:p>
-          <a:p>
-            <a:r>
-              <a:rPr lang="es-PA" dirty="0"/>
-              <a:t>1. Concepto de retroalimentación </a:t>
-            </a:r>
-          </a:p>
-        </p:txBody>
-      </p:sp>
+              <a:rPr lang="es-PA" dirty="0" smtClean="0"/>
+              <a:t>Podemos conseguir el voltaje y la corriente (1) y (2)</a:t>
+            </a:r>
+          </a:p>
+          <a:p>
+            <a:endParaRPr lang="es-PA" dirty="0"/>
+          </a:p>
+          <a:p>
+            <a:endParaRPr lang="es-PA" dirty="0" smtClean="0"/>
+          </a:p>
+          <a:p>
+            <a:r>
+              <a:rPr lang="es-PA" dirty="0" smtClean="0"/>
+              <a:t>La corriente en (4)</a:t>
+            </a:r>
+          </a:p>
+          <a:p>
+            <a:endParaRPr lang="es-PA" dirty="0"/>
+          </a:p>
+          <a:p>
+            <a:r>
+              <a:rPr lang="es-PA" dirty="0" smtClean="0"/>
+              <a:t>El voltaje en (5) en el nodo x </a:t>
+            </a:r>
+          </a:p>
+          <a:p>
+            <a:endParaRPr lang="es-PA" dirty="0"/>
+          </a:p>
+          <a:p>
+            <a:r>
+              <a:rPr lang="es-PA" dirty="0" smtClean="0"/>
+              <a:t>Tenemos entonces en (6) i3</a:t>
+            </a:r>
+          </a:p>
+          <a:p>
+            <a:endParaRPr lang="es-PA" dirty="0"/>
+          </a:p>
+          <a:p>
+            <a:r>
+              <a:rPr lang="es-PA" dirty="0" smtClean="0"/>
+              <a:t>Por </a:t>
+            </a:r>
+            <a:r>
+              <a:rPr lang="es-PA" dirty="0" err="1" smtClean="0"/>
+              <a:t>kirchoff</a:t>
+            </a:r>
+            <a:r>
+              <a:rPr lang="es-PA" dirty="0" smtClean="0"/>
+              <a:t> (7)</a:t>
+            </a:r>
+          </a:p>
+          <a:p>
+            <a:endParaRPr lang="es-PA" dirty="0"/>
+          </a:p>
+          <a:p>
+            <a:r>
+              <a:rPr lang="es-PA" dirty="0" smtClean="0"/>
+              <a:t>Y simplificando tenemos </a:t>
+            </a:r>
+          </a:p>
+          <a:p>
+            <a:endParaRPr lang="es-PA" dirty="0" smtClean="0"/>
+          </a:p>
+        </p:txBody>
+      </p:sp>
+      <p:pic>
+        <p:nvPicPr>
+          <p:cNvPr id="4" name="Imagen 3"/>
+          <p:cNvPicPr>
+            <a:picLocks noChangeAspect="1"/>
+          </p:cNvPicPr>
+          <p:nvPr/>
+        </p:nvPicPr>
+        <p:blipFill>
+          <a:blip r:embed="rId2"/>
+          <a:stretch>
+            <a:fillRect/>
+          </a:stretch>
+        </p:blipFill>
+        <p:spPr>
+          <a:xfrm>
+            <a:off x="7491446" y="24448"/>
+            <a:ext cx="4680065" cy="3158836"/>
+          </a:xfrm>
+          <a:prstGeom prst="rect">
+            <a:avLst/>
+          </a:prstGeom>
+        </p:spPr>
+      </p:pic>
+      <p:pic>
+        <p:nvPicPr>
+          <p:cNvPr id="6" name="Imagen 5"/>
+          <p:cNvPicPr>
+            <a:picLocks noChangeAspect="1"/>
+          </p:cNvPicPr>
+          <p:nvPr/>
+        </p:nvPicPr>
+        <p:blipFill>
+          <a:blip r:embed="rId3"/>
+          <a:stretch>
+            <a:fillRect/>
+          </a:stretch>
+        </p:blipFill>
+        <p:spPr>
+          <a:xfrm>
+            <a:off x="721283" y="1668882"/>
+            <a:ext cx="2231664" cy="784649"/>
+          </a:xfrm>
+          <a:prstGeom prst="rect">
+            <a:avLst/>
+          </a:prstGeom>
+        </p:spPr>
+      </p:pic>
+      <p:pic>
+        <p:nvPicPr>
+          <p:cNvPr id="7" name="Imagen 6"/>
+          <p:cNvPicPr>
+            <a:picLocks noChangeAspect="1"/>
+          </p:cNvPicPr>
+          <p:nvPr/>
+        </p:nvPicPr>
+        <p:blipFill>
+          <a:blip r:embed="rId4"/>
+          <a:stretch>
+            <a:fillRect/>
+          </a:stretch>
+        </p:blipFill>
+        <p:spPr>
+          <a:xfrm>
+            <a:off x="3268077" y="1695567"/>
+            <a:ext cx="2419350" cy="685800"/>
+          </a:xfrm>
+          <a:prstGeom prst="rect">
+            <a:avLst/>
+          </a:prstGeom>
+        </p:spPr>
+      </p:pic>
+      <p:pic>
+        <p:nvPicPr>
+          <p:cNvPr id="8" name="Imagen 7"/>
+          <p:cNvPicPr>
+            <a:picLocks noChangeAspect="1"/>
+          </p:cNvPicPr>
+          <p:nvPr/>
+        </p:nvPicPr>
+        <p:blipFill>
+          <a:blip r:embed="rId5"/>
+          <a:stretch>
+            <a:fillRect/>
+          </a:stretch>
+        </p:blipFill>
+        <p:spPr>
+          <a:xfrm>
+            <a:off x="3250563" y="2505436"/>
+            <a:ext cx="1636431" cy="818216"/>
+          </a:xfrm>
+          <a:prstGeom prst="rect">
+            <a:avLst/>
+          </a:prstGeom>
+        </p:spPr>
+      </p:pic>
+      <p:pic>
+        <p:nvPicPr>
+          <p:cNvPr id="9" name="Imagen 8"/>
+          <p:cNvPicPr>
+            <a:picLocks noChangeAspect="1"/>
+          </p:cNvPicPr>
+          <p:nvPr/>
+        </p:nvPicPr>
+        <p:blipFill>
+          <a:blip r:embed="rId6"/>
+          <a:stretch>
+            <a:fillRect/>
+          </a:stretch>
+        </p:blipFill>
+        <p:spPr>
+          <a:xfrm>
+            <a:off x="4386296" y="3424642"/>
+            <a:ext cx="3105150" cy="762000"/>
+          </a:xfrm>
+          <a:prstGeom prst="rect">
+            <a:avLst/>
+          </a:prstGeom>
+        </p:spPr>
+      </p:pic>
+      <p:pic>
+        <p:nvPicPr>
+          <p:cNvPr id="10" name="Imagen 9"/>
+          <p:cNvPicPr>
+            <a:picLocks noChangeAspect="1"/>
+          </p:cNvPicPr>
+          <p:nvPr/>
+        </p:nvPicPr>
+        <p:blipFill>
+          <a:blip r:embed="rId7"/>
+          <a:stretch>
+            <a:fillRect/>
+          </a:stretch>
+        </p:blipFill>
+        <p:spPr>
+          <a:xfrm>
+            <a:off x="4386296" y="4264125"/>
+            <a:ext cx="2410680" cy="693639"/>
+          </a:xfrm>
+          <a:prstGeom prst="rect">
+            <a:avLst/>
+          </a:prstGeom>
+        </p:spPr>
+      </p:pic>
+      <p:pic>
+        <p:nvPicPr>
+          <p:cNvPr id="11" name="Imagen 10"/>
+          <p:cNvPicPr>
+            <a:picLocks noChangeAspect="1"/>
+          </p:cNvPicPr>
+          <p:nvPr/>
+        </p:nvPicPr>
+        <p:blipFill>
+          <a:blip r:embed="rId8"/>
+          <a:stretch>
+            <a:fillRect/>
+          </a:stretch>
+        </p:blipFill>
+        <p:spPr>
+          <a:xfrm>
+            <a:off x="2699232" y="5028346"/>
+            <a:ext cx="2892404" cy="744825"/>
+          </a:xfrm>
+          <a:prstGeom prst="rect">
+            <a:avLst/>
+          </a:prstGeom>
+        </p:spPr>
+      </p:pic>
+      <p:pic>
+        <p:nvPicPr>
+          <p:cNvPr id="12" name="Imagen 11"/>
+          <p:cNvPicPr>
+            <a:picLocks noChangeAspect="1"/>
+          </p:cNvPicPr>
+          <p:nvPr/>
+        </p:nvPicPr>
+        <p:blipFill>
+          <a:blip r:embed="rId9"/>
+          <a:stretch>
+            <a:fillRect/>
+          </a:stretch>
+        </p:blipFill>
+        <p:spPr>
+          <a:xfrm>
+            <a:off x="3939476" y="5814412"/>
+            <a:ext cx="2857500" cy="952500"/>
+          </a:xfrm>
+          <a:prstGeom prst="rect">
+            <a:avLst/>
+          </a:prstGeom>
+        </p:spPr>
+      </p:pic>
+      <p:pic>
+        <p:nvPicPr>
+          <p:cNvPr id="13" name="Imagen 12"/>
+          <p:cNvPicPr>
+            <a:picLocks noChangeAspect="1"/>
+          </p:cNvPicPr>
+          <p:nvPr/>
+        </p:nvPicPr>
+        <p:blipFill>
+          <a:blip r:embed="rId10"/>
+          <a:stretch>
+            <a:fillRect/>
+          </a:stretch>
+        </p:blipFill>
+        <p:spPr>
+          <a:xfrm>
+            <a:off x="6938492" y="5812376"/>
+            <a:ext cx="3556627" cy="954536"/>
+          </a:xfrm>
+          <a:prstGeom prst="rect">
+            <a:avLst/>
+          </a:prstGeom>
+        </p:spPr>
+      </p:pic>
+      <p:pic>
+        <p:nvPicPr>
+          <p:cNvPr id="14" name="Imagen 13"/>
+          <p:cNvPicPr>
+            <a:picLocks noChangeAspect="1"/>
+          </p:cNvPicPr>
+          <p:nvPr/>
+        </p:nvPicPr>
+        <p:blipFill>
+          <a:blip r:embed="rId11"/>
+          <a:stretch>
+            <a:fillRect/>
+          </a:stretch>
+        </p:blipFill>
+        <p:spPr>
+          <a:xfrm>
+            <a:off x="8026457" y="4550120"/>
+            <a:ext cx="4071252" cy="1223051"/>
+          </a:xfrm>
+          <a:prstGeom prst="rect">
+            <a:avLst/>
+          </a:prstGeom>
+        </p:spPr>
+      </p:pic>
     </p:spTree>
     <p:extLst>
       <p:ext uri="{BB962C8B-B14F-4D97-AF65-F5344CB8AC3E}">
-        <p14:creationId xmlns:p14="http://schemas.microsoft.com/office/powerpoint/2010/main" val="2088081164"/>
+        <p14:creationId xmlns:p14="http://schemas.microsoft.com/office/powerpoint/2010/main" val="2711449707"/>
       </p:ext>
     </p:extLst>
   </p:cSld>
@@ -18477,8 +20290,8 @@
         </p:nvSpPr>
         <p:spPr>
           <a:xfrm>
-            <a:off x="310675" y="1335097"/>
-            <a:ext cx="8402585" cy="4425154"/>
+            <a:off x="310675" y="1335096"/>
+            <a:ext cx="11618089" cy="5044921"/>
           </a:xfrm>
         </p:spPr>
         <p:txBody>
@@ -18488,16 +20301,192 @@
           <a:lstStyle/>
           <a:p>
             <a:r>
-              <a:rPr lang="es-PA" dirty="0"/>
-              <a:t>2. Representación canónica </a:t>
-            </a:r>
-          </a:p>
-        </p:txBody>
-      </p:sp>
+              <a:rPr lang="es-PA" dirty="0" smtClean="0"/>
+              <a:t>Empezamos a diseñar</a:t>
+            </a:r>
+          </a:p>
+          <a:p>
+            <a:pPr lvl="1"/>
+            <a:r>
+              <a:rPr lang="es-PA" dirty="0" smtClean="0"/>
+              <a:t>G = -100, R1 = 1M</a:t>
+            </a:r>
+            <a:r>
+              <a:rPr lang="es-PA" dirty="0" smtClean="0">
+                <a:sym typeface="Symbol" panose="05050102010706020507" pitchFamily="18" charset="2"/>
+              </a:rPr>
+              <a:t></a:t>
+            </a:r>
+          </a:p>
+          <a:p>
+            <a:pPr lvl="1"/>
+            <a:r>
+              <a:rPr lang="es-PA" dirty="0" smtClean="0">
+                <a:sym typeface="Symbol" panose="05050102010706020507" pitchFamily="18" charset="2"/>
+              </a:rPr>
+              <a:t>Con arriba de 1M puede que sea difícil, nuestra limitante es 1M</a:t>
+            </a:r>
+          </a:p>
+          <a:p>
+            <a:r>
+              <a:rPr lang="es-PA" dirty="0" smtClean="0">
+                <a:sym typeface="Symbol" panose="05050102010706020507" pitchFamily="18" charset="2"/>
+              </a:rPr>
+              <a:t>Asumamos R2 = 1M</a:t>
+            </a:r>
+          </a:p>
+          <a:p>
+            <a:r>
+              <a:rPr lang="es-PA" dirty="0" smtClean="0">
+                <a:sym typeface="Symbol" panose="05050102010706020507" pitchFamily="18" charset="2"/>
+              </a:rPr>
+              <a:t>Sigamos asumiendo R4 = 1M</a:t>
+            </a:r>
+            <a:r>
+              <a:rPr lang="es-PA" dirty="0">
+                <a:sym typeface="Symbol" panose="05050102010706020507" pitchFamily="18" charset="2"/>
+              </a:rPr>
+              <a:t> </a:t>
+            </a:r>
+            <a:r>
+              <a:rPr lang="es-PA" dirty="0" smtClean="0">
+                <a:sym typeface="Symbol" panose="05050102010706020507" pitchFamily="18" charset="2"/>
+              </a:rPr>
+              <a:t></a:t>
+            </a:r>
+          </a:p>
+          <a:p>
+            <a:r>
+              <a:rPr lang="es-PA" dirty="0" smtClean="0">
+                <a:sym typeface="Symbol" panose="05050102010706020507" pitchFamily="18" charset="2"/>
+              </a:rPr>
+              <a:t>Tenemos entonces R3 = 10.2k, que es casi comercial a 10k</a:t>
+            </a:r>
+            <a:endParaRPr lang="es-PA" dirty="0">
+              <a:sym typeface="Symbol" panose="05050102010706020507" pitchFamily="18" charset="2"/>
+            </a:endParaRPr>
+          </a:p>
+          <a:p>
+            <a:endParaRPr lang="es-PA" dirty="0" smtClean="0"/>
+          </a:p>
+          <a:p>
+            <a:r>
+              <a:rPr lang="es-PA" dirty="0" smtClean="0"/>
+              <a:t>En conclusión podemos tener alta ganancia sin tener…</a:t>
+            </a:r>
+          </a:p>
+          <a:p>
+            <a:r>
+              <a:rPr lang="es-PA" dirty="0" smtClean="0"/>
+              <a:t>… altos valores de resistencia de </a:t>
+            </a:r>
+            <a:r>
+              <a:rPr lang="es-PA" dirty="0" err="1" smtClean="0"/>
+              <a:t>feedback</a:t>
+            </a:r>
+            <a:endParaRPr lang="es-PA" dirty="0" smtClean="0"/>
+          </a:p>
+          <a:p>
+            <a:r>
+              <a:rPr lang="es-PA" dirty="0" smtClean="0"/>
+              <a:t>R2 y R3 están en paralelo (</a:t>
+            </a:r>
+            <a:r>
+              <a:rPr lang="es-PA" dirty="0" err="1" smtClean="0"/>
+              <a:t>vin</a:t>
+            </a:r>
+            <a:r>
+              <a:rPr lang="es-PA" dirty="0" smtClean="0"/>
+              <a:t> = 0)</a:t>
+            </a:r>
+          </a:p>
+          <a:p>
+            <a:r>
+              <a:rPr lang="es-PA" dirty="0" smtClean="0"/>
+              <a:t>i3 e i4 están en un factor de k y k + 1</a:t>
+            </a:r>
+          </a:p>
+          <a:p>
+            <a:endParaRPr lang="es-PA" dirty="0" smtClean="0"/>
+          </a:p>
+        </p:txBody>
+      </p:sp>
+      <p:pic>
+        <p:nvPicPr>
+          <p:cNvPr id="14" name="Imagen 13"/>
+          <p:cNvPicPr>
+            <a:picLocks noChangeAspect="1"/>
+          </p:cNvPicPr>
+          <p:nvPr/>
+        </p:nvPicPr>
+        <p:blipFill>
+          <a:blip r:embed="rId2"/>
+          <a:stretch>
+            <a:fillRect/>
+          </a:stretch>
+        </p:blipFill>
+        <p:spPr>
+          <a:xfrm>
+            <a:off x="7987820" y="5582662"/>
+            <a:ext cx="4071252" cy="1223051"/>
+          </a:xfrm>
+          <a:prstGeom prst="rect">
+            <a:avLst/>
+          </a:prstGeom>
+        </p:spPr>
+      </p:pic>
+      <p:pic>
+        <p:nvPicPr>
+          <p:cNvPr id="15" name="Imagen 14"/>
+          <p:cNvPicPr>
+            <a:picLocks noChangeAspect="1"/>
+          </p:cNvPicPr>
+          <p:nvPr/>
+        </p:nvPicPr>
+        <p:blipFill>
+          <a:blip r:embed="rId3"/>
+          <a:stretch>
+            <a:fillRect/>
+          </a:stretch>
+        </p:blipFill>
+        <p:spPr>
+          <a:xfrm>
+            <a:off x="8467756" y="145312"/>
+            <a:ext cx="3591316" cy="2693487"/>
+          </a:xfrm>
+          <a:prstGeom prst="rect">
+            <a:avLst/>
+          </a:prstGeom>
+        </p:spPr>
+      </p:pic>
+      <p:pic>
+        <p:nvPicPr>
+          <p:cNvPr id="16" name="Imagen 15"/>
+          <p:cNvPicPr>
+            <a:picLocks noChangeAspect="1"/>
+          </p:cNvPicPr>
+          <p:nvPr/>
+        </p:nvPicPr>
+        <p:blipFill>
+          <a:blip r:embed="rId4"/>
+          <a:stretch>
+            <a:fillRect/>
+          </a:stretch>
+        </p:blipFill>
+        <p:spPr>
+          <a:xfrm>
+            <a:off x="8467756" y="3104645"/>
+            <a:ext cx="3591316" cy="2423979"/>
+          </a:xfrm>
+          <a:prstGeom prst="rect">
+            <a:avLst/>
+          </a:prstGeom>
+        </p:spPr>
+      </p:pic>
     </p:spTree>
     <p:extLst>
       <p:ext uri="{BB962C8B-B14F-4D97-AF65-F5344CB8AC3E}">
-        <p14:creationId xmlns:p14="http://schemas.microsoft.com/office/powerpoint/2010/main" val="3516338646"/>
+        <p14:creationId xmlns:p14="http://schemas.microsoft.com/office/powerpoint/2010/main" val="1353581477"/>
       </p:ext>
     </p:extLst>
   </p:cSld>
@@ -18571,8 +20560,8 @@
         </p:nvSpPr>
         <p:spPr>
           <a:xfrm>
-            <a:off x="310675" y="1335097"/>
-            <a:ext cx="8402585" cy="4425154"/>
+            <a:off x="310675" y="1335096"/>
+            <a:ext cx="11618089" cy="5044921"/>
           </a:xfrm>
         </p:spPr>
         <p:txBody>
@@ -18582,22 +20571,142 @@
           <a:lstStyle/>
           <a:p>
             <a:r>
-              <a:rPr lang="es-PA" dirty="0"/>
-              <a:t>3. Representación equivalente: Flujograma (diagrama de flujo) </a:t>
-            </a:r>
-          </a:p>
-          <a:p>
-            <a:r>
-              <a:rPr lang="es-PA" dirty="0"/>
-              <a:t>a. Definición y reglas </a:t>
-            </a:r>
-          </a:p>
-        </p:txBody>
-      </p:sp>
+              <a:rPr lang="es-PA" dirty="0" smtClean="0"/>
+              <a:t>Diseñe un amplificador operacional</a:t>
+            </a:r>
+          </a:p>
+          <a:p>
+            <a:r>
+              <a:rPr lang="es-PA" dirty="0" smtClean="0"/>
+              <a:t>G = -10, Rin = 100k</a:t>
+            </a:r>
+          </a:p>
+          <a:p>
+            <a:endParaRPr lang="es-PA" dirty="0"/>
+          </a:p>
+          <a:p>
+            <a:endParaRPr lang="es-PA" dirty="0" smtClean="0"/>
+          </a:p>
+          <a:p>
+            <a:endParaRPr lang="es-PA" dirty="0"/>
+          </a:p>
+          <a:p>
+            <a:r>
+              <a:rPr lang="es-PA" dirty="0" smtClean="0"/>
+              <a:t>Para el siguiente circuito determine los valores de </a:t>
+            </a:r>
+            <a:r>
+              <a:rPr lang="it-IT" i="1" dirty="0"/>
+              <a:t>v</a:t>
+            </a:r>
+            <a:r>
+              <a:rPr lang="it-IT" dirty="0"/>
+              <a:t>1, </a:t>
+            </a:r>
+            <a:r>
+              <a:rPr lang="it-IT" i="1" dirty="0"/>
+              <a:t>i</a:t>
+            </a:r>
+            <a:r>
+              <a:rPr lang="it-IT" dirty="0"/>
+              <a:t>1, </a:t>
+            </a:r>
+            <a:r>
+              <a:rPr lang="it-IT" i="1" dirty="0" smtClean="0"/>
+              <a:t>i</a:t>
+            </a:r>
+            <a:r>
+              <a:rPr lang="it-IT" dirty="0" smtClean="0"/>
+              <a:t>2,</a:t>
+            </a:r>
+            <a:r>
+              <a:rPr lang="it-IT" i="1" dirty="0" smtClean="0"/>
+              <a:t>vo</a:t>
+            </a:r>
+            <a:r>
+              <a:rPr lang="it-IT" dirty="0" smtClean="0"/>
+              <a:t>, </a:t>
+            </a:r>
+            <a:r>
+              <a:rPr lang="it-IT" i="1" dirty="0"/>
+              <a:t>iL</a:t>
+            </a:r>
+            <a:r>
+              <a:rPr lang="it-IT" dirty="0"/>
+              <a:t>, </a:t>
+            </a:r>
+            <a:r>
+              <a:rPr lang="it-IT" dirty="0" smtClean="0"/>
+              <a:t>e </a:t>
+            </a:r>
+            <a:r>
+              <a:rPr lang="it-IT" i="1" dirty="0" smtClean="0"/>
+              <a:t>io</a:t>
+            </a:r>
+          </a:p>
+          <a:p>
+            <a:r>
+              <a:rPr lang="it-IT" dirty="0" smtClean="0"/>
+              <a:t>También determine las ganancias de voltaje, corriente (il/i1) y potencia (p0/p1)</a:t>
+            </a:r>
+          </a:p>
+          <a:p>
+            <a:endParaRPr lang="es-PA" dirty="0" smtClean="0"/>
+          </a:p>
+        </p:txBody>
+      </p:sp>
+      <p:pic>
+        <p:nvPicPr>
+          <p:cNvPr id="4" name="Imagen 3"/>
+          <p:cNvPicPr>
+            <a:picLocks noChangeAspect="1"/>
+          </p:cNvPicPr>
+          <p:nvPr/>
+        </p:nvPicPr>
+        <p:blipFill>
+          <a:blip r:embed="rId2"/>
+          <a:stretch>
+            <a:fillRect/>
+          </a:stretch>
+        </p:blipFill>
+        <p:spPr>
+          <a:xfrm>
+            <a:off x="3113701" y="1671456"/>
+            <a:ext cx="2500446" cy="1371576"/>
+          </a:xfrm>
+          <a:prstGeom prst="rect">
+            <a:avLst/>
+          </a:prstGeom>
+        </p:spPr>
+      </p:pic>
+      <p:pic>
+        <p:nvPicPr>
+          <p:cNvPr id="5" name="Imagen 4"/>
+          <p:cNvPicPr>
+            <a:picLocks noChangeAspect="1"/>
+          </p:cNvPicPr>
+          <p:nvPr/>
+        </p:nvPicPr>
+        <p:blipFill>
+          <a:blip r:embed="rId3"/>
+          <a:stretch>
+            <a:fillRect/>
+          </a:stretch>
+        </p:blipFill>
+        <p:spPr>
+          <a:xfrm>
+            <a:off x="2994582" y="4403581"/>
+            <a:ext cx="3847027" cy="2312796"/>
+          </a:xfrm>
+          <a:prstGeom prst="rect">
+            <a:avLst/>
+          </a:prstGeom>
+        </p:spPr>
+      </p:pic>
     </p:spTree>
     <p:extLst>
       <p:ext uri="{BB962C8B-B14F-4D97-AF65-F5344CB8AC3E}">
-        <p14:creationId xmlns:p14="http://schemas.microsoft.com/office/powerpoint/2010/main" val="3586624543"/>
+        <p14:creationId xmlns:p14="http://schemas.microsoft.com/office/powerpoint/2010/main" val="3089683439"/>
       </p:ext>
     </p:extLst>
   </p:cSld>
@@ -18671,8 +20780,8 @@
         </p:nvSpPr>
         <p:spPr>
           <a:xfrm>
-            <a:off x="310675" y="1335097"/>
-            <a:ext cx="8402585" cy="4425154"/>
+            <a:off x="310675" y="1335096"/>
+            <a:ext cx="11618089" cy="5044921"/>
           </a:xfrm>
         </p:spPr>
         <p:txBody>
@@ -18682,16 +20791,101 @@
           <a:lstStyle/>
           <a:p>
             <a:r>
+              <a:rPr lang="es-PA" dirty="0" smtClean="0"/>
+              <a:t>Respuestas</a:t>
+            </a:r>
+          </a:p>
+          <a:p>
+            <a:r>
+              <a:rPr lang="es-PA" dirty="0" smtClean="0"/>
+              <a:t>R1 = 100M</a:t>
+            </a:r>
+          </a:p>
+          <a:p>
+            <a:r>
+              <a:rPr lang="es-PA" dirty="0" smtClean="0"/>
+              <a:t>R2  = 1M</a:t>
+            </a:r>
+          </a:p>
+          <a:p>
+            <a:endParaRPr lang="es-PA" dirty="0"/>
+          </a:p>
+          <a:p>
+            <a:endParaRPr lang="es-PA" dirty="0" smtClean="0"/>
+          </a:p>
+          <a:p>
+            <a:r>
               <a:rPr lang="it-IT" dirty="0"/>
-              <a:t>b. Flujograma del sistema canonic realimentat (flujograma canonic) </a:t>
-            </a:r>
-          </a:p>
-        </p:txBody>
-      </p:sp>
+              <a:t>0 V; 1 mA; 1 mA; −10 V; −10 mA; −11 mA; </a:t>
+            </a:r>
+          </a:p>
+          <a:p>
+            <a:r>
+              <a:rPr lang="it-IT" dirty="0"/>
+              <a:t>−10 V/V (20 dB), −10 A/A (20 dB); </a:t>
+            </a:r>
+            <a:r>
+              <a:rPr lang="es-PA" dirty="0"/>
+              <a:t>100 W/W (20 dB)</a:t>
+            </a:r>
+          </a:p>
+          <a:p>
+            <a:endParaRPr lang="es-PA" dirty="0" smtClean="0"/>
+          </a:p>
+        </p:txBody>
+      </p:sp>
+      <p:pic>
+        <p:nvPicPr>
+          <p:cNvPr id="4" name="Imagen 3"/>
+          <p:cNvPicPr>
+            <a:picLocks noChangeAspect="1"/>
+          </p:cNvPicPr>
+          <p:nvPr/>
+        </p:nvPicPr>
+        <p:blipFill>
+          <a:blip r:embed="rId2"/>
+          <a:stretch>
+            <a:fillRect/>
+          </a:stretch>
+        </p:blipFill>
+        <p:spPr>
+          <a:xfrm>
+            <a:off x="7012791" y="1642595"/>
+            <a:ext cx="2500446" cy="1371576"/>
+          </a:xfrm>
+          <a:prstGeom prst="rect">
+            <a:avLst/>
+          </a:prstGeom>
+        </p:spPr>
+      </p:pic>
+      <p:pic>
+        <p:nvPicPr>
+          <p:cNvPr id="5" name="Imagen 4"/>
+          <p:cNvPicPr>
+            <a:picLocks noChangeAspect="1"/>
+          </p:cNvPicPr>
+          <p:nvPr/>
+        </p:nvPicPr>
+        <p:blipFill>
+          <a:blip r:embed="rId3"/>
+          <a:stretch>
+            <a:fillRect/>
+          </a:stretch>
+        </p:blipFill>
+        <p:spPr>
+          <a:xfrm>
+            <a:off x="7012791" y="3540696"/>
+            <a:ext cx="3847027" cy="2312796"/>
+          </a:xfrm>
+          <a:prstGeom prst="rect">
+            <a:avLst/>
+          </a:prstGeom>
+        </p:spPr>
+      </p:pic>
     </p:spTree>
     <p:extLst>
       <p:ext uri="{BB962C8B-B14F-4D97-AF65-F5344CB8AC3E}">
-        <p14:creationId xmlns:p14="http://schemas.microsoft.com/office/powerpoint/2010/main" val="3181445977"/>
+        <p14:creationId xmlns:p14="http://schemas.microsoft.com/office/powerpoint/2010/main" val="3281613095"/>
       </p:ext>
     </p:extLst>
   </p:cSld>
@@ -18765,8 +20959,8 @@
         </p:nvSpPr>
         <p:spPr>
           <a:xfrm>
-            <a:off x="310675" y="1335097"/>
-            <a:ext cx="8402585" cy="4425154"/>
+            <a:off x="310675" y="1335096"/>
+            <a:ext cx="11618089" cy="5044921"/>
           </a:xfrm>
         </p:spPr>
         <p:txBody>
@@ -18776,22 +20970,52 @@
           <a:lstStyle/>
           <a:p>
             <a:r>
-              <a:rPr lang="es-PA" dirty="0"/>
-              <a:t>4. Flujograma de circuitos con amplificadores operacionales </a:t>
-            </a:r>
-          </a:p>
-          <a:p>
-            <a:r>
-              <a:rPr lang="es-PA" dirty="0"/>
-              <a:t>a. Amplificador no inversor </a:t>
-            </a:r>
-          </a:p>
-        </p:txBody>
-      </p:sp>
+              <a:rPr lang="es-PA" dirty="0" smtClean="0"/>
+              <a:t>Amplificador Sumador Ponderado</a:t>
+            </a:r>
+          </a:p>
+          <a:p>
+            <a:r>
+              <a:rPr lang="es-PA" dirty="0" smtClean="0"/>
+              <a:t>Se le dice así porque es una ponderación de los voltajes de entrada</a:t>
+            </a:r>
+          </a:p>
+          <a:p>
+            <a:r>
+              <a:rPr lang="es-PA" dirty="0" smtClean="0"/>
+              <a:t>La suma total de corrientes es la de salida</a:t>
+            </a:r>
+          </a:p>
+        </p:txBody>
+      </p:sp>
+      <p:pic>
+        <p:nvPicPr>
+          <p:cNvPr id="6" name="Imagen 5"/>
+          <p:cNvPicPr>
+            <a:picLocks noChangeAspect="1"/>
+          </p:cNvPicPr>
+          <p:nvPr/>
+        </p:nvPicPr>
+        <p:blipFill>
+          <a:blip r:embed="rId2"/>
+          <a:stretch>
+            <a:fillRect/>
+          </a:stretch>
+        </p:blipFill>
+        <p:spPr>
+          <a:xfrm>
+            <a:off x="3754756" y="2870680"/>
+            <a:ext cx="4472349" cy="2705873"/>
+          </a:xfrm>
+          <a:prstGeom prst="rect">
+            <a:avLst/>
+          </a:prstGeom>
+        </p:spPr>
+      </p:pic>
     </p:spTree>
     <p:extLst>
       <p:ext uri="{BB962C8B-B14F-4D97-AF65-F5344CB8AC3E}">
-        <p14:creationId xmlns:p14="http://schemas.microsoft.com/office/powerpoint/2010/main" val="239890071"/>
+        <p14:creationId xmlns:p14="http://schemas.microsoft.com/office/powerpoint/2010/main" val="3411819264"/>
       </p:ext>
     </p:extLst>
   </p:cSld>
@@ -19092,8 +21316,8 @@
         </p:nvSpPr>
         <p:spPr>
           <a:xfrm>
-            <a:off x="310675" y="1335097"/>
-            <a:ext cx="8402585" cy="4425154"/>
+            <a:off x="310675" y="1335096"/>
+            <a:ext cx="11618089" cy="5044921"/>
           </a:xfrm>
         </p:spPr>
         <p:txBody>
@@ -19103,21 +21327,162 @@
           <a:lstStyle/>
           <a:p>
             <a:r>
-              <a:rPr lang="es-PA" dirty="0"/>
-              <a:t>b. Amplificador </a:t>
-            </a:r>
-            <a:r>
-              <a:rPr lang="es-PA" dirty="0" smtClean="0"/>
-              <a:t>inversor</a:t>
-            </a:r>
+              <a:rPr lang="es-PA" dirty="0" smtClean="0"/>
+              <a:t>Amplificador Sumador Ponderado</a:t>
+            </a:r>
+          </a:p>
+          <a:p>
             <a:endParaRPr lang="es-PA" dirty="0"/>
           </a:p>
-        </p:txBody>
-      </p:sp>
+          <a:p>
+            <a:endParaRPr lang="es-PA" dirty="0" smtClean="0"/>
+          </a:p>
+          <a:p>
+            <a:endParaRPr lang="es-PA" dirty="0"/>
+          </a:p>
+          <a:p>
+            <a:endParaRPr lang="es-PA" dirty="0" smtClean="0"/>
+          </a:p>
+          <a:p>
+            <a:r>
+              <a:rPr lang="es-PA" dirty="0" smtClean="0"/>
+              <a:t>Cuando </a:t>
+            </a:r>
+            <a:r>
+              <a:rPr lang="es-PA" dirty="0" err="1" smtClean="0"/>
+              <a:t>queremo</a:t>
+            </a:r>
+            <a:r>
+              <a:rPr lang="es-PA" dirty="0" smtClean="0"/>
+              <a:t> sumar con signos opuestos</a:t>
+            </a:r>
+          </a:p>
+        </p:txBody>
+      </p:sp>
+      <p:pic>
+        <p:nvPicPr>
+          <p:cNvPr id="4" name="Imagen 3"/>
+          <p:cNvPicPr>
+            <a:picLocks noChangeAspect="1"/>
+          </p:cNvPicPr>
+          <p:nvPr/>
+        </p:nvPicPr>
+        <p:blipFill>
+          <a:blip r:embed="rId2"/>
+          <a:stretch>
+            <a:fillRect/>
+          </a:stretch>
+        </p:blipFill>
+        <p:spPr>
+          <a:xfrm>
+            <a:off x="7653036" y="87721"/>
+            <a:ext cx="4538964" cy="2614573"/>
+          </a:xfrm>
+          <a:prstGeom prst="rect">
+            <a:avLst/>
+          </a:prstGeom>
+        </p:spPr>
+      </p:pic>
+      <p:pic>
+        <p:nvPicPr>
+          <p:cNvPr id="5" name="Imagen 4"/>
+          <p:cNvPicPr>
+            <a:picLocks noChangeAspect="1"/>
+          </p:cNvPicPr>
+          <p:nvPr/>
+        </p:nvPicPr>
+        <p:blipFill>
+          <a:blip r:embed="rId3"/>
+          <a:stretch>
+            <a:fillRect/>
+          </a:stretch>
+        </p:blipFill>
+        <p:spPr>
+          <a:xfrm>
+            <a:off x="723969" y="1790309"/>
+            <a:ext cx="3778224" cy="911985"/>
+          </a:xfrm>
+          <a:prstGeom prst="rect">
+            <a:avLst/>
+          </a:prstGeom>
+        </p:spPr>
+      </p:pic>
+      <p:pic>
+        <p:nvPicPr>
+          <p:cNvPr id="7" name="Imagen 6"/>
+          <p:cNvPicPr>
+            <a:picLocks noChangeAspect="1"/>
+          </p:cNvPicPr>
+          <p:nvPr/>
+        </p:nvPicPr>
+        <p:blipFill>
+          <a:blip r:embed="rId4"/>
+          <a:stretch>
+            <a:fillRect/>
+          </a:stretch>
+        </p:blipFill>
+        <p:spPr>
+          <a:xfrm>
+            <a:off x="723969" y="2783920"/>
+            <a:ext cx="2665018" cy="743130"/>
+          </a:xfrm>
+          <a:prstGeom prst="rect">
+            <a:avLst/>
+          </a:prstGeom>
+        </p:spPr>
+      </p:pic>
+      <p:pic>
+        <p:nvPicPr>
+          <p:cNvPr id="8" name="Imagen 7"/>
+          <p:cNvPicPr>
+            <a:picLocks noChangeAspect="1"/>
+          </p:cNvPicPr>
+          <p:nvPr/>
+        </p:nvPicPr>
+        <p:blipFill>
+          <a:blip r:embed="rId5"/>
+          <a:stretch>
+            <a:fillRect/>
+          </a:stretch>
+        </p:blipFill>
+        <p:spPr>
+          <a:xfrm>
+            <a:off x="6761238" y="4589215"/>
+            <a:ext cx="5362575" cy="809625"/>
+          </a:xfrm>
+          <a:prstGeom prst="rect">
+            <a:avLst/>
+          </a:prstGeom>
+        </p:spPr>
+      </p:pic>
+      <p:pic>
+        <p:nvPicPr>
+          <p:cNvPr id="9" name="Imagen 8"/>
+          <p:cNvPicPr>
+            <a:picLocks noChangeAspect="1"/>
+          </p:cNvPicPr>
+          <p:nvPr/>
+        </p:nvPicPr>
+        <p:blipFill>
+          <a:blip r:embed="rId6"/>
+          <a:stretch>
+            <a:fillRect/>
+          </a:stretch>
+        </p:blipFill>
+        <p:spPr>
+          <a:xfrm>
+            <a:off x="723969" y="4116632"/>
+            <a:ext cx="5623975" cy="2392474"/>
+          </a:xfrm>
+          <a:prstGeom prst="rect">
+            <a:avLst/>
+          </a:prstGeom>
+        </p:spPr>
+      </p:pic>
     </p:spTree>
     <p:extLst>
       <p:ext uri="{BB962C8B-B14F-4D97-AF65-F5344CB8AC3E}">
-        <p14:creationId xmlns:p14="http://schemas.microsoft.com/office/powerpoint/2010/main" val="3645439077"/>
+        <p14:creationId xmlns:p14="http://schemas.microsoft.com/office/powerpoint/2010/main" val="950990602"/>
       </p:ext>
     </p:extLst>
   </p:cSld>
@@ -19173,7 +21538,7 @@
           <a:p>
             <a:r>
               <a:rPr lang="es-PA" dirty="0" smtClean="0"/>
-              <a:t>Realizar los siguientes Entregables</a:t>
+              <a:t>Amplificador Operacional</a:t>
             </a:r>
             <a:endParaRPr lang="es-PA" dirty="0"/>
           </a:p>
@@ -19191,8 +21556,8 @@
         </p:nvSpPr>
         <p:spPr>
           <a:xfrm>
-            <a:off x="310675" y="1335097"/>
-            <a:ext cx="8402585" cy="4425154"/>
+            <a:off x="310675" y="1335096"/>
+            <a:ext cx="11618089" cy="5044921"/>
           </a:xfrm>
         </p:spPr>
         <p:txBody>
@@ -19203,66 +21568,108 @@
           <a:p>
             <a:r>
               <a:rPr lang="es-PA" dirty="0" smtClean="0"/>
-              <a:t>Laboratorio</a:t>
-            </a:r>
-          </a:p>
-          <a:p>
-            <a:pPr lvl="1"/>
-            <a:r>
-              <a:rPr lang="es-PA" dirty="0" smtClean="0"/>
-              <a:t>Instalación de </a:t>
-            </a:r>
+              <a:t>Diseñar un sumador ponderado donde:</a:t>
+            </a:r>
+          </a:p>
+          <a:p>
             <a:r>
               <a:rPr lang="es-PA" dirty="0" err="1" smtClean="0"/>
-              <a:t>Altium</a:t>
-            </a:r>
-            <a:r>
-              <a:rPr lang="es-PA" dirty="0" smtClean="0"/>
-              <a:t> </a:t>
-            </a:r>
+              <a:t>vo</a:t>
+            </a:r>
+            <a:r>
+              <a:rPr lang="es-PA" dirty="0" smtClean="0"/>
+              <a:t> = -(v1 + 5 v2). </a:t>
+            </a:r>
+          </a:p>
+          <a:p>
+            <a:r>
+              <a:rPr lang="es-PA" dirty="0" smtClean="0"/>
+              <a:t>Escoger Rf para que el máximo voltaje de salida sea 10V</a:t>
+            </a:r>
+          </a:p>
+          <a:p>
+            <a:r>
+              <a:rPr lang="es-PA" dirty="0" smtClean="0"/>
+              <a:t>Y la corriente no exceda 1mA</a:t>
+            </a:r>
+          </a:p>
+          <a:p>
+            <a:endParaRPr lang="es-PA" dirty="0"/>
+          </a:p>
+          <a:p>
+            <a:endParaRPr lang="es-PA" dirty="0" smtClean="0"/>
+          </a:p>
+          <a:p>
+            <a:r>
+              <a:rPr lang="es-PA" dirty="0" smtClean="0"/>
+              <a:t>Diseñe un sumador ponderado con </a:t>
+            </a:r>
+          </a:p>
+          <a:p>
             <a:r>
               <a:rPr lang="es-PA" dirty="0" err="1" smtClean="0"/>
-              <a:t>Designer</a:t>
-            </a:r>
-            <a:endParaRPr lang="es-PA" dirty="0" smtClean="0"/>
-          </a:p>
-          <a:p>
-            <a:r>
-              <a:rPr lang="es-PA" dirty="0" smtClean="0"/>
-              <a:t>Tarea [Depende Del Laboratorio]</a:t>
-            </a:r>
-          </a:p>
-          <a:p>
-            <a:pPr lvl="1"/>
-            <a:r>
-              <a:rPr lang="es-PA" dirty="0" smtClean="0"/>
-              <a:t>Simulación de Un Operacional</a:t>
-            </a:r>
-          </a:p>
-          <a:p>
-            <a:r>
-              <a:rPr lang="es-PA" dirty="0" err="1" smtClean="0"/>
-              <a:t>Quiz</a:t>
-            </a:r>
-            <a:r>
-              <a:rPr lang="es-PA" dirty="0" smtClean="0"/>
-              <a:t> [Depende de Teoría]</a:t>
-            </a:r>
-          </a:p>
-          <a:p>
-            <a:pPr lvl="1"/>
-            <a:r>
-              <a:rPr lang="es-PA" dirty="0" smtClean="0"/>
-              <a:t>Preguntas del Tema</a:t>
+              <a:t>vo</a:t>
+            </a:r>
+            <a:r>
+              <a:rPr lang="es-PA" dirty="0" smtClean="0"/>
+              <a:t> = 2v1 + v2 – 4v3 y las mismas restricciones superiores</a:t>
             </a:r>
             <a:endParaRPr lang="es-PA" dirty="0"/>
           </a:p>
         </p:txBody>
       </p:sp>
+      <p:pic>
+        <p:nvPicPr>
+          <p:cNvPr id="4" name="Imagen 3"/>
+          <p:cNvPicPr>
+            <a:picLocks noChangeAspect="1"/>
+          </p:cNvPicPr>
+          <p:nvPr/>
+        </p:nvPicPr>
+        <p:blipFill>
+          <a:blip r:embed="rId2"/>
+          <a:stretch>
+            <a:fillRect/>
+          </a:stretch>
+        </p:blipFill>
+        <p:spPr>
+          <a:xfrm>
+            <a:off x="7760886" y="87722"/>
+            <a:ext cx="4431113" cy="2552448"/>
+          </a:xfrm>
+          <a:prstGeom prst="rect">
+            <a:avLst/>
+          </a:prstGeom>
+        </p:spPr>
+      </p:pic>
+      <p:pic>
+        <p:nvPicPr>
+          <p:cNvPr id="10" name="Imagen 9"/>
+          <p:cNvPicPr>
+            <a:picLocks noChangeAspect="1"/>
+          </p:cNvPicPr>
+          <p:nvPr/>
+        </p:nvPicPr>
+        <p:blipFill>
+          <a:blip r:embed="rId3"/>
+          <a:stretch>
+            <a:fillRect/>
+          </a:stretch>
+        </p:blipFill>
+        <p:spPr>
+          <a:xfrm>
+            <a:off x="7760886" y="2672270"/>
+            <a:ext cx="2387666" cy="665791"/>
+          </a:xfrm>
+          <a:prstGeom prst="rect">
+            <a:avLst/>
+          </a:prstGeom>
+        </p:spPr>
+      </p:pic>
     </p:spTree>
     <p:extLst>
       <p:ext uri="{BB962C8B-B14F-4D97-AF65-F5344CB8AC3E}">
-        <p14:creationId xmlns:p14="http://schemas.microsoft.com/office/powerpoint/2010/main" val="3657929741"/>
+        <p14:creationId xmlns:p14="http://schemas.microsoft.com/office/powerpoint/2010/main" val="1828155776"/>
       </p:ext>
     </p:extLst>
   </p:cSld>
@@ -19298,6 +21705,34 @@
       </p:grpSpPr>
       <p:sp>
         <p:nvSpPr>
+          <p:cNvPr id="2" name="Título 1"/>
+          <p:cNvSpPr>
+            <a:spLocks noGrp="1"/>
+          </p:cNvSpPr>
+          <p:nvPr>
+            <p:ph type="title"/>
+          </p:nvPr>
+        </p:nvSpPr>
+        <p:spPr>
+          <a:xfrm>
+            <a:off x="646111" y="452718"/>
+            <a:ext cx="9721382" cy="1400530"/>
+          </a:xfrm>
+        </p:spPr>
+        <p:txBody>
+          <a:bodyPr/>
+          <a:lstStyle/>
+          <a:p>
+            <a:r>
+              <a:rPr lang="es-PA" dirty="0" smtClean="0"/>
+              <a:t>Amplificador Operacional</a:t>
+            </a:r>
+            <a:endParaRPr lang="es-PA" dirty="0"/>
+          </a:p>
+        </p:txBody>
+      </p:sp>
+      <p:sp>
+        <p:nvSpPr>
           <p:cNvPr id="3" name="Marcador de contenido 2"/>
           <p:cNvSpPr>
             <a:spLocks noGrp="1"/>
@@ -19308,8 +21743,8 @@
         </p:nvSpPr>
         <p:spPr>
           <a:xfrm>
-            <a:off x="0" y="0"/>
-            <a:ext cx="12192000" cy="6858000"/>
+            <a:off x="310675" y="1335096"/>
+            <a:ext cx="11618089" cy="5044921"/>
           </a:xfrm>
         </p:spPr>
         <p:txBody>
@@ -19318,49 +21753,1035 @@
           </a:bodyPr>
           <a:lstStyle/>
           <a:p>
-            <a:pPr marL="0" indent="0" algn="ctr">
-              <a:buNone/>
-            </a:pPr>
-            <a:endParaRPr lang="es-PA" sz="4000" dirty="0"/>
-          </a:p>
-          <a:p>
-            <a:pPr marL="0" indent="0" algn="ctr">
-              <a:buNone/>
-            </a:pPr>
-            <a:endParaRPr lang="es-PA" sz="4000" dirty="0" smtClean="0"/>
-          </a:p>
-          <a:p>
-            <a:pPr marL="0" indent="0" algn="ctr">
-              <a:buNone/>
-            </a:pPr>
-            <a:endParaRPr lang="es-PA" sz="4000" dirty="0"/>
-          </a:p>
-          <a:p>
-            <a:pPr marL="0" indent="0" algn="ctr">
-              <a:buNone/>
-            </a:pPr>
-            <a:endParaRPr lang="es-PA" sz="4000" dirty="0" smtClean="0"/>
-          </a:p>
-          <a:p>
-            <a:pPr marL="0" indent="0" algn="ctr">
-              <a:buNone/>
-            </a:pPr>
-            <a:r>
-              <a:rPr lang="es-PA" sz="10000" dirty="0" smtClean="0"/>
-              <a:t>FINAL DÍA </a:t>
-            </a:r>
-            <a:r>
-              <a:rPr lang="es-PA" sz="10000" dirty="0" smtClean="0"/>
+            <a:r>
+              <a:rPr lang="es-PA" dirty="0" smtClean="0"/>
+              <a:t>Respuestas [Tiene más de 1 posibilidad]</a:t>
+            </a:r>
+          </a:p>
+          <a:p>
+            <a:r>
+              <a:rPr lang="es-PA" i="1" dirty="0" smtClean="0"/>
+              <a:t>R</a:t>
+            </a:r>
+            <a:r>
+              <a:rPr lang="es-PA" dirty="0" smtClean="0"/>
+              <a:t>1 = 10k, </a:t>
+            </a:r>
+            <a:r>
+              <a:rPr lang="es-PA" i="1" dirty="0" smtClean="0"/>
+              <a:t>R</a:t>
+            </a:r>
+            <a:r>
+              <a:rPr lang="es-PA" dirty="0" smtClean="0"/>
               <a:t>2</a:t>
             </a:r>
-            <a:endParaRPr lang="es-PA" sz="10000" dirty="0"/>
-          </a:p>
-        </p:txBody>
-      </p:sp>
+            <a:r>
+              <a:rPr lang="es-PA" dirty="0"/>
+              <a:t> </a:t>
+            </a:r>
+            <a:r>
+              <a:rPr lang="es-PA" dirty="0" smtClean="0"/>
+              <a:t>= </a:t>
+            </a:r>
+            <a:r>
+              <a:rPr lang="es-PA" dirty="0"/>
+              <a:t>2 k, </a:t>
+            </a:r>
+            <a:r>
+              <a:rPr lang="es-PA" dirty="0" smtClean="0"/>
+              <a:t>y </a:t>
+            </a:r>
+            <a:r>
+              <a:rPr lang="es-PA" i="1" dirty="0" smtClean="0"/>
+              <a:t>Rf</a:t>
+            </a:r>
+            <a:r>
+              <a:rPr lang="es-PA" i="1" dirty="0"/>
+              <a:t> </a:t>
+            </a:r>
+            <a:r>
+              <a:rPr lang="es-PA" dirty="0" smtClean="0"/>
+              <a:t>= </a:t>
+            </a:r>
+            <a:r>
+              <a:rPr lang="es-PA" dirty="0"/>
+              <a:t>10 </a:t>
+            </a:r>
+            <a:r>
+              <a:rPr lang="es-PA" dirty="0" smtClean="0"/>
+              <a:t>k</a:t>
+            </a:r>
+          </a:p>
+          <a:p>
+            <a:endParaRPr lang="es-PA" dirty="0"/>
+          </a:p>
+          <a:p>
+            <a:r>
+              <a:rPr lang="es-PA" i="1" dirty="0" smtClean="0"/>
+              <a:t>R</a:t>
+            </a:r>
+            <a:r>
+              <a:rPr lang="es-PA" dirty="0" smtClean="0"/>
+              <a:t>1= </a:t>
+            </a:r>
+            <a:r>
+              <a:rPr lang="es-PA" dirty="0"/>
+              <a:t>5 k, </a:t>
+            </a:r>
+            <a:r>
+              <a:rPr lang="es-PA" i="1" dirty="0" smtClean="0"/>
+              <a:t>R</a:t>
+            </a:r>
+            <a:r>
+              <a:rPr lang="es-PA" dirty="0" smtClean="0"/>
+              <a:t>2 = </a:t>
+            </a:r>
+            <a:r>
+              <a:rPr lang="es-PA" dirty="0"/>
+              <a:t>10 k, </a:t>
+            </a:r>
+            <a:r>
+              <a:rPr lang="es-PA" i="1" dirty="0" smtClean="0"/>
+              <a:t>Ra </a:t>
+            </a:r>
+            <a:r>
+              <a:rPr lang="es-PA" dirty="0" smtClean="0"/>
+              <a:t>= </a:t>
+            </a:r>
+            <a:r>
+              <a:rPr lang="es-PA" dirty="0"/>
+              <a:t>10 k, </a:t>
+            </a:r>
+            <a:r>
+              <a:rPr lang="es-PA" i="1" dirty="0" smtClean="0"/>
+              <a:t>Rb </a:t>
+            </a:r>
+            <a:r>
+              <a:rPr lang="es-PA" dirty="0" smtClean="0"/>
+              <a:t>= </a:t>
+            </a:r>
+            <a:r>
+              <a:rPr lang="es-PA" dirty="0"/>
+              <a:t>10 k, </a:t>
+            </a:r>
+            <a:r>
+              <a:rPr lang="es-PA" i="1" dirty="0" smtClean="0"/>
+              <a:t>R</a:t>
+            </a:r>
+            <a:r>
+              <a:rPr lang="es-PA" dirty="0" smtClean="0"/>
+              <a:t>3 = </a:t>
+            </a:r>
+            <a:r>
+              <a:rPr lang="es-PA" dirty="0"/>
+              <a:t>2.5 k</a:t>
+            </a:r>
+            <a:r>
+              <a:rPr lang="es-PA" dirty="0" smtClean="0"/>
+              <a:t>, </a:t>
+            </a:r>
+            <a:r>
+              <a:rPr lang="es-PA" i="1" dirty="0" err="1" smtClean="0"/>
+              <a:t>Rc</a:t>
+            </a:r>
+            <a:r>
+              <a:rPr lang="es-PA" i="1" dirty="0" smtClean="0"/>
+              <a:t> </a:t>
+            </a:r>
+            <a:r>
+              <a:rPr lang="es-PA" dirty="0" smtClean="0"/>
+              <a:t>= </a:t>
+            </a:r>
+            <a:r>
+              <a:rPr lang="es-PA" dirty="0"/>
+              <a:t>10 k</a:t>
+            </a:r>
+            <a:endParaRPr lang="es-PA" dirty="0"/>
+          </a:p>
+        </p:txBody>
+      </p:sp>
+      <p:pic>
+        <p:nvPicPr>
+          <p:cNvPr id="4" name="Imagen 3"/>
+          <p:cNvPicPr>
+            <a:picLocks noChangeAspect="1"/>
+          </p:cNvPicPr>
+          <p:nvPr/>
+        </p:nvPicPr>
+        <p:blipFill>
+          <a:blip r:embed="rId2"/>
+          <a:stretch>
+            <a:fillRect/>
+          </a:stretch>
+        </p:blipFill>
+        <p:spPr>
+          <a:xfrm>
+            <a:off x="7760886" y="87722"/>
+            <a:ext cx="4431113" cy="2552448"/>
+          </a:xfrm>
+          <a:prstGeom prst="rect">
+            <a:avLst/>
+          </a:prstGeom>
+        </p:spPr>
+      </p:pic>
+      <p:pic>
+        <p:nvPicPr>
+          <p:cNvPr id="10" name="Imagen 9"/>
+          <p:cNvPicPr>
+            <a:picLocks noChangeAspect="1"/>
+          </p:cNvPicPr>
+          <p:nvPr/>
+        </p:nvPicPr>
+        <p:blipFill>
+          <a:blip r:embed="rId3"/>
+          <a:stretch>
+            <a:fillRect/>
+          </a:stretch>
+        </p:blipFill>
+        <p:spPr>
+          <a:xfrm>
+            <a:off x="7979827" y="2672270"/>
+            <a:ext cx="2387666" cy="665791"/>
+          </a:xfrm>
+          <a:prstGeom prst="rect">
+            <a:avLst/>
+          </a:prstGeom>
+        </p:spPr>
+      </p:pic>
     </p:spTree>
     <p:extLst>
       <p:ext uri="{BB962C8B-B14F-4D97-AF65-F5344CB8AC3E}">
-        <p14:creationId xmlns:p14="http://schemas.microsoft.com/office/powerpoint/2010/main" val="1650189775"/>
+        <p14:creationId xmlns:p14="http://schemas.microsoft.com/office/powerpoint/2010/main" val="3940882745"/>
+      </p:ext>
+    </p:extLst>
+  </p:cSld>
+  <p:clrMapOvr>
+    <a:masterClrMapping/>
+  </p:clrMapOvr>
+  <p:timing>
+    <p:tnLst>
+      <p:par>
+        <p:cTn id="1" dur="indefinite" restart="never" nodeType="tmRoot"/>
+      </p:par>
+    </p:tnLst>
+  </p:timing>
+</p:sld>
+</file>
+
+<file path=ppt/slides/slide73.xml><?xml version="1.0" encoding="utf-8"?>
+<p:sld xmlns:a="http://schemas.openxmlformats.org/drawingml/2006/main" xmlns:r="http://schemas.openxmlformats.org/officeDocument/2006/relationships" xmlns:p="http://schemas.openxmlformats.org/presentationml/2006/main">
+  <p:cSld>
+    <p:spTree>
+      <p:nvGrpSpPr>
+        <p:cNvPr id="1" name=""/>
+        <p:cNvGrpSpPr/>
+        <p:nvPr/>
+      </p:nvGrpSpPr>
+      <p:grpSpPr>
+        <a:xfrm>
+          <a:off x="0" y="0"/>
+          <a:ext cx="0" cy="0"/>
+          <a:chOff x="0" y="0"/>
+          <a:chExt cx="0" cy="0"/>
+        </a:xfrm>
+      </p:grpSpPr>
+      <p:sp>
+        <p:nvSpPr>
+          <p:cNvPr id="2" name="Título 1"/>
+          <p:cNvSpPr>
+            <a:spLocks noGrp="1"/>
+          </p:cNvSpPr>
+          <p:nvPr>
+            <p:ph type="title"/>
+          </p:nvPr>
+        </p:nvSpPr>
+        <p:spPr>
+          <a:xfrm>
+            <a:off x="646111" y="452718"/>
+            <a:ext cx="9721382" cy="1400530"/>
+          </a:xfrm>
+        </p:spPr>
+        <p:txBody>
+          <a:bodyPr/>
+          <a:lstStyle/>
+          <a:p>
+            <a:r>
+              <a:rPr lang="es-PA" dirty="0" smtClean="0"/>
+              <a:t>Amplificador Operacional</a:t>
+            </a:r>
+            <a:endParaRPr lang="es-PA" dirty="0"/>
+          </a:p>
+        </p:txBody>
+      </p:sp>
+      <p:sp>
+        <p:nvSpPr>
+          <p:cNvPr id="3" name="Marcador de contenido 2"/>
+          <p:cNvSpPr>
+            <a:spLocks noGrp="1"/>
+          </p:cNvSpPr>
+          <p:nvPr>
+            <p:ph idx="1"/>
+          </p:nvPr>
+        </p:nvSpPr>
+        <p:spPr>
+          <a:xfrm>
+            <a:off x="310675" y="1335096"/>
+            <a:ext cx="11618089" cy="5044921"/>
+          </a:xfrm>
+        </p:spPr>
+        <p:txBody>
+          <a:bodyPr>
+            <a:normAutofit/>
+          </a:bodyPr>
+          <a:lstStyle/>
+          <a:p>
+            <a:r>
+              <a:rPr lang="es-PA" dirty="0" smtClean="0"/>
+              <a:t>Repasando un poco el amplificador inversor</a:t>
+            </a:r>
+          </a:p>
+          <a:p>
+            <a:endParaRPr lang="es-PA" dirty="0"/>
+          </a:p>
+          <a:p>
+            <a:r>
+              <a:rPr lang="es-PA" dirty="0" smtClean="0"/>
+              <a:t>Ganancia de lazo abierto</a:t>
+            </a:r>
+          </a:p>
+          <a:p>
+            <a:endParaRPr lang="es-PA" dirty="0" smtClean="0"/>
+          </a:p>
+          <a:p>
+            <a:endParaRPr lang="es-PA" dirty="0"/>
+          </a:p>
+          <a:p>
+            <a:r>
+              <a:rPr lang="es-PA" dirty="0" smtClean="0"/>
+              <a:t>Concluimos </a:t>
+            </a:r>
+          </a:p>
+          <a:p>
+            <a:endParaRPr lang="es-PA" dirty="0"/>
+          </a:p>
+          <a:p>
+            <a:endParaRPr lang="es-PA" dirty="0" smtClean="0"/>
+          </a:p>
+          <a:p>
+            <a:r>
+              <a:rPr lang="es-PA" dirty="0" smtClean="0"/>
+              <a:t>Y su porcentaje de error</a:t>
+            </a:r>
+            <a:endParaRPr lang="es-PA" dirty="0"/>
+          </a:p>
+        </p:txBody>
+      </p:sp>
+      <p:pic>
+        <p:nvPicPr>
+          <p:cNvPr id="5" name="Imagen 4"/>
+          <p:cNvPicPr>
+            <a:picLocks noChangeAspect="1"/>
+          </p:cNvPicPr>
+          <p:nvPr/>
+        </p:nvPicPr>
+        <p:blipFill>
+          <a:blip r:embed="rId2"/>
+          <a:stretch>
+            <a:fillRect/>
+          </a:stretch>
+        </p:blipFill>
+        <p:spPr>
+          <a:xfrm>
+            <a:off x="6451956" y="1152983"/>
+            <a:ext cx="5476808" cy="2341701"/>
+          </a:xfrm>
+          <a:prstGeom prst="rect">
+            <a:avLst/>
+          </a:prstGeom>
+        </p:spPr>
+      </p:pic>
+      <p:pic>
+        <p:nvPicPr>
+          <p:cNvPr id="6" name="Imagen 5"/>
+          <p:cNvPicPr>
+            <a:picLocks noChangeAspect="1"/>
+          </p:cNvPicPr>
+          <p:nvPr/>
+        </p:nvPicPr>
+        <p:blipFill>
+          <a:blip r:embed="rId3"/>
+          <a:stretch>
+            <a:fillRect/>
+          </a:stretch>
+        </p:blipFill>
+        <p:spPr>
+          <a:xfrm>
+            <a:off x="679392" y="2599334"/>
+            <a:ext cx="2543175" cy="895350"/>
+          </a:xfrm>
+          <a:prstGeom prst="rect">
+            <a:avLst/>
+          </a:prstGeom>
+        </p:spPr>
+      </p:pic>
+      <p:pic>
+        <p:nvPicPr>
+          <p:cNvPr id="7" name="Imagen 6"/>
+          <p:cNvPicPr>
+            <a:picLocks noChangeAspect="1"/>
+          </p:cNvPicPr>
+          <p:nvPr/>
+        </p:nvPicPr>
+        <p:blipFill>
+          <a:blip r:embed="rId4"/>
+          <a:stretch>
+            <a:fillRect/>
+          </a:stretch>
+        </p:blipFill>
+        <p:spPr>
+          <a:xfrm>
+            <a:off x="679392" y="3878820"/>
+            <a:ext cx="1190625" cy="723900"/>
+          </a:xfrm>
+          <a:prstGeom prst="rect">
+            <a:avLst/>
+          </a:prstGeom>
+        </p:spPr>
+      </p:pic>
+      <p:pic>
+        <p:nvPicPr>
+          <p:cNvPr id="8" name="Imagen 7"/>
+          <p:cNvPicPr>
+            <a:picLocks noChangeAspect="1"/>
+          </p:cNvPicPr>
+          <p:nvPr/>
+        </p:nvPicPr>
+        <p:blipFill>
+          <a:blip r:embed="rId5"/>
+          <a:stretch>
+            <a:fillRect/>
+          </a:stretch>
+        </p:blipFill>
+        <p:spPr>
+          <a:xfrm>
+            <a:off x="4052794" y="4602719"/>
+            <a:ext cx="4729468" cy="806407"/>
+          </a:xfrm>
+          <a:prstGeom prst="rect">
+            <a:avLst/>
+          </a:prstGeom>
+        </p:spPr>
+      </p:pic>
+    </p:spTree>
+    <p:extLst>
+      <p:ext uri="{BB962C8B-B14F-4D97-AF65-F5344CB8AC3E}">
+        <p14:creationId xmlns:p14="http://schemas.microsoft.com/office/powerpoint/2010/main" val="955177617"/>
+      </p:ext>
+    </p:extLst>
+  </p:cSld>
+  <p:clrMapOvr>
+    <a:masterClrMapping/>
+  </p:clrMapOvr>
+  <p:timing>
+    <p:tnLst>
+      <p:par>
+        <p:cTn id="1" dur="indefinite" restart="never" nodeType="tmRoot"/>
+      </p:par>
+    </p:tnLst>
+  </p:timing>
+</p:sld>
+</file>
+
+<file path=ppt/slides/slide74.xml><?xml version="1.0" encoding="utf-8"?>
+<p:sld xmlns:a="http://schemas.openxmlformats.org/drawingml/2006/main" xmlns:r="http://schemas.openxmlformats.org/officeDocument/2006/relationships" xmlns:p="http://schemas.openxmlformats.org/presentationml/2006/main">
+  <p:cSld>
+    <p:spTree>
+      <p:nvGrpSpPr>
+        <p:cNvPr id="1" name=""/>
+        <p:cNvGrpSpPr/>
+        <p:nvPr/>
+      </p:nvGrpSpPr>
+      <p:grpSpPr>
+        <a:xfrm>
+          <a:off x="0" y="0"/>
+          <a:ext cx="0" cy="0"/>
+          <a:chOff x="0" y="0"/>
+          <a:chExt cx="0" cy="0"/>
+        </a:xfrm>
+      </p:grpSpPr>
+      <p:sp>
+        <p:nvSpPr>
+          <p:cNvPr id="2" name="Título 1"/>
+          <p:cNvSpPr>
+            <a:spLocks noGrp="1"/>
+          </p:cNvSpPr>
+          <p:nvPr>
+            <p:ph type="title"/>
+          </p:nvPr>
+        </p:nvSpPr>
+        <p:spPr>
+          <a:xfrm>
+            <a:off x="646111" y="452718"/>
+            <a:ext cx="9721382" cy="1400530"/>
+          </a:xfrm>
+        </p:spPr>
+        <p:txBody>
+          <a:bodyPr/>
+          <a:lstStyle/>
+          <a:p>
+            <a:r>
+              <a:rPr lang="es-PA" dirty="0" smtClean="0"/>
+              <a:t>Amplificador Operacional</a:t>
+            </a:r>
+            <a:endParaRPr lang="es-PA" dirty="0"/>
+          </a:p>
+        </p:txBody>
+      </p:sp>
+      <p:sp>
+        <p:nvSpPr>
+          <p:cNvPr id="3" name="Marcador de contenido 2"/>
+          <p:cNvSpPr>
+            <a:spLocks noGrp="1"/>
+          </p:cNvSpPr>
+          <p:nvPr>
+            <p:ph idx="1"/>
+          </p:nvPr>
+        </p:nvSpPr>
+        <p:spPr>
+          <a:xfrm>
+            <a:off x="310675" y="1335097"/>
+            <a:ext cx="8402585" cy="4425154"/>
+          </a:xfrm>
+        </p:spPr>
+        <p:txBody>
+          <a:bodyPr>
+            <a:normAutofit/>
+          </a:bodyPr>
+          <a:lstStyle/>
+          <a:p>
+            <a:r>
+              <a:rPr lang="es-PA" dirty="0"/>
+              <a:t>4. Sumador de tensión </a:t>
+            </a:r>
+            <a:endParaRPr lang="es-PA" dirty="0" smtClean="0"/>
+          </a:p>
+          <a:p>
+            <a:r>
+              <a:rPr lang="es-PA" dirty="0" smtClean="0"/>
+              <a:t>5</a:t>
+            </a:r>
+            <a:r>
+              <a:rPr lang="es-PA" dirty="0"/>
+              <a:t>. Integrador </a:t>
+            </a:r>
+          </a:p>
+        </p:txBody>
+      </p:sp>
+    </p:spTree>
+    <p:extLst>
+      <p:ext uri="{BB962C8B-B14F-4D97-AF65-F5344CB8AC3E}">
+        <p14:creationId xmlns:p14="http://schemas.microsoft.com/office/powerpoint/2010/main" val="1800350710"/>
+      </p:ext>
+    </p:extLst>
+  </p:cSld>
+  <p:clrMapOvr>
+    <a:masterClrMapping/>
+  </p:clrMapOvr>
+  <p:timing>
+    <p:tnLst>
+      <p:par>
+        <p:cTn id="1" dur="indefinite" restart="never" nodeType="tmRoot"/>
+      </p:par>
+    </p:tnLst>
+  </p:timing>
+</p:sld>
+</file>
+
+<file path=ppt/slides/slide75.xml><?xml version="1.0" encoding="utf-8"?>
+<p:sld xmlns:a="http://schemas.openxmlformats.org/drawingml/2006/main" xmlns:r="http://schemas.openxmlformats.org/officeDocument/2006/relationships" xmlns:p="http://schemas.openxmlformats.org/presentationml/2006/main">
+  <p:cSld>
+    <p:spTree>
+      <p:nvGrpSpPr>
+        <p:cNvPr id="1" name=""/>
+        <p:cNvGrpSpPr/>
+        <p:nvPr/>
+      </p:nvGrpSpPr>
+      <p:grpSpPr>
+        <a:xfrm>
+          <a:off x="0" y="0"/>
+          <a:ext cx="0" cy="0"/>
+          <a:chOff x="0" y="0"/>
+          <a:chExt cx="0" cy="0"/>
+        </a:xfrm>
+      </p:grpSpPr>
+      <p:sp>
+        <p:nvSpPr>
+          <p:cNvPr id="2" name="Título 1"/>
+          <p:cNvSpPr>
+            <a:spLocks noGrp="1"/>
+          </p:cNvSpPr>
+          <p:nvPr>
+            <p:ph type="title"/>
+          </p:nvPr>
+        </p:nvSpPr>
+        <p:spPr>
+          <a:xfrm>
+            <a:off x="646111" y="452718"/>
+            <a:ext cx="9721382" cy="1400530"/>
+          </a:xfrm>
+        </p:spPr>
+        <p:txBody>
+          <a:bodyPr/>
+          <a:lstStyle/>
+          <a:p>
+            <a:r>
+              <a:rPr lang="es-PA" dirty="0" smtClean="0"/>
+              <a:t>Amplificador Operacional</a:t>
+            </a:r>
+            <a:endParaRPr lang="es-PA" dirty="0"/>
+          </a:p>
+        </p:txBody>
+      </p:sp>
+      <p:sp>
+        <p:nvSpPr>
+          <p:cNvPr id="3" name="Marcador de contenido 2"/>
+          <p:cNvSpPr>
+            <a:spLocks noGrp="1"/>
+          </p:cNvSpPr>
+          <p:nvPr>
+            <p:ph idx="1"/>
+          </p:nvPr>
+        </p:nvSpPr>
+        <p:spPr>
+          <a:xfrm>
+            <a:off x="310675" y="1335097"/>
+            <a:ext cx="8402585" cy="4425154"/>
+          </a:xfrm>
+        </p:spPr>
+        <p:txBody>
+          <a:bodyPr>
+            <a:normAutofit/>
+          </a:bodyPr>
+          <a:lstStyle/>
+          <a:p>
+            <a:r>
+              <a:rPr lang="es-PA" dirty="0"/>
+              <a:t>2. Representación canónica </a:t>
+            </a:r>
+          </a:p>
+        </p:txBody>
+      </p:sp>
+    </p:spTree>
+    <p:extLst>
+      <p:ext uri="{BB962C8B-B14F-4D97-AF65-F5344CB8AC3E}">
+        <p14:creationId xmlns:p14="http://schemas.microsoft.com/office/powerpoint/2010/main" val="3516338646"/>
+      </p:ext>
+    </p:extLst>
+  </p:cSld>
+  <p:clrMapOvr>
+    <a:masterClrMapping/>
+  </p:clrMapOvr>
+  <p:timing>
+    <p:tnLst>
+      <p:par>
+        <p:cTn id="1" dur="indefinite" restart="never" nodeType="tmRoot"/>
+      </p:par>
+    </p:tnLst>
+  </p:timing>
+</p:sld>
+</file>
+
+<file path=ppt/slides/slide76.xml><?xml version="1.0" encoding="utf-8"?>
+<p:sld xmlns:a="http://schemas.openxmlformats.org/drawingml/2006/main" xmlns:r="http://schemas.openxmlformats.org/officeDocument/2006/relationships" xmlns:p="http://schemas.openxmlformats.org/presentationml/2006/main">
+  <p:cSld>
+    <p:spTree>
+      <p:nvGrpSpPr>
+        <p:cNvPr id="1" name=""/>
+        <p:cNvGrpSpPr/>
+        <p:nvPr/>
+      </p:nvGrpSpPr>
+      <p:grpSpPr>
+        <a:xfrm>
+          <a:off x="0" y="0"/>
+          <a:ext cx="0" cy="0"/>
+          <a:chOff x="0" y="0"/>
+          <a:chExt cx="0" cy="0"/>
+        </a:xfrm>
+      </p:grpSpPr>
+      <p:sp>
+        <p:nvSpPr>
+          <p:cNvPr id="2" name="Título 1"/>
+          <p:cNvSpPr>
+            <a:spLocks noGrp="1"/>
+          </p:cNvSpPr>
+          <p:nvPr>
+            <p:ph type="title"/>
+          </p:nvPr>
+        </p:nvSpPr>
+        <p:spPr>
+          <a:xfrm>
+            <a:off x="646111" y="452718"/>
+            <a:ext cx="9721382" cy="1400530"/>
+          </a:xfrm>
+        </p:spPr>
+        <p:txBody>
+          <a:bodyPr/>
+          <a:lstStyle/>
+          <a:p>
+            <a:r>
+              <a:rPr lang="es-PA" dirty="0" smtClean="0"/>
+              <a:t>Amplificador Operacional</a:t>
+            </a:r>
+            <a:endParaRPr lang="es-PA" dirty="0"/>
+          </a:p>
+        </p:txBody>
+      </p:sp>
+      <p:sp>
+        <p:nvSpPr>
+          <p:cNvPr id="3" name="Marcador de contenido 2"/>
+          <p:cNvSpPr>
+            <a:spLocks noGrp="1"/>
+          </p:cNvSpPr>
+          <p:nvPr>
+            <p:ph idx="1"/>
+          </p:nvPr>
+        </p:nvSpPr>
+        <p:spPr>
+          <a:xfrm>
+            <a:off x="310675" y="1335097"/>
+            <a:ext cx="8402585" cy="4425154"/>
+          </a:xfrm>
+        </p:spPr>
+        <p:txBody>
+          <a:bodyPr>
+            <a:normAutofit/>
+          </a:bodyPr>
+          <a:lstStyle/>
+          <a:p>
+            <a:r>
+              <a:rPr lang="es-PA" dirty="0"/>
+              <a:t>3. Representación equivalente: Flujograma (diagrama de flujo) </a:t>
+            </a:r>
+          </a:p>
+          <a:p>
+            <a:r>
+              <a:rPr lang="es-PA" dirty="0"/>
+              <a:t>a. Definición y reglas </a:t>
+            </a:r>
+          </a:p>
+        </p:txBody>
+      </p:sp>
+    </p:spTree>
+    <p:extLst>
+      <p:ext uri="{BB962C8B-B14F-4D97-AF65-F5344CB8AC3E}">
+        <p14:creationId xmlns:p14="http://schemas.microsoft.com/office/powerpoint/2010/main" val="3586624543"/>
+      </p:ext>
+    </p:extLst>
+  </p:cSld>
+  <p:clrMapOvr>
+    <a:masterClrMapping/>
+  </p:clrMapOvr>
+  <p:timing>
+    <p:tnLst>
+      <p:par>
+        <p:cTn id="1" dur="indefinite" restart="never" nodeType="tmRoot"/>
+      </p:par>
+    </p:tnLst>
+  </p:timing>
+</p:sld>
+</file>
+
+<file path=ppt/slides/slide77.xml><?xml version="1.0" encoding="utf-8"?>
+<p:sld xmlns:a="http://schemas.openxmlformats.org/drawingml/2006/main" xmlns:r="http://schemas.openxmlformats.org/officeDocument/2006/relationships" xmlns:p="http://schemas.openxmlformats.org/presentationml/2006/main">
+  <p:cSld>
+    <p:spTree>
+      <p:nvGrpSpPr>
+        <p:cNvPr id="1" name=""/>
+        <p:cNvGrpSpPr/>
+        <p:nvPr/>
+      </p:nvGrpSpPr>
+      <p:grpSpPr>
+        <a:xfrm>
+          <a:off x="0" y="0"/>
+          <a:ext cx="0" cy="0"/>
+          <a:chOff x="0" y="0"/>
+          <a:chExt cx="0" cy="0"/>
+        </a:xfrm>
+      </p:grpSpPr>
+      <p:sp>
+        <p:nvSpPr>
+          <p:cNvPr id="2" name="Título 1"/>
+          <p:cNvSpPr>
+            <a:spLocks noGrp="1"/>
+          </p:cNvSpPr>
+          <p:nvPr>
+            <p:ph type="title"/>
+          </p:nvPr>
+        </p:nvSpPr>
+        <p:spPr>
+          <a:xfrm>
+            <a:off x="646111" y="452718"/>
+            <a:ext cx="9721382" cy="1400530"/>
+          </a:xfrm>
+        </p:spPr>
+        <p:txBody>
+          <a:bodyPr/>
+          <a:lstStyle/>
+          <a:p>
+            <a:r>
+              <a:rPr lang="es-PA" dirty="0" smtClean="0"/>
+              <a:t>Amplificador Operacional</a:t>
+            </a:r>
+            <a:endParaRPr lang="es-PA" dirty="0"/>
+          </a:p>
+        </p:txBody>
+      </p:sp>
+      <p:sp>
+        <p:nvSpPr>
+          <p:cNvPr id="3" name="Marcador de contenido 2"/>
+          <p:cNvSpPr>
+            <a:spLocks noGrp="1"/>
+          </p:cNvSpPr>
+          <p:nvPr>
+            <p:ph idx="1"/>
+          </p:nvPr>
+        </p:nvSpPr>
+        <p:spPr>
+          <a:xfrm>
+            <a:off x="310675" y="1335097"/>
+            <a:ext cx="8402585" cy="4425154"/>
+          </a:xfrm>
+        </p:spPr>
+        <p:txBody>
+          <a:bodyPr>
+            <a:normAutofit/>
+          </a:bodyPr>
+          <a:lstStyle/>
+          <a:p>
+            <a:r>
+              <a:rPr lang="it-IT" dirty="0"/>
+              <a:t>b. Flujograma del sistema canonic realimentat (flujograma canonic) </a:t>
+            </a:r>
+          </a:p>
+        </p:txBody>
+      </p:sp>
+    </p:spTree>
+    <p:extLst>
+      <p:ext uri="{BB962C8B-B14F-4D97-AF65-F5344CB8AC3E}">
+        <p14:creationId xmlns:p14="http://schemas.microsoft.com/office/powerpoint/2010/main" val="3181445977"/>
+      </p:ext>
+    </p:extLst>
+  </p:cSld>
+  <p:clrMapOvr>
+    <a:masterClrMapping/>
+  </p:clrMapOvr>
+  <p:timing>
+    <p:tnLst>
+      <p:par>
+        <p:cTn id="1" dur="indefinite" restart="never" nodeType="tmRoot"/>
+      </p:par>
+    </p:tnLst>
+  </p:timing>
+</p:sld>
+</file>
+
+<file path=ppt/slides/slide78.xml><?xml version="1.0" encoding="utf-8"?>
+<p:sld xmlns:a="http://schemas.openxmlformats.org/drawingml/2006/main" xmlns:r="http://schemas.openxmlformats.org/officeDocument/2006/relationships" xmlns:p="http://schemas.openxmlformats.org/presentationml/2006/main">
+  <p:cSld>
+    <p:spTree>
+      <p:nvGrpSpPr>
+        <p:cNvPr id="1" name=""/>
+        <p:cNvGrpSpPr/>
+        <p:nvPr/>
+      </p:nvGrpSpPr>
+      <p:grpSpPr>
+        <a:xfrm>
+          <a:off x="0" y="0"/>
+          <a:ext cx="0" cy="0"/>
+          <a:chOff x="0" y="0"/>
+          <a:chExt cx="0" cy="0"/>
+        </a:xfrm>
+      </p:grpSpPr>
+      <p:sp>
+        <p:nvSpPr>
+          <p:cNvPr id="2" name="Título 1"/>
+          <p:cNvSpPr>
+            <a:spLocks noGrp="1"/>
+          </p:cNvSpPr>
+          <p:nvPr>
+            <p:ph type="title"/>
+          </p:nvPr>
+        </p:nvSpPr>
+        <p:spPr>
+          <a:xfrm>
+            <a:off x="646111" y="452718"/>
+            <a:ext cx="9721382" cy="1400530"/>
+          </a:xfrm>
+        </p:spPr>
+        <p:txBody>
+          <a:bodyPr/>
+          <a:lstStyle/>
+          <a:p>
+            <a:r>
+              <a:rPr lang="es-PA" dirty="0" smtClean="0"/>
+              <a:t>Amplificador Operacional</a:t>
+            </a:r>
+            <a:endParaRPr lang="es-PA" dirty="0"/>
+          </a:p>
+        </p:txBody>
+      </p:sp>
+      <p:sp>
+        <p:nvSpPr>
+          <p:cNvPr id="3" name="Marcador de contenido 2"/>
+          <p:cNvSpPr>
+            <a:spLocks noGrp="1"/>
+          </p:cNvSpPr>
+          <p:nvPr>
+            <p:ph idx="1"/>
+          </p:nvPr>
+        </p:nvSpPr>
+        <p:spPr>
+          <a:xfrm>
+            <a:off x="310675" y="1335097"/>
+            <a:ext cx="11576525" cy="4425154"/>
+          </a:xfrm>
+        </p:spPr>
+        <p:txBody>
+          <a:bodyPr>
+            <a:normAutofit/>
+          </a:bodyPr>
+          <a:lstStyle/>
+          <a:p>
+            <a:r>
+              <a:rPr lang="es-PA" dirty="0" smtClean="0"/>
+              <a:t>E</a:t>
+            </a:r>
+            <a:r>
+              <a:rPr lang="es-PA" dirty="0"/>
+              <a:t>. Limitaciones de los amplificadores operacionales </a:t>
+            </a:r>
+          </a:p>
+          <a:p>
+            <a:r>
+              <a:rPr lang="es-PA" dirty="0"/>
+              <a:t>1. Introducción </a:t>
+            </a:r>
+          </a:p>
+        </p:txBody>
+      </p:sp>
+    </p:spTree>
+    <p:extLst>
+      <p:ext uri="{BB962C8B-B14F-4D97-AF65-F5344CB8AC3E}">
+        <p14:creationId xmlns:p14="http://schemas.microsoft.com/office/powerpoint/2010/main" val="3946295752"/>
+      </p:ext>
+    </p:extLst>
+  </p:cSld>
+  <p:clrMapOvr>
+    <a:masterClrMapping/>
+  </p:clrMapOvr>
+  <p:timing>
+    <p:tnLst>
+      <p:par>
+        <p:cTn id="1" dur="indefinite" restart="never" nodeType="tmRoot"/>
+      </p:par>
+    </p:tnLst>
+  </p:timing>
+</p:sld>
+</file>
+
+<file path=ppt/slides/slide79.xml><?xml version="1.0" encoding="utf-8"?>
+<p:sld xmlns:a="http://schemas.openxmlformats.org/drawingml/2006/main" xmlns:r="http://schemas.openxmlformats.org/officeDocument/2006/relationships" xmlns:p="http://schemas.openxmlformats.org/presentationml/2006/main">
+  <p:cSld>
+    <p:spTree>
+      <p:nvGrpSpPr>
+        <p:cNvPr id="1" name=""/>
+        <p:cNvGrpSpPr/>
+        <p:nvPr/>
+      </p:nvGrpSpPr>
+      <p:grpSpPr>
+        <a:xfrm>
+          <a:off x="0" y="0"/>
+          <a:ext cx="0" cy="0"/>
+          <a:chOff x="0" y="0"/>
+          <a:chExt cx="0" cy="0"/>
+        </a:xfrm>
+      </p:grpSpPr>
+      <p:sp>
+        <p:nvSpPr>
+          <p:cNvPr id="2" name="Título 1"/>
+          <p:cNvSpPr>
+            <a:spLocks noGrp="1"/>
+          </p:cNvSpPr>
+          <p:nvPr>
+            <p:ph type="title"/>
+          </p:nvPr>
+        </p:nvSpPr>
+        <p:spPr>
+          <a:xfrm>
+            <a:off x="646111" y="452718"/>
+            <a:ext cx="9721382" cy="1400530"/>
+          </a:xfrm>
+        </p:spPr>
+        <p:txBody>
+          <a:bodyPr/>
+          <a:lstStyle/>
+          <a:p>
+            <a:r>
+              <a:rPr lang="es-PA" dirty="0" smtClean="0"/>
+              <a:t>Amplificador Operacional</a:t>
+            </a:r>
+            <a:endParaRPr lang="es-PA" dirty="0"/>
+          </a:p>
+        </p:txBody>
+      </p:sp>
+      <p:sp>
+        <p:nvSpPr>
+          <p:cNvPr id="3" name="Marcador de contenido 2"/>
+          <p:cNvSpPr>
+            <a:spLocks noGrp="1"/>
+          </p:cNvSpPr>
+          <p:nvPr>
+            <p:ph idx="1"/>
+          </p:nvPr>
+        </p:nvSpPr>
+        <p:spPr>
+          <a:xfrm>
+            <a:off x="310675" y="1335097"/>
+            <a:ext cx="11576525" cy="4425154"/>
+          </a:xfrm>
+        </p:spPr>
+        <p:txBody>
+          <a:bodyPr>
+            <a:normAutofit/>
+          </a:bodyPr>
+          <a:lstStyle/>
+          <a:p>
+            <a:r>
+              <a:rPr lang="es-PA" dirty="0" smtClean="0"/>
+              <a:t>E</a:t>
+            </a:r>
+            <a:r>
+              <a:rPr lang="es-PA" dirty="0"/>
+              <a:t>. Limitaciones de los amplificadores operacionales </a:t>
+            </a:r>
+          </a:p>
+          <a:p>
+            <a:r>
+              <a:rPr lang="es-PA" dirty="0"/>
+              <a:t>2. Corrientes de </a:t>
+            </a:r>
+            <a:r>
+              <a:rPr lang="es-PA" dirty="0" smtClean="0"/>
+              <a:t>polarización</a:t>
+            </a:r>
+            <a:endParaRPr lang="es-PA" dirty="0"/>
+          </a:p>
+        </p:txBody>
+      </p:sp>
+    </p:spTree>
+    <p:extLst>
+      <p:ext uri="{BB962C8B-B14F-4D97-AF65-F5344CB8AC3E}">
+        <p14:creationId xmlns:p14="http://schemas.microsoft.com/office/powerpoint/2010/main" val="496591336"/>
       </p:ext>
     </p:extLst>
   </p:cSld>
@@ -19505,6 +22926,641 @@
 </p:sld>
 </file>
 
+<file path=ppt/slides/slide80.xml><?xml version="1.0" encoding="utf-8"?>
+<p:sld xmlns:a="http://schemas.openxmlformats.org/drawingml/2006/main" xmlns:r="http://schemas.openxmlformats.org/officeDocument/2006/relationships" xmlns:p="http://schemas.openxmlformats.org/presentationml/2006/main">
+  <p:cSld>
+    <p:spTree>
+      <p:nvGrpSpPr>
+        <p:cNvPr id="1" name=""/>
+        <p:cNvGrpSpPr/>
+        <p:nvPr/>
+      </p:nvGrpSpPr>
+      <p:grpSpPr>
+        <a:xfrm>
+          <a:off x="0" y="0"/>
+          <a:ext cx="0" cy="0"/>
+          <a:chOff x="0" y="0"/>
+          <a:chExt cx="0" cy="0"/>
+        </a:xfrm>
+      </p:grpSpPr>
+      <p:sp>
+        <p:nvSpPr>
+          <p:cNvPr id="2" name="Título 1"/>
+          <p:cNvSpPr>
+            <a:spLocks noGrp="1"/>
+          </p:cNvSpPr>
+          <p:nvPr>
+            <p:ph type="title"/>
+          </p:nvPr>
+        </p:nvSpPr>
+        <p:spPr>
+          <a:xfrm>
+            <a:off x="646111" y="452718"/>
+            <a:ext cx="9721382" cy="1400530"/>
+          </a:xfrm>
+        </p:spPr>
+        <p:txBody>
+          <a:bodyPr/>
+          <a:lstStyle/>
+          <a:p>
+            <a:r>
+              <a:rPr lang="es-PA" dirty="0" smtClean="0"/>
+              <a:t>Amplificador Operacional</a:t>
+            </a:r>
+            <a:endParaRPr lang="es-PA" dirty="0"/>
+          </a:p>
+        </p:txBody>
+      </p:sp>
+      <p:sp>
+        <p:nvSpPr>
+          <p:cNvPr id="3" name="Marcador de contenido 2"/>
+          <p:cNvSpPr>
+            <a:spLocks noGrp="1"/>
+          </p:cNvSpPr>
+          <p:nvPr>
+            <p:ph idx="1"/>
+          </p:nvPr>
+        </p:nvSpPr>
+        <p:spPr>
+          <a:xfrm>
+            <a:off x="310675" y="1335097"/>
+            <a:ext cx="11576525" cy="4425154"/>
+          </a:xfrm>
+        </p:spPr>
+        <p:txBody>
+          <a:bodyPr>
+            <a:normAutofit/>
+          </a:bodyPr>
+          <a:lstStyle/>
+          <a:p>
+            <a:r>
+              <a:rPr lang="es-PA" dirty="0" smtClean="0"/>
+              <a:t>E</a:t>
+            </a:r>
+            <a:r>
+              <a:rPr lang="es-PA" dirty="0"/>
+              <a:t>. Limitaciones de los amplificadores operacionales </a:t>
+            </a:r>
+          </a:p>
+          <a:p>
+            <a:r>
+              <a:rPr lang="es-PA" dirty="0"/>
+              <a:t>3. Tensión de offset </a:t>
+            </a:r>
+          </a:p>
+        </p:txBody>
+      </p:sp>
+    </p:spTree>
+    <p:extLst>
+      <p:ext uri="{BB962C8B-B14F-4D97-AF65-F5344CB8AC3E}">
+        <p14:creationId xmlns:p14="http://schemas.microsoft.com/office/powerpoint/2010/main" val="3233508446"/>
+      </p:ext>
+    </p:extLst>
+  </p:cSld>
+  <p:clrMapOvr>
+    <a:masterClrMapping/>
+  </p:clrMapOvr>
+  <p:timing>
+    <p:tnLst>
+      <p:par>
+        <p:cTn id="1" dur="indefinite" restart="never" nodeType="tmRoot"/>
+      </p:par>
+    </p:tnLst>
+  </p:timing>
+</p:sld>
+</file>
+
+<file path=ppt/slides/slide81.xml><?xml version="1.0" encoding="utf-8"?>
+<p:sld xmlns:a="http://schemas.openxmlformats.org/drawingml/2006/main" xmlns:r="http://schemas.openxmlformats.org/officeDocument/2006/relationships" xmlns:p="http://schemas.openxmlformats.org/presentationml/2006/main">
+  <p:cSld>
+    <p:spTree>
+      <p:nvGrpSpPr>
+        <p:cNvPr id="1" name=""/>
+        <p:cNvGrpSpPr/>
+        <p:nvPr/>
+      </p:nvGrpSpPr>
+      <p:grpSpPr>
+        <a:xfrm>
+          <a:off x="0" y="0"/>
+          <a:ext cx="0" cy="0"/>
+          <a:chOff x="0" y="0"/>
+          <a:chExt cx="0" cy="0"/>
+        </a:xfrm>
+      </p:grpSpPr>
+      <p:sp>
+        <p:nvSpPr>
+          <p:cNvPr id="2" name="Título 1"/>
+          <p:cNvSpPr>
+            <a:spLocks noGrp="1"/>
+          </p:cNvSpPr>
+          <p:nvPr>
+            <p:ph type="title"/>
+          </p:nvPr>
+        </p:nvSpPr>
+        <p:spPr>
+          <a:xfrm>
+            <a:off x="646111" y="452718"/>
+            <a:ext cx="9721382" cy="1400530"/>
+          </a:xfrm>
+        </p:spPr>
+        <p:txBody>
+          <a:bodyPr/>
+          <a:lstStyle/>
+          <a:p>
+            <a:r>
+              <a:rPr lang="es-PA" dirty="0" smtClean="0"/>
+              <a:t>Amplificador Operacional</a:t>
+            </a:r>
+            <a:endParaRPr lang="es-PA" dirty="0"/>
+          </a:p>
+        </p:txBody>
+      </p:sp>
+      <p:sp>
+        <p:nvSpPr>
+          <p:cNvPr id="3" name="Marcador de contenido 2"/>
+          <p:cNvSpPr>
+            <a:spLocks noGrp="1"/>
+          </p:cNvSpPr>
+          <p:nvPr>
+            <p:ph idx="1"/>
+          </p:nvPr>
+        </p:nvSpPr>
+        <p:spPr>
+          <a:xfrm>
+            <a:off x="310675" y="1335097"/>
+            <a:ext cx="11576525" cy="4425154"/>
+          </a:xfrm>
+        </p:spPr>
+        <p:txBody>
+          <a:bodyPr>
+            <a:normAutofit/>
+          </a:bodyPr>
+          <a:lstStyle/>
+          <a:p>
+            <a:r>
+              <a:rPr lang="es-PA" dirty="0" smtClean="0"/>
+              <a:t>E</a:t>
+            </a:r>
+            <a:r>
+              <a:rPr lang="es-PA" dirty="0"/>
+              <a:t>. Limitaciones de los amplificadores operacionales </a:t>
+            </a:r>
+          </a:p>
+          <a:p>
+            <a:r>
+              <a:rPr lang="es-PA" dirty="0"/>
+              <a:t>4. Relación de </a:t>
+            </a:r>
+            <a:r>
+              <a:rPr lang="es-PA" dirty="0" err="1"/>
+              <a:t>rebuig</a:t>
+            </a:r>
+            <a:r>
+              <a:rPr lang="es-PA" dirty="0"/>
+              <a:t> en modo común </a:t>
+            </a:r>
+          </a:p>
+        </p:txBody>
+      </p:sp>
+    </p:spTree>
+    <p:extLst>
+      <p:ext uri="{BB962C8B-B14F-4D97-AF65-F5344CB8AC3E}">
+        <p14:creationId xmlns:p14="http://schemas.microsoft.com/office/powerpoint/2010/main" val="3076414012"/>
+      </p:ext>
+    </p:extLst>
+  </p:cSld>
+  <p:clrMapOvr>
+    <a:masterClrMapping/>
+  </p:clrMapOvr>
+  <p:timing>
+    <p:tnLst>
+      <p:par>
+        <p:cTn id="1" dur="indefinite" restart="never" nodeType="tmRoot"/>
+      </p:par>
+    </p:tnLst>
+  </p:timing>
+</p:sld>
+</file>
+
+<file path=ppt/slides/slide82.xml><?xml version="1.0" encoding="utf-8"?>
+<p:sld xmlns:a="http://schemas.openxmlformats.org/drawingml/2006/main" xmlns:r="http://schemas.openxmlformats.org/officeDocument/2006/relationships" xmlns:p="http://schemas.openxmlformats.org/presentationml/2006/main">
+  <p:cSld>
+    <p:spTree>
+      <p:nvGrpSpPr>
+        <p:cNvPr id="1" name=""/>
+        <p:cNvGrpSpPr/>
+        <p:nvPr/>
+      </p:nvGrpSpPr>
+      <p:grpSpPr>
+        <a:xfrm>
+          <a:off x="0" y="0"/>
+          <a:ext cx="0" cy="0"/>
+          <a:chOff x="0" y="0"/>
+          <a:chExt cx="0" cy="0"/>
+        </a:xfrm>
+      </p:grpSpPr>
+      <p:sp>
+        <p:nvSpPr>
+          <p:cNvPr id="2" name="Título 1"/>
+          <p:cNvSpPr>
+            <a:spLocks noGrp="1"/>
+          </p:cNvSpPr>
+          <p:nvPr>
+            <p:ph type="title"/>
+          </p:nvPr>
+        </p:nvSpPr>
+        <p:spPr>
+          <a:xfrm>
+            <a:off x="646111" y="452718"/>
+            <a:ext cx="9721382" cy="1400530"/>
+          </a:xfrm>
+        </p:spPr>
+        <p:txBody>
+          <a:bodyPr/>
+          <a:lstStyle/>
+          <a:p>
+            <a:r>
+              <a:rPr lang="es-PA" dirty="0" smtClean="0"/>
+              <a:t>Amplificador Operacional</a:t>
+            </a:r>
+            <a:endParaRPr lang="es-PA" dirty="0"/>
+          </a:p>
+        </p:txBody>
+      </p:sp>
+      <p:sp>
+        <p:nvSpPr>
+          <p:cNvPr id="3" name="Marcador de contenido 2"/>
+          <p:cNvSpPr>
+            <a:spLocks noGrp="1"/>
+          </p:cNvSpPr>
+          <p:nvPr>
+            <p:ph idx="1"/>
+          </p:nvPr>
+        </p:nvSpPr>
+        <p:spPr>
+          <a:xfrm>
+            <a:off x="310675" y="1335097"/>
+            <a:ext cx="11576525" cy="4425154"/>
+          </a:xfrm>
+        </p:spPr>
+        <p:txBody>
+          <a:bodyPr>
+            <a:normAutofit/>
+          </a:bodyPr>
+          <a:lstStyle/>
+          <a:p>
+            <a:r>
+              <a:rPr lang="es-PA" dirty="0" smtClean="0"/>
+              <a:t>E</a:t>
+            </a:r>
+            <a:r>
+              <a:rPr lang="es-PA" dirty="0"/>
+              <a:t>. Limitaciones de los amplificadores operacionales </a:t>
+            </a:r>
+          </a:p>
+          <a:p>
+            <a:r>
+              <a:rPr lang="es-PA" dirty="0"/>
+              <a:t>5. Relación de </a:t>
+            </a:r>
+            <a:r>
+              <a:rPr lang="es-PA" dirty="0" err="1"/>
+              <a:t>rebuig</a:t>
+            </a:r>
+            <a:r>
+              <a:rPr lang="es-PA" dirty="0"/>
+              <a:t> en la alimentación </a:t>
+            </a:r>
+          </a:p>
+        </p:txBody>
+      </p:sp>
+    </p:spTree>
+    <p:extLst>
+      <p:ext uri="{BB962C8B-B14F-4D97-AF65-F5344CB8AC3E}">
+        <p14:creationId xmlns:p14="http://schemas.microsoft.com/office/powerpoint/2010/main" val="2956370182"/>
+      </p:ext>
+    </p:extLst>
+  </p:cSld>
+  <p:clrMapOvr>
+    <a:masterClrMapping/>
+  </p:clrMapOvr>
+  <p:timing>
+    <p:tnLst>
+      <p:par>
+        <p:cTn id="1" dur="indefinite" restart="never" nodeType="tmRoot"/>
+      </p:par>
+    </p:tnLst>
+  </p:timing>
+</p:sld>
+</file>
+
+<file path=ppt/slides/slide83.xml><?xml version="1.0" encoding="utf-8"?>
+<p:sld xmlns:a="http://schemas.openxmlformats.org/drawingml/2006/main" xmlns:r="http://schemas.openxmlformats.org/officeDocument/2006/relationships" xmlns:p="http://schemas.openxmlformats.org/presentationml/2006/main">
+  <p:cSld>
+    <p:spTree>
+      <p:nvGrpSpPr>
+        <p:cNvPr id="1" name=""/>
+        <p:cNvGrpSpPr/>
+        <p:nvPr/>
+      </p:nvGrpSpPr>
+      <p:grpSpPr>
+        <a:xfrm>
+          <a:off x="0" y="0"/>
+          <a:ext cx="0" cy="0"/>
+          <a:chOff x="0" y="0"/>
+          <a:chExt cx="0" cy="0"/>
+        </a:xfrm>
+      </p:grpSpPr>
+      <p:sp>
+        <p:nvSpPr>
+          <p:cNvPr id="2" name="Título 1"/>
+          <p:cNvSpPr>
+            <a:spLocks noGrp="1"/>
+          </p:cNvSpPr>
+          <p:nvPr>
+            <p:ph type="title"/>
+          </p:nvPr>
+        </p:nvSpPr>
+        <p:spPr>
+          <a:xfrm>
+            <a:off x="646111" y="452718"/>
+            <a:ext cx="9721382" cy="1400530"/>
+          </a:xfrm>
+        </p:spPr>
+        <p:txBody>
+          <a:bodyPr/>
+          <a:lstStyle/>
+          <a:p>
+            <a:r>
+              <a:rPr lang="es-PA" dirty="0" smtClean="0"/>
+              <a:t>Amplificador Operacional</a:t>
+            </a:r>
+            <a:endParaRPr lang="es-PA" dirty="0"/>
+          </a:p>
+        </p:txBody>
+      </p:sp>
+      <p:sp>
+        <p:nvSpPr>
+          <p:cNvPr id="3" name="Marcador de contenido 2"/>
+          <p:cNvSpPr>
+            <a:spLocks noGrp="1"/>
+          </p:cNvSpPr>
+          <p:nvPr>
+            <p:ph idx="1"/>
+          </p:nvPr>
+        </p:nvSpPr>
+        <p:spPr>
+          <a:xfrm>
+            <a:off x="310675" y="1335097"/>
+            <a:ext cx="11576525" cy="4425154"/>
+          </a:xfrm>
+        </p:spPr>
+        <p:txBody>
+          <a:bodyPr>
+            <a:normAutofit/>
+          </a:bodyPr>
+          <a:lstStyle/>
+          <a:p>
+            <a:r>
+              <a:rPr lang="es-PA" dirty="0" smtClean="0"/>
+              <a:t>E</a:t>
+            </a:r>
+            <a:r>
+              <a:rPr lang="es-PA" dirty="0"/>
+              <a:t>. Limitaciones de los amplificadores operacionales </a:t>
+            </a:r>
+          </a:p>
+          <a:p>
+            <a:r>
+              <a:rPr lang="es-PA" dirty="0"/>
+              <a:t>6. Ruido en circuitos con amplificadores operacionales </a:t>
+            </a:r>
+          </a:p>
+        </p:txBody>
+      </p:sp>
+    </p:spTree>
+    <p:extLst>
+      <p:ext uri="{BB962C8B-B14F-4D97-AF65-F5344CB8AC3E}">
+        <p14:creationId xmlns:p14="http://schemas.microsoft.com/office/powerpoint/2010/main" val="1886956903"/>
+      </p:ext>
+    </p:extLst>
+  </p:cSld>
+  <p:clrMapOvr>
+    <a:masterClrMapping/>
+  </p:clrMapOvr>
+  <p:timing>
+    <p:tnLst>
+      <p:par>
+        <p:cTn id="1" dur="indefinite" restart="never" nodeType="tmRoot"/>
+      </p:par>
+    </p:tnLst>
+  </p:timing>
+</p:sld>
+</file>
+
+<file path=ppt/slides/slide84.xml><?xml version="1.0" encoding="utf-8"?>
+<p:sld xmlns:a="http://schemas.openxmlformats.org/drawingml/2006/main" xmlns:r="http://schemas.openxmlformats.org/officeDocument/2006/relationships" xmlns:p="http://schemas.openxmlformats.org/presentationml/2006/main">
+  <p:cSld>
+    <p:spTree>
+      <p:nvGrpSpPr>
+        <p:cNvPr id="1" name=""/>
+        <p:cNvGrpSpPr/>
+        <p:nvPr/>
+      </p:nvGrpSpPr>
+      <p:grpSpPr>
+        <a:xfrm>
+          <a:off x="0" y="0"/>
+          <a:ext cx="0" cy="0"/>
+          <a:chOff x="0" y="0"/>
+          <a:chExt cx="0" cy="0"/>
+        </a:xfrm>
+      </p:grpSpPr>
+      <p:sp>
+        <p:nvSpPr>
+          <p:cNvPr id="2" name="Título 1"/>
+          <p:cNvSpPr>
+            <a:spLocks noGrp="1"/>
+          </p:cNvSpPr>
+          <p:nvPr>
+            <p:ph type="title"/>
+          </p:nvPr>
+        </p:nvSpPr>
+        <p:spPr>
+          <a:xfrm>
+            <a:off x="646111" y="452718"/>
+            <a:ext cx="9721382" cy="1400530"/>
+          </a:xfrm>
+        </p:spPr>
+        <p:txBody>
+          <a:bodyPr/>
+          <a:lstStyle/>
+          <a:p>
+            <a:r>
+              <a:rPr lang="es-PA" dirty="0" smtClean="0"/>
+              <a:t>Amplificador Operacional</a:t>
+            </a:r>
+            <a:endParaRPr lang="es-PA" dirty="0"/>
+          </a:p>
+        </p:txBody>
+      </p:sp>
+      <p:sp>
+        <p:nvSpPr>
+          <p:cNvPr id="3" name="Marcador de contenido 2"/>
+          <p:cNvSpPr>
+            <a:spLocks noGrp="1"/>
+          </p:cNvSpPr>
+          <p:nvPr>
+            <p:ph idx="1"/>
+          </p:nvPr>
+        </p:nvSpPr>
+        <p:spPr>
+          <a:xfrm>
+            <a:off x="310675" y="1335097"/>
+            <a:ext cx="11576525" cy="4425154"/>
+          </a:xfrm>
+        </p:spPr>
+        <p:txBody>
+          <a:bodyPr>
+            <a:normAutofit/>
+          </a:bodyPr>
+          <a:lstStyle/>
+          <a:p>
+            <a:r>
+              <a:rPr lang="es-PA" dirty="0" smtClean="0"/>
+              <a:t>E</a:t>
+            </a:r>
+            <a:r>
+              <a:rPr lang="es-PA" dirty="0"/>
+              <a:t>. Limitaciones de los amplificadores operacionales </a:t>
+            </a:r>
+          </a:p>
+          <a:p>
+            <a:r>
+              <a:rPr lang="es-PA" dirty="0"/>
+              <a:t>7. Balance de errores </a:t>
+            </a:r>
+            <a:endParaRPr lang="es-PA" dirty="0"/>
+          </a:p>
+        </p:txBody>
+      </p:sp>
+    </p:spTree>
+    <p:extLst>
+      <p:ext uri="{BB962C8B-B14F-4D97-AF65-F5344CB8AC3E}">
+        <p14:creationId xmlns:p14="http://schemas.microsoft.com/office/powerpoint/2010/main" val="1584124577"/>
+      </p:ext>
+    </p:extLst>
+  </p:cSld>
+  <p:clrMapOvr>
+    <a:masterClrMapping/>
+  </p:clrMapOvr>
+  <p:timing>
+    <p:tnLst>
+      <p:par>
+        <p:cTn id="1" dur="indefinite" restart="never" nodeType="tmRoot"/>
+      </p:par>
+    </p:tnLst>
+  </p:timing>
+</p:sld>
+</file>
+
+<file path=ppt/slides/slide85.xml><?xml version="1.0" encoding="utf-8"?>
+<p:sld xmlns:a="http://schemas.openxmlformats.org/drawingml/2006/main" xmlns:r="http://schemas.openxmlformats.org/officeDocument/2006/relationships" xmlns:p="http://schemas.openxmlformats.org/presentationml/2006/main">
+  <p:cSld>
+    <p:spTree>
+      <p:nvGrpSpPr>
+        <p:cNvPr id="1" name=""/>
+        <p:cNvGrpSpPr/>
+        <p:nvPr/>
+      </p:nvGrpSpPr>
+      <p:grpSpPr>
+        <a:xfrm>
+          <a:off x="0" y="0"/>
+          <a:ext cx="0" cy="0"/>
+          <a:chOff x="0" y="0"/>
+          <a:chExt cx="0" cy="0"/>
+        </a:xfrm>
+      </p:grpSpPr>
+      <p:sp>
+        <p:nvSpPr>
+          <p:cNvPr id="3" name="Marcador de contenido 2"/>
+          <p:cNvSpPr>
+            <a:spLocks noGrp="1"/>
+          </p:cNvSpPr>
+          <p:nvPr>
+            <p:ph idx="1"/>
+          </p:nvPr>
+        </p:nvSpPr>
+        <p:spPr>
+          <a:xfrm>
+            <a:off x="0" y="0"/>
+            <a:ext cx="12192000" cy="6858000"/>
+          </a:xfrm>
+        </p:spPr>
+        <p:txBody>
+          <a:bodyPr>
+            <a:normAutofit/>
+          </a:bodyPr>
+          <a:lstStyle/>
+          <a:p>
+            <a:pPr marL="0" indent="0" algn="ctr">
+              <a:buNone/>
+            </a:pPr>
+            <a:endParaRPr lang="es-PA" sz="4000" dirty="0"/>
+          </a:p>
+          <a:p>
+            <a:pPr marL="0" indent="0" algn="ctr">
+              <a:buNone/>
+            </a:pPr>
+            <a:endParaRPr lang="es-PA" sz="4000" dirty="0" smtClean="0"/>
+          </a:p>
+          <a:p>
+            <a:pPr marL="0" indent="0" algn="ctr">
+              <a:buNone/>
+            </a:pPr>
+            <a:endParaRPr lang="es-PA" sz="4000" dirty="0"/>
+          </a:p>
+          <a:p>
+            <a:pPr marL="0" indent="0" algn="ctr">
+              <a:buNone/>
+            </a:pPr>
+            <a:endParaRPr lang="es-PA" sz="4000" dirty="0" smtClean="0"/>
+          </a:p>
+          <a:p>
+            <a:pPr marL="0" indent="0" algn="ctr">
+              <a:buNone/>
+            </a:pPr>
+            <a:r>
+              <a:rPr lang="es-PA" sz="10000" dirty="0" smtClean="0"/>
+              <a:t>FINAL DÍA </a:t>
+            </a:r>
+            <a:r>
+              <a:rPr lang="es-PA" sz="10000" dirty="0" smtClean="0"/>
+              <a:t>2</a:t>
+            </a:r>
+            <a:endParaRPr lang="es-PA" sz="10000" dirty="0"/>
+          </a:p>
+        </p:txBody>
+      </p:sp>
+    </p:spTree>
+    <p:extLst>
+      <p:ext uri="{BB962C8B-B14F-4D97-AF65-F5344CB8AC3E}">
+        <p14:creationId xmlns:p14="http://schemas.microsoft.com/office/powerpoint/2010/main" val="2380688711"/>
+      </p:ext>
+    </p:extLst>
+  </p:cSld>
+  <p:clrMapOvr>
+    <a:masterClrMapping/>
+  </p:clrMapOvr>
+  <p:timing>
+    <p:tnLst>
+      <p:par>
+        <p:cTn id="1" dur="indefinite" restart="never" nodeType="tmRoot"/>
+      </p:par>
+    </p:tnLst>
+  </p:timing>
+</p:sld>
+</file>
+
 <file path=ppt/slides/slide9.xml><?xml version="1.0" encoding="utf-8"?>
 <p:sld xmlns:a="http://schemas.openxmlformats.org/drawingml/2006/main" xmlns:r="http://schemas.openxmlformats.org/officeDocument/2006/relationships" xmlns:p="http://schemas.openxmlformats.org/presentationml/2006/main">
   <p:cSld>
@@ -19544,11 +23600,7 @@
           <a:p>
             <a:r>
               <a:rPr lang="es-PA" dirty="0" smtClean="0"/>
-              <a:t>Proyecto Final – </a:t>
-            </a:r>
-            <a:r>
-              <a:rPr lang="es-PA" dirty="0" smtClean="0"/>
-              <a:t>Representación de Un Sistema basado en el curso</a:t>
+              <a:t>Proyecto Final – Representación de Un Sistema basado en el curso</a:t>
             </a:r>
             <a:endParaRPr lang="es-PA" dirty="0"/>
           </a:p>
@@ -19582,15 +23634,7 @@
                   <a:srgbClr val="FF0000"/>
                 </a:solidFill>
               </a:rPr>
-              <a:t>USAR ARDUINO = -1000</a:t>
-            </a:r>
-            <a:r>
-              <a:rPr lang="es-PA" b="1" dirty="0" smtClean="0">
-                <a:solidFill>
-                  <a:srgbClr val="FF0000"/>
-                </a:solidFill>
-              </a:rPr>
-              <a:t>%</a:t>
+              <a:t>USAR ARDUINO = -1000%</a:t>
             </a:r>
           </a:p>
           <a:p>
@@ -19653,15 +23697,7 @@
           <a:p>
             <a:r>
               <a:rPr lang="es-PA" dirty="0" smtClean="0"/>
-              <a:t>Desarrollo Físico de Hardware </a:t>
-            </a:r>
-            <a:r>
-              <a:rPr lang="es-PA" dirty="0" smtClean="0"/>
-              <a:t>= 35</a:t>
-            </a:r>
-            <a:r>
-              <a:rPr lang="es-PA" dirty="0" smtClean="0"/>
-              <a:t>%</a:t>
+              <a:t>Desarrollo Físico de Hardware = 35%</a:t>
             </a:r>
           </a:p>
           <a:p>
@@ -19675,11 +23711,7 @@
             </a:r>
             <a:r>
               <a:rPr lang="es-PA" dirty="0" smtClean="0"/>
-              <a:t>Bloques = </a:t>
-            </a:r>
-            <a:r>
-              <a:rPr lang="es-PA" dirty="0" smtClean="0"/>
-              <a:t>15</a:t>
+              <a:t>Bloques = 15</a:t>
             </a:r>
             <a:r>
               <a:rPr lang="es-PA" dirty="0"/>

--- a/Presentación/Electronica II.pptx
+++ b/Presentación/Electronica II.pptx
@@ -78,18 +78,36 @@
     <p:sldId id="653" r:id="rId72"/>
     <p:sldId id="654" r:id="rId73"/>
     <p:sldId id="655" r:id="rId74"/>
-    <p:sldId id="578" r:id="rId75"/>
-    <p:sldId id="580" r:id="rId76"/>
-    <p:sldId id="581" r:id="rId77"/>
-    <p:sldId id="582" r:id="rId78"/>
-    <p:sldId id="628" r:id="rId79"/>
-    <p:sldId id="629" r:id="rId80"/>
-    <p:sldId id="630" r:id="rId81"/>
-    <p:sldId id="632" r:id="rId82"/>
-    <p:sldId id="631" r:id="rId83"/>
-    <p:sldId id="633" r:id="rId84"/>
-    <p:sldId id="634" r:id="rId85"/>
-    <p:sldId id="627" r:id="rId86"/>
+    <p:sldId id="656" r:id="rId75"/>
+    <p:sldId id="657" r:id="rId76"/>
+    <p:sldId id="658" r:id="rId77"/>
+    <p:sldId id="659" r:id="rId78"/>
+    <p:sldId id="660" r:id="rId79"/>
+    <p:sldId id="661" r:id="rId80"/>
+    <p:sldId id="662" r:id="rId81"/>
+    <p:sldId id="664" r:id="rId82"/>
+    <p:sldId id="663" r:id="rId83"/>
+    <p:sldId id="665" r:id="rId84"/>
+    <p:sldId id="666" r:id="rId85"/>
+    <p:sldId id="667" r:id="rId86"/>
+    <p:sldId id="668" r:id="rId87"/>
+    <p:sldId id="669" r:id="rId88"/>
+    <p:sldId id="670" r:id="rId89"/>
+    <p:sldId id="671" r:id="rId90"/>
+    <p:sldId id="672" r:id="rId91"/>
+    <p:sldId id="673" r:id="rId92"/>
+    <p:sldId id="675" r:id="rId93"/>
+    <p:sldId id="674" r:id="rId94"/>
+    <p:sldId id="677" r:id="rId95"/>
+    <p:sldId id="678" r:id="rId96"/>
+    <p:sldId id="679" r:id="rId97"/>
+    <p:sldId id="680" r:id="rId98"/>
+    <p:sldId id="681" r:id="rId99"/>
+    <p:sldId id="682" r:id="rId100"/>
+    <p:sldId id="683" r:id="rId101"/>
+    <p:sldId id="684" r:id="rId102"/>
+    <p:sldId id="685" r:id="rId103"/>
+    <p:sldId id="627" r:id="rId104"/>
   </p:sldIdLst>
   <p:sldSz cx="12192000" cy="6858000"/>
   <p:notesSz cx="7315200" cy="9601200"/>
@@ -395,7 +413,7 @@
             <a:fld id="{E9462EF3-3C4F-43EE-ACEE-D4B806740EA3}" type="datetimeFigureOut">
               <a:rPr lang="en-US" smtClean="0"/>
               <a:pPr/>
-              <a:t>1/19/2020</a:t>
+              <a:t>1/26/2020</a:t>
             </a:fld>
             <a:endParaRPr lang="en-US" dirty="0"/>
           </a:p>
@@ -676,7 +694,7 @@
           <a:p>
             <a:fld id="{36343B39-165A-4B68-AA5C-581F5336313C}" type="datetimeFigureOut">
               <a:rPr lang="en-US" smtClean="0"/>
-              <a:t>1/19/2020</a:t>
+              <a:t>1/26/2020</a:t>
             </a:fld>
             <a:endParaRPr lang="en-US" dirty="0"/>
           </a:p>
@@ -876,7 +894,7 @@
           <a:p>
             <a:fld id="{942C8C57-33F9-4259-AC4F-0E3F5BEC9B94}" type="datetimeFigureOut">
               <a:rPr lang="en-US" smtClean="0"/>
-              <a:t>1/19/2020</a:t>
+              <a:t>1/26/2020</a:t>
             </a:fld>
             <a:endParaRPr lang="en-US" dirty="0"/>
           </a:p>
@@ -1153,7 +1171,7 @@
           <a:p>
             <a:fld id="{8748772B-8FA2-401F-A0A1-A59855EDBC3E}" type="datetimeFigureOut">
               <a:rPr lang="en-US" smtClean="0"/>
-              <a:t>1/19/2020</a:t>
+              <a:t>1/26/2020</a:t>
             </a:fld>
             <a:endParaRPr lang="en-US" dirty="0"/>
           </a:p>
@@ -1486,7 +1504,7 @@
           <a:p>
             <a:fld id="{D3DD5BDE-5A90-4611-82E9-0FC5746D30C5}" type="datetimeFigureOut">
               <a:rPr lang="en-US" smtClean="0"/>
-              <a:t>1/19/2020</a:t>
+              <a:t>1/26/2020</a:t>
             </a:fld>
             <a:endParaRPr lang="en-US" dirty="0"/>
           </a:p>
@@ -2111,7 +2129,7 @@
           <a:p>
             <a:fld id="{1ADDA17D-0BEA-4E76-A7FC-F7C188BC48D1}" type="datetimeFigureOut">
               <a:rPr lang="en-US" smtClean="0"/>
-              <a:t>1/19/2020</a:t>
+              <a:t>1/26/2020</a:t>
             </a:fld>
             <a:endParaRPr lang="en-US" dirty="0"/>
           </a:p>
@@ -2964,7 +2982,7 @@
           <a:p>
             <a:fld id="{6909AC7D-18CA-4236-82B9-D75EB1D66EAE}" type="datetimeFigureOut">
               <a:rPr lang="en-US" smtClean="0"/>
-              <a:t>1/19/2020</a:t>
+              <a:t>1/26/2020</a:t>
             </a:fld>
             <a:endParaRPr lang="en-US" dirty="0"/>
           </a:p>
@@ -3140,7 +3158,7 @@
           <a:p>
             <a:fld id="{5568300E-C023-45CD-A0BE-EDB7A8C6EA8B}" type="datetimeFigureOut">
               <a:rPr lang="en-US" smtClean="0"/>
-              <a:t>1/19/2020</a:t>
+              <a:t>1/26/2020</a:t>
             </a:fld>
             <a:endParaRPr lang="en-US" dirty="0"/>
           </a:p>
@@ -3326,7 +3344,7 @@
           <a:p>
             <a:fld id="{3B620EAD-E369-4933-8469-ED7764B56A1B}" type="datetimeFigureOut">
               <a:rPr lang="en-US" smtClean="0"/>
-              <a:t>1/19/2020</a:t>
+              <a:t>1/26/2020</a:t>
             </a:fld>
             <a:endParaRPr lang="en-US" dirty="0"/>
           </a:p>
@@ -3502,7 +3520,7 @@
           <a:p>
             <a:fld id="{076C0EF2-9919-473B-8215-8616BAF10692}" type="datetimeFigureOut">
               <a:rPr lang="en-US" smtClean="0"/>
-              <a:t>1/19/2020</a:t>
+              <a:t>1/26/2020</a:t>
             </a:fld>
             <a:endParaRPr lang="en-US" dirty="0"/>
           </a:p>
@@ -3755,7 +3773,7 @@
           <a:p>
             <a:fld id="{A09472EB-AC54-4713-BFC2-BEB621108C63}" type="datetimeFigureOut">
               <a:rPr lang="en-US" smtClean="0"/>
-              <a:t>1/19/2020</a:t>
+              <a:t>1/26/2020</a:t>
             </a:fld>
             <a:endParaRPr lang="en-US" dirty="0"/>
           </a:p>
@@ -4053,7 +4071,7 @@
           <a:p>
             <a:fld id="{99455A0C-791E-4545-B787-F98AD45CD761}" type="datetimeFigureOut">
               <a:rPr lang="en-US" smtClean="0"/>
-              <a:t>1/19/2020</a:t>
+              <a:t>1/26/2020</a:t>
             </a:fld>
             <a:endParaRPr lang="en-US" dirty="0"/>
           </a:p>
@@ -4503,7 +4521,7 @@
           <a:p>
             <a:fld id="{42536B77-F4F4-4427-AC4F-9A623798AD82}" type="datetimeFigureOut">
               <a:rPr lang="en-US" smtClean="0"/>
-              <a:t>1/19/2020</a:t>
+              <a:t>1/26/2020</a:t>
             </a:fld>
             <a:endParaRPr lang="en-US" dirty="0"/>
           </a:p>
@@ -4627,7 +4645,7 @@
           <a:p>
             <a:fld id="{D8BE790C-34EB-4565-8437-CACF4CDB7822}" type="datetimeFigureOut">
               <a:rPr lang="en-US" smtClean="0"/>
-              <a:t>1/19/2020</a:t>
+              <a:t>1/26/2020</a:t>
             </a:fld>
             <a:endParaRPr lang="en-US" dirty="0"/>
           </a:p>
@@ -4728,7 +4746,7 @@
           <a:p>
             <a:fld id="{F84A4C11-22B8-4A4E-8126-B3AF6B948A8E}" type="datetimeFigureOut">
               <a:rPr lang="en-US" smtClean="0"/>
-              <a:t>1/19/2020</a:t>
+              <a:t>1/26/2020</a:t>
             </a:fld>
             <a:endParaRPr lang="en-US" dirty="0"/>
           </a:p>
@@ -5013,7 +5031,7 @@
           <a:p>
             <a:fld id="{16ED06B6-C816-4861-964D-15A98395707D}" type="datetimeFigureOut">
               <a:rPr lang="en-US" smtClean="0"/>
-              <a:t>1/19/2020</a:t>
+              <a:t>1/26/2020</a:t>
             </a:fld>
             <a:endParaRPr lang="en-US" dirty="0"/>
           </a:p>
@@ -5294,7 +5312,7 @@
           <a:p>
             <a:fld id="{00B1A8AB-EA7C-4B1B-9D73-E2551851FABE}" type="datetimeFigureOut">
               <a:rPr lang="en-US" smtClean="0"/>
-              <a:t>1/19/2020</a:t>
+              <a:t>1/26/2020</a:t>
             </a:fld>
             <a:endParaRPr lang="en-US" dirty="0"/>
           </a:p>
@@ -5723,7 +5741,7 @@
           <a:p>
             <a:fld id="{90786BE5-D2A3-4BF0-8B30-D7403E61B3DC}" type="datetimeFigureOut">
               <a:rPr lang="en-US" smtClean="0"/>
-              <a:t>1/19/2020</a:t>
+              <a:t>1/26/2020</a:t>
             </a:fld>
             <a:endParaRPr lang="en-US" dirty="0"/>
           </a:p>
@@ -6573,6 +6591,842 @@
 </p:sld>
 </file>
 
+<file path=ppt/slides/slide100.xml><?xml version="1.0" encoding="utf-8"?>
+<p:sld xmlns:a="http://schemas.openxmlformats.org/drawingml/2006/main" xmlns:r="http://schemas.openxmlformats.org/officeDocument/2006/relationships" xmlns:p="http://schemas.openxmlformats.org/presentationml/2006/main">
+  <p:cSld>
+    <p:spTree>
+      <p:nvGrpSpPr>
+        <p:cNvPr id="1" name=""/>
+        <p:cNvGrpSpPr/>
+        <p:nvPr/>
+      </p:nvGrpSpPr>
+      <p:grpSpPr>
+        <a:xfrm>
+          <a:off x="0" y="0"/>
+          <a:ext cx="0" cy="0"/>
+          <a:chOff x="0" y="0"/>
+          <a:chExt cx="0" cy="0"/>
+        </a:xfrm>
+      </p:grpSpPr>
+      <p:sp>
+        <p:nvSpPr>
+          <p:cNvPr id="2" name="Título 1"/>
+          <p:cNvSpPr>
+            <a:spLocks noGrp="1"/>
+          </p:cNvSpPr>
+          <p:nvPr>
+            <p:ph type="title"/>
+          </p:nvPr>
+        </p:nvSpPr>
+        <p:spPr>
+          <a:xfrm>
+            <a:off x="167425" y="360607"/>
+            <a:ext cx="11925837" cy="875765"/>
+          </a:xfrm>
+        </p:spPr>
+        <p:txBody>
+          <a:bodyPr/>
+          <a:lstStyle/>
+          <a:p>
+            <a:r>
+              <a:rPr lang="es-PA" dirty="0" smtClean="0"/>
+              <a:t>Imperfecciones DC de </a:t>
+            </a:r>
+            <a:r>
+              <a:rPr lang="es-PA" dirty="0" err="1" smtClean="0"/>
+              <a:t>Op-Amps</a:t>
+            </a:r>
+            <a:endParaRPr lang="es-PA" dirty="0"/>
+          </a:p>
+        </p:txBody>
+      </p:sp>
+      <p:sp>
+        <p:nvSpPr>
+          <p:cNvPr id="3" name="Marcador de contenido 2"/>
+          <p:cNvSpPr>
+            <a:spLocks noGrp="1"/>
+          </p:cNvSpPr>
+          <p:nvPr>
+            <p:ph idx="1"/>
+          </p:nvPr>
+        </p:nvSpPr>
+        <p:spPr>
+          <a:xfrm>
+            <a:off x="310675" y="1335096"/>
+            <a:ext cx="11618089" cy="5044921"/>
+          </a:xfrm>
+        </p:spPr>
+        <p:txBody>
+          <a:bodyPr>
+            <a:normAutofit/>
+          </a:bodyPr>
+          <a:lstStyle/>
+          <a:p>
+            <a:r>
+              <a:rPr lang="es-PA" dirty="0" smtClean="0"/>
+              <a:t>Polarizació</a:t>
+            </a:r>
+            <a:r>
+              <a:rPr lang="es-PA" dirty="0" smtClean="0"/>
+              <a:t>n de Entradas y Offset de Corriente son el segundo problema de los </a:t>
+            </a:r>
+            <a:r>
+              <a:rPr lang="es-PA" dirty="0" err="1" smtClean="0"/>
+              <a:t>opamps</a:t>
+            </a:r>
+            <a:endParaRPr lang="es-PA" dirty="0" smtClean="0"/>
+          </a:p>
+          <a:p>
+            <a:r>
+              <a:rPr lang="es-PA" dirty="0" smtClean="0"/>
+              <a:t>Estas dos corrientes provienen de las dos terminales</a:t>
+            </a:r>
+          </a:p>
+          <a:p>
+            <a:r>
+              <a:rPr lang="es-PA" dirty="0" smtClean="0"/>
+              <a:t>Corriente de Entrada de Polarización</a:t>
+            </a:r>
+          </a:p>
+          <a:p>
+            <a:r>
+              <a:rPr lang="es-PA" dirty="0" smtClean="0"/>
+              <a:t>Corriente de Offset</a:t>
+            </a:r>
+          </a:p>
+          <a:p>
+            <a:r>
+              <a:rPr lang="es-PA" dirty="0" smtClean="0"/>
+              <a:t>Valores típicos son de 100nA y 10nA</a:t>
+            </a:r>
+          </a:p>
+          <a:p>
+            <a:r>
+              <a:rPr lang="es-PA" dirty="0" smtClean="0"/>
+              <a:t>El voltaje de salida está representado</a:t>
+            </a:r>
+          </a:p>
+        </p:txBody>
+      </p:sp>
+      <p:pic>
+        <p:nvPicPr>
+          <p:cNvPr id="5" name="Imagen 4"/>
+          <p:cNvPicPr>
+            <a:picLocks noChangeAspect="1"/>
+          </p:cNvPicPr>
+          <p:nvPr/>
+        </p:nvPicPr>
+        <p:blipFill>
+          <a:blip r:embed="rId2"/>
+          <a:stretch>
+            <a:fillRect/>
+          </a:stretch>
+        </p:blipFill>
+        <p:spPr>
+          <a:xfrm>
+            <a:off x="5336217" y="2117367"/>
+            <a:ext cx="1103219" cy="614651"/>
+          </a:xfrm>
+          <a:prstGeom prst="rect">
+            <a:avLst/>
+          </a:prstGeom>
+        </p:spPr>
+      </p:pic>
+      <p:pic>
+        <p:nvPicPr>
+          <p:cNvPr id="9" name="Imagen 8"/>
+          <p:cNvPicPr>
+            <a:picLocks noChangeAspect="1"/>
+          </p:cNvPicPr>
+          <p:nvPr/>
+        </p:nvPicPr>
+        <p:blipFill>
+          <a:blip r:embed="rId3"/>
+          <a:stretch>
+            <a:fillRect/>
+          </a:stretch>
+        </p:blipFill>
+        <p:spPr>
+          <a:xfrm>
+            <a:off x="3188862" y="2587399"/>
+            <a:ext cx="1409700" cy="495300"/>
+          </a:xfrm>
+          <a:prstGeom prst="rect">
+            <a:avLst/>
+          </a:prstGeom>
+        </p:spPr>
+      </p:pic>
+      <p:pic>
+        <p:nvPicPr>
+          <p:cNvPr id="10" name="Imagen 9"/>
+          <p:cNvPicPr>
+            <a:picLocks noChangeAspect="1"/>
+          </p:cNvPicPr>
+          <p:nvPr/>
+        </p:nvPicPr>
+        <p:blipFill>
+          <a:blip r:embed="rId4"/>
+          <a:stretch>
+            <a:fillRect/>
+          </a:stretch>
+        </p:blipFill>
+        <p:spPr>
+          <a:xfrm>
+            <a:off x="9671698" y="1740932"/>
+            <a:ext cx="2421564" cy="2250447"/>
+          </a:xfrm>
+          <a:prstGeom prst="rect">
+            <a:avLst/>
+          </a:prstGeom>
+        </p:spPr>
+      </p:pic>
+      <p:pic>
+        <p:nvPicPr>
+          <p:cNvPr id="11" name="Imagen 10"/>
+          <p:cNvPicPr>
+            <a:picLocks noChangeAspect="1"/>
+          </p:cNvPicPr>
+          <p:nvPr/>
+        </p:nvPicPr>
+        <p:blipFill>
+          <a:blip r:embed="rId5"/>
+          <a:stretch>
+            <a:fillRect/>
+          </a:stretch>
+        </p:blipFill>
+        <p:spPr>
+          <a:xfrm>
+            <a:off x="6507901" y="2281638"/>
+            <a:ext cx="3116203" cy="2038353"/>
+          </a:xfrm>
+          <a:prstGeom prst="rect">
+            <a:avLst/>
+          </a:prstGeom>
+        </p:spPr>
+      </p:pic>
+      <p:pic>
+        <p:nvPicPr>
+          <p:cNvPr id="12" name="Imagen 11"/>
+          <p:cNvPicPr>
+            <a:picLocks noChangeAspect="1"/>
+          </p:cNvPicPr>
+          <p:nvPr/>
+        </p:nvPicPr>
+        <p:blipFill>
+          <a:blip r:embed="rId6"/>
+          <a:stretch>
+            <a:fillRect/>
+          </a:stretch>
+        </p:blipFill>
+        <p:spPr>
+          <a:xfrm>
+            <a:off x="795539" y="3991379"/>
+            <a:ext cx="1714500" cy="657225"/>
+          </a:xfrm>
+          <a:prstGeom prst="rect">
+            <a:avLst/>
+          </a:prstGeom>
+        </p:spPr>
+      </p:pic>
+      <p:pic>
+        <p:nvPicPr>
+          <p:cNvPr id="13" name="Imagen 12"/>
+          <p:cNvPicPr>
+            <a:picLocks noChangeAspect="1"/>
+          </p:cNvPicPr>
+          <p:nvPr/>
+        </p:nvPicPr>
+        <p:blipFill>
+          <a:blip r:embed="rId7"/>
+          <a:stretch>
+            <a:fillRect/>
+          </a:stretch>
+        </p:blipFill>
+        <p:spPr>
+          <a:xfrm>
+            <a:off x="2668146" y="3899647"/>
+            <a:ext cx="4287887" cy="2899675"/>
+          </a:xfrm>
+          <a:prstGeom prst="rect">
+            <a:avLst/>
+          </a:prstGeom>
+        </p:spPr>
+      </p:pic>
+      <p:pic>
+        <p:nvPicPr>
+          <p:cNvPr id="14" name="Imagen 13"/>
+          <p:cNvPicPr>
+            <a:picLocks noChangeAspect="1"/>
+          </p:cNvPicPr>
+          <p:nvPr/>
+        </p:nvPicPr>
+        <p:blipFill>
+          <a:blip r:embed="rId8"/>
+          <a:stretch>
+            <a:fillRect/>
+          </a:stretch>
+        </p:blipFill>
+        <p:spPr>
+          <a:xfrm>
+            <a:off x="7452641" y="4495939"/>
+            <a:ext cx="3133725" cy="571500"/>
+          </a:xfrm>
+          <a:prstGeom prst="rect">
+            <a:avLst/>
+          </a:prstGeom>
+        </p:spPr>
+      </p:pic>
+      <p:pic>
+        <p:nvPicPr>
+          <p:cNvPr id="15" name="Imagen 14"/>
+          <p:cNvPicPr>
+            <a:picLocks noChangeAspect="1"/>
+          </p:cNvPicPr>
+          <p:nvPr/>
+        </p:nvPicPr>
+        <p:blipFill>
+          <a:blip r:embed="rId9"/>
+          <a:stretch>
+            <a:fillRect/>
+          </a:stretch>
+        </p:blipFill>
+        <p:spPr>
+          <a:xfrm>
+            <a:off x="7452641" y="5116121"/>
+            <a:ext cx="2543175" cy="466725"/>
+          </a:xfrm>
+          <a:prstGeom prst="rect">
+            <a:avLst/>
+          </a:prstGeom>
+        </p:spPr>
+      </p:pic>
+      <p:pic>
+        <p:nvPicPr>
+          <p:cNvPr id="16" name="Imagen 15"/>
+          <p:cNvPicPr>
+            <a:picLocks noChangeAspect="1"/>
+          </p:cNvPicPr>
+          <p:nvPr/>
+        </p:nvPicPr>
+        <p:blipFill>
+          <a:blip r:embed="rId10"/>
+          <a:stretch>
+            <a:fillRect/>
+          </a:stretch>
+        </p:blipFill>
+        <p:spPr>
+          <a:xfrm>
+            <a:off x="7452641" y="5702550"/>
+            <a:ext cx="2438400" cy="733425"/>
+          </a:xfrm>
+          <a:prstGeom prst="rect">
+            <a:avLst/>
+          </a:prstGeom>
+        </p:spPr>
+      </p:pic>
+      <p:pic>
+        <p:nvPicPr>
+          <p:cNvPr id="17" name="Imagen 16"/>
+          <p:cNvPicPr>
+            <a:picLocks noChangeAspect="1"/>
+          </p:cNvPicPr>
+          <p:nvPr/>
+        </p:nvPicPr>
+        <p:blipFill>
+          <a:blip r:embed="rId11"/>
+          <a:stretch>
+            <a:fillRect/>
+          </a:stretch>
+        </p:blipFill>
+        <p:spPr>
+          <a:xfrm>
+            <a:off x="795539" y="4857085"/>
+            <a:ext cx="1114425" cy="438150"/>
+          </a:xfrm>
+          <a:prstGeom prst="rect">
+            <a:avLst/>
+          </a:prstGeom>
+        </p:spPr>
+      </p:pic>
+    </p:spTree>
+    <p:extLst>
+      <p:ext uri="{BB962C8B-B14F-4D97-AF65-F5344CB8AC3E}">
+        <p14:creationId xmlns:p14="http://schemas.microsoft.com/office/powerpoint/2010/main" val="1348703459"/>
+      </p:ext>
+    </p:extLst>
+  </p:cSld>
+  <p:clrMapOvr>
+    <a:masterClrMapping/>
+  </p:clrMapOvr>
+  <p:timing>
+    <p:tnLst>
+      <p:par>
+        <p:cTn id="1" dur="indefinite" restart="never" nodeType="tmRoot"/>
+      </p:par>
+    </p:tnLst>
+  </p:timing>
+</p:sld>
+</file>
+
+<file path=ppt/slides/slide101.xml><?xml version="1.0" encoding="utf-8"?>
+<p:sld xmlns:a="http://schemas.openxmlformats.org/drawingml/2006/main" xmlns:r="http://schemas.openxmlformats.org/officeDocument/2006/relationships" xmlns:p="http://schemas.openxmlformats.org/presentationml/2006/main">
+  <p:cSld>
+    <p:spTree>
+      <p:nvGrpSpPr>
+        <p:cNvPr id="1" name=""/>
+        <p:cNvGrpSpPr/>
+        <p:nvPr/>
+      </p:nvGrpSpPr>
+      <p:grpSpPr>
+        <a:xfrm>
+          <a:off x="0" y="0"/>
+          <a:ext cx="0" cy="0"/>
+          <a:chOff x="0" y="0"/>
+          <a:chExt cx="0" cy="0"/>
+        </a:xfrm>
+      </p:grpSpPr>
+      <p:sp>
+        <p:nvSpPr>
+          <p:cNvPr id="2" name="Título 1"/>
+          <p:cNvSpPr>
+            <a:spLocks noGrp="1"/>
+          </p:cNvSpPr>
+          <p:nvPr>
+            <p:ph type="title"/>
+          </p:nvPr>
+        </p:nvSpPr>
+        <p:spPr>
+          <a:xfrm>
+            <a:off x="167425" y="360607"/>
+            <a:ext cx="11925837" cy="875765"/>
+          </a:xfrm>
+        </p:spPr>
+        <p:txBody>
+          <a:bodyPr/>
+          <a:lstStyle/>
+          <a:p>
+            <a:r>
+              <a:rPr lang="es-PA" dirty="0" smtClean="0"/>
+              <a:t>Imperfecciones DC de </a:t>
+            </a:r>
+            <a:r>
+              <a:rPr lang="es-PA" dirty="0" err="1" smtClean="0"/>
+              <a:t>Op-Amps</a:t>
+            </a:r>
+            <a:endParaRPr lang="es-PA" dirty="0"/>
+          </a:p>
+        </p:txBody>
+      </p:sp>
+      <p:sp>
+        <p:nvSpPr>
+          <p:cNvPr id="3" name="Marcador de contenido 2"/>
+          <p:cNvSpPr>
+            <a:spLocks noGrp="1"/>
+          </p:cNvSpPr>
+          <p:nvPr>
+            <p:ph idx="1"/>
+          </p:nvPr>
+        </p:nvSpPr>
+        <p:spPr>
+          <a:xfrm>
+            <a:off x="310675" y="1335096"/>
+            <a:ext cx="11618089" cy="5044921"/>
+          </a:xfrm>
+        </p:spPr>
+        <p:txBody>
+          <a:bodyPr>
+            <a:normAutofit/>
+          </a:bodyPr>
+          <a:lstStyle/>
+          <a:p>
+            <a:r>
+              <a:rPr lang="es-PA" dirty="0" smtClean="0"/>
+              <a:t>Un mejor acople para eliminar estos efectos se hace a continuación</a:t>
+            </a:r>
+          </a:p>
+        </p:txBody>
+      </p:sp>
+      <p:pic>
+        <p:nvPicPr>
+          <p:cNvPr id="4" name="Imagen 3"/>
+          <p:cNvPicPr>
+            <a:picLocks noChangeAspect="1"/>
+          </p:cNvPicPr>
+          <p:nvPr/>
+        </p:nvPicPr>
+        <p:blipFill>
+          <a:blip r:embed="rId2"/>
+          <a:stretch>
+            <a:fillRect/>
+          </a:stretch>
+        </p:blipFill>
+        <p:spPr>
+          <a:xfrm>
+            <a:off x="1179087" y="1896280"/>
+            <a:ext cx="3600450" cy="2266950"/>
+          </a:xfrm>
+          <a:prstGeom prst="rect">
+            <a:avLst/>
+          </a:prstGeom>
+        </p:spPr>
+      </p:pic>
+      <p:pic>
+        <p:nvPicPr>
+          <p:cNvPr id="6" name="Imagen 5"/>
+          <p:cNvPicPr>
+            <a:picLocks noChangeAspect="1"/>
+          </p:cNvPicPr>
+          <p:nvPr/>
+        </p:nvPicPr>
+        <p:blipFill>
+          <a:blip r:embed="rId3"/>
+          <a:stretch>
+            <a:fillRect/>
+          </a:stretch>
+        </p:blipFill>
+        <p:spPr>
+          <a:xfrm>
+            <a:off x="5312669" y="1767692"/>
+            <a:ext cx="3524250" cy="2524125"/>
+          </a:xfrm>
+          <a:prstGeom prst="rect">
+            <a:avLst/>
+          </a:prstGeom>
+        </p:spPr>
+      </p:pic>
+    </p:spTree>
+    <p:extLst>
+      <p:ext uri="{BB962C8B-B14F-4D97-AF65-F5344CB8AC3E}">
+        <p14:creationId xmlns:p14="http://schemas.microsoft.com/office/powerpoint/2010/main" val="141746252"/>
+      </p:ext>
+    </p:extLst>
+  </p:cSld>
+  <p:clrMapOvr>
+    <a:masterClrMapping/>
+  </p:clrMapOvr>
+  <p:timing>
+    <p:tnLst>
+      <p:par>
+        <p:cTn id="1" dur="indefinite" restart="never" nodeType="tmRoot"/>
+      </p:par>
+    </p:tnLst>
+  </p:timing>
+</p:sld>
+</file>
+
+<file path=ppt/slides/slide102.xml><?xml version="1.0" encoding="utf-8"?>
+<p:sld xmlns:a="http://schemas.openxmlformats.org/drawingml/2006/main" xmlns:r="http://schemas.openxmlformats.org/officeDocument/2006/relationships" xmlns:p="http://schemas.openxmlformats.org/presentationml/2006/main">
+  <p:cSld>
+    <p:spTree>
+      <p:nvGrpSpPr>
+        <p:cNvPr id="1" name=""/>
+        <p:cNvGrpSpPr/>
+        <p:nvPr/>
+      </p:nvGrpSpPr>
+      <p:grpSpPr>
+        <a:xfrm>
+          <a:off x="0" y="0"/>
+          <a:ext cx="0" cy="0"/>
+          <a:chOff x="0" y="0"/>
+          <a:chExt cx="0" cy="0"/>
+        </a:xfrm>
+      </p:grpSpPr>
+      <p:sp>
+        <p:nvSpPr>
+          <p:cNvPr id="2" name="Título 1"/>
+          <p:cNvSpPr>
+            <a:spLocks noGrp="1"/>
+          </p:cNvSpPr>
+          <p:nvPr>
+            <p:ph type="title"/>
+          </p:nvPr>
+        </p:nvSpPr>
+        <p:spPr>
+          <a:xfrm>
+            <a:off x="167425" y="360607"/>
+            <a:ext cx="11925837" cy="875765"/>
+          </a:xfrm>
+        </p:spPr>
+        <p:txBody>
+          <a:bodyPr/>
+          <a:lstStyle/>
+          <a:p>
+            <a:r>
+              <a:rPr lang="es-PA" dirty="0" smtClean="0"/>
+              <a:t>Imperfecciones DC de </a:t>
+            </a:r>
+            <a:r>
+              <a:rPr lang="es-PA" dirty="0" err="1" smtClean="0"/>
+              <a:t>Op-Amps</a:t>
+            </a:r>
+            <a:endParaRPr lang="es-PA" dirty="0"/>
+          </a:p>
+        </p:txBody>
+      </p:sp>
+      <p:sp>
+        <p:nvSpPr>
+          <p:cNvPr id="3" name="Marcador de contenido 2"/>
+          <p:cNvSpPr>
+            <a:spLocks noGrp="1"/>
+          </p:cNvSpPr>
+          <p:nvPr>
+            <p:ph idx="1"/>
+          </p:nvPr>
+        </p:nvSpPr>
+        <p:spPr>
+          <a:xfrm>
+            <a:off x="310675" y="1335096"/>
+            <a:ext cx="11618089" cy="5044921"/>
+          </a:xfrm>
+        </p:spPr>
+        <p:txBody>
+          <a:bodyPr>
+            <a:normAutofit/>
+          </a:bodyPr>
+          <a:lstStyle/>
+          <a:p>
+            <a:r>
+              <a:rPr lang="es-PA" dirty="0" smtClean="0"/>
+              <a:t>Efecto de Vos e </a:t>
+            </a:r>
+            <a:r>
+              <a:rPr lang="es-PA" dirty="0" err="1" smtClean="0"/>
+              <a:t>Ios</a:t>
+            </a:r>
+            <a:endParaRPr lang="es-PA" dirty="0" smtClean="0"/>
+          </a:p>
+          <a:p>
+            <a:r>
+              <a:rPr lang="es-PA" dirty="0" smtClean="0"/>
+              <a:t>Para ver el efecto de Vos cortocircuitamos a GND</a:t>
+            </a:r>
+          </a:p>
+          <a:p>
+            <a:endParaRPr lang="es-PA" dirty="0"/>
+          </a:p>
+          <a:p>
+            <a:endParaRPr lang="es-PA" dirty="0" smtClean="0"/>
+          </a:p>
+          <a:p>
+            <a:r>
+              <a:rPr lang="es-PA" dirty="0" smtClean="0"/>
+              <a:t>Sin embargo esta solución tiene problema de saturación</a:t>
+            </a:r>
+          </a:p>
+          <a:p>
+            <a:r>
+              <a:rPr lang="es-PA" dirty="0" smtClean="0"/>
+              <a:t>Observe que en el </a:t>
+            </a:r>
+            <a:r>
+              <a:rPr lang="es-PA" dirty="0" err="1" smtClean="0"/>
+              <a:t>circuto</a:t>
+            </a:r>
+            <a:r>
+              <a:rPr lang="es-PA" dirty="0" smtClean="0"/>
+              <a:t> siguiente </a:t>
+            </a:r>
+            <a:r>
+              <a:rPr lang="es-PA" dirty="0" err="1" smtClean="0"/>
+              <a:t>Vo</a:t>
+            </a:r>
+            <a:r>
+              <a:rPr lang="es-PA" dirty="0" smtClean="0"/>
+              <a:t> tiene el problema que siempre llega a saturarse</a:t>
+            </a:r>
+            <a:endParaRPr lang="es-PA" dirty="0"/>
+          </a:p>
+          <a:p>
+            <a:endParaRPr lang="es-PA" dirty="0" smtClean="0"/>
+          </a:p>
+        </p:txBody>
+      </p:sp>
+      <p:pic>
+        <p:nvPicPr>
+          <p:cNvPr id="5" name="Imagen 4"/>
+          <p:cNvPicPr>
+            <a:picLocks noChangeAspect="1"/>
+          </p:cNvPicPr>
+          <p:nvPr/>
+        </p:nvPicPr>
+        <p:blipFill>
+          <a:blip r:embed="rId2"/>
+          <a:stretch>
+            <a:fillRect/>
+          </a:stretch>
+        </p:blipFill>
+        <p:spPr>
+          <a:xfrm>
+            <a:off x="7199290" y="1065714"/>
+            <a:ext cx="4304471" cy="1942451"/>
+          </a:xfrm>
+          <a:prstGeom prst="rect">
+            <a:avLst/>
+          </a:prstGeom>
+        </p:spPr>
+      </p:pic>
+      <p:pic>
+        <p:nvPicPr>
+          <p:cNvPr id="7" name="Imagen 6"/>
+          <p:cNvPicPr>
+            <a:picLocks noChangeAspect="1"/>
+          </p:cNvPicPr>
+          <p:nvPr/>
+        </p:nvPicPr>
+        <p:blipFill>
+          <a:blip r:embed="rId3"/>
+          <a:stretch>
+            <a:fillRect/>
+          </a:stretch>
+        </p:blipFill>
+        <p:spPr>
+          <a:xfrm>
+            <a:off x="4214074" y="2331890"/>
+            <a:ext cx="1600200" cy="676275"/>
+          </a:xfrm>
+          <a:prstGeom prst="rect">
+            <a:avLst/>
+          </a:prstGeom>
+        </p:spPr>
+      </p:pic>
+      <p:pic>
+        <p:nvPicPr>
+          <p:cNvPr id="8" name="Imagen 7"/>
+          <p:cNvPicPr>
+            <a:picLocks noChangeAspect="1"/>
+          </p:cNvPicPr>
+          <p:nvPr/>
+        </p:nvPicPr>
+        <p:blipFill>
+          <a:blip r:embed="rId4"/>
+          <a:stretch>
+            <a:fillRect/>
+          </a:stretch>
+        </p:blipFill>
+        <p:spPr>
+          <a:xfrm>
+            <a:off x="4308763" y="4004959"/>
+            <a:ext cx="5219700" cy="2790825"/>
+          </a:xfrm>
+          <a:prstGeom prst="rect">
+            <a:avLst/>
+          </a:prstGeom>
+        </p:spPr>
+      </p:pic>
+    </p:spTree>
+    <p:extLst>
+      <p:ext uri="{BB962C8B-B14F-4D97-AF65-F5344CB8AC3E}">
+        <p14:creationId xmlns:p14="http://schemas.microsoft.com/office/powerpoint/2010/main" val="2313780193"/>
+      </p:ext>
+    </p:extLst>
+  </p:cSld>
+  <p:clrMapOvr>
+    <a:masterClrMapping/>
+  </p:clrMapOvr>
+  <p:timing>
+    <p:tnLst>
+      <p:par>
+        <p:cTn id="1" dur="indefinite" restart="never" nodeType="tmRoot"/>
+      </p:par>
+    </p:tnLst>
+  </p:timing>
+</p:sld>
+</file>
+
+<file path=ppt/slides/slide103.xml><?xml version="1.0" encoding="utf-8"?>
+<p:sld xmlns:a="http://schemas.openxmlformats.org/drawingml/2006/main" xmlns:r="http://schemas.openxmlformats.org/officeDocument/2006/relationships" xmlns:p="http://schemas.openxmlformats.org/presentationml/2006/main">
+  <p:cSld>
+    <p:spTree>
+      <p:nvGrpSpPr>
+        <p:cNvPr id="1" name=""/>
+        <p:cNvGrpSpPr/>
+        <p:nvPr/>
+      </p:nvGrpSpPr>
+      <p:grpSpPr>
+        <a:xfrm>
+          <a:off x="0" y="0"/>
+          <a:ext cx="0" cy="0"/>
+          <a:chOff x="0" y="0"/>
+          <a:chExt cx="0" cy="0"/>
+        </a:xfrm>
+      </p:grpSpPr>
+      <p:sp>
+        <p:nvSpPr>
+          <p:cNvPr id="3" name="Marcador de contenido 2"/>
+          <p:cNvSpPr>
+            <a:spLocks noGrp="1"/>
+          </p:cNvSpPr>
+          <p:nvPr>
+            <p:ph idx="1"/>
+          </p:nvPr>
+        </p:nvSpPr>
+        <p:spPr>
+          <a:xfrm>
+            <a:off x="0" y="0"/>
+            <a:ext cx="12192000" cy="6858000"/>
+          </a:xfrm>
+        </p:spPr>
+        <p:txBody>
+          <a:bodyPr>
+            <a:normAutofit/>
+          </a:bodyPr>
+          <a:lstStyle/>
+          <a:p>
+            <a:pPr marL="0" indent="0" algn="ctr">
+              <a:buNone/>
+            </a:pPr>
+            <a:endParaRPr lang="es-PA" sz="4000" dirty="0"/>
+          </a:p>
+          <a:p>
+            <a:pPr marL="0" indent="0" algn="ctr">
+              <a:buNone/>
+            </a:pPr>
+            <a:endParaRPr lang="es-PA" sz="4000" dirty="0" smtClean="0"/>
+          </a:p>
+          <a:p>
+            <a:pPr marL="0" indent="0" algn="ctr">
+              <a:buNone/>
+            </a:pPr>
+            <a:endParaRPr lang="es-PA" sz="4000" dirty="0"/>
+          </a:p>
+          <a:p>
+            <a:pPr marL="0" indent="0" algn="ctr">
+              <a:buNone/>
+            </a:pPr>
+            <a:endParaRPr lang="es-PA" sz="4000" dirty="0" smtClean="0"/>
+          </a:p>
+          <a:p>
+            <a:pPr marL="0" indent="0" algn="ctr">
+              <a:buNone/>
+            </a:pPr>
+            <a:r>
+              <a:rPr lang="es-PA" sz="10000" dirty="0" smtClean="0"/>
+              <a:t>FINAL DÍA 2</a:t>
+            </a:r>
+            <a:endParaRPr lang="es-PA" sz="10000" dirty="0"/>
+          </a:p>
+        </p:txBody>
+      </p:sp>
+    </p:spTree>
+    <p:extLst>
+      <p:ext uri="{BB962C8B-B14F-4D97-AF65-F5344CB8AC3E}">
+        <p14:creationId xmlns:p14="http://schemas.microsoft.com/office/powerpoint/2010/main" val="2380688711"/>
+      </p:ext>
+    </p:extLst>
+  </p:cSld>
+  <p:clrMapOvr>
+    <a:masterClrMapping/>
+  </p:clrMapOvr>
+  <p:timing>
+    <p:tnLst>
+      <p:par>
+        <p:cTn id="1" dur="indefinite" restart="never" nodeType="tmRoot"/>
+      </p:par>
+    </p:tnLst>
+  </p:timing>
+</p:sld>
+</file>
+
 <file path=ppt/slides/slide11.xml><?xml version="1.0" encoding="utf-8"?>
 <p:sld xmlns:a="http://schemas.openxmlformats.org/drawingml/2006/main" xmlns:r="http://schemas.openxmlformats.org/officeDocument/2006/relationships" xmlns:p="http://schemas.openxmlformats.org/presentationml/2006/main">
   <p:cSld>
@@ -21896,7 +22750,6 @@
               <a:rPr lang="es-PA" dirty="0"/>
               <a:t>10 k</a:t>
             </a:r>
-            <a:endParaRPr lang="es-PA" dirty="0"/>
           </a:p>
         </p:txBody>
       </p:sp>
@@ -22249,38 +23102,282 @@
         </p:nvSpPr>
         <p:spPr>
           <a:xfrm>
-            <a:off x="310675" y="1335097"/>
-            <a:ext cx="8402585" cy="4425154"/>
+            <a:off x="310675" y="1335096"/>
+            <a:ext cx="11618089" cy="5044921"/>
           </a:xfrm>
         </p:spPr>
         <p:txBody>
           <a:bodyPr>
-            <a:normAutofit/>
+            <a:normAutofit lnSpcReduction="10000"/>
           </a:bodyPr>
           <a:lstStyle/>
           <a:p>
             <a:r>
-              <a:rPr lang="es-PA" dirty="0"/>
-              <a:t>4. Sumador de tensión </a:t>
+              <a:rPr lang="es-PA" dirty="0" smtClean="0"/>
+              <a:t>Más sobre el amplificador de diferencia</a:t>
+            </a:r>
+          </a:p>
+          <a:p>
+            <a:r>
+              <a:rPr lang="es-PA" dirty="0" smtClean="0"/>
+              <a:t>Lo podemos reducir en una señal de modo </a:t>
+            </a:r>
+            <a:r>
+              <a:rPr lang="es-PA" dirty="0" err="1" smtClean="0"/>
+              <a:t>comun</a:t>
+            </a:r>
+            <a:r>
+              <a:rPr lang="es-PA" dirty="0" smtClean="0"/>
+              <a:t> y otra diferencial</a:t>
+            </a:r>
+          </a:p>
+          <a:p>
+            <a:pPr lvl="1"/>
+            <a:r>
+              <a:rPr lang="es-PA" dirty="0" smtClean="0"/>
+              <a:t>Recordar que idealmente se rechaza el modo común, en la realidad persiste.</a:t>
+            </a:r>
+          </a:p>
+          <a:p>
+            <a:r>
+              <a:rPr lang="es-PA" dirty="0" smtClean="0"/>
+              <a:t>La eficiencia se mide </a:t>
+            </a:r>
+            <a:r>
+              <a:rPr lang="es-PA" dirty="0" err="1" smtClean="0"/>
+              <a:t>pr</a:t>
+            </a:r>
+            <a:r>
+              <a:rPr lang="es-PA" dirty="0" smtClean="0"/>
+              <a:t> el modo de rechazo de modo común es</a:t>
             </a:r>
             <a:endParaRPr lang="es-PA" dirty="0" smtClean="0"/>
           </a:p>
           <a:p>
             <a:r>
               <a:rPr lang="es-PA" dirty="0" smtClean="0"/>
-              <a:t>5</a:t>
-            </a:r>
-            <a:r>
-              <a:rPr lang="es-PA" dirty="0"/>
-              <a:t>. Integrador </a:t>
-            </a:r>
-          </a:p>
-        </p:txBody>
-      </p:sp>
+              <a:t>Veamos a detalle un amplificador de </a:t>
+            </a:r>
+            <a:r>
+              <a:rPr lang="es-PA" dirty="0" err="1" smtClean="0"/>
+              <a:t>dif</a:t>
+            </a:r>
+            <a:r>
+              <a:rPr lang="es-PA" dirty="0" smtClean="0"/>
+              <a:t>…</a:t>
+            </a:r>
+          </a:p>
+          <a:p>
+            <a:r>
+              <a:rPr lang="es-PA" dirty="0" smtClean="0"/>
+              <a:t>… más completo</a:t>
+            </a:r>
+          </a:p>
+          <a:p>
+            <a:r>
+              <a:rPr lang="es-PA" dirty="0" smtClean="0"/>
+              <a:t>Por el principio de superposición</a:t>
+            </a:r>
+          </a:p>
+          <a:p>
+            <a:endParaRPr lang="es-PA" dirty="0"/>
+          </a:p>
+          <a:p>
+            <a:endParaRPr lang="es-PA" dirty="0" smtClean="0"/>
+          </a:p>
+          <a:p>
+            <a:endParaRPr lang="es-PA" dirty="0"/>
+          </a:p>
+          <a:p>
+            <a:r>
+              <a:rPr lang="es-PA" dirty="0" smtClean="0"/>
+              <a:t>Para que esto ocurra:</a:t>
+            </a:r>
+          </a:p>
+          <a:p>
+            <a:r>
+              <a:rPr lang="es-PA" dirty="0" smtClean="0"/>
+              <a:t>R1 = R3, R4 = R2</a:t>
+            </a:r>
+            <a:endParaRPr lang="es-PA" dirty="0"/>
+          </a:p>
+          <a:p>
+            <a:endParaRPr lang="es-PA" dirty="0"/>
+          </a:p>
+        </p:txBody>
+      </p:sp>
+      <p:pic>
+        <p:nvPicPr>
+          <p:cNvPr id="4" name="Imagen 3"/>
+          <p:cNvPicPr>
+            <a:picLocks noChangeAspect="1"/>
+          </p:cNvPicPr>
+          <p:nvPr/>
+        </p:nvPicPr>
+        <p:blipFill>
+          <a:blip r:embed="rId2"/>
+          <a:stretch>
+            <a:fillRect/>
+          </a:stretch>
+        </p:blipFill>
+        <p:spPr>
+          <a:xfrm>
+            <a:off x="9469690" y="1710324"/>
+            <a:ext cx="2459074" cy="504843"/>
+          </a:xfrm>
+          <a:prstGeom prst="rect">
+            <a:avLst/>
+          </a:prstGeom>
+        </p:spPr>
+      </p:pic>
+      <p:pic>
+        <p:nvPicPr>
+          <p:cNvPr id="9" name="Imagen 8"/>
+          <p:cNvPicPr>
+            <a:picLocks noChangeAspect="1"/>
+          </p:cNvPicPr>
+          <p:nvPr/>
+        </p:nvPicPr>
+        <p:blipFill>
+          <a:blip r:embed="rId3"/>
+          <a:stretch>
+            <a:fillRect/>
+          </a:stretch>
+        </p:blipFill>
+        <p:spPr>
+          <a:xfrm>
+            <a:off x="9019235" y="2590395"/>
+            <a:ext cx="2211141" cy="717903"/>
+          </a:xfrm>
+          <a:prstGeom prst="rect">
+            <a:avLst/>
+          </a:prstGeom>
+        </p:spPr>
+      </p:pic>
+      <p:pic>
+        <p:nvPicPr>
+          <p:cNvPr id="10" name="Imagen 9"/>
+          <p:cNvPicPr>
+            <a:picLocks noChangeAspect="1"/>
+          </p:cNvPicPr>
+          <p:nvPr/>
+        </p:nvPicPr>
+        <p:blipFill>
+          <a:blip r:embed="rId4"/>
+          <a:stretch>
+            <a:fillRect/>
+          </a:stretch>
+        </p:blipFill>
+        <p:spPr>
+          <a:xfrm>
+            <a:off x="8855409" y="3567616"/>
+            <a:ext cx="3232333" cy="2601364"/>
+          </a:xfrm>
+          <a:prstGeom prst="rect">
+            <a:avLst/>
+          </a:prstGeom>
+        </p:spPr>
+      </p:pic>
+      <p:pic>
+        <p:nvPicPr>
+          <p:cNvPr id="11" name="Imagen 10"/>
+          <p:cNvPicPr>
+            <a:picLocks noChangeAspect="1"/>
+          </p:cNvPicPr>
+          <p:nvPr/>
+        </p:nvPicPr>
+        <p:blipFill>
+          <a:blip r:embed="rId5"/>
+          <a:stretch>
+            <a:fillRect/>
+          </a:stretch>
+        </p:blipFill>
+        <p:spPr>
+          <a:xfrm>
+            <a:off x="6058006" y="3072740"/>
+            <a:ext cx="2638425" cy="1933575"/>
+          </a:xfrm>
+          <a:prstGeom prst="rect">
+            <a:avLst/>
+          </a:prstGeom>
+        </p:spPr>
+      </p:pic>
+      <p:pic>
+        <p:nvPicPr>
+          <p:cNvPr id="12" name="Imagen 11"/>
+          <p:cNvPicPr>
+            <a:picLocks noChangeAspect="1"/>
+          </p:cNvPicPr>
+          <p:nvPr/>
+        </p:nvPicPr>
+        <p:blipFill>
+          <a:blip r:embed="rId6"/>
+          <a:stretch>
+            <a:fillRect/>
+          </a:stretch>
+        </p:blipFill>
+        <p:spPr>
+          <a:xfrm>
+            <a:off x="1207548" y="4366995"/>
+            <a:ext cx="1680647" cy="810312"/>
+          </a:xfrm>
+          <a:prstGeom prst="rect">
+            <a:avLst/>
+          </a:prstGeom>
+        </p:spPr>
+      </p:pic>
+      <p:pic>
+        <p:nvPicPr>
+          <p:cNvPr id="13" name="Imagen 12"/>
+          <p:cNvPicPr>
+            <a:picLocks noChangeAspect="1"/>
+          </p:cNvPicPr>
+          <p:nvPr/>
+        </p:nvPicPr>
+        <p:blipFill>
+          <a:blip r:embed="rId7"/>
+          <a:stretch>
+            <a:fillRect/>
+          </a:stretch>
+        </p:blipFill>
+        <p:spPr>
+          <a:xfrm>
+            <a:off x="3049597" y="4366995"/>
+            <a:ext cx="2685605" cy="810312"/>
+          </a:xfrm>
+          <a:prstGeom prst="rect">
+            <a:avLst/>
+          </a:prstGeom>
+        </p:spPr>
+      </p:pic>
+      <p:pic>
+        <p:nvPicPr>
+          <p:cNvPr id="14" name="Imagen 13"/>
+          <p:cNvPicPr>
+            <a:picLocks noChangeAspect="1"/>
+          </p:cNvPicPr>
+          <p:nvPr/>
+        </p:nvPicPr>
+        <p:blipFill>
+          <a:blip r:embed="rId8"/>
+          <a:stretch>
+            <a:fillRect/>
+          </a:stretch>
+        </p:blipFill>
+        <p:spPr>
+          <a:xfrm>
+            <a:off x="4851820" y="5305723"/>
+            <a:ext cx="2771509" cy="863257"/>
+          </a:xfrm>
+          <a:prstGeom prst="rect">
+            <a:avLst/>
+          </a:prstGeom>
+        </p:spPr>
+      </p:pic>
     </p:spTree>
     <p:extLst>
       <p:ext uri="{BB962C8B-B14F-4D97-AF65-F5344CB8AC3E}">
-        <p14:creationId xmlns:p14="http://schemas.microsoft.com/office/powerpoint/2010/main" val="1800350710"/>
+        <p14:creationId xmlns:p14="http://schemas.microsoft.com/office/powerpoint/2010/main" val="1110738117"/>
       </p:ext>
     </p:extLst>
   </p:cSld>
@@ -22354,27 +23451,232 @@
         </p:nvSpPr>
         <p:spPr>
           <a:xfrm>
-            <a:off x="310675" y="1335097"/>
-            <a:ext cx="8402585" cy="4425154"/>
+            <a:off x="310675" y="1335096"/>
+            <a:ext cx="11618089" cy="5044921"/>
           </a:xfrm>
         </p:spPr>
         <p:txBody>
           <a:bodyPr>
-            <a:normAutofit/>
+            <a:normAutofit lnSpcReduction="10000"/>
           </a:bodyPr>
           <a:lstStyle/>
           <a:p>
             <a:r>
-              <a:rPr lang="es-PA" dirty="0"/>
-              <a:t>2. Representación canónica </a:t>
-            </a:r>
-          </a:p>
-        </p:txBody>
-      </p:sp>
+              <a:rPr lang="es-PA" dirty="0" smtClean="0"/>
+              <a:t>Más sobre el amplificador de diferencia</a:t>
+            </a:r>
+          </a:p>
+          <a:p>
+            <a:r>
+              <a:rPr lang="es-PA" dirty="0" smtClean="0"/>
+              <a:t>Ahora consideremos que solo hay una señal de modo común</a:t>
+            </a:r>
+          </a:p>
+          <a:p>
+            <a:r>
+              <a:rPr lang="es-PA" dirty="0" smtClean="0"/>
+              <a:t>La corriente i1 se puede calcular</a:t>
+            </a:r>
+          </a:p>
+          <a:p>
+            <a:r>
+              <a:rPr lang="es-PA" dirty="0" smtClean="0"/>
+              <a:t>El voltaje de salida es</a:t>
+            </a:r>
+          </a:p>
+          <a:p>
+            <a:endParaRPr lang="es-PA" dirty="0"/>
+          </a:p>
+          <a:p>
+            <a:r>
+              <a:rPr lang="es-PA" dirty="0" smtClean="0"/>
+              <a:t>Sustituyendo i2 = i1…</a:t>
+            </a:r>
+          </a:p>
+          <a:p>
+            <a:r>
+              <a:rPr lang="es-PA" dirty="0" smtClean="0"/>
+              <a:t>… el voltaje de salida sería</a:t>
+            </a:r>
+          </a:p>
+          <a:p>
+            <a:r>
+              <a:rPr lang="es-PA" dirty="0" smtClean="0"/>
+              <a:t>La ganancia de modo común</a:t>
+            </a:r>
+          </a:p>
+          <a:p>
+            <a:endParaRPr lang="es-PA" dirty="0"/>
+          </a:p>
+          <a:p>
+            <a:endParaRPr lang="es-PA" dirty="0" smtClean="0"/>
+          </a:p>
+          <a:p>
+            <a:r>
+              <a:rPr lang="es-PA" dirty="0" smtClean="0"/>
+              <a:t>Si diseñamos con resistencia del mismo valor</a:t>
+            </a:r>
+          </a:p>
+          <a:p>
+            <a:r>
+              <a:rPr lang="es-PA" dirty="0" smtClean="0"/>
+              <a:t>R3 = R1, R4 = R2</a:t>
+            </a:r>
+            <a:endParaRPr lang="es-PA" dirty="0"/>
+          </a:p>
+          <a:p>
+            <a:endParaRPr lang="es-PA" dirty="0"/>
+          </a:p>
+        </p:txBody>
+      </p:sp>
+      <p:pic>
+        <p:nvPicPr>
+          <p:cNvPr id="5" name="Imagen 4"/>
+          <p:cNvPicPr>
+            <a:picLocks noChangeAspect="1"/>
+          </p:cNvPicPr>
+          <p:nvPr/>
+        </p:nvPicPr>
+        <p:blipFill>
+          <a:blip r:embed="rId2"/>
+          <a:stretch>
+            <a:fillRect/>
+          </a:stretch>
+        </p:blipFill>
+        <p:spPr>
+          <a:xfrm>
+            <a:off x="5980334" y="2160675"/>
+            <a:ext cx="2557530" cy="1390247"/>
+          </a:xfrm>
+          <a:prstGeom prst="rect">
+            <a:avLst/>
+          </a:prstGeom>
+        </p:spPr>
+      </p:pic>
+      <p:pic>
+        <p:nvPicPr>
+          <p:cNvPr id="6" name="Imagen 5"/>
+          <p:cNvPicPr>
+            <a:picLocks noChangeAspect="1"/>
+          </p:cNvPicPr>
+          <p:nvPr/>
+        </p:nvPicPr>
+        <p:blipFill>
+          <a:blip r:embed="rId3"/>
+          <a:stretch>
+            <a:fillRect/>
+          </a:stretch>
+        </p:blipFill>
+        <p:spPr>
+          <a:xfrm>
+            <a:off x="3554444" y="2688708"/>
+            <a:ext cx="2425890" cy="862214"/>
+          </a:xfrm>
+          <a:prstGeom prst="rect">
+            <a:avLst/>
+          </a:prstGeom>
+        </p:spPr>
+      </p:pic>
+      <p:pic>
+        <p:nvPicPr>
+          <p:cNvPr id="7" name="Imagen 6"/>
+          <p:cNvPicPr>
+            <a:picLocks noChangeAspect="1"/>
+          </p:cNvPicPr>
+          <p:nvPr/>
+        </p:nvPicPr>
+        <p:blipFill>
+          <a:blip r:embed="rId4"/>
+          <a:stretch>
+            <a:fillRect/>
+          </a:stretch>
+        </p:blipFill>
+        <p:spPr>
+          <a:xfrm>
+            <a:off x="5304424" y="3522747"/>
+            <a:ext cx="2879381" cy="1248581"/>
+          </a:xfrm>
+          <a:prstGeom prst="rect">
+            <a:avLst/>
+          </a:prstGeom>
+        </p:spPr>
+      </p:pic>
+      <p:pic>
+        <p:nvPicPr>
+          <p:cNvPr id="8" name="Imagen 7"/>
+          <p:cNvPicPr>
+            <a:picLocks noChangeAspect="1"/>
+          </p:cNvPicPr>
+          <p:nvPr/>
+        </p:nvPicPr>
+        <p:blipFill>
+          <a:blip r:embed="rId5"/>
+          <a:stretch>
+            <a:fillRect/>
+          </a:stretch>
+        </p:blipFill>
+        <p:spPr>
+          <a:xfrm>
+            <a:off x="835832" y="4723003"/>
+            <a:ext cx="3860935" cy="869855"/>
+          </a:xfrm>
+          <a:prstGeom prst="rect">
+            <a:avLst/>
+          </a:prstGeom>
+        </p:spPr>
+      </p:pic>
+      <p:pic>
+        <p:nvPicPr>
+          <p:cNvPr id="15" name="Imagen 14"/>
+          <p:cNvPicPr>
+            <a:picLocks noChangeAspect="1"/>
+          </p:cNvPicPr>
+          <p:nvPr/>
+        </p:nvPicPr>
+        <p:blipFill>
+          <a:blip r:embed="rId6"/>
+          <a:stretch>
+            <a:fillRect/>
+          </a:stretch>
+        </p:blipFill>
+        <p:spPr>
+          <a:xfrm>
+            <a:off x="6318431" y="5448237"/>
+            <a:ext cx="1267226" cy="817565"/>
+          </a:xfrm>
+          <a:prstGeom prst="rect">
+            <a:avLst/>
+          </a:prstGeom>
+        </p:spPr>
+      </p:pic>
+      <p:pic>
+        <p:nvPicPr>
+          <p:cNvPr id="16" name="Imagen 15"/>
+          <p:cNvPicPr>
+            <a:picLocks noChangeAspect="1"/>
+          </p:cNvPicPr>
+          <p:nvPr/>
+        </p:nvPicPr>
+        <p:blipFill>
+          <a:blip r:embed="rId7"/>
+          <a:stretch>
+            <a:fillRect/>
+          </a:stretch>
+        </p:blipFill>
+        <p:spPr>
+          <a:xfrm>
+            <a:off x="8672043" y="38636"/>
+            <a:ext cx="3390900" cy="2257425"/>
+          </a:xfrm>
+          <a:prstGeom prst="rect">
+            <a:avLst/>
+          </a:prstGeom>
+        </p:spPr>
+      </p:pic>
     </p:spTree>
     <p:extLst>
       <p:ext uri="{BB962C8B-B14F-4D97-AF65-F5344CB8AC3E}">
-        <p14:creationId xmlns:p14="http://schemas.microsoft.com/office/powerpoint/2010/main" val="3516338646"/>
+        <p14:creationId xmlns:p14="http://schemas.microsoft.com/office/powerpoint/2010/main" val="1491360305"/>
       </p:ext>
     </p:extLst>
   </p:cSld>
@@ -22448,8 +23750,8 @@
         </p:nvSpPr>
         <p:spPr>
           <a:xfrm>
-            <a:off x="310675" y="1335097"/>
-            <a:ext cx="8402585" cy="4425154"/>
+            <a:off x="310675" y="1335096"/>
+            <a:ext cx="11618089" cy="5044921"/>
           </a:xfrm>
         </p:spPr>
         <p:txBody>
@@ -22459,22 +23761,165 @@
           <a:lstStyle/>
           <a:p>
             <a:r>
-              <a:rPr lang="es-PA" dirty="0"/>
-              <a:t>3. Representación equivalente: Flujograma (diagrama de flujo) </a:t>
-            </a:r>
-          </a:p>
-          <a:p>
-            <a:r>
-              <a:rPr lang="es-PA" dirty="0"/>
-              <a:t>a. Definición y reglas </a:t>
-            </a:r>
-          </a:p>
-        </p:txBody>
-      </p:sp>
+              <a:rPr lang="es-PA" dirty="0" smtClean="0"/>
+              <a:t>Más sobre el amplificador de diferencia</a:t>
+            </a:r>
+          </a:p>
+          <a:p>
+            <a:r>
+              <a:rPr lang="es-PA" dirty="0" smtClean="0"/>
+              <a:t>Para CMRR el amplificador tiene que tener alta impedancia de entrada</a:t>
+            </a:r>
+          </a:p>
+          <a:p>
+            <a:r>
+              <a:rPr lang="es-PA" dirty="0" smtClean="0"/>
+              <a:t>Para conseguir </a:t>
+            </a:r>
+            <a:r>
+              <a:rPr lang="es-PA" dirty="0" err="1" smtClean="0"/>
+              <a:t>Rid</a:t>
+            </a:r>
+            <a:r>
+              <a:rPr lang="es-PA" dirty="0" smtClean="0"/>
+              <a:t>, se asume como comentamos R3 = R1, R2 = R4</a:t>
+            </a:r>
+          </a:p>
+          <a:p>
+            <a:endParaRPr lang="es-PA" dirty="0" smtClean="0"/>
+          </a:p>
+          <a:p>
+            <a:endParaRPr lang="es-PA" dirty="0"/>
+          </a:p>
+          <a:p>
+            <a:endParaRPr lang="es-PA" dirty="0" smtClean="0"/>
+          </a:p>
+          <a:p>
+            <a:endParaRPr lang="es-PA" dirty="0"/>
+          </a:p>
+          <a:p>
+            <a:r>
+              <a:rPr lang="es-PA" dirty="0" smtClean="0"/>
+              <a:t>Realizamos una malla gracias a la tierra virtual</a:t>
+            </a:r>
+          </a:p>
+          <a:p>
+            <a:endParaRPr lang="es-PA" dirty="0"/>
+          </a:p>
+          <a:p>
+            <a:r>
+              <a:rPr lang="es-PA" dirty="0" smtClean="0"/>
+              <a:t>Finalmente tenemos la entrada diferencial</a:t>
+            </a:r>
+          </a:p>
+          <a:p>
+            <a:endParaRPr lang="es-PA" dirty="0" smtClean="0"/>
+          </a:p>
+          <a:p>
+            <a:endParaRPr lang="es-PA" dirty="0"/>
+          </a:p>
+        </p:txBody>
+      </p:sp>
+      <p:pic>
+        <p:nvPicPr>
+          <p:cNvPr id="4" name="Imagen 3"/>
+          <p:cNvPicPr>
+            <a:picLocks noChangeAspect="1"/>
+          </p:cNvPicPr>
+          <p:nvPr/>
+        </p:nvPicPr>
+        <p:blipFill>
+          <a:blip r:embed="rId2"/>
+          <a:stretch>
+            <a:fillRect/>
+          </a:stretch>
+        </p:blipFill>
+        <p:spPr>
+          <a:xfrm>
+            <a:off x="9010409" y="2073424"/>
+            <a:ext cx="940865" cy="760994"/>
+          </a:xfrm>
+          <a:prstGeom prst="rect">
+            <a:avLst/>
+          </a:prstGeom>
+        </p:spPr>
+      </p:pic>
+      <p:pic>
+        <p:nvPicPr>
+          <p:cNvPr id="9" name="Imagen 8"/>
+          <p:cNvPicPr>
+            <a:picLocks noChangeAspect="1"/>
+          </p:cNvPicPr>
+          <p:nvPr/>
+        </p:nvPicPr>
+        <p:blipFill>
+          <a:blip r:embed="rId3"/>
+          <a:stretch>
+            <a:fillRect/>
+          </a:stretch>
+        </p:blipFill>
+        <p:spPr>
+          <a:xfrm>
+            <a:off x="6552174" y="4119885"/>
+            <a:ext cx="2458235" cy="684794"/>
+          </a:xfrm>
+          <a:prstGeom prst="rect">
+            <a:avLst/>
+          </a:prstGeom>
+        </p:spPr>
+      </p:pic>
+      <p:pic>
+        <p:nvPicPr>
+          <p:cNvPr id="10" name="Imagen 9"/>
+          <p:cNvPicPr>
+            <a:picLocks noChangeAspect="1"/>
+          </p:cNvPicPr>
+          <p:nvPr/>
+        </p:nvPicPr>
+        <p:blipFill>
+          <a:blip r:embed="rId4"/>
+          <a:stretch>
+            <a:fillRect/>
+          </a:stretch>
+        </p:blipFill>
+        <p:spPr>
+          <a:xfrm>
+            <a:off x="6085773" y="5044443"/>
+            <a:ext cx="1363817" cy="662967"/>
+          </a:xfrm>
+          <a:prstGeom prst="rect">
+            <a:avLst/>
+          </a:prstGeom>
+        </p:spPr>
+      </p:pic>
+      <p:pic>
+        <p:nvPicPr>
+          <p:cNvPr id="11" name="Imagen 10"/>
+          <p:cNvPicPr>
+            <a:picLocks noChangeAspect="1"/>
+          </p:cNvPicPr>
+          <p:nvPr/>
+        </p:nvPicPr>
+        <p:blipFill>
+          <a:blip r:embed="rId5"/>
+          <a:stretch>
+            <a:fillRect/>
+          </a:stretch>
+        </p:blipFill>
+        <p:spPr>
+          <a:xfrm>
+            <a:off x="776213" y="2525544"/>
+            <a:ext cx="3160287" cy="1917141"/>
+          </a:xfrm>
+          <a:prstGeom prst="rect">
+            <a:avLst/>
+          </a:prstGeom>
+        </p:spPr>
+      </p:pic>
     </p:spTree>
     <p:extLst>
       <p:ext uri="{BB962C8B-B14F-4D97-AF65-F5344CB8AC3E}">
-        <p14:creationId xmlns:p14="http://schemas.microsoft.com/office/powerpoint/2010/main" val="3586624543"/>
+        <p14:creationId xmlns:p14="http://schemas.microsoft.com/office/powerpoint/2010/main" val="2949244829"/>
       </p:ext>
     </p:extLst>
   </p:cSld>
@@ -22548,8 +23993,8 @@
         </p:nvSpPr>
         <p:spPr>
           <a:xfrm>
-            <a:off x="310675" y="1335097"/>
-            <a:ext cx="8402585" cy="4425154"/>
+            <a:off x="310675" y="1335096"/>
+            <a:ext cx="11618089" cy="5044921"/>
           </a:xfrm>
         </p:spPr>
         <p:txBody>
@@ -22559,16 +24004,158 @@
           <a:lstStyle/>
           <a:p>
             <a:r>
-              <a:rPr lang="it-IT" dirty="0"/>
-              <a:t>b. Flujograma del sistema canonic realimentat (flujograma canonic) </a:t>
-            </a:r>
-          </a:p>
-        </p:txBody>
-      </p:sp>
+              <a:rPr lang="es-PA" dirty="0" smtClean="0"/>
+              <a:t>Considere el amplificador diferencial</a:t>
+            </a:r>
+          </a:p>
+          <a:p>
+            <a:r>
+              <a:rPr lang="es-PA" dirty="0" smtClean="0"/>
+              <a:t>R1 = R3 = 2K, R2 = R4 = 200k</a:t>
+            </a:r>
+          </a:p>
+          <a:p>
+            <a:r>
+              <a:rPr lang="es-PA" dirty="0" smtClean="0"/>
+              <a:t>Encuentre Ad</a:t>
+            </a:r>
+          </a:p>
+          <a:p>
+            <a:r>
+              <a:rPr lang="es-PA" dirty="0" smtClean="0"/>
+              <a:t>Encuentre el valor de la entrada diferencial </a:t>
+            </a:r>
+            <a:r>
+              <a:rPr lang="es-PA" dirty="0" err="1" smtClean="0"/>
+              <a:t>Rid</a:t>
+            </a:r>
+            <a:r>
+              <a:rPr lang="es-PA" dirty="0" smtClean="0"/>
+              <a:t> y la resistencia Ro</a:t>
+            </a:r>
+          </a:p>
+          <a:p>
+            <a:r>
+              <a:rPr lang="es-PA" dirty="0" smtClean="0"/>
+              <a:t>Si los resistores son de 1% de tolerancia use esta </a:t>
+            </a:r>
+            <a:r>
+              <a:rPr lang="es-PA" dirty="0" err="1" smtClean="0"/>
+              <a:t>ecuanción</a:t>
+            </a:r>
+            <a:r>
+              <a:rPr lang="es-PA" dirty="0" smtClean="0"/>
+              <a:t> y calcule </a:t>
+            </a:r>
+            <a:r>
+              <a:rPr lang="es-PA" dirty="0" err="1" smtClean="0"/>
+              <a:t>Acm</a:t>
+            </a:r>
+            <a:r>
+              <a:rPr lang="es-PA" dirty="0" smtClean="0"/>
+              <a:t> y CMRR </a:t>
+            </a:r>
+            <a:endParaRPr lang="es-PA" dirty="0" smtClean="0"/>
+          </a:p>
+          <a:p>
+            <a:endParaRPr lang="es-PA" dirty="0" smtClean="0"/>
+          </a:p>
+          <a:p>
+            <a:endParaRPr lang="es-PA" dirty="0" smtClean="0"/>
+          </a:p>
+          <a:p>
+            <a:r>
+              <a:rPr lang="es-PA" dirty="0" smtClean="0"/>
+              <a:t>Encuentre los valores de resistencia para una ganancia de 10 y </a:t>
+            </a:r>
+            <a:r>
+              <a:rPr lang="es-PA" dirty="0" err="1" smtClean="0"/>
+              <a:t>Rid</a:t>
+            </a:r>
+            <a:r>
+              <a:rPr lang="es-PA" dirty="0" smtClean="0"/>
+              <a:t> = 20k </a:t>
+            </a:r>
+            <a:endParaRPr lang="es-PA" dirty="0"/>
+          </a:p>
+        </p:txBody>
+      </p:sp>
+      <p:pic>
+        <p:nvPicPr>
+          <p:cNvPr id="5" name="Imagen 4"/>
+          <p:cNvPicPr>
+            <a:picLocks noChangeAspect="1"/>
+          </p:cNvPicPr>
+          <p:nvPr/>
+        </p:nvPicPr>
+        <p:blipFill>
+          <a:blip r:embed="rId2"/>
+          <a:stretch>
+            <a:fillRect/>
+          </a:stretch>
+        </p:blipFill>
+        <p:spPr>
+          <a:xfrm>
+            <a:off x="9070488" y="1152983"/>
+            <a:ext cx="2594009" cy="1797054"/>
+          </a:xfrm>
+          <a:prstGeom prst="rect">
+            <a:avLst/>
+          </a:prstGeom>
+        </p:spPr>
+      </p:pic>
+      <p:pic>
+        <p:nvPicPr>
+          <p:cNvPr id="6" name="Imagen 5"/>
+          <p:cNvPicPr>
+            <a:picLocks noChangeAspect="1"/>
+          </p:cNvPicPr>
+          <p:nvPr/>
+        </p:nvPicPr>
+        <p:blipFill>
+          <a:blip r:embed="rId3"/>
+          <a:stretch>
+            <a:fillRect/>
+          </a:stretch>
+        </p:blipFill>
+        <p:spPr>
+          <a:xfrm>
+            <a:off x="808014" y="3479815"/>
+            <a:ext cx="3120041" cy="755482"/>
+          </a:xfrm>
+          <a:prstGeom prst="rect">
+            <a:avLst/>
+          </a:prstGeom>
+        </p:spPr>
+      </p:pic>
+      <p:pic>
+        <p:nvPicPr>
+          <p:cNvPr id="7" name="Imagen 6"/>
+          <p:cNvPicPr>
+            <a:picLocks noChangeAspect="1"/>
+          </p:cNvPicPr>
+          <p:nvPr/>
+        </p:nvPicPr>
+        <p:blipFill>
+          <a:blip r:embed="rId4"/>
+          <a:stretch>
+            <a:fillRect/>
+          </a:stretch>
+        </p:blipFill>
+        <p:spPr>
+          <a:xfrm>
+            <a:off x="4559121" y="4858321"/>
+            <a:ext cx="2725088" cy="1832253"/>
+          </a:xfrm>
+          <a:prstGeom prst="rect">
+            <a:avLst/>
+          </a:prstGeom>
+        </p:spPr>
+      </p:pic>
     </p:spTree>
     <p:extLst>
       <p:ext uri="{BB962C8B-B14F-4D97-AF65-F5344CB8AC3E}">
-        <p14:creationId xmlns:p14="http://schemas.microsoft.com/office/powerpoint/2010/main" val="3181445977"/>
+        <p14:creationId xmlns:p14="http://schemas.microsoft.com/office/powerpoint/2010/main" val="978050848"/>
       </p:ext>
     </p:extLst>
   </p:cSld>
@@ -22642,8 +24229,8 @@
         </p:nvSpPr>
         <p:spPr>
           <a:xfrm>
-            <a:off x="310675" y="1335097"/>
-            <a:ext cx="11576525" cy="4425154"/>
+            <a:off x="310675" y="1335096"/>
+            <a:ext cx="11618089" cy="5044921"/>
           </a:xfrm>
         </p:spPr>
         <p:txBody>
@@ -22654,25 +24241,194 @@
           <a:p>
             <a:r>
               <a:rPr lang="es-PA" dirty="0" smtClean="0"/>
-              <a:t>E</a:t>
-            </a:r>
-            <a:r>
-              <a:rPr lang="es-PA" dirty="0"/>
-              <a:t>. Limitaciones de los amplificadores operacionales </a:t>
-            </a:r>
-          </a:p>
-          <a:p>
-            <a:r>
-              <a:rPr lang="es-PA" dirty="0"/>
-              <a:t>1. Introducción </a:t>
-            </a:r>
-          </a:p>
-        </p:txBody>
-      </p:sp>
+              <a:t>Considere el amplificador diferencial</a:t>
+            </a:r>
+          </a:p>
+          <a:p>
+            <a:r>
+              <a:rPr lang="es-PA" dirty="0" smtClean="0"/>
+              <a:t>R1 = R3 = 2K, R2 = R4 = 200k</a:t>
+            </a:r>
+          </a:p>
+          <a:p>
+            <a:r>
+              <a:rPr lang="es-PA" dirty="0" smtClean="0"/>
+              <a:t>Encuentre Ad</a:t>
+            </a:r>
+          </a:p>
+          <a:p>
+            <a:r>
+              <a:rPr lang="es-PA" dirty="0" smtClean="0"/>
+              <a:t>Encuentre el valor de la entrada diferencial </a:t>
+            </a:r>
+            <a:r>
+              <a:rPr lang="es-PA" dirty="0" err="1" smtClean="0"/>
+              <a:t>Rid</a:t>
+            </a:r>
+            <a:r>
+              <a:rPr lang="es-PA" dirty="0" smtClean="0"/>
+              <a:t> y la resistencia Ro</a:t>
+            </a:r>
+          </a:p>
+          <a:p>
+            <a:r>
+              <a:rPr lang="es-PA" dirty="0" smtClean="0"/>
+              <a:t>Si los resistores son de 1% de tolerancia calcule la peor ganancia </a:t>
+            </a:r>
+            <a:r>
+              <a:rPr lang="es-PA" dirty="0" err="1" smtClean="0"/>
+              <a:t>Acm</a:t>
+            </a:r>
+            <a:r>
+              <a:rPr lang="es-PA" dirty="0" smtClean="0"/>
+              <a:t> y CMRR </a:t>
+            </a:r>
+            <a:endParaRPr lang="es-PA" dirty="0" smtClean="0"/>
+          </a:p>
+          <a:p>
+            <a:endParaRPr lang="es-PA" dirty="0" smtClean="0"/>
+          </a:p>
+          <a:p>
+            <a:r>
+              <a:rPr lang="es-PA" dirty="0" smtClean="0"/>
+              <a:t>Encuentre los valores de resistencia para una ganancia de 10 y </a:t>
+            </a:r>
+            <a:r>
+              <a:rPr lang="es-PA" dirty="0" err="1" smtClean="0"/>
+              <a:t>Rid</a:t>
+            </a:r>
+            <a:r>
+              <a:rPr lang="es-PA" dirty="0" smtClean="0"/>
+              <a:t> = 20k </a:t>
+            </a:r>
+            <a:endParaRPr lang="es-PA" dirty="0"/>
+          </a:p>
+        </p:txBody>
+      </p:sp>
+      <p:pic>
+        <p:nvPicPr>
+          <p:cNvPr id="5" name="Imagen 4"/>
+          <p:cNvPicPr>
+            <a:picLocks noChangeAspect="1"/>
+          </p:cNvPicPr>
+          <p:nvPr/>
+        </p:nvPicPr>
+        <p:blipFill>
+          <a:blip r:embed="rId2"/>
+          <a:stretch>
+            <a:fillRect/>
+          </a:stretch>
+        </p:blipFill>
+        <p:spPr>
+          <a:xfrm>
+            <a:off x="9070488" y="1152983"/>
+            <a:ext cx="2594009" cy="1797054"/>
+          </a:xfrm>
+          <a:prstGeom prst="rect">
+            <a:avLst/>
+          </a:prstGeom>
+        </p:spPr>
+      </p:pic>
+      <p:pic>
+        <p:nvPicPr>
+          <p:cNvPr id="6" name="Imagen 5"/>
+          <p:cNvPicPr>
+            <a:picLocks noChangeAspect="1"/>
+          </p:cNvPicPr>
+          <p:nvPr/>
+        </p:nvPicPr>
+        <p:blipFill>
+          <a:blip r:embed="rId3"/>
+          <a:stretch>
+            <a:fillRect/>
+          </a:stretch>
+        </p:blipFill>
+        <p:spPr>
+          <a:xfrm>
+            <a:off x="5819565" y="1152983"/>
+            <a:ext cx="3120041" cy="755482"/>
+          </a:xfrm>
+          <a:prstGeom prst="rect">
+            <a:avLst/>
+          </a:prstGeom>
+        </p:spPr>
+      </p:pic>
+      <p:pic>
+        <p:nvPicPr>
+          <p:cNvPr id="7" name="Imagen 6"/>
+          <p:cNvPicPr>
+            <a:picLocks noChangeAspect="1"/>
+          </p:cNvPicPr>
+          <p:nvPr/>
+        </p:nvPicPr>
+        <p:blipFill>
+          <a:blip r:embed="rId4"/>
+          <a:stretch>
+            <a:fillRect/>
+          </a:stretch>
+        </p:blipFill>
+        <p:spPr>
+          <a:xfrm>
+            <a:off x="646110" y="4369268"/>
+            <a:ext cx="2990563" cy="2010749"/>
+          </a:xfrm>
+          <a:prstGeom prst="rect">
+            <a:avLst/>
+          </a:prstGeom>
+        </p:spPr>
+      </p:pic>
+      <p:pic>
+        <p:nvPicPr>
+          <p:cNvPr id="4" name="Imagen 3"/>
+          <p:cNvPicPr>
+            <a:picLocks noChangeAspect="1"/>
+          </p:cNvPicPr>
+          <p:nvPr/>
+        </p:nvPicPr>
+        <p:blipFill>
+          <a:blip r:embed="rId5"/>
+          <a:stretch>
+            <a:fillRect/>
+          </a:stretch>
+        </p:blipFill>
+        <p:spPr>
+          <a:xfrm>
+            <a:off x="7766900" y="255732"/>
+            <a:ext cx="1809750" cy="638175"/>
+          </a:xfrm>
+          <a:prstGeom prst="rect">
+            <a:avLst/>
+          </a:prstGeom>
+        </p:spPr>
+      </p:pic>
+      <p:pic>
+        <p:nvPicPr>
+          <p:cNvPr id="8" name="Imagen 7"/>
+          <p:cNvPicPr>
+            <a:picLocks noChangeAspect="1"/>
+          </p:cNvPicPr>
+          <p:nvPr/>
+        </p:nvPicPr>
+        <p:blipFill>
+          <a:blip r:embed="rId6"/>
+          <a:stretch>
+            <a:fillRect/>
+          </a:stretch>
+        </p:blipFill>
+        <p:spPr>
+          <a:xfrm>
+            <a:off x="9695910" y="255732"/>
+            <a:ext cx="942625" cy="654293"/>
+          </a:xfrm>
+          <a:prstGeom prst="rect">
+            <a:avLst/>
+          </a:prstGeom>
+        </p:spPr>
+      </p:pic>
     </p:spTree>
     <p:extLst>
       <p:ext uri="{BB962C8B-B14F-4D97-AF65-F5344CB8AC3E}">
-        <p14:creationId xmlns:p14="http://schemas.microsoft.com/office/powerpoint/2010/main" val="3946295752"/>
+        <p14:creationId xmlns:p14="http://schemas.microsoft.com/office/powerpoint/2010/main" val="663009445"/>
       </p:ext>
     </p:extLst>
   </p:cSld>
@@ -22746,8 +24502,8 @@
         </p:nvSpPr>
         <p:spPr>
           <a:xfrm>
-            <a:off x="310675" y="1335097"/>
-            <a:ext cx="11576525" cy="4425154"/>
+            <a:off x="310675" y="1335096"/>
+            <a:ext cx="11618089" cy="5044921"/>
           </a:xfrm>
         </p:spPr>
         <p:txBody>
@@ -22758,30 +24514,206 @@
           <a:p>
             <a:r>
               <a:rPr lang="es-PA" dirty="0" smtClean="0"/>
-              <a:t>E</a:t>
-            </a:r>
-            <a:r>
-              <a:rPr lang="es-PA" dirty="0"/>
-              <a:t>. Limitaciones de los amplificadores operacionales </a:t>
-            </a:r>
-          </a:p>
-          <a:p>
-            <a:r>
-              <a:rPr lang="es-PA" dirty="0"/>
-              <a:t>2. Corrientes de </a:t>
-            </a:r>
-            <a:r>
-              <a:rPr lang="es-PA" dirty="0" smtClean="0"/>
-              <a:t>polarización</a:t>
+              <a:t>Considere el amplificador diferencial</a:t>
+            </a:r>
+          </a:p>
+          <a:p>
+            <a:r>
+              <a:rPr lang="es-PA" dirty="0" smtClean="0"/>
+              <a:t>R1 = R3 = 2K, R2 = R4 = 200k</a:t>
+            </a:r>
+          </a:p>
+          <a:p>
+            <a:r>
+              <a:rPr lang="es-PA" dirty="0" smtClean="0"/>
+              <a:t>Ad = 100V/V</a:t>
+            </a:r>
+          </a:p>
+          <a:p>
+            <a:r>
+              <a:rPr lang="es-PA" dirty="0" err="1" smtClean="0"/>
+              <a:t>Rid</a:t>
+            </a:r>
+            <a:r>
+              <a:rPr lang="es-PA" dirty="0" smtClean="0"/>
+              <a:t> = 4K, Ro = 0</a:t>
+            </a:r>
+          </a:p>
+          <a:p>
+            <a:r>
+              <a:rPr lang="es-PA" dirty="0" err="1" smtClean="0"/>
+              <a:t>Acm</a:t>
+            </a:r>
+            <a:r>
+              <a:rPr lang="es-PA" dirty="0" smtClean="0"/>
+              <a:t> = 0.04 V/V, CMRR = 67 </a:t>
+            </a:r>
+            <a:r>
+              <a:rPr lang="es-PA" dirty="0" err="1" smtClean="0"/>
+              <a:t>db</a:t>
+            </a:r>
+            <a:endParaRPr lang="es-PA" dirty="0" smtClean="0"/>
+          </a:p>
+          <a:p>
+            <a:endParaRPr lang="es-PA" dirty="0" smtClean="0"/>
+          </a:p>
+          <a:p>
+            <a:r>
+              <a:rPr lang="es-PA" dirty="0" smtClean="0"/>
+              <a:t>Encuentre los valores de resistencia para una ganancia de 10 y </a:t>
+            </a:r>
+            <a:r>
+              <a:rPr lang="es-PA" dirty="0" err="1" smtClean="0"/>
+              <a:t>Rid</a:t>
+            </a:r>
+            <a:r>
+              <a:rPr lang="es-PA" dirty="0" smtClean="0"/>
+              <a:t> = 20k</a:t>
+            </a:r>
+          </a:p>
+          <a:p>
+            <a:r>
+              <a:rPr lang="es-PA" dirty="0" smtClean="0"/>
+              <a:t>R1 = 1k, R2 = 10k</a:t>
+            </a:r>
+          </a:p>
+          <a:p>
+            <a:r>
+              <a:rPr lang="es-PA" dirty="0" smtClean="0"/>
+              <a:t>R1 = R3, R2 = R4</a:t>
+            </a:r>
+            <a:r>
+              <a:rPr lang="es-PA" dirty="0" smtClean="0"/>
+              <a:t> </a:t>
             </a:r>
             <a:endParaRPr lang="es-PA" dirty="0"/>
           </a:p>
         </p:txBody>
       </p:sp>
+      <p:pic>
+        <p:nvPicPr>
+          <p:cNvPr id="5" name="Imagen 4"/>
+          <p:cNvPicPr>
+            <a:picLocks noChangeAspect="1"/>
+          </p:cNvPicPr>
+          <p:nvPr/>
+        </p:nvPicPr>
+        <p:blipFill>
+          <a:blip r:embed="rId2"/>
+          <a:stretch>
+            <a:fillRect/>
+          </a:stretch>
+        </p:blipFill>
+        <p:spPr>
+          <a:xfrm>
+            <a:off x="9070488" y="1152983"/>
+            <a:ext cx="2594009" cy="1797054"/>
+          </a:xfrm>
+          <a:prstGeom prst="rect">
+            <a:avLst/>
+          </a:prstGeom>
+        </p:spPr>
+      </p:pic>
+      <p:pic>
+        <p:nvPicPr>
+          <p:cNvPr id="6" name="Imagen 5"/>
+          <p:cNvPicPr>
+            <a:picLocks noChangeAspect="1"/>
+          </p:cNvPicPr>
+          <p:nvPr/>
+        </p:nvPicPr>
+        <p:blipFill>
+          <a:blip r:embed="rId3"/>
+          <a:stretch>
+            <a:fillRect/>
+          </a:stretch>
+        </p:blipFill>
+        <p:spPr>
+          <a:xfrm>
+            <a:off x="5819565" y="1152983"/>
+            <a:ext cx="3120041" cy="755482"/>
+          </a:xfrm>
+          <a:prstGeom prst="rect">
+            <a:avLst/>
+          </a:prstGeom>
+        </p:spPr>
+      </p:pic>
+      <p:pic>
+        <p:nvPicPr>
+          <p:cNvPr id="7" name="Imagen 6"/>
+          <p:cNvPicPr>
+            <a:picLocks noChangeAspect="1"/>
+          </p:cNvPicPr>
+          <p:nvPr/>
+        </p:nvPicPr>
+        <p:blipFill>
+          <a:blip r:embed="rId4"/>
+          <a:stretch>
+            <a:fillRect/>
+          </a:stretch>
+        </p:blipFill>
+        <p:spPr>
+          <a:xfrm>
+            <a:off x="6982516" y="4369268"/>
+            <a:ext cx="2990563" cy="2010749"/>
+          </a:xfrm>
+          <a:prstGeom prst="rect">
+            <a:avLst/>
+          </a:prstGeom>
+        </p:spPr>
+      </p:pic>
+      <p:pic>
+        <p:nvPicPr>
+          <p:cNvPr id="4" name="Imagen 3"/>
+          <p:cNvPicPr>
+            <a:picLocks noChangeAspect="1"/>
+          </p:cNvPicPr>
+          <p:nvPr/>
+        </p:nvPicPr>
+        <p:blipFill>
+          <a:blip r:embed="rId5"/>
+          <a:stretch>
+            <a:fillRect/>
+          </a:stretch>
+        </p:blipFill>
+        <p:spPr>
+          <a:xfrm>
+            <a:off x="7766900" y="255732"/>
+            <a:ext cx="1809750" cy="638175"/>
+          </a:xfrm>
+          <a:prstGeom prst="rect">
+            <a:avLst/>
+          </a:prstGeom>
+        </p:spPr>
+      </p:pic>
+      <p:pic>
+        <p:nvPicPr>
+          <p:cNvPr id="8" name="Imagen 7"/>
+          <p:cNvPicPr>
+            <a:picLocks noChangeAspect="1"/>
+          </p:cNvPicPr>
+          <p:nvPr/>
+        </p:nvPicPr>
+        <p:blipFill>
+          <a:blip r:embed="rId6"/>
+          <a:stretch>
+            <a:fillRect/>
+          </a:stretch>
+        </p:blipFill>
+        <p:spPr>
+          <a:xfrm>
+            <a:off x="9695910" y="255732"/>
+            <a:ext cx="942625" cy="654293"/>
+          </a:xfrm>
+          <a:prstGeom prst="rect">
+            <a:avLst/>
+          </a:prstGeom>
+        </p:spPr>
+      </p:pic>
     </p:spTree>
     <p:extLst>
       <p:ext uri="{BB962C8B-B14F-4D97-AF65-F5344CB8AC3E}">
-        <p14:creationId xmlns:p14="http://schemas.microsoft.com/office/powerpoint/2010/main" val="496591336"/>
+        <p14:creationId xmlns:p14="http://schemas.microsoft.com/office/powerpoint/2010/main" val="2455639278"/>
       </p:ext>
     </p:extLst>
   </p:cSld>
@@ -22955,8 +24887,8 @@
         </p:nvSpPr>
         <p:spPr>
           <a:xfrm>
-            <a:off x="646111" y="452718"/>
-            <a:ext cx="9721382" cy="1400530"/>
+            <a:off x="167425" y="360607"/>
+            <a:ext cx="11925837" cy="875765"/>
           </a:xfrm>
         </p:spPr>
         <p:txBody>
@@ -22964,8 +24896,12 @@
           <a:lstStyle/>
           <a:p>
             <a:r>
-              <a:rPr lang="es-PA" dirty="0" smtClean="0"/>
-              <a:t>Amplificador Operacional</a:t>
+              <a:rPr lang="es-PA" dirty="0" err="1" smtClean="0"/>
+              <a:t>Op-Amp</a:t>
+            </a:r>
+            <a:r>
+              <a:rPr lang="es-PA" dirty="0" smtClean="0"/>
+              <a:t> De Instrumentación</a:t>
             </a:r>
             <a:endParaRPr lang="es-PA" dirty="0"/>
           </a:p>
@@ -22983,8 +24919,8 @@
         </p:nvSpPr>
         <p:spPr>
           <a:xfrm>
-            <a:off x="310675" y="1335097"/>
-            <a:ext cx="11576525" cy="4425154"/>
+            <a:off x="310675" y="1335096"/>
+            <a:ext cx="11618089" cy="5044921"/>
           </a:xfrm>
         </p:spPr>
         <p:txBody>
@@ -22995,25 +24931,92 @@
           <a:p>
             <a:r>
               <a:rPr lang="es-PA" dirty="0" smtClean="0"/>
-              <a:t>E</a:t>
-            </a:r>
-            <a:r>
-              <a:rPr lang="es-PA" dirty="0"/>
-              <a:t>. Limitaciones de los amplificadores operacionales </a:t>
-            </a:r>
-          </a:p>
-          <a:p>
-            <a:r>
-              <a:rPr lang="es-PA" dirty="0"/>
-              <a:t>3. Tensión de offset </a:t>
-            </a:r>
-          </a:p>
-        </p:txBody>
-      </p:sp>
+              <a:t>Para resolver el problema de impedancias del amplificador diferencial</a:t>
+            </a:r>
+          </a:p>
+          <a:p>
+            <a:r>
+              <a:rPr lang="es-PA" dirty="0" smtClean="0"/>
+              <a:t>podríamos utilizar buffers de voltaje en la entrada</a:t>
+            </a:r>
+          </a:p>
+          <a:p>
+            <a:endParaRPr lang="es-PA" dirty="0"/>
+          </a:p>
+          <a:p>
+            <a:r>
+              <a:rPr lang="es-PA" dirty="0" smtClean="0"/>
+              <a:t>Con el amplificador de instrumentación podemos proporcionar tanto alta resistencia de entrada como </a:t>
+            </a:r>
+            <a:r>
+              <a:rPr lang="es-PA" dirty="0" err="1" smtClean="0"/>
+              <a:t>buffering</a:t>
+            </a:r>
+            <a:r>
+              <a:rPr lang="es-PA" dirty="0" smtClean="0"/>
+              <a:t> de la señal</a:t>
+            </a:r>
+          </a:p>
+          <a:p>
+            <a:r>
+              <a:rPr lang="es-PA" dirty="0" smtClean="0"/>
+              <a:t>La primera etapa ofrece no inversión y la segunda una amplificación adicional</a:t>
+            </a:r>
+          </a:p>
+        </p:txBody>
+      </p:sp>
+      <p:pic>
+        <p:nvPicPr>
+          <p:cNvPr id="9" name="Imagen 8"/>
+          <p:cNvPicPr>
+            <a:picLocks noChangeAspect="1"/>
+          </p:cNvPicPr>
+          <p:nvPr/>
+        </p:nvPicPr>
+        <p:blipFill>
+          <a:blip r:embed="rId2"/>
+          <a:stretch>
+            <a:fillRect/>
+          </a:stretch>
+        </p:blipFill>
+        <p:spPr>
+          <a:xfrm>
+            <a:off x="4238579" y="3754525"/>
+            <a:ext cx="4305300" cy="2990850"/>
+          </a:xfrm>
+          <a:prstGeom prst="rect">
+            <a:avLst/>
+          </a:prstGeom>
+        </p:spPr>
+      </p:pic>
+      <p:pic>
+        <p:nvPicPr>
+          <p:cNvPr id="10" name="Imagen 9"/>
+          <p:cNvPicPr>
+            <a:picLocks noChangeAspect="1"/>
+          </p:cNvPicPr>
+          <p:nvPr/>
+        </p:nvPicPr>
+        <p:blipFill>
+          <a:blip r:embed="rId3"/>
+          <a:stretch>
+            <a:fillRect/>
+          </a:stretch>
+        </p:blipFill>
+        <p:spPr>
+          <a:xfrm>
+            <a:off x="9492937" y="798489"/>
+            <a:ext cx="2600325" cy="1885950"/>
+          </a:xfrm>
+          <a:prstGeom prst="rect">
+            <a:avLst/>
+          </a:prstGeom>
+        </p:spPr>
+      </p:pic>
     </p:spTree>
     <p:extLst>
       <p:ext uri="{BB962C8B-B14F-4D97-AF65-F5344CB8AC3E}">
-        <p14:creationId xmlns:p14="http://schemas.microsoft.com/office/powerpoint/2010/main" val="3233508446"/>
+        <p14:creationId xmlns:p14="http://schemas.microsoft.com/office/powerpoint/2010/main" val="2396683840"/>
       </p:ext>
     </p:extLst>
   </p:cSld>
@@ -23059,8 +25062,8 @@
         </p:nvSpPr>
         <p:spPr>
           <a:xfrm>
-            <a:off x="646111" y="452718"/>
-            <a:ext cx="9721382" cy="1400530"/>
+            <a:off x="167425" y="360607"/>
+            <a:ext cx="11925837" cy="875765"/>
           </a:xfrm>
         </p:spPr>
         <p:txBody>
@@ -23068,8 +25071,12 @@
           <a:lstStyle/>
           <a:p>
             <a:r>
-              <a:rPr lang="es-PA" dirty="0" smtClean="0"/>
-              <a:t>Amplificador Operacional</a:t>
+              <a:rPr lang="es-PA" dirty="0" err="1" smtClean="0"/>
+              <a:t>Op-Amp</a:t>
+            </a:r>
+            <a:r>
+              <a:rPr lang="es-PA" dirty="0" smtClean="0"/>
+              <a:t> De Instrumentación</a:t>
             </a:r>
             <a:endParaRPr lang="es-PA" dirty="0"/>
           </a:p>
@@ -23087,8 +25094,8 @@
         </p:nvSpPr>
         <p:spPr>
           <a:xfrm>
-            <a:off x="310675" y="1335097"/>
-            <a:ext cx="11576525" cy="4425154"/>
+            <a:off x="310675" y="1335096"/>
+            <a:ext cx="11618089" cy="5044921"/>
           </a:xfrm>
         </p:spPr>
         <p:txBody>
@@ -23099,33 +25106,117 @@
           <a:p>
             <a:r>
               <a:rPr lang="es-PA" dirty="0" smtClean="0"/>
-              <a:t>E</a:t>
-            </a:r>
-            <a:r>
-              <a:rPr lang="es-PA" dirty="0"/>
-              <a:t>. Limitaciones de los amplificadores operacionales </a:t>
-            </a:r>
-          </a:p>
-          <a:p>
-            <a:r>
-              <a:rPr lang="es-PA" dirty="0"/>
-              <a:t>4. Relación de </a:t>
-            </a:r>
-            <a:r>
-              <a:rPr lang="es-PA" dirty="0" err="1"/>
-              <a:t>rebuig</a:t>
-            </a:r>
-            <a:r>
-              <a:rPr lang="es-PA" dirty="0"/>
-              <a:t> en modo común </a:t>
-            </a:r>
-          </a:p>
-        </p:txBody>
-      </p:sp>
+              <a:t>Podemos resumir el amplificador de instrumentación en la siguiente figura</a:t>
+            </a:r>
+          </a:p>
+          <a:p>
+            <a:endParaRPr lang="es-PA" dirty="0"/>
+          </a:p>
+          <a:p>
+            <a:endParaRPr lang="es-PA" dirty="0" smtClean="0"/>
+          </a:p>
+          <a:p>
+            <a:endParaRPr lang="es-PA" dirty="0"/>
+          </a:p>
+          <a:p>
+            <a:endParaRPr lang="es-PA" dirty="0" smtClean="0"/>
+          </a:p>
+          <a:p>
+            <a:endParaRPr lang="es-PA" dirty="0"/>
+          </a:p>
+          <a:p>
+            <a:endParaRPr lang="es-PA" dirty="0" smtClean="0"/>
+          </a:p>
+          <a:p>
+            <a:endParaRPr lang="es-PA" dirty="0"/>
+          </a:p>
+          <a:p>
+            <a:r>
+              <a:rPr lang="es-PA" dirty="0" smtClean="0"/>
+              <a:t>A pesar que el circuito tiene amplia impedancia de entrada y alta ganancia tiene sus contras</a:t>
+            </a:r>
+          </a:p>
+          <a:p>
+            <a:endParaRPr lang="es-PA" dirty="0" smtClean="0"/>
+          </a:p>
+        </p:txBody>
+      </p:sp>
+      <p:pic>
+        <p:nvPicPr>
+          <p:cNvPr id="4" name="Imagen 3"/>
+          <p:cNvPicPr>
+            <a:picLocks noChangeAspect="1"/>
+          </p:cNvPicPr>
+          <p:nvPr/>
+        </p:nvPicPr>
+        <p:blipFill>
+          <a:blip r:embed="rId2"/>
+          <a:stretch>
+            <a:fillRect/>
+          </a:stretch>
+        </p:blipFill>
+        <p:spPr>
+          <a:xfrm>
+            <a:off x="761062" y="1708260"/>
+            <a:ext cx="3926849" cy="1849367"/>
+          </a:xfrm>
+          <a:prstGeom prst="rect">
+            <a:avLst/>
+          </a:prstGeom>
+        </p:spPr>
+      </p:pic>
+      <p:pic>
+        <p:nvPicPr>
+          <p:cNvPr id="5" name="Imagen 4"/>
+          <p:cNvPicPr>
+            <a:picLocks noChangeAspect="1"/>
+          </p:cNvPicPr>
+          <p:nvPr/>
+        </p:nvPicPr>
+        <p:blipFill>
+          <a:blip r:embed="rId3"/>
+          <a:stretch>
+            <a:fillRect/>
+          </a:stretch>
+        </p:blipFill>
+        <p:spPr>
+          <a:xfrm>
+            <a:off x="5138298" y="1711318"/>
+            <a:ext cx="6067425" cy="3048000"/>
+          </a:xfrm>
+          <a:prstGeom prst="rect">
+            <a:avLst/>
+          </a:prstGeom>
+        </p:spPr>
+      </p:pic>
+      <p:pic>
+        <p:nvPicPr>
+          <p:cNvPr id="6" name="Imagen 5"/>
+          <p:cNvPicPr>
+            <a:picLocks noChangeAspect="1"/>
+          </p:cNvPicPr>
+          <p:nvPr/>
+        </p:nvPicPr>
+        <p:blipFill>
+          <a:blip r:embed="rId4"/>
+          <a:stretch>
+            <a:fillRect/>
+          </a:stretch>
+        </p:blipFill>
+        <p:spPr>
+          <a:xfrm>
+            <a:off x="8295203" y="383972"/>
+            <a:ext cx="2005411" cy="901762"/>
+          </a:xfrm>
+          <a:prstGeom prst="rect">
+            <a:avLst/>
+          </a:prstGeom>
+        </p:spPr>
+      </p:pic>
     </p:spTree>
     <p:extLst>
       <p:ext uri="{BB962C8B-B14F-4D97-AF65-F5344CB8AC3E}">
-        <p14:creationId xmlns:p14="http://schemas.microsoft.com/office/powerpoint/2010/main" val="3076414012"/>
+        <p14:creationId xmlns:p14="http://schemas.microsoft.com/office/powerpoint/2010/main" val="1725174507"/>
       </p:ext>
     </p:extLst>
   </p:cSld>
@@ -23171,8 +25262,8 @@
         </p:nvSpPr>
         <p:spPr>
           <a:xfrm>
-            <a:off x="646111" y="452718"/>
-            <a:ext cx="9721382" cy="1400530"/>
+            <a:off x="167425" y="360607"/>
+            <a:ext cx="11925837" cy="875765"/>
           </a:xfrm>
         </p:spPr>
         <p:txBody>
@@ -23180,8 +25271,12 @@
           <a:lstStyle/>
           <a:p>
             <a:r>
-              <a:rPr lang="es-PA" dirty="0" smtClean="0"/>
-              <a:t>Amplificador Operacional</a:t>
+              <a:rPr lang="es-PA" dirty="0" err="1" smtClean="0"/>
+              <a:t>Op-Amp</a:t>
+            </a:r>
+            <a:r>
+              <a:rPr lang="es-PA" dirty="0" smtClean="0"/>
+              <a:t> De Instrumentación</a:t>
             </a:r>
             <a:endParaRPr lang="es-PA" dirty="0"/>
           </a:p>
@@ -23199,8 +25294,8 @@
         </p:nvSpPr>
         <p:spPr>
           <a:xfrm>
-            <a:off x="310675" y="1335097"/>
-            <a:ext cx="11576525" cy="4425154"/>
+            <a:off x="310675" y="1335096"/>
+            <a:ext cx="11618089" cy="5044921"/>
           </a:xfrm>
         </p:spPr>
         <p:txBody>
@@ -23211,33 +25306,135 @@
           <a:p>
             <a:r>
               <a:rPr lang="es-PA" dirty="0" smtClean="0"/>
-              <a:t>E</a:t>
-            </a:r>
-            <a:r>
-              <a:rPr lang="es-PA" dirty="0"/>
-              <a:t>. Limitaciones de los amplificadores operacionales </a:t>
-            </a:r>
-          </a:p>
-          <a:p>
-            <a:r>
-              <a:rPr lang="es-PA" dirty="0"/>
-              <a:t>5. Relación de </a:t>
-            </a:r>
-            <a:r>
-              <a:rPr lang="es-PA" dirty="0" err="1"/>
-              <a:t>rebuig</a:t>
-            </a:r>
-            <a:r>
-              <a:rPr lang="es-PA" dirty="0"/>
-              <a:t> en la alimentación </a:t>
-            </a:r>
-          </a:p>
-        </p:txBody>
-      </p:sp>
+              <a:t>Podemos resumir el amplificador de instrumentación en la siguiente figura</a:t>
+            </a:r>
+          </a:p>
+          <a:p>
+            <a:endParaRPr lang="es-PA" dirty="0"/>
+          </a:p>
+          <a:p>
+            <a:endParaRPr lang="es-PA" dirty="0" smtClean="0"/>
+          </a:p>
+          <a:p>
+            <a:endParaRPr lang="es-PA" dirty="0" smtClean="0"/>
+          </a:p>
+          <a:p>
+            <a:endParaRPr lang="es-PA" dirty="0"/>
+          </a:p>
+          <a:p>
+            <a:endParaRPr lang="es-PA" dirty="0" smtClean="0"/>
+          </a:p>
+          <a:p>
+            <a:r>
+              <a:rPr lang="es-PA" dirty="0" smtClean="0"/>
+              <a:t>El voltaje de modo común es amplificado en las primeras etapas, lo cual se nota en A1 y A3.  Aún cuando el </a:t>
+            </a:r>
+            <a:r>
+              <a:rPr lang="es-PA" dirty="0" err="1" smtClean="0"/>
+              <a:t>op</a:t>
+            </a:r>
+            <a:r>
+              <a:rPr lang="es-PA" dirty="0" smtClean="0"/>
+              <a:t> </a:t>
+            </a:r>
+            <a:r>
+              <a:rPr lang="es-PA" dirty="0" err="1" smtClean="0"/>
+              <a:t>amp</a:t>
+            </a:r>
+            <a:r>
+              <a:rPr lang="es-PA" dirty="0" smtClean="0"/>
+              <a:t> no se satura, este se verá afectada su CMRR</a:t>
+            </a:r>
+          </a:p>
+          <a:p>
+            <a:r>
+              <a:rPr lang="es-PA" dirty="0" smtClean="0"/>
+              <a:t>Los amplificadores de entrada tienen que estar perfectamente </a:t>
+            </a:r>
+            <a:r>
+              <a:rPr lang="es-PA" dirty="0" err="1" smtClean="0"/>
+              <a:t>matchados</a:t>
+            </a:r>
+            <a:r>
+              <a:rPr lang="es-PA" dirty="0" smtClean="0"/>
+              <a:t>, sino aparecerá una señal en sus salidas y será amplificada por el </a:t>
+            </a:r>
+            <a:r>
+              <a:rPr lang="es-PA" dirty="0" err="1" smtClean="0"/>
+              <a:t>cto</a:t>
+            </a:r>
+            <a:r>
+              <a:rPr lang="es-PA" dirty="0" smtClean="0"/>
+              <a:t>. de amplificador de salida.</a:t>
+            </a:r>
+          </a:p>
+          <a:p>
+            <a:r>
+              <a:rPr lang="es-PA" dirty="0" smtClean="0"/>
+              <a:t>Ad debe ser variada simultáneamente, los dos resistores llamados R1</a:t>
+            </a:r>
+            <a:endParaRPr lang="es-PA" dirty="0"/>
+          </a:p>
+          <a:p>
+            <a:endParaRPr lang="es-PA" dirty="0"/>
+          </a:p>
+          <a:p>
+            <a:endParaRPr lang="es-PA" dirty="0" smtClean="0"/>
+          </a:p>
+        </p:txBody>
+      </p:sp>
+      <p:pic>
+        <p:nvPicPr>
+          <p:cNvPr id="6" name="Imagen 5"/>
+          <p:cNvPicPr>
+            <a:picLocks noChangeAspect="1"/>
+          </p:cNvPicPr>
+          <p:nvPr/>
+        </p:nvPicPr>
+        <p:blipFill>
+          <a:blip r:embed="rId2"/>
+          <a:stretch>
+            <a:fillRect/>
+          </a:stretch>
+        </p:blipFill>
+        <p:spPr>
+          <a:xfrm>
+            <a:off x="10186589" y="1053673"/>
+            <a:ext cx="2005411" cy="901762"/>
+          </a:xfrm>
+          <a:prstGeom prst="rect">
+            <a:avLst/>
+          </a:prstGeom>
+        </p:spPr>
+      </p:pic>
+      <p:pic>
+        <p:nvPicPr>
+          <p:cNvPr id="11" name="Imagen 10"/>
+          <p:cNvPicPr>
+            <a:picLocks noChangeAspect="1"/>
+          </p:cNvPicPr>
+          <p:nvPr/>
+        </p:nvPicPr>
+        <p:blipFill>
+          <a:blip r:embed="rId3"/>
+          <a:stretch>
+            <a:fillRect/>
+          </a:stretch>
+        </p:blipFill>
+        <p:spPr>
+          <a:xfrm>
+            <a:off x="3734872" y="1675050"/>
+            <a:ext cx="3293021" cy="2287629"/>
+          </a:xfrm>
+          <a:prstGeom prst="rect">
+            <a:avLst/>
+          </a:prstGeom>
+        </p:spPr>
+      </p:pic>
     </p:spTree>
     <p:extLst>
       <p:ext uri="{BB962C8B-B14F-4D97-AF65-F5344CB8AC3E}">
-        <p14:creationId xmlns:p14="http://schemas.microsoft.com/office/powerpoint/2010/main" val="2956370182"/>
+        <p14:creationId xmlns:p14="http://schemas.microsoft.com/office/powerpoint/2010/main" val="1434557338"/>
       </p:ext>
     </p:extLst>
   </p:cSld>
@@ -23283,8 +25480,8 @@
         </p:nvSpPr>
         <p:spPr>
           <a:xfrm>
-            <a:off x="646111" y="452718"/>
-            <a:ext cx="9721382" cy="1400530"/>
+            <a:off x="167425" y="360607"/>
+            <a:ext cx="11925837" cy="875765"/>
           </a:xfrm>
         </p:spPr>
         <p:txBody>
@@ -23292,8 +25489,12 @@
           <a:lstStyle/>
           <a:p>
             <a:r>
-              <a:rPr lang="es-PA" dirty="0" smtClean="0"/>
-              <a:t>Amplificador Operacional</a:t>
+              <a:rPr lang="es-PA" dirty="0" err="1" smtClean="0"/>
+              <a:t>Op-Amp</a:t>
+            </a:r>
+            <a:r>
+              <a:rPr lang="es-PA" dirty="0" smtClean="0"/>
+              <a:t> De Instrumentación</a:t>
             </a:r>
             <a:endParaRPr lang="es-PA" dirty="0"/>
           </a:p>
@@ -23311,8 +25512,8 @@
         </p:nvSpPr>
         <p:spPr>
           <a:xfrm>
-            <a:off x="310675" y="1335097"/>
-            <a:ext cx="11576525" cy="4425154"/>
+            <a:off x="310675" y="1335096"/>
+            <a:ext cx="11618089" cy="5044921"/>
           </a:xfrm>
         </p:spPr>
         <p:txBody>
@@ -23323,25 +25524,220 @@
           <a:p>
             <a:r>
               <a:rPr lang="es-PA" dirty="0" smtClean="0"/>
-              <a:t>E</a:t>
-            </a:r>
-            <a:r>
-              <a:rPr lang="es-PA" dirty="0"/>
-              <a:t>. Limitaciones de los amplificadores operacionales </a:t>
-            </a:r>
-          </a:p>
-          <a:p>
-            <a:r>
-              <a:rPr lang="es-PA" dirty="0"/>
-              <a:t>6. Ruido en circuitos con amplificadores operacionales </a:t>
-            </a:r>
-          </a:p>
-        </p:txBody>
-      </p:sp>
+              <a:t>El problema se resuelve quitando el lado común de R1</a:t>
+            </a:r>
+          </a:p>
+          <a:p>
+            <a:endParaRPr lang="es-PA" dirty="0"/>
+          </a:p>
+          <a:p>
+            <a:endParaRPr lang="es-PA" dirty="0" smtClean="0"/>
+          </a:p>
+          <a:p>
+            <a:endParaRPr lang="es-PA" dirty="0"/>
+          </a:p>
+          <a:p>
+            <a:endParaRPr lang="es-PA" dirty="0" smtClean="0"/>
+          </a:p>
+          <a:p>
+            <a:endParaRPr lang="es-PA" dirty="0"/>
+          </a:p>
+          <a:p>
+            <a:endParaRPr lang="es-PA" dirty="0" smtClean="0"/>
+          </a:p>
+          <a:p>
+            <a:endParaRPr lang="es-PA" dirty="0"/>
+          </a:p>
+          <a:p>
+            <a:endParaRPr lang="es-PA" dirty="0" smtClean="0"/>
+          </a:p>
+          <a:p>
+            <a:endParaRPr lang="es-PA" dirty="0"/>
+          </a:p>
+          <a:p>
+            <a:r>
+              <a:rPr lang="es-PA" dirty="0" smtClean="0"/>
+              <a:t>Si alguna de las resistencias R2 fuese diferente tendríamos </a:t>
+            </a:r>
+            <a:endParaRPr lang="es-PA" dirty="0" smtClean="0"/>
+          </a:p>
+          <a:p>
+            <a:endParaRPr lang="es-PA" dirty="0"/>
+          </a:p>
+          <a:p>
+            <a:endParaRPr lang="es-PA" dirty="0" smtClean="0"/>
+          </a:p>
+          <a:p>
+            <a:endParaRPr lang="es-PA" dirty="0" smtClean="0"/>
+          </a:p>
+          <a:p>
+            <a:endParaRPr lang="es-PA" dirty="0"/>
+          </a:p>
+          <a:p>
+            <a:endParaRPr lang="es-PA" dirty="0" smtClean="0"/>
+          </a:p>
+          <a:p>
+            <a:endParaRPr lang="es-PA" dirty="0" smtClean="0"/>
+          </a:p>
+          <a:p>
+            <a:endParaRPr lang="es-PA" dirty="0"/>
+          </a:p>
+          <a:p>
+            <a:endParaRPr lang="es-PA" dirty="0"/>
+          </a:p>
+          <a:p>
+            <a:endParaRPr lang="es-PA" dirty="0" smtClean="0"/>
+          </a:p>
+        </p:txBody>
+      </p:sp>
+      <p:pic>
+        <p:nvPicPr>
+          <p:cNvPr id="11" name="Imagen 10"/>
+          <p:cNvPicPr>
+            <a:picLocks noChangeAspect="1"/>
+          </p:cNvPicPr>
+          <p:nvPr/>
+        </p:nvPicPr>
+        <p:blipFill>
+          <a:blip r:embed="rId2"/>
+          <a:stretch>
+            <a:fillRect/>
+          </a:stretch>
+        </p:blipFill>
+        <p:spPr>
+          <a:xfrm>
+            <a:off x="8525813" y="191281"/>
+            <a:ext cx="3293021" cy="2287629"/>
+          </a:xfrm>
+          <a:prstGeom prst="rect">
+            <a:avLst/>
+          </a:prstGeom>
+        </p:spPr>
+      </p:pic>
+      <p:pic>
+        <p:nvPicPr>
+          <p:cNvPr id="7" name="Imagen 6"/>
+          <p:cNvPicPr>
+            <a:picLocks noChangeAspect="1"/>
+          </p:cNvPicPr>
+          <p:nvPr/>
+        </p:nvPicPr>
+        <p:blipFill>
+          <a:blip r:embed="rId3"/>
+          <a:stretch>
+            <a:fillRect/>
+          </a:stretch>
+        </p:blipFill>
+        <p:spPr>
+          <a:xfrm>
+            <a:off x="2382592" y="1670589"/>
+            <a:ext cx="5486399" cy="2756119"/>
+          </a:xfrm>
+          <a:prstGeom prst="rect">
+            <a:avLst/>
+          </a:prstGeom>
+        </p:spPr>
+      </p:pic>
+      <p:pic>
+        <p:nvPicPr>
+          <p:cNvPr id="4" name="Imagen 3"/>
+          <p:cNvPicPr>
+            <a:picLocks noChangeAspect="1"/>
+          </p:cNvPicPr>
+          <p:nvPr/>
+        </p:nvPicPr>
+        <p:blipFill>
+          <a:blip r:embed="rId4"/>
+          <a:stretch>
+            <a:fillRect/>
+          </a:stretch>
+        </p:blipFill>
+        <p:spPr>
+          <a:xfrm>
+            <a:off x="76894" y="1888185"/>
+            <a:ext cx="2241303" cy="772863"/>
+          </a:xfrm>
+          <a:prstGeom prst="rect">
+            <a:avLst/>
+          </a:prstGeom>
+        </p:spPr>
+      </p:pic>
+      <p:pic>
+        <p:nvPicPr>
+          <p:cNvPr id="5" name="Imagen 4"/>
+          <p:cNvPicPr>
+            <a:picLocks noChangeAspect="1"/>
+          </p:cNvPicPr>
+          <p:nvPr/>
+        </p:nvPicPr>
+        <p:blipFill>
+          <a:blip r:embed="rId5"/>
+          <a:stretch>
+            <a:fillRect/>
+          </a:stretch>
+        </p:blipFill>
+        <p:spPr>
+          <a:xfrm>
+            <a:off x="88474" y="2759772"/>
+            <a:ext cx="1965707" cy="1481202"/>
+          </a:xfrm>
+          <a:prstGeom prst="rect">
+            <a:avLst/>
+          </a:prstGeom>
+        </p:spPr>
+      </p:pic>
+      <p:pic>
+        <p:nvPicPr>
+          <p:cNvPr id="8" name="Imagen 7"/>
+          <p:cNvPicPr>
+            <a:picLocks noChangeAspect="1"/>
+          </p:cNvPicPr>
+          <p:nvPr/>
+        </p:nvPicPr>
+        <p:blipFill>
+          <a:blip r:embed="rId6"/>
+          <a:stretch>
+            <a:fillRect/>
+          </a:stretch>
+        </p:blipFill>
+        <p:spPr>
+          <a:xfrm>
+            <a:off x="76894" y="4463074"/>
+            <a:ext cx="2554449" cy="940288"/>
+          </a:xfrm>
+          <a:prstGeom prst="rect">
+            <a:avLst/>
+          </a:prstGeom>
+        </p:spPr>
+      </p:pic>
+      <p:pic>
+        <p:nvPicPr>
+          <p:cNvPr id="9" name="Imagen 8"/>
+          <p:cNvPicPr>
+            <a:picLocks noChangeAspect="1"/>
+          </p:cNvPicPr>
+          <p:nvPr/>
+        </p:nvPicPr>
+        <p:blipFill>
+          <a:blip r:embed="rId7"/>
+          <a:stretch>
+            <a:fillRect/>
+          </a:stretch>
+        </p:blipFill>
+        <p:spPr>
+          <a:xfrm>
+            <a:off x="8166908" y="5151550"/>
+            <a:ext cx="2851769" cy="1091820"/>
+          </a:xfrm>
+          <a:prstGeom prst="rect">
+            <a:avLst/>
+          </a:prstGeom>
+        </p:spPr>
+      </p:pic>
     </p:spTree>
     <p:extLst>
       <p:ext uri="{BB962C8B-B14F-4D97-AF65-F5344CB8AC3E}">
-        <p14:creationId xmlns:p14="http://schemas.microsoft.com/office/powerpoint/2010/main" val="1886956903"/>
+        <p14:creationId xmlns:p14="http://schemas.microsoft.com/office/powerpoint/2010/main" val="1154928370"/>
       </p:ext>
     </p:extLst>
   </p:cSld>
@@ -23387,8 +25783,8 @@
         </p:nvSpPr>
         <p:spPr>
           <a:xfrm>
-            <a:off x="646111" y="452718"/>
-            <a:ext cx="9721382" cy="1400530"/>
+            <a:off x="167425" y="360607"/>
+            <a:ext cx="11925837" cy="875765"/>
           </a:xfrm>
         </p:spPr>
         <p:txBody>
@@ -23396,8 +25792,12 @@
           <a:lstStyle/>
           <a:p>
             <a:r>
-              <a:rPr lang="es-PA" dirty="0" smtClean="0"/>
-              <a:t>Amplificador Operacional</a:t>
+              <a:rPr lang="es-PA" dirty="0" err="1" smtClean="0"/>
+              <a:t>Op-Amp</a:t>
+            </a:r>
+            <a:r>
+              <a:rPr lang="es-PA" dirty="0" smtClean="0"/>
+              <a:t> De Instrumentación</a:t>
             </a:r>
             <a:endParaRPr lang="es-PA" dirty="0"/>
           </a:p>
@@ -23415,8 +25815,8 @@
         </p:nvSpPr>
         <p:spPr>
           <a:xfrm>
-            <a:off x="310675" y="1335097"/>
-            <a:ext cx="11576525" cy="4425154"/>
+            <a:off x="310675" y="1335096"/>
+            <a:ext cx="11618089" cy="5044921"/>
           </a:xfrm>
         </p:spPr>
         <p:txBody>
@@ -23427,26 +25827,207 @@
           <a:p>
             <a:r>
               <a:rPr lang="es-PA" dirty="0" smtClean="0"/>
-              <a:t>E</a:t>
+              <a:t>Diseñe un amplificador de instrumentación</a:t>
+            </a:r>
+            <a:r>
+              <a:rPr lang="es-PA" dirty="0" smtClean="0"/>
+              <a:t>:</a:t>
+            </a:r>
+          </a:p>
+          <a:p>
+            <a:r>
+              <a:rPr lang="es-PA" dirty="0" smtClean="0"/>
+              <a:t>Rango Ad = 2 @ 1000 con un </a:t>
+            </a:r>
+            <a:r>
+              <a:rPr lang="es-PA" dirty="0" err="1" smtClean="0"/>
+              <a:t>Pot</a:t>
+            </a:r>
+            <a:r>
+              <a:rPr lang="es-PA" dirty="0" smtClean="0"/>
+              <a:t>. De 100k</a:t>
+            </a:r>
+          </a:p>
+          <a:p>
+            <a:r>
+              <a:rPr lang="es-PA" dirty="0" smtClean="0"/>
+              <a:t>Consejo:</a:t>
+            </a:r>
+          </a:p>
+          <a:p>
+            <a:pPr lvl="1"/>
+            <a:r>
+              <a:rPr lang="es-PA" dirty="0" smtClean="0"/>
+              <a:t>Diseñe la primera etapa con la ganancia máxima</a:t>
+            </a:r>
+          </a:p>
+          <a:p>
+            <a:pPr lvl="1"/>
+            <a:r>
+              <a:rPr lang="es-PA" dirty="0" smtClean="0"/>
+              <a:t>La segunda etapa con solo ganancia 1</a:t>
+            </a:r>
+          </a:p>
+          <a:p>
+            <a:pPr lvl="1"/>
+            <a:r>
+              <a:rPr lang="es-PA" dirty="0" smtClean="0"/>
+              <a:t>Tome R1 como = R1a + </a:t>
+            </a:r>
+            <a:r>
+              <a:rPr lang="es-PA" dirty="0" err="1" smtClean="0"/>
+              <a:t>Rpot</a:t>
             </a:r>
             <a:r>
               <a:rPr lang="es-PA" dirty="0"/>
-              <a:t>. Limitaciones de los amplificadores operacionales </a:t>
-            </a:r>
-          </a:p>
-          <a:p>
-            <a:r>
-              <a:rPr lang="es-PA" dirty="0"/>
-              <a:t>7. Balance de errores </a:t>
-            </a:r>
+              <a:t>.</a:t>
+            </a:r>
+            <a:endParaRPr lang="es-PA" dirty="0" smtClean="0"/>
+          </a:p>
+          <a:p>
             <a:endParaRPr lang="es-PA" dirty="0"/>
           </a:p>
-        </p:txBody>
-      </p:sp>
+          <a:p>
+            <a:endParaRPr lang="es-PA" dirty="0" smtClean="0"/>
+          </a:p>
+          <a:p>
+            <a:endParaRPr lang="es-PA" dirty="0" smtClean="0"/>
+          </a:p>
+          <a:p>
+            <a:endParaRPr lang="es-PA" dirty="0"/>
+          </a:p>
+          <a:p>
+            <a:endParaRPr lang="es-PA" dirty="0"/>
+          </a:p>
+          <a:p>
+            <a:endParaRPr lang="es-PA" dirty="0" smtClean="0"/>
+          </a:p>
+        </p:txBody>
+      </p:sp>
+      <p:pic>
+        <p:nvPicPr>
+          <p:cNvPr id="7" name="Imagen 6"/>
+          <p:cNvPicPr>
+            <a:picLocks noChangeAspect="1"/>
+          </p:cNvPicPr>
+          <p:nvPr/>
+        </p:nvPicPr>
+        <p:blipFill>
+          <a:blip r:embed="rId2"/>
+          <a:stretch>
+            <a:fillRect/>
+          </a:stretch>
+        </p:blipFill>
+        <p:spPr>
+          <a:xfrm>
+            <a:off x="8166908" y="175040"/>
+            <a:ext cx="3812146" cy="1915050"/>
+          </a:xfrm>
+          <a:prstGeom prst="rect">
+            <a:avLst/>
+          </a:prstGeom>
+        </p:spPr>
+      </p:pic>
+      <p:pic>
+        <p:nvPicPr>
+          <p:cNvPr id="4" name="Imagen 3"/>
+          <p:cNvPicPr>
+            <a:picLocks noChangeAspect="1"/>
+          </p:cNvPicPr>
+          <p:nvPr/>
+        </p:nvPicPr>
+        <p:blipFill>
+          <a:blip r:embed="rId3"/>
+          <a:stretch>
+            <a:fillRect/>
+          </a:stretch>
+        </p:blipFill>
+        <p:spPr>
+          <a:xfrm>
+            <a:off x="8166908" y="2169294"/>
+            <a:ext cx="2241303" cy="772863"/>
+          </a:xfrm>
+          <a:prstGeom prst="rect">
+            <a:avLst/>
+          </a:prstGeom>
+        </p:spPr>
+      </p:pic>
+      <p:pic>
+        <p:nvPicPr>
+          <p:cNvPr id="5" name="Imagen 4"/>
+          <p:cNvPicPr>
+            <a:picLocks noChangeAspect="1"/>
+          </p:cNvPicPr>
+          <p:nvPr/>
+        </p:nvPicPr>
+        <p:blipFill>
+          <a:blip r:embed="rId4"/>
+          <a:stretch>
+            <a:fillRect/>
+          </a:stretch>
+        </p:blipFill>
+        <p:spPr>
+          <a:xfrm>
+            <a:off x="8151549" y="3116955"/>
+            <a:ext cx="1965707" cy="1481202"/>
+          </a:xfrm>
+          <a:prstGeom prst="rect">
+            <a:avLst/>
+          </a:prstGeom>
+        </p:spPr>
+      </p:pic>
+      <p:pic>
+        <p:nvPicPr>
+          <p:cNvPr id="8" name="Imagen 7"/>
+          <p:cNvPicPr>
+            <a:picLocks noChangeAspect="1"/>
+          </p:cNvPicPr>
+          <p:nvPr/>
+        </p:nvPicPr>
+        <p:blipFill>
+          <a:blip r:embed="rId5"/>
+          <a:stretch>
+            <a:fillRect/>
+          </a:stretch>
+        </p:blipFill>
+        <p:spPr>
+          <a:xfrm>
+            <a:off x="8166908" y="4724016"/>
+            <a:ext cx="2554449" cy="940288"/>
+          </a:xfrm>
+          <a:prstGeom prst="rect">
+            <a:avLst/>
+          </a:prstGeom>
+        </p:spPr>
+      </p:pic>
+      <p:pic>
+        <p:nvPicPr>
+          <p:cNvPr id="9" name="Imagen 8"/>
+          <p:cNvPicPr>
+            <a:picLocks noChangeAspect="1"/>
+          </p:cNvPicPr>
+          <p:nvPr/>
+        </p:nvPicPr>
+        <p:blipFill>
+          <a:blip r:embed="rId6"/>
+          <a:stretch>
+            <a:fillRect/>
+          </a:stretch>
+        </p:blipFill>
+        <p:spPr>
+          <a:xfrm>
+            <a:off x="8151550" y="5852862"/>
+            <a:ext cx="2256662" cy="863979"/>
+          </a:xfrm>
+          <a:prstGeom prst="rect">
+            <a:avLst/>
+          </a:prstGeom>
+        </p:spPr>
+      </p:pic>
     </p:spTree>
     <p:extLst>
       <p:ext uri="{BB962C8B-B14F-4D97-AF65-F5344CB8AC3E}">
-        <p14:creationId xmlns:p14="http://schemas.microsoft.com/office/powerpoint/2010/main" val="1584124577"/>
+        <p14:creationId xmlns:p14="http://schemas.microsoft.com/office/powerpoint/2010/main" val="3803469254"/>
       </p:ext>
     </p:extLst>
   </p:cSld>
@@ -23482,6 +26063,38 @@
       </p:grpSpPr>
       <p:sp>
         <p:nvSpPr>
+          <p:cNvPr id="2" name="Título 1"/>
+          <p:cNvSpPr>
+            <a:spLocks noGrp="1"/>
+          </p:cNvSpPr>
+          <p:nvPr>
+            <p:ph type="title"/>
+          </p:nvPr>
+        </p:nvSpPr>
+        <p:spPr>
+          <a:xfrm>
+            <a:off x="167425" y="360607"/>
+            <a:ext cx="11925837" cy="875765"/>
+          </a:xfrm>
+        </p:spPr>
+        <p:txBody>
+          <a:bodyPr/>
+          <a:lstStyle/>
+          <a:p>
+            <a:r>
+              <a:rPr lang="es-PA" dirty="0" err="1" smtClean="0"/>
+              <a:t>Op-Amp</a:t>
+            </a:r>
+            <a:r>
+              <a:rPr lang="es-PA" dirty="0" smtClean="0"/>
+              <a:t> De Instrumentación</a:t>
+            </a:r>
+            <a:endParaRPr lang="es-PA" dirty="0"/>
+          </a:p>
+        </p:txBody>
+      </p:sp>
+      <p:sp>
+        <p:nvSpPr>
           <p:cNvPr id="3" name="Marcador de contenido 2"/>
           <p:cNvSpPr>
             <a:spLocks noGrp="1"/>
@@ -23492,8 +26105,8 @@
         </p:nvSpPr>
         <p:spPr>
           <a:xfrm>
-            <a:off x="0" y="0"/>
-            <a:ext cx="12192000" cy="6858000"/>
+            <a:off x="310675" y="1335096"/>
+            <a:ext cx="11618089" cy="5044921"/>
           </a:xfrm>
         </p:spPr>
         <p:txBody>
@@ -23502,49 +26115,1206 @@
           </a:bodyPr>
           <a:lstStyle/>
           <a:p>
-            <a:pPr marL="0" indent="0" algn="ctr">
-              <a:buNone/>
-            </a:pPr>
-            <a:endParaRPr lang="es-PA" sz="4000" dirty="0"/>
-          </a:p>
-          <a:p>
-            <a:pPr marL="0" indent="0" algn="ctr">
-              <a:buNone/>
-            </a:pPr>
-            <a:endParaRPr lang="es-PA" sz="4000" dirty="0" smtClean="0"/>
-          </a:p>
-          <a:p>
-            <a:pPr marL="0" indent="0" algn="ctr">
-              <a:buNone/>
-            </a:pPr>
-            <a:endParaRPr lang="es-PA" sz="4000" dirty="0"/>
-          </a:p>
-          <a:p>
-            <a:pPr marL="0" indent="0" algn="ctr">
-              <a:buNone/>
-            </a:pPr>
-            <a:endParaRPr lang="es-PA" sz="4000" dirty="0" smtClean="0"/>
-          </a:p>
-          <a:p>
-            <a:pPr marL="0" indent="0" algn="ctr">
-              <a:buNone/>
-            </a:pPr>
-            <a:r>
-              <a:rPr lang="es-PA" sz="10000" dirty="0" smtClean="0"/>
-              <a:t>FINAL DÍA </a:t>
-            </a:r>
-            <a:r>
-              <a:rPr lang="es-PA" sz="10000" dirty="0" smtClean="0"/>
-              <a:t>2</a:t>
-            </a:r>
-            <a:endParaRPr lang="es-PA" sz="10000" dirty="0"/>
-          </a:p>
-        </p:txBody>
-      </p:sp>
+            <a:r>
+              <a:rPr lang="es-PA" dirty="0" smtClean="0"/>
+              <a:t>Diseñe un amplificador de instrumentación</a:t>
+            </a:r>
+            <a:r>
+              <a:rPr lang="es-PA" dirty="0" smtClean="0"/>
+              <a:t>:</a:t>
+            </a:r>
+          </a:p>
+          <a:p>
+            <a:r>
+              <a:rPr lang="es-PA" dirty="0" err="1" smtClean="0"/>
+              <a:t>Resp</a:t>
+            </a:r>
+            <a:r>
+              <a:rPr lang="es-PA" dirty="0" smtClean="0"/>
+              <a:t>:</a:t>
+            </a:r>
+          </a:p>
+          <a:p>
+            <a:r>
+              <a:rPr lang="es-PA" dirty="0" smtClean="0"/>
+              <a:t>R1 = 200.4</a:t>
+            </a:r>
+          </a:p>
+          <a:p>
+            <a:r>
+              <a:rPr lang="es-PA" dirty="0" smtClean="0"/>
+              <a:t>R2 = 100.2k</a:t>
+            </a:r>
+          </a:p>
+          <a:p>
+            <a:endParaRPr lang="es-PA" dirty="0"/>
+          </a:p>
+          <a:p>
+            <a:endParaRPr lang="es-PA" dirty="0" smtClean="0"/>
+          </a:p>
+          <a:p>
+            <a:endParaRPr lang="es-PA" dirty="0" smtClean="0"/>
+          </a:p>
+          <a:p>
+            <a:endParaRPr lang="es-PA" dirty="0"/>
+          </a:p>
+          <a:p>
+            <a:endParaRPr lang="es-PA" dirty="0"/>
+          </a:p>
+          <a:p>
+            <a:endParaRPr lang="es-PA" dirty="0" smtClean="0"/>
+          </a:p>
+        </p:txBody>
+      </p:sp>
+      <p:pic>
+        <p:nvPicPr>
+          <p:cNvPr id="7" name="Imagen 6"/>
+          <p:cNvPicPr>
+            <a:picLocks noChangeAspect="1"/>
+          </p:cNvPicPr>
+          <p:nvPr/>
+        </p:nvPicPr>
+        <p:blipFill>
+          <a:blip r:embed="rId2"/>
+          <a:stretch>
+            <a:fillRect/>
+          </a:stretch>
+        </p:blipFill>
+        <p:spPr>
+          <a:xfrm>
+            <a:off x="8166908" y="175040"/>
+            <a:ext cx="3812146" cy="1915050"/>
+          </a:xfrm>
+          <a:prstGeom prst="rect">
+            <a:avLst/>
+          </a:prstGeom>
+        </p:spPr>
+      </p:pic>
+      <p:pic>
+        <p:nvPicPr>
+          <p:cNvPr id="4" name="Imagen 3"/>
+          <p:cNvPicPr>
+            <a:picLocks noChangeAspect="1"/>
+          </p:cNvPicPr>
+          <p:nvPr/>
+        </p:nvPicPr>
+        <p:blipFill>
+          <a:blip r:embed="rId3"/>
+          <a:stretch>
+            <a:fillRect/>
+          </a:stretch>
+        </p:blipFill>
+        <p:spPr>
+          <a:xfrm>
+            <a:off x="8166908" y="2169294"/>
+            <a:ext cx="2241303" cy="772863"/>
+          </a:xfrm>
+          <a:prstGeom prst="rect">
+            <a:avLst/>
+          </a:prstGeom>
+        </p:spPr>
+      </p:pic>
+      <p:pic>
+        <p:nvPicPr>
+          <p:cNvPr id="5" name="Imagen 4"/>
+          <p:cNvPicPr>
+            <a:picLocks noChangeAspect="1"/>
+          </p:cNvPicPr>
+          <p:nvPr/>
+        </p:nvPicPr>
+        <p:blipFill>
+          <a:blip r:embed="rId4"/>
+          <a:stretch>
+            <a:fillRect/>
+          </a:stretch>
+        </p:blipFill>
+        <p:spPr>
+          <a:xfrm>
+            <a:off x="8151549" y="3116955"/>
+            <a:ext cx="1965707" cy="1481202"/>
+          </a:xfrm>
+          <a:prstGeom prst="rect">
+            <a:avLst/>
+          </a:prstGeom>
+        </p:spPr>
+      </p:pic>
+      <p:pic>
+        <p:nvPicPr>
+          <p:cNvPr id="8" name="Imagen 7"/>
+          <p:cNvPicPr>
+            <a:picLocks noChangeAspect="1"/>
+          </p:cNvPicPr>
+          <p:nvPr/>
+        </p:nvPicPr>
+        <p:blipFill>
+          <a:blip r:embed="rId5"/>
+          <a:stretch>
+            <a:fillRect/>
+          </a:stretch>
+        </p:blipFill>
+        <p:spPr>
+          <a:xfrm>
+            <a:off x="8166908" y="4724016"/>
+            <a:ext cx="2554449" cy="940288"/>
+          </a:xfrm>
+          <a:prstGeom prst="rect">
+            <a:avLst/>
+          </a:prstGeom>
+        </p:spPr>
+      </p:pic>
+      <p:pic>
+        <p:nvPicPr>
+          <p:cNvPr id="9" name="Imagen 8"/>
+          <p:cNvPicPr>
+            <a:picLocks noChangeAspect="1"/>
+          </p:cNvPicPr>
+          <p:nvPr/>
+        </p:nvPicPr>
+        <p:blipFill>
+          <a:blip r:embed="rId6"/>
+          <a:stretch>
+            <a:fillRect/>
+          </a:stretch>
+        </p:blipFill>
+        <p:spPr>
+          <a:xfrm>
+            <a:off x="8151550" y="5852862"/>
+            <a:ext cx="2256662" cy="863979"/>
+          </a:xfrm>
+          <a:prstGeom prst="rect">
+            <a:avLst/>
+          </a:prstGeom>
+        </p:spPr>
+      </p:pic>
     </p:spTree>
     <p:extLst>
       <p:ext uri="{BB962C8B-B14F-4D97-AF65-F5344CB8AC3E}">
-        <p14:creationId xmlns:p14="http://schemas.microsoft.com/office/powerpoint/2010/main" val="2380688711"/>
+        <p14:creationId xmlns:p14="http://schemas.microsoft.com/office/powerpoint/2010/main" val="3459351080"/>
+      </p:ext>
+    </p:extLst>
+  </p:cSld>
+  <p:clrMapOvr>
+    <a:masterClrMapping/>
+  </p:clrMapOvr>
+  <p:timing>
+    <p:tnLst>
+      <p:par>
+        <p:cTn id="1" dur="indefinite" restart="never" nodeType="tmRoot"/>
+      </p:par>
+    </p:tnLst>
+  </p:timing>
+</p:sld>
+</file>
+
+<file path=ppt/slides/slide86.xml><?xml version="1.0" encoding="utf-8"?>
+<p:sld xmlns:a="http://schemas.openxmlformats.org/drawingml/2006/main" xmlns:r="http://schemas.openxmlformats.org/officeDocument/2006/relationships" xmlns:p="http://schemas.openxmlformats.org/presentationml/2006/main">
+  <p:cSld>
+    <p:spTree>
+      <p:nvGrpSpPr>
+        <p:cNvPr id="1" name=""/>
+        <p:cNvGrpSpPr/>
+        <p:nvPr/>
+      </p:nvGrpSpPr>
+      <p:grpSpPr>
+        <a:xfrm>
+          <a:off x="0" y="0"/>
+          <a:ext cx="0" cy="0"/>
+          <a:chOff x="0" y="0"/>
+          <a:chExt cx="0" cy="0"/>
+        </a:xfrm>
+      </p:grpSpPr>
+      <p:sp>
+        <p:nvSpPr>
+          <p:cNvPr id="2" name="Título 1"/>
+          <p:cNvSpPr>
+            <a:spLocks noGrp="1"/>
+          </p:cNvSpPr>
+          <p:nvPr>
+            <p:ph type="title"/>
+          </p:nvPr>
+        </p:nvSpPr>
+        <p:spPr>
+          <a:xfrm>
+            <a:off x="167425" y="360607"/>
+            <a:ext cx="11925837" cy="875765"/>
+          </a:xfrm>
+        </p:spPr>
+        <p:txBody>
+          <a:bodyPr/>
+          <a:lstStyle/>
+          <a:p>
+            <a:r>
+              <a:rPr lang="es-PA" dirty="0" err="1" smtClean="0"/>
+              <a:t>Op-Amp</a:t>
+            </a:r>
+            <a:r>
+              <a:rPr lang="es-PA" dirty="0" smtClean="0"/>
+              <a:t> De Integración y Diferenciación </a:t>
+            </a:r>
+            <a:endParaRPr lang="es-PA" dirty="0"/>
+          </a:p>
+        </p:txBody>
+      </p:sp>
+      <p:sp>
+        <p:nvSpPr>
+          <p:cNvPr id="3" name="Marcador de contenido 2"/>
+          <p:cNvSpPr>
+            <a:spLocks noGrp="1"/>
+          </p:cNvSpPr>
+          <p:nvPr>
+            <p:ph idx="1"/>
+          </p:nvPr>
+        </p:nvSpPr>
+        <p:spPr>
+          <a:xfrm>
+            <a:off x="310675" y="1335096"/>
+            <a:ext cx="11618089" cy="5044921"/>
+          </a:xfrm>
+        </p:spPr>
+        <p:txBody>
+          <a:bodyPr>
+            <a:normAutofit/>
+          </a:bodyPr>
+          <a:lstStyle/>
+          <a:p>
+            <a:r>
+              <a:rPr lang="es-PA" dirty="0" smtClean="0"/>
+              <a:t>Los circuitos anteriores eran puramente resistivos y por consiguiente independientes de la frecuencia</a:t>
+            </a:r>
+          </a:p>
+          <a:p>
+            <a:r>
+              <a:rPr lang="es-PA" dirty="0" smtClean="0"/>
+              <a:t>La configuración del amplificador inversor con impedancias se dictamina como sigue:</a:t>
+            </a:r>
+          </a:p>
+          <a:p>
+            <a:endParaRPr lang="es-PA" dirty="0"/>
+          </a:p>
+          <a:p>
+            <a:endParaRPr lang="es-PA" dirty="0" smtClean="0"/>
+          </a:p>
+          <a:p>
+            <a:endParaRPr lang="es-PA" dirty="0"/>
+          </a:p>
+          <a:p>
+            <a:endParaRPr lang="es-PA" dirty="0" smtClean="0"/>
+          </a:p>
+          <a:p>
+            <a:endParaRPr lang="es-PA" dirty="0"/>
+          </a:p>
+          <a:p>
+            <a:r>
+              <a:rPr lang="es-PA" dirty="0" smtClean="0"/>
+              <a:t>Recuerde que la transformada de Laplace elimina el dominio del tiempo</a:t>
+            </a:r>
+          </a:p>
+          <a:p>
+            <a:r>
+              <a:rPr lang="es-PA" dirty="0" smtClean="0"/>
+              <a:t>Recuerde también que </a:t>
+            </a:r>
+            <a:r>
+              <a:rPr lang="es-PA" dirty="0" smtClean="0">
+                <a:sym typeface="Symbol" panose="05050102010706020507" pitchFamily="18" charset="2"/>
+              </a:rPr>
+              <a:t>V = I*t/C, o sea que el voltaje varia linealmente con el tiempo</a:t>
+            </a:r>
+            <a:endParaRPr lang="es-PA" dirty="0"/>
+          </a:p>
+          <a:p>
+            <a:endParaRPr lang="es-PA" dirty="0" smtClean="0"/>
+          </a:p>
+          <a:p>
+            <a:endParaRPr lang="es-PA" dirty="0" smtClean="0"/>
+          </a:p>
+          <a:p>
+            <a:endParaRPr lang="es-PA" dirty="0"/>
+          </a:p>
+          <a:p>
+            <a:endParaRPr lang="es-PA" dirty="0"/>
+          </a:p>
+          <a:p>
+            <a:endParaRPr lang="es-PA" dirty="0" smtClean="0"/>
+          </a:p>
+        </p:txBody>
+      </p:sp>
+      <p:pic>
+        <p:nvPicPr>
+          <p:cNvPr id="6" name="Imagen 5"/>
+          <p:cNvPicPr>
+            <a:picLocks noChangeAspect="1"/>
+          </p:cNvPicPr>
+          <p:nvPr/>
+        </p:nvPicPr>
+        <p:blipFill>
+          <a:blip r:embed="rId2"/>
+          <a:stretch>
+            <a:fillRect/>
+          </a:stretch>
+        </p:blipFill>
+        <p:spPr>
+          <a:xfrm>
+            <a:off x="6007927" y="3074696"/>
+            <a:ext cx="1438275" cy="714375"/>
+          </a:xfrm>
+          <a:prstGeom prst="rect">
+            <a:avLst/>
+          </a:prstGeom>
+        </p:spPr>
+      </p:pic>
+      <p:pic>
+        <p:nvPicPr>
+          <p:cNvPr id="10" name="Imagen 9"/>
+          <p:cNvPicPr>
+            <a:picLocks noChangeAspect="1"/>
+          </p:cNvPicPr>
+          <p:nvPr/>
+        </p:nvPicPr>
+        <p:blipFill>
+          <a:blip r:embed="rId3"/>
+          <a:stretch>
+            <a:fillRect/>
+          </a:stretch>
+        </p:blipFill>
+        <p:spPr>
+          <a:xfrm>
+            <a:off x="1005692" y="2479384"/>
+            <a:ext cx="3895725" cy="1905000"/>
+          </a:xfrm>
+          <a:prstGeom prst="rect">
+            <a:avLst/>
+          </a:prstGeom>
+        </p:spPr>
+      </p:pic>
+    </p:spTree>
+    <p:extLst>
+      <p:ext uri="{BB962C8B-B14F-4D97-AF65-F5344CB8AC3E}">
+        <p14:creationId xmlns:p14="http://schemas.microsoft.com/office/powerpoint/2010/main" val="721824168"/>
+      </p:ext>
+    </p:extLst>
+  </p:cSld>
+  <p:clrMapOvr>
+    <a:masterClrMapping/>
+  </p:clrMapOvr>
+  <p:timing>
+    <p:tnLst>
+      <p:par>
+        <p:cTn id="1" dur="indefinite" restart="never" nodeType="tmRoot"/>
+      </p:par>
+    </p:tnLst>
+  </p:timing>
+</p:sld>
+</file>
+
+<file path=ppt/slides/slide87.xml><?xml version="1.0" encoding="utf-8"?>
+<p:sld xmlns:a="http://schemas.openxmlformats.org/drawingml/2006/main" xmlns:r="http://schemas.openxmlformats.org/officeDocument/2006/relationships" xmlns:p="http://schemas.openxmlformats.org/presentationml/2006/main">
+  <p:cSld>
+    <p:spTree>
+      <p:nvGrpSpPr>
+        <p:cNvPr id="1" name=""/>
+        <p:cNvGrpSpPr/>
+        <p:nvPr/>
+      </p:nvGrpSpPr>
+      <p:grpSpPr>
+        <a:xfrm>
+          <a:off x="0" y="0"/>
+          <a:ext cx="0" cy="0"/>
+          <a:chOff x="0" y="0"/>
+          <a:chExt cx="0" cy="0"/>
+        </a:xfrm>
+      </p:grpSpPr>
+      <p:sp>
+        <p:nvSpPr>
+          <p:cNvPr id="2" name="Título 1"/>
+          <p:cNvSpPr>
+            <a:spLocks noGrp="1"/>
+          </p:cNvSpPr>
+          <p:nvPr>
+            <p:ph type="title"/>
+          </p:nvPr>
+        </p:nvSpPr>
+        <p:spPr>
+          <a:xfrm>
+            <a:off x="167425" y="360607"/>
+            <a:ext cx="11925837" cy="875765"/>
+          </a:xfrm>
+        </p:spPr>
+        <p:txBody>
+          <a:bodyPr/>
+          <a:lstStyle/>
+          <a:p>
+            <a:r>
+              <a:rPr lang="es-PA" dirty="0" err="1" smtClean="0"/>
+              <a:t>Op-Amp</a:t>
+            </a:r>
+            <a:r>
+              <a:rPr lang="es-PA" dirty="0" smtClean="0"/>
+              <a:t> De Integración</a:t>
+            </a:r>
+            <a:endParaRPr lang="es-PA" dirty="0"/>
+          </a:p>
+        </p:txBody>
+      </p:sp>
+      <p:sp>
+        <p:nvSpPr>
+          <p:cNvPr id="3" name="Marcador de contenido 2"/>
+          <p:cNvSpPr>
+            <a:spLocks noGrp="1"/>
+          </p:cNvSpPr>
+          <p:nvPr>
+            <p:ph idx="1"/>
+          </p:nvPr>
+        </p:nvSpPr>
+        <p:spPr>
+          <a:xfrm>
+            <a:off x="310675" y="1335096"/>
+            <a:ext cx="11618089" cy="5044921"/>
+          </a:xfrm>
+        </p:spPr>
+        <p:txBody>
+          <a:bodyPr>
+            <a:normAutofit/>
+          </a:bodyPr>
+          <a:lstStyle/>
+          <a:p>
+            <a:r>
+              <a:rPr lang="es-PA" dirty="0" smtClean="0"/>
+              <a:t>Derive la ecuación del siguiente </a:t>
+            </a:r>
+            <a:r>
+              <a:rPr lang="es-PA" dirty="0" err="1" smtClean="0"/>
+              <a:t>op-amp</a:t>
+            </a:r>
+            <a:endParaRPr lang="es-PA" dirty="0"/>
+          </a:p>
+          <a:p>
+            <a:r>
+              <a:rPr lang="en-US" dirty="0" err="1" smtClean="0"/>
+              <a:t>Diseñe</a:t>
+            </a:r>
+            <a:r>
+              <a:rPr lang="en-US" dirty="0" smtClean="0"/>
+              <a:t> un </a:t>
+            </a:r>
+            <a:r>
+              <a:rPr lang="en-US" dirty="0" err="1" smtClean="0"/>
+              <a:t>ciercuito</a:t>
+            </a:r>
+            <a:r>
+              <a:rPr lang="en-US" dirty="0" smtClean="0"/>
+              <a:t> para </a:t>
+            </a:r>
+            <a:r>
+              <a:rPr lang="en-US" dirty="0" err="1" smtClean="0"/>
+              <a:t>obtener</a:t>
+            </a:r>
+            <a:r>
+              <a:rPr lang="en-US" dirty="0" smtClean="0"/>
+              <a:t>:</a:t>
+            </a:r>
+          </a:p>
+          <a:p>
+            <a:pPr lvl="1"/>
+            <a:r>
+              <a:rPr lang="en-US" dirty="0" smtClean="0"/>
+              <a:t>Una </a:t>
+            </a:r>
+            <a:r>
+              <a:rPr lang="en-US" dirty="0" err="1" smtClean="0"/>
+              <a:t>ganacia</a:t>
+            </a:r>
+            <a:r>
+              <a:rPr lang="en-US" dirty="0" smtClean="0"/>
+              <a:t> DC de 40dB, a 3-db de </a:t>
+            </a:r>
+            <a:r>
+              <a:rPr lang="en-US" dirty="0" err="1" smtClean="0"/>
+              <a:t>frecuencia</a:t>
+            </a:r>
+            <a:r>
+              <a:rPr lang="en-US" dirty="0" smtClean="0"/>
+              <a:t> de 1kHz y </a:t>
+            </a:r>
+            <a:r>
+              <a:rPr lang="en-US" dirty="0" err="1" smtClean="0"/>
+              <a:t>una</a:t>
+            </a:r>
+            <a:r>
+              <a:rPr lang="en-US" dirty="0" smtClean="0"/>
+              <a:t> </a:t>
+            </a:r>
+            <a:r>
+              <a:rPr lang="en-US" dirty="0" err="1" smtClean="0"/>
+              <a:t>Rin</a:t>
+            </a:r>
+            <a:r>
+              <a:rPr lang="en-US" dirty="0" smtClean="0"/>
+              <a:t>  de 1k</a:t>
+            </a:r>
+            <a:r>
+              <a:rPr lang="en-US" dirty="0"/>
+              <a:t>. </a:t>
+            </a:r>
+            <a:endParaRPr lang="es-PA" dirty="0"/>
+          </a:p>
+          <a:p>
+            <a:endParaRPr lang="es-PA" dirty="0" smtClean="0"/>
+          </a:p>
+        </p:txBody>
+      </p:sp>
+      <p:pic>
+        <p:nvPicPr>
+          <p:cNvPr id="6" name="Imagen 5"/>
+          <p:cNvPicPr>
+            <a:picLocks noChangeAspect="1"/>
+          </p:cNvPicPr>
+          <p:nvPr/>
+        </p:nvPicPr>
+        <p:blipFill>
+          <a:blip r:embed="rId2"/>
+          <a:stretch>
+            <a:fillRect/>
+          </a:stretch>
+        </p:blipFill>
+        <p:spPr>
+          <a:xfrm>
+            <a:off x="10379097" y="3181529"/>
+            <a:ext cx="1438275" cy="714375"/>
+          </a:xfrm>
+          <a:prstGeom prst="rect">
+            <a:avLst/>
+          </a:prstGeom>
+        </p:spPr>
+      </p:pic>
+      <p:pic>
+        <p:nvPicPr>
+          <p:cNvPr id="10" name="Imagen 9"/>
+          <p:cNvPicPr>
+            <a:picLocks noChangeAspect="1"/>
+          </p:cNvPicPr>
+          <p:nvPr/>
+        </p:nvPicPr>
+        <p:blipFill>
+          <a:blip r:embed="rId3"/>
+          <a:stretch>
+            <a:fillRect/>
+          </a:stretch>
+        </p:blipFill>
+        <p:spPr>
+          <a:xfrm>
+            <a:off x="9465972" y="1617763"/>
+            <a:ext cx="2627290" cy="1284738"/>
+          </a:xfrm>
+          <a:prstGeom prst="rect">
+            <a:avLst/>
+          </a:prstGeom>
+        </p:spPr>
+      </p:pic>
+      <p:pic>
+        <p:nvPicPr>
+          <p:cNvPr id="4" name="Imagen 3"/>
+          <p:cNvPicPr>
+            <a:picLocks noChangeAspect="1"/>
+          </p:cNvPicPr>
+          <p:nvPr/>
+        </p:nvPicPr>
+        <p:blipFill>
+          <a:blip r:embed="rId4"/>
+          <a:stretch>
+            <a:fillRect/>
+          </a:stretch>
+        </p:blipFill>
+        <p:spPr>
+          <a:xfrm>
+            <a:off x="1858133" y="2756593"/>
+            <a:ext cx="2676525" cy="2524125"/>
+          </a:xfrm>
+          <a:prstGeom prst="rect">
+            <a:avLst/>
+          </a:prstGeom>
+        </p:spPr>
+      </p:pic>
+    </p:spTree>
+    <p:extLst>
+      <p:ext uri="{BB962C8B-B14F-4D97-AF65-F5344CB8AC3E}">
+        <p14:creationId xmlns:p14="http://schemas.microsoft.com/office/powerpoint/2010/main" val="2932920726"/>
+      </p:ext>
+    </p:extLst>
+  </p:cSld>
+  <p:clrMapOvr>
+    <a:masterClrMapping/>
+  </p:clrMapOvr>
+  <p:timing>
+    <p:tnLst>
+      <p:par>
+        <p:cTn id="1" dur="indefinite" restart="never" nodeType="tmRoot"/>
+      </p:par>
+    </p:tnLst>
+  </p:timing>
+</p:sld>
+</file>
+
+<file path=ppt/slides/slide88.xml><?xml version="1.0" encoding="utf-8"?>
+<p:sld xmlns:a="http://schemas.openxmlformats.org/drawingml/2006/main" xmlns:r="http://schemas.openxmlformats.org/officeDocument/2006/relationships" xmlns:p="http://schemas.openxmlformats.org/presentationml/2006/main">
+  <p:cSld>
+    <p:spTree>
+      <p:nvGrpSpPr>
+        <p:cNvPr id="1" name=""/>
+        <p:cNvGrpSpPr/>
+        <p:nvPr/>
+      </p:nvGrpSpPr>
+      <p:grpSpPr>
+        <a:xfrm>
+          <a:off x="0" y="0"/>
+          <a:ext cx="0" cy="0"/>
+          <a:chOff x="0" y="0"/>
+          <a:chExt cx="0" cy="0"/>
+        </a:xfrm>
+      </p:grpSpPr>
+      <p:sp>
+        <p:nvSpPr>
+          <p:cNvPr id="2" name="Título 1"/>
+          <p:cNvSpPr>
+            <a:spLocks noGrp="1"/>
+          </p:cNvSpPr>
+          <p:nvPr>
+            <p:ph type="title"/>
+          </p:nvPr>
+        </p:nvSpPr>
+        <p:spPr>
+          <a:xfrm>
+            <a:off x="167425" y="360607"/>
+            <a:ext cx="11925837" cy="875765"/>
+          </a:xfrm>
+        </p:spPr>
+        <p:txBody>
+          <a:bodyPr/>
+          <a:lstStyle/>
+          <a:p>
+            <a:r>
+              <a:rPr lang="es-PA" dirty="0" err="1" smtClean="0"/>
+              <a:t>Op-Amp</a:t>
+            </a:r>
+            <a:r>
+              <a:rPr lang="es-PA" dirty="0" smtClean="0"/>
+              <a:t> De Integración</a:t>
+            </a:r>
+            <a:endParaRPr lang="es-PA" dirty="0"/>
+          </a:p>
+        </p:txBody>
+      </p:sp>
+      <p:sp>
+        <p:nvSpPr>
+          <p:cNvPr id="3" name="Marcador de contenido 2"/>
+          <p:cNvSpPr>
+            <a:spLocks noGrp="1"/>
+          </p:cNvSpPr>
+          <p:nvPr>
+            <p:ph idx="1"/>
+          </p:nvPr>
+        </p:nvSpPr>
+        <p:spPr>
+          <a:xfrm>
+            <a:off x="310675" y="1335096"/>
+            <a:ext cx="11618089" cy="5044921"/>
+          </a:xfrm>
+        </p:spPr>
+        <p:txBody>
+          <a:bodyPr>
+            <a:normAutofit/>
+          </a:bodyPr>
+          <a:lstStyle/>
+          <a:p>
+            <a:r>
+              <a:rPr lang="es-PA" dirty="0" err="1" smtClean="0"/>
+              <a:t>Deriver</a:t>
+            </a:r>
+            <a:r>
+              <a:rPr lang="es-PA" dirty="0" smtClean="0"/>
+              <a:t> la ecuación del siguiente </a:t>
+            </a:r>
+            <a:r>
+              <a:rPr lang="es-PA" dirty="0" err="1" smtClean="0"/>
+              <a:t>op-amp</a:t>
+            </a:r>
+            <a:endParaRPr lang="es-PA" dirty="0"/>
+          </a:p>
+          <a:p>
+            <a:r>
+              <a:rPr lang="es-PA" dirty="0" smtClean="0"/>
+              <a:t>Frecuencia a 3db</a:t>
+            </a:r>
+          </a:p>
+          <a:p>
+            <a:endParaRPr lang="es-PA" dirty="0"/>
+          </a:p>
+          <a:p>
+            <a:endParaRPr lang="es-PA" dirty="0" smtClean="0"/>
+          </a:p>
+          <a:p>
+            <a:r>
+              <a:rPr lang="es-PA" dirty="0" smtClean="0"/>
+              <a:t>40db = 20 </a:t>
+            </a:r>
+            <a:r>
+              <a:rPr lang="es-PA" dirty="0" err="1" smtClean="0"/>
+              <a:t>Log|Av</a:t>
+            </a:r>
+            <a:r>
+              <a:rPr lang="es-PA" dirty="0" smtClean="0"/>
+              <a:t>|; </a:t>
+            </a:r>
+            <a:r>
+              <a:rPr lang="es-PA" dirty="0" err="1" smtClean="0"/>
+              <a:t>Av</a:t>
+            </a:r>
+            <a:r>
+              <a:rPr lang="es-PA" dirty="0" smtClean="0"/>
+              <a:t> = 100</a:t>
+            </a:r>
+          </a:p>
+          <a:p>
+            <a:r>
+              <a:rPr lang="es-PA" dirty="0" smtClean="0"/>
+              <a:t>R2 = 100k</a:t>
+            </a:r>
+          </a:p>
+          <a:p>
+            <a:r>
+              <a:rPr lang="es-PA" dirty="0" smtClean="0"/>
+              <a:t>R1 = 1k.  Porque Rin = 1k </a:t>
+            </a:r>
+          </a:p>
+          <a:p>
+            <a:r>
+              <a:rPr lang="es-PA" dirty="0" smtClean="0"/>
+              <a:t>C = 1.59nF</a:t>
+            </a:r>
+          </a:p>
+          <a:p>
+            <a:endParaRPr lang="es-PA" dirty="0"/>
+          </a:p>
+          <a:p>
+            <a:endParaRPr lang="es-PA" dirty="0"/>
+          </a:p>
+          <a:p>
+            <a:endParaRPr lang="es-PA" dirty="0" smtClean="0"/>
+          </a:p>
+        </p:txBody>
+      </p:sp>
+      <p:pic>
+        <p:nvPicPr>
+          <p:cNvPr id="4" name="Imagen 3"/>
+          <p:cNvPicPr>
+            <a:picLocks noChangeAspect="1"/>
+          </p:cNvPicPr>
+          <p:nvPr/>
+        </p:nvPicPr>
+        <p:blipFill>
+          <a:blip r:embed="rId2"/>
+          <a:stretch>
+            <a:fillRect/>
+          </a:stretch>
+        </p:blipFill>
+        <p:spPr>
+          <a:xfrm>
+            <a:off x="9252239" y="1210748"/>
+            <a:ext cx="2676525" cy="2524125"/>
+          </a:xfrm>
+          <a:prstGeom prst="rect">
+            <a:avLst/>
+          </a:prstGeom>
+        </p:spPr>
+      </p:pic>
+      <p:pic>
+        <p:nvPicPr>
+          <p:cNvPr id="5" name="Imagen 4"/>
+          <p:cNvPicPr>
+            <a:picLocks noChangeAspect="1"/>
+          </p:cNvPicPr>
+          <p:nvPr/>
+        </p:nvPicPr>
+        <p:blipFill>
+          <a:blip r:embed="rId3"/>
+          <a:stretch>
+            <a:fillRect/>
+          </a:stretch>
+        </p:blipFill>
+        <p:spPr>
+          <a:xfrm>
+            <a:off x="6119719" y="1126169"/>
+            <a:ext cx="2556156" cy="1183135"/>
+          </a:xfrm>
+          <a:prstGeom prst="rect">
+            <a:avLst/>
+          </a:prstGeom>
+        </p:spPr>
+      </p:pic>
+      <p:pic>
+        <p:nvPicPr>
+          <p:cNvPr id="7" name="Imagen 6"/>
+          <p:cNvPicPr>
+            <a:picLocks noChangeAspect="1"/>
+          </p:cNvPicPr>
+          <p:nvPr/>
+        </p:nvPicPr>
+        <p:blipFill>
+          <a:blip r:embed="rId4"/>
+          <a:stretch>
+            <a:fillRect/>
+          </a:stretch>
+        </p:blipFill>
+        <p:spPr>
+          <a:xfrm>
+            <a:off x="6119719" y="2305318"/>
+            <a:ext cx="2508489" cy="1082430"/>
+          </a:xfrm>
+          <a:prstGeom prst="rect">
+            <a:avLst/>
+          </a:prstGeom>
+        </p:spPr>
+      </p:pic>
+      <p:pic>
+        <p:nvPicPr>
+          <p:cNvPr id="8" name="Imagen 7"/>
+          <p:cNvPicPr>
+            <a:picLocks noChangeAspect="1"/>
+          </p:cNvPicPr>
+          <p:nvPr/>
+        </p:nvPicPr>
+        <p:blipFill>
+          <a:blip r:embed="rId5"/>
+          <a:stretch>
+            <a:fillRect/>
+          </a:stretch>
+        </p:blipFill>
+        <p:spPr>
+          <a:xfrm>
+            <a:off x="6119719" y="3401150"/>
+            <a:ext cx="1464060" cy="958611"/>
+          </a:xfrm>
+          <a:prstGeom prst="rect">
+            <a:avLst/>
+          </a:prstGeom>
+        </p:spPr>
+      </p:pic>
+      <p:pic>
+        <p:nvPicPr>
+          <p:cNvPr id="9" name="Imagen 8"/>
+          <p:cNvPicPr>
+            <a:picLocks noChangeAspect="1"/>
+          </p:cNvPicPr>
+          <p:nvPr/>
+        </p:nvPicPr>
+        <p:blipFill>
+          <a:blip r:embed="rId6"/>
+          <a:stretch>
+            <a:fillRect/>
+          </a:stretch>
+        </p:blipFill>
+        <p:spPr>
+          <a:xfrm>
+            <a:off x="3278095" y="1881534"/>
+            <a:ext cx="1338263" cy="847567"/>
+          </a:xfrm>
+          <a:prstGeom prst="rect">
+            <a:avLst/>
+          </a:prstGeom>
+        </p:spPr>
+      </p:pic>
+    </p:spTree>
+    <p:extLst>
+      <p:ext uri="{BB962C8B-B14F-4D97-AF65-F5344CB8AC3E}">
+        <p14:creationId xmlns:p14="http://schemas.microsoft.com/office/powerpoint/2010/main" val="3884390437"/>
+      </p:ext>
+    </p:extLst>
+  </p:cSld>
+  <p:clrMapOvr>
+    <a:masterClrMapping/>
+  </p:clrMapOvr>
+  <p:timing>
+    <p:tnLst>
+      <p:par>
+        <p:cTn id="1" dur="indefinite" restart="never" nodeType="tmRoot"/>
+      </p:par>
+    </p:tnLst>
+  </p:timing>
+</p:sld>
+</file>
+
+<file path=ppt/slides/slide89.xml><?xml version="1.0" encoding="utf-8"?>
+<p:sld xmlns:a="http://schemas.openxmlformats.org/drawingml/2006/main" xmlns:r="http://schemas.openxmlformats.org/officeDocument/2006/relationships" xmlns:p="http://schemas.openxmlformats.org/presentationml/2006/main">
+  <p:cSld>
+    <p:spTree>
+      <p:nvGrpSpPr>
+        <p:cNvPr id="1" name=""/>
+        <p:cNvGrpSpPr/>
+        <p:nvPr/>
+      </p:nvGrpSpPr>
+      <p:grpSpPr>
+        <a:xfrm>
+          <a:off x="0" y="0"/>
+          <a:ext cx="0" cy="0"/>
+          <a:chOff x="0" y="0"/>
+          <a:chExt cx="0" cy="0"/>
+        </a:xfrm>
+      </p:grpSpPr>
+      <p:sp>
+        <p:nvSpPr>
+          <p:cNvPr id="2" name="Título 1"/>
+          <p:cNvSpPr>
+            <a:spLocks noGrp="1"/>
+          </p:cNvSpPr>
+          <p:nvPr>
+            <p:ph type="title"/>
+          </p:nvPr>
+        </p:nvSpPr>
+        <p:spPr>
+          <a:xfrm>
+            <a:off x="167425" y="360607"/>
+            <a:ext cx="11925837" cy="875765"/>
+          </a:xfrm>
+        </p:spPr>
+        <p:txBody>
+          <a:bodyPr/>
+          <a:lstStyle/>
+          <a:p>
+            <a:r>
+              <a:rPr lang="es-PA" dirty="0" err="1" smtClean="0"/>
+              <a:t>Op-Amp</a:t>
+            </a:r>
+            <a:r>
+              <a:rPr lang="es-PA" dirty="0" smtClean="0"/>
+              <a:t> De Integración</a:t>
+            </a:r>
+            <a:endParaRPr lang="es-PA" dirty="0"/>
+          </a:p>
+        </p:txBody>
+      </p:sp>
+      <p:sp>
+        <p:nvSpPr>
+          <p:cNvPr id="3" name="Marcador de contenido 2"/>
+          <p:cNvSpPr>
+            <a:spLocks noGrp="1"/>
+          </p:cNvSpPr>
+          <p:nvPr>
+            <p:ph idx="1"/>
+          </p:nvPr>
+        </p:nvSpPr>
+        <p:spPr>
+          <a:xfrm>
+            <a:off x="310675" y="1335096"/>
+            <a:ext cx="11618089" cy="5044921"/>
+          </a:xfrm>
+        </p:spPr>
+        <p:txBody>
+          <a:bodyPr>
+            <a:normAutofit/>
+          </a:bodyPr>
+          <a:lstStyle/>
+          <a:p>
+            <a:r>
+              <a:rPr lang="es-PA" dirty="0" err="1" smtClean="0"/>
+              <a:t>Deriver</a:t>
+            </a:r>
+            <a:r>
+              <a:rPr lang="es-PA" dirty="0" smtClean="0"/>
+              <a:t> la ecuación del siguiente </a:t>
+            </a:r>
+            <a:r>
+              <a:rPr lang="es-PA" dirty="0" err="1" smtClean="0"/>
+              <a:t>op-amp</a:t>
+            </a:r>
+            <a:endParaRPr lang="es-PA" dirty="0"/>
+          </a:p>
+          <a:p>
+            <a:r>
+              <a:rPr lang="es-PA" dirty="0" smtClean="0"/>
+              <a:t>Frecuencia a 3db</a:t>
+            </a:r>
+          </a:p>
+          <a:p>
+            <a:endParaRPr lang="es-PA" dirty="0"/>
+          </a:p>
+          <a:p>
+            <a:endParaRPr lang="es-PA" dirty="0" smtClean="0"/>
+          </a:p>
+          <a:p>
+            <a:r>
+              <a:rPr lang="es-PA" dirty="0" smtClean="0"/>
+              <a:t>40db = 20 </a:t>
+            </a:r>
+            <a:r>
+              <a:rPr lang="es-PA" dirty="0" err="1" smtClean="0"/>
+              <a:t>Log|Av</a:t>
+            </a:r>
+            <a:r>
+              <a:rPr lang="es-PA" dirty="0" smtClean="0"/>
+              <a:t>|; </a:t>
+            </a:r>
+            <a:r>
+              <a:rPr lang="es-PA" dirty="0" err="1" smtClean="0"/>
+              <a:t>Av</a:t>
+            </a:r>
+            <a:r>
+              <a:rPr lang="es-PA" dirty="0" smtClean="0"/>
+              <a:t> = 100</a:t>
+            </a:r>
+          </a:p>
+          <a:p>
+            <a:r>
+              <a:rPr lang="es-PA" dirty="0" smtClean="0"/>
+              <a:t>R2 = 100k</a:t>
+            </a:r>
+          </a:p>
+          <a:p>
+            <a:r>
+              <a:rPr lang="es-PA" dirty="0" smtClean="0"/>
+              <a:t>R1 = 1k.  Porque Rin = 1k </a:t>
+            </a:r>
+          </a:p>
+          <a:p>
+            <a:r>
+              <a:rPr lang="es-PA" dirty="0" smtClean="0"/>
+              <a:t>C = 1.59nF</a:t>
+            </a:r>
+          </a:p>
+          <a:p>
+            <a:endParaRPr lang="es-PA" dirty="0"/>
+          </a:p>
+          <a:p>
+            <a:endParaRPr lang="es-PA" dirty="0"/>
+          </a:p>
+          <a:p>
+            <a:endParaRPr lang="es-PA" dirty="0" smtClean="0"/>
+          </a:p>
+        </p:txBody>
+      </p:sp>
+      <p:pic>
+        <p:nvPicPr>
+          <p:cNvPr id="4" name="Imagen 3"/>
+          <p:cNvPicPr>
+            <a:picLocks noChangeAspect="1"/>
+          </p:cNvPicPr>
+          <p:nvPr/>
+        </p:nvPicPr>
+        <p:blipFill>
+          <a:blip r:embed="rId2"/>
+          <a:stretch>
+            <a:fillRect/>
+          </a:stretch>
+        </p:blipFill>
+        <p:spPr>
+          <a:xfrm>
+            <a:off x="9252239" y="1210748"/>
+            <a:ext cx="2676525" cy="2524125"/>
+          </a:xfrm>
+          <a:prstGeom prst="rect">
+            <a:avLst/>
+          </a:prstGeom>
+        </p:spPr>
+      </p:pic>
+      <p:pic>
+        <p:nvPicPr>
+          <p:cNvPr id="5" name="Imagen 4"/>
+          <p:cNvPicPr>
+            <a:picLocks noChangeAspect="1"/>
+          </p:cNvPicPr>
+          <p:nvPr/>
+        </p:nvPicPr>
+        <p:blipFill>
+          <a:blip r:embed="rId3"/>
+          <a:stretch>
+            <a:fillRect/>
+          </a:stretch>
+        </p:blipFill>
+        <p:spPr>
+          <a:xfrm>
+            <a:off x="6119719" y="1126169"/>
+            <a:ext cx="2556156" cy="1183135"/>
+          </a:xfrm>
+          <a:prstGeom prst="rect">
+            <a:avLst/>
+          </a:prstGeom>
+        </p:spPr>
+      </p:pic>
+      <p:pic>
+        <p:nvPicPr>
+          <p:cNvPr id="7" name="Imagen 6"/>
+          <p:cNvPicPr>
+            <a:picLocks noChangeAspect="1"/>
+          </p:cNvPicPr>
+          <p:nvPr/>
+        </p:nvPicPr>
+        <p:blipFill>
+          <a:blip r:embed="rId4"/>
+          <a:stretch>
+            <a:fillRect/>
+          </a:stretch>
+        </p:blipFill>
+        <p:spPr>
+          <a:xfrm>
+            <a:off x="6119719" y="2305318"/>
+            <a:ext cx="2508489" cy="1082430"/>
+          </a:xfrm>
+          <a:prstGeom prst="rect">
+            <a:avLst/>
+          </a:prstGeom>
+        </p:spPr>
+      </p:pic>
+      <p:pic>
+        <p:nvPicPr>
+          <p:cNvPr id="8" name="Imagen 7"/>
+          <p:cNvPicPr>
+            <a:picLocks noChangeAspect="1"/>
+          </p:cNvPicPr>
+          <p:nvPr/>
+        </p:nvPicPr>
+        <p:blipFill>
+          <a:blip r:embed="rId5"/>
+          <a:stretch>
+            <a:fillRect/>
+          </a:stretch>
+        </p:blipFill>
+        <p:spPr>
+          <a:xfrm>
+            <a:off x="6119719" y="3401150"/>
+            <a:ext cx="1464060" cy="958611"/>
+          </a:xfrm>
+          <a:prstGeom prst="rect">
+            <a:avLst/>
+          </a:prstGeom>
+        </p:spPr>
+      </p:pic>
+      <p:pic>
+        <p:nvPicPr>
+          <p:cNvPr id="9" name="Imagen 8"/>
+          <p:cNvPicPr>
+            <a:picLocks noChangeAspect="1"/>
+          </p:cNvPicPr>
+          <p:nvPr/>
+        </p:nvPicPr>
+        <p:blipFill>
+          <a:blip r:embed="rId6"/>
+          <a:stretch>
+            <a:fillRect/>
+          </a:stretch>
+        </p:blipFill>
+        <p:spPr>
+          <a:xfrm>
+            <a:off x="3278095" y="1881534"/>
+            <a:ext cx="1338263" cy="847567"/>
+          </a:xfrm>
+          <a:prstGeom prst="rect">
+            <a:avLst/>
+          </a:prstGeom>
+        </p:spPr>
+      </p:pic>
+    </p:spTree>
+    <p:extLst>
+      <p:ext uri="{BB962C8B-B14F-4D97-AF65-F5344CB8AC3E}">
+        <p14:creationId xmlns:p14="http://schemas.microsoft.com/office/powerpoint/2010/main" val="1881717132"/>
       </p:ext>
     </p:extLst>
   </p:cSld>
@@ -23781,6 +27551,2585 @@
     <p:extLst>
       <p:ext uri="{BB962C8B-B14F-4D97-AF65-F5344CB8AC3E}">
         <p14:creationId xmlns:p14="http://schemas.microsoft.com/office/powerpoint/2010/main" val="3705182550"/>
+      </p:ext>
+    </p:extLst>
+  </p:cSld>
+  <p:clrMapOvr>
+    <a:masterClrMapping/>
+  </p:clrMapOvr>
+  <p:timing>
+    <p:tnLst>
+      <p:par>
+        <p:cTn id="1" dur="indefinite" restart="never" nodeType="tmRoot"/>
+      </p:par>
+    </p:tnLst>
+  </p:timing>
+</p:sld>
+</file>
+
+<file path=ppt/slides/slide90.xml><?xml version="1.0" encoding="utf-8"?>
+<p:sld xmlns:a="http://schemas.openxmlformats.org/drawingml/2006/main" xmlns:r="http://schemas.openxmlformats.org/officeDocument/2006/relationships" xmlns:p="http://schemas.openxmlformats.org/presentationml/2006/main">
+  <p:cSld>
+    <p:spTree>
+      <p:nvGrpSpPr>
+        <p:cNvPr id="1" name=""/>
+        <p:cNvGrpSpPr/>
+        <p:nvPr/>
+      </p:nvGrpSpPr>
+      <p:grpSpPr>
+        <a:xfrm>
+          <a:off x="0" y="0"/>
+          <a:ext cx="0" cy="0"/>
+          <a:chOff x="0" y="0"/>
+          <a:chExt cx="0" cy="0"/>
+        </a:xfrm>
+      </p:grpSpPr>
+      <p:sp>
+        <p:nvSpPr>
+          <p:cNvPr id="2" name="Título 1"/>
+          <p:cNvSpPr>
+            <a:spLocks noGrp="1"/>
+          </p:cNvSpPr>
+          <p:nvPr>
+            <p:ph type="title"/>
+          </p:nvPr>
+        </p:nvSpPr>
+        <p:spPr>
+          <a:xfrm>
+            <a:off x="167425" y="360607"/>
+            <a:ext cx="11925837" cy="875765"/>
+          </a:xfrm>
+        </p:spPr>
+        <p:txBody>
+          <a:bodyPr/>
+          <a:lstStyle/>
+          <a:p>
+            <a:r>
+              <a:rPr lang="es-PA" dirty="0" err="1" smtClean="0"/>
+              <a:t>Op-Amp</a:t>
+            </a:r>
+            <a:r>
+              <a:rPr lang="es-PA" dirty="0" smtClean="0"/>
+              <a:t> De Integración</a:t>
+            </a:r>
+            <a:endParaRPr lang="es-PA" dirty="0"/>
+          </a:p>
+        </p:txBody>
+      </p:sp>
+      <p:sp>
+        <p:nvSpPr>
+          <p:cNvPr id="3" name="Marcador de contenido 2"/>
+          <p:cNvSpPr>
+            <a:spLocks noGrp="1"/>
+          </p:cNvSpPr>
+          <p:nvPr>
+            <p:ph idx="1"/>
+          </p:nvPr>
+        </p:nvSpPr>
+        <p:spPr>
+          <a:xfrm>
+            <a:off x="310675" y="1335096"/>
+            <a:ext cx="11618089" cy="5044921"/>
+          </a:xfrm>
+        </p:spPr>
+        <p:txBody>
+          <a:bodyPr>
+            <a:normAutofit/>
+          </a:bodyPr>
+          <a:lstStyle/>
+          <a:p>
+            <a:r>
+              <a:rPr lang="es-PA" dirty="0" smtClean="0"/>
+              <a:t>Analizando un poco más el amplificador inversor en el tiempo</a:t>
+            </a:r>
+          </a:p>
+          <a:p>
+            <a:r>
+              <a:rPr lang="es-PA" dirty="0" smtClean="0"/>
+              <a:t>El voltaje del capacitor es a un valor inicial y su integral en el tiempo</a:t>
+            </a:r>
+          </a:p>
+          <a:p>
+            <a:endParaRPr lang="es-PA" dirty="0"/>
+          </a:p>
+          <a:p>
+            <a:endParaRPr lang="es-PA" dirty="0" smtClean="0"/>
+          </a:p>
+          <a:p>
+            <a:r>
+              <a:rPr lang="es-PA" dirty="0" smtClean="0"/>
+              <a:t>El voltaje de salida es                        -&gt;</a:t>
+            </a:r>
+          </a:p>
+          <a:p>
+            <a:r>
+              <a:rPr lang="es-PA" dirty="0" smtClean="0"/>
+              <a:t>Al final esto esta dado por </a:t>
+            </a:r>
+          </a:p>
+          <a:p>
+            <a:endParaRPr lang="es-PA" dirty="0"/>
+          </a:p>
+          <a:p>
+            <a:endParaRPr lang="es-PA" dirty="0" smtClean="0"/>
+          </a:p>
+          <a:p>
+            <a:r>
+              <a:rPr lang="es-PA" dirty="0" smtClean="0"/>
+              <a:t>Que sale de reemplazar i1 por vi/R</a:t>
+            </a:r>
+          </a:p>
+          <a:p>
+            <a:r>
+              <a:rPr lang="es-PA" dirty="0" smtClean="0"/>
+              <a:t>Se puede tener que                          y s = </a:t>
+            </a:r>
+            <a:r>
+              <a:rPr lang="es-PA" dirty="0" err="1" smtClean="0"/>
+              <a:t>wj</a:t>
+            </a:r>
+            <a:r>
+              <a:rPr lang="es-PA" dirty="0" smtClean="0"/>
+              <a:t>				</a:t>
+            </a:r>
+            <a:r>
+              <a:rPr lang="es-PA" dirty="0"/>
+              <a:t> </a:t>
+            </a:r>
+            <a:r>
+              <a:rPr lang="es-PA" dirty="0" smtClean="0"/>
+              <a:t>con magnitud                    y   </a:t>
+            </a:r>
+            <a:endParaRPr lang="es-PA" dirty="0"/>
+          </a:p>
+          <a:p>
+            <a:endParaRPr lang="es-PA" dirty="0" smtClean="0"/>
+          </a:p>
+          <a:p>
+            <a:endParaRPr lang="es-PA" dirty="0"/>
+          </a:p>
+          <a:p>
+            <a:endParaRPr lang="es-PA" dirty="0"/>
+          </a:p>
+          <a:p>
+            <a:endParaRPr lang="es-PA" dirty="0" smtClean="0"/>
+          </a:p>
+        </p:txBody>
+      </p:sp>
+      <p:pic>
+        <p:nvPicPr>
+          <p:cNvPr id="4" name="Imagen 3"/>
+          <p:cNvPicPr>
+            <a:picLocks noChangeAspect="1"/>
+          </p:cNvPicPr>
+          <p:nvPr/>
+        </p:nvPicPr>
+        <p:blipFill>
+          <a:blip r:embed="rId2"/>
+          <a:stretch>
+            <a:fillRect/>
+          </a:stretch>
+        </p:blipFill>
+        <p:spPr>
+          <a:xfrm>
+            <a:off x="5459132" y="2160555"/>
+            <a:ext cx="1727280" cy="1628930"/>
+          </a:xfrm>
+          <a:prstGeom prst="rect">
+            <a:avLst/>
+          </a:prstGeom>
+        </p:spPr>
+      </p:pic>
+      <p:pic>
+        <p:nvPicPr>
+          <p:cNvPr id="6" name="Imagen 5"/>
+          <p:cNvPicPr>
+            <a:picLocks noChangeAspect="1"/>
+          </p:cNvPicPr>
+          <p:nvPr/>
+        </p:nvPicPr>
+        <p:blipFill>
+          <a:blip r:embed="rId3"/>
+          <a:stretch>
+            <a:fillRect/>
+          </a:stretch>
+        </p:blipFill>
+        <p:spPr>
+          <a:xfrm>
+            <a:off x="733827" y="2180822"/>
+            <a:ext cx="2730056" cy="794198"/>
+          </a:xfrm>
+          <a:prstGeom prst="rect">
+            <a:avLst/>
+          </a:prstGeom>
+        </p:spPr>
+      </p:pic>
+      <p:pic>
+        <p:nvPicPr>
+          <p:cNvPr id="10" name="Imagen 9"/>
+          <p:cNvPicPr>
+            <a:picLocks noChangeAspect="1"/>
+          </p:cNvPicPr>
+          <p:nvPr/>
+        </p:nvPicPr>
+        <p:blipFill>
+          <a:blip r:embed="rId4"/>
+          <a:stretch>
+            <a:fillRect/>
+          </a:stretch>
+        </p:blipFill>
+        <p:spPr>
+          <a:xfrm>
+            <a:off x="3463882" y="2975020"/>
+            <a:ext cx="1476963" cy="413049"/>
+          </a:xfrm>
+          <a:prstGeom prst="rect">
+            <a:avLst/>
+          </a:prstGeom>
+        </p:spPr>
+      </p:pic>
+      <p:pic>
+        <p:nvPicPr>
+          <p:cNvPr id="11" name="Imagen 10"/>
+          <p:cNvPicPr>
+            <a:picLocks noChangeAspect="1"/>
+          </p:cNvPicPr>
+          <p:nvPr/>
+        </p:nvPicPr>
+        <p:blipFill>
+          <a:blip r:embed="rId5"/>
+          <a:stretch>
+            <a:fillRect/>
+          </a:stretch>
+        </p:blipFill>
+        <p:spPr>
+          <a:xfrm>
+            <a:off x="733827" y="3961540"/>
+            <a:ext cx="2324100" cy="581025"/>
+          </a:xfrm>
+          <a:prstGeom prst="rect">
+            <a:avLst/>
+          </a:prstGeom>
+        </p:spPr>
+      </p:pic>
+      <p:pic>
+        <p:nvPicPr>
+          <p:cNvPr id="12" name="Imagen 11"/>
+          <p:cNvPicPr>
+            <a:picLocks noChangeAspect="1"/>
+          </p:cNvPicPr>
+          <p:nvPr/>
+        </p:nvPicPr>
+        <p:blipFill>
+          <a:blip r:embed="rId6"/>
+          <a:stretch>
+            <a:fillRect/>
+          </a:stretch>
+        </p:blipFill>
+        <p:spPr>
+          <a:xfrm>
+            <a:off x="3322414" y="5199643"/>
+            <a:ext cx="1618431" cy="759672"/>
+          </a:xfrm>
+          <a:prstGeom prst="rect">
+            <a:avLst/>
+          </a:prstGeom>
+        </p:spPr>
+      </p:pic>
+      <p:pic>
+        <p:nvPicPr>
+          <p:cNvPr id="13" name="Imagen 12"/>
+          <p:cNvPicPr>
+            <a:picLocks noChangeAspect="1"/>
+          </p:cNvPicPr>
+          <p:nvPr/>
+        </p:nvPicPr>
+        <p:blipFill>
+          <a:blip r:embed="rId7"/>
+          <a:stretch>
+            <a:fillRect/>
+          </a:stretch>
+        </p:blipFill>
+        <p:spPr>
+          <a:xfrm>
+            <a:off x="5994176" y="5199643"/>
+            <a:ext cx="1758098" cy="759672"/>
+          </a:xfrm>
+          <a:prstGeom prst="rect">
+            <a:avLst/>
+          </a:prstGeom>
+        </p:spPr>
+      </p:pic>
+      <p:pic>
+        <p:nvPicPr>
+          <p:cNvPr id="14" name="Imagen 13"/>
+          <p:cNvPicPr>
+            <a:picLocks noChangeAspect="1"/>
+          </p:cNvPicPr>
+          <p:nvPr/>
+        </p:nvPicPr>
+        <p:blipFill>
+          <a:blip r:embed="rId8"/>
+          <a:stretch>
+            <a:fillRect/>
+          </a:stretch>
+        </p:blipFill>
+        <p:spPr>
+          <a:xfrm>
+            <a:off x="9628969" y="5199643"/>
+            <a:ext cx="1247223" cy="759672"/>
+          </a:xfrm>
+          <a:prstGeom prst="rect">
+            <a:avLst/>
+          </a:prstGeom>
+        </p:spPr>
+      </p:pic>
+      <p:pic>
+        <p:nvPicPr>
+          <p:cNvPr id="15" name="Imagen 14"/>
+          <p:cNvPicPr>
+            <a:picLocks noChangeAspect="1"/>
+          </p:cNvPicPr>
+          <p:nvPr/>
+        </p:nvPicPr>
+        <p:blipFill>
+          <a:blip r:embed="rId9"/>
+          <a:stretch>
+            <a:fillRect/>
+          </a:stretch>
+        </p:blipFill>
+        <p:spPr>
+          <a:xfrm>
+            <a:off x="11140599" y="5239205"/>
+            <a:ext cx="988301" cy="375984"/>
+          </a:xfrm>
+          <a:prstGeom prst="rect">
+            <a:avLst/>
+          </a:prstGeom>
+        </p:spPr>
+      </p:pic>
+    </p:spTree>
+    <p:extLst>
+      <p:ext uri="{BB962C8B-B14F-4D97-AF65-F5344CB8AC3E}">
+        <p14:creationId xmlns:p14="http://schemas.microsoft.com/office/powerpoint/2010/main" val="507676098"/>
+      </p:ext>
+    </p:extLst>
+  </p:cSld>
+  <p:clrMapOvr>
+    <a:masterClrMapping/>
+  </p:clrMapOvr>
+  <p:timing>
+    <p:tnLst>
+      <p:par>
+        <p:cTn id="1" dur="indefinite" restart="never" nodeType="tmRoot"/>
+      </p:par>
+    </p:tnLst>
+  </p:timing>
+</p:sld>
+</file>
+
+<file path=ppt/slides/slide91.xml><?xml version="1.0" encoding="utf-8"?>
+<p:sld xmlns:a="http://schemas.openxmlformats.org/drawingml/2006/main" xmlns:r="http://schemas.openxmlformats.org/officeDocument/2006/relationships" xmlns:p="http://schemas.openxmlformats.org/presentationml/2006/main">
+  <p:cSld>
+    <p:spTree>
+      <p:nvGrpSpPr>
+        <p:cNvPr id="1" name=""/>
+        <p:cNvGrpSpPr/>
+        <p:nvPr/>
+      </p:nvGrpSpPr>
+      <p:grpSpPr>
+        <a:xfrm>
+          <a:off x="0" y="0"/>
+          <a:ext cx="0" cy="0"/>
+          <a:chOff x="0" y="0"/>
+          <a:chExt cx="0" cy="0"/>
+        </a:xfrm>
+      </p:grpSpPr>
+      <p:sp>
+        <p:nvSpPr>
+          <p:cNvPr id="2" name="Título 1"/>
+          <p:cNvSpPr>
+            <a:spLocks noGrp="1"/>
+          </p:cNvSpPr>
+          <p:nvPr>
+            <p:ph type="title"/>
+          </p:nvPr>
+        </p:nvSpPr>
+        <p:spPr>
+          <a:xfrm>
+            <a:off x="167425" y="360607"/>
+            <a:ext cx="11925837" cy="875765"/>
+          </a:xfrm>
+        </p:spPr>
+        <p:txBody>
+          <a:bodyPr/>
+          <a:lstStyle/>
+          <a:p>
+            <a:r>
+              <a:rPr lang="es-PA" dirty="0" err="1" smtClean="0"/>
+              <a:t>Op-Amp</a:t>
+            </a:r>
+            <a:r>
+              <a:rPr lang="es-PA" dirty="0" smtClean="0"/>
+              <a:t> De Integración</a:t>
+            </a:r>
+            <a:endParaRPr lang="es-PA" dirty="0"/>
+          </a:p>
+        </p:txBody>
+      </p:sp>
+      <p:sp>
+        <p:nvSpPr>
+          <p:cNvPr id="3" name="Marcador de contenido 2"/>
+          <p:cNvSpPr>
+            <a:spLocks noGrp="1"/>
+          </p:cNvSpPr>
+          <p:nvPr>
+            <p:ph idx="1"/>
+          </p:nvPr>
+        </p:nvSpPr>
+        <p:spPr>
+          <a:xfrm>
+            <a:off x="310675" y="1335096"/>
+            <a:ext cx="11618089" cy="5044921"/>
+          </a:xfrm>
+        </p:spPr>
+        <p:txBody>
+          <a:bodyPr>
+            <a:normAutofit/>
+          </a:bodyPr>
+          <a:lstStyle/>
+          <a:p>
+            <a:r>
+              <a:rPr lang="es-PA" dirty="0" smtClean="0"/>
+              <a:t>Tomando nota analizando lo anterior:</a:t>
+            </a:r>
+          </a:p>
+          <a:p>
+            <a:r>
+              <a:rPr lang="es-PA" dirty="0" err="1" smtClean="0"/>
+              <a:t>Decrementa</a:t>
+            </a:r>
+            <a:r>
+              <a:rPr lang="es-PA" dirty="0" smtClean="0"/>
+              <a:t> a -6db por octava o a -20db por década</a:t>
+            </a:r>
+          </a:p>
+          <a:p>
+            <a:r>
+              <a:rPr lang="es-PA" dirty="0" smtClean="0"/>
+              <a:t>Se intersecta a 0db cuando |</a:t>
+            </a:r>
+            <a:r>
+              <a:rPr lang="es-PA" dirty="0" err="1" smtClean="0"/>
+              <a:t>Vo</a:t>
+            </a:r>
+            <a:r>
+              <a:rPr lang="es-PA" dirty="0" smtClean="0"/>
+              <a:t>/Vi | = 1</a:t>
+            </a:r>
+          </a:p>
+          <a:p>
+            <a:r>
+              <a:rPr lang="es-PA" dirty="0" smtClean="0"/>
+              <a:t>El integrador se comporta como:</a:t>
+            </a:r>
+          </a:p>
+          <a:p>
+            <a:pPr lvl="1"/>
+            <a:r>
+              <a:rPr lang="es-PA" dirty="0" smtClean="0"/>
+              <a:t>un filtro paso bajo</a:t>
+            </a:r>
+          </a:p>
+          <a:p>
+            <a:pPr lvl="1"/>
+            <a:r>
+              <a:rPr lang="es-PA" dirty="0" smtClean="0"/>
+              <a:t>Frecuencia de corte de 0</a:t>
+            </a:r>
+          </a:p>
+          <a:p>
+            <a:r>
+              <a:rPr lang="es-PA" dirty="0" smtClean="0"/>
+              <a:t>Observar que a w=0 </a:t>
+            </a:r>
+            <a:r>
+              <a:rPr lang="es-PA" dirty="0" err="1" smtClean="0"/>
+              <a:t>Av</a:t>
+            </a:r>
+            <a:r>
+              <a:rPr lang="es-PA" dirty="0" smtClean="0"/>
+              <a:t> es infinita</a:t>
+            </a:r>
+          </a:p>
+          <a:p>
+            <a:pPr lvl="1"/>
+            <a:r>
+              <a:rPr lang="es-PA" dirty="0" smtClean="0"/>
+              <a:t>Es decir opera en lazo abierto</a:t>
+            </a:r>
+            <a:endParaRPr lang="es-PA" dirty="0"/>
+          </a:p>
+          <a:p>
+            <a:endParaRPr lang="es-PA" dirty="0"/>
+          </a:p>
+          <a:p>
+            <a:endParaRPr lang="es-PA" dirty="0" smtClean="0"/>
+          </a:p>
+        </p:txBody>
+      </p:sp>
+      <p:pic>
+        <p:nvPicPr>
+          <p:cNvPr id="5" name="Imagen 4"/>
+          <p:cNvPicPr>
+            <a:picLocks noChangeAspect="1"/>
+          </p:cNvPicPr>
+          <p:nvPr/>
+        </p:nvPicPr>
+        <p:blipFill>
+          <a:blip r:embed="rId2"/>
+          <a:stretch>
+            <a:fillRect/>
+          </a:stretch>
+        </p:blipFill>
+        <p:spPr>
+          <a:xfrm>
+            <a:off x="7768620" y="1005307"/>
+            <a:ext cx="4160144" cy="1625538"/>
+          </a:xfrm>
+          <a:prstGeom prst="rect">
+            <a:avLst/>
+          </a:prstGeom>
+        </p:spPr>
+      </p:pic>
+      <p:pic>
+        <p:nvPicPr>
+          <p:cNvPr id="7" name="Imagen 6"/>
+          <p:cNvPicPr>
+            <a:picLocks noChangeAspect="1"/>
+          </p:cNvPicPr>
+          <p:nvPr/>
+        </p:nvPicPr>
+        <p:blipFill>
+          <a:blip r:embed="rId3"/>
+          <a:stretch>
+            <a:fillRect/>
+          </a:stretch>
+        </p:blipFill>
+        <p:spPr>
+          <a:xfrm>
+            <a:off x="7768620" y="2729569"/>
+            <a:ext cx="3982474" cy="2682226"/>
+          </a:xfrm>
+          <a:prstGeom prst="rect">
+            <a:avLst/>
+          </a:prstGeom>
+        </p:spPr>
+      </p:pic>
+      <p:pic>
+        <p:nvPicPr>
+          <p:cNvPr id="8" name="Imagen 7"/>
+          <p:cNvPicPr>
+            <a:picLocks noChangeAspect="1"/>
+          </p:cNvPicPr>
+          <p:nvPr/>
+        </p:nvPicPr>
+        <p:blipFill>
+          <a:blip r:embed="rId4"/>
+          <a:stretch>
+            <a:fillRect/>
+          </a:stretch>
+        </p:blipFill>
+        <p:spPr>
+          <a:xfrm>
+            <a:off x="5736732" y="3993408"/>
+            <a:ext cx="1404436" cy="823290"/>
+          </a:xfrm>
+          <a:prstGeom prst="rect">
+            <a:avLst/>
+          </a:prstGeom>
+        </p:spPr>
+      </p:pic>
+    </p:spTree>
+    <p:extLst>
+      <p:ext uri="{BB962C8B-B14F-4D97-AF65-F5344CB8AC3E}">
+        <p14:creationId xmlns:p14="http://schemas.microsoft.com/office/powerpoint/2010/main" val="3360645967"/>
+      </p:ext>
+    </p:extLst>
+  </p:cSld>
+  <p:clrMapOvr>
+    <a:masterClrMapping/>
+  </p:clrMapOvr>
+  <p:timing>
+    <p:tnLst>
+      <p:par>
+        <p:cTn id="1" dur="indefinite" restart="never" nodeType="tmRoot"/>
+      </p:par>
+    </p:tnLst>
+  </p:timing>
+</p:sld>
+</file>
+
+<file path=ppt/slides/slide92.xml><?xml version="1.0" encoding="utf-8"?>
+<p:sld xmlns:a="http://schemas.openxmlformats.org/drawingml/2006/main" xmlns:r="http://schemas.openxmlformats.org/officeDocument/2006/relationships" xmlns:p="http://schemas.openxmlformats.org/presentationml/2006/main">
+  <p:cSld>
+    <p:spTree>
+      <p:nvGrpSpPr>
+        <p:cNvPr id="1" name=""/>
+        <p:cNvGrpSpPr/>
+        <p:nvPr/>
+      </p:nvGrpSpPr>
+      <p:grpSpPr>
+        <a:xfrm>
+          <a:off x="0" y="0"/>
+          <a:ext cx="0" cy="0"/>
+          <a:chOff x="0" y="0"/>
+          <a:chExt cx="0" cy="0"/>
+        </a:xfrm>
+      </p:grpSpPr>
+      <p:sp>
+        <p:nvSpPr>
+          <p:cNvPr id="2" name="Título 1"/>
+          <p:cNvSpPr>
+            <a:spLocks noGrp="1"/>
+          </p:cNvSpPr>
+          <p:nvPr>
+            <p:ph type="title"/>
+          </p:nvPr>
+        </p:nvSpPr>
+        <p:spPr>
+          <a:xfrm>
+            <a:off x="167425" y="360607"/>
+            <a:ext cx="11925837" cy="875765"/>
+          </a:xfrm>
+        </p:spPr>
+        <p:txBody>
+          <a:bodyPr/>
+          <a:lstStyle/>
+          <a:p>
+            <a:r>
+              <a:rPr lang="es-PA" dirty="0" err="1" smtClean="0"/>
+              <a:t>Op-Amp</a:t>
+            </a:r>
+            <a:r>
+              <a:rPr lang="es-PA" dirty="0" smtClean="0"/>
+              <a:t> De Integración</a:t>
+            </a:r>
+            <a:endParaRPr lang="es-PA" dirty="0"/>
+          </a:p>
+        </p:txBody>
+      </p:sp>
+      <p:sp>
+        <p:nvSpPr>
+          <p:cNvPr id="3" name="Marcador de contenido 2"/>
+          <p:cNvSpPr>
+            <a:spLocks noGrp="1"/>
+          </p:cNvSpPr>
+          <p:nvPr>
+            <p:ph idx="1"/>
+          </p:nvPr>
+        </p:nvSpPr>
+        <p:spPr>
+          <a:xfrm>
+            <a:off x="310675" y="1335096"/>
+            <a:ext cx="11618089" cy="5044921"/>
+          </a:xfrm>
+        </p:spPr>
+        <p:txBody>
+          <a:bodyPr>
+            <a:normAutofit/>
+          </a:bodyPr>
+          <a:lstStyle/>
+          <a:p>
+            <a:r>
+              <a:rPr lang="es-PA" dirty="0" smtClean="0"/>
+              <a:t>Tomando nota analizando lo anterior:</a:t>
+            </a:r>
+          </a:p>
+          <a:p>
+            <a:r>
+              <a:rPr lang="es-PA" dirty="0" err="1" smtClean="0"/>
+              <a:t>Decrementa</a:t>
+            </a:r>
+            <a:r>
+              <a:rPr lang="es-PA" dirty="0" smtClean="0"/>
+              <a:t> a -6db por octava o a -20db por década</a:t>
+            </a:r>
+          </a:p>
+          <a:p>
+            <a:r>
+              <a:rPr lang="es-PA" dirty="0" smtClean="0"/>
+              <a:t>Se intersecta a 0db cuando |</a:t>
+            </a:r>
+            <a:r>
+              <a:rPr lang="es-PA" dirty="0" err="1" smtClean="0"/>
+              <a:t>Vo</a:t>
+            </a:r>
+            <a:r>
+              <a:rPr lang="es-PA" dirty="0" smtClean="0"/>
+              <a:t>/Vi | = 1</a:t>
+            </a:r>
+          </a:p>
+          <a:p>
+            <a:r>
+              <a:rPr lang="es-PA" dirty="0" smtClean="0"/>
+              <a:t>El integrador se comporta como:</a:t>
+            </a:r>
+          </a:p>
+          <a:p>
+            <a:pPr lvl="1"/>
+            <a:r>
+              <a:rPr lang="es-PA" dirty="0" smtClean="0"/>
+              <a:t>un filtro paso bajo</a:t>
+            </a:r>
+          </a:p>
+          <a:p>
+            <a:pPr lvl="1"/>
+            <a:r>
+              <a:rPr lang="es-PA" dirty="0" smtClean="0"/>
+              <a:t>Frecuencia de corte de 0</a:t>
+            </a:r>
+          </a:p>
+          <a:p>
+            <a:r>
+              <a:rPr lang="es-PA" dirty="0" smtClean="0"/>
+              <a:t>Observar que a w=0 </a:t>
+            </a:r>
+            <a:r>
+              <a:rPr lang="es-PA" dirty="0" err="1" smtClean="0"/>
+              <a:t>Av</a:t>
+            </a:r>
+            <a:r>
+              <a:rPr lang="es-PA" dirty="0" smtClean="0"/>
+              <a:t> es infinita</a:t>
+            </a:r>
+          </a:p>
+          <a:p>
+            <a:pPr lvl="1"/>
+            <a:r>
+              <a:rPr lang="es-PA" dirty="0" smtClean="0"/>
+              <a:t>Es decir opera en lazo abierto</a:t>
+            </a:r>
+            <a:endParaRPr lang="es-PA" dirty="0"/>
+          </a:p>
+          <a:p>
+            <a:r>
+              <a:rPr lang="es-PA" dirty="0" smtClean="0"/>
+              <a:t>Para mejorar su salida se agrega un resistor</a:t>
+            </a:r>
+            <a:endParaRPr lang="es-PA" dirty="0"/>
+          </a:p>
+          <a:p>
+            <a:endParaRPr lang="es-PA" dirty="0" smtClean="0"/>
+          </a:p>
+        </p:txBody>
+      </p:sp>
+      <p:pic>
+        <p:nvPicPr>
+          <p:cNvPr id="5" name="Imagen 4"/>
+          <p:cNvPicPr>
+            <a:picLocks noChangeAspect="1"/>
+          </p:cNvPicPr>
+          <p:nvPr/>
+        </p:nvPicPr>
+        <p:blipFill>
+          <a:blip r:embed="rId2"/>
+          <a:stretch>
+            <a:fillRect/>
+          </a:stretch>
+        </p:blipFill>
+        <p:spPr>
+          <a:xfrm>
+            <a:off x="7768620" y="1005307"/>
+            <a:ext cx="4160144" cy="1625538"/>
+          </a:xfrm>
+          <a:prstGeom prst="rect">
+            <a:avLst/>
+          </a:prstGeom>
+        </p:spPr>
+      </p:pic>
+      <p:pic>
+        <p:nvPicPr>
+          <p:cNvPr id="7" name="Imagen 6"/>
+          <p:cNvPicPr>
+            <a:picLocks noChangeAspect="1"/>
+          </p:cNvPicPr>
+          <p:nvPr/>
+        </p:nvPicPr>
+        <p:blipFill>
+          <a:blip r:embed="rId3"/>
+          <a:stretch>
+            <a:fillRect/>
+          </a:stretch>
+        </p:blipFill>
+        <p:spPr>
+          <a:xfrm>
+            <a:off x="7768620" y="2729569"/>
+            <a:ext cx="3982474" cy="2682226"/>
+          </a:xfrm>
+          <a:prstGeom prst="rect">
+            <a:avLst/>
+          </a:prstGeom>
+        </p:spPr>
+      </p:pic>
+      <p:pic>
+        <p:nvPicPr>
+          <p:cNvPr id="8" name="Imagen 7"/>
+          <p:cNvPicPr>
+            <a:picLocks noChangeAspect="1"/>
+          </p:cNvPicPr>
+          <p:nvPr/>
+        </p:nvPicPr>
+        <p:blipFill>
+          <a:blip r:embed="rId4"/>
+          <a:stretch>
+            <a:fillRect/>
+          </a:stretch>
+        </p:blipFill>
+        <p:spPr>
+          <a:xfrm>
+            <a:off x="5234456" y="3857556"/>
+            <a:ext cx="1404436" cy="823290"/>
+          </a:xfrm>
+          <a:prstGeom prst="rect">
+            <a:avLst/>
+          </a:prstGeom>
+        </p:spPr>
+      </p:pic>
+      <p:pic>
+        <p:nvPicPr>
+          <p:cNvPr id="4" name="Imagen 3"/>
+          <p:cNvPicPr>
+            <a:picLocks noChangeAspect="1"/>
+          </p:cNvPicPr>
+          <p:nvPr/>
+        </p:nvPicPr>
+        <p:blipFill>
+          <a:blip r:embed="rId5"/>
+          <a:stretch>
+            <a:fillRect/>
+          </a:stretch>
+        </p:blipFill>
+        <p:spPr>
+          <a:xfrm>
+            <a:off x="3949587" y="5615329"/>
+            <a:ext cx="1676400" cy="676275"/>
+          </a:xfrm>
+          <a:prstGeom prst="rect">
+            <a:avLst/>
+          </a:prstGeom>
+        </p:spPr>
+      </p:pic>
+      <p:pic>
+        <p:nvPicPr>
+          <p:cNvPr id="6" name="Imagen 5"/>
+          <p:cNvPicPr>
+            <a:picLocks noChangeAspect="1"/>
+          </p:cNvPicPr>
+          <p:nvPr/>
+        </p:nvPicPr>
+        <p:blipFill>
+          <a:blip r:embed="rId6"/>
+          <a:stretch>
+            <a:fillRect/>
+          </a:stretch>
+        </p:blipFill>
+        <p:spPr>
+          <a:xfrm>
+            <a:off x="1661375" y="5161439"/>
+            <a:ext cx="1821979" cy="1584057"/>
+          </a:xfrm>
+          <a:prstGeom prst="rect">
+            <a:avLst/>
+          </a:prstGeom>
+        </p:spPr>
+      </p:pic>
+    </p:spTree>
+    <p:extLst>
+      <p:ext uri="{BB962C8B-B14F-4D97-AF65-F5344CB8AC3E}">
+        <p14:creationId xmlns:p14="http://schemas.microsoft.com/office/powerpoint/2010/main" val="1242010628"/>
+      </p:ext>
+    </p:extLst>
+  </p:cSld>
+  <p:clrMapOvr>
+    <a:masterClrMapping/>
+  </p:clrMapOvr>
+  <p:timing>
+    <p:tnLst>
+      <p:par>
+        <p:cTn id="1" dur="indefinite" restart="never" nodeType="tmRoot"/>
+      </p:par>
+    </p:tnLst>
+  </p:timing>
+</p:sld>
+</file>
+
+<file path=ppt/slides/slide93.xml><?xml version="1.0" encoding="utf-8"?>
+<p:sld xmlns:a="http://schemas.openxmlformats.org/drawingml/2006/main" xmlns:r="http://schemas.openxmlformats.org/officeDocument/2006/relationships" xmlns:p="http://schemas.openxmlformats.org/presentationml/2006/main">
+  <p:cSld>
+    <p:spTree>
+      <p:nvGrpSpPr>
+        <p:cNvPr id="1" name=""/>
+        <p:cNvGrpSpPr/>
+        <p:nvPr/>
+      </p:nvGrpSpPr>
+      <p:grpSpPr>
+        <a:xfrm>
+          <a:off x="0" y="0"/>
+          <a:ext cx="0" cy="0"/>
+          <a:chOff x="0" y="0"/>
+          <a:chExt cx="0" cy="0"/>
+        </a:xfrm>
+      </p:grpSpPr>
+      <p:sp>
+        <p:nvSpPr>
+          <p:cNvPr id="2" name="Título 1"/>
+          <p:cNvSpPr>
+            <a:spLocks noGrp="1"/>
+          </p:cNvSpPr>
+          <p:nvPr>
+            <p:ph type="title"/>
+          </p:nvPr>
+        </p:nvSpPr>
+        <p:spPr>
+          <a:xfrm>
+            <a:off x="167425" y="360607"/>
+            <a:ext cx="11925837" cy="875765"/>
+          </a:xfrm>
+        </p:spPr>
+        <p:txBody>
+          <a:bodyPr/>
+          <a:lstStyle/>
+          <a:p>
+            <a:r>
+              <a:rPr lang="es-PA" dirty="0" err="1" smtClean="0"/>
+              <a:t>Op-Amp</a:t>
+            </a:r>
+            <a:r>
+              <a:rPr lang="es-PA" dirty="0" smtClean="0"/>
+              <a:t> De Integración</a:t>
+            </a:r>
+            <a:endParaRPr lang="es-PA" dirty="0"/>
+          </a:p>
+        </p:txBody>
+      </p:sp>
+      <p:sp>
+        <p:nvSpPr>
+          <p:cNvPr id="3" name="Marcador de contenido 2"/>
+          <p:cNvSpPr>
+            <a:spLocks noGrp="1"/>
+          </p:cNvSpPr>
+          <p:nvPr>
+            <p:ph idx="1"/>
+          </p:nvPr>
+        </p:nvSpPr>
+        <p:spPr>
+          <a:xfrm>
+            <a:off x="310675" y="1335096"/>
+            <a:ext cx="11618089" cy="5044921"/>
+          </a:xfrm>
+        </p:spPr>
+        <p:txBody>
+          <a:bodyPr>
+            <a:normAutofit/>
+          </a:bodyPr>
+          <a:lstStyle/>
+          <a:p>
+            <a:r>
+              <a:rPr lang="es-PA" dirty="0" smtClean="0"/>
+              <a:t>Para un amplificador de </a:t>
+            </a:r>
+            <a:r>
+              <a:rPr lang="es-PA" dirty="0" err="1" smtClean="0"/>
+              <a:t>Millner</a:t>
+            </a:r>
+            <a:r>
+              <a:rPr lang="es-PA" dirty="0" smtClean="0"/>
+              <a:t> con señal</a:t>
+            </a:r>
+          </a:p>
+          <a:p>
+            <a:pPr lvl="1"/>
+            <a:r>
+              <a:rPr lang="es-PA" dirty="0" smtClean="0"/>
+              <a:t>1V @ 1ms de ancho de pulso</a:t>
+            </a:r>
+          </a:p>
+          <a:p>
+            <a:pPr lvl="1"/>
+            <a:r>
+              <a:rPr lang="es-PA" dirty="0" smtClean="0"/>
+              <a:t>R = 10k, C = 10nF</a:t>
+            </a:r>
+          </a:p>
+          <a:p>
+            <a:pPr lvl="1"/>
+            <a:r>
+              <a:rPr lang="es-PA" dirty="0" smtClean="0"/>
+              <a:t>1Mohm de </a:t>
+            </a:r>
+            <a:r>
+              <a:rPr lang="es-PA" dirty="0" err="1" smtClean="0"/>
+              <a:t>Shunt</a:t>
+            </a:r>
+            <a:r>
+              <a:rPr lang="es-PA" dirty="0" smtClean="0"/>
+              <a:t> resistor</a:t>
+            </a:r>
+          </a:p>
+          <a:p>
+            <a:pPr lvl="1"/>
+            <a:r>
+              <a:rPr lang="es-PA" dirty="0" smtClean="0"/>
+              <a:t>El </a:t>
+            </a:r>
+            <a:r>
+              <a:rPr lang="es-PA" dirty="0" err="1" smtClean="0"/>
+              <a:t>op</a:t>
+            </a:r>
+            <a:r>
+              <a:rPr lang="es-PA" dirty="0" smtClean="0"/>
+              <a:t> </a:t>
+            </a:r>
+            <a:r>
+              <a:rPr lang="es-PA" dirty="0" err="1" smtClean="0"/>
+              <a:t>amp</a:t>
+            </a:r>
+            <a:r>
+              <a:rPr lang="es-PA" dirty="0" smtClean="0"/>
+              <a:t> se satura a </a:t>
+            </a:r>
+            <a:r>
+              <a:rPr lang="es-PA" dirty="0" smtClean="0">
+                <a:sym typeface="Symbol" panose="05050102010706020507" pitchFamily="18" charset="2"/>
+              </a:rPr>
+              <a:t></a:t>
+            </a:r>
+            <a:r>
+              <a:rPr lang="es-PA" dirty="0" smtClean="0"/>
+              <a:t>13V</a:t>
+            </a:r>
+          </a:p>
+          <a:p>
+            <a:pPr lvl="1"/>
+            <a:r>
+              <a:rPr lang="es-PA" dirty="0" smtClean="0"/>
+              <a:t>¿Cómo será su respuesta?</a:t>
+            </a:r>
+            <a:endParaRPr lang="es-PA" dirty="0"/>
+          </a:p>
+          <a:p>
+            <a:endParaRPr lang="es-PA" dirty="0"/>
+          </a:p>
+          <a:p>
+            <a:endParaRPr lang="es-PA" dirty="0" smtClean="0"/>
+          </a:p>
+        </p:txBody>
+      </p:sp>
+      <p:pic>
+        <p:nvPicPr>
+          <p:cNvPr id="9" name="Imagen 8"/>
+          <p:cNvPicPr>
+            <a:picLocks noChangeAspect="1"/>
+          </p:cNvPicPr>
+          <p:nvPr/>
+        </p:nvPicPr>
+        <p:blipFill>
+          <a:blip r:embed="rId2"/>
+          <a:stretch>
+            <a:fillRect/>
+          </a:stretch>
+        </p:blipFill>
+        <p:spPr>
+          <a:xfrm>
+            <a:off x="9886748" y="898233"/>
+            <a:ext cx="1676400" cy="676275"/>
+          </a:xfrm>
+          <a:prstGeom prst="rect">
+            <a:avLst/>
+          </a:prstGeom>
+        </p:spPr>
+      </p:pic>
+      <p:pic>
+        <p:nvPicPr>
+          <p:cNvPr id="10" name="Imagen 9"/>
+          <p:cNvPicPr>
+            <a:picLocks noChangeAspect="1"/>
+          </p:cNvPicPr>
+          <p:nvPr/>
+        </p:nvPicPr>
+        <p:blipFill>
+          <a:blip r:embed="rId3"/>
+          <a:stretch>
+            <a:fillRect/>
+          </a:stretch>
+        </p:blipFill>
+        <p:spPr>
+          <a:xfrm>
+            <a:off x="7598536" y="444343"/>
+            <a:ext cx="1821979" cy="1584057"/>
+          </a:xfrm>
+          <a:prstGeom prst="rect">
+            <a:avLst/>
+          </a:prstGeom>
+        </p:spPr>
+      </p:pic>
+      <p:pic>
+        <p:nvPicPr>
+          <p:cNvPr id="6" name="Imagen 5"/>
+          <p:cNvPicPr>
+            <a:picLocks noChangeAspect="1"/>
+          </p:cNvPicPr>
+          <p:nvPr/>
+        </p:nvPicPr>
+        <p:blipFill>
+          <a:blip r:embed="rId4"/>
+          <a:stretch>
+            <a:fillRect/>
+          </a:stretch>
+        </p:blipFill>
+        <p:spPr>
+          <a:xfrm>
+            <a:off x="7598536" y="2499193"/>
+            <a:ext cx="3964612" cy="1478069"/>
+          </a:xfrm>
+          <a:prstGeom prst="rect">
+            <a:avLst/>
+          </a:prstGeom>
+        </p:spPr>
+      </p:pic>
+    </p:spTree>
+    <p:extLst>
+      <p:ext uri="{BB962C8B-B14F-4D97-AF65-F5344CB8AC3E}">
+        <p14:creationId xmlns:p14="http://schemas.microsoft.com/office/powerpoint/2010/main" val="4234685016"/>
+      </p:ext>
+    </p:extLst>
+  </p:cSld>
+  <p:clrMapOvr>
+    <a:masterClrMapping/>
+  </p:clrMapOvr>
+  <p:timing>
+    <p:tnLst>
+      <p:par>
+        <p:cTn id="1" dur="indefinite" restart="never" nodeType="tmRoot"/>
+      </p:par>
+    </p:tnLst>
+  </p:timing>
+</p:sld>
+</file>
+
+<file path=ppt/slides/slide94.xml><?xml version="1.0" encoding="utf-8"?>
+<p:sld xmlns:a="http://schemas.openxmlformats.org/drawingml/2006/main" xmlns:r="http://schemas.openxmlformats.org/officeDocument/2006/relationships" xmlns:p="http://schemas.openxmlformats.org/presentationml/2006/main">
+  <p:cSld>
+    <p:spTree>
+      <p:nvGrpSpPr>
+        <p:cNvPr id="1" name=""/>
+        <p:cNvGrpSpPr/>
+        <p:nvPr/>
+      </p:nvGrpSpPr>
+      <p:grpSpPr>
+        <a:xfrm>
+          <a:off x="0" y="0"/>
+          <a:ext cx="0" cy="0"/>
+          <a:chOff x="0" y="0"/>
+          <a:chExt cx="0" cy="0"/>
+        </a:xfrm>
+      </p:grpSpPr>
+      <p:sp>
+        <p:nvSpPr>
+          <p:cNvPr id="2" name="Título 1"/>
+          <p:cNvSpPr>
+            <a:spLocks noGrp="1"/>
+          </p:cNvSpPr>
+          <p:nvPr>
+            <p:ph type="title"/>
+          </p:nvPr>
+        </p:nvSpPr>
+        <p:spPr>
+          <a:xfrm>
+            <a:off x="167425" y="360607"/>
+            <a:ext cx="11925837" cy="875765"/>
+          </a:xfrm>
+        </p:spPr>
+        <p:txBody>
+          <a:bodyPr/>
+          <a:lstStyle/>
+          <a:p>
+            <a:r>
+              <a:rPr lang="es-PA" dirty="0" err="1" smtClean="0"/>
+              <a:t>Op-Amp</a:t>
+            </a:r>
+            <a:r>
+              <a:rPr lang="es-PA" dirty="0" smtClean="0"/>
+              <a:t> De Integración</a:t>
+            </a:r>
+            <a:endParaRPr lang="es-PA" dirty="0"/>
+          </a:p>
+        </p:txBody>
+      </p:sp>
+      <p:sp>
+        <p:nvSpPr>
+          <p:cNvPr id="3" name="Marcador de contenido 2"/>
+          <p:cNvSpPr>
+            <a:spLocks noGrp="1"/>
+          </p:cNvSpPr>
+          <p:nvPr>
+            <p:ph idx="1"/>
+          </p:nvPr>
+        </p:nvSpPr>
+        <p:spPr>
+          <a:xfrm>
+            <a:off x="310675" y="1335096"/>
+            <a:ext cx="11618089" cy="5044921"/>
+          </a:xfrm>
+        </p:spPr>
+        <p:txBody>
+          <a:bodyPr>
+            <a:normAutofit/>
+          </a:bodyPr>
+          <a:lstStyle/>
+          <a:p>
+            <a:r>
+              <a:rPr lang="es-PA" dirty="0" smtClean="0"/>
+              <a:t>Para un amplificador de </a:t>
+            </a:r>
+            <a:r>
+              <a:rPr lang="es-PA" dirty="0" err="1" smtClean="0"/>
+              <a:t>Millner</a:t>
+            </a:r>
+            <a:endParaRPr lang="es-PA" dirty="0" smtClean="0"/>
+          </a:p>
+          <a:p>
+            <a:endParaRPr lang="es-PA" dirty="0"/>
+          </a:p>
+          <a:p>
+            <a:endParaRPr lang="es-PA" dirty="0" smtClean="0"/>
+          </a:p>
+          <a:p>
+            <a:r>
+              <a:rPr lang="es-PA" dirty="0" smtClean="0"/>
+              <a:t>Podemos calcular también su carga/descarga</a:t>
+            </a:r>
+          </a:p>
+          <a:p>
+            <a:r>
+              <a:rPr lang="es-PA" dirty="0" smtClean="0"/>
+              <a:t>Tau = Rf*C</a:t>
+            </a:r>
+            <a:endParaRPr lang="es-PA" dirty="0"/>
+          </a:p>
+          <a:p>
+            <a:endParaRPr lang="es-PA" dirty="0"/>
+          </a:p>
+          <a:p>
+            <a:endParaRPr lang="es-PA" dirty="0" smtClean="0"/>
+          </a:p>
+        </p:txBody>
+      </p:sp>
+      <p:pic>
+        <p:nvPicPr>
+          <p:cNvPr id="5" name="Imagen 4"/>
+          <p:cNvPicPr>
+            <a:picLocks noChangeAspect="1"/>
+          </p:cNvPicPr>
+          <p:nvPr/>
+        </p:nvPicPr>
+        <p:blipFill>
+          <a:blip r:embed="rId2"/>
+          <a:stretch>
+            <a:fillRect/>
+          </a:stretch>
+        </p:blipFill>
+        <p:spPr>
+          <a:xfrm>
+            <a:off x="3852662" y="1785933"/>
+            <a:ext cx="2400300" cy="419100"/>
+          </a:xfrm>
+          <a:prstGeom prst="rect">
+            <a:avLst/>
+          </a:prstGeom>
+        </p:spPr>
+      </p:pic>
+      <p:pic>
+        <p:nvPicPr>
+          <p:cNvPr id="8" name="Imagen 7"/>
+          <p:cNvPicPr>
+            <a:picLocks noChangeAspect="1"/>
+          </p:cNvPicPr>
+          <p:nvPr/>
+        </p:nvPicPr>
+        <p:blipFill>
+          <a:blip r:embed="rId3"/>
+          <a:stretch>
+            <a:fillRect/>
+          </a:stretch>
+        </p:blipFill>
+        <p:spPr>
+          <a:xfrm>
+            <a:off x="781720" y="1785933"/>
+            <a:ext cx="2952750" cy="609600"/>
+          </a:xfrm>
+          <a:prstGeom prst="rect">
+            <a:avLst/>
+          </a:prstGeom>
+        </p:spPr>
+      </p:pic>
+      <p:pic>
+        <p:nvPicPr>
+          <p:cNvPr id="11" name="Imagen 10"/>
+          <p:cNvPicPr>
+            <a:picLocks noChangeAspect="1"/>
+          </p:cNvPicPr>
+          <p:nvPr/>
+        </p:nvPicPr>
+        <p:blipFill>
+          <a:blip r:embed="rId4"/>
+          <a:stretch>
+            <a:fillRect/>
+          </a:stretch>
+        </p:blipFill>
+        <p:spPr>
+          <a:xfrm>
+            <a:off x="6892856" y="1133406"/>
+            <a:ext cx="5010150" cy="2724150"/>
+          </a:xfrm>
+          <a:prstGeom prst="rect">
+            <a:avLst/>
+          </a:prstGeom>
+        </p:spPr>
+      </p:pic>
+      <p:pic>
+        <p:nvPicPr>
+          <p:cNvPr id="12" name="Imagen 11"/>
+          <p:cNvPicPr>
+            <a:picLocks noChangeAspect="1"/>
+          </p:cNvPicPr>
+          <p:nvPr/>
+        </p:nvPicPr>
+        <p:blipFill>
+          <a:blip r:embed="rId5"/>
+          <a:stretch>
+            <a:fillRect/>
+          </a:stretch>
+        </p:blipFill>
+        <p:spPr>
+          <a:xfrm>
+            <a:off x="580766" y="3713083"/>
+            <a:ext cx="3354658" cy="579441"/>
+          </a:xfrm>
+          <a:prstGeom prst="rect">
+            <a:avLst/>
+          </a:prstGeom>
+        </p:spPr>
+      </p:pic>
+      <p:pic>
+        <p:nvPicPr>
+          <p:cNvPr id="13" name="Imagen 12"/>
+          <p:cNvPicPr>
+            <a:picLocks noChangeAspect="1"/>
+          </p:cNvPicPr>
+          <p:nvPr/>
+        </p:nvPicPr>
+        <p:blipFill>
+          <a:blip r:embed="rId6"/>
+          <a:stretch>
+            <a:fillRect/>
+          </a:stretch>
+        </p:blipFill>
+        <p:spPr>
+          <a:xfrm>
+            <a:off x="580765" y="4391248"/>
+            <a:ext cx="3354659" cy="467827"/>
+          </a:xfrm>
+          <a:prstGeom prst="rect">
+            <a:avLst/>
+          </a:prstGeom>
+        </p:spPr>
+      </p:pic>
+      <p:pic>
+        <p:nvPicPr>
+          <p:cNvPr id="14" name="Imagen 13"/>
+          <p:cNvPicPr>
+            <a:picLocks noChangeAspect="1"/>
+          </p:cNvPicPr>
+          <p:nvPr/>
+        </p:nvPicPr>
+        <p:blipFill>
+          <a:blip r:embed="rId7"/>
+          <a:stretch>
+            <a:fillRect/>
+          </a:stretch>
+        </p:blipFill>
+        <p:spPr>
+          <a:xfrm>
+            <a:off x="4587184" y="3956280"/>
+            <a:ext cx="4611343" cy="2797894"/>
+          </a:xfrm>
+          <a:prstGeom prst="rect">
+            <a:avLst/>
+          </a:prstGeom>
+        </p:spPr>
+      </p:pic>
+    </p:spTree>
+    <p:extLst>
+      <p:ext uri="{BB962C8B-B14F-4D97-AF65-F5344CB8AC3E}">
+        <p14:creationId xmlns:p14="http://schemas.microsoft.com/office/powerpoint/2010/main" val="2045754757"/>
+      </p:ext>
+    </p:extLst>
+  </p:cSld>
+  <p:clrMapOvr>
+    <a:masterClrMapping/>
+  </p:clrMapOvr>
+  <p:timing>
+    <p:tnLst>
+      <p:par>
+        <p:cTn id="1" dur="indefinite" restart="never" nodeType="tmRoot"/>
+      </p:par>
+    </p:tnLst>
+  </p:timing>
+</p:sld>
+</file>
+
+<file path=ppt/slides/slide95.xml><?xml version="1.0" encoding="utf-8"?>
+<p:sld xmlns:a="http://schemas.openxmlformats.org/drawingml/2006/main" xmlns:r="http://schemas.openxmlformats.org/officeDocument/2006/relationships" xmlns:p="http://schemas.openxmlformats.org/presentationml/2006/main">
+  <p:cSld>
+    <p:spTree>
+      <p:nvGrpSpPr>
+        <p:cNvPr id="1" name=""/>
+        <p:cNvGrpSpPr/>
+        <p:nvPr/>
+      </p:nvGrpSpPr>
+      <p:grpSpPr>
+        <a:xfrm>
+          <a:off x="0" y="0"/>
+          <a:ext cx="0" cy="0"/>
+          <a:chOff x="0" y="0"/>
+          <a:chExt cx="0" cy="0"/>
+        </a:xfrm>
+      </p:grpSpPr>
+      <p:sp>
+        <p:nvSpPr>
+          <p:cNvPr id="2" name="Título 1"/>
+          <p:cNvSpPr>
+            <a:spLocks noGrp="1"/>
+          </p:cNvSpPr>
+          <p:nvPr>
+            <p:ph type="title"/>
+          </p:nvPr>
+        </p:nvSpPr>
+        <p:spPr>
+          <a:xfrm>
+            <a:off x="167425" y="360607"/>
+            <a:ext cx="11925837" cy="875765"/>
+          </a:xfrm>
+        </p:spPr>
+        <p:txBody>
+          <a:bodyPr/>
+          <a:lstStyle/>
+          <a:p>
+            <a:r>
+              <a:rPr lang="es-PA" dirty="0" err="1" smtClean="0"/>
+              <a:t>Op-Amp</a:t>
+            </a:r>
+            <a:r>
+              <a:rPr lang="es-PA" dirty="0" smtClean="0"/>
+              <a:t> De Diferenciación</a:t>
+            </a:r>
+            <a:endParaRPr lang="es-PA" dirty="0"/>
+          </a:p>
+        </p:txBody>
+      </p:sp>
+      <p:sp>
+        <p:nvSpPr>
+          <p:cNvPr id="3" name="Marcador de contenido 2"/>
+          <p:cNvSpPr>
+            <a:spLocks noGrp="1"/>
+          </p:cNvSpPr>
+          <p:nvPr>
+            <p:ph idx="1"/>
+          </p:nvPr>
+        </p:nvSpPr>
+        <p:spPr>
+          <a:xfrm>
+            <a:off x="310675" y="1335096"/>
+            <a:ext cx="11618089" cy="5044921"/>
+          </a:xfrm>
+        </p:spPr>
+        <p:txBody>
+          <a:bodyPr>
+            <a:normAutofit/>
+          </a:bodyPr>
+          <a:lstStyle/>
+          <a:p>
+            <a:r>
+              <a:rPr lang="es-PA" dirty="0" smtClean="0"/>
+              <a:t>Si se intercambia el capacitor de posición se tiene un integrador</a:t>
+            </a:r>
+            <a:endParaRPr lang="es-PA" dirty="0"/>
+          </a:p>
+          <a:p>
+            <a:r>
+              <a:rPr lang="es-PA" dirty="0" smtClean="0"/>
+              <a:t>El voltaje de salida es:</a:t>
+            </a:r>
+          </a:p>
+          <a:p>
+            <a:endParaRPr lang="es-PA" dirty="0" smtClean="0"/>
+          </a:p>
+          <a:p>
+            <a:r>
+              <a:rPr lang="es-PA" dirty="0" smtClean="0"/>
+              <a:t>Su función de transferencia </a:t>
+            </a:r>
+          </a:p>
+          <a:p>
+            <a:endParaRPr lang="es-PA" dirty="0"/>
+          </a:p>
+          <a:p>
+            <a:r>
+              <a:rPr lang="es-PA" dirty="0" smtClean="0"/>
+              <a:t>Que cuando s = </a:t>
+            </a:r>
+            <a:r>
+              <a:rPr lang="es-PA" dirty="0" err="1" smtClean="0"/>
+              <a:t>wj</a:t>
+            </a:r>
+            <a:endParaRPr lang="es-PA" dirty="0" smtClean="0"/>
+          </a:p>
+          <a:p>
+            <a:endParaRPr lang="es-PA" dirty="0"/>
+          </a:p>
+          <a:p>
+            <a:endParaRPr lang="es-PA" dirty="0" smtClean="0"/>
+          </a:p>
+          <a:p>
+            <a:r>
+              <a:rPr lang="es-PA" dirty="0" smtClean="0"/>
+              <a:t>La magnitud es: </a:t>
+            </a:r>
+          </a:p>
+          <a:p>
+            <a:endParaRPr lang="es-PA" dirty="0"/>
+          </a:p>
+          <a:p>
+            <a:r>
+              <a:rPr lang="es-PA" dirty="0" smtClean="0"/>
+              <a:t>La fase es: </a:t>
+            </a:r>
+          </a:p>
+        </p:txBody>
+      </p:sp>
+      <p:pic>
+        <p:nvPicPr>
+          <p:cNvPr id="4" name="Imagen 3"/>
+          <p:cNvPicPr>
+            <a:picLocks noChangeAspect="1"/>
+          </p:cNvPicPr>
+          <p:nvPr/>
+        </p:nvPicPr>
+        <p:blipFill>
+          <a:blip r:embed="rId2"/>
+          <a:stretch>
+            <a:fillRect/>
+          </a:stretch>
+        </p:blipFill>
+        <p:spPr>
+          <a:xfrm>
+            <a:off x="7387912" y="1725099"/>
+            <a:ext cx="4705350" cy="1733550"/>
+          </a:xfrm>
+          <a:prstGeom prst="rect">
+            <a:avLst/>
+          </a:prstGeom>
+        </p:spPr>
+      </p:pic>
+      <p:pic>
+        <p:nvPicPr>
+          <p:cNvPr id="6" name="Imagen 5"/>
+          <p:cNvPicPr>
+            <a:picLocks noChangeAspect="1"/>
+          </p:cNvPicPr>
+          <p:nvPr/>
+        </p:nvPicPr>
+        <p:blipFill>
+          <a:blip r:embed="rId3"/>
+          <a:stretch>
+            <a:fillRect/>
+          </a:stretch>
+        </p:blipFill>
+        <p:spPr>
+          <a:xfrm>
+            <a:off x="7387912" y="3625401"/>
+            <a:ext cx="3817538" cy="2754616"/>
+          </a:xfrm>
+          <a:prstGeom prst="rect">
+            <a:avLst/>
+          </a:prstGeom>
+        </p:spPr>
+      </p:pic>
+      <p:pic>
+        <p:nvPicPr>
+          <p:cNvPr id="7" name="Imagen 6"/>
+          <p:cNvPicPr>
+            <a:picLocks noChangeAspect="1"/>
+          </p:cNvPicPr>
+          <p:nvPr/>
+        </p:nvPicPr>
+        <p:blipFill>
+          <a:blip r:embed="rId4"/>
+          <a:stretch>
+            <a:fillRect/>
+          </a:stretch>
+        </p:blipFill>
+        <p:spPr>
+          <a:xfrm>
+            <a:off x="3670344" y="1725099"/>
+            <a:ext cx="1993783" cy="721887"/>
+          </a:xfrm>
+          <a:prstGeom prst="rect">
+            <a:avLst/>
+          </a:prstGeom>
+        </p:spPr>
+      </p:pic>
+      <p:pic>
+        <p:nvPicPr>
+          <p:cNvPr id="9" name="Imagen 8"/>
+          <p:cNvPicPr>
+            <a:picLocks noChangeAspect="1"/>
+          </p:cNvPicPr>
+          <p:nvPr/>
+        </p:nvPicPr>
+        <p:blipFill>
+          <a:blip r:embed="rId5"/>
+          <a:stretch>
+            <a:fillRect/>
+          </a:stretch>
+        </p:blipFill>
+        <p:spPr>
+          <a:xfrm>
+            <a:off x="4340152" y="2663379"/>
+            <a:ext cx="1323975" cy="647700"/>
+          </a:xfrm>
+          <a:prstGeom prst="rect">
+            <a:avLst/>
+          </a:prstGeom>
+        </p:spPr>
+      </p:pic>
+      <p:pic>
+        <p:nvPicPr>
+          <p:cNvPr id="10" name="Imagen 9"/>
+          <p:cNvPicPr>
+            <a:picLocks noChangeAspect="1"/>
+          </p:cNvPicPr>
+          <p:nvPr/>
+        </p:nvPicPr>
+        <p:blipFill>
+          <a:blip r:embed="rId6"/>
+          <a:stretch>
+            <a:fillRect/>
+          </a:stretch>
+        </p:blipFill>
+        <p:spPr>
+          <a:xfrm>
+            <a:off x="3313425" y="3625401"/>
+            <a:ext cx="1664253" cy="689022"/>
+          </a:xfrm>
+          <a:prstGeom prst="rect">
+            <a:avLst/>
+          </a:prstGeom>
+        </p:spPr>
+      </p:pic>
+      <p:pic>
+        <p:nvPicPr>
+          <p:cNvPr id="15" name="Imagen 14"/>
+          <p:cNvPicPr>
+            <a:picLocks noChangeAspect="1"/>
+          </p:cNvPicPr>
+          <p:nvPr/>
+        </p:nvPicPr>
+        <p:blipFill>
+          <a:blip r:embed="rId7"/>
+          <a:stretch>
+            <a:fillRect/>
+          </a:stretch>
+        </p:blipFill>
+        <p:spPr>
+          <a:xfrm>
+            <a:off x="2887900" y="4628745"/>
+            <a:ext cx="1564888" cy="745767"/>
+          </a:xfrm>
+          <a:prstGeom prst="rect">
+            <a:avLst/>
+          </a:prstGeom>
+        </p:spPr>
+      </p:pic>
+      <p:pic>
+        <p:nvPicPr>
+          <p:cNvPr id="16" name="Imagen 15"/>
+          <p:cNvPicPr>
+            <a:picLocks noChangeAspect="1"/>
+          </p:cNvPicPr>
+          <p:nvPr/>
+        </p:nvPicPr>
+        <p:blipFill>
+          <a:blip r:embed="rId8"/>
+          <a:stretch>
+            <a:fillRect/>
+          </a:stretch>
+        </p:blipFill>
+        <p:spPr>
+          <a:xfrm>
+            <a:off x="2243540" y="5688834"/>
+            <a:ext cx="1163427" cy="428631"/>
+          </a:xfrm>
+          <a:prstGeom prst="rect">
+            <a:avLst/>
+          </a:prstGeom>
+        </p:spPr>
+      </p:pic>
+    </p:spTree>
+    <p:extLst>
+      <p:ext uri="{BB962C8B-B14F-4D97-AF65-F5344CB8AC3E}">
+        <p14:creationId xmlns:p14="http://schemas.microsoft.com/office/powerpoint/2010/main" val="2207411745"/>
+      </p:ext>
+    </p:extLst>
+  </p:cSld>
+  <p:clrMapOvr>
+    <a:masterClrMapping/>
+  </p:clrMapOvr>
+  <p:timing>
+    <p:tnLst>
+      <p:par>
+        <p:cTn id="1" dur="indefinite" restart="never" nodeType="tmRoot"/>
+      </p:par>
+    </p:tnLst>
+  </p:timing>
+</p:sld>
+</file>
+
+<file path=ppt/slides/slide96.xml><?xml version="1.0" encoding="utf-8"?>
+<p:sld xmlns:a="http://schemas.openxmlformats.org/drawingml/2006/main" xmlns:r="http://schemas.openxmlformats.org/officeDocument/2006/relationships" xmlns:p="http://schemas.openxmlformats.org/presentationml/2006/main">
+  <p:cSld>
+    <p:spTree>
+      <p:nvGrpSpPr>
+        <p:cNvPr id="1" name=""/>
+        <p:cNvGrpSpPr/>
+        <p:nvPr/>
+      </p:nvGrpSpPr>
+      <p:grpSpPr>
+        <a:xfrm>
+          <a:off x="0" y="0"/>
+          <a:ext cx="0" cy="0"/>
+          <a:chOff x="0" y="0"/>
+          <a:chExt cx="0" cy="0"/>
+        </a:xfrm>
+      </p:grpSpPr>
+      <p:sp>
+        <p:nvSpPr>
+          <p:cNvPr id="2" name="Título 1"/>
+          <p:cNvSpPr>
+            <a:spLocks noGrp="1"/>
+          </p:cNvSpPr>
+          <p:nvPr>
+            <p:ph type="title"/>
+          </p:nvPr>
+        </p:nvSpPr>
+        <p:spPr>
+          <a:xfrm>
+            <a:off x="167425" y="360607"/>
+            <a:ext cx="11925837" cy="875765"/>
+          </a:xfrm>
+        </p:spPr>
+        <p:txBody>
+          <a:bodyPr/>
+          <a:lstStyle/>
+          <a:p>
+            <a:r>
+              <a:rPr lang="es-PA" dirty="0" smtClean="0"/>
+              <a:t>Imperfecciones DC de </a:t>
+            </a:r>
+            <a:r>
+              <a:rPr lang="es-PA" dirty="0" err="1" smtClean="0"/>
+              <a:t>Op-Amps</a:t>
+            </a:r>
+            <a:endParaRPr lang="es-PA" dirty="0"/>
+          </a:p>
+        </p:txBody>
+      </p:sp>
+      <p:sp>
+        <p:nvSpPr>
+          <p:cNvPr id="3" name="Marcador de contenido 2"/>
+          <p:cNvSpPr>
+            <a:spLocks noGrp="1"/>
+          </p:cNvSpPr>
+          <p:nvPr>
+            <p:ph idx="1"/>
+          </p:nvPr>
+        </p:nvSpPr>
+        <p:spPr>
+          <a:xfrm>
+            <a:off x="310675" y="1335096"/>
+            <a:ext cx="11618089" cy="5044921"/>
+          </a:xfrm>
+        </p:spPr>
+        <p:txBody>
+          <a:bodyPr>
+            <a:normAutofit/>
+          </a:bodyPr>
+          <a:lstStyle/>
+          <a:p>
+            <a:r>
+              <a:rPr lang="es-PA" dirty="0" smtClean="0"/>
+              <a:t>Aún cuando el circuito de </a:t>
+            </a:r>
+            <a:r>
+              <a:rPr lang="es-PA" dirty="0" err="1" smtClean="0"/>
+              <a:t>Op-Amp</a:t>
+            </a:r>
+            <a:r>
+              <a:rPr lang="es-PA" dirty="0" smtClean="0"/>
+              <a:t> ideal es suficiente para diseño debemos tener en cuenta las características reales de los elementos</a:t>
+            </a:r>
+          </a:p>
+          <a:p>
+            <a:r>
+              <a:rPr lang="es-PA" dirty="0" smtClean="0"/>
+              <a:t>Como están expuestos a alta ganancia de DC tienen los problemas comunes de DC como el voltaje de offset en DC</a:t>
+            </a:r>
+          </a:p>
+          <a:p>
+            <a:pPr lvl="1"/>
+            <a:r>
+              <a:rPr lang="es-PA" dirty="0" err="1" smtClean="0"/>
+              <a:t>p.e</a:t>
+            </a:r>
+            <a:r>
+              <a:rPr lang="es-PA" dirty="0" smtClean="0"/>
+              <a:t>.  </a:t>
+            </a:r>
+            <a:r>
+              <a:rPr lang="es-PA" dirty="0" smtClean="0"/>
+              <a:t>al conectar ambas entradas a GND la salida no es 0</a:t>
+            </a:r>
+          </a:p>
+          <a:p>
+            <a:r>
+              <a:rPr lang="es-PA" dirty="0" smtClean="0"/>
+              <a:t>Si tiene alta ganancia entonces estará a nivel de saturación (+VCC o –VCC)</a:t>
+            </a:r>
+          </a:p>
+          <a:p>
+            <a:r>
+              <a:rPr lang="es-PA" dirty="0" smtClean="0"/>
+              <a:t>Se debe aplicar un voltaje de entrada de offset (Vos) de igual magnitud y polaridad opuesta</a:t>
+            </a:r>
+          </a:p>
+          <a:p>
+            <a:r>
+              <a:rPr lang="es-PA" dirty="0" smtClean="0"/>
+              <a:t>El </a:t>
+            </a:r>
+            <a:r>
+              <a:rPr lang="es-PA" dirty="0" err="1" smtClean="0"/>
+              <a:t>datasheet</a:t>
+            </a:r>
+            <a:r>
+              <a:rPr lang="es-PA" dirty="0" smtClean="0"/>
+              <a:t> del </a:t>
+            </a:r>
+            <a:r>
+              <a:rPr lang="es-PA" dirty="0" err="1" smtClean="0"/>
+              <a:t>op-amp</a:t>
+            </a:r>
+            <a:r>
+              <a:rPr lang="es-PA" dirty="0" smtClean="0"/>
+              <a:t> especifica el Vos en </a:t>
+            </a:r>
+            <a:r>
+              <a:rPr lang="es-PA" dirty="0" smtClean="0">
+                <a:sym typeface="Symbol" panose="05050102010706020507" pitchFamily="18" charset="2"/>
+              </a:rPr>
+              <a:t>V/°C</a:t>
+            </a:r>
+            <a:endParaRPr lang="es-PA" dirty="0"/>
+          </a:p>
+          <a:p>
+            <a:endParaRPr lang="es-PA" dirty="0" smtClean="0"/>
+          </a:p>
+        </p:txBody>
+      </p:sp>
+      <p:pic>
+        <p:nvPicPr>
+          <p:cNvPr id="5" name="Imagen 4"/>
+          <p:cNvPicPr>
+            <a:picLocks noChangeAspect="1"/>
+          </p:cNvPicPr>
+          <p:nvPr/>
+        </p:nvPicPr>
+        <p:blipFill>
+          <a:blip r:embed="rId2"/>
+          <a:stretch>
+            <a:fillRect/>
+          </a:stretch>
+        </p:blipFill>
+        <p:spPr>
+          <a:xfrm>
+            <a:off x="7843233" y="4181228"/>
+            <a:ext cx="2978105" cy="2448103"/>
+          </a:xfrm>
+          <a:prstGeom prst="rect">
+            <a:avLst/>
+          </a:prstGeom>
+        </p:spPr>
+      </p:pic>
+    </p:spTree>
+    <p:extLst>
+      <p:ext uri="{BB962C8B-B14F-4D97-AF65-F5344CB8AC3E}">
+        <p14:creationId xmlns:p14="http://schemas.microsoft.com/office/powerpoint/2010/main" val="3769946713"/>
+      </p:ext>
+    </p:extLst>
+  </p:cSld>
+  <p:clrMapOvr>
+    <a:masterClrMapping/>
+  </p:clrMapOvr>
+  <p:timing>
+    <p:tnLst>
+      <p:par>
+        <p:cTn id="1" dur="indefinite" restart="never" nodeType="tmRoot"/>
+      </p:par>
+    </p:tnLst>
+  </p:timing>
+</p:sld>
+</file>
+
+<file path=ppt/slides/slide97.xml><?xml version="1.0" encoding="utf-8"?>
+<p:sld xmlns:a="http://schemas.openxmlformats.org/drawingml/2006/main" xmlns:r="http://schemas.openxmlformats.org/officeDocument/2006/relationships" xmlns:p="http://schemas.openxmlformats.org/presentationml/2006/main">
+  <p:cSld>
+    <p:spTree>
+      <p:nvGrpSpPr>
+        <p:cNvPr id="1" name=""/>
+        <p:cNvGrpSpPr/>
+        <p:nvPr/>
+      </p:nvGrpSpPr>
+      <p:grpSpPr>
+        <a:xfrm>
+          <a:off x="0" y="0"/>
+          <a:ext cx="0" cy="0"/>
+          <a:chOff x="0" y="0"/>
+          <a:chExt cx="0" cy="0"/>
+        </a:xfrm>
+      </p:grpSpPr>
+      <p:sp>
+        <p:nvSpPr>
+          <p:cNvPr id="2" name="Título 1"/>
+          <p:cNvSpPr>
+            <a:spLocks noGrp="1"/>
+          </p:cNvSpPr>
+          <p:nvPr>
+            <p:ph type="title"/>
+          </p:nvPr>
+        </p:nvSpPr>
+        <p:spPr>
+          <a:xfrm>
+            <a:off x="167425" y="360607"/>
+            <a:ext cx="11925837" cy="875765"/>
+          </a:xfrm>
+        </p:spPr>
+        <p:txBody>
+          <a:bodyPr/>
+          <a:lstStyle/>
+          <a:p>
+            <a:r>
+              <a:rPr lang="es-PA" dirty="0" smtClean="0"/>
+              <a:t>Imperfecciones DC de </a:t>
+            </a:r>
+            <a:r>
+              <a:rPr lang="es-PA" dirty="0" err="1" smtClean="0"/>
+              <a:t>Op-Amps</a:t>
+            </a:r>
+            <a:endParaRPr lang="es-PA" dirty="0"/>
+          </a:p>
+        </p:txBody>
+      </p:sp>
+      <p:sp>
+        <p:nvSpPr>
+          <p:cNvPr id="3" name="Marcador de contenido 2"/>
+          <p:cNvSpPr>
+            <a:spLocks noGrp="1"/>
+          </p:cNvSpPr>
+          <p:nvPr>
+            <p:ph idx="1"/>
+          </p:nvPr>
+        </p:nvSpPr>
+        <p:spPr>
+          <a:xfrm>
+            <a:off x="310675" y="1335096"/>
+            <a:ext cx="11618089" cy="5044921"/>
+          </a:xfrm>
+        </p:spPr>
+        <p:txBody>
+          <a:bodyPr>
+            <a:normAutofit/>
+          </a:bodyPr>
+          <a:lstStyle/>
+          <a:p>
+            <a:r>
+              <a:rPr lang="es-PA" dirty="0" smtClean="0"/>
+              <a:t>Utilizando el modelo del </a:t>
+            </a:r>
+            <a:r>
+              <a:rPr lang="es-PA" dirty="0" err="1" smtClean="0"/>
+              <a:t>op-amp</a:t>
+            </a:r>
+            <a:r>
+              <a:rPr lang="es-PA" dirty="0" smtClean="0"/>
+              <a:t> que se muestra si este tiene las siguientes característica</a:t>
+            </a:r>
+          </a:p>
+          <a:p>
+            <a:pPr lvl="1"/>
+            <a:r>
+              <a:rPr lang="es-PA" dirty="0" err="1" smtClean="0"/>
+              <a:t>Vo</a:t>
+            </a:r>
+            <a:r>
+              <a:rPr lang="es-PA" dirty="0" smtClean="0"/>
+              <a:t> = v3</a:t>
+            </a:r>
+          </a:p>
+          <a:p>
+            <a:pPr lvl="1"/>
+            <a:r>
+              <a:rPr lang="es-PA" dirty="0" err="1" smtClean="0"/>
+              <a:t>Av</a:t>
+            </a:r>
+            <a:r>
+              <a:rPr lang="es-PA" dirty="0" smtClean="0"/>
+              <a:t> = 10^4 V/V</a:t>
+            </a:r>
+          </a:p>
+          <a:p>
+            <a:pPr lvl="1"/>
+            <a:r>
+              <a:rPr lang="es-PA" dirty="0" smtClean="0"/>
+              <a:t>V+ = 10V V- = -10V</a:t>
+            </a:r>
+          </a:p>
+          <a:p>
+            <a:pPr lvl="1"/>
+            <a:r>
+              <a:rPr lang="es-PA" dirty="0" smtClean="0"/>
+              <a:t>Vos = 5mV</a:t>
+            </a:r>
+            <a:endParaRPr lang="es-PA" dirty="0"/>
+          </a:p>
+          <a:p>
+            <a:endParaRPr lang="es-PA" dirty="0" smtClean="0"/>
+          </a:p>
+        </p:txBody>
+      </p:sp>
+      <p:pic>
+        <p:nvPicPr>
+          <p:cNvPr id="5" name="Imagen 4"/>
+          <p:cNvPicPr>
+            <a:picLocks noChangeAspect="1"/>
+          </p:cNvPicPr>
+          <p:nvPr/>
+        </p:nvPicPr>
+        <p:blipFill>
+          <a:blip r:embed="rId2"/>
+          <a:stretch>
+            <a:fillRect/>
+          </a:stretch>
+        </p:blipFill>
+        <p:spPr>
+          <a:xfrm>
+            <a:off x="6452314" y="1940304"/>
+            <a:ext cx="2978105" cy="2448103"/>
+          </a:xfrm>
+          <a:prstGeom prst="rect">
+            <a:avLst/>
+          </a:prstGeom>
+        </p:spPr>
+      </p:pic>
+      <p:pic>
+        <p:nvPicPr>
+          <p:cNvPr id="4" name="Imagen 3"/>
+          <p:cNvPicPr>
+            <a:picLocks noChangeAspect="1"/>
+          </p:cNvPicPr>
+          <p:nvPr/>
+        </p:nvPicPr>
+        <p:blipFill>
+          <a:blip r:embed="rId3"/>
+          <a:stretch>
+            <a:fillRect/>
+          </a:stretch>
+        </p:blipFill>
+        <p:spPr>
+          <a:xfrm>
+            <a:off x="1090732" y="3350988"/>
+            <a:ext cx="4581525" cy="3324225"/>
+          </a:xfrm>
+          <a:prstGeom prst="rect">
+            <a:avLst/>
+          </a:prstGeom>
+        </p:spPr>
+      </p:pic>
+    </p:spTree>
+    <p:extLst>
+      <p:ext uri="{BB962C8B-B14F-4D97-AF65-F5344CB8AC3E}">
+        <p14:creationId xmlns:p14="http://schemas.microsoft.com/office/powerpoint/2010/main" val="3957435951"/>
+      </p:ext>
+    </p:extLst>
+  </p:cSld>
+  <p:clrMapOvr>
+    <a:masterClrMapping/>
+  </p:clrMapOvr>
+  <p:timing>
+    <p:tnLst>
+      <p:par>
+        <p:cTn id="1" dur="indefinite" restart="never" nodeType="tmRoot"/>
+      </p:par>
+    </p:tnLst>
+  </p:timing>
+</p:sld>
+</file>
+
+<file path=ppt/slides/slide98.xml><?xml version="1.0" encoding="utf-8"?>
+<p:sld xmlns:a="http://schemas.openxmlformats.org/drawingml/2006/main" xmlns:r="http://schemas.openxmlformats.org/officeDocument/2006/relationships" xmlns:p="http://schemas.openxmlformats.org/presentationml/2006/main">
+  <p:cSld>
+    <p:spTree>
+      <p:nvGrpSpPr>
+        <p:cNvPr id="1" name=""/>
+        <p:cNvGrpSpPr/>
+        <p:nvPr/>
+      </p:nvGrpSpPr>
+      <p:grpSpPr>
+        <a:xfrm>
+          <a:off x="0" y="0"/>
+          <a:ext cx="0" cy="0"/>
+          <a:chOff x="0" y="0"/>
+          <a:chExt cx="0" cy="0"/>
+        </a:xfrm>
+      </p:grpSpPr>
+      <p:sp>
+        <p:nvSpPr>
+          <p:cNvPr id="2" name="Título 1"/>
+          <p:cNvSpPr>
+            <a:spLocks noGrp="1"/>
+          </p:cNvSpPr>
+          <p:nvPr>
+            <p:ph type="title"/>
+          </p:nvPr>
+        </p:nvSpPr>
+        <p:spPr>
+          <a:xfrm>
+            <a:off x="167425" y="360607"/>
+            <a:ext cx="11925837" cy="875765"/>
+          </a:xfrm>
+        </p:spPr>
+        <p:txBody>
+          <a:bodyPr/>
+          <a:lstStyle/>
+          <a:p>
+            <a:r>
+              <a:rPr lang="es-PA" dirty="0" smtClean="0"/>
+              <a:t>Imperfecciones DC de </a:t>
+            </a:r>
+            <a:r>
+              <a:rPr lang="es-PA" dirty="0" err="1" smtClean="0"/>
+              <a:t>Op-Amps</a:t>
+            </a:r>
+            <a:endParaRPr lang="es-PA" dirty="0"/>
+          </a:p>
+        </p:txBody>
+      </p:sp>
+      <p:sp>
+        <p:nvSpPr>
+          <p:cNvPr id="3" name="Marcador de contenido 2"/>
+          <p:cNvSpPr>
+            <a:spLocks noGrp="1"/>
+          </p:cNvSpPr>
+          <p:nvPr>
+            <p:ph idx="1"/>
+          </p:nvPr>
+        </p:nvSpPr>
+        <p:spPr>
+          <a:xfrm>
+            <a:off x="310675" y="1335096"/>
+            <a:ext cx="11618089" cy="5044921"/>
+          </a:xfrm>
+        </p:spPr>
+        <p:txBody>
+          <a:bodyPr>
+            <a:normAutofit/>
+          </a:bodyPr>
+          <a:lstStyle/>
+          <a:p>
+            <a:r>
+              <a:rPr lang="es-PA" dirty="0" smtClean="0"/>
+              <a:t>El modelo de un amplificador inversor con las entradas a tierra e imperfección de offset se muestra como sigue:</a:t>
+            </a:r>
+          </a:p>
+          <a:p>
+            <a:endParaRPr lang="es-PA" dirty="0"/>
+          </a:p>
+          <a:p>
+            <a:endParaRPr lang="es-PA" dirty="0" smtClean="0"/>
+          </a:p>
+          <a:p>
+            <a:endParaRPr lang="es-PA" dirty="0"/>
+          </a:p>
+          <a:p>
+            <a:endParaRPr lang="es-PA" dirty="0" smtClean="0"/>
+          </a:p>
+          <a:p>
+            <a:r>
+              <a:rPr lang="es-PA" dirty="0" smtClean="0"/>
+              <a:t>La salida puede ser de alta magnitud, </a:t>
+            </a:r>
+            <a:r>
+              <a:rPr lang="es-PA" dirty="0" err="1" smtClean="0"/>
+              <a:t>p.e</a:t>
+            </a:r>
+            <a:r>
+              <a:rPr lang="es-PA" dirty="0" smtClean="0"/>
+              <a:t>. si es de 5mV a una ganancia de 1000 puede tener voltajes de salida de +5V o -5V en vez de 0V.</a:t>
+            </a:r>
+          </a:p>
+          <a:p>
+            <a:r>
+              <a:rPr lang="es-PA" dirty="0" smtClean="0"/>
+              <a:t>La señal será superpuesta a este DC y es difícil decir si este offset proviene de Vos o la señal.</a:t>
+            </a:r>
+            <a:endParaRPr lang="es-PA" dirty="0"/>
+          </a:p>
+          <a:p>
+            <a:r>
+              <a:rPr lang="es-PA" dirty="0" smtClean="0"/>
+              <a:t>Para eliminar este efecto se puede tener desacoplado en DC</a:t>
+            </a:r>
+          </a:p>
+        </p:txBody>
+      </p:sp>
+      <p:pic>
+        <p:nvPicPr>
+          <p:cNvPr id="6" name="Imagen 5"/>
+          <p:cNvPicPr>
+            <a:picLocks noChangeAspect="1"/>
+          </p:cNvPicPr>
+          <p:nvPr/>
+        </p:nvPicPr>
+        <p:blipFill>
+          <a:blip r:embed="rId2"/>
+          <a:stretch>
+            <a:fillRect/>
+          </a:stretch>
+        </p:blipFill>
+        <p:spPr>
+          <a:xfrm>
+            <a:off x="6903072" y="1720537"/>
+            <a:ext cx="1982616" cy="813381"/>
+          </a:xfrm>
+          <a:prstGeom prst="rect">
+            <a:avLst/>
+          </a:prstGeom>
+        </p:spPr>
+      </p:pic>
+      <p:pic>
+        <p:nvPicPr>
+          <p:cNvPr id="7" name="Imagen 6"/>
+          <p:cNvPicPr>
+            <a:picLocks noChangeAspect="1"/>
+          </p:cNvPicPr>
+          <p:nvPr/>
+        </p:nvPicPr>
+        <p:blipFill>
+          <a:blip r:embed="rId3"/>
+          <a:stretch>
+            <a:fillRect/>
+          </a:stretch>
+        </p:blipFill>
+        <p:spPr>
+          <a:xfrm>
+            <a:off x="3728015" y="1720537"/>
+            <a:ext cx="3046311" cy="1898426"/>
+          </a:xfrm>
+          <a:prstGeom prst="rect">
+            <a:avLst/>
+          </a:prstGeom>
+        </p:spPr>
+      </p:pic>
+      <p:pic>
+        <p:nvPicPr>
+          <p:cNvPr id="8" name="Imagen 7"/>
+          <p:cNvPicPr>
+            <a:picLocks noChangeAspect="1"/>
+          </p:cNvPicPr>
+          <p:nvPr/>
+        </p:nvPicPr>
+        <p:blipFill>
+          <a:blip r:embed="rId4"/>
+          <a:stretch>
+            <a:fillRect/>
+          </a:stretch>
+        </p:blipFill>
+        <p:spPr>
+          <a:xfrm>
+            <a:off x="8684921" y="4908083"/>
+            <a:ext cx="2781300" cy="1857375"/>
+          </a:xfrm>
+          <a:prstGeom prst="rect">
+            <a:avLst/>
+          </a:prstGeom>
+        </p:spPr>
+      </p:pic>
+    </p:spTree>
+    <p:extLst>
+      <p:ext uri="{BB962C8B-B14F-4D97-AF65-F5344CB8AC3E}">
+        <p14:creationId xmlns:p14="http://schemas.microsoft.com/office/powerpoint/2010/main" val="1848332041"/>
+      </p:ext>
+    </p:extLst>
+  </p:cSld>
+  <p:clrMapOvr>
+    <a:masterClrMapping/>
+  </p:clrMapOvr>
+  <p:timing>
+    <p:tnLst>
+      <p:par>
+        <p:cTn id="1" dur="indefinite" restart="never" nodeType="tmRoot"/>
+      </p:par>
+    </p:tnLst>
+  </p:timing>
+</p:sld>
+</file>
+
+<file path=ppt/slides/slide99.xml><?xml version="1.0" encoding="utf-8"?>
+<p:sld xmlns:a="http://schemas.openxmlformats.org/drawingml/2006/main" xmlns:r="http://schemas.openxmlformats.org/officeDocument/2006/relationships" xmlns:p="http://schemas.openxmlformats.org/presentationml/2006/main">
+  <p:cSld>
+    <p:spTree>
+      <p:nvGrpSpPr>
+        <p:cNvPr id="1" name=""/>
+        <p:cNvGrpSpPr/>
+        <p:nvPr/>
+      </p:nvGrpSpPr>
+      <p:grpSpPr>
+        <a:xfrm>
+          <a:off x="0" y="0"/>
+          <a:ext cx="0" cy="0"/>
+          <a:chOff x="0" y="0"/>
+          <a:chExt cx="0" cy="0"/>
+        </a:xfrm>
+      </p:grpSpPr>
+      <p:sp>
+        <p:nvSpPr>
+          <p:cNvPr id="2" name="Título 1"/>
+          <p:cNvSpPr>
+            <a:spLocks noGrp="1"/>
+          </p:cNvSpPr>
+          <p:nvPr>
+            <p:ph type="title"/>
+          </p:nvPr>
+        </p:nvSpPr>
+        <p:spPr>
+          <a:xfrm>
+            <a:off x="167425" y="360607"/>
+            <a:ext cx="11925837" cy="875765"/>
+          </a:xfrm>
+        </p:spPr>
+        <p:txBody>
+          <a:bodyPr/>
+          <a:lstStyle/>
+          <a:p>
+            <a:r>
+              <a:rPr lang="es-PA" dirty="0" smtClean="0"/>
+              <a:t>Imperfecciones DC de </a:t>
+            </a:r>
+            <a:r>
+              <a:rPr lang="es-PA" dirty="0" err="1" smtClean="0"/>
+              <a:t>Op-Amps</a:t>
+            </a:r>
+            <a:endParaRPr lang="es-PA" dirty="0"/>
+          </a:p>
+        </p:txBody>
+      </p:sp>
+      <p:sp>
+        <p:nvSpPr>
+          <p:cNvPr id="3" name="Marcador de contenido 2"/>
+          <p:cNvSpPr>
+            <a:spLocks noGrp="1"/>
+          </p:cNvSpPr>
+          <p:nvPr>
+            <p:ph idx="1"/>
+          </p:nvPr>
+        </p:nvSpPr>
+        <p:spPr>
+          <a:xfrm>
+            <a:off x="310675" y="1335096"/>
+            <a:ext cx="11618089" cy="5044921"/>
+          </a:xfrm>
+        </p:spPr>
+        <p:txBody>
+          <a:bodyPr>
+            <a:normAutofit/>
+          </a:bodyPr>
+          <a:lstStyle/>
+          <a:p>
+            <a:r>
+              <a:rPr lang="es-PA" dirty="0" smtClean="0"/>
+              <a:t>El modelo de un amplificador inversor con las entradas a tierra e imperfección de offset se muestra como sigue:</a:t>
+            </a:r>
+          </a:p>
+          <a:p>
+            <a:endParaRPr lang="es-PA" dirty="0"/>
+          </a:p>
+          <a:p>
+            <a:endParaRPr lang="es-PA" dirty="0" smtClean="0"/>
+          </a:p>
+          <a:p>
+            <a:endParaRPr lang="es-PA" dirty="0"/>
+          </a:p>
+          <a:p>
+            <a:endParaRPr lang="es-PA" dirty="0" smtClean="0"/>
+          </a:p>
+          <a:p>
+            <a:r>
+              <a:rPr lang="es-PA" dirty="0" smtClean="0"/>
+              <a:t>La salida puede ser de alta magnitud, </a:t>
+            </a:r>
+            <a:r>
+              <a:rPr lang="es-PA" dirty="0" err="1" smtClean="0"/>
+              <a:t>p.e</a:t>
+            </a:r>
+            <a:r>
+              <a:rPr lang="es-PA" dirty="0" smtClean="0"/>
+              <a:t>. si es de 5mV a una ganancia de 1000 puede tener voltajes de salida de +5V o -5V en vez de 0V.</a:t>
+            </a:r>
+          </a:p>
+          <a:p>
+            <a:r>
+              <a:rPr lang="es-PA" dirty="0" smtClean="0"/>
+              <a:t>La señal será superpuesta a este DC y es difícil decir si este offset proviene de Vos o la señal.</a:t>
+            </a:r>
+            <a:endParaRPr lang="es-PA" dirty="0"/>
+          </a:p>
+          <a:p>
+            <a:r>
+              <a:rPr lang="es-PA" dirty="0" smtClean="0"/>
+              <a:t>Para eliminar este efecto se puede tener acoplado </a:t>
+            </a:r>
+            <a:r>
+              <a:rPr lang="es-PA" dirty="0" err="1" smtClean="0"/>
+              <a:t>capacit</a:t>
+            </a:r>
+            <a:r>
+              <a:rPr lang="es-PA" dirty="0" smtClean="0"/>
+              <a:t>.</a:t>
+            </a:r>
+          </a:p>
+        </p:txBody>
+      </p:sp>
+      <p:pic>
+        <p:nvPicPr>
+          <p:cNvPr id="6" name="Imagen 5"/>
+          <p:cNvPicPr>
+            <a:picLocks noChangeAspect="1"/>
+          </p:cNvPicPr>
+          <p:nvPr/>
+        </p:nvPicPr>
+        <p:blipFill>
+          <a:blip r:embed="rId2"/>
+          <a:stretch>
+            <a:fillRect/>
+          </a:stretch>
+        </p:blipFill>
+        <p:spPr>
+          <a:xfrm>
+            <a:off x="6903072" y="1720537"/>
+            <a:ext cx="1982616" cy="813381"/>
+          </a:xfrm>
+          <a:prstGeom prst="rect">
+            <a:avLst/>
+          </a:prstGeom>
+        </p:spPr>
+      </p:pic>
+      <p:pic>
+        <p:nvPicPr>
+          <p:cNvPr id="7" name="Imagen 6"/>
+          <p:cNvPicPr>
+            <a:picLocks noChangeAspect="1"/>
+          </p:cNvPicPr>
+          <p:nvPr/>
+        </p:nvPicPr>
+        <p:blipFill>
+          <a:blip r:embed="rId3"/>
+          <a:stretch>
+            <a:fillRect/>
+          </a:stretch>
+        </p:blipFill>
+        <p:spPr>
+          <a:xfrm>
+            <a:off x="3728015" y="1720537"/>
+            <a:ext cx="3046311" cy="1898426"/>
+          </a:xfrm>
+          <a:prstGeom prst="rect">
+            <a:avLst/>
+          </a:prstGeom>
+        </p:spPr>
+      </p:pic>
+      <p:pic>
+        <p:nvPicPr>
+          <p:cNvPr id="8" name="Imagen 7"/>
+          <p:cNvPicPr>
+            <a:picLocks noChangeAspect="1"/>
+          </p:cNvPicPr>
+          <p:nvPr/>
+        </p:nvPicPr>
+        <p:blipFill>
+          <a:blip r:embed="rId4"/>
+          <a:stretch>
+            <a:fillRect/>
+          </a:stretch>
+        </p:blipFill>
+        <p:spPr>
+          <a:xfrm>
+            <a:off x="8684921" y="4908083"/>
+            <a:ext cx="2781300" cy="1857375"/>
+          </a:xfrm>
+          <a:prstGeom prst="rect">
+            <a:avLst/>
+          </a:prstGeom>
+        </p:spPr>
+      </p:pic>
+      <p:pic>
+        <p:nvPicPr>
+          <p:cNvPr id="4" name="Imagen 3"/>
+          <p:cNvPicPr>
+            <a:picLocks noChangeAspect="1"/>
+          </p:cNvPicPr>
+          <p:nvPr/>
+        </p:nvPicPr>
+        <p:blipFill>
+          <a:blip r:embed="rId5"/>
+          <a:stretch>
+            <a:fillRect/>
+          </a:stretch>
+        </p:blipFill>
+        <p:spPr>
+          <a:xfrm>
+            <a:off x="9267707" y="1720537"/>
+            <a:ext cx="2198514" cy="1945588"/>
+          </a:xfrm>
+          <a:prstGeom prst="rect">
+            <a:avLst/>
+          </a:prstGeom>
+        </p:spPr>
+      </p:pic>
+    </p:spTree>
+    <p:extLst>
+      <p:ext uri="{BB962C8B-B14F-4D97-AF65-F5344CB8AC3E}">
+        <p14:creationId xmlns:p14="http://schemas.microsoft.com/office/powerpoint/2010/main" val="3630682089"/>
       </p:ext>
     </p:extLst>
   </p:cSld>

--- a/Presentación/Electronica II.pptx
+++ b/Presentación/Electronica II.pptx
@@ -108,6 +108,25 @@
     <p:sldId id="684" r:id="rId102"/>
     <p:sldId id="685" r:id="rId103"/>
     <p:sldId id="627" r:id="rId104"/>
+    <p:sldId id="687" r:id="rId105"/>
+    <p:sldId id="688" r:id="rId106"/>
+    <p:sldId id="689" r:id="rId107"/>
+    <p:sldId id="690" r:id="rId108"/>
+    <p:sldId id="691" r:id="rId109"/>
+    <p:sldId id="692" r:id="rId110"/>
+    <p:sldId id="693" r:id="rId111"/>
+    <p:sldId id="694" r:id="rId112"/>
+    <p:sldId id="695" r:id="rId113"/>
+    <p:sldId id="696" r:id="rId114"/>
+    <p:sldId id="697" r:id="rId115"/>
+    <p:sldId id="698" r:id="rId116"/>
+    <p:sldId id="699" r:id="rId117"/>
+    <p:sldId id="700" r:id="rId118"/>
+    <p:sldId id="701" r:id="rId119"/>
+    <p:sldId id="702" r:id="rId120"/>
+    <p:sldId id="703" r:id="rId121"/>
+    <p:sldId id="704" r:id="rId122"/>
+    <p:sldId id="686" r:id="rId123"/>
   </p:sldIdLst>
   <p:sldSz cx="12192000" cy="6858000"/>
   <p:notesSz cx="7315200" cy="9601200"/>
@@ -413,7 +432,7 @@
             <a:fld id="{E9462EF3-3C4F-43EE-ACEE-D4B806740EA3}" type="datetimeFigureOut">
               <a:rPr lang="en-US" smtClean="0"/>
               <a:pPr/>
-              <a:t>1/26/2020</a:t>
+              <a:t>2/2/2020</a:t>
             </a:fld>
             <a:endParaRPr lang="en-US" dirty="0"/>
           </a:p>
@@ -694,7 +713,7 @@
           <a:p>
             <a:fld id="{36343B39-165A-4B68-AA5C-581F5336313C}" type="datetimeFigureOut">
               <a:rPr lang="en-US" smtClean="0"/>
-              <a:t>1/26/2020</a:t>
+              <a:t>2/2/2020</a:t>
             </a:fld>
             <a:endParaRPr lang="en-US" dirty="0"/>
           </a:p>
@@ -894,7 +913,7 @@
           <a:p>
             <a:fld id="{942C8C57-33F9-4259-AC4F-0E3F5BEC9B94}" type="datetimeFigureOut">
               <a:rPr lang="en-US" smtClean="0"/>
-              <a:t>1/26/2020</a:t>
+              <a:t>2/2/2020</a:t>
             </a:fld>
             <a:endParaRPr lang="en-US" dirty="0"/>
           </a:p>
@@ -1171,7 +1190,7 @@
           <a:p>
             <a:fld id="{8748772B-8FA2-401F-A0A1-A59855EDBC3E}" type="datetimeFigureOut">
               <a:rPr lang="en-US" smtClean="0"/>
-              <a:t>1/26/2020</a:t>
+              <a:t>2/2/2020</a:t>
             </a:fld>
             <a:endParaRPr lang="en-US" dirty="0"/>
           </a:p>
@@ -1504,7 +1523,7 @@
           <a:p>
             <a:fld id="{D3DD5BDE-5A90-4611-82E9-0FC5746D30C5}" type="datetimeFigureOut">
               <a:rPr lang="en-US" smtClean="0"/>
-              <a:t>1/26/2020</a:t>
+              <a:t>2/2/2020</a:t>
             </a:fld>
             <a:endParaRPr lang="en-US" dirty="0"/>
           </a:p>
@@ -2129,7 +2148,7 @@
           <a:p>
             <a:fld id="{1ADDA17D-0BEA-4E76-A7FC-F7C188BC48D1}" type="datetimeFigureOut">
               <a:rPr lang="en-US" smtClean="0"/>
-              <a:t>1/26/2020</a:t>
+              <a:t>2/2/2020</a:t>
             </a:fld>
             <a:endParaRPr lang="en-US" dirty="0"/>
           </a:p>
@@ -2982,7 +3001,7 @@
           <a:p>
             <a:fld id="{6909AC7D-18CA-4236-82B9-D75EB1D66EAE}" type="datetimeFigureOut">
               <a:rPr lang="en-US" smtClean="0"/>
-              <a:t>1/26/2020</a:t>
+              <a:t>2/2/2020</a:t>
             </a:fld>
             <a:endParaRPr lang="en-US" dirty="0"/>
           </a:p>
@@ -3158,7 +3177,7 @@
           <a:p>
             <a:fld id="{5568300E-C023-45CD-A0BE-EDB7A8C6EA8B}" type="datetimeFigureOut">
               <a:rPr lang="en-US" smtClean="0"/>
-              <a:t>1/26/2020</a:t>
+              <a:t>2/2/2020</a:t>
             </a:fld>
             <a:endParaRPr lang="en-US" dirty="0"/>
           </a:p>
@@ -3344,7 +3363,7 @@
           <a:p>
             <a:fld id="{3B620EAD-E369-4933-8469-ED7764B56A1B}" type="datetimeFigureOut">
               <a:rPr lang="en-US" smtClean="0"/>
-              <a:t>1/26/2020</a:t>
+              <a:t>2/2/2020</a:t>
             </a:fld>
             <a:endParaRPr lang="en-US" dirty="0"/>
           </a:p>
@@ -3520,7 +3539,7 @@
           <a:p>
             <a:fld id="{076C0EF2-9919-473B-8215-8616BAF10692}" type="datetimeFigureOut">
               <a:rPr lang="en-US" smtClean="0"/>
-              <a:t>1/26/2020</a:t>
+              <a:t>2/2/2020</a:t>
             </a:fld>
             <a:endParaRPr lang="en-US" dirty="0"/>
           </a:p>
@@ -3773,7 +3792,7 @@
           <a:p>
             <a:fld id="{A09472EB-AC54-4713-BFC2-BEB621108C63}" type="datetimeFigureOut">
               <a:rPr lang="en-US" smtClean="0"/>
-              <a:t>1/26/2020</a:t>
+              <a:t>2/2/2020</a:t>
             </a:fld>
             <a:endParaRPr lang="en-US" dirty="0"/>
           </a:p>
@@ -4071,7 +4090,7 @@
           <a:p>
             <a:fld id="{99455A0C-791E-4545-B787-F98AD45CD761}" type="datetimeFigureOut">
               <a:rPr lang="en-US" smtClean="0"/>
-              <a:t>1/26/2020</a:t>
+              <a:t>2/2/2020</a:t>
             </a:fld>
             <a:endParaRPr lang="en-US" dirty="0"/>
           </a:p>
@@ -4521,7 +4540,7 @@
           <a:p>
             <a:fld id="{42536B77-F4F4-4427-AC4F-9A623798AD82}" type="datetimeFigureOut">
               <a:rPr lang="en-US" smtClean="0"/>
-              <a:t>1/26/2020</a:t>
+              <a:t>2/2/2020</a:t>
             </a:fld>
             <a:endParaRPr lang="en-US" dirty="0"/>
           </a:p>
@@ -4645,7 +4664,7 @@
           <a:p>
             <a:fld id="{D8BE790C-34EB-4565-8437-CACF4CDB7822}" type="datetimeFigureOut">
               <a:rPr lang="en-US" smtClean="0"/>
-              <a:t>1/26/2020</a:t>
+              <a:t>2/2/2020</a:t>
             </a:fld>
             <a:endParaRPr lang="en-US" dirty="0"/>
           </a:p>
@@ -4746,7 +4765,7 @@
           <a:p>
             <a:fld id="{F84A4C11-22B8-4A4E-8126-B3AF6B948A8E}" type="datetimeFigureOut">
               <a:rPr lang="en-US" smtClean="0"/>
-              <a:t>1/26/2020</a:t>
+              <a:t>2/2/2020</a:t>
             </a:fld>
             <a:endParaRPr lang="en-US" dirty="0"/>
           </a:p>
@@ -5031,7 +5050,7 @@
           <a:p>
             <a:fld id="{16ED06B6-C816-4861-964D-15A98395707D}" type="datetimeFigureOut">
               <a:rPr lang="en-US" smtClean="0"/>
-              <a:t>1/26/2020</a:t>
+              <a:t>2/2/2020</a:t>
             </a:fld>
             <a:endParaRPr lang="en-US" dirty="0"/>
           </a:p>
@@ -5312,7 +5331,7 @@
           <a:p>
             <a:fld id="{00B1A8AB-EA7C-4B1B-9D73-E2551851FABE}" type="datetimeFigureOut">
               <a:rPr lang="en-US" smtClean="0"/>
-              <a:t>1/26/2020</a:t>
+              <a:t>2/2/2020</a:t>
             </a:fld>
             <a:endParaRPr lang="en-US" dirty="0"/>
           </a:p>
@@ -5741,7 +5760,7 @@
           <a:p>
             <a:fld id="{90786BE5-D2A3-4BF0-8B30-D7403E61B3DC}" type="datetimeFigureOut">
               <a:rPr lang="en-US" smtClean="0"/>
-              <a:t>1/26/2020</a:t>
+              <a:t>2/2/2020</a:t>
             </a:fld>
             <a:endParaRPr lang="en-US" dirty="0"/>
           </a:p>
@@ -6664,11 +6683,7 @@
           <a:p>
             <a:r>
               <a:rPr lang="es-PA" dirty="0" smtClean="0"/>
-              <a:t>Polarizació</a:t>
-            </a:r>
-            <a:r>
-              <a:rPr lang="es-PA" dirty="0" smtClean="0"/>
-              <a:t>n de Entradas y Offset de Corriente son el segundo problema de los </a:t>
+              <a:t>Polarización de Entradas y Offset de Corriente son el segundo problema de los </a:t>
             </a:r>
             <a:r>
               <a:rPr lang="es-PA" dirty="0" err="1" smtClean="0"/>
@@ -7427,6 +7442,1599 @@
 </p:sld>
 </file>
 
+<file path=ppt/slides/slide104.xml><?xml version="1.0" encoding="utf-8"?>
+<p:sld xmlns:a="http://schemas.openxmlformats.org/drawingml/2006/main" xmlns:r="http://schemas.openxmlformats.org/officeDocument/2006/relationships" xmlns:p="http://schemas.openxmlformats.org/presentationml/2006/main">
+  <p:cSld>
+    <p:spTree>
+      <p:nvGrpSpPr>
+        <p:cNvPr id="1" name=""/>
+        <p:cNvGrpSpPr/>
+        <p:nvPr/>
+      </p:nvGrpSpPr>
+      <p:grpSpPr>
+        <a:xfrm>
+          <a:off x="0" y="0"/>
+          <a:ext cx="0" cy="0"/>
+          <a:chOff x="0" y="0"/>
+          <a:chExt cx="0" cy="0"/>
+        </a:xfrm>
+      </p:grpSpPr>
+      <p:sp>
+        <p:nvSpPr>
+          <p:cNvPr id="2" name="Título 1"/>
+          <p:cNvSpPr>
+            <a:spLocks noGrp="1"/>
+          </p:cNvSpPr>
+          <p:nvPr>
+            <p:ph type="title"/>
+          </p:nvPr>
+        </p:nvSpPr>
+        <p:spPr>
+          <a:xfrm>
+            <a:off x="167425" y="360607"/>
+            <a:ext cx="11925837" cy="875765"/>
+          </a:xfrm>
+        </p:spPr>
+        <p:txBody>
+          <a:bodyPr/>
+          <a:lstStyle/>
+          <a:p>
+            <a:r>
+              <a:rPr lang="es-PA" sz="3500" dirty="0" smtClean="0"/>
+              <a:t>Efectos de Ganancia de Lazo Abierto Finita y Ancho de Banda en el desempeño del circuito</a:t>
+            </a:r>
+            <a:endParaRPr lang="es-PA" sz="3500" dirty="0"/>
+          </a:p>
+        </p:txBody>
+      </p:sp>
+      <p:sp>
+        <p:nvSpPr>
+          <p:cNvPr id="3" name="Marcador de contenido 2"/>
+          <p:cNvSpPr>
+            <a:spLocks noGrp="1"/>
+          </p:cNvSpPr>
+          <p:nvPr>
+            <p:ph idx="1"/>
+          </p:nvPr>
+        </p:nvSpPr>
+        <p:spPr>
+          <a:xfrm>
+            <a:off x="310675" y="1579418"/>
+            <a:ext cx="11618089" cy="5143645"/>
+          </a:xfrm>
+        </p:spPr>
+        <p:txBody>
+          <a:bodyPr>
+            <a:normAutofit lnSpcReduction="10000"/>
+          </a:bodyPr>
+          <a:lstStyle/>
+          <a:p>
+            <a:r>
+              <a:rPr lang="es-PA" dirty="0" smtClean="0"/>
+              <a:t>La ganancia del amplificador es finita</a:t>
+            </a:r>
+          </a:p>
+          <a:p>
+            <a:r>
+              <a:rPr lang="es-PA" dirty="0" smtClean="0"/>
+              <a:t>Decrece con la frecuencia</a:t>
+            </a:r>
+          </a:p>
+          <a:p>
+            <a:r>
+              <a:rPr lang="es-PA" dirty="0" smtClean="0"/>
+              <a:t>Debajo podemos ver una curva característica de frecuencia del UA741</a:t>
+            </a:r>
+          </a:p>
+          <a:p>
+            <a:r>
+              <a:rPr lang="es-PA" dirty="0" smtClean="0"/>
+              <a:t>Estable debajo de 10Hz</a:t>
+            </a:r>
+          </a:p>
+          <a:p>
+            <a:r>
+              <a:rPr lang="es-PA" dirty="0" smtClean="0"/>
+              <a:t>Decrece a 20db/década</a:t>
+            </a:r>
+          </a:p>
+          <a:p>
+            <a:r>
+              <a:rPr lang="es-PA" dirty="0" smtClean="0"/>
+              <a:t>Usualmente el </a:t>
+            </a:r>
+            <a:r>
+              <a:rPr lang="es-PA" dirty="0" err="1" smtClean="0"/>
+              <a:t>op</a:t>
+            </a:r>
+            <a:r>
+              <a:rPr lang="es-PA" dirty="0" err="1" smtClean="0"/>
+              <a:t>amp</a:t>
+            </a:r>
+            <a:r>
+              <a:rPr lang="es-PA" dirty="0" smtClean="0"/>
+              <a:t> tiene una…</a:t>
+            </a:r>
+          </a:p>
+          <a:p>
+            <a:r>
+              <a:rPr lang="es-PA" dirty="0" smtClean="0"/>
+              <a:t>… capacitancia interna (LPF en STC)</a:t>
+            </a:r>
+          </a:p>
+          <a:p>
+            <a:endParaRPr lang="es-PA" dirty="0"/>
+          </a:p>
+          <a:p>
+            <a:endParaRPr lang="es-PA" dirty="0" smtClean="0"/>
+          </a:p>
+          <a:p>
+            <a:r>
+              <a:rPr lang="es-PA" dirty="0" smtClean="0"/>
+              <a:t>A0 = ganancia</a:t>
+            </a:r>
+          </a:p>
+          <a:p>
+            <a:r>
+              <a:rPr lang="es-PA" dirty="0" err="1" smtClean="0"/>
+              <a:t>wb</a:t>
+            </a:r>
+            <a:r>
+              <a:rPr lang="es-PA" dirty="0" smtClean="0"/>
+              <a:t> = 2</a:t>
+            </a:r>
+            <a:r>
+              <a:rPr lang="es-PA" dirty="0" smtClean="0">
+                <a:sym typeface="Symbol" panose="05050102010706020507" pitchFamily="18" charset="2"/>
+              </a:rPr>
+              <a:t>  x 10 rad/s</a:t>
+            </a:r>
+          </a:p>
+          <a:p>
+            <a:r>
+              <a:rPr lang="es-PA" dirty="0" smtClean="0">
+                <a:sym typeface="Symbol" panose="05050102010706020507" pitchFamily="18" charset="2"/>
+              </a:rPr>
+              <a:t>Si w &gt;&gt;&gt; </a:t>
+            </a:r>
+            <a:r>
+              <a:rPr lang="es-PA" dirty="0" err="1" smtClean="0">
+                <a:sym typeface="Symbol" panose="05050102010706020507" pitchFamily="18" charset="2"/>
+              </a:rPr>
+              <a:t>wb</a:t>
+            </a:r>
+            <a:r>
+              <a:rPr lang="es-PA" dirty="0" smtClean="0">
+                <a:sym typeface="Symbol" panose="05050102010706020507" pitchFamily="18" charset="2"/>
+              </a:rPr>
+              <a:t> se puede aproximar</a:t>
+            </a:r>
+            <a:endParaRPr lang="es-PA" dirty="0" smtClean="0"/>
+          </a:p>
+        </p:txBody>
+      </p:sp>
+      <p:pic>
+        <p:nvPicPr>
+          <p:cNvPr id="4" name="Imagen 3"/>
+          <p:cNvPicPr>
+            <a:picLocks noChangeAspect="1"/>
+          </p:cNvPicPr>
+          <p:nvPr/>
+        </p:nvPicPr>
+        <p:blipFill>
+          <a:blip r:embed="rId2"/>
+          <a:stretch>
+            <a:fillRect/>
+          </a:stretch>
+        </p:blipFill>
+        <p:spPr>
+          <a:xfrm>
+            <a:off x="6502884" y="2987414"/>
+            <a:ext cx="5569666" cy="3735649"/>
+          </a:xfrm>
+          <a:prstGeom prst="rect">
+            <a:avLst/>
+          </a:prstGeom>
+        </p:spPr>
+      </p:pic>
+      <p:pic>
+        <p:nvPicPr>
+          <p:cNvPr id="6" name="Imagen 5"/>
+          <p:cNvPicPr>
+            <a:picLocks noChangeAspect="1"/>
+          </p:cNvPicPr>
+          <p:nvPr/>
+        </p:nvPicPr>
+        <p:blipFill>
+          <a:blip r:embed="rId3"/>
+          <a:stretch>
+            <a:fillRect/>
+          </a:stretch>
+        </p:blipFill>
+        <p:spPr>
+          <a:xfrm>
+            <a:off x="847724" y="4382451"/>
+            <a:ext cx="1678189" cy="709094"/>
+          </a:xfrm>
+          <a:prstGeom prst="rect">
+            <a:avLst/>
+          </a:prstGeom>
+        </p:spPr>
+      </p:pic>
+      <p:pic>
+        <p:nvPicPr>
+          <p:cNvPr id="9" name="Imagen 8"/>
+          <p:cNvPicPr>
+            <a:picLocks noChangeAspect="1"/>
+          </p:cNvPicPr>
+          <p:nvPr/>
+        </p:nvPicPr>
+        <p:blipFill>
+          <a:blip r:embed="rId4"/>
+          <a:stretch>
+            <a:fillRect/>
+          </a:stretch>
+        </p:blipFill>
+        <p:spPr>
+          <a:xfrm>
+            <a:off x="2643480" y="4368163"/>
+            <a:ext cx="1940501" cy="723382"/>
+          </a:xfrm>
+          <a:prstGeom prst="rect">
+            <a:avLst/>
+          </a:prstGeom>
+        </p:spPr>
+      </p:pic>
+      <p:pic>
+        <p:nvPicPr>
+          <p:cNvPr id="10" name="Imagen 9"/>
+          <p:cNvPicPr>
+            <a:picLocks noChangeAspect="1"/>
+          </p:cNvPicPr>
+          <p:nvPr/>
+        </p:nvPicPr>
+        <p:blipFill>
+          <a:blip r:embed="rId5"/>
+          <a:stretch>
+            <a:fillRect/>
+          </a:stretch>
+        </p:blipFill>
+        <p:spPr>
+          <a:xfrm>
+            <a:off x="4837694" y="5756565"/>
+            <a:ext cx="1665190" cy="636010"/>
+          </a:xfrm>
+          <a:prstGeom prst="rect">
+            <a:avLst/>
+          </a:prstGeom>
+        </p:spPr>
+      </p:pic>
+    </p:spTree>
+    <p:extLst>
+      <p:ext uri="{BB962C8B-B14F-4D97-AF65-F5344CB8AC3E}">
+        <p14:creationId xmlns:p14="http://schemas.microsoft.com/office/powerpoint/2010/main" val="588096654"/>
+      </p:ext>
+    </p:extLst>
+  </p:cSld>
+  <p:clrMapOvr>
+    <a:masterClrMapping/>
+  </p:clrMapOvr>
+  <p:timing>
+    <p:tnLst>
+      <p:par>
+        <p:cTn id="1" dur="indefinite" restart="never" nodeType="tmRoot"/>
+      </p:par>
+    </p:tnLst>
+  </p:timing>
+</p:sld>
+</file>
+
+<file path=ppt/slides/slide105.xml><?xml version="1.0" encoding="utf-8"?>
+<p:sld xmlns:a="http://schemas.openxmlformats.org/drawingml/2006/main" xmlns:r="http://schemas.openxmlformats.org/officeDocument/2006/relationships" xmlns:p="http://schemas.openxmlformats.org/presentationml/2006/main">
+  <p:cSld>
+    <p:spTree>
+      <p:nvGrpSpPr>
+        <p:cNvPr id="1" name=""/>
+        <p:cNvGrpSpPr/>
+        <p:nvPr/>
+      </p:nvGrpSpPr>
+      <p:grpSpPr>
+        <a:xfrm>
+          <a:off x="0" y="0"/>
+          <a:ext cx="0" cy="0"/>
+          <a:chOff x="0" y="0"/>
+          <a:chExt cx="0" cy="0"/>
+        </a:xfrm>
+      </p:grpSpPr>
+      <p:sp>
+        <p:nvSpPr>
+          <p:cNvPr id="2" name="Título 1"/>
+          <p:cNvSpPr>
+            <a:spLocks noGrp="1"/>
+          </p:cNvSpPr>
+          <p:nvPr>
+            <p:ph type="title"/>
+          </p:nvPr>
+        </p:nvSpPr>
+        <p:spPr>
+          <a:xfrm>
+            <a:off x="167425" y="360607"/>
+            <a:ext cx="11925837" cy="875765"/>
+          </a:xfrm>
+        </p:spPr>
+        <p:txBody>
+          <a:bodyPr/>
+          <a:lstStyle/>
+          <a:p>
+            <a:r>
+              <a:rPr lang="es-PA" sz="3500" dirty="0" smtClean="0"/>
+              <a:t>Efectos de Ganancia de Lazo Abierto Finita y Ancho de Banda en el desempeño del circuito</a:t>
+            </a:r>
+            <a:endParaRPr lang="es-PA" sz="3500" dirty="0"/>
+          </a:p>
+        </p:txBody>
+      </p:sp>
+      <p:sp>
+        <p:nvSpPr>
+          <p:cNvPr id="3" name="Marcador de contenido 2"/>
+          <p:cNvSpPr>
+            <a:spLocks noGrp="1"/>
+          </p:cNvSpPr>
+          <p:nvPr>
+            <p:ph idx="1"/>
+          </p:nvPr>
+        </p:nvSpPr>
+        <p:spPr>
+          <a:xfrm>
+            <a:off x="310675" y="1579418"/>
+            <a:ext cx="11618089" cy="5143645"/>
+          </a:xfrm>
+        </p:spPr>
+        <p:txBody>
+          <a:bodyPr>
+            <a:normAutofit/>
+          </a:bodyPr>
+          <a:lstStyle/>
+          <a:p>
+            <a:r>
+              <a:rPr lang="es-PA" dirty="0" smtClean="0"/>
+              <a:t>Al final esta ecuación queda                        donde                      que es la ganancia a 0 dB </a:t>
+            </a:r>
+          </a:p>
+          <a:p>
+            <a:r>
+              <a:rPr lang="es-PA" dirty="0" smtClean="0"/>
+              <a:t>La ganancia de banda unitaria esta dada por</a:t>
+            </a:r>
+          </a:p>
+          <a:p>
+            <a:r>
+              <a:rPr lang="es-PA" dirty="0" smtClean="0"/>
+              <a:t>Note que como quedamos anteriormente para w &gt;&gt;&gt; </a:t>
+            </a:r>
+            <a:r>
+              <a:rPr lang="es-PA" dirty="0" err="1" smtClean="0"/>
+              <a:t>wb</a:t>
+            </a:r>
+            <a:endParaRPr lang="es-PA" dirty="0" smtClean="0"/>
+          </a:p>
+          <a:p>
+            <a:r>
+              <a:rPr lang="es-PA" dirty="0" err="1" smtClean="0"/>
+              <a:t>fb</a:t>
+            </a:r>
+            <a:r>
+              <a:rPr lang="es-PA" dirty="0" smtClean="0"/>
+              <a:t> es el producto de ganancia de banda</a:t>
+            </a:r>
+          </a:p>
+          <a:p>
+            <a:r>
+              <a:rPr lang="es-PA" dirty="0" smtClean="0"/>
+              <a:t>La magnitud de ganancia es </a:t>
+            </a:r>
+          </a:p>
+          <a:p>
+            <a:endParaRPr lang="es-PA" dirty="0"/>
+          </a:p>
+          <a:p>
+            <a:endParaRPr lang="es-PA" dirty="0" smtClean="0"/>
+          </a:p>
+          <a:p>
+            <a:r>
+              <a:rPr lang="es-PA" dirty="0" smtClean="0"/>
+              <a:t>A estos modelos se les conoce como modelos…</a:t>
+            </a:r>
+          </a:p>
+          <a:p>
+            <a:r>
+              <a:rPr lang="es-PA" dirty="0" smtClean="0"/>
+              <a:t>… de un polo</a:t>
+            </a:r>
+          </a:p>
+          <a:p>
+            <a:r>
+              <a:rPr lang="es-PA" dirty="0" smtClean="0"/>
+              <a:t>Este polo dominante controla el sistema</a:t>
+            </a:r>
+          </a:p>
+        </p:txBody>
+      </p:sp>
+      <p:pic>
+        <p:nvPicPr>
+          <p:cNvPr id="5" name="Imagen 4"/>
+          <p:cNvPicPr>
+            <a:picLocks noChangeAspect="1"/>
+          </p:cNvPicPr>
+          <p:nvPr/>
+        </p:nvPicPr>
+        <p:blipFill>
+          <a:blip r:embed="rId2"/>
+          <a:stretch>
+            <a:fillRect/>
+          </a:stretch>
+        </p:blipFill>
+        <p:spPr>
+          <a:xfrm>
+            <a:off x="4434753" y="1454726"/>
+            <a:ext cx="1404938" cy="614010"/>
+          </a:xfrm>
+          <a:prstGeom prst="rect">
+            <a:avLst/>
+          </a:prstGeom>
+        </p:spPr>
+      </p:pic>
+      <p:pic>
+        <p:nvPicPr>
+          <p:cNvPr id="7" name="Imagen 6"/>
+          <p:cNvPicPr>
+            <a:picLocks noChangeAspect="1"/>
+          </p:cNvPicPr>
+          <p:nvPr/>
+        </p:nvPicPr>
+        <p:blipFill>
+          <a:blip r:embed="rId3"/>
+          <a:stretch>
+            <a:fillRect/>
+          </a:stretch>
+        </p:blipFill>
+        <p:spPr>
+          <a:xfrm>
+            <a:off x="7030214" y="1522503"/>
+            <a:ext cx="1236009" cy="478455"/>
+          </a:xfrm>
+          <a:prstGeom prst="rect">
+            <a:avLst/>
+          </a:prstGeom>
+        </p:spPr>
+      </p:pic>
+      <p:pic>
+        <p:nvPicPr>
+          <p:cNvPr id="8" name="Imagen 7"/>
+          <p:cNvPicPr>
+            <a:picLocks noChangeAspect="1"/>
+          </p:cNvPicPr>
+          <p:nvPr/>
+        </p:nvPicPr>
+        <p:blipFill>
+          <a:blip r:embed="rId4"/>
+          <a:stretch>
+            <a:fillRect/>
+          </a:stretch>
+        </p:blipFill>
+        <p:spPr>
+          <a:xfrm>
+            <a:off x="6644451" y="2029679"/>
+            <a:ext cx="940913" cy="383335"/>
+          </a:xfrm>
+          <a:prstGeom prst="rect">
+            <a:avLst/>
+          </a:prstGeom>
+        </p:spPr>
+      </p:pic>
+      <p:pic>
+        <p:nvPicPr>
+          <p:cNvPr id="11" name="Imagen 10"/>
+          <p:cNvPicPr>
+            <a:picLocks noChangeAspect="1"/>
+          </p:cNvPicPr>
+          <p:nvPr/>
+        </p:nvPicPr>
+        <p:blipFill>
+          <a:blip r:embed="rId5"/>
+          <a:stretch>
+            <a:fillRect/>
+          </a:stretch>
+        </p:blipFill>
+        <p:spPr>
+          <a:xfrm>
+            <a:off x="8079187" y="2125650"/>
+            <a:ext cx="1272632" cy="738948"/>
+          </a:xfrm>
+          <a:prstGeom prst="rect">
+            <a:avLst/>
+          </a:prstGeom>
+        </p:spPr>
+      </p:pic>
+      <p:pic>
+        <p:nvPicPr>
+          <p:cNvPr id="12" name="Imagen 11"/>
+          <p:cNvPicPr>
+            <a:picLocks noChangeAspect="1"/>
+          </p:cNvPicPr>
+          <p:nvPr/>
+        </p:nvPicPr>
+        <p:blipFill>
+          <a:blip r:embed="rId6"/>
+          <a:stretch>
+            <a:fillRect/>
+          </a:stretch>
+        </p:blipFill>
+        <p:spPr>
+          <a:xfrm>
+            <a:off x="4511514" y="3244448"/>
+            <a:ext cx="1796911" cy="808007"/>
+          </a:xfrm>
+          <a:prstGeom prst="rect">
+            <a:avLst/>
+          </a:prstGeom>
+        </p:spPr>
+      </p:pic>
+      <p:pic>
+        <p:nvPicPr>
+          <p:cNvPr id="13" name="Imagen 12"/>
+          <p:cNvPicPr>
+            <a:picLocks noChangeAspect="1"/>
+          </p:cNvPicPr>
+          <p:nvPr/>
+        </p:nvPicPr>
+        <p:blipFill>
+          <a:blip r:embed="rId7"/>
+          <a:stretch>
+            <a:fillRect/>
+          </a:stretch>
+        </p:blipFill>
+        <p:spPr>
+          <a:xfrm>
+            <a:off x="6776888" y="3244447"/>
+            <a:ext cx="5316374" cy="3478615"/>
+          </a:xfrm>
+          <a:prstGeom prst="rect">
+            <a:avLst/>
+          </a:prstGeom>
+        </p:spPr>
+      </p:pic>
+    </p:spTree>
+    <p:extLst>
+      <p:ext uri="{BB962C8B-B14F-4D97-AF65-F5344CB8AC3E}">
+        <p14:creationId xmlns:p14="http://schemas.microsoft.com/office/powerpoint/2010/main" val="3661043504"/>
+      </p:ext>
+    </p:extLst>
+  </p:cSld>
+  <p:clrMapOvr>
+    <a:masterClrMapping/>
+  </p:clrMapOvr>
+  <p:timing>
+    <p:tnLst>
+      <p:par>
+        <p:cTn id="1" dur="indefinite" restart="never" nodeType="tmRoot"/>
+      </p:par>
+    </p:tnLst>
+  </p:timing>
+</p:sld>
+</file>
+
+<file path=ppt/slides/slide106.xml><?xml version="1.0" encoding="utf-8"?>
+<p:sld xmlns:a="http://schemas.openxmlformats.org/drawingml/2006/main" xmlns:r="http://schemas.openxmlformats.org/officeDocument/2006/relationships" xmlns:p="http://schemas.openxmlformats.org/presentationml/2006/main">
+  <p:cSld>
+    <p:spTree>
+      <p:nvGrpSpPr>
+        <p:cNvPr id="1" name=""/>
+        <p:cNvGrpSpPr/>
+        <p:nvPr/>
+      </p:nvGrpSpPr>
+      <p:grpSpPr>
+        <a:xfrm>
+          <a:off x="0" y="0"/>
+          <a:ext cx="0" cy="0"/>
+          <a:chOff x="0" y="0"/>
+          <a:chExt cx="0" cy="0"/>
+        </a:xfrm>
+      </p:grpSpPr>
+      <p:sp>
+        <p:nvSpPr>
+          <p:cNvPr id="2" name="Título 1"/>
+          <p:cNvSpPr>
+            <a:spLocks noGrp="1"/>
+          </p:cNvSpPr>
+          <p:nvPr>
+            <p:ph type="title"/>
+          </p:nvPr>
+        </p:nvSpPr>
+        <p:spPr>
+          <a:xfrm>
+            <a:off x="167425" y="360607"/>
+            <a:ext cx="11925837" cy="875765"/>
+          </a:xfrm>
+        </p:spPr>
+        <p:txBody>
+          <a:bodyPr/>
+          <a:lstStyle/>
+          <a:p>
+            <a:r>
+              <a:rPr lang="es-PA" sz="3500" dirty="0" smtClean="0"/>
+              <a:t>Efectos de Ganancia de Lazo Abierto Finita y Ancho de Banda en el desempeño del circuito</a:t>
+            </a:r>
+            <a:endParaRPr lang="es-PA" sz="3500" dirty="0"/>
+          </a:p>
+        </p:txBody>
+      </p:sp>
+      <p:sp>
+        <p:nvSpPr>
+          <p:cNvPr id="3" name="Marcador de contenido 2"/>
+          <p:cNvSpPr>
+            <a:spLocks noGrp="1"/>
+          </p:cNvSpPr>
+          <p:nvPr>
+            <p:ph idx="1"/>
+          </p:nvPr>
+        </p:nvSpPr>
+        <p:spPr>
+          <a:xfrm>
+            <a:off x="310675" y="1579418"/>
+            <a:ext cx="11618089" cy="5143645"/>
+          </a:xfrm>
+        </p:spPr>
+        <p:txBody>
+          <a:bodyPr>
+            <a:normAutofit/>
+          </a:bodyPr>
+          <a:lstStyle/>
+          <a:p>
+            <a:r>
+              <a:rPr lang="es-PA" dirty="0" smtClean="0"/>
+              <a:t>Un </a:t>
+            </a:r>
+            <a:r>
+              <a:rPr lang="es-PA" dirty="0" err="1" smtClean="0"/>
+              <a:t>opamp</a:t>
+            </a:r>
+            <a:r>
+              <a:rPr lang="es-PA" dirty="0" smtClean="0"/>
+              <a:t> compensado internamente tiene una ganancia de lazo abierto de 106db y una ganancia unitaria de ancho de banda de 3MHz.  Encontrar</a:t>
+            </a:r>
+          </a:p>
+          <a:p>
+            <a:pPr lvl="1"/>
+            <a:r>
+              <a:rPr lang="es-PA" dirty="0" err="1" smtClean="0"/>
+              <a:t>fb</a:t>
+            </a:r>
+            <a:endParaRPr lang="es-PA" dirty="0" smtClean="0"/>
+          </a:p>
+          <a:p>
+            <a:pPr lvl="1"/>
+            <a:r>
+              <a:rPr lang="es-PA" dirty="0" smtClean="0"/>
+              <a:t>Ganancia de lazo abierto en dB si </a:t>
+            </a:r>
+            <a:r>
+              <a:rPr lang="es-PA" dirty="0" err="1" smtClean="0"/>
+              <a:t>fb</a:t>
+            </a:r>
+            <a:r>
+              <a:rPr lang="es-PA" dirty="0" smtClean="0"/>
+              <a:t> es</a:t>
+            </a:r>
+          </a:p>
+          <a:p>
+            <a:pPr lvl="2"/>
+            <a:r>
+              <a:rPr lang="es-PA" dirty="0" smtClean="0"/>
+              <a:t>300 Hz</a:t>
+            </a:r>
+          </a:p>
+          <a:p>
+            <a:pPr lvl="2"/>
+            <a:r>
+              <a:rPr lang="es-PA" dirty="0" smtClean="0"/>
+              <a:t>3kHz</a:t>
+            </a:r>
+          </a:p>
+          <a:p>
+            <a:pPr lvl="2"/>
+            <a:r>
+              <a:rPr lang="es-PA" dirty="0" smtClean="0"/>
+              <a:t>12kHz</a:t>
+            </a:r>
+          </a:p>
+          <a:p>
+            <a:pPr lvl="2"/>
+            <a:r>
+              <a:rPr lang="es-PA" dirty="0" smtClean="0"/>
+              <a:t>60kHz</a:t>
+            </a:r>
+          </a:p>
+        </p:txBody>
+      </p:sp>
+      <p:pic>
+        <p:nvPicPr>
+          <p:cNvPr id="5" name="Imagen 4"/>
+          <p:cNvPicPr>
+            <a:picLocks noChangeAspect="1"/>
+          </p:cNvPicPr>
+          <p:nvPr/>
+        </p:nvPicPr>
+        <p:blipFill>
+          <a:blip r:embed="rId2"/>
+          <a:stretch>
+            <a:fillRect/>
+          </a:stretch>
+        </p:blipFill>
+        <p:spPr>
+          <a:xfrm>
+            <a:off x="6776888" y="2287391"/>
+            <a:ext cx="1404938" cy="614010"/>
+          </a:xfrm>
+          <a:prstGeom prst="rect">
+            <a:avLst/>
+          </a:prstGeom>
+        </p:spPr>
+      </p:pic>
+      <p:pic>
+        <p:nvPicPr>
+          <p:cNvPr id="7" name="Imagen 6"/>
+          <p:cNvPicPr>
+            <a:picLocks noChangeAspect="1"/>
+          </p:cNvPicPr>
+          <p:nvPr/>
+        </p:nvPicPr>
+        <p:blipFill>
+          <a:blip r:embed="rId3"/>
+          <a:stretch>
+            <a:fillRect/>
+          </a:stretch>
+        </p:blipFill>
+        <p:spPr>
+          <a:xfrm>
+            <a:off x="8348829" y="2320210"/>
+            <a:ext cx="1236009" cy="478455"/>
+          </a:xfrm>
+          <a:prstGeom prst="rect">
+            <a:avLst/>
+          </a:prstGeom>
+        </p:spPr>
+      </p:pic>
+      <p:pic>
+        <p:nvPicPr>
+          <p:cNvPr id="13" name="Imagen 12"/>
+          <p:cNvPicPr>
+            <a:picLocks noChangeAspect="1"/>
+          </p:cNvPicPr>
+          <p:nvPr/>
+        </p:nvPicPr>
+        <p:blipFill>
+          <a:blip r:embed="rId4"/>
+          <a:stretch>
+            <a:fillRect/>
+          </a:stretch>
+        </p:blipFill>
+        <p:spPr>
+          <a:xfrm>
+            <a:off x="6776888" y="3244447"/>
+            <a:ext cx="5316374" cy="3478615"/>
+          </a:xfrm>
+          <a:prstGeom prst="rect">
+            <a:avLst/>
+          </a:prstGeom>
+        </p:spPr>
+      </p:pic>
+    </p:spTree>
+    <p:extLst>
+      <p:ext uri="{BB962C8B-B14F-4D97-AF65-F5344CB8AC3E}">
+        <p14:creationId xmlns:p14="http://schemas.microsoft.com/office/powerpoint/2010/main" val="3202125120"/>
+      </p:ext>
+    </p:extLst>
+  </p:cSld>
+  <p:clrMapOvr>
+    <a:masterClrMapping/>
+  </p:clrMapOvr>
+  <p:timing>
+    <p:tnLst>
+      <p:par>
+        <p:cTn id="1" dur="indefinite" restart="never" nodeType="tmRoot"/>
+      </p:par>
+    </p:tnLst>
+  </p:timing>
+</p:sld>
+</file>
+
+<file path=ppt/slides/slide107.xml><?xml version="1.0" encoding="utf-8"?>
+<p:sld xmlns:a="http://schemas.openxmlformats.org/drawingml/2006/main" xmlns:r="http://schemas.openxmlformats.org/officeDocument/2006/relationships" xmlns:p="http://schemas.openxmlformats.org/presentationml/2006/main">
+  <p:cSld>
+    <p:spTree>
+      <p:nvGrpSpPr>
+        <p:cNvPr id="1" name=""/>
+        <p:cNvGrpSpPr/>
+        <p:nvPr/>
+      </p:nvGrpSpPr>
+      <p:grpSpPr>
+        <a:xfrm>
+          <a:off x="0" y="0"/>
+          <a:ext cx="0" cy="0"/>
+          <a:chOff x="0" y="0"/>
+          <a:chExt cx="0" cy="0"/>
+        </a:xfrm>
+      </p:grpSpPr>
+      <p:sp>
+        <p:nvSpPr>
+          <p:cNvPr id="2" name="Título 1"/>
+          <p:cNvSpPr>
+            <a:spLocks noGrp="1"/>
+          </p:cNvSpPr>
+          <p:nvPr>
+            <p:ph type="title"/>
+          </p:nvPr>
+        </p:nvSpPr>
+        <p:spPr>
+          <a:xfrm>
+            <a:off x="167425" y="360607"/>
+            <a:ext cx="11925837" cy="875765"/>
+          </a:xfrm>
+        </p:spPr>
+        <p:txBody>
+          <a:bodyPr/>
+          <a:lstStyle/>
+          <a:p>
+            <a:r>
+              <a:rPr lang="es-PA" sz="3500" dirty="0" smtClean="0"/>
+              <a:t>Efectos de Ganancia de Lazo Abierto Finita y Ancho de Banda en el desempeño del circuito</a:t>
+            </a:r>
+            <a:endParaRPr lang="es-PA" sz="3500" dirty="0"/>
+          </a:p>
+        </p:txBody>
+      </p:sp>
+      <p:sp>
+        <p:nvSpPr>
+          <p:cNvPr id="3" name="Marcador de contenido 2"/>
+          <p:cNvSpPr>
+            <a:spLocks noGrp="1"/>
+          </p:cNvSpPr>
+          <p:nvPr>
+            <p:ph idx="1"/>
+          </p:nvPr>
+        </p:nvSpPr>
+        <p:spPr>
+          <a:xfrm>
+            <a:off x="310675" y="1579418"/>
+            <a:ext cx="11618089" cy="5143645"/>
+          </a:xfrm>
+        </p:spPr>
+        <p:txBody>
+          <a:bodyPr>
+            <a:normAutofit lnSpcReduction="10000"/>
+          </a:bodyPr>
+          <a:lstStyle/>
+          <a:p>
+            <a:r>
+              <a:rPr lang="es-PA" dirty="0" smtClean="0"/>
+              <a:t>Un </a:t>
+            </a:r>
+            <a:r>
+              <a:rPr lang="es-PA" dirty="0" err="1" smtClean="0"/>
+              <a:t>opamp</a:t>
+            </a:r>
+            <a:r>
+              <a:rPr lang="es-PA" dirty="0" smtClean="0"/>
+              <a:t> compensado internamente tiene una ganancia de lazo abierto de 106db y una ganancia unitaria de ancho de banda de 3MHz.  Encontrar</a:t>
+            </a:r>
+          </a:p>
+          <a:p>
+            <a:pPr lvl="1"/>
+            <a:r>
+              <a:rPr lang="es-PA" dirty="0" err="1" smtClean="0"/>
+              <a:t>fb</a:t>
+            </a:r>
+            <a:endParaRPr lang="es-PA" dirty="0" smtClean="0"/>
+          </a:p>
+          <a:p>
+            <a:pPr lvl="1"/>
+            <a:r>
+              <a:rPr lang="es-PA" dirty="0" smtClean="0"/>
+              <a:t>Ganancia de lazo abierto en dB si </a:t>
+            </a:r>
+            <a:r>
+              <a:rPr lang="es-PA" dirty="0" err="1" smtClean="0"/>
+              <a:t>fb</a:t>
+            </a:r>
+            <a:r>
+              <a:rPr lang="es-PA" dirty="0" smtClean="0"/>
+              <a:t> es</a:t>
+            </a:r>
+          </a:p>
+          <a:p>
+            <a:pPr lvl="2"/>
+            <a:r>
+              <a:rPr lang="es-PA" dirty="0" smtClean="0"/>
+              <a:t>300 Hz</a:t>
+            </a:r>
+          </a:p>
+          <a:p>
+            <a:pPr lvl="2"/>
+            <a:r>
+              <a:rPr lang="es-PA" dirty="0" smtClean="0"/>
+              <a:t>3kHz</a:t>
+            </a:r>
+          </a:p>
+          <a:p>
+            <a:pPr lvl="2"/>
+            <a:r>
+              <a:rPr lang="es-PA" dirty="0" smtClean="0"/>
+              <a:t>12kHz</a:t>
+            </a:r>
+          </a:p>
+          <a:p>
+            <a:pPr lvl="2"/>
+            <a:r>
+              <a:rPr lang="es-PA" dirty="0" smtClean="0"/>
+              <a:t>60kHz</a:t>
+            </a:r>
+          </a:p>
+          <a:p>
+            <a:pPr lvl="2"/>
+            <a:endParaRPr lang="es-PA" dirty="0"/>
+          </a:p>
+          <a:p>
+            <a:r>
+              <a:rPr lang="es-PA" dirty="0" err="1" smtClean="0"/>
+              <a:t>fb</a:t>
+            </a:r>
+            <a:r>
+              <a:rPr lang="es-PA" dirty="0" smtClean="0"/>
+              <a:t> = 15 Hz</a:t>
+            </a:r>
+          </a:p>
+          <a:p>
+            <a:r>
+              <a:rPr lang="es-PA" dirty="0" smtClean="0"/>
+              <a:t>80dB</a:t>
+            </a:r>
+          </a:p>
+          <a:p>
+            <a:r>
+              <a:rPr lang="es-PA" dirty="0" smtClean="0"/>
+              <a:t>60dB</a:t>
+            </a:r>
+          </a:p>
+          <a:p>
+            <a:r>
+              <a:rPr lang="es-PA" dirty="0" smtClean="0"/>
+              <a:t>48dB</a:t>
+            </a:r>
+          </a:p>
+          <a:p>
+            <a:r>
+              <a:rPr lang="es-PA" dirty="0" smtClean="0"/>
+              <a:t>34dB</a:t>
+            </a:r>
+          </a:p>
+        </p:txBody>
+      </p:sp>
+      <p:pic>
+        <p:nvPicPr>
+          <p:cNvPr id="5" name="Imagen 4"/>
+          <p:cNvPicPr>
+            <a:picLocks noChangeAspect="1"/>
+          </p:cNvPicPr>
+          <p:nvPr/>
+        </p:nvPicPr>
+        <p:blipFill>
+          <a:blip r:embed="rId2"/>
+          <a:stretch>
+            <a:fillRect/>
+          </a:stretch>
+        </p:blipFill>
+        <p:spPr>
+          <a:xfrm>
+            <a:off x="6776888" y="2287391"/>
+            <a:ext cx="1404938" cy="614010"/>
+          </a:xfrm>
+          <a:prstGeom prst="rect">
+            <a:avLst/>
+          </a:prstGeom>
+        </p:spPr>
+      </p:pic>
+      <p:pic>
+        <p:nvPicPr>
+          <p:cNvPr id="7" name="Imagen 6"/>
+          <p:cNvPicPr>
+            <a:picLocks noChangeAspect="1"/>
+          </p:cNvPicPr>
+          <p:nvPr/>
+        </p:nvPicPr>
+        <p:blipFill>
+          <a:blip r:embed="rId3"/>
+          <a:stretch>
+            <a:fillRect/>
+          </a:stretch>
+        </p:blipFill>
+        <p:spPr>
+          <a:xfrm>
+            <a:off x="8348829" y="2320210"/>
+            <a:ext cx="1236009" cy="478455"/>
+          </a:xfrm>
+          <a:prstGeom prst="rect">
+            <a:avLst/>
+          </a:prstGeom>
+        </p:spPr>
+      </p:pic>
+      <p:pic>
+        <p:nvPicPr>
+          <p:cNvPr id="13" name="Imagen 12"/>
+          <p:cNvPicPr>
+            <a:picLocks noChangeAspect="1"/>
+          </p:cNvPicPr>
+          <p:nvPr/>
+        </p:nvPicPr>
+        <p:blipFill>
+          <a:blip r:embed="rId4"/>
+          <a:stretch>
+            <a:fillRect/>
+          </a:stretch>
+        </p:blipFill>
+        <p:spPr>
+          <a:xfrm>
+            <a:off x="6776888" y="3244447"/>
+            <a:ext cx="5316374" cy="3478615"/>
+          </a:xfrm>
+          <a:prstGeom prst="rect">
+            <a:avLst/>
+          </a:prstGeom>
+        </p:spPr>
+      </p:pic>
+    </p:spTree>
+    <p:extLst>
+      <p:ext uri="{BB962C8B-B14F-4D97-AF65-F5344CB8AC3E}">
+        <p14:creationId xmlns:p14="http://schemas.microsoft.com/office/powerpoint/2010/main" val="4064373578"/>
+      </p:ext>
+    </p:extLst>
+  </p:cSld>
+  <p:clrMapOvr>
+    <a:masterClrMapping/>
+  </p:clrMapOvr>
+  <p:timing>
+    <p:tnLst>
+      <p:par>
+        <p:cTn id="1" dur="indefinite" restart="never" nodeType="tmRoot"/>
+      </p:par>
+    </p:tnLst>
+  </p:timing>
+</p:sld>
+</file>
+
+<file path=ppt/slides/slide108.xml><?xml version="1.0" encoding="utf-8"?>
+<p:sld xmlns:a="http://schemas.openxmlformats.org/drawingml/2006/main" xmlns:r="http://schemas.openxmlformats.org/officeDocument/2006/relationships" xmlns:p="http://schemas.openxmlformats.org/presentationml/2006/main">
+  <p:cSld>
+    <p:spTree>
+      <p:nvGrpSpPr>
+        <p:cNvPr id="1" name=""/>
+        <p:cNvGrpSpPr/>
+        <p:nvPr/>
+      </p:nvGrpSpPr>
+      <p:grpSpPr>
+        <a:xfrm>
+          <a:off x="0" y="0"/>
+          <a:ext cx="0" cy="0"/>
+          <a:chOff x="0" y="0"/>
+          <a:chExt cx="0" cy="0"/>
+        </a:xfrm>
+      </p:grpSpPr>
+      <p:sp>
+        <p:nvSpPr>
+          <p:cNvPr id="2" name="Título 1"/>
+          <p:cNvSpPr>
+            <a:spLocks noGrp="1"/>
+          </p:cNvSpPr>
+          <p:nvPr>
+            <p:ph type="title"/>
+          </p:nvPr>
+        </p:nvSpPr>
+        <p:spPr>
+          <a:xfrm>
+            <a:off x="167425" y="360607"/>
+            <a:ext cx="11925837" cy="875765"/>
+          </a:xfrm>
+        </p:spPr>
+        <p:txBody>
+          <a:bodyPr/>
+          <a:lstStyle/>
+          <a:p>
+            <a:r>
+              <a:rPr lang="es-PA" sz="3500" dirty="0" smtClean="0"/>
+              <a:t>Respuesta en Frecuencia de Amplificadores de Lazo Cerrado</a:t>
+            </a:r>
+            <a:endParaRPr lang="es-PA" sz="3500" dirty="0"/>
+          </a:p>
+        </p:txBody>
+      </p:sp>
+      <p:sp>
+        <p:nvSpPr>
+          <p:cNvPr id="3" name="Marcador de contenido 2"/>
+          <p:cNvSpPr>
+            <a:spLocks noGrp="1"/>
+          </p:cNvSpPr>
+          <p:nvPr>
+            <p:ph idx="1"/>
+          </p:nvPr>
+        </p:nvSpPr>
+        <p:spPr>
+          <a:xfrm>
+            <a:off x="310675" y="1579418"/>
+            <a:ext cx="11618089" cy="5143645"/>
+          </a:xfrm>
+        </p:spPr>
+        <p:txBody>
+          <a:bodyPr>
+            <a:normAutofit/>
+          </a:bodyPr>
+          <a:lstStyle/>
+          <a:p>
+            <a:r>
+              <a:rPr lang="es-PA" dirty="0" smtClean="0"/>
+              <a:t>Analizaremos los efectos del </a:t>
+            </a:r>
+            <a:r>
+              <a:rPr lang="es-PA" dirty="0" err="1" smtClean="0"/>
+              <a:t>opamp</a:t>
+            </a:r>
+            <a:r>
+              <a:rPr lang="es-PA" dirty="0" smtClean="0"/>
+              <a:t> de lazo cerrado del inversor</a:t>
+            </a:r>
+          </a:p>
+          <a:p>
+            <a:r>
+              <a:rPr lang="es-PA" dirty="0" smtClean="0"/>
+              <a:t>Para el caso de este </a:t>
+            </a:r>
+            <a:r>
+              <a:rPr lang="es-PA" dirty="0" err="1" smtClean="0"/>
+              <a:t>amplifcador</a:t>
+            </a:r>
+            <a:r>
+              <a:rPr lang="es-PA" dirty="0" smtClean="0"/>
+              <a:t>                                  si sustituimos por</a:t>
+            </a:r>
+          </a:p>
+          <a:p>
+            <a:r>
+              <a:rPr lang="es-PA" dirty="0" smtClean="0"/>
+              <a:t>Tenemos </a:t>
+            </a:r>
+          </a:p>
+          <a:p>
+            <a:endParaRPr lang="es-PA" dirty="0"/>
+          </a:p>
+          <a:p>
+            <a:endParaRPr lang="es-PA" dirty="0" smtClean="0"/>
+          </a:p>
+          <a:p>
+            <a:endParaRPr lang="es-PA" dirty="0" smtClean="0"/>
+          </a:p>
+          <a:p>
+            <a:r>
+              <a:rPr lang="es-PA" dirty="0" smtClean="0"/>
+              <a:t>Y para A0 &gt;&gt;&gt; (1 + R2/R1)</a:t>
+            </a:r>
+          </a:p>
+          <a:p>
+            <a:endParaRPr lang="es-PA" dirty="0"/>
+          </a:p>
+          <a:p>
+            <a:r>
+              <a:rPr lang="es-PA" dirty="0" smtClean="0"/>
+              <a:t>Que es la misma forma de un filtro paso bajo con STC (1 constante de tiempo)</a:t>
+            </a:r>
+          </a:p>
+          <a:p>
+            <a:r>
+              <a:rPr lang="es-PA" dirty="0" smtClean="0"/>
+              <a:t>La frecuencia a 3dB es</a:t>
+            </a:r>
+          </a:p>
+        </p:txBody>
+      </p:sp>
+      <p:pic>
+        <p:nvPicPr>
+          <p:cNvPr id="4" name="Imagen 3"/>
+          <p:cNvPicPr>
+            <a:picLocks noChangeAspect="1"/>
+          </p:cNvPicPr>
+          <p:nvPr/>
+        </p:nvPicPr>
+        <p:blipFill>
+          <a:blip r:embed="rId2"/>
+          <a:stretch>
+            <a:fillRect/>
+          </a:stretch>
+        </p:blipFill>
+        <p:spPr>
+          <a:xfrm>
+            <a:off x="4948371" y="1925056"/>
+            <a:ext cx="2193750" cy="753750"/>
+          </a:xfrm>
+          <a:prstGeom prst="rect">
+            <a:avLst/>
+          </a:prstGeom>
+        </p:spPr>
+      </p:pic>
+      <p:pic>
+        <p:nvPicPr>
+          <p:cNvPr id="6" name="Imagen 5"/>
+          <p:cNvPicPr>
+            <a:picLocks noChangeAspect="1"/>
+          </p:cNvPicPr>
+          <p:nvPr/>
+        </p:nvPicPr>
+        <p:blipFill>
+          <a:blip r:embed="rId3"/>
+          <a:stretch>
+            <a:fillRect/>
+          </a:stretch>
+        </p:blipFill>
+        <p:spPr>
+          <a:xfrm>
+            <a:off x="9323431" y="1925056"/>
+            <a:ext cx="1323975" cy="600075"/>
+          </a:xfrm>
+          <a:prstGeom prst="rect">
+            <a:avLst/>
+          </a:prstGeom>
+        </p:spPr>
+      </p:pic>
+      <p:pic>
+        <p:nvPicPr>
+          <p:cNvPr id="8" name="Imagen 7"/>
+          <p:cNvPicPr>
+            <a:picLocks noChangeAspect="1"/>
+          </p:cNvPicPr>
+          <p:nvPr/>
+        </p:nvPicPr>
+        <p:blipFill>
+          <a:blip r:embed="rId4"/>
+          <a:stretch>
+            <a:fillRect/>
+          </a:stretch>
+        </p:blipFill>
+        <p:spPr>
+          <a:xfrm>
+            <a:off x="747176" y="2792904"/>
+            <a:ext cx="3706874" cy="993485"/>
+          </a:xfrm>
+          <a:prstGeom prst="rect">
+            <a:avLst/>
+          </a:prstGeom>
+        </p:spPr>
+      </p:pic>
+      <p:pic>
+        <p:nvPicPr>
+          <p:cNvPr id="9" name="Imagen 8"/>
+          <p:cNvPicPr>
+            <a:picLocks noChangeAspect="1"/>
+          </p:cNvPicPr>
+          <p:nvPr/>
+        </p:nvPicPr>
+        <p:blipFill>
+          <a:blip r:embed="rId5"/>
+          <a:stretch>
+            <a:fillRect/>
+          </a:stretch>
+        </p:blipFill>
+        <p:spPr>
+          <a:xfrm>
+            <a:off x="3936305" y="3892292"/>
+            <a:ext cx="2518568" cy="903522"/>
+          </a:xfrm>
+          <a:prstGeom prst="rect">
+            <a:avLst/>
+          </a:prstGeom>
+        </p:spPr>
+      </p:pic>
+      <p:pic>
+        <p:nvPicPr>
+          <p:cNvPr id="10" name="Imagen 9"/>
+          <p:cNvPicPr>
+            <a:picLocks noChangeAspect="1"/>
+          </p:cNvPicPr>
+          <p:nvPr/>
+        </p:nvPicPr>
+        <p:blipFill>
+          <a:blip r:embed="rId6"/>
+          <a:stretch>
+            <a:fillRect/>
+          </a:stretch>
+        </p:blipFill>
+        <p:spPr>
+          <a:xfrm>
+            <a:off x="3660090" y="5403224"/>
+            <a:ext cx="1690951" cy="657592"/>
+          </a:xfrm>
+          <a:prstGeom prst="rect">
+            <a:avLst/>
+          </a:prstGeom>
+        </p:spPr>
+      </p:pic>
+    </p:spTree>
+    <p:extLst>
+      <p:ext uri="{BB962C8B-B14F-4D97-AF65-F5344CB8AC3E}">
+        <p14:creationId xmlns:p14="http://schemas.microsoft.com/office/powerpoint/2010/main" val="217710254"/>
+      </p:ext>
+    </p:extLst>
+  </p:cSld>
+  <p:clrMapOvr>
+    <a:masterClrMapping/>
+  </p:clrMapOvr>
+  <p:timing>
+    <p:tnLst>
+      <p:par>
+        <p:cTn id="1" dur="indefinite" restart="never" nodeType="tmRoot"/>
+      </p:par>
+    </p:tnLst>
+  </p:timing>
+</p:sld>
+</file>
+
+<file path=ppt/slides/slide109.xml><?xml version="1.0" encoding="utf-8"?>
+<p:sld xmlns:a="http://schemas.openxmlformats.org/drawingml/2006/main" xmlns:r="http://schemas.openxmlformats.org/officeDocument/2006/relationships" xmlns:p="http://schemas.openxmlformats.org/presentationml/2006/main">
+  <p:cSld>
+    <p:spTree>
+      <p:nvGrpSpPr>
+        <p:cNvPr id="1" name=""/>
+        <p:cNvGrpSpPr/>
+        <p:nvPr/>
+      </p:nvGrpSpPr>
+      <p:grpSpPr>
+        <a:xfrm>
+          <a:off x="0" y="0"/>
+          <a:ext cx="0" cy="0"/>
+          <a:chOff x="0" y="0"/>
+          <a:chExt cx="0" cy="0"/>
+        </a:xfrm>
+      </p:grpSpPr>
+      <p:sp>
+        <p:nvSpPr>
+          <p:cNvPr id="2" name="Título 1"/>
+          <p:cNvSpPr>
+            <a:spLocks noGrp="1"/>
+          </p:cNvSpPr>
+          <p:nvPr>
+            <p:ph type="title"/>
+          </p:nvPr>
+        </p:nvSpPr>
+        <p:spPr>
+          <a:xfrm>
+            <a:off x="167425" y="360607"/>
+            <a:ext cx="11925837" cy="875765"/>
+          </a:xfrm>
+        </p:spPr>
+        <p:txBody>
+          <a:bodyPr/>
+          <a:lstStyle/>
+          <a:p>
+            <a:r>
+              <a:rPr lang="es-PA" sz="3500" dirty="0" smtClean="0"/>
+              <a:t>Respuesta en Frecuencia de Amplificadores de Lazo Cerrado</a:t>
+            </a:r>
+            <a:endParaRPr lang="es-PA" sz="3500" dirty="0"/>
+          </a:p>
+        </p:txBody>
+      </p:sp>
+      <p:sp>
+        <p:nvSpPr>
+          <p:cNvPr id="3" name="Marcador de contenido 2"/>
+          <p:cNvSpPr>
+            <a:spLocks noGrp="1"/>
+          </p:cNvSpPr>
+          <p:nvPr>
+            <p:ph idx="1"/>
+          </p:nvPr>
+        </p:nvSpPr>
+        <p:spPr>
+          <a:xfrm>
+            <a:off x="310675" y="1579418"/>
+            <a:ext cx="11618089" cy="5143645"/>
+          </a:xfrm>
+        </p:spPr>
+        <p:txBody>
+          <a:bodyPr>
+            <a:normAutofit/>
+          </a:bodyPr>
+          <a:lstStyle/>
+          <a:p>
+            <a:r>
+              <a:rPr lang="es-PA" dirty="0" smtClean="0"/>
+              <a:t>Analizaremos los efectos del </a:t>
+            </a:r>
+            <a:r>
+              <a:rPr lang="es-PA" dirty="0" err="1" smtClean="0"/>
+              <a:t>opamp</a:t>
+            </a:r>
+            <a:r>
+              <a:rPr lang="es-PA" dirty="0" smtClean="0"/>
+              <a:t> de lazo cerrado del no inversor</a:t>
+            </a:r>
+          </a:p>
+          <a:p>
+            <a:r>
+              <a:rPr lang="es-PA" dirty="0" smtClean="0"/>
+              <a:t>Para el caso de este </a:t>
+            </a:r>
+            <a:r>
+              <a:rPr lang="es-PA" dirty="0" err="1" smtClean="0"/>
+              <a:t>amplifcador</a:t>
+            </a:r>
+            <a:r>
+              <a:rPr lang="es-PA" dirty="0" smtClean="0"/>
+              <a:t>                                  si sustituimos por</a:t>
+            </a:r>
+          </a:p>
+          <a:p>
+            <a:endParaRPr lang="es-PA" dirty="0" smtClean="0"/>
+          </a:p>
+          <a:p>
+            <a:r>
+              <a:rPr lang="es-PA" dirty="0" smtClean="0"/>
+              <a:t>Tenemos que para A0 &gt;&gt;&gt; ( 1 + R2/R1) nos queda</a:t>
+            </a:r>
+          </a:p>
+          <a:p>
+            <a:endParaRPr lang="es-PA" dirty="0" smtClean="0"/>
+          </a:p>
+          <a:p>
+            <a:r>
+              <a:rPr lang="es-PA" dirty="0" smtClean="0"/>
+              <a:t>Y la frecuencia a 3dB es la misma </a:t>
+            </a:r>
+            <a:endParaRPr lang="es-PA" dirty="0"/>
+          </a:p>
+          <a:p>
+            <a:endParaRPr lang="es-PA" dirty="0" smtClean="0"/>
+          </a:p>
+          <a:p>
+            <a:endParaRPr lang="es-PA" dirty="0" smtClean="0"/>
+          </a:p>
+          <a:p>
+            <a:r>
+              <a:rPr lang="es-PA" dirty="0" smtClean="0"/>
+              <a:t>Considere un </a:t>
+            </a:r>
+            <a:r>
+              <a:rPr lang="es-PA" dirty="0" err="1" smtClean="0"/>
+              <a:t>op-amp</a:t>
+            </a:r>
+            <a:r>
+              <a:rPr lang="es-PA" dirty="0" smtClean="0"/>
+              <a:t> con ft = 1MHz.  Encuentre la frecuencia a 3dB del amplificador de lazo cerrado con ganancia nominal de 1000, 100, 10, 1, -1, -10, -100, -1000.  Dibuje la gráfica para frecuencias de 10 y -10</a:t>
+            </a:r>
+          </a:p>
+        </p:txBody>
+      </p:sp>
+      <p:pic>
+        <p:nvPicPr>
+          <p:cNvPr id="6" name="Imagen 5"/>
+          <p:cNvPicPr>
+            <a:picLocks noChangeAspect="1"/>
+          </p:cNvPicPr>
+          <p:nvPr/>
+        </p:nvPicPr>
+        <p:blipFill>
+          <a:blip r:embed="rId2"/>
+          <a:stretch>
+            <a:fillRect/>
+          </a:stretch>
+        </p:blipFill>
+        <p:spPr>
+          <a:xfrm>
+            <a:off x="9323431" y="1925056"/>
+            <a:ext cx="1323975" cy="600075"/>
+          </a:xfrm>
+          <a:prstGeom prst="rect">
+            <a:avLst/>
+          </a:prstGeom>
+        </p:spPr>
+      </p:pic>
+      <p:pic>
+        <p:nvPicPr>
+          <p:cNvPr id="5" name="Imagen 4"/>
+          <p:cNvPicPr>
+            <a:picLocks noChangeAspect="1"/>
+          </p:cNvPicPr>
+          <p:nvPr/>
+        </p:nvPicPr>
+        <p:blipFill>
+          <a:blip r:embed="rId3"/>
+          <a:stretch>
+            <a:fillRect/>
+          </a:stretch>
+        </p:blipFill>
+        <p:spPr>
+          <a:xfrm>
+            <a:off x="4931266" y="1925056"/>
+            <a:ext cx="2184415" cy="792386"/>
+          </a:xfrm>
+          <a:prstGeom prst="rect">
+            <a:avLst/>
+          </a:prstGeom>
+        </p:spPr>
+      </p:pic>
+      <p:pic>
+        <p:nvPicPr>
+          <p:cNvPr id="7" name="Imagen 6"/>
+          <p:cNvPicPr>
+            <a:picLocks noChangeAspect="1"/>
+          </p:cNvPicPr>
+          <p:nvPr/>
+        </p:nvPicPr>
+        <p:blipFill>
+          <a:blip r:embed="rId4"/>
+          <a:stretch>
+            <a:fillRect/>
+          </a:stretch>
+        </p:blipFill>
+        <p:spPr>
+          <a:xfrm>
+            <a:off x="7160861" y="2766789"/>
+            <a:ext cx="2959039" cy="1137098"/>
+          </a:xfrm>
+          <a:prstGeom prst="rect">
+            <a:avLst/>
+          </a:prstGeom>
+        </p:spPr>
+      </p:pic>
+      <p:pic>
+        <p:nvPicPr>
+          <p:cNvPr id="11" name="Imagen 10"/>
+          <p:cNvPicPr>
+            <a:picLocks noChangeAspect="1"/>
+          </p:cNvPicPr>
+          <p:nvPr/>
+        </p:nvPicPr>
+        <p:blipFill>
+          <a:blip r:embed="rId5"/>
+          <a:stretch>
+            <a:fillRect/>
+          </a:stretch>
+        </p:blipFill>
+        <p:spPr>
+          <a:xfrm>
+            <a:off x="4931266" y="3618136"/>
+            <a:ext cx="1799638" cy="683407"/>
+          </a:xfrm>
+          <a:prstGeom prst="rect">
+            <a:avLst/>
+          </a:prstGeom>
+        </p:spPr>
+      </p:pic>
+    </p:spTree>
+    <p:extLst>
+      <p:ext uri="{BB962C8B-B14F-4D97-AF65-F5344CB8AC3E}">
+        <p14:creationId xmlns:p14="http://schemas.microsoft.com/office/powerpoint/2010/main" val="2770619682"/>
+      </p:ext>
+    </p:extLst>
+  </p:cSld>
+  <p:clrMapOvr>
+    <a:masterClrMapping/>
+  </p:clrMapOvr>
+  <p:timing>
+    <p:tnLst>
+      <p:par>
+        <p:cTn id="1" dur="indefinite" restart="never" nodeType="tmRoot"/>
+      </p:par>
+    </p:tnLst>
+  </p:timing>
+</p:sld>
+</file>
+
 <file path=ppt/slides/slide11.xml><?xml version="1.0" encoding="utf-8"?>
 <p:sld xmlns:a="http://schemas.openxmlformats.org/drawingml/2006/main" xmlns:r="http://schemas.openxmlformats.org/officeDocument/2006/relationships" xmlns:p="http://schemas.openxmlformats.org/presentationml/2006/main">
   <p:cSld>
@@ -7512,6 +9120,2349 @@
     <p:extLst>
       <p:ext uri="{BB962C8B-B14F-4D97-AF65-F5344CB8AC3E}">
         <p14:creationId xmlns:p14="http://schemas.microsoft.com/office/powerpoint/2010/main" val="2490006317"/>
+      </p:ext>
+    </p:extLst>
+  </p:cSld>
+  <p:clrMapOvr>
+    <a:masterClrMapping/>
+  </p:clrMapOvr>
+  <p:timing>
+    <p:tnLst>
+      <p:par>
+        <p:cTn id="1" dur="indefinite" restart="never" nodeType="tmRoot"/>
+      </p:par>
+    </p:tnLst>
+  </p:timing>
+</p:sld>
+</file>
+
+<file path=ppt/slides/slide110.xml><?xml version="1.0" encoding="utf-8"?>
+<p:sld xmlns:a="http://schemas.openxmlformats.org/drawingml/2006/main" xmlns:r="http://schemas.openxmlformats.org/officeDocument/2006/relationships" xmlns:p="http://schemas.openxmlformats.org/presentationml/2006/main">
+  <p:cSld>
+    <p:spTree>
+      <p:nvGrpSpPr>
+        <p:cNvPr id="1" name=""/>
+        <p:cNvGrpSpPr/>
+        <p:nvPr/>
+      </p:nvGrpSpPr>
+      <p:grpSpPr>
+        <a:xfrm>
+          <a:off x="0" y="0"/>
+          <a:ext cx="0" cy="0"/>
+          <a:chOff x="0" y="0"/>
+          <a:chExt cx="0" cy="0"/>
+        </a:xfrm>
+      </p:grpSpPr>
+      <p:sp>
+        <p:nvSpPr>
+          <p:cNvPr id="2" name="Título 1"/>
+          <p:cNvSpPr>
+            <a:spLocks noGrp="1"/>
+          </p:cNvSpPr>
+          <p:nvPr>
+            <p:ph type="title"/>
+          </p:nvPr>
+        </p:nvSpPr>
+        <p:spPr>
+          <a:xfrm>
+            <a:off x="167425" y="360607"/>
+            <a:ext cx="11925837" cy="875765"/>
+          </a:xfrm>
+        </p:spPr>
+        <p:txBody>
+          <a:bodyPr/>
+          <a:lstStyle/>
+          <a:p>
+            <a:r>
+              <a:rPr lang="es-PA" sz="3500" dirty="0" smtClean="0"/>
+              <a:t>Respuesta en Frecuencia de Amplificadores de Lazo Cerrado</a:t>
+            </a:r>
+            <a:endParaRPr lang="es-PA" sz="3500" dirty="0"/>
+          </a:p>
+        </p:txBody>
+      </p:sp>
+      <p:sp>
+        <p:nvSpPr>
+          <p:cNvPr id="3" name="Marcador de contenido 2"/>
+          <p:cNvSpPr>
+            <a:spLocks noGrp="1"/>
+          </p:cNvSpPr>
+          <p:nvPr>
+            <p:ph idx="1"/>
+          </p:nvPr>
+        </p:nvSpPr>
+        <p:spPr>
+          <a:xfrm>
+            <a:off x="310675" y="1579418"/>
+            <a:ext cx="11618089" cy="5143645"/>
+          </a:xfrm>
+        </p:spPr>
+        <p:txBody>
+          <a:bodyPr>
+            <a:normAutofit/>
+          </a:bodyPr>
+          <a:lstStyle/>
+          <a:p>
+            <a:r>
+              <a:rPr lang="es-PA" dirty="0" smtClean="0"/>
+              <a:t>Considere un </a:t>
+            </a:r>
+            <a:r>
+              <a:rPr lang="es-PA" dirty="0" err="1" smtClean="0"/>
+              <a:t>op-amp</a:t>
+            </a:r>
+            <a:r>
+              <a:rPr lang="es-PA" dirty="0" smtClean="0"/>
+              <a:t> con ft = 1MHz.  Encuentre la frecuencia a 3dB del amplificador de lazo cerrado con ganancia nominal de 1000, 100, 10, 1, -1, -10, -100, -1000.  Dibuje la gráfica para frecuencias de 10 y -10</a:t>
+            </a:r>
+          </a:p>
+        </p:txBody>
+      </p:sp>
+      <p:pic>
+        <p:nvPicPr>
+          <p:cNvPr id="4" name="Imagen 3"/>
+          <p:cNvPicPr>
+            <a:picLocks noChangeAspect="1"/>
+          </p:cNvPicPr>
+          <p:nvPr/>
+        </p:nvPicPr>
+        <p:blipFill>
+          <a:blip r:embed="rId2"/>
+          <a:stretch>
+            <a:fillRect/>
+          </a:stretch>
+        </p:blipFill>
+        <p:spPr>
+          <a:xfrm>
+            <a:off x="167425" y="2733289"/>
+            <a:ext cx="4809688" cy="2835901"/>
+          </a:xfrm>
+          <a:prstGeom prst="rect">
+            <a:avLst/>
+          </a:prstGeom>
+        </p:spPr>
+      </p:pic>
+      <p:pic>
+        <p:nvPicPr>
+          <p:cNvPr id="8" name="Imagen 7"/>
+          <p:cNvPicPr>
+            <a:picLocks noChangeAspect="1"/>
+          </p:cNvPicPr>
+          <p:nvPr/>
+        </p:nvPicPr>
+        <p:blipFill>
+          <a:blip r:embed="rId3"/>
+          <a:stretch>
+            <a:fillRect/>
+          </a:stretch>
+        </p:blipFill>
+        <p:spPr>
+          <a:xfrm>
+            <a:off x="5731100" y="2324566"/>
+            <a:ext cx="4578768" cy="2080010"/>
+          </a:xfrm>
+          <a:prstGeom prst="rect">
+            <a:avLst/>
+          </a:prstGeom>
+        </p:spPr>
+      </p:pic>
+      <p:pic>
+        <p:nvPicPr>
+          <p:cNvPr id="9" name="Imagen 8"/>
+          <p:cNvPicPr>
+            <a:picLocks noChangeAspect="1"/>
+          </p:cNvPicPr>
+          <p:nvPr/>
+        </p:nvPicPr>
+        <p:blipFill>
+          <a:blip r:embed="rId4"/>
+          <a:stretch>
+            <a:fillRect/>
+          </a:stretch>
+        </p:blipFill>
+        <p:spPr>
+          <a:xfrm>
+            <a:off x="5731099" y="4594751"/>
+            <a:ext cx="4561636" cy="2128312"/>
+          </a:xfrm>
+          <a:prstGeom prst="rect">
+            <a:avLst/>
+          </a:prstGeom>
+        </p:spPr>
+      </p:pic>
+    </p:spTree>
+    <p:extLst>
+      <p:ext uri="{BB962C8B-B14F-4D97-AF65-F5344CB8AC3E}">
+        <p14:creationId xmlns:p14="http://schemas.microsoft.com/office/powerpoint/2010/main" val="2787140599"/>
+      </p:ext>
+    </p:extLst>
+  </p:cSld>
+  <p:clrMapOvr>
+    <a:masterClrMapping/>
+  </p:clrMapOvr>
+  <p:timing>
+    <p:tnLst>
+      <p:par>
+        <p:cTn id="1" dur="indefinite" restart="never" nodeType="tmRoot"/>
+      </p:par>
+    </p:tnLst>
+  </p:timing>
+</p:sld>
+</file>
+
+<file path=ppt/slides/slide111.xml><?xml version="1.0" encoding="utf-8"?>
+<p:sld xmlns:a="http://schemas.openxmlformats.org/drawingml/2006/main" xmlns:r="http://schemas.openxmlformats.org/officeDocument/2006/relationships" xmlns:p="http://schemas.openxmlformats.org/presentationml/2006/main">
+  <p:cSld>
+    <p:spTree>
+      <p:nvGrpSpPr>
+        <p:cNvPr id="1" name=""/>
+        <p:cNvGrpSpPr/>
+        <p:nvPr/>
+      </p:nvGrpSpPr>
+      <p:grpSpPr>
+        <a:xfrm>
+          <a:off x="0" y="0"/>
+          <a:ext cx="0" cy="0"/>
+          <a:chOff x="0" y="0"/>
+          <a:chExt cx="0" cy="0"/>
+        </a:xfrm>
+      </p:grpSpPr>
+      <p:sp>
+        <p:nvSpPr>
+          <p:cNvPr id="2" name="Título 1"/>
+          <p:cNvSpPr>
+            <a:spLocks noGrp="1"/>
+          </p:cNvSpPr>
+          <p:nvPr>
+            <p:ph type="title"/>
+          </p:nvPr>
+        </p:nvSpPr>
+        <p:spPr>
+          <a:xfrm>
+            <a:off x="167425" y="360607"/>
+            <a:ext cx="11925837" cy="875765"/>
+          </a:xfrm>
+        </p:spPr>
+        <p:txBody>
+          <a:bodyPr/>
+          <a:lstStyle/>
+          <a:p>
+            <a:r>
+              <a:rPr lang="es-PA" sz="3500" dirty="0" smtClean="0"/>
+              <a:t>Respuesta en Frecuencia de Amplificadores de Lazo Cerrado</a:t>
+            </a:r>
+            <a:endParaRPr lang="es-PA" sz="3500" dirty="0"/>
+          </a:p>
+        </p:txBody>
+      </p:sp>
+      <p:sp>
+        <p:nvSpPr>
+          <p:cNvPr id="3" name="Marcador de contenido 2"/>
+          <p:cNvSpPr>
+            <a:spLocks noGrp="1"/>
+          </p:cNvSpPr>
+          <p:nvPr>
+            <p:ph idx="1"/>
+          </p:nvPr>
+        </p:nvSpPr>
+        <p:spPr>
+          <a:xfrm>
+            <a:off x="310675" y="1579418"/>
+            <a:ext cx="11618089" cy="5143645"/>
+          </a:xfrm>
+        </p:spPr>
+        <p:txBody>
+          <a:bodyPr>
+            <a:normAutofit/>
+          </a:bodyPr>
+          <a:lstStyle/>
+          <a:p>
+            <a:r>
+              <a:rPr lang="es-PA" dirty="0" smtClean="0"/>
+              <a:t>Un </a:t>
+            </a:r>
+            <a:r>
+              <a:rPr lang="es-PA" dirty="0" err="1" smtClean="0"/>
+              <a:t>opamp</a:t>
+            </a:r>
+            <a:r>
+              <a:rPr lang="es-PA" dirty="0" smtClean="0"/>
+              <a:t> compensado internamente tiene una ganancia de DC de lazo abierto de 10^6 V/V y una ganancia de lazo abierto de 40dB a 10kHz.</a:t>
+            </a:r>
+          </a:p>
+          <a:p>
+            <a:pPr lvl="1"/>
+            <a:r>
+              <a:rPr lang="es-PA" dirty="0" smtClean="0"/>
+              <a:t>Estimar la frecuencia a 3dB</a:t>
+            </a:r>
+          </a:p>
+          <a:p>
+            <a:pPr lvl="1"/>
+            <a:r>
+              <a:rPr lang="es-PA" dirty="0" smtClean="0"/>
+              <a:t>La frecuencia de ganancia unitaria</a:t>
+            </a:r>
+          </a:p>
+          <a:p>
+            <a:pPr lvl="1"/>
+            <a:r>
+              <a:rPr lang="es-PA" dirty="0" smtClean="0"/>
+              <a:t>El producto de ganancia de ancho de banda</a:t>
+            </a:r>
+          </a:p>
+          <a:p>
+            <a:r>
+              <a:rPr lang="es-PA" dirty="0" smtClean="0"/>
+              <a:t>Un </a:t>
+            </a:r>
+            <a:r>
+              <a:rPr lang="es-PA" dirty="0" err="1" smtClean="0"/>
+              <a:t>op-amp</a:t>
+            </a:r>
+            <a:r>
+              <a:rPr lang="es-PA" dirty="0" smtClean="0"/>
+              <a:t> tiene 106dB de ganancia dc y un solo polo a ft = 2MHz que se utiliza para diseñar un </a:t>
+            </a:r>
+            <a:r>
+              <a:rPr lang="es-PA" dirty="0" err="1" smtClean="0"/>
+              <a:t>amplfiicador</a:t>
+            </a:r>
+            <a:r>
+              <a:rPr lang="es-PA" dirty="0" smtClean="0"/>
+              <a:t> no inversor con una ganancia nominal de 1000.  Encuentre la frecuencia a 3dB de lazo cerrado</a:t>
+            </a:r>
+          </a:p>
+        </p:txBody>
+      </p:sp>
+    </p:spTree>
+    <p:extLst>
+      <p:ext uri="{BB962C8B-B14F-4D97-AF65-F5344CB8AC3E}">
+        <p14:creationId xmlns:p14="http://schemas.microsoft.com/office/powerpoint/2010/main" val="2884592018"/>
+      </p:ext>
+    </p:extLst>
+  </p:cSld>
+  <p:clrMapOvr>
+    <a:masterClrMapping/>
+  </p:clrMapOvr>
+  <p:timing>
+    <p:tnLst>
+      <p:par>
+        <p:cTn id="1" dur="indefinite" restart="never" nodeType="tmRoot"/>
+      </p:par>
+    </p:tnLst>
+  </p:timing>
+</p:sld>
+</file>
+
+<file path=ppt/slides/slide112.xml><?xml version="1.0" encoding="utf-8"?>
+<p:sld xmlns:a="http://schemas.openxmlformats.org/drawingml/2006/main" xmlns:r="http://schemas.openxmlformats.org/officeDocument/2006/relationships" xmlns:p="http://schemas.openxmlformats.org/presentationml/2006/main">
+  <p:cSld>
+    <p:spTree>
+      <p:nvGrpSpPr>
+        <p:cNvPr id="1" name=""/>
+        <p:cNvGrpSpPr/>
+        <p:nvPr/>
+      </p:nvGrpSpPr>
+      <p:grpSpPr>
+        <a:xfrm>
+          <a:off x="0" y="0"/>
+          <a:ext cx="0" cy="0"/>
+          <a:chOff x="0" y="0"/>
+          <a:chExt cx="0" cy="0"/>
+        </a:xfrm>
+      </p:grpSpPr>
+      <p:sp>
+        <p:nvSpPr>
+          <p:cNvPr id="2" name="Título 1"/>
+          <p:cNvSpPr>
+            <a:spLocks noGrp="1"/>
+          </p:cNvSpPr>
+          <p:nvPr>
+            <p:ph type="title"/>
+          </p:nvPr>
+        </p:nvSpPr>
+        <p:spPr>
+          <a:xfrm>
+            <a:off x="167425" y="360607"/>
+            <a:ext cx="11925837" cy="875765"/>
+          </a:xfrm>
+        </p:spPr>
+        <p:txBody>
+          <a:bodyPr/>
+          <a:lstStyle/>
+          <a:p>
+            <a:r>
+              <a:rPr lang="es-PA" sz="3500" dirty="0" smtClean="0"/>
+              <a:t>Respuesta en Frecuencia de Amplificadores de Lazo Cerrado</a:t>
+            </a:r>
+            <a:endParaRPr lang="es-PA" sz="3500" dirty="0"/>
+          </a:p>
+        </p:txBody>
+      </p:sp>
+      <p:sp>
+        <p:nvSpPr>
+          <p:cNvPr id="3" name="Marcador de contenido 2"/>
+          <p:cNvSpPr>
+            <a:spLocks noGrp="1"/>
+          </p:cNvSpPr>
+          <p:nvPr>
+            <p:ph idx="1"/>
+          </p:nvPr>
+        </p:nvSpPr>
+        <p:spPr>
+          <a:xfrm>
+            <a:off x="310675" y="1579418"/>
+            <a:ext cx="11618089" cy="5143645"/>
+          </a:xfrm>
+        </p:spPr>
+        <p:txBody>
+          <a:bodyPr>
+            <a:normAutofit/>
+          </a:bodyPr>
+          <a:lstStyle/>
+          <a:p>
+            <a:r>
+              <a:rPr lang="es-PA" dirty="0" smtClean="0"/>
+              <a:t>Un </a:t>
+            </a:r>
+            <a:r>
+              <a:rPr lang="es-PA" dirty="0" err="1" smtClean="0"/>
+              <a:t>opamp</a:t>
+            </a:r>
+            <a:r>
+              <a:rPr lang="es-PA" dirty="0" smtClean="0"/>
+              <a:t> compensado internamente tiene una ganancia de DC de lazo abierto de 10^6 V/V y una ganancia de lazo abierto de 40dB a 10kHz.</a:t>
+            </a:r>
+          </a:p>
+          <a:p>
+            <a:pPr lvl="1"/>
+            <a:r>
+              <a:rPr lang="es-PA" dirty="0" smtClean="0"/>
+              <a:t>Estimar la frecuencia a 3dB</a:t>
+            </a:r>
+          </a:p>
+          <a:p>
+            <a:pPr lvl="1"/>
+            <a:r>
+              <a:rPr lang="es-PA" dirty="0" smtClean="0"/>
+              <a:t>La frecuencia de ganancia unitaria</a:t>
+            </a:r>
+          </a:p>
+          <a:p>
+            <a:pPr lvl="1"/>
+            <a:r>
+              <a:rPr lang="es-PA" dirty="0" smtClean="0"/>
+              <a:t>El producto de ganancia de ancho de banda</a:t>
+            </a:r>
+          </a:p>
+          <a:p>
+            <a:r>
+              <a:rPr lang="es-PA" dirty="0" smtClean="0"/>
+              <a:t>1Hz, 1MHz, 1MHz, 60dB</a:t>
+            </a:r>
+            <a:endParaRPr lang="es-PA" dirty="0"/>
+          </a:p>
+          <a:p>
+            <a:pPr lvl="1"/>
+            <a:endParaRPr lang="es-PA" dirty="0" smtClean="0"/>
+          </a:p>
+          <a:p>
+            <a:r>
+              <a:rPr lang="es-PA" dirty="0" smtClean="0"/>
+              <a:t>Un </a:t>
+            </a:r>
+            <a:r>
+              <a:rPr lang="es-PA" dirty="0" err="1" smtClean="0"/>
+              <a:t>op-amp</a:t>
+            </a:r>
+            <a:r>
+              <a:rPr lang="es-PA" dirty="0" smtClean="0"/>
+              <a:t> tiene 106dB de ganancia dc y un solo polo a ft = 2MHz que se utiliza para diseñar un </a:t>
+            </a:r>
+            <a:r>
+              <a:rPr lang="es-PA" dirty="0" err="1" smtClean="0"/>
+              <a:t>amplfiicador</a:t>
+            </a:r>
+            <a:r>
+              <a:rPr lang="es-PA" dirty="0" smtClean="0"/>
+              <a:t> no inversor con una ganancia nominal de 1000.  Encuentre la frecuencia a 3dB de lazo cerrado</a:t>
+            </a:r>
+          </a:p>
+          <a:p>
+            <a:r>
+              <a:rPr lang="es-PA" dirty="0" smtClean="0"/>
+              <a:t>20dB</a:t>
+            </a:r>
+          </a:p>
+        </p:txBody>
+      </p:sp>
+    </p:spTree>
+    <p:extLst>
+      <p:ext uri="{BB962C8B-B14F-4D97-AF65-F5344CB8AC3E}">
+        <p14:creationId xmlns:p14="http://schemas.microsoft.com/office/powerpoint/2010/main" val="2424583637"/>
+      </p:ext>
+    </p:extLst>
+  </p:cSld>
+  <p:clrMapOvr>
+    <a:masterClrMapping/>
+  </p:clrMapOvr>
+  <p:timing>
+    <p:tnLst>
+      <p:par>
+        <p:cTn id="1" dur="indefinite" restart="never" nodeType="tmRoot"/>
+      </p:par>
+    </p:tnLst>
+  </p:timing>
+</p:sld>
+</file>
+
+<file path=ppt/slides/slide113.xml><?xml version="1.0" encoding="utf-8"?>
+<p:sld xmlns:a="http://schemas.openxmlformats.org/drawingml/2006/main" xmlns:r="http://schemas.openxmlformats.org/officeDocument/2006/relationships" xmlns:p="http://schemas.openxmlformats.org/presentationml/2006/main">
+  <p:cSld>
+    <p:spTree>
+      <p:nvGrpSpPr>
+        <p:cNvPr id="1" name=""/>
+        <p:cNvGrpSpPr/>
+        <p:nvPr/>
+      </p:nvGrpSpPr>
+      <p:grpSpPr>
+        <a:xfrm>
+          <a:off x="0" y="0"/>
+          <a:ext cx="0" cy="0"/>
+          <a:chOff x="0" y="0"/>
+          <a:chExt cx="0" cy="0"/>
+        </a:xfrm>
+      </p:grpSpPr>
+      <p:sp>
+        <p:nvSpPr>
+          <p:cNvPr id="2" name="Título 1"/>
+          <p:cNvSpPr>
+            <a:spLocks noGrp="1"/>
+          </p:cNvSpPr>
+          <p:nvPr>
+            <p:ph type="title"/>
+          </p:nvPr>
+        </p:nvSpPr>
+        <p:spPr>
+          <a:xfrm>
+            <a:off x="167425" y="360607"/>
+            <a:ext cx="11925837" cy="875765"/>
+          </a:xfrm>
+        </p:spPr>
+        <p:txBody>
+          <a:bodyPr/>
+          <a:lstStyle/>
+          <a:p>
+            <a:r>
+              <a:rPr lang="es-PA" sz="3500" dirty="0" smtClean="0"/>
+              <a:t>Operación de </a:t>
+            </a:r>
+            <a:r>
+              <a:rPr lang="es-PA" sz="3500" dirty="0" err="1" smtClean="0"/>
+              <a:t>Op-Amps</a:t>
+            </a:r>
+            <a:r>
+              <a:rPr lang="es-PA" sz="3500" dirty="0" smtClean="0"/>
+              <a:t> a larga señal</a:t>
+            </a:r>
+            <a:endParaRPr lang="es-PA" sz="3500" dirty="0"/>
+          </a:p>
+        </p:txBody>
+      </p:sp>
+      <p:sp>
+        <p:nvSpPr>
+          <p:cNvPr id="3" name="Marcador de contenido 2"/>
+          <p:cNvSpPr>
+            <a:spLocks noGrp="1"/>
+          </p:cNvSpPr>
+          <p:nvPr>
+            <p:ph idx="1"/>
+          </p:nvPr>
+        </p:nvSpPr>
+        <p:spPr>
+          <a:xfrm>
+            <a:off x="310675" y="1579418"/>
+            <a:ext cx="11618089" cy="5143645"/>
+          </a:xfrm>
+        </p:spPr>
+        <p:txBody>
+          <a:bodyPr>
+            <a:normAutofit/>
+          </a:bodyPr>
+          <a:lstStyle/>
+          <a:p>
+            <a:r>
+              <a:rPr lang="es-PA" dirty="0" smtClean="0"/>
+              <a:t>Voltaje de Saturación de Salida</a:t>
+            </a:r>
+          </a:p>
+          <a:p>
+            <a:r>
+              <a:rPr lang="es-PA" dirty="0" smtClean="0"/>
+              <a:t>Se saturan aproximadamente a +1V o -1V del voltaje de </a:t>
+            </a:r>
+            <a:r>
+              <a:rPr lang="es-PA" dirty="0" err="1" smtClean="0"/>
+              <a:t>de</a:t>
+            </a:r>
+            <a:r>
+              <a:rPr lang="es-PA" dirty="0" smtClean="0"/>
+              <a:t> alimentación</a:t>
+            </a:r>
+            <a:endParaRPr lang="es-PA" dirty="0"/>
+          </a:p>
+          <a:p>
+            <a:r>
+              <a:rPr lang="es-PA" dirty="0" smtClean="0"/>
+              <a:t>Si tenemos un </a:t>
+            </a:r>
+            <a:r>
+              <a:rPr lang="es-PA" dirty="0" err="1" smtClean="0"/>
+              <a:t>opamp</a:t>
+            </a:r>
+            <a:r>
+              <a:rPr lang="es-PA" dirty="0" smtClean="0"/>
+              <a:t> con estas condiciones y una señal se debe mantener dentro de este rango para no perderla</a:t>
+            </a:r>
+          </a:p>
+          <a:p>
+            <a:endParaRPr lang="es-PA" dirty="0"/>
+          </a:p>
+          <a:p>
+            <a:r>
+              <a:rPr lang="es-PA" dirty="0" smtClean="0"/>
+              <a:t>Límite del voltaje de salida</a:t>
+            </a:r>
+          </a:p>
+          <a:p>
+            <a:r>
+              <a:rPr lang="es-PA" dirty="0" smtClean="0"/>
+              <a:t>El UA741 tiene una corriente de diseño de salida máxima de +/-20mA, no más </a:t>
+            </a:r>
+          </a:p>
+          <a:p>
+            <a:r>
+              <a:rPr lang="es-PA" dirty="0" smtClean="0"/>
+              <a:t>Incluye la corriente en el circuito de </a:t>
+            </a:r>
+            <a:r>
+              <a:rPr lang="es-PA" dirty="0" err="1" smtClean="0"/>
+              <a:t>feedback</a:t>
+            </a:r>
+            <a:r>
+              <a:rPr lang="es-PA" dirty="0" smtClean="0"/>
+              <a:t> y la resistencia de carga</a:t>
+            </a:r>
+          </a:p>
+          <a:p>
+            <a:r>
+              <a:rPr lang="es-PA" dirty="0" smtClean="0"/>
+              <a:t>Se saturará al nivel de corriente máximo del </a:t>
+            </a:r>
+            <a:r>
+              <a:rPr lang="es-PA" dirty="0" err="1" smtClean="0"/>
+              <a:t>op-amp</a:t>
+            </a:r>
+            <a:r>
+              <a:rPr lang="es-PA" dirty="0" smtClean="0"/>
+              <a:t> aunque se requiera más.</a:t>
+            </a:r>
+          </a:p>
+        </p:txBody>
+      </p:sp>
+    </p:spTree>
+    <p:extLst>
+      <p:ext uri="{BB962C8B-B14F-4D97-AF65-F5344CB8AC3E}">
+        <p14:creationId xmlns:p14="http://schemas.microsoft.com/office/powerpoint/2010/main" val="2243767933"/>
+      </p:ext>
+    </p:extLst>
+  </p:cSld>
+  <p:clrMapOvr>
+    <a:masterClrMapping/>
+  </p:clrMapOvr>
+  <p:timing>
+    <p:tnLst>
+      <p:par>
+        <p:cTn id="1" dur="indefinite" restart="never" nodeType="tmRoot"/>
+      </p:par>
+    </p:tnLst>
+  </p:timing>
+</p:sld>
+</file>
+
+<file path=ppt/slides/slide114.xml><?xml version="1.0" encoding="utf-8"?>
+<p:sld xmlns:a="http://schemas.openxmlformats.org/drawingml/2006/main" xmlns:r="http://schemas.openxmlformats.org/officeDocument/2006/relationships" xmlns:p="http://schemas.openxmlformats.org/presentationml/2006/main">
+  <p:cSld>
+    <p:spTree>
+      <p:nvGrpSpPr>
+        <p:cNvPr id="1" name=""/>
+        <p:cNvGrpSpPr/>
+        <p:nvPr/>
+      </p:nvGrpSpPr>
+      <p:grpSpPr>
+        <a:xfrm>
+          <a:off x="0" y="0"/>
+          <a:ext cx="0" cy="0"/>
+          <a:chOff x="0" y="0"/>
+          <a:chExt cx="0" cy="0"/>
+        </a:xfrm>
+      </p:grpSpPr>
+      <p:sp>
+        <p:nvSpPr>
+          <p:cNvPr id="2" name="Título 1"/>
+          <p:cNvSpPr>
+            <a:spLocks noGrp="1"/>
+          </p:cNvSpPr>
+          <p:nvPr>
+            <p:ph type="title"/>
+          </p:nvPr>
+        </p:nvSpPr>
+        <p:spPr>
+          <a:xfrm>
+            <a:off x="167425" y="360607"/>
+            <a:ext cx="11925837" cy="875765"/>
+          </a:xfrm>
+        </p:spPr>
+        <p:txBody>
+          <a:bodyPr/>
+          <a:lstStyle/>
+          <a:p>
+            <a:r>
+              <a:rPr lang="es-PA" sz="3500" dirty="0" smtClean="0"/>
+              <a:t>Operación de </a:t>
+            </a:r>
+            <a:r>
+              <a:rPr lang="es-PA" sz="3500" dirty="0" err="1" smtClean="0"/>
+              <a:t>Op-Amps</a:t>
+            </a:r>
+            <a:r>
+              <a:rPr lang="es-PA" sz="3500" dirty="0" smtClean="0"/>
+              <a:t> a larga señal</a:t>
+            </a:r>
+            <a:endParaRPr lang="es-PA" sz="3500" dirty="0"/>
+          </a:p>
+        </p:txBody>
+      </p:sp>
+      <p:sp>
+        <p:nvSpPr>
+          <p:cNvPr id="3" name="Marcador de contenido 2"/>
+          <p:cNvSpPr>
+            <a:spLocks noGrp="1"/>
+          </p:cNvSpPr>
+          <p:nvPr>
+            <p:ph idx="1"/>
+          </p:nvPr>
+        </p:nvSpPr>
+        <p:spPr>
+          <a:xfrm>
+            <a:off x="310675" y="1120462"/>
+            <a:ext cx="11618089" cy="5602601"/>
+          </a:xfrm>
+        </p:spPr>
+        <p:txBody>
+          <a:bodyPr>
+            <a:normAutofit/>
+          </a:bodyPr>
+          <a:lstStyle/>
+          <a:p>
+            <a:r>
+              <a:rPr lang="es-PA" dirty="0" smtClean="0"/>
+              <a:t>Considere el amplificador operacional no inversor de ganancia 10V/VL.  Se suministra una forma de onda seno en la entrada y la salida tiene un resistor de carga RL.  Los voltajes de saturación del </a:t>
+            </a:r>
+            <a:r>
+              <a:rPr lang="es-PA" dirty="0" err="1" smtClean="0"/>
+              <a:t>opamp</a:t>
+            </a:r>
+            <a:r>
+              <a:rPr lang="es-PA" dirty="0" smtClean="0"/>
+              <a:t> son 13V y la corriente de salida de 20mA.</a:t>
+            </a:r>
+          </a:p>
+          <a:p>
+            <a:r>
+              <a:rPr lang="es-PA" dirty="0" smtClean="0"/>
+              <a:t>Especifique la señal para</a:t>
+            </a:r>
+          </a:p>
+          <a:p>
+            <a:pPr lvl="1"/>
+            <a:r>
+              <a:rPr lang="es-PA" dirty="0" err="1" smtClean="0"/>
+              <a:t>Vp</a:t>
+            </a:r>
+            <a:r>
+              <a:rPr lang="es-PA" dirty="0" smtClean="0"/>
+              <a:t> = 1, RL = 1k</a:t>
+            </a:r>
+          </a:p>
+          <a:p>
+            <a:pPr lvl="1"/>
+            <a:r>
+              <a:rPr lang="es-PA" dirty="0" err="1" smtClean="0"/>
+              <a:t>Vp</a:t>
+            </a:r>
+            <a:r>
+              <a:rPr lang="es-PA" dirty="0" smtClean="0"/>
+              <a:t> = 1.5, RL = 1k</a:t>
+            </a:r>
+          </a:p>
+          <a:p>
+            <a:pPr lvl="1"/>
+            <a:r>
+              <a:rPr lang="es-PA" dirty="0" smtClean="0"/>
+              <a:t>Si RL = 1k cual es el máximo valor de </a:t>
+            </a:r>
+            <a:r>
+              <a:rPr lang="es-PA" dirty="0" err="1" smtClean="0"/>
+              <a:t>Vp</a:t>
+            </a:r>
+            <a:r>
+              <a:rPr lang="es-PA" dirty="0" smtClean="0"/>
+              <a:t> para una onda no distorsionada seno de entrada</a:t>
+            </a:r>
+          </a:p>
+          <a:p>
+            <a:pPr lvl="1"/>
+            <a:r>
+              <a:rPr lang="es-PA" dirty="0" smtClean="0"/>
+              <a:t>Si </a:t>
+            </a:r>
+            <a:r>
+              <a:rPr lang="es-PA" dirty="0" err="1" smtClean="0"/>
+              <a:t>Vp</a:t>
+            </a:r>
+            <a:r>
+              <a:rPr lang="es-PA" dirty="0" smtClean="0"/>
+              <a:t> = 1 cual es el menor valor de RL permitido</a:t>
+            </a:r>
+          </a:p>
+          <a:p>
+            <a:endParaRPr lang="es-PA" dirty="0" smtClean="0"/>
+          </a:p>
+          <a:p>
+            <a:endParaRPr lang="es-PA" dirty="0" smtClean="0"/>
+          </a:p>
+        </p:txBody>
+      </p:sp>
+    </p:spTree>
+    <p:extLst>
+      <p:ext uri="{BB962C8B-B14F-4D97-AF65-F5344CB8AC3E}">
+        <p14:creationId xmlns:p14="http://schemas.microsoft.com/office/powerpoint/2010/main" val="47193137"/>
+      </p:ext>
+    </p:extLst>
+  </p:cSld>
+  <p:clrMapOvr>
+    <a:masterClrMapping/>
+  </p:clrMapOvr>
+  <p:timing>
+    <p:tnLst>
+      <p:par>
+        <p:cTn id="1" dur="indefinite" restart="never" nodeType="tmRoot"/>
+      </p:par>
+    </p:tnLst>
+  </p:timing>
+</p:sld>
+</file>
+
+<file path=ppt/slides/slide115.xml><?xml version="1.0" encoding="utf-8"?>
+<p:sld xmlns:a="http://schemas.openxmlformats.org/drawingml/2006/main" xmlns:r="http://schemas.openxmlformats.org/officeDocument/2006/relationships" xmlns:p="http://schemas.openxmlformats.org/presentationml/2006/main">
+  <p:cSld>
+    <p:spTree>
+      <p:nvGrpSpPr>
+        <p:cNvPr id="1" name=""/>
+        <p:cNvGrpSpPr/>
+        <p:nvPr/>
+      </p:nvGrpSpPr>
+      <p:grpSpPr>
+        <a:xfrm>
+          <a:off x="0" y="0"/>
+          <a:ext cx="0" cy="0"/>
+          <a:chOff x="0" y="0"/>
+          <a:chExt cx="0" cy="0"/>
+        </a:xfrm>
+      </p:grpSpPr>
+      <p:sp>
+        <p:nvSpPr>
+          <p:cNvPr id="2" name="Título 1"/>
+          <p:cNvSpPr>
+            <a:spLocks noGrp="1"/>
+          </p:cNvSpPr>
+          <p:nvPr>
+            <p:ph type="title"/>
+          </p:nvPr>
+        </p:nvSpPr>
+        <p:spPr>
+          <a:xfrm>
+            <a:off x="167425" y="360607"/>
+            <a:ext cx="11925837" cy="875765"/>
+          </a:xfrm>
+        </p:spPr>
+        <p:txBody>
+          <a:bodyPr/>
+          <a:lstStyle/>
+          <a:p>
+            <a:r>
+              <a:rPr lang="es-PA" sz="3500" dirty="0" smtClean="0"/>
+              <a:t>Operación de </a:t>
+            </a:r>
+            <a:r>
+              <a:rPr lang="es-PA" sz="3500" dirty="0" err="1" smtClean="0"/>
+              <a:t>Op-Amps</a:t>
+            </a:r>
+            <a:r>
+              <a:rPr lang="es-PA" sz="3500" dirty="0" smtClean="0"/>
+              <a:t> a larga señal</a:t>
+            </a:r>
+            <a:endParaRPr lang="es-PA" sz="3500" dirty="0"/>
+          </a:p>
+        </p:txBody>
+      </p:sp>
+      <p:sp>
+        <p:nvSpPr>
+          <p:cNvPr id="3" name="Marcador de contenido 2"/>
+          <p:cNvSpPr>
+            <a:spLocks noGrp="1"/>
+          </p:cNvSpPr>
+          <p:nvPr>
+            <p:ph idx="1"/>
+          </p:nvPr>
+        </p:nvSpPr>
+        <p:spPr>
+          <a:xfrm>
+            <a:off x="310675" y="1120462"/>
+            <a:ext cx="11618089" cy="5602601"/>
+          </a:xfrm>
+        </p:spPr>
+        <p:txBody>
+          <a:bodyPr>
+            <a:normAutofit/>
+          </a:bodyPr>
+          <a:lstStyle/>
+          <a:p>
+            <a:r>
+              <a:rPr lang="es-PA" dirty="0" smtClean="0"/>
+              <a:t>Considere el amplificador operacional no inversor de ganancia 10V/VL.  Se suministra una forma de onda seno en la entrada y la salida tiene un resistor de carga RL.  Los voltajes de saturación del </a:t>
+            </a:r>
+            <a:r>
+              <a:rPr lang="es-PA" dirty="0" err="1" smtClean="0"/>
+              <a:t>opamp</a:t>
+            </a:r>
+            <a:r>
+              <a:rPr lang="es-PA" dirty="0" smtClean="0"/>
+              <a:t> son 13V y la corriente de salida de 20mA.</a:t>
+            </a:r>
+          </a:p>
+          <a:p>
+            <a:r>
+              <a:rPr lang="es-PA" dirty="0" smtClean="0"/>
+              <a:t>Especifique la señal para</a:t>
+            </a:r>
+          </a:p>
+          <a:p>
+            <a:pPr lvl="1"/>
+            <a:r>
+              <a:rPr lang="es-PA" dirty="0" err="1" smtClean="0"/>
+              <a:t>Vp</a:t>
+            </a:r>
+            <a:r>
+              <a:rPr lang="es-PA" dirty="0" smtClean="0"/>
+              <a:t> = 1, RL = 1k</a:t>
+            </a:r>
+          </a:p>
+          <a:p>
+            <a:pPr lvl="1"/>
+            <a:r>
+              <a:rPr lang="es-PA" dirty="0" err="1" smtClean="0"/>
+              <a:t>Vp</a:t>
+            </a:r>
+            <a:r>
+              <a:rPr lang="es-PA" dirty="0" smtClean="0"/>
+              <a:t> = 1.5, RL = 1k</a:t>
+            </a:r>
+          </a:p>
+          <a:p>
+            <a:pPr lvl="1"/>
+            <a:r>
+              <a:rPr lang="es-PA" dirty="0" smtClean="0"/>
+              <a:t>Si RL = 1k cual es el máximo valor de </a:t>
+            </a:r>
+            <a:r>
+              <a:rPr lang="es-PA" dirty="0" err="1" smtClean="0"/>
+              <a:t>Vp</a:t>
+            </a:r>
+            <a:r>
+              <a:rPr lang="es-PA" dirty="0" smtClean="0"/>
+              <a:t> para una onda no distorsionada seno de entrada</a:t>
+            </a:r>
+          </a:p>
+          <a:p>
+            <a:pPr lvl="2"/>
+            <a:r>
+              <a:rPr lang="es-PA" dirty="0" err="1" smtClean="0"/>
+              <a:t>Vp</a:t>
+            </a:r>
+            <a:r>
+              <a:rPr lang="es-PA" dirty="0" smtClean="0"/>
+              <a:t> = 1.3V</a:t>
+            </a:r>
+          </a:p>
+          <a:p>
+            <a:pPr lvl="1"/>
+            <a:r>
+              <a:rPr lang="es-PA" dirty="0" smtClean="0"/>
+              <a:t>Si </a:t>
+            </a:r>
+            <a:r>
+              <a:rPr lang="es-PA" dirty="0" err="1" smtClean="0"/>
+              <a:t>Vp</a:t>
+            </a:r>
+            <a:r>
+              <a:rPr lang="es-PA" dirty="0" smtClean="0"/>
+              <a:t> = 1 cual es el menor valor de RL permitido</a:t>
+            </a:r>
+          </a:p>
+          <a:p>
+            <a:pPr lvl="2"/>
+            <a:r>
+              <a:rPr lang="es-PA" dirty="0" smtClean="0"/>
+              <a:t>RL = 526 Ohm</a:t>
+            </a:r>
+          </a:p>
+          <a:p>
+            <a:endParaRPr lang="es-PA" dirty="0" smtClean="0"/>
+          </a:p>
+        </p:txBody>
+      </p:sp>
+      <p:pic>
+        <p:nvPicPr>
+          <p:cNvPr id="4" name="Imagen 3"/>
+          <p:cNvPicPr>
+            <a:picLocks noChangeAspect="1"/>
+          </p:cNvPicPr>
+          <p:nvPr/>
+        </p:nvPicPr>
+        <p:blipFill>
+          <a:blip r:embed="rId2"/>
+          <a:stretch>
+            <a:fillRect/>
+          </a:stretch>
+        </p:blipFill>
+        <p:spPr>
+          <a:xfrm>
+            <a:off x="5950039" y="4611589"/>
+            <a:ext cx="5978725" cy="2111474"/>
+          </a:xfrm>
+          <a:prstGeom prst="rect">
+            <a:avLst/>
+          </a:prstGeom>
+        </p:spPr>
+      </p:pic>
+    </p:spTree>
+    <p:extLst>
+      <p:ext uri="{BB962C8B-B14F-4D97-AF65-F5344CB8AC3E}">
+        <p14:creationId xmlns:p14="http://schemas.microsoft.com/office/powerpoint/2010/main" val="3350195583"/>
+      </p:ext>
+    </p:extLst>
+  </p:cSld>
+  <p:clrMapOvr>
+    <a:masterClrMapping/>
+  </p:clrMapOvr>
+  <p:timing>
+    <p:tnLst>
+      <p:par>
+        <p:cTn id="1" dur="indefinite" restart="never" nodeType="tmRoot"/>
+      </p:par>
+    </p:tnLst>
+  </p:timing>
+</p:sld>
+</file>
+
+<file path=ppt/slides/slide116.xml><?xml version="1.0" encoding="utf-8"?>
+<p:sld xmlns:a="http://schemas.openxmlformats.org/drawingml/2006/main" xmlns:r="http://schemas.openxmlformats.org/officeDocument/2006/relationships" xmlns:p="http://schemas.openxmlformats.org/presentationml/2006/main">
+  <p:cSld>
+    <p:spTree>
+      <p:nvGrpSpPr>
+        <p:cNvPr id="1" name=""/>
+        <p:cNvGrpSpPr/>
+        <p:nvPr/>
+      </p:nvGrpSpPr>
+      <p:grpSpPr>
+        <a:xfrm>
+          <a:off x="0" y="0"/>
+          <a:ext cx="0" cy="0"/>
+          <a:chOff x="0" y="0"/>
+          <a:chExt cx="0" cy="0"/>
+        </a:xfrm>
+      </p:grpSpPr>
+      <p:sp>
+        <p:nvSpPr>
+          <p:cNvPr id="2" name="Título 1"/>
+          <p:cNvSpPr>
+            <a:spLocks noGrp="1"/>
+          </p:cNvSpPr>
+          <p:nvPr>
+            <p:ph type="title"/>
+          </p:nvPr>
+        </p:nvSpPr>
+        <p:spPr>
+          <a:xfrm>
+            <a:off x="167425" y="360607"/>
+            <a:ext cx="11925837" cy="875765"/>
+          </a:xfrm>
+        </p:spPr>
+        <p:txBody>
+          <a:bodyPr/>
+          <a:lstStyle/>
+          <a:p>
+            <a:r>
+              <a:rPr lang="es-PA" sz="3500" dirty="0" err="1" smtClean="0"/>
+              <a:t>Slew</a:t>
+            </a:r>
+            <a:r>
+              <a:rPr lang="es-PA" sz="3500" dirty="0" smtClean="0"/>
+              <a:t> </a:t>
+            </a:r>
+            <a:r>
+              <a:rPr lang="es-PA" sz="3500" dirty="0" err="1" smtClean="0"/>
+              <a:t>Rate</a:t>
+            </a:r>
+            <a:endParaRPr lang="es-PA" sz="3500" dirty="0"/>
+          </a:p>
+        </p:txBody>
+      </p:sp>
+      <p:sp>
+        <p:nvSpPr>
+          <p:cNvPr id="3" name="Marcador de contenido 2"/>
+          <p:cNvSpPr>
+            <a:spLocks noGrp="1"/>
+          </p:cNvSpPr>
+          <p:nvPr>
+            <p:ph idx="1"/>
+          </p:nvPr>
+        </p:nvSpPr>
+        <p:spPr>
+          <a:xfrm>
+            <a:off x="310675" y="1120462"/>
+            <a:ext cx="11618089" cy="5602601"/>
+          </a:xfrm>
+        </p:spPr>
+        <p:txBody>
+          <a:bodyPr>
+            <a:normAutofit/>
+          </a:bodyPr>
+          <a:lstStyle/>
+          <a:p>
+            <a:r>
+              <a:rPr lang="es-PA" dirty="0" smtClean="0"/>
+              <a:t>Velocidad de Subida </a:t>
+            </a:r>
+          </a:p>
+          <a:p>
+            <a:r>
+              <a:rPr lang="es-PA" dirty="0" smtClean="0"/>
+              <a:t>El cambio máximo de velocidad de subida de un </a:t>
+            </a:r>
+            <a:r>
+              <a:rPr lang="es-PA" dirty="0" err="1" smtClean="0"/>
+              <a:t>opamp</a:t>
+            </a:r>
+            <a:r>
+              <a:rPr lang="es-PA" dirty="0" smtClean="0"/>
+              <a:t> está definido por</a:t>
+            </a:r>
+          </a:p>
+          <a:p>
+            <a:r>
+              <a:rPr lang="es-PA" dirty="0" smtClean="0"/>
+              <a:t>En las hojas de datos aparece por </a:t>
+            </a:r>
+            <a:r>
+              <a:rPr lang="es-PA" dirty="0" smtClean="0">
+                <a:sym typeface="Symbol" panose="05050102010706020507" pitchFamily="18" charset="2"/>
+              </a:rPr>
+              <a:t>V/s</a:t>
+            </a:r>
+          </a:p>
+          <a:p>
+            <a:r>
+              <a:rPr lang="es-PA" dirty="0" smtClean="0"/>
+              <a:t> Quiere decir que si la entrada cambia más rápido que este valor, la salida no podrá cambiar tan rápido</a:t>
+            </a:r>
+          </a:p>
+          <a:p>
+            <a:endParaRPr lang="es-PA" dirty="0"/>
+          </a:p>
+          <a:p>
+            <a:endParaRPr lang="es-PA" dirty="0" smtClean="0"/>
+          </a:p>
+          <a:p>
+            <a:endParaRPr lang="es-PA" dirty="0"/>
+          </a:p>
+          <a:p>
+            <a:endParaRPr lang="es-PA" dirty="0" smtClean="0"/>
+          </a:p>
+          <a:p>
+            <a:endParaRPr lang="es-PA" dirty="0"/>
+          </a:p>
+          <a:p>
+            <a:r>
+              <a:rPr lang="es-PA" dirty="0" smtClean="0"/>
+              <a:t>La función de transferencia para este casi se da si R2 = 0 y R1 = </a:t>
+            </a:r>
+            <a:r>
+              <a:rPr lang="es-PA" dirty="0" err="1" smtClean="0"/>
+              <a:t>inf</a:t>
+            </a:r>
+            <a:endParaRPr lang="es-PA" dirty="0" smtClean="0"/>
+          </a:p>
+          <a:p>
+            <a:r>
+              <a:rPr lang="es-PA" dirty="0" smtClean="0"/>
+              <a:t>Y sigue la regla                    y voltaje de salida </a:t>
+            </a:r>
+          </a:p>
+        </p:txBody>
+      </p:sp>
+      <p:pic>
+        <p:nvPicPr>
+          <p:cNvPr id="5" name="Imagen 4"/>
+          <p:cNvPicPr>
+            <a:picLocks noChangeAspect="1"/>
+          </p:cNvPicPr>
+          <p:nvPr/>
+        </p:nvPicPr>
+        <p:blipFill>
+          <a:blip r:embed="rId2"/>
+          <a:stretch>
+            <a:fillRect/>
+          </a:stretch>
+        </p:blipFill>
+        <p:spPr>
+          <a:xfrm>
+            <a:off x="10193684" y="1236372"/>
+            <a:ext cx="1577257" cy="965917"/>
+          </a:xfrm>
+          <a:prstGeom prst="rect">
+            <a:avLst/>
+          </a:prstGeom>
+        </p:spPr>
+      </p:pic>
+      <p:pic>
+        <p:nvPicPr>
+          <p:cNvPr id="6" name="Imagen 5"/>
+          <p:cNvPicPr>
+            <a:picLocks noChangeAspect="1"/>
+          </p:cNvPicPr>
+          <p:nvPr/>
+        </p:nvPicPr>
+        <p:blipFill>
+          <a:blip r:embed="rId3"/>
+          <a:stretch>
+            <a:fillRect/>
+          </a:stretch>
+        </p:blipFill>
+        <p:spPr>
+          <a:xfrm>
+            <a:off x="3319555" y="2997837"/>
+            <a:ext cx="2181225" cy="1847850"/>
+          </a:xfrm>
+          <a:prstGeom prst="rect">
+            <a:avLst/>
+          </a:prstGeom>
+        </p:spPr>
+      </p:pic>
+      <p:pic>
+        <p:nvPicPr>
+          <p:cNvPr id="7" name="Imagen 6"/>
+          <p:cNvPicPr>
+            <a:picLocks noChangeAspect="1"/>
+          </p:cNvPicPr>
+          <p:nvPr/>
+        </p:nvPicPr>
+        <p:blipFill>
+          <a:blip r:embed="rId4"/>
+          <a:stretch>
+            <a:fillRect/>
+          </a:stretch>
+        </p:blipFill>
+        <p:spPr>
+          <a:xfrm>
+            <a:off x="416416" y="3522516"/>
+            <a:ext cx="2552700" cy="1343025"/>
+          </a:xfrm>
+          <a:prstGeom prst="rect">
+            <a:avLst/>
+          </a:prstGeom>
+        </p:spPr>
+      </p:pic>
+      <p:pic>
+        <p:nvPicPr>
+          <p:cNvPr id="8" name="Imagen 7"/>
+          <p:cNvPicPr>
+            <a:picLocks noChangeAspect="1"/>
+          </p:cNvPicPr>
+          <p:nvPr/>
+        </p:nvPicPr>
+        <p:blipFill>
+          <a:blip r:embed="rId5"/>
+          <a:stretch>
+            <a:fillRect/>
+          </a:stretch>
+        </p:blipFill>
+        <p:spPr>
+          <a:xfrm>
+            <a:off x="5851219" y="2997837"/>
+            <a:ext cx="2838450" cy="1200150"/>
+          </a:xfrm>
+          <a:prstGeom prst="rect">
+            <a:avLst/>
+          </a:prstGeom>
+        </p:spPr>
+      </p:pic>
+      <p:pic>
+        <p:nvPicPr>
+          <p:cNvPr id="9" name="Imagen 8"/>
+          <p:cNvPicPr>
+            <a:picLocks noChangeAspect="1"/>
+          </p:cNvPicPr>
+          <p:nvPr/>
+        </p:nvPicPr>
+        <p:blipFill>
+          <a:blip r:embed="rId6"/>
+          <a:stretch>
+            <a:fillRect/>
+          </a:stretch>
+        </p:blipFill>
+        <p:spPr>
+          <a:xfrm>
+            <a:off x="8832919" y="2940687"/>
+            <a:ext cx="2743200" cy="1905000"/>
+          </a:xfrm>
+          <a:prstGeom prst="rect">
+            <a:avLst/>
+          </a:prstGeom>
+        </p:spPr>
+      </p:pic>
+      <p:pic>
+        <p:nvPicPr>
+          <p:cNvPr id="10" name="Imagen 9"/>
+          <p:cNvPicPr>
+            <a:picLocks noChangeAspect="1"/>
+          </p:cNvPicPr>
+          <p:nvPr/>
+        </p:nvPicPr>
+        <p:blipFill>
+          <a:blip r:embed="rId7"/>
+          <a:stretch>
+            <a:fillRect/>
+          </a:stretch>
+        </p:blipFill>
+        <p:spPr>
+          <a:xfrm>
+            <a:off x="8956207" y="5139303"/>
+            <a:ext cx="1486508" cy="889564"/>
+          </a:xfrm>
+          <a:prstGeom prst="rect">
+            <a:avLst/>
+          </a:prstGeom>
+        </p:spPr>
+      </p:pic>
+      <p:pic>
+        <p:nvPicPr>
+          <p:cNvPr id="11" name="Imagen 10"/>
+          <p:cNvPicPr>
+            <a:picLocks noChangeAspect="1"/>
+          </p:cNvPicPr>
+          <p:nvPr/>
+        </p:nvPicPr>
+        <p:blipFill>
+          <a:blip r:embed="rId8"/>
+          <a:stretch>
+            <a:fillRect/>
+          </a:stretch>
+        </p:blipFill>
+        <p:spPr>
+          <a:xfrm>
+            <a:off x="6432440" y="5701483"/>
+            <a:ext cx="2257229" cy="515938"/>
+          </a:xfrm>
+          <a:prstGeom prst="rect">
+            <a:avLst/>
+          </a:prstGeom>
+        </p:spPr>
+      </p:pic>
+      <p:pic>
+        <p:nvPicPr>
+          <p:cNvPr id="13" name="Imagen 12"/>
+          <p:cNvPicPr>
+            <a:picLocks noChangeAspect="1"/>
+          </p:cNvPicPr>
+          <p:nvPr/>
+        </p:nvPicPr>
+        <p:blipFill>
+          <a:blip r:embed="rId9"/>
+          <a:stretch>
+            <a:fillRect/>
+          </a:stretch>
+        </p:blipFill>
+        <p:spPr>
+          <a:xfrm>
+            <a:off x="2680565" y="5756073"/>
+            <a:ext cx="1226463" cy="469387"/>
+          </a:xfrm>
+          <a:prstGeom prst="rect">
+            <a:avLst/>
+          </a:prstGeom>
+        </p:spPr>
+      </p:pic>
+    </p:spTree>
+    <p:extLst>
+      <p:ext uri="{BB962C8B-B14F-4D97-AF65-F5344CB8AC3E}">
+        <p14:creationId xmlns:p14="http://schemas.microsoft.com/office/powerpoint/2010/main" val="2983440448"/>
+      </p:ext>
+    </p:extLst>
+  </p:cSld>
+  <p:clrMapOvr>
+    <a:masterClrMapping/>
+  </p:clrMapOvr>
+  <p:timing>
+    <p:tnLst>
+      <p:par>
+        <p:cTn id="1" dur="indefinite" restart="never" nodeType="tmRoot"/>
+      </p:par>
+    </p:tnLst>
+  </p:timing>
+</p:sld>
+</file>
+
+<file path=ppt/slides/slide117.xml><?xml version="1.0" encoding="utf-8"?>
+<p:sld xmlns:a="http://schemas.openxmlformats.org/drawingml/2006/main" xmlns:r="http://schemas.openxmlformats.org/officeDocument/2006/relationships" xmlns:p="http://schemas.openxmlformats.org/presentationml/2006/main">
+  <p:cSld>
+    <p:spTree>
+      <p:nvGrpSpPr>
+        <p:cNvPr id="1" name=""/>
+        <p:cNvGrpSpPr/>
+        <p:nvPr/>
+      </p:nvGrpSpPr>
+      <p:grpSpPr>
+        <a:xfrm>
+          <a:off x="0" y="0"/>
+          <a:ext cx="0" cy="0"/>
+          <a:chOff x="0" y="0"/>
+          <a:chExt cx="0" cy="0"/>
+        </a:xfrm>
+      </p:grpSpPr>
+      <p:sp>
+        <p:nvSpPr>
+          <p:cNvPr id="2" name="Título 1"/>
+          <p:cNvSpPr>
+            <a:spLocks noGrp="1"/>
+          </p:cNvSpPr>
+          <p:nvPr>
+            <p:ph type="title"/>
+          </p:nvPr>
+        </p:nvSpPr>
+        <p:spPr>
+          <a:xfrm>
+            <a:off x="167425" y="360607"/>
+            <a:ext cx="11925837" cy="875765"/>
+          </a:xfrm>
+        </p:spPr>
+        <p:txBody>
+          <a:bodyPr/>
+          <a:lstStyle/>
+          <a:p>
+            <a:r>
+              <a:rPr lang="es-PA" sz="3500" dirty="0" err="1" smtClean="0"/>
+              <a:t>Slew</a:t>
+            </a:r>
+            <a:r>
+              <a:rPr lang="es-PA" sz="3500" dirty="0" smtClean="0"/>
+              <a:t> </a:t>
+            </a:r>
+            <a:r>
+              <a:rPr lang="es-PA" sz="3500" dirty="0" err="1" smtClean="0"/>
+              <a:t>Rate</a:t>
+            </a:r>
+            <a:endParaRPr lang="es-PA" sz="3500" dirty="0"/>
+          </a:p>
+        </p:txBody>
+      </p:sp>
+      <p:sp>
+        <p:nvSpPr>
+          <p:cNvPr id="3" name="Marcador de contenido 2"/>
+          <p:cNvSpPr>
+            <a:spLocks noGrp="1"/>
+          </p:cNvSpPr>
+          <p:nvPr>
+            <p:ph idx="1"/>
+          </p:nvPr>
+        </p:nvSpPr>
+        <p:spPr>
+          <a:xfrm>
+            <a:off x="310675" y="1120462"/>
+            <a:ext cx="11618089" cy="5602601"/>
+          </a:xfrm>
+        </p:spPr>
+        <p:txBody>
+          <a:bodyPr>
+            <a:normAutofit/>
+          </a:bodyPr>
+          <a:lstStyle/>
+          <a:p>
+            <a:r>
+              <a:rPr lang="es-PA" dirty="0" smtClean="0"/>
+              <a:t>Un </a:t>
+            </a:r>
+            <a:r>
+              <a:rPr lang="es-PA" dirty="0" err="1" smtClean="0"/>
+              <a:t>opamp</a:t>
+            </a:r>
+            <a:r>
+              <a:rPr lang="es-PA" dirty="0" smtClean="0"/>
+              <a:t> seguidor tiene un SR de 1V/</a:t>
+            </a:r>
+            <a:r>
+              <a:rPr lang="es-PA" dirty="0" err="1" smtClean="0"/>
+              <a:t>us</a:t>
+            </a:r>
+            <a:r>
+              <a:rPr lang="es-PA" dirty="0" smtClean="0"/>
+              <a:t> y una ganancia unitaria de ancho de banda ft de 1MHz.  Encuentre</a:t>
+            </a:r>
+          </a:p>
+          <a:p>
+            <a:pPr lvl="1"/>
+            <a:r>
+              <a:rPr lang="es-PA" dirty="0" smtClean="0"/>
+              <a:t>El voltaje de entrada máximo al que puede </a:t>
+            </a:r>
+            <a:r>
+              <a:rPr lang="es-PA" dirty="0" err="1" smtClean="0"/>
+              <a:t>somenterse</a:t>
+            </a:r>
+            <a:r>
+              <a:rPr lang="es-PA" dirty="0" smtClean="0"/>
+              <a:t> y logre una rampa exponencial</a:t>
+            </a:r>
+          </a:p>
+          <a:p>
+            <a:pPr lvl="1"/>
+            <a:r>
+              <a:rPr lang="es-PA" dirty="0" smtClean="0"/>
+              <a:t>Para este voltaje cual es el 10% y 90% de tiempo de subida de la onda de salida</a:t>
+            </a:r>
+          </a:p>
+          <a:p>
+            <a:pPr lvl="1"/>
+            <a:r>
+              <a:rPr lang="es-PA" dirty="0" smtClean="0"/>
+              <a:t>Si hay una onda de entrada </a:t>
+            </a:r>
+            <a:r>
+              <a:rPr lang="es-PA" dirty="0" err="1" smtClean="0"/>
+              <a:t>escalon</a:t>
+            </a:r>
+            <a:r>
+              <a:rPr lang="es-PA" dirty="0" smtClean="0"/>
+              <a:t> aplicada a 10 veces más encuentre el 10% y 90% de tiempo de subida</a:t>
+            </a:r>
+          </a:p>
+        </p:txBody>
+      </p:sp>
+      <p:pic>
+        <p:nvPicPr>
+          <p:cNvPr id="6" name="Imagen 5"/>
+          <p:cNvPicPr>
+            <a:picLocks noChangeAspect="1"/>
+          </p:cNvPicPr>
+          <p:nvPr/>
+        </p:nvPicPr>
+        <p:blipFill>
+          <a:blip r:embed="rId2"/>
+          <a:stretch>
+            <a:fillRect/>
+          </a:stretch>
+        </p:blipFill>
+        <p:spPr>
+          <a:xfrm>
+            <a:off x="5364537" y="3410620"/>
+            <a:ext cx="2181225" cy="1847850"/>
+          </a:xfrm>
+          <a:prstGeom prst="rect">
+            <a:avLst/>
+          </a:prstGeom>
+        </p:spPr>
+      </p:pic>
+      <p:pic>
+        <p:nvPicPr>
+          <p:cNvPr id="9" name="Imagen 8"/>
+          <p:cNvPicPr>
+            <a:picLocks noChangeAspect="1"/>
+          </p:cNvPicPr>
+          <p:nvPr/>
+        </p:nvPicPr>
+        <p:blipFill>
+          <a:blip r:embed="rId3"/>
+          <a:stretch>
+            <a:fillRect/>
+          </a:stretch>
+        </p:blipFill>
+        <p:spPr>
+          <a:xfrm>
+            <a:off x="7710260" y="3353470"/>
+            <a:ext cx="2743200" cy="1905000"/>
+          </a:xfrm>
+          <a:prstGeom prst="rect">
+            <a:avLst/>
+          </a:prstGeom>
+        </p:spPr>
+      </p:pic>
+      <p:pic>
+        <p:nvPicPr>
+          <p:cNvPr id="13" name="Imagen 12"/>
+          <p:cNvPicPr>
+            <a:picLocks noChangeAspect="1"/>
+          </p:cNvPicPr>
+          <p:nvPr/>
+        </p:nvPicPr>
+        <p:blipFill>
+          <a:blip r:embed="rId4"/>
+          <a:stretch>
+            <a:fillRect/>
+          </a:stretch>
+        </p:blipFill>
+        <p:spPr>
+          <a:xfrm>
+            <a:off x="3483718" y="3398691"/>
+            <a:ext cx="1226463" cy="469387"/>
+          </a:xfrm>
+          <a:prstGeom prst="rect">
+            <a:avLst/>
+          </a:prstGeom>
+        </p:spPr>
+      </p:pic>
+      <p:pic>
+        <p:nvPicPr>
+          <p:cNvPr id="12" name="Imagen 11"/>
+          <p:cNvPicPr>
+            <a:picLocks noChangeAspect="1"/>
+          </p:cNvPicPr>
+          <p:nvPr/>
+        </p:nvPicPr>
+        <p:blipFill>
+          <a:blip r:embed="rId5"/>
+          <a:stretch>
+            <a:fillRect/>
+          </a:stretch>
+        </p:blipFill>
+        <p:spPr>
+          <a:xfrm>
+            <a:off x="2729588" y="4022780"/>
+            <a:ext cx="2552700" cy="1343025"/>
+          </a:xfrm>
+          <a:prstGeom prst="rect">
+            <a:avLst/>
+          </a:prstGeom>
+        </p:spPr>
+      </p:pic>
+      <p:pic>
+        <p:nvPicPr>
+          <p:cNvPr id="14" name="Imagen 13"/>
+          <p:cNvPicPr>
+            <a:picLocks noChangeAspect="1"/>
+          </p:cNvPicPr>
+          <p:nvPr/>
+        </p:nvPicPr>
+        <p:blipFill>
+          <a:blip r:embed="rId6"/>
+          <a:stretch>
+            <a:fillRect/>
+          </a:stretch>
+        </p:blipFill>
+        <p:spPr>
+          <a:xfrm>
+            <a:off x="624624" y="3410620"/>
+            <a:ext cx="2257229" cy="515938"/>
+          </a:xfrm>
+          <a:prstGeom prst="rect">
+            <a:avLst/>
+          </a:prstGeom>
+        </p:spPr>
+      </p:pic>
+    </p:spTree>
+    <p:extLst>
+      <p:ext uri="{BB962C8B-B14F-4D97-AF65-F5344CB8AC3E}">
+        <p14:creationId xmlns:p14="http://schemas.microsoft.com/office/powerpoint/2010/main" val="2538604029"/>
+      </p:ext>
+    </p:extLst>
+  </p:cSld>
+  <p:clrMapOvr>
+    <a:masterClrMapping/>
+  </p:clrMapOvr>
+  <p:timing>
+    <p:tnLst>
+      <p:par>
+        <p:cTn id="1" dur="indefinite" restart="never" nodeType="tmRoot"/>
+      </p:par>
+    </p:tnLst>
+  </p:timing>
+</p:sld>
+</file>
+
+<file path=ppt/slides/slide118.xml><?xml version="1.0" encoding="utf-8"?>
+<p:sld xmlns:a="http://schemas.openxmlformats.org/drawingml/2006/main" xmlns:r="http://schemas.openxmlformats.org/officeDocument/2006/relationships" xmlns:p="http://schemas.openxmlformats.org/presentationml/2006/main">
+  <p:cSld>
+    <p:spTree>
+      <p:nvGrpSpPr>
+        <p:cNvPr id="1" name=""/>
+        <p:cNvGrpSpPr/>
+        <p:nvPr/>
+      </p:nvGrpSpPr>
+      <p:grpSpPr>
+        <a:xfrm>
+          <a:off x="0" y="0"/>
+          <a:ext cx="0" cy="0"/>
+          <a:chOff x="0" y="0"/>
+          <a:chExt cx="0" cy="0"/>
+        </a:xfrm>
+      </p:grpSpPr>
+      <p:sp>
+        <p:nvSpPr>
+          <p:cNvPr id="2" name="Título 1"/>
+          <p:cNvSpPr>
+            <a:spLocks noGrp="1"/>
+          </p:cNvSpPr>
+          <p:nvPr>
+            <p:ph type="title"/>
+          </p:nvPr>
+        </p:nvSpPr>
+        <p:spPr>
+          <a:xfrm>
+            <a:off x="167425" y="360607"/>
+            <a:ext cx="11925837" cy="875765"/>
+          </a:xfrm>
+        </p:spPr>
+        <p:txBody>
+          <a:bodyPr/>
+          <a:lstStyle/>
+          <a:p>
+            <a:r>
+              <a:rPr lang="es-PA" sz="3500" dirty="0" err="1" smtClean="0"/>
+              <a:t>Slew</a:t>
+            </a:r>
+            <a:r>
+              <a:rPr lang="es-PA" sz="3500" dirty="0" smtClean="0"/>
+              <a:t> </a:t>
+            </a:r>
+            <a:r>
+              <a:rPr lang="es-PA" sz="3500" dirty="0" err="1" smtClean="0"/>
+              <a:t>Rate</a:t>
+            </a:r>
+            <a:endParaRPr lang="es-PA" sz="3500" dirty="0"/>
+          </a:p>
+        </p:txBody>
+      </p:sp>
+      <p:sp>
+        <p:nvSpPr>
+          <p:cNvPr id="3" name="Marcador de contenido 2"/>
+          <p:cNvSpPr>
+            <a:spLocks noGrp="1"/>
+          </p:cNvSpPr>
+          <p:nvPr>
+            <p:ph idx="1"/>
+          </p:nvPr>
+        </p:nvSpPr>
+        <p:spPr>
+          <a:xfrm>
+            <a:off x="310675" y="1120462"/>
+            <a:ext cx="11618089" cy="5602601"/>
+          </a:xfrm>
+        </p:spPr>
+        <p:txBody>
+          <a:bodyPr>
+            <a:normAutofit/>
+          </a:bodyPr>
+          <a:lstStyle/>
+          <a:p>
+            <a:r>
+              <a:rPr lang="es-PA" dirty="0" smtClean="0"/>
+              <a:t>Un </a:t>
+            </a:r>
+            <a:r>
+              <a:rPr lang="es-PA" dirty="0" err="1" smtClean="0"/>
+              <a:t>opamp</a:t>
+            </a:r>
+            <a:r>
+              <a:rPr lang="es-PA" dirty="0" smtClean="0"/>
+              <a:t> seguidor tiene un SR de 1V/</a:t>
+            </a:r>
+            <a:r>
+              <a:rPr lang="es-PA" dirty="0" err="1" smtClean="0"/>
+              <a:t>us</a:t>
+            </a:r>
+            <a:r>
+              <a:rPr lang="es-PA" dirty="0" smtClean="0"/>
+              <a:t> y una ganancia unitaria de ancho de banda ft de 1MHz.  Encuentre</a:t>
+            </a:r>
+          </a:p>
+          <a:p>
+            <a:pPr lvl="1"/>
+            <a:r>
+              <a:rPr lang="es-PA" dirty="0" smtClean="0"/>
+              <a:t>El voltaje de entrada máximo al que puede </a:t>
+            </a:r>
+            <a:r>
+              <a:rPr lang="es-PA" dirty="0" err="1" smtClean="0"/>
+              <a:t>somenterse</a:t>
+            </a:r>
+            <a:r>
+              <a:rPr lang="es-PA" dirty="0" smtClean="0"/>
+              <a:t> y logre una rampa exponencial</a:t>
+            </a:r>
+          </a:p>
+          <a:p>
+            <a:pPr lvl="1"/>
+            <a:r>
+              <a:rPr lang="es-PA" dirty="0" smtClean="0"/>
+              <a:t>Para este voltaje cual es el 10% y 90% de tiempo de subida de la onda de salida</a:t>
+            </a:r>
+          </a:p>
+          <a:p>
+            <a:pPr lvl="1"/>
+            <a:r>
+              <a:rPr lang="es-PA" dirty="0" smtClean="0"/>
+              <a:t>Si hay una onda de entrada </a:t>
+            </a:r>
+            <a:r>
+              <a:rPr lang="es-PA" dirty="0" err="1" smtClean="0"/>
+              <a:t>escalon</a:t>
+            </a:r>
+            <a:r>
+              <a:rPr lang="es-PA" dirty="0" smtClean="0"/>
+              <a:t> aplicada a 10 veces más encuentre el 10% y 90% de tiempo de subida</a:t>
+            </a:r>
+          </a:p>
+          <a:p>
+            <a:pPr lvl="1"/>
+            <a:endParaRPr lang="es-PA" dirty="0"/>
+          </a:p>
+          <a:p>
+            <a:pPr lvl="1"/>
+            <a:endParaRPr lang="es-PA" dirty="0" smtClean="0"/>
+          </a:p>
+          <a:p>
+            <a:pPr lvl="1"/>
+            <a:endParaRPr lang="es-PA" dirty="0"/>
+          </a:p>
+          <a:p>
+            <a:pPr lvl="1"/>
+            <a:endParaRPr lang="es-PA" dirty="0" smtClean="0"/>
+          </a:p>
+          <a:p>
+            <a:pPr lvl="1"/>
+            <a:endParaRPr lang="es-PA" dirty="0"/>
+          </a:p>
+          <a:p>
+            <a:pPr lvl="1"/>
+            <a:r>
+              <a:rPr lang="es-PA" dirty="0" smtClean="0"/>
+              <a:t>0.16V</a:t>
+            </a:r>
+          </a:p>
+          <a:p>
+            <a:pPr lvl="1"/>
+            <a:r>
+              <a:rPr lang="es-PA" dirty="0" smtClean="0"/>
+              <a:t>0.35 </a:t>
+            </a:r>
+            <a:r>
+              <a:rPr lang="es-PA" dirty="0" err="1" smtClean="0"/>
+              <a:t>us</a:t>
+            </a:r>
+            <a:endParaRPr lang="es-PA" dirty="0" smtClean="0"/>
+          </a:p>
+          <a:p>
+            <a:pPr lvl="1"/>
+            <a:r>
+              <a:rPr lang="es-PA" dirty="0" smtClean="0"/>
+              <a:t>1.27 </a:t>
+            </a:r>
+            <a:r>
+              <a:rPr lang="es-PA" dirty="0" err="1" smtClean="0"/>
+              <a:t>us</a:t>
+            </a:r>
+            <a:endParaRPr lang="es-PA" dirty="0" smtClean="0"/>
+          </a:p>
+        </p:txBody>
+      </p:sp>
+      <p:pic>
+        <p:nvPicPr>
+          <p:cNvPr id="6" name="Imagen 5"/>
+          <p:cNvPicPr>
+            <a:picLocks noChangeAspect="1"/>
+          </p:cNvPicPr>
+          <p:nvPr/>
+        </p:nvPicPr>
+        <p:blipFill>
+          <a:blip r:embed="rId2"/>
+          <a:stretch>
+            <a:fillRect/>
+          </a:stretch>
+        </p:blipFill>
+        <p:spPr>
+          <a:xfrm>
+            <a:off x="5364537" y="3410620"/>
+            <a:ext cx="2181225" cy="1847850"/>
+          </a:xfrm>
+          <a:prstGeom prst="rect">
+            <a:avLst/>
+          </a:prstGeom>
+        </p:spPr>
+      </p:pic>
+      <p:pic>
+        <p:nvPicPr>
+          <p:cNvPr id="9" name="Imagen 8"/>
+          <p:cNvPicPr>
+            <a:picLocks noChangeAspect="1"/>
+          </p:cNvPicPr>
+          <p:nvPr/>
+        </p:nvPicPr>
+        <p:blipFill>
+          <a:blip r:embed="rId3"/>
+          <a:stretch>
+            <a:fillRect/>
+          </a:stretch>
+        </p:blipFill>
+        <p:spPr>
+          <a:xfrm>
+            <a:off x="7710260" y="3353470"/>
+            <a:ext cx="2743200" cy="1905000"/>
+          </a:xfrm>
+          <a:prstGeom prst="rect">
+            <a:avLst/>
+          </a:prstGeom>
+        </p:spPr>
+      </p:pic>
+      <p:pic>
+        <p:nvPicPr>
+          <p:cNvPr id="13" name="Imagen 12"/>
+          <p:cNvPicPr>
+            <a:picLocks noChangeAspect="1"/>
+          </p:cNvPicPr>
+          <p:nvPr/>
+        </p:nvPicPr>
+        <p:blipFill>
+          <a:blip r:embed="rId4"/>
+          <a:stretch>
+            <a:fillRect/>
+          </a:stretch>
+        </p:blipFill>
+        <p:spPr>
+          <a:xfrm>
+            <a:off x="3483718" y="3398691"/>
+            <a:ext cx="1226463" cy="469387"/>
+          </a:xfrm>
+          <a:prstGeom prst="rect">
+            <a:avLst/>
+          </a:prstGeom>
+        </p:spPr>
+      </p:pic>
+      <p:pic>
+        <p:nvPicPr>
+          <p:cNvPr id="12" name="Imagen 11"/>
+          <p:cNvPicPr>
+            <a:picLocks noChangeAspect="1"/>
+          </p:cNvPicPr>
+          <p:nvPr/>
+        </p:nvPicPr>
+        <p:blipFill>
+          <a:blip r:embed="rId5"/>
+          <a:stretch>
+            <a:fillRect/>
+          </a:stretch>
+        </p:blipFill>
+        <p:spPr>
+          <a:xfrm>
+            <a:off x="2729588" y="4022780"/>
+            <a:ext cx="2552700" cy="1343025"/>
+          </a:xfrm>
+          <a:prstGeom prst="rect">
+            <a:avLst/>
+          </a:prstGeom>
+        </p:spPr>
+      </p:pic>
+      <p:pic>
+        <p:nvPicPr>
+          <p:cNvPr id="8" name="Imagen 7"/>
+          <p:cNvPicPr>
+            <a:picLocks noChangeAspect="1"/>
+          </p:cNvPicPr>
+          <p:nvPr/>
+        </p:nvPicPr>
+        <p:blipFill>
+          <a:blip r:embed="rId6"/>
+          <a:stretch>
+            <a:fillRect/>
+          </a:stretch>
+        </p:blipFill>
+        <p:spPr>
+          <a:xfrm>
+            <a:off x="624624" y="3410620"/>
+            <a:ext cx="2257229" cy="515938"/>
+          </a:xfrm>
+          <a:prstGeom prst="rect">
+            <a:avLst/>
+          </a:prstGeom>
+        </p:spPr>
+      </p:pic>
+    </p:spTree>
+    <p:extLst>
+      <p:ext uri="{BB962C8B-B14F-4D97-AF65-F5344CB8AC3E}">
+        <p14:creationId xmlns:p14="http://schemas.microsoft.com/office/powerpoint/2010/main" val="3352231485"/>
+      </p:ext>
+    </p:extLst>
+  </p:cSld>
+  <p:clrMapOvr>
+    <a:masterClrMapping/>
+  </p:clrMapOvr>
+  <p:timing>
+    <p:tnLst>
+      <p:par>
+        <p:cTn id="1" dur="indefinite" restart="never" nodeType="tmRoot"/>
+      </p:par>
+    </p:tnLst>
+  </p:timing>
+</p:sld>
+</file>
+
+<file path=ppt/slides/slide119.xml><?xml version="1.0" encoding="utf-8"?>
+<p:sld xmlns:a="http://schemas.openxmlformats.org/drawingml/2006/main" xmlns:r="http://schemas.openxmlformats.org/officeDocument/2006/relationships" xmlns:p="http://schemas.openxmlformats.org/presentationml/2006/main">
+  <p:cSld>
+    <p:spTree>
+      <p:nvGrpSpPr>
+        <p:cNvPr id="1" name=""/>
+        <p:cNvGrpSpPr/>
+        <p:nvPr/>
+      </p:nvGrpSpPr>
+      <p:grpSpPr>
+        <a:xfrm>
+          <a:off x="0" y="0"/>
+          <a:ext cx="0" cy="0"/>
+          <a:chOff x="0" y="0"/>
+          <a:chExt cx="0" cy="0"/>
+        </a:xfrm>
+      </p:grpSpPr>
+      <p:sp>
+        <p:nvSpPr>
+          <p:cNvPr id="2" name="Título 1"/>
+          <p:cNvSpPr>
+            <a:spLocks noGrp="1"/>
+          </p:cNvSpPr>
+          <p:nvPr>
+            <p:ph type="title"/>
+          </p:nvPr>
+        </p:nvSpPr>
+        <p:spPr>
+          <a:xfrm>
+            <a:off x="167425" y="360607"/>
+            <a:ext cx="11925837" cy="875765"/>
+          </a:xfrm>
+        </p:spPr>
+        <p:txBody>
+          <a:bodyPr/>
+          <a:lstStyle/>
+          <a:p>
+            <a:r>
+              <a:rPr lang="es-PA" sz="3500" dirty="0" smtClean="0"/>
+              <a:t>Ancho de Banda de Potencia Máxima</a:t>
+            </a:r>
+            <a:endParaRPr lang="es-PA" sz="3500" dirty="0"/>
+          </a:p>
+        </p:txBody>
+      </p:sp>
+      <p:sp>
+        <p:nvSpPr>
+          <p:cNvPr id="3" name="Marcador de contenido 2"/>
+          <p:cNvSpPr>
+            <a:spLocks noGrp="1"/>
+          </p:cNvSpPr>
+          <p:nvPr>
+            <p:ph idx="1"/>
+          </p:nvPr>
+        </p:nvSpPr>
+        <p:spPr>
+          <a:xfrm>
+            <a:off x="310675" y="1120462"/>
+            <a:ext cx="11618089" cy="5602601"/>
+          </a:xfrm>
+        </p:spPr>
+        <p:txBody>
+          <a:bodyPr>
+            <a:normAutofit/>
+          </a:bodyPr>
+          <a:lstStyle/>
+          <a:p>
+            <a:r>
+              <a:rPr lang="es-PA" dirty="0" smtClean="0"/>
+              <a:t>Ancho de banda de potencia máxima</a:t>
+            </a:r>
+          </a:p>
+          <a:p>
+            <a:r>
+              <a:rPr lang="es-PA" dirty="0" smtClean="0"/>
+              <a:t>El </a:t>
+            </a:r>
+            <a:r>
+              <a:rPr lang="es-PA" dirty="0" err="1" smtClean="0"/>
+              <a:t>slew</a:t>
+            </a:r>
+            <a:r>
+              <a:rPr lang="es-PA" dirty="0" smtClean="0"/>
+              <a:t> </a:t>
+            </a:r>
+            <a:r>
+              <a:rPr lang="es-PA" dirty="0" err="1" smtClean="0"/>
+              <a:t>rate</a:t>
+            </a:r>
+            <a:r>
+              <a:rPr lang="es-PA" dirty="0" smtClean="0"/>
+              <a:t> puede causar distorsiones y ondas sinusoidales</a:t>
+            </a:r>
+          </a:p>
+          <a:p>
+            <a:r>
+              <a:rPr lang="es-PA" dirty="0" smtClean="0"/>
+              <a:t>Considere la siguiente onda</a:t>
+            </a:r>
+          </a:p>
+          <a:p>
+            <a:endParaRPr lang="es-PA" dirty="0"/>
+          </a:p>
+          <a:p>
+            <a:r>
+              <a:rPr lang="es-PA" dirty="0" smtClean="0"/>
+              <a:t>El cambio de entrada de esta onda será</a:t>
+            </a:r>
+          </a:p>
+          <a:p>
+            <a:endParaRPr lang="es-PA" dirty="0"/>
+          </a:p>
+          <a:p>
+            <a:r>
+              <a:rPr lang="es-PA" dirty="0" smtClean="0"/>
+              <a:t>Este cambio se vuelve máximo a cruce cero</a:t>
+            </a:r>
+          </a:p>
+          <a:p>
+            <a:r>
+              <a:rPr lang="es-PA" dirty="0" smtClean="0"/>
+              <a:t>La onda será distorsionada y no puede mantener el cambio</a:t>
+            </a:r>
+          </a:p>
+          <a:p>
+            <a:r>
+              <a:rPr lang="es-PA" dirty="0" smtClean="0"/>
+              <a:t>En el </a:t>
+            </a:r>
+            <a:r>
+              <a:rPr lang="es-PA" dirty="0" err="1" smtClean="0"/>
+              <a:t>datasheet</a:t>
+            </a:r>
+            <a:r>
+              <a:rPr lang="es-PA" dirty="0" smtClean="0"/>
+              <a:t> se encuentra como Fm</a:t>
+            </a:r>
+          </a:p>
+          <a:p>
+            <a:pPr lvl="1"/>
+            <a:r>
+              <a:rPr lang="es-PA" dirty="0" smtClean="0"/>
+              <a:t>Full </a:t>
+            </a:r>
+            <a:r>
+              <a:rPr lang="es-PA" dirty="0" err="1" smtClean="0"/>
+              <a:t>power</a:t>
+            </a:r>
+            <a:r>
+              <a:rPr lang="es-PA" dirty="0" smtClean="0"/>
+              <a:t> </a:t>
+            </a:r>
+            <a:r>
+              <a:rPr lang="es-PA" dirty="0" err="1" smtClean="0"/>
+              <a:t>bandwidth</a:t>
+            </a:r>
+            <a:endParaRPr lang="es-PA" dirty="0" smtClean="0"/>
+          </a:p>
+          <a:p>
+            <a:pPr lvl="1"/>
+            <a:r>
+              <a:rPr lang="es-PA" dirty="0" smtClean="0"/>
+              <a:t>Es la frecuencia con el cual el </a:t>
+            </a:r>
+            <a:r>
+              <a:rPr lang="es-PA" dirty="0" err="1" smtClean="0"/>
+              <a:t>op-amp</a:t>
+            </a:r>
+            <a:r>
+              <a:rPr lang="es-PA" dirty="0" smtClean="0"/>
+              <a:t> empieza a ver desviaciones y distorsiones</a:t>
+            </a:r>
+          </a:p>
+          <a:p>
+            <a:endParaRPr lang="es-PA" dirty="0" smtClean="0"/>
+          </a:p>
+        </p:txBody>
+      </p:sp>
+      <p:pic>
+        <p:nvPicPr>
+          <p:cNvPr id="4" name="Imagen 3"/>
+          <p:cNvPicPr>
+            <a:picLocks noChangeAspect="1"/>
+          </p:cNvPicPr>
+          <p:nvPr/>
+        </p:nvPicPr>
+        <p:blipFill>
+          <a:blip r:embed="rId2"/>
+          <a:stretch>
+            <a:fillRect/>
+          </a:stretch>
+        </p:blipFill>
+        <p:spPr>
+          <a:xfrm>
+            <a:off x="4399812" y="1996226"/>
+            <a:ext cx="1736888" cy="592427"/>
+          </a:xfrm>
+          <a:prstGeom prst="rect">
+            <a:avLst/>
+          </a:prstGeom>
+        </p:spPr>
+      </p:pic>
+      <p:pic>
+        <p:nvPicPr>
+          <p:cNvPr id="5" name="Imagen 4"/>
+          <p:cNvPicPr>
+            <a:picLocks noChangeAspect="1"/>
+          </p:cNvPicPr>
+          <p:nvPr/>
+        </p:nvPicPr>
+        <p:blipFill>
+          <a:blip r:embed="rId3"/>
+          <a:stretch>
+            <a:fillRect/>
+          </a:stretch>
+        </p:blipFill>
+        <p:spPr>
+          <a:xfrm>
+            <a:off x="6119719" y="2713026"/>
+            <a:ext cx="1890712" cy="802905"/>
+          </a:xfrm>
+          <a:prstGeom prst="rect">
+            <a:avLst/>
+          </a:prstGeom>
+        </p:spPr>
+      </p:pic>
+      <p:pic>
+        <p:nvPicPr>
+          <p:cNvPr id="7" name="Imagen 6"/>
+          <p:cNvPicPr>
+            <a:picLocks noChangeAspect="1"/>
+          </p:cNvPicPr>
+          <p:nvPr/>
+        </p:nvPicPr>
+        <p:blipFill>
+          <a:blip r:embed="rId4"/>
+          <a:stretch>
+            <a:fillRect/>
+          </a:stretch>
+        </p:blipFill>
+        <p:spPr>
+          <a:xfrm>
+            <a:off x="8236452" y="2713026"/>
+            <a:ext cx="3835562" cy="2642930"/>
+          </a:xfrm>
+          <a:prstGeom prst="rect">
+            <a:avLst/>
+          </a:prstGeom>
+        </p:spPr>
+      </p:pic>
+      <p:pic>
+        <p:nvPicPr>
+          <p:cNvPr id="10" name="Imagen 9"/>
+          <p:cNvPicPr>
+            <a:picLocks noChangeAspect="1"/>
+          </p:cNvPicPr>
+          <p:nvPr/>
+        </p:nvPicPr>
+        <p:blipFill>
+          <a:blip r:embed="rId5"/>
+          <a:stretch>
+            <a:fillRect/>
+          </a:stretch>
+        </p:blipFill>
+        <p:spPr>
+          <a:xfrm>
+            <a:off x="487452" y="5953124"/>
+            <a:ext cx="1748036" cy="653737"/>
+          </a:xfrm>
+          <a:prstGeom prst="rect">
+            <a:avLst/>
+          </a:prstGeom>
+        </p:spPr>
+      </p:pic>
+      <p:pic>
+        <p:nvPicPr>
+          <p:cNvPr id="11" name="Imagen 10"/>
+          <p:cNvPicPr>
+            <a:picLocks noChangeAspect="1"/>
+          </p:cNvPicPr>
+          <p:nvPr/>
+        </p:nvPicPr>
+        <p:blipFill>
+          <a:blip r:embed="rId6"/>
+          <a:stretch>
+            <a:fillRect/>
+          </a:stretch>
+        </p:blipFill>
+        <p:spPr>
+          <a:xfrm>
+            <a:off x="2378738" y="5878593"/>
+            <a:ext cx="1670338" cy="802798"/>
+          </a:xfrm>
+          <a:prstGeom prst="rect">
+            <a:avLst/>
+          </a:prstGeom>
+        </p:spPr>
+      </p:pic>
+      <p:pic>
+        <p:nvPicPr>
+          <p:cNvPr id="14" name="Imagen 13"/>
+          <p:cNvPicPr>
+            <a:picLocks noChangeAspect="1"/>
+          </p:cNvPicPr>
+          <p:nvPr/>
+        </p:nvPicPr>
+        <p:blipFill>
+          <a:blip r:embed="rId7"/>
+          <a:stretch>
+            <a:fillRect/>
+          </a:stretch>
+        </p:blipFill>
+        <p:spPr>
+          <a:xfrm>
+            <a:off x="4192326" y="5842275"/>
+            <a:ext cx="1919796" cy="839116"/>
+          </a:xfrm>
+          <a:prstGeom prst="rect">
+            <a:avLst/>
+          </a:prstGeom>
+        </p:spPr>
+      </p:pic>
+    </p:spTree>
+    <p:extLst>
+      <p:ext uri="{BB962C8B-B14F-4D97-AF65-F5344CB8AC3E}">
+        <p14:creationId xmlns:p14="http://schemas.microsoft.com/office/powerpoint/2010/main" val="3202520618"/>
       </p:ext>
     </p:extLst>
   </p:cSld>
@@ -7734,6 +11685,491 @@
     <p:extLst>
       <p:ext uri="{BB962C8B-B14F-4D97-AF65-F5344CB8AC3E}">
         <p14:creationId xmlns:p14="http://schemas.microsoft.com/office/powerpoint/2010/main" val="2138607980"/>
+      </p:ext>
+    </p:extLst>
+  </p:cSld>
+  <p:clrMapOvr>
+    <a:masterClrMapping/>
+  </p:clrMapOvr>
+  <p:timing>
+    <p:tnLst>
+      <p:par>
+        <p:cTn id="1" dur="indefinite" restart="never" nodeType="tmRoot"/>
+      </p:par>
+    </p:tnLst>
+  </p:timing>
+</p:sld>
+</file>
+
+<file path=ppt/slides/slide120.xml><?xml version="1.0" encoding="utf-8"?>
+<p:sld xmlns:a="http://schemas.openxmlformats.org/drawingml/2006/main" xmlns:r="http://schemas.openxmlformats.org/officeDocument/2006/relationships" xmlns:p="http://schemas.openxmlformats.org/presentationml/2006/main">
+  <p:cSld>
+    <p:spTree>
+      <p:nvGrpSpPr>
+        <p:cNvPr id="1" name=""/>
+        <p:cNvGrpSpPr/>
+        <p:nvPr/>
+      </p:nvGrpSpPr>
+      <p:grpSpPr>
+        <a:xfrm>
+          <a:off x="0" y="0"/>
+          <a:ext cx="0" cy="0"/>
+          <a:chOff x="0" y="0"/>
+          <a:chExt cx="0" cy="0"/>
+        </a:xfrm>
+      </p:grpSpPr>
+      <p:sp>
+        <p:nvSpPr>
+          <p:cNvPr id="2" name="Título 1"/>
+          <p:cNvSpPr>
+            <a:spLocks noGrp="1"/>
+          </p:cNvSpPr>
+          <p:nvPr>
+            <p:ph type="title"/>
+          </p:nvPr>
+        </p:nvSpPr>
+        <p:spPr>
+          <a:xfrm>
+            <a:off x="167425" y="360607"/>
+            <a:ext cx="11925837" cy="875765"/>
+          </a:xfrm>
+        </p:spPr>
+        <p:txBody>
+          <a:bodyPr/>
+          <a:lstStyle/>
+          <a:p>
+            <a:r>
+              <a:rPr lang="es-PA" sz="3500" dirty="0"/>
+              <a:t>Ancho de Banda de Potencia Máxima</a:t>
+            </a:r>
+            <a:endParaRPr lang="es-PA" sz="3500" dirty="0"/>
+          </a:p>
+        </p:txBody>
+      </p:sp>
+      <p:sp>
+        <p:nvSpPr>
+          <p:cNvPr id="3" name="Marcador de contenido 2"/>
+          <p:cNvSpPr>
+            <a:spLocks noGrp="1"/>
+          </p:cNvSpPr>
+          <p:nvPr>
+            <p:ph idx="1"/>
+          </p:nvPr>
+        </p:nvSpPr>
+        <p:spPr>
+          <a:xfrm>
+            <a:off x="310675" y="1120462"/>
+            <a:ext cx="11618089" cy="5602601"/>
+          </a:xfrm>
+        </p:spPr>
+        <p:txBody>
+          <a:bodyPr>
+            <a:normAutofit/>
+          </a:bodyPr>
+          <a:lstStyle/>
+          <a:p>
+            <a:r>
+              <a:rPr lang="es-PA" dirty="0" smtClean="0"/>
+              <a:t>Si un </a:t>
+            </a:r>
+            <a:r>
+              <a:rPr lang="es-PA" dirty="0" err="1" smtClean="0"/>
+              <a:t>opamp</a:t>
+            </a:r>
+            <a:r>
+              <a:rPr lang="es-PA" dirty="0" smtClean="0"/>
+              <a:t> tiene un voltaje de salida de 10V y un </a:t>
+            </a:r>
+            <a:r>
+              <a:rPr lang="es-PA" dirty="0" err="1" smtClean="0"/>
+              <a:t>slew</a:t>
+            </a:r>
+            <a:r>
+              <a:rPr lang="es-PA" dirty="0" smtClean="0"/>
+              <a:t> </a:t>
+            </a:r>
+            <a:r>
+              <a:rPr lang="es-PA" dirty="0" err="1" smtClean="0"/>
+              <a:t>rate</a:t>
+            </a:r>
+            <a:r>
+              <a:rPr lang="es-PA" dirty="0" smtClean="0"/>
+              <a:t> de 1V/</a:t>
+            </a:r>
+            <a:r>
+              <a:rPr lang="es-PA" dirty="0" err="1" smtClean="0"/>
+              <a:t>us</a:t>
+            </a:r>
+            <a:endParaRPr lang="es-PA" dirty="0"/>
+          </a:p>
+          <a:p>
+            <a:r>
+              <a:rPr lang="es-PA" dirty="0" smtClean="0"/>
+              <a:t>¿Cuál es el ancho de banda de potencia máxima?</a:t>
+            </a:r>
+          </a:p>
+          <a:p>
+            <a:r>
+              <a:rPr lang="es-PA" dirty="0" smtClean="0"/>
+              <a:t>Si la señal de entrada es f = 5fm cual es el máximo posible de amplitud que puede tener la entrada sin tener distorsión a la salida.</a:t>
+            </a:r>
+          </a:p>
+        </p:txBody>
+      </p:sp>
+      <p:pic>
+        <p:nvPicPr>
+          <p:cNvPr id="11" name="Imagen 10"/>
+          <p:cNvPicPr>
+            <a:picLocks noChangeAspect="1"/>
+          </p:cNvPicPr>
+          <p:nvPr/>
+        </p:nvPicPr>
+        <p:blipFill>
+          <a:blip r:embed="rId2"/>
+          <a:stretch>
+            <a:fillRect/>
+          </a:stretch>
+        </p:blipFill>
+        <p:spPr>
+          <a:xfrm>
+            <a:off x="750352" y="2757361"/>
+            <a:ext cx="1670338" cy="802798"/>
+          </a:xfrm>
+          <a:prstGeom prst="rect">
+            <a:avLst/>
+          </a:prstGeom>
+        </p:spPr>
+      </p:pic>
+      <p:pic>
+        <p:nvPicPr>
+          <p:cNvPr id="14" name="Imagen 13"/>
+          <p:cNvPicPr>
+            <a:picLocks noChangeAspect="1"/>
+          </p:cNvPicPr>
+          <p:nvPr/>
+        </p:nvPicPr>
+        <p:blipFill>
+          <a:blip r:embed="rId3"/>
+          <a:stretch>
+            <a:fillRect/>
+          </a:stretch>
+        </p:blipFill>
+        <p:spPr>
+          <a:xfrm>
+            <a:off x="2492315" y="2757361"/>
+            <a:ext cx="1919796" cy="839116"/>
+          </a:xfrm>
+          <a:prstGeom prst="rect">
+            <a:avLst/>
+          </a:prstGeom>
+        </p:spPr>
+      </p:pic>
+    </p:spTree>
+    <p:extLst>
+      <p:ext uri="{BB962C8B-B14F-4D97-AF65-F5344CB8AC3E}">
+        <p14:creationId xmlns:p14="http://schemas.microsoft.com/office/powerpoint/2010/main" val="2480909166"/>
+      </p:ext>
+    </p:extLst>
+  </p:cSld>
+  <p:clrMapOvr>
+    <a:masterClrMapping/>
+  </p:clrMapOvr>
+  <p:timing>
+    <p:tnLst>
+      <p:par>
+        <p:cTn id="1" dur="indefinite" restart="never" nodeType="tmRoot"/>
+      </p:par>
+    </p:tnLst>
+  </p:timing>
+</p:sld>
+</file>
+
+<file path=ppt/slides/slide121.xml><?xml version="1.0" encoding="utf-8"?>
+<p:sld xmlns:a="http://schemas.openxmlformats.org/drawingml/2006/main" xmlns:r="http://schemas.openxmlformats.org/officeDocument/2006/relationships" xmlns:p="http://schemas.openxmlformats.org/presentationml/2006/main">
+  <p:cSld>
+    <p:spTree>
+      <p:nvGrpSpPr>
+        <p:cNvPr id="1" name=""/>
+        <p:cNvGrpSpPr/>
+        <p:nvPr/>
+      </p:nvGrpSpPr>
+      <p:grpSpPr>
+        <a:xfrm>
+          <a:off x="0" y="0"/>
+          <a:ext cx="0" cy="0"/>
+          <a:chOff x="0" y="0"/>
+          <a:chExt cx="0" cy="0"/>
+        </a:xfrm>
+      </p:grpSpPr>
+      <p:sp>
+        <p:nvSpPr>
+          <p:cNvPr id="2" name="Título 1"/>
+          <p:cNvSpPr>
+            <a:spLocks noGrp="1"/>
+          </p:cNvSpPr>
+          <p:nvPr>
+            <p:ph type="title"/>
+          </p:nvPr>
+        </p:nvSpPr>
+        <p:spPr>
+          <a:xfrm>
+            <a:off x="167425" y="360607"/>
+            <a:ext cx="11925837" cy="875765"/>
+          </a:xfrm>
+        </p:spPr>
+        <p:txBody>
+          <a:bodyPr/>
+          <a:lstStyle/>
+          <a:p>
+            <a:r>
+              <a:rPr lang="es-PA" sz="3500" dirty="0"/>
+              <a:t>Ancho de Banda de Potencia Máxima</a:t>
+            </a:r>
+            <a:endParaRPr lang="es-PA" sz="3500" dirty="0"/>
+          </a:p>
+        </p:txBody>
+      </p:sp>
+      <p:sp>
+        <p:nvSpPr>
+          <p:cNvPr id="3" name="Marcador de contenido 2"/>
+          <p:cNvSpPr>
+            <a:spLocks noGrp="1"/>
+          </p:cNvSpPr>
+          <p:nvPr>
+            <p:ph idx="1"/>
+          </p:nvPr>
+        </p:nvSpPr>
+        <p:spPr>
+          <a:xfrm>
+            <a:off x="310675" y="1120462"/>
+            <a:ext cx="11618089" cy="5602601"/>
+          </a:xfrm>
+        </p:spPr>
+        <p:txBody>
+          <a:bodyPr>
+            <a:normAutofit/>
+          </a:bodyPr>
+          <a:lstStyle/>
+          <a:p>
+            <a:r>
+              <a:rPr lang="es-PA" dirty="0" smtClean="0"/>
+              <a:t>Si un </a:t>
+            </a:r>
+            <a:r>
+              <a:rPr lang="es-PA" dirty="0" err="1" smtClean="0"/>
+              <a:t>opamp</a:t>
+            </a:r>
+            <a:r>
+              <a:rPr lang="es-PA" dirty="0" smtClean="0"/>
+              <a:t> tiene un voltaje de salida de 10V y un </a:t>
+            </a:r>
+            <a:r>
+              <a:rPr lang="es-PA" dirty="0" err="1" smtClean="0"/>
+              <a:t>slew</a:t>
+            </a:r>
+            <a:r>
+              <a:rPr lang="es-PA" dirty="0" smtClean="0"/>
+              <a:t> </a:t>
+            </a:r>
+            <a:r>
+              <a:rPr lang="es-PA" dirty="0" err="1" smtClean="0"/>
+              <a:t>rate</a:t>
+            </a:r>
+            <a:r>
+              <a:rPr lang="es-PA" dirty="0" smtClean="0"/>
+              <a:t> de 1V/</a:t>
+            </a:r>
+            <a:r>
+              <a:rPr lang="es-PA" dirty="0" err="1" smtClean="0"/>
+              <a:t>us</a:t>
+            </a:r>
+            <a:endParaRPr lang="es-PA" dirty="0"/>
+          </a:p>
+          <a:p>
+            <a:r>
+              <a:rPr lang="es-PA" dirty="0" smtClean="0"/>
+              <a:t>¿Cuál es el ancho de banda de potencia máxima?</a:t>
+            </a:r>
+          </a:p>
+          <a:p>
+            <a:r>
+              <a:rPr lang="es-PA" dirty="0" smtClean="0"/>
+              <a:t>Si la señal de entrada es f = 5fm cual es el máximo posible de amplitud que puede tener la entrada sin tener distorsión a la salida.</a:t>
+            </a:r>
+          </a:p>
+          <a:p>
+            <a:endParaRPr lang="es-PA" dirty="0"/>
+          </a:p>
+          <a:p>
+            <a:endParaRPr lang="es-PA" dirty="0" smtClean="0"/>
+          </a:p>
+          <a:p>
+            <a:endParaRPr lang="es-PA" dirty="0"/>
+          </a:p>
+          <a:p>
+            <a:r>
+              <a:rPr lang="es-PA" dirty="0" smtClean="0"/>
+              <a:t>15.9kHz</a:t>
+            </a:r>
+          </a:p>
+          <a:p>
+            <a:r>
+              <a:rPr lang="es-PA" dirty="0" smtClean="0"/>
+              <a:t>2V</a:t>
+            </a:r>
+          </a:p>
+        </p:txBody>
+      </p:sp>
+      <p:pic>
+        <p:nvPicPr>
+          <p:cNvPr id="11" name="Imagen 10"/>
+          <p:cNvPicPr>
+            <a:picLocks noChangeAspect="1"/>
+          </p:cNvPicPr>
+          <p:nvPr/>
+        </p:nvPicPr>
+        <p:blipFill>
+          <a:blip r:embed="rId2"/>
+          <a:stretch>
+            <a:fillRect/>
+          </a:stretch>
+        </p:blipFill>
+        <p:spPr>
+          <a:xfrm>
+            <a:off x="750352" y="2757361"/>
+            <a:ext cx="1670338" cy="802798"/>
+          </a:xfrm>
+          <a:prstGeom prst="rect">
+            <a:avLst/>
+          </a:prstGeom>
+        </p:spPr>
+      </p:pic>
+      <p:pic>
+        <p:nvPicPr>
+          <p:cNvPr id="14" name="Imagen 13"/>
+          <p:cNvPicPr>
+            <a:picLocks noChangeAspect="1"/>
+          </p:cNvPicPr>
+          <p:nvPr/>
+        </p:nvPicPr>
+        <p:blipFill>
+          <a:blip r:embed="rId3"/>
+          <a:stretch>
+            <a:fillRect/>
+          </a:stretch>
+        </p:blipFill>
+        <p:spPr>
+          <a:xfrm>
+            <a:off x="2492315" y="2757361"/>
+            <a:ext cx="1919796" cy="839116"/>
+          </a:xfrm>
+          <a:prstGeom prst="rect">
+            <a:avLst/>
+          </a:prstGeom>
+        </p:spPr>
+      </p:pic>
+    </p:spTree>
+    <p:extLst>
+      <p:ext uri="{BB962C8B-B14F-4D97-AF65-F5344CB8AC3E}">
+        <p14:creationId xmlns:p14="http://schemas.microsoft.com/office/powerpoint/2010/main" val="2314129153"/>
+      </p:ext>
+    </p:extLst>
+  </p:cSld>
+  <p:clrMapOvr>
+    <a:masterClrMapping/>
+  </p:clrMapOvr>
+  <p:timing>
+    <p:tnLst>
+      <p:par>
+        <p:cTn id="1" dur="indefinite" restart="never" nodeType="tmRoot"/>
+      </p:par>
+    </p:tnLst>
+  </p:timing>
+</p:sld>
+</file>
+
+<file path=ppt/slides/slide122.xml><?xml version="1.0" encoding="utf-8"?>
+<p:sld xmlns:a="http://schemas.openxmlformats.org/drawingml/2006/main" xmlns:r="http://schemas.openxmlformats.org/officeDocument/2006/relationships" xmlns:p="http://schemas.openxmlformats.org/presentationml/2006/main">
+  <p:cSld>
+    <p:spTree>
+      <p:nvGrpSpPr>
+        <p:cNvPr id="1" name=""/>
+        <p:cNvGrpSpPr/>
+        <p:nvPr/>
+      </p:nvGrpSpPr>
+      <p:grpSpPr>
+        <a:xfrm>
+          <a:off x="0" y="0"/>
+          <a:ext cx="0" cy="0"/>
+          <a:chOff x="0" y="0"/>
+          <a:chExt cx="0" cy="0"/>
+        </a:xfrm>
+      </p:grpSpPr>
+      <p:sp>
+        <p:nvSpPr>
+          <p:cNvPr id="3" name="Marcador de contenido 2"/>
+          <p:cNvSpPr>
+            <a:spLocks noGrp="1"/>
+          </p:cNvSpPr>
+          <p:nvPr>
+            <p:ph idx="1"/>
+          </p:nvPr>
+        </p:nvSpPr>
+        <p:spPr>
+          <a:xfrm>
+            <a:off x="0" y="0"/>
+            <a:ext cx="12192000" cy="6858000"/>
+          </a:xfrm>
+        </p:spPr>
+        <p:txBody>
+          <a:bodyPr>
+            <a:normAutofit/>
+          </a:bodyPr>
+          <a:lstStyle/>
+          <a:p>
+            <a:pPr marL="0" indent="0" algn="ctr">
+              <a:buNone/>
+            </a:pPr>
+            <a:endParaRPr lang="es-PA" sz="4000" dirty="0"/>
+          </a:p>
+          <a:p>
+            <a:pPr marL="0" indent="0" algn="ctr">
+              <a:buNone/>
+            </a:pPr>
+            <a:endParaRPr lang="es-PA" sz="4000" dirty="0" smtClean="0"/>
+          </a:p>
+          <a:p>
+            <a:pPr marL="0" indent="0" algn="ctr">
+              <a:buNone/>
+            </a:pPr>
+            <a:endParaRPr lang="es-PA" sz="4000" dirty="0"/>
+          </a:p>
+          <a:p>
+            <a:pPr marL="0" indent="0" algn="ctr">
+              <a:buNone/>
+            </a:pPr>
+            <a:endParaRPr lang="es-PA" sz="4000" dirty="0" smtClean="0"/>
+          </a:p>
+          <a:p>
+            <a:pPr marL="0" indent="0" algn="ctr">
+              <a:buNone/>
+            </a:pPr>
+            <a:r>
+              <a:rPr lang="es-PA" sz="10000" dirty="0" smtClean="0"/>
+              <a:t>FINAL DÍA </a:t>
+            </a:r>
+            <a:r>
+              <a:rPr lang="es-PA" sz="10000" dirty="0" smtClean="0"/>
+              <a:t>3</a:t>
+            </a:r>
+            <a:endParaRPr lang="es-PA" sz="10000" dirty="0"/>
+          </a:p>
+        </p:txBody>
+      </p:sp>
+    </p:spTree>
+    <p:extLst>
+      <p:ext uri="{BB962C8B-B14F-4D97-AF65-F5344CB8AC3E}">
+        <p14:creationId xmlns:p14="http://schemas.microsoft.com/office/powerpoint/2010/main" val="1966261240"/>
       </p:ext>
     </p:extLst>
   </p:cSld>
@@ -23151,7 +27587,6 @@
               <a:rPr lang="es-PA" dirty="0" smtClean="0"/>
               <a:t> el modo de rechazo de modo común es</a:t>
             </a:r>
-            <a:endParaRPr lang="es-PA" dirty="0" smtClean="0"/>
           </a:p>
           <a:p>
             <a:r>
@@ -23800,7 +28235,7 @@
           <a:p>
             <a:r>
               <a:rPr lang="es-PA" dirty="0" smtClean="0"/>
-              <a:t>Realizamos una malla gracias a la tierra virtual</a:t>
+              <a:t>Realizamos una malla gracias a la corto virtual</a:t>
             </a:r>
           </a:p>
           <a:p>
@@ -24055,7 +28490,6 @@
               <a:rPr lang="es-PA" dirty="0" smtClean="0"/>
               <a:t> y CMRR </a:t>
             </a:r>
-            <a:endParaRPr lang="es-PA" dirty="0" smtClean="0"/>
           </a:p>
           <a:p>
             <a:endParaRPr lang="es-PA" dirty="0" smtClean="0"/>
@@ -24283,7 +28717,6 @@
               <a:rPr lang="es-PA" dirty="0" smtClean="0"/>
               <a:t> y CMRR </a:t>
             </a:r>
-            <a:endParaRPr lang="es-PA" dirty="0" smtClean="0"/>
           </a:p>
           <a:p>
             <a:endParaRPr lang="es-PA" dirty="0" smtClean="0"/>
@@ -24580,11 +29013,7 @@
           <a:p>
             <a:r>
               <a:rPr lang="es-PA" dirty="0" smtClean="0"/>
-              <a:t>R1 = R3, R2 = R4</a:t>
-            </a:r>
-            <a:r>
-              <a:rPr lang="es-PA" dirty="0" smtClean="0"/>
-              <a:t> </a:t>
+              <a:t>R1 = R3, R2 = R4 </a:t>
             </a:r>
             <a:endParaRPr lang="es-PA" dirty="0"/>
           </a:p>
@@ -25559,7 +29988,6 @@
               <a:rPr lang="es-PA" dirty="0" smtClean="0"/>
               <a:t>Si alguna de las resistencias R2 fuese diferente tendríamos </a:t>
             </a:r>
-            <a:endParaRPr lang="es-PA" dirty="0" smtClean="0"/>
           </a:p>
           <a:p>
             <a:endParaRPr lang="es-PA" dirty="0"/>
@@ -25827,11 +30255,7 @@
           <a:p>
             <a:r>
               <a:rPr lang="es-PA" dirty="0" smtClean="0"/>
-              <a:t>Diseñe un amplificador de instrumentación</a:t>
-            </a:r>
-            <a:r>
-              <a:rPr lang="es-PA" dirty="0" smtClean="0"/>
-              <a:t>:</a:t>
+              <a:t>Diseñe un amplificador de instrumentación:</a:t>
             </a:r>
           </a:p>
           <a:p>
@@ -26117,11 +30541,7 @@
           <a:p>
             <a:r>
               <a:rPr lang="es-PA" dirty="0" smtClean="0"/>
-              <a:t>Diseñe un amplificador de instrumentación</a:t>
-            </a:r>
-            <a:r>
-              <a:rPr lang="es-PA" dirty="0" smtClean="0"/>
-              <a:t>:</a:t>
+              <a:t>Diseñe un amplificador de instrumentación:</a:t>
             </a:r>
           </a:p>
           <a:p>
@@ -29405,11 +33825,7 @@
             </a:r>
             <a:r>
               <a:rPr lang="es-PA" dirty="0" smtClean="0"/>
-              <a:t>.  </a:t>
-            </a:r>
-            <a:r>
-              <a:rPr lang="es-PA" dirty="0" smtClean="0"/>
-              <a:t>al conectar ambas entradas a GND la salida no es 0</a:t>
+              <a:t>.  al conectar ambas entradas a GND la salida no es 0</a:t>
             </a:r>
           </a:p>
           <a:p>

--- a/Presentación/Electronica II.pptx
+++ b/Presentación/Electronica II.pptx
@@ -162,6 +162,30 @@
     <p:sldId id="738" r:id="rId156"/>
     <p:sldId id="739" r:id="rId157"/>
     <p:sldId id="705" r:id="rId158"/>
+    <p:sldId id="741" r:id="rId159"/>
+    <p:sldId id="743" r:id="rId160"/>
+    <p:sldId id="744" r:id="rId161"/>
+    <p:sldId id="745" r:id="rId162"/>
+    <p:sldId id="746" r:id="rId163"/>
+    <p:sldId id="747" r:id="rId164"/>
+    <p:sldId id="748" r:id="rId165"/>
+    <p:sldId id="749" r:id="rId166"/>
+    <p:sldId id="750" r:id="rId167"/>
+    <p:sldId id="751" r:id="rId168"/>
+    <p:sldId id="752" r:id="rId169"/>
+    <p:sldId id="753" r:id="rId170"/>
+    <p:sldId id="754" r:id="rId171"/>
+    <p:sldId id="755" r:id="rId172"/>
+    <p:sldId id="756" r:id="rId173"/>
+    <p:sldId id="757" r:id="rId174"/>
+    <p:sldId id="758" r:id="rId175"/>
+    <p:sldId id="759" r:id="rId176"/>
+    <p:sldId id="760" r:id="rId177"/>
+    <p:sldId id="761" r:id="rId178"/>
+    <p:sldId id="762" r:id="rId179"/>
+    <p:sldId id="763" r:id="rId180"/>
+    <p:sldId id="764" r:id="rId181"/>
+    <p:sldId id="740" r:id="rId182"/>
   </p:sldIdLst>
   <p:sldSz cx="12192000" cy="6858000"/>
   <p:notesSz cx="7315200" cy="9601200"/>
@@ -467,7 +491,7 @@
             <a:fld id="{E9462EF3-3C4F-43EE-ACEE-D4B806740EA3}" type="datetimeFigureOut">
               <a:rPr lang="en-US" smtClean="0"/>
               <a:pPr/>
-              <a:t>3/1/2020</a:t>
+              <a:t>3/9/2020</a:t>
             </a:fld>
             <a:endParaRPr lang="en-US" dirty="0"/>
           </a:p>
@@ -748,7 +772,7 @@
           <a:p>
             <a:fld id="{36343B39-165A-4B68-AA5C-581F5336313C}" type="datetimeFigureOut">
               <a:rPr lang="en-US" smtClean="0"/>
-              <a:t>3/1/2020</a:t>
+              <a:t>3/9/2020</a:t>
             </a:fld>
             <a:endParaRPr lang="en-US" dirty="0"/>
           </a:p>
@@ -948,7 +972,7 @@
           <a:p>
             <a:fld id="{942C8C57-33F9-4259-AC4F-0E3F5BEC9B94}" type="datetimeFigureOut">
               <a:rPr lang="en-US" smtClean="0"/>
-              <a:t>3/1/2020</a:t>
+              <a:t>3/9/2020</a:t>
             </a:fld>
             <a:endParaRPr lang="en-US" dirty="0"/>
           </a:p>
@@ -1225,7 +1249,7 @@
           <a:p>
             <a:fld id="{8748772B-8FA2-401F-A0A1-A59855EDBC3E}" type="datetimeFigureOut">
               <a:rPr lang="en-US" smtClean="0"/>
-              <a:t>3/1/2020</a:t>
+              <a:t>3/9/2020</a:t>
             </a:fld>
             <a:endParaRPr lang="en-US" dirty="0"/>
           </a:p>
@@ -1558,7 +1582,7 @@
           <a:p>
             <a:fld id="{D3DD5BDE-5A90-4611-82E9-0FC5746D30C5}" type="datetimeFigureOut">
               <a:rPr lang="en-US" smtClean="0"/>
-              <a:t>3/1/2020</a:t>
+              <a:t>3/9/2020</a:t>
             </a:fld>
             <a:endParaRPr lang="en-US" dirty="0"/>
           </a:p>
@@ -2183,7 +2207,7 @@
           <a:p>
             <a:fld id="{1ADDA17D-0BEA-4E76-A7FC-F7C188BC48D1}" type="datetimeFigureOut">
               <a:rPr lang="en-US" smtClean="0"/>
-              <a:t>3/1/2020</a:t>
+              <a:t>3/9/2020</a:t>
             </a:fld>
             <a:endParaRPr lang="en-US" dirty="0"/>
           </a:p>
@@ -3036,7 +3060,7 @@
           <a:p>
             <a:fld id="{6909AC7D-18CA-4236-82B9-D75EB1D66EAE}" type="datetimeFigureOut">
               <a:rPr lang="en-US" smtClean="0"/>
-              <a:t>3/1/2020</a:t>
+              <a:t>3/9/2020</a:t>
             </a:fld>
             <a:endParaRPr lang="en-US" dirty="0"/>
           </a:p>
@@ -3212,7 +3236,7 @@
           <a:p>
             <a:fld id="{5568300E-C023-45CD-A0BE-EDB7A8C6EA8B}" type="datetimeFigureOut">
               <a:rPr lang="en-US" smtClean="0"/>
-              <a:t>3/1/2020</a:t>
+              <a:t>3/9/2020</a:t>
             </a:fld>
             <a:endParaRPr lang="en-US" dirty="0"/>
           </a:p>
@@ -3398,7 +3422,7 @@
           <a:p>
             <a:fld id="{3B620EAD-E369-4933-8469-ED7764B56A1B}" type="datetimeFigureOut">
               <a:rPr lang="en-US" smtClean="0"/>
-              <a:t>3/1/2020</a:t>
+              <a:t>3/9/2020</a:t>
             </a:fld>
             <a:endParaRPr lang="en-US" dirty="0"/>
           </a:p>
@@ -3574,7 +3598,7 @@
           <a:p>
             <a:fld id="{076C0EF2-9919-473B-8215-8616BAF10692}" type="datetimeFigureOut">
               <a:rPr lang="en-US" smtClean="0"/>
-              <a:t>3/1/2020</a:t>
+              <a:t>3/9/2020</a:t>
             </a:fld>
             <a:endParaRPr lang="en-US" dirty="0"/>
           </a:p>
@@ -3827,7 +3851,7 @@
           <a:p>
             <a:fld id="{A09472EB-AC54-4713-BFC2-BEB621108C63}" type="datetimeFigureOut">
               <a:rPr lang="en-US" smtClean="0"/>
-              <a:t>3/1/2020</a:t>
+              <a:t>3/9/2020</a:t>
             </a:fld>
             <a:endParaRPr lang="en-US" dirty="0"/>
           </a:p>
@@ -4125,7 +4149,7 @@
           <a:p>
             <a:fld id="{99455A0C-791E-4545-B787-F98AD45CD761}" type="datetimeFigureOut">
               <a:rPr lang="en-US" smtClean="0"/>
-              <a:t>3/1/2020</a:t>
+              <a:t>3/9/2020</a:t>
             </a:fld>
             <a:endParaRPr lang="en-US" dirty="0"/>
           </a:p>
@@ -4575,7 +4599,7 @@
           <a:p>
             <a:fld id="{42536B77-F4F4-4427-AC4F-9A623798AD82}" type="datetimeFigureOut">
               <a:rPr lang="en-US" smtClean="0"/>
-              <a:t>3/1/2020</a:t>
+              <a:t>3/9/2020</a:t>
             </a:fld>
             <a:endParaRPr lang="en-US" dirty="0"/>
           </a:p>
@@ -4699,7 +4723,7 @@
           <a:p>
             <a:fld id="{D8BE790C-34EB-4565-8437-CACF4CDB7822}" type="datetimeFigureOut">
               <a:rPr lang="en-US" smtClean="0"/>
-              <a:t>3/1/2020</a:t>
+              <a:t>3/9/2020</a:t>
             </a:fld>
             <a:endParaRPr lang="en-US" dirty="0"/>
           </a:p>
@@ -4800,7 +4824,7 @@
           <a:p>
             <a:fld id="{F84A4C11-22B8-4A4E-8126-B3AF6B948A8E}" type="datetimeFigureOut">
               <a:rPr lang="en-US" smtClean="0"/>
-              <a:t>3/1/2020</a:t>
+              <a:t>3/9/2020</a:t>
             </a:fld>
             <a:endParaRPr lang="en-US" dirty="0"/>
           </a:p>
@@ -5085,7 +5109,7 @@
           <a:p>
             <a:fld id="{16ED06B6-C816-4861-964D-15A98395707D}" type="datetimeFigureOut">
               <a:rPr lang="en-US" smtClean="0"/>
-              <a:t>3/1/2020</a:t>
+              <a:t>3/9/2020</a:t>
             </a:fld>
             <a:endParaRPr lang="en-US" dirty="0"/>
           </a:p>
@@ -5366,7 +5390,7 @@
           <a:p>
             <a:fld id="{00B1A8AB-EA7C-4B1B-9D73-E2551851FABE}" type="datetimeFigureOut">
               <a:rPr lang="en-US" smtClean="0"/>
-              <a:t>3/1/2020</a:t>
+              <a:t>3/9/2020</a:t>
             </a:fld>
             <a:endParaRPr lang="en-US" dirty="0"/>
           </a:p>
@@ -5795,7 +5819,7 @@
           <a:p>
             <a:fld id="{90786BE5-D2A3-4BF0-8B30-D7403E61B3DC}" type="datetimeFigureOut">
               <a:rPr lang="en-US" smtClean="0"/>
-              <a:t>3/1/2020</a:t>
+              <a:t>3/9/2020</a:t>
             </a:fld>
             <a:endParaRPr lang="en-US" dirty="0"/>
           </a:p>
@@ -12250,11 +12274,7 @@
           <a:p>
             <a:r>
               <a:rPr lang="es-PA" sz="3500" dirty="0" smtClean="0"/>
-              <a:t>Respuesta en Frecuencia – Laz</a:t>
-            </a:r>
-            <a:r>
-              <a:rPr lang="es-PA" sz="3500" dirty="0" smtClean="0"/>
-              <a:t>o Abierto</a:t>
+              <a:t>Respuesta en Frecuencia – Lazo Abierto</a:t>
             </a:r>
             <a:endParaRPr lang="es-PA" sz="3500" dirty="0"/>
           </a:p>
@@ -12635,11 +12655,7 @@
           <a:p>
             <a:r>
               <a:rPr lang="es-PA" sz="3500" dirty="0" smtClean="0"/>
-              <a:t>Respuesta en Frecuencia – Laz</a:t>
-            </a:r>
-            <a:r>
-              <a:rPr lang="es-PA" sz="3500" dirty="0" smtClean="0"/>
-              <a:t>o Abierto</a:t>
+              <a:t>Respuesta en Frecuencia – Lazo Abierto</a:t>
             </a:r>
             <a:endParaRPr lang="es-PA" sz="3500" dirty="0"/>
           </a:p>
@@ -12770,7 +12786,6 @@
               <a:rPr lang="es-PA" dirty="0" smtClean="0"/>
               <a:t>.</a:t>
             </a:r>
-            <a:endParaRPr lang="es-PA" dirty="0" smtClean="0"/>
           </a:p>
         </p:txBody>
       </p:sp>
@@ -12929,11 +12944,7 @@
           <a:p>
             <a:r>
               <a:rPr lang="es-PA" sz="3500" dirty="0" smtClean="0"/>
-              <a:t>Respuesta en Frecuencia – Laz</a:t>
-            </a:r>
-            <a:r>
-              <a:rPr lang="es-PA" sz="3500" dirty="0" smtClean="0"/>
-              <a:t>o Abierto</a:t>
+              <a:t>Respuesta en Frecuencia – Lazo Abierto</a:t>
             </a:r>
             <a:endParaRPr lang="es-PA" sz="3500" dirty="0"/>
           </a:p>
@@ -12971,11 +12982,7 @@
             </a:r>
             <a:r>
               <a:rPr lang="es-PA" dirty="0" smtClean="0"/>
-              <a:t>.  </a:t>
-            </a:r>
-            <a:r>
-              <a:rPr lang="es-PA" dirty="0" smtClean="0"/>
-              <a:t>Siendo ft &gt;&gt; </a:t>
+              <a:t>.  Siendo ft &gt;&gt; </a:t>
             </a:r>
             <a:r>
               <a:rPr lang="es-PA" dirty="0" err="1" smtClean="0"/>
@@ -13020,11 +13027,7 @@
             </a:r>
             <a:r>
               <a:rPr lang="es-PA" dirty="0" smtClean="0"/>
-              <a:t>) se comportará como integrador y su GBW o GBP o ganancia de anch</a:t>
-            </a:r>
-            <a:r>
-              <a:rPr lang="es-PA" dirty="0" smtClean="0"/>
-              <a:t>o de banda de producto es GBP = ft</a:t>
+              <a:t>) se comportará como integrador y su GBW o GBP o ganancia de ancho de banda de producto es GBP = ft</a:t>
             </a:r>
           </a:p>
           <a:p>
@@ -13268,11 +13271,7 @@
           <a:p>
             <a:r>
               <a:rPr lang="es-PA" sz="3500" dirty="0" smtClean="0"/>
-              <a:t>Respuesta en Frecuencia – Laz</a:t>
-            </a:r>
-            <a:r>
-              <a:rPr lang="es-PA" sz="3500" dirty="0" smtClean="0"/>
-              <a:t>o Abierto</a:t>
+              <a:t>Respuesta en Frecuencia – Lazo Abierto</a:t>
             </a:r>
             <a:endParaRPr lang="es-PA" sz="3500" dirty="0"/>
           </a:p>
@@ -13823,11 +13822,7 @@
           <a:p>
             <a:r>
               <a:rPr lang="es-PA" sz="3500" dirty="0" smtClean="0"/>
-              <a:t>Respuesta en Frecuencia – Model</a:t>
-            </a:r>
-            <a:r>
-              <a:rPr lang="es-PA" sz="3500" dirty="0" smtClean="0"/>
-              <a:t>o de Polo Dominante</a:t>
+              <a:t>Respuesta en Frecuencia – Modelo de Polo Dominante</a:t>
             </a:r>
             <a:endParaRPr lang="es-PA" sz="3500" dirty="0"/>
           </a:p>
@@ -23001,11 +22996,7 @@
             </a:pPr>
             <a:r>
               <a:rPr lang="es-PA" sz="10000" dirty="0" smtClean="0"/>
-              <a:t>FINAL DÍA </a:t>
-            </a:r>
-            <a:r>
-              <a:rPr lang="es-PA" sz="10000" dirty="0" smtClean="0"/>
-              <a:t>4</a:t>
+              <a:t>FINAL DÍA 4</a:t>
             </a:r>
             <a:endParaRPr lang="es-PA" sz="10000" dirty="0"/>
           </a:p>
@@ -23015,6 +23006,553 @@
     <p:extLst>
       <p:ext uri="{BB962C8B-B14F-4D97-AF65-F5344CB8AC3E}">
         <p14:creationId xmlns:p14="http://schemas.microsoft.com/office/powerpoint/2010/main" val="600471794"/>
+      </p:ext>
+    </p:extLst>
+  </p:cSld>
+  <p:clrMapOvr>
+    <a:masterClrMapping/>
+  </p:clrMapOvr>
+  <p:timing>
+    <p:tnLst>
+      <p:par>
+        <p:cTn id="1" dur="indefinite" restart="never" nodeType="tmRoot"/>
+      </p:par>
+    </p:tnLst>
+  </p:timing>
+</p:sld>
+</file>
+
+<file path=ppt/slides/slide158.xml><?xml version="1.0" encoding="utf-8"?>
+<p:sld xmlns:a="http://schemas.openxmlformats.org/drawingml/2006/main" xmlns:r="http://schemas.openxmlformats.org/officeDocument/2006/relationships" xmlns:p="http://schemas.openxmlformats.org/presentationml/2006/main">
+  <p:cSld>
+    <p:spTree>
+      <p:nvGrpSpPr>
+        <p:cNvPr id="1" name=""/>
+        <p:cNvGrpSpPr/>
+        <p:nvPr/>
+      </p:nvGrpSpPr>
+      <p:grpSpPr>
+        <a:xfrm>
+          <a:off x="0" y="0"/>
+          <a:ext cx="0" cy="0"/>
+          <a:chOff x="0" y="0"/>
+          <a:chExt cx="0" cy="0"/>
+        </a:xfrm>
+      </p:grpSpPr>
+      <p:sp>
+        <p:nvSpPr>
+          <p:cNvPr id="2" name="Título 1"/>
+          <p:cNvSpPr>
+            <a:spLocks noGrp="1"/>
+          </p:cNvSpPr>
+          <p:nvPr>
+            <p:ph type="title"/>
+          </p:nvPr>
+        </p:nvSpPr>
+        <p:spPr>
+          <a:xfrm>
+            <a:off x="167425" y="360607"/>
+            <a:ext cx="11925837" cy="1178261"/>
+          </a:xfrm>
+        </p:spPr>
+        <p:txBody>
+          <a:bodyPr/>
+          <a:lstStyle/>
+          <a:p>
+            <a:r>
+              <a:rPr lang="es-PA" sz="3500" dirty="0" smtClean="0"/>
+              <a:t>Amplificadores Convertidores </a:t>
+            </a:r>
+            <a:r>
+              <a:rPr lang="es-PA" sz="3500" dirty="0" smtClean="0"/>
+              <a:t>– De Corriente a Voltaje</a:t>
+            </a:r>
+            <a:endParaRPr lang="es-PA" sz="3500" dirty="0"/>
+          </a:p>
+        </p:txBody>
+      </p:sp>
+      <p:sp>
+        <p:nvSpPr>
+          <p:cNvPr id="3" name="Marcador de contenido 2"/>
+          <p:cNvSpPr>
+            <a:spLocks noGrp="1"/>
+          </p:cNvSpPr>
+          <p:nvPr>
+            <p:ph idx="1"/>
+          </p:nvPr>
+        </p:nvSpPr>
+        <p:spPr>
+          <a:xfrm>
+            <a:off x="167426" y="1538869"/>
+            <a:ext cx="11697472" cy="4683512"/>
+          </a:xfrm>
+        </p:spPr>
+        <p:txBody>
+          <a:bodyPr>
+            <a:normAutofit/>
+          </a:bodyPr>
+          <a:lstStyle/>
+          <a:p>
+            <a:r>
+              <a:rPr lang="es-PA" dirty="0" smtClean="0">
+                <a:sym typeface="Symbol" panose="05050102010706020507" pitchFamily="18" charset="2"/>
+              </a:rPr>
+              <a:t>Un convertidor de I-V = amplificador de </a:t>
+            </a:r>
+            <a:r>
+              <a:rPr lang="es-PA" dirty="0" err="1" smtClean="0">
+                <a:sym typeface="Symbol" panose="05050102010706020507" pitchFamily="18" charset="2"/>
+              </a:rPr>
+              <a:t>transresistencia</a:t>
+            </a:r>
+            <a:endParaRPr lang="es-PA" dirty="0" smtClean="0">
+              <a:sym typeface="Symbol" panose="05050102010706020507" pitchFamily="18" charset="2"/>
+            </a:endParaRPr>
+          </a:p>
+          <a:p>
+            <a:r>
+              <a:rPr lang="es-PA" dirty="0" smtClean="0">
+                <a:sym typeface="Symbol" panose="05050102010706020507" pitchFamily="18" charset="2"/>
+              </a:rPr>
+              <a:t>I = i1 = entrada; </a:t>
+            </a:r>
+            <a:r>
+              <a:rPr lang="es-PA" dirty="0" err="1" smtClean="0">
+                <a:sym typeface="Symbol" panose="05050102010706020507" pitchFamily="18" charset="2"/>
+              </a:rPr>
+              <a:t>vo</a:t>
+            </a:r>
+            <a:r>
+              <a:rPr lang="es-PA" dirty="0" smtClean="0">
+                <a:sym typeface="Symbol" panose="05050102010706020507" pitchFamily="18" charset="2"/>
+              </a:rPr>
+              <a:t> = Ai1</a:t>
+            </a:r>
+          </a:p>
+          <a:p>
+            <a:r>
+              <a:rPr lang="es-PA" dirty="0" smtClean="0">
+                <a:sym typeface="Symbol" panose="05050102010706020507" pitchFamily="18" charset="2"/>
+              </a:rPr>
+              <a:t>A = ganancia</a:t>
+            </a:r>
+          </a:p>
+          <a:p>
+            <a:r>
+              <a:rPr lang="es-PA" dirty="0" smtClean="0">
+                <a:sym typeface="Symbol" panose="05050102010706020507" pitchFamily="18" charset="2"/>
+              </a:rPr>
+              <a:t>Ganancia –R porque </a:t>
+            </a:r>
+            <a:r>
+              <a:rPr lang="es-PA" dirty="0" err="1" smtClean="0">
+                <a:sym typeface="Symbol" panose="05050102010706020507" pitchFamily="18" charset="2"/>
+              </a:rPr>
+              <a:t>vo</a:t>
+            </a:r>
+            <a:r>
+              <a:rPr lang="es-PA" dirty="0" smtClean="0">
+                <a:sym typeface="Symbol" panose="05050102010706020507" pitchFamily="18" charset="2"/>
+              </a:rPr>
+              <a:t> = -R i1</a:t>
+            </a:r>
+          </a:p>
+          <a:p>
+            <a:r>
+              <a:rPr lang="es-PA" dirty="0" smtClean="0">
+                <a:sym typeface="Symbol" panose="05050102010706020507" pitchFamily="18" charset="2"/>
+              </a:rPr>
+              <a:t>A la magnitud de la ganancia se le conoce como </a:t>
+            </a:r>
+            <a:r>
+              <a:rPr lang="es-PA" dirty="0" err="1" smtClean="0">
+                <a:sym typeface="Symbol" panose="05050102010706020507" pitchFamily="18" charset="2"/>
+              </a:rPr>
+              <a:t>sensitividad</a:t>
+            </a:r>
+            <a:endParaRPr lang="es-PA" dirty="0" smtClean="0">
+              <a:sym typeface="Symbol" panose="05050102010706020507" pitchFamily="18" charset="2"/>
+            </a:endParaRPr>
+          </a:p>
+          <a:p>
+            <a:r>
+              <a:rPr lang="es-PA" dirty="0" smtClean="0">
+                <a:sym typeface="Symbol" panose="05050102010706020507" pitchFamily="18" charset="2"/>
+              </a:rPr>
+              <a:t>La ecuación la podemos referir a impedancias no solo resistencia </a:t>
+            </a:r>
+            <a:r>
+              <a:rPr lang="es-PA" dirty="0" err="1" smtClean="0">
+                <a:sym typeface="Symbol" panose="05050102010706020507" pitchFamily="18" charset="2"/>
+              </a:rPr>
+              <a:t>vo</a:t>
+            </a:r>
+            <a:r>
+              <a:rPr lang="es-PA" dirty="0" smtClean="0">
+                <a:sym typeface="Symbol" panose="05050102010706020507" pitchFamily="18" charset="2"/>
+              </a:rPr>
+              <a:t> = -Z i1</a:t>
+            </a:r>
+          </a:p>
+          <a:p>
+            <a:r>
+              <a:rPr lang="es-PA" dirty="0" smtClean="0">
+                <a:sym typeface="Symbol" panose="05050102010706020507" pitchFamily="18" charset="2"/>
+              </a:rPr>
+              <a:t>Se llamaría en este caso amplificador de </a:t>
+            </a:r>
+            <a:r>
+              <a:rPr lang="es-PA" dirty="0" err="1" smtClean="0">
+                <a:sym typeface="Symbol" panose="05050102010706020507" pitchFamily="18" charset="2"/>
+              </a:rPr>
+              <a:t>transimpedancia</a:t>
+            </a:r>
+            <a:endParaRPr lang="es-PA" dirty="0" smtClean="0">
+              <a:sym typeface="Symbol" panose="05050102010706020507" pitchFamily="18" charset="2"/>
+            </a:endParaRPr>
+          </a:p>
+          <a:p>
+            <a:r>
+              <a:rPr lang="es-PA" dirty="0" smtClean="0">
+                <a:sym typeface="Symbol" panose="05050102010706020507" pitchFamily="18" charset="2"/>
+              </a:rPr>
+              <a:t>Esta configuración elimina cualquier pérdida de corriente entre la entrada y la salida</a:t>
+            </a:r>
+          </a:p>
+        </p:txBody>
+      </p:sp>
+      <p:pic>
+        <p:nvPicPr>
+          <p:cNvPr id="4" name="Imagen 3"/>
+          <p:cNvPicPr>
+            <a:picLocks noChangeAspect="1"/>
+          </p:cNvPicPr>
+          <p:nvPr/>
+        </p:nvPicPr>
+        <p:blipFill>
+          <a:blip r:embed="rId2"/>
+          <a:stretch>
+            <a:fillRect/>
+          </a:stretch>
+        </p:blipFill>
+        <p:spPr>
+          <a:xfrm>
+            <a:off x="8033269" y="949736"/>
+            <a:ext cx="3568049" cy="2306419"/>
+          </a:xfrm>
+          <a:prstGeom prst="rect">
+            <a:avLst/>
+          </a:prstGeom>
+        </p:spPr>
+      </p:pic>
+    </p:spTree>
+    <p:extLst>
+      <p:ext uri="{BB962C8B-B14F-4D97-AF65-F5344CB8AC3E}">
+        <p14:creationId xmlns:p14="http://schemas.microsoft.com/office/powerpoint/2010/main" val="1860360034"/>
+      </p:ext>
+    </p:extLst>
+  </p:cSld>
+  <p:clrMapOvr>
+    <a:masterClrMapping/>
+  </p:clrMapOvr>
+  <p:timing>
+    <p:tnLst>
+      <p:par>
+        <p:cTn id="1" dur="indefinite" restart="never" nodeType="tmRoot"/>
+      </p:par>
+    </p:tnLst>
+  </p:timing>
+</p:sld>
+</file>
+
+<file path=ppt/slides/slide159.xml><?xml version="1.0" encoding="utf-8"?>
+<p:sld xmlns:a="http://schemas.openxmlformats.org/drawingml/2006/main" xmlns:r="http://schemas.openxmlformats.org/officeDocument/2006/relationships" xmlns:p="http://schemas.openxmlformats.org/presentationml/2006/main">
+  <p:cSld>
+    <p:spTree>
+      <p:nvGrpSpPr>
+        <p:cNvPr id="1" name=""/>
+        <p:cNvGrpSpPr/>
+        <p:nvPr/>
+      </p:nvGrpSpPr>
+      <p:grpSpPr>
+        <a:xfrm>
+          <a:off x="0" y="0"/>
+          <a:ext cx="0" cy="0"/>
+          <a:chOff x="0" y="0"/>
+          <a:chExt cx="0" cy="0"/>
+        </a:xfrm>
+      </p:grpSpPr>
+      <p:sp>
+        <p:nvSpPr>
+          <p:cNvPr id="2" name="Título 1"/>
+          <p:cNvSpPr>
+            <a:spLocks noGrp="1"/>
+          </p:cNvSpPr>
+          <p:nvPr>
+            <p:ph type="title"/>
+          </p:nvPr>
+        </p:nvSpPr>
+        <p:spPr>
+          <a:xfrm>
+            <a:off x="167425" y="360607"/>
+            <a:ext cx="11925837" cy="1178261"/>
+          </a:xfrm>
+        </p:spPr>
+        <p:txBody>
+          <a:bodyPr/>
+          <a:lstStyle/>
+          <a:p>
+            <a:r>
+              <a:rPr lang="es-PA" sz="3500" dirty="0" smtClean="0"/>
+              <a:t>Amplificadores Convertidores </a:t>
+            </a:r>
+            <a:r>
+              <a:rPr lang="es-PA" sz="3500" dirty="0" smtClean="0"/>
+              <a:t>– De Corriente a Voltaje</a:t>
+            </a:r>
+            <a:endParaRPr lang="es-PA" sz="3500" dirty="0"/>
+          </a:p>
+        </p:txBody>
+      </p:sp>
+      <p:sp>
+        <p:nvSpPr>
+          <p:cNvPr id="3" name="Marcador de contenido 2"/>
+          <p:cNvSpPr>
+            <a:spLocks noGrp="1"/>
+          </p:cNvSpPr>
+          <p:nvPr>
+            <p:ph idx="1"/>
+          </p:nvPr>
+        </p:nvSpPr>
+        <p:spPr>
+          <a:xfrm>
+            <a:off x="167426" y="1538869"/>
+            <a:ext cx="11697472" cy="4683512"/>
+          </a:xfrm>
+        </p:spPr>
+        <p:txBody>
+          <a:bodyPr>
+            <a:normAutofit/>
+          </a:bodyPr>
+          <a:lstStyle/>
+          <a:p>
+            <a:r>
+              <a:rPr lang="es-PA" dirty="0" smtClean="0">
+                <a:sym typeface="Symbol" panose="05050102010706020507" pitchFamily="18" charset="2"/>
+              </a:rPr>
+              <a:t>Parámetros de lazo cerrado</a:t>
+            </a:r>
+          </a:p>
+          <a:p>
+            <a:endParaRPr lang="es-PA" dirty="0">
+              <a:sym typeface="Symbol" panose="05050102010706020507" pitchFamily="18" charset="2"/>
+            </a:endParaRPr>
+          </a:p>
+          <a:p>
+            <a:endParaRPr lang="es-PA" dirty="0" smtClean="0">
+              <a:sym typeface="Symbol" panose="05050102010706020507" pitchFamily="18" charset="2"/>
+            </a:endParaRPr>
+          </a:p>
+          <a:p>
+            <a:endParaRPr lang="es-PA" dirty="0">
+              <a:sym typeface="Symbol" panose="05050102010706020507" pitchFamily="18" charset="2"/>
+            </a:endParaRPr>
+          </a:p>
+          <a:p>
+            <a:endParaRPr lang="es-PA" dirty="0" smtClean="0">
+              <a:sym typeface="Symbol" panose="05050102010706020507" pitchFamily="18" charset="2"/>
+            </a:endParaRPr>
+          </a:p>
+          <a:p>
+            <a:r>
+              <a:rPr lang="es-PA" dirty="0" smtClean="0">
+                <a:sym typeface="Symbol" panose="05050102010706020507" pitchFamily="18" charset="2"/>
+              </a:rPr>
+              <a:t>Ejemplo.  Encontrar los parámetros de lazo cerrado de la figura en un 741 y R = 1Mohm y </a:t>
+            </a:r>
+          </a:p>
+          <a:p>
+            <a:r>
+              <a:rPr lang="es-PA" dirty="0" smtClean="0">
+                <a:sym typeface="Symbol" panose="05050102010706020507" pitchFamily="18" charset="2"/>
+              </a:rPr>
+              <a:t>Del </a:t>
+            </a:r>
+            <a:r>
+              <a:rPr lang="es-PA" dirty="0" err="1" smtClean="0">
+                <a:sym typeface="Symbol" panose="05050102010706020507" pitchFamily="18" charset="2"/>
+              </a:rPr>
+              <a:t>datasheet</a:t>
+            </a:r>
+            <a:r>
+              <a:rPr lang="es-PA" dirty="0" smtClean="0">
+                <a:sym typeface="Symbol" panose="05050102010706020507" pitchFamily="18" charset="2"/>
+              </a:rPr>
+              <a:t>:</a:t>
+            </a:r>
+          </a:p>
+          <a:p>
+            <a:pPr lvl="1"/>
+            <a:r>
+              <a:rPr lang="es-PA" dirty="0" smtClean="0">
+                <a:sym typeface="Symbol" panose="05050102010706020507" pitchFamily="18" charset="2"/>
+              </a:rPr>
+              <a:t>ro = 75 </a:t>
+            </a:r>
+            <a:r>
+              <a:rPr lang="es-PA" dirty="0" err="1" smtClean="0">
+                <a:sym typeface="Symbol" panose="05050102010706020507" pitchFamily="18" charset="2"/>
+              </a:rPr>
+              <a:t>ohms</a:t>
+            </a:r>
+            <a:r>
+              <a:rPr lang="es-PA" dirty="0" smtClean="0">
+                <a:sym typeface="Symbol" panose="05050102010706020507" pitchFamily="18" charset="2"/>
+              </a:rPr>
+              <a:t>, </a:t>
+            </a:r>
+            <a:r>
+              <a:rPr lang="es-PA" dirty="0" err="1" smtClean="0">
+                <a:sym typeface="Symbol" panose="05050102010706020507" pitchFamily="18" charset="2"/>
+              </a:rPr>
+              <a:t>ri</a:t>
+            </a:r>
+            <a:r>
+              <a:rPr lang="es-PA" dirty="0" smtClean="0">
+                <a:sym typeface="Symbol" panose="05050102010706020507" pitchFamily="18" charset="2"/>
+              </a:rPr>
+              <a:t> = </a:t>
+            </a:r>
+            <a:r>
+              <a:rPr lang="es-PA" dirty="0" err="1" smtClean="0">
+                <a:sym typeface="Symbol" panose="05050102010706020507" pitchFamily="18" charset="2"/>
+              </a:rPr>
+              <a:t>rd</a:t>
+            </a:r>
+            <a:r>
+              <a:rPr lang="es-PA" dirty="0" smtClean="0">
+                <a:sym typeface="Symbol" panose="05050102010706020507" pitchFamily="18" charset="2"/>
+              </a:rPr>
+              <a:t> = 2Mohms; a = </a:t>
+            </a:r>
+            <a:r>
+              <a:rPr lang="es-PA" dirty="0" err="1" smtClean="0">
+                <a:sym typeface="Symbol" panose="05050102010706020507" pitchFamily="18" charset="2"/>
+              </a:rPr>
+              <a:t>Avd</a:t>
+            </a:r>
+            <a:r>
+              <a:rPr lang="es-PA" dirty="0" smtClean="0">
+                <a:sym typeface="Symbol" panose="05050102010706020507" pitchFamily="18" charset="2"/>
+              </a:rPr>
+              <a:t> = 200V/</a:t>
+            </a:r>
+            <a:r>
+              <a:rPr lang="es-PA" dirty="0" err="1" smtClean="0">
+                <a:sym typeface="Symbol" panose="05050102010706020507" pitchFamily="18" charset="2"/>
+              </a:rPr>
+              <a:t>mV</a:t>
+            </a:r>
+            <a:endParaRPr lang="es-PA" dirty="0">
+              <a:sym typeface="Symbol" panose="05050102010706020507" pitchFamily="18" charset="2"/>
+            </a:endParaRPr>
+          </a:p>
+          <a:p>
+            <a:pPr lvl="1"/>
+            <a:r>
+              <a:rPr lang="es-PA" dirty="0" smtClean="0">
+                <a:sym typeface="Symbol" panose="05050102010706020507" pitchFamily="18" charset="2"/>
+              </a:rPr>
+              <a:t>T = 133 333.33</a:t>
+            </a:r>
+          </a:p>
+          <a:p>
+            <a:pPr lvl="1"/>
+            <a:r>
+              <a:rPr lang="es-PA" dirty="0" smtClean="0">
+                <a:sym typeface="Symbol" panose="05050102010706020507" pitchFamily="18" charset="2"/>
+              </a:rPr>
+              <a:t>A = -0.9999 V/V, </a:t>
+            </a:r>
+            <a:r>
+              <a:rPr lang="es-PA" dirty="0" err="1" smtClean="0">
+                <a:sym typeface="Symbol" panose="05050102010706020507" pitchFamily="18" charset="2"/>
+              </a:rPr>
+              <a:t>Ri</a:t>
+            </a:r>
+            <a:r>
+              <a:rPr lang="es-PA" dirty="0" smtClean="0">
+                <a:sym typeface="Symbol" panose="05050102010706020507" pitchFamily="18" charset="2"/>
+              </a:rPr>
+              <a:t> = 5 </a:t>
+            </a:r>
+            <a:r>
+              <a:rPr lang="es-PA" dirty="0" err="1" smtClean="0">
+                <a:sym typeface="Symbol" panose="05050102010706020507" pitchFamily="18" charset="2"/>
+              </a:rPr>
+              <a:t>ohms</a:t>
+            </a:r>
+            <a:r>
+              <a:rPr lang="es-PA" dirty="0" smtClean="0">
+                <a:sym typeface="Symbol" panose="05050102010706020507" pitchFamily="18" charset="2"/>
+              </a:rPr>
+              <a:t>, Ro = 56mohms</a:t>
+            </a:r>
+          </a:p>
+        </p:txBody>
+      </p:sp>
+      <p:pic>
+        <p:nvPicPr>
+          <p:cNvPr id="5" name="Imagen 4"/>
+          <p:cNvPicPr>
+            <a:picLocks noChangeAspect="1"/>
+          </p:cNvPicPr>
+          <p:nvPr/>
+        </p:nvPicPr>
+        <p:blipFill>
+          <a:blip r:embed="rId2"/>
+          <a:stretch>
+            <a:fillRect/>
+          </a:stretch>
+        </p:blipFill>
+        <p:spPr>
+          <a:xfrm>
+            <a:off x="750267" y="1956690"/>
+            <a:ext cx="5021086" cy="1187954"/>
+          </a:xfrm>
+          <a:prstGeom prst="rect">
+            <a:avLst/>
+          </a:prstGeom>
+        </p:spPr>
+      </p:pic>
+      <p:pic>
+        <p:nvPicPr>
+          <p:cNvPr id="6" name="Imagen 5"/>
+          <p:cNvPicPr>
+            <a:picLocks noChangeAspect="1"/>
+          </p:cNvPicPr>
+          <p:nvPr/>
+        </p:nvPicPr>
+        <p:blipFill>
+          <a:blip r:embed="rId3"/>
+          <a:stretch>
+            <a:fillRect/>
+          </a:stretch>
+        </p:blipFill>
+        <p:spPr>
+          <a:xfrm>
+            <a:off x="6855371" y="1172760"/>
+            <a:ext cx="3568049" cy="2306419"/>
+          </a:xfrm>
+          <a:prstGeom prst="rect">
+            <a:avLst/>
+          </a:prstGeom>
+        </p:spPr>
+      </p:pic>
+    </p:spTree>
+    <p:extLst>
+      <p:ext uri="{BB962C8B-B14F-4D97-AF65-F5344CB8AC3E}">
+        <p14:creationId xmlns:p14="http://schemas.microsoft.com/office/powerpoint/2010/main" val="1997668400"/>
       </p:ext>
     </p:extLst>
   </p:cSld>
@@ -23265,6 +23803,3407 @@
 </p:sld>
 </file>
 
+<file path=ppt/slides/slide160.xml><?xml version="1.0" encoding="utf-8"?>
+<p:sld xmlns:a="http://schemas.openxmlformats.org/drawingml/2006/main" xmlns:r="http://schemas.openxmlformats.org/officeDocument/2006/relationships" xmlns:p="http://schemas.openxmlformats.org/presentationml/2006/main">
+  <p:cSld>
+    <p:spTree>
+      <p:nvGrpSpPr>
+        <p:cNvPr id="1" name=""/>
+        <p:cNvGrpSpPr/>
+        <p:nvPr/>
+      </p:nvGrpSpPr>
+      <p:grpSpPr>
+        <a:xfrm>
+          <a:off x="0" y="0"/>
+          <a:ext cx="0" cy="0"/>
+          <a:chOff x="0" y="0"/>
+          <a:chExt cx="0" cy="0"/>
+        </a:xfrm>
+      </p:grpSpPr>
+      <p:sp>
+        <p:nvSpPr>
+          <p:cNvPr id="2" name="Título 1"/>
+          <p:cNvSpPr>
+            <a:spLocks noGrp="1"/>
+          </p:cNvSpPr>
+          <p:nvPr>
+            <p:ph type="title"/>
+          </p:nvPr>
+        </p:nvSpPr>
+        <p:spPr>
+          <a:xfrm>
+            <a:off x="167425" y="360607"/>
+            <a:ext cx="11925837" cy="1178261"/>
+          </a:xfrm>
+        </p:spPr>
+        <p:txBody>
+          <a:bodyPr/>
+          <a:lstStyle/>
+          <a:p>
+            <a:r>
+              <a:rPr lang="es-PA" sz="3500" dirty="0" smtClean="0"/>
+              <a:t>Amplificadores Convertidores </a:t>
+            </a:r>
+            <a:r>
+              <a:rPr lang="es-PA" sz="3500" dirty="0" smtClean="0"/>
+              <a:t>– De Corriente a Voltaje</a:t>
+            </a:r>
+            <a:endParaRPr lang="es-PA" sz="3500" dirty="0"/>
+          </a:p>
+        </p:txBody>
+      </p:sp>
+      <p:sp>
+        <p:nvSpPr>
+          <p:cNvPr id="3" name="Marcador de contenido 2"/>
+          <p:cNvSpPr>
+            <a:spLocks noGrp="1"/>
+          </p:cNvSpPr>
+          <p:nvPr>
+            <p:ph idx="1"/>
+          </p:nvPr>
+        </p:nvSpPr>
+        <p:spPr>
+          <a:xfrm>
+            <a:off x="167426" y="1538869"/>
+            <a:ext cx="11697472" cy="5107258"/>
+          </a:xfrm>
+        </p:spPr>
+        <p:txBody>
+          <a:bodyPr>
+            <a:normAutofit lnSpcReduction="10000"/>
+          </a:bodyPr>
+          <a:lstStyle/>
+          <a:p>
+            <a:r>
+              <a:rPr lang="es-PA" dirty="0" smtClean="0">
+                <a:sym typeface="Symbol" panose="05050102010706020507" pitchFamily="18" charset="2"/>
+              </a:rPr>
+              <a:t>Alta </a:t>
+            </a:r>
+            <a:r>
+              <a:rPr lang="es-PA" dirty="0" err="1" smtClean="0">
+                <a:sym typeface="Symbol" panose="05050102010706020507" pitchFamily="18" charset="2"/>
+              </a:rPr>
+              <a:t>sensitividad</a:t>
+            </a:r>
+            <a:r>
+              <a:rPr lang="es-PA" dirty="0" smtClean="0">
+                <a:sym typeface="Symbol" panose="05050102010706020507" pitchFamily="18" charset="2"/>
+              </a:rPr>
+              <a:t> de convertidores I-V</a:t>
+            </a:r>
+          </a:p>
+          <a:p>
+            <a:r>
+              <a:rPr lang="es-PA" dirty="0" smtClean="0">
+                <a:sym typeface="Symbol" panose="05050102010706020507" pitchFamily="18" charset="2"/>
+              </a:rPr>
+              <a:t>Aparentase que estas aplicaciones requieren altas resistencias</a:t>
+            </a:r>
+          </a:p>
+          <a:p>
+            <a:r>
+              <a:rPr lang="es-PA" dirty="0" smtClean="0">
+                <a:sym typeface="Symbol" panose="05050102010706020507" pitchFamily="18" charset="2"/>
+              </a:rPr>
+              <a:t>Sin embargo este defecto es degradado o mediado con algunos arreglos</a:t>
+            </a:r>
+          </a:p>
+          <a:p>
+            <a:pPr lvl="1"/>
+            <a:r>
+              <a:rPr lang="es-PA" dirty="0" smtClean="0">
+                <a:sym typeface="Symbol" panose="05050102010706020507" pitchFamily="18" charset="2"/>
+              </a:rPr>
+              <a:t>R se encarga de esto</a:t>
+            </a:r>
+          </a:p>
+          <a:p>
+            <a:r>
+              <a:rPr lang="es-PA" dirty="0" smtClean="0">
+                <a:sym typeface="Symbol" panose="05050102010706020507" pitchFamily="18" charset="2"/>
+              </a:rPr>
+              <a:t>La red del circuito en T logra esta alta </a:t>
+            </a:r>
+            <a:r>
+              <a:rPr lang="es-PA" dirty="0" err="1" smtClean="0">
+                <a:sym typeface="Symbol" panose="05050102010706020507" pitchFamily="18" charset="2"/>
+              </a:rPr>
+              <a:t>sensitividad</a:t>
+            </a:r>
+            <a:endParaRPr lang="es-PA" dirty="0" smtClean="0">
+              <a:sym typeface="Symbol" panose="05050102010706020507" pitchFamily="18" charset="2"/>
+            </a:endParaRPr>
+          </a:p>
+          <a:p>
+            <a:r>
+              <a:rPr lang="es-PA" dirty="0" smtClean="0">
+                <a:sym typeface="Symbol" panose="05050102010706020507" pitchFamily="18" charset="2"/>
+              </a:rPr>
+              <a:t>Los efectos del circuito se incrementas en el factor k</a:t>
+            </a:r>
+          </a:p>
+          <a:p>
+            <a:endParaRPr lang="es-PA" dirty="0">
+              <a:sym typeface="Symbol" panose="05050102010706020507" pitchFamily="18" charset="2"/>
+            </a:endParaRPr>
+          </a:p>
+          <a:p>
+            <a:r>
+              <a:rPr lang="es-PA" dirty="0" smtClean="0">
+                <a:sym typeface="Symbol" panose="05050102010706020507" pitchFamily="18" charset="2"/>
+              </a:rPr>
+              <a:t>Ejemplo.  Especificar los valores del circuito para lograr una </a:t>
+            </a:r>
+            <a:r>
+              <a:rPr lang="es-PA" dirty="0" err="1" smtClean="0">
+                <a:sym typeface="Symbol" panose="05050102010706020507" pitchFamily="18" charset="2"/>
+              </a:rPr>
+              <a:t>sensitividad</a:t>
+            </a:r>
+            <a:r>
+              <a:rPr lang="es-PA" dirty="0" smtClean="0">
+                <a:sym typeface="Symbol" panose="05050102010706020507" pitchFamily="18" charset="2"/>
+              </a:rPr>
+              <a:t> de 0.1V/</a:t>
+            </a:r>
+            <a:r>
+              <a:rPr lang="es-PA" dirty="0" err="1" smtClean="0">
+                <a:sym typeface="Symbol" panose="05050102010706020507" pitchFamily="18" charset="2"/>
+              </a:rPr>
+              <a:t>nA</a:t>
+            </a:r>
+            <a:endParaRPr lang="es-PA" dirty="0" smtClean="0">
+              <a:sym typeface="Symbol" panose="05050102010706020507" pitchFamily="18" charset="2"/>
+            </a:endParaRPr>
+          </a:p>
+          <a:p>
+            <a:r>
+              <a:rPr lang="es-PA" dirty="0" smtClean="0">
+                <a:sym typeface="Symbol" panose="05050102010706020507" pitchFamily="18" charset="2"/>
+              </a:rPr>
+              <a:t>-</a:t>
+            </a:r>
+            <a:r>
+              <a:rPr lang="es-PA" dirty="0" err="1" smtClean="0">
+                <a:sym typeface="Symbol" panose="05050102010706020507" pitchFamily="18" charset="2"/>
+              </a:rPr>
+              <a:t>kR</a:t>
+            </a:r>
+            <a:r>
+              <a:rPr lang="es-PA" dirty="0" smtClean="0">
+                <a:sym typeface="Symbol" panose="05050102010706020507" pitchFamily="18" charset="2"/>
+              </a:rPr>
+              <a:t> = 0.1e9 V/A</a:t>
+            </a:r>
+          </a:p>
+          <a:p>
+            <a:r>
+              <a:rPr lang="es-PA" dirty="0" smtClean="0">
+                <a:sym typeface="Symbol" panose="05050102010706020507" pitchFamily="18" charset="2"/>
+              </a:rPr>
+              <a:t>Ajustamos R1 = 1k y R2 nos da 99k</a:t>
+            </a:r>
+          </a:p>
+          <a:p>
+            <a:r>
+              <a:rPr lang="es-PA" dirty="0" smtClean="0">
+                <a:sym typeface="Symbol" panose="05050102010706020507" pitchFamily="18" charset="2"/>
+              </a:rPr>
+              <a:t>Nota:  </a:t>
+            </a:r>
+            <a:r>
+              <a:rPr lang="es-PA" dirty="0" err="1" smtClean="0">
+                <a:sym typeface="Symbol" panose="05050102010706020507" pitchFamily="18" charset="2"/>
+              </a:rPr>
+              <a:t>Op</a:t>
+            </a:r>
+            <a:r>
+              <a:rPr lang="es-PA" dirty="0" smtClean="0">
+                <a:sym typeface="Symbol" panose="05050102010706020507" pitchFamily="18" charset="2"/>
+              </a:rPr>
+              <a:t> </a:t>
+            </a:r>
+            <a:r>
+              <a:rPr lang="es-PA" dirty="0" err="1" smtClean="0">
+                <a:sym typeface="Symbol" panose="05050102010706020507" pitchFamily="18" charset="2"/>
+              </a:rPr>
+              <a:t>amps</a:t>
+            </a:r>
+            <a:r>
+              <a:rPr lang="es-PA" dirty="0" smtClean="0">
+                <a:sym typeface="Symbol" panose="05050102010706020507" pitchFamily="18" charset="2"/>
+              </a:rPr>
+              <a:t> y la corriente de entrada (real) degradan la </a:t>
+            </a:r>
+            <a:r>
+              <a:rPr lang="es-PA" dirty="0" err="1" smtClean="0">
+                <a:sym typeface="Symbol" panose="05050102010706020507" pitchFamily="18" charset="2"/>
+              </a:rPr>
+              <a:t>sensitividad</a:t>
+            </a:r>
+            <a:r>
+              <a:rPr lang="es-PA" dirty="0" smtClean="0">
+                <a:sym typeface="Symbol" panose="05050102010706020507" pitchFamily="18" charset="2"/>
+              </a:rPr>
+              <a:t> del I-V</a:t>
+            </a:r>
+          </a:p>
+          <a:p>
+            <a:r>
+              <a:rPr lang="es-PA" dirty="0" smtClean="0">
+                <a:sym typeface="Symbol" panose="05050102010706020507" pitchFamily="18" charset="2"/>
+              </a:rPr>
+              <a:t>Para </a:t>
+            </a:r>
+            <a:r>
+              <a:rPr lang="es-PA" dirty="0" err="1" smtClean="0">
+                <a:sym typeface="Symbol" panose="05050102010706020507" pitchFamily="18" charset="2"/>
+              </a:rPr>
+              <a:t>elminiar</a:t>
+            </a:r>
+            <a:r>
+              <a:rPr lang="es-PA" dirty="0" smtClean="0">
+                <a:sym typeface="Symbol" panose="05050102010706020507" pitchFamily="18" charset="2"/>
+              </a:rPr>
+              <a:t> esto se pueden utilizar </a:t>
+            </a:r>
+            <a:r>
+              <a:rPr lang="es-PA" dirty="0" err="1" smtClean="0">
+                <a:sym typeface="Symbol" panose="05050102010706020507" pitchFamily="18" charset="2"/>
+              </a:rPr>
+              <a:t>op</a:t>
+            </a:r>
+            <a:r>
+              <a:rPr lang="es-PA" dirty="0" smtClean="0">
+                <a:sym typeface="Symbol" panose="05050102010706020507" pitchFamily="18" charset="2"/>
+              </a:rPr>
+              <a:t> </a:t>
+            </a:r>
+            <a:r>
+              <a:rPr lang="es-PA" dirty="0" err="1" smtClean="0">
+                <a:sym typeface="Symbol" panose="05050102010706020507" pitchFamily="18" charset="2"/>
+              </a:rPr>
+              <a:t>amps</a:t>
+            </a:r>
+            <a:r>
+              <a:rPr lang="es-PA" dirty="0" smtClean="0">
+                <a:sym typeface="Symbol" panose="05050102010706020507" pitchFamily="18" charset="2"/>
+              </a:rPr>
+              <a:t> basados en JFET o MOSFET</a:t>
+            </a:r>
+          </a:p>
+        </p:txBody>
+      </p:sp>
+      <p:pic>
+        <p:nvPicPr>
+          <p:cNvPr id="4" name="Imagen 3"/>
+          <p:cNvPicPr>
+            <a:picLocks noChangeAspect="1"/>
+          </p:cNvPicPr>
+          <p:nvPr/>
+        </p:nvPicPr>
+        <p:blipFill>
+          <a:blip r:embed="rId2"/>
+          <a:stretch>
+            <a:fillRect/>
+          </a:stretch>
+        </p:blipFill>
+        <p:spPr>
+          <a:xfrm>
+            <a:off x="7113030" y="2885843"/>
+            <a:ext cx="2722641" cy="1396226"/>
+          </a:xfrm>
+          <a:prstGeom prst="rect">
+            <a:avLst/>
+          </a:prstGeom>
+        </p:spPr>
+      </p:pic>
+      <p:pic>
+        <p:nvPicPr>
+          <p:cNvPr id="7" name="Imagen 6"/>
+          <p:cNvPicPr>
+            <a:picLocks noChangeAspect="1"/>
+          </p:cNvPicPr>
+          <p:nvPr/>
+        </p:nvPicPr>
+        <p:blipFill>
+          <a:blip r:embed="rId3"/>
+          <a:stretch>
+            <a:fillRect/>
+          </a:stretch>
+        </p:blipFill>
+        <p:spPr>
+          <a:xfrm>
+            <a:off x="9908615" y="2885843"/>
+            <a:ext cx="2239677" cy="1138819"/>
+          </a:xfrm>
+          <a:prstGeom prst="rect">
+            <a:avLst/>
+          </a:prstGeom>
+        </p:spPr>
+      </p:pic>
+    </p:spTree>
+    <p:extLst>
+      <p:ext uri="{BB962C8B-B14F-4D97-AF65-F5344CB8AC3E}">
+        <p14:creationId xmlns:p14="http://schemas.microsoft.com/office/powerpoint/2010/main" val="3513603237"/>
+      </p:ext>
+    </p:extLst>
+  </p:cSld>
+  <p:clrMapOvr>
+    <a:masterClrMapping/>
+  </p:clrMapOvr>
+  <p:timing>
+    <p:tnLst>
+      <p:par>
+        <p:cTn id="1" dur="indefinite" restart="never" nodeType="tmRoot"/>
+      </p:par>
+    </p:tnLst>
+  </p:timing>
+</p:sld>
+</file>
+
+<file path=ppt/slides/slide161.xml><?xml version="1.0" encoding="utf-8"?>
+<p:sld xmlns:a="http://schemas.openxmlformats.org/drawingml/2006/main" xmlns:r="http://schemas.openxmlformats.org/officeDocument/2006/relationships" xmlns:p="http://schemas.openxmlformats.org/presentationml/2006/main">
+  <p:cSld>
+    <p:spTree>
+      <p:nvGrpSpPr>
+        <p:cNvPr id="1" name=""/>
+        <p:cNvGrpSpPr/>
+        <p:nvPr/>
+      </p:nvGrpSpPr>
+      <p:grpSpPr>
+        <a:xfrm>
+          <a:off x="0" y="0"/>
+          <a:ext cx="0" cy="0"/>
+          <a:chOff x="0" y="0"/>
+          <a:chExt cx="0" cy="0"/>
+        </a:xfrm>
+      </p:grpSpPr>
+      <p:sp>
+        <p:nvSpPr>
+          <p:cNvPr id="2" name="Título 1"/>
+          <p:cNvSpPr>
+            <a:spLocks noGrp="1"/>
+          </p:cNvSpPr>
+          <p:nvPr>
+            <p:ph type="title"/>
+          </p:nvPr>
+        </p:nvSpPr>
+        <p:spPr>
+          <a:xfrm>
+            <a:off x="167425" y="360607"/>
+            <a:ext cx="11925837" cy="1178261"/>
+          </a:xfrm>
+        </p:spPr>
+        <p:txBody>
+          <a:bodyPr/>
+          <a:lstStyle/>
+          <a:p>
+            <a:r>
+              <a:rPr lang="es-PA" sz="3500" dirty="0" smtClean="0"/>
+              <a:t>Amplificadores Convertidores </a:t>
+            </a:r>
+            <a:r>
+              <a:rPr lang="es-PA" sz="3500" dirty="0" smtClean="0"/>
+              <a:t>– De Corriente a Voltaje</a:t>
+            </a:r>
+            <a:endParaRPr lang="es-PA" sz="3500" dirty="0"/>
+          </a:p>
+        </p:txBody>
+      </p:sp>
+      <p:sp>
+        <p:nvSpPr>
+          <p:cNvPr id="3" name="Marcador de contenido 2"/>
+          <p:cNvSpPr>
+            <a:spLocks noGrp="1"/>
+          </p:cNvSpPr>
+          <p:nvPr>
+            <p:ph idx="1"/>
+          </p:nvPr>
+        </p:nvSpPr>
+        <p:spPr>
+          <a:xfrm>
+            <a:off x="167426" y="1538869"/>
+            <a:ext cx="11697472" cy="5107258"/>
+          </a:xfrm>
+        </p:spPr>
+        <p:txBody>
+          <a:bodyPr>
+            <a:normAutofit/>
+          </a:bodyPr>
+          <a:lstStyle/>
+          <a:p>
+            <a:r>
+              <a:rPr lang="es-PA" dirty="0" smtClean="0">
+                <a:sym typeface="Symbol" panose="05050102010706020507" pitchFamily="18" charset="2"/>
+              </a:rPr>
+              <a:t>Amplificadores </a:t>
+            </a:r>
+            <a:r>
+              <a:rPr lang="es-PA" dirty="0" err="1" smtClean="0">
+                <a:sym typeface="Symbol" panose="05050102010706020507" pitchFamily="18" charset="2"/>
+              </a:rPr>
+              <a:t>Fotodetectores</a:t>
+            </a:r>
+            <a:endParaRPr lang="es-PA" dirty="0" smtClean="0">
+              <a:sym typeface="Symbol" panose="05050102010706020507" pitchFamily="18" charset="2"/>
+            </a:endParaRPr>
+          </a:p>
+          <a:p>
+            <a:pPr lvl="1"/>
+            <a:r>
+              <a:rPr lang="es-PA" dirty="0" smtClean="0">
+                <a:sym typeface="Symbol" panose="05050102010706020507" pitchFamily="18" charset="2"/>
+              </a:rPr>
+              <a:t>Es una aplicación específica (fotodiodo / fotomultiplicador)</a:t>
+            </a:r>
+          </a:p>
+          <a:p>
+            <a:pPr lvl="1"/>
+            <a:r>
+              <a:rPr lang="es-PA" dirty="0" smtClean="0">
+                <a:sym typeface="Symbol" panose="05050102010706020507" pitchFamily="18" charset="2"/>
+              </a:rPr>
+              <a:t>Otra es el de los convertidores analógicos a digitales (de corriente)</a:t>
+            </a:r>
+          </a:p>
+          <a:p>
+            <a:r>
+              <a:rPr lang="es-PA" dirty="0" smtClean="0">
+                <a:sym typeface="Symbol" panose="05050102010706020507" pitchFamily="18" charset="2"/>
+              </a:rPr>
+              <a:t>Con fotodiodos la luz se convierte en corriente</a:t>
+            </a:r>
+          </a:p>
+          <a:p>
+            <a:pPr lvl="1"/>
+            <a:r>
+              <a:rPr lang="es-PA" dirty="0" smtClean="0">
+                <a:sym typeface="Symbol" panose="05050102010706020507" pitchFamily="18" charset="2"/>
+              </a:rPr>
+              <a:t>Incluye radiación</a:t>
+            </a:r>
+          </a:p>
+          <a:p>
+            <a:pPr lvl="1"/>
+            <a:r>
+              <a:rPr lang="es-PA" dirty="0" smtClean="0">
+                <a:sym typeface="Symbol" panose="05050102010706020507" pitchFamily="18" charset="2"/>
+              </a:rPr>
+              <a:t>Elimina también la carga de entrada y salida</a:t>
+            </a:r>
+          </a:p>
+          <a:p>
+            <a:r>
+              <a:rPr lang="es-PA" dirty="0" smtClean="0">
+                <a:sym typeface="Symbol" panose="05050102010706020507" pitchFamily="18" charset="2"/>
+              </a:rPr>
+              <a:t>Popular en modo </a:t>
+            </a:r>
+            <a:r>
+              <a:rPr lang="es-PA" dirty="0" err="1" smtClean="0">
+                <a:sym typeface="Symbol" panose="05050102010706020507" pitchFamily="18" charset="2"/>
+              </a:rPr>
+              <a:t>fotoconductivo</a:t>
+            </a:r>
+            <a:r>
+              <a:rPr lang="es-PA" dirty="0" smtClean="0">
+                <a:sym typeface="Symbol" panose="05050102010706020507" pitchFamily="18" charset="2"/>
+              </a:rPr>
+              <a:t> y fotovoltaico</a:t>
+            </a:r>
+          </a:p>
+          <a:p>
+            <a:pPr lvl="1"/>
+            <a:r>
+              <a:rPr lang="es-PA" dirty="0" smtClean="0">
+                <a:sym typeface="Symbol" panose="05050102010706020507" pitchFamily="18" charset="2"/>
+              </a:rPr>
+              <a:t>Puede ser utilizado para calibrar </a:t>
+            </a:r>
+            <a:r>
+              <a:rPr lang="es-PA" dirty="0" err="1" smtClean="0">
+                <a:sym typeface="Symbol" panose="05050102010706020507" pitchFamily="18" charset="2"/>
+              </a:rPr>
+              <a:t>lumens</a:t>
+            </a:r>
+            <a:endParaRPr lang="es-PA" dirty="0" smtClean="0">
+              <a:sym typeface="Symbol" panose="05050102010706020507" pitchFamily="18" charset="2"/>
+            </a:endParaRPr>
+          </a:p>
+        </p:txBody>
+      </p:sp>
+      <p:pic>
+        <p:nvPicPr>
+          <p:cNvPr id="5" name="Imagen 4"/>
+          <p:cNvPicPr>
+            <a:picLocks noChangeAspect="1"/>
+          </p:cNvPicPr>
+          <p:nvPr/>
+        </p:nvPicPr>
+        <p:blipFill>
+          <a:blip r:embed="rId2"/>
+          <a:stretch>
+            <a:fillRect/>
+          </a:stretch>
+        </p:blipFill>
+        <p:spPr>
+          <a:xfrm>
+            <a:off x="6832097" y="2798142"/>
+            <a:ext cx="4330963" cy="1394717"/>
+          </a:xfrm>
+          <a:prstGeom prst="rect">
+            <a:avLst/>
+          </a:prstGeom>
+        </p:spPr>
+      </p:pic>
+    </p:spTree>
+    <p:extLst>
+      <p:ext uri="{BB962C8B-B14F-4D97-AF65-F5344CB8AC3E}">
+        <p14:creationId xmlns:p14="http://schemas.microsoft.com/office/powerpoint/2010/main" val="642712194"/>
+      </p:ext>
+    </p:extLst>
+  </p:cSld>
+  <p:clrMapOvr>
+    <a:masterClrMapping/>
+  </p:clrMapOvr>
+  <p:timing>
+    <p:tnLst>
+      <p:par>
+        <p:cTn id="1" dur="indefinite" restart="never" nodeType="tmRoot"/>
+      </p:par>
+    </p:tnLst>
+  </p:timing>
+</p:sld>
+</file>
+
+<file path=ppt/slides/slide162.xml><?xml version="1.0" encoding="utf-8"?>
+<p:sld xmlns:a="http://schemas.openxmlformats.org/drawingml/2006/main" xmlns:r="http://schemas.openxmlformats.org/officeDocument/2006/relationships" xmlns:p="http://schemas.openxmlformats.org/presentationml/2006/main">
+  <p:cSld>
+    <p:spTree>
+      <p:nvGrpSpPr>
+        <p:cNvPr id="1" name=""/>
+        <p:cNvGrpSpPr/>
+        <p:nvPr/>
+      </p:nvGrpSpPr>
+      <p:grpSpPr>
+        <a:xfrm>
+          <a:off x="0" y="0"/>
+          <a:ext cx="0" cy="0"/>
+          <a:chOff x="0" y="0"/>
+          <a:chExt cx="0" cy="0"/>
+        </a:xfrm>
+      </p:grpSpPr>
+      <p:sp>
+        <p:nvSpPr>
+          <p:cNvPr id="2" name="Título 1"/>
+          <p:cNvSpPr>
+            <a:spLocks noGrp="1"/>
+          </p:cNvSpPr>
+          <p:nvPr>
+            <p:ph type="title"/>
+          </p:nvPr>
+        </p:nvSpPr>
+        <p:spPr>
+          <a:xfrm>
+            <a:off x="167425" y="360607"/>
+            <a:ext cx="11925837" cy="1178261"/>
+          </a:xfrm>
+        </p:spPr>
+        <p:txBody>
+          <a:bodyPr/>
+          <a:lstStyle/>
+          <a:p>
+            <a:r>
+              <a:rPr lang="es-PA" sz="3500" dirty="0" smtClean="0"/>
+              <a:t>Amplificadores Convertidores </a:t>
+            </a:r>
+            <a:r>
+              <a:rPr lang="es-PA" sz="3500" dirty="0" smtClean="0"/>
+              <a:t>– De Voltaje a Corriente</a:t>
+            </a:r>
+            <a:endParaRPr lang="es-PA" sz="3500" dirty="0"/>
+          </a:p>
+        </p:txBody>
+      </p:sp>
+      <p:sp>
+        <p:nvSpPr>
+          <p:cNvPr id="3" name="Marcador de contenido 2"/>
+          <p:cNvSpPr>
+            <a:spLocks noGrp="1"/>
+          </p:cNvSpPr>
+          <p:nvPr>
+            <p:ph idx="1"/>
+          </p:nvPr>
+        </p:nvSpPr>
+        <p:spPr>
+          <a:xfrm>
+            <a:off x="167426" y="1538869"/>
+            <a:ext cx="11925836" cy="5107258"/>
+          </a:xfrm>
+        </p:spPr>
+        <p:txBody>
+          <a:bodyPr>
+            <a:normAutofit/>
+          </a:bodyPr>
+          <a:lstStyle/>
+          <a:p>
+            <a:r>
+              <a:rPr lang="es-PA" dirty="0" smtClean="0">
+                <a:sym typeface="Symbol" panose="05050102010706020507" pitchFamily="18" charset="2"/>
+              </a:rPr>
+              <a:t>Llamado también amplificador de </a:t>
+            </a:r>
+            <a:r>
+              <a:rPr lang="es-PA" dirty="0" err="1" smtClean="0">
+                <a:sym typeface="Symbol" panose="05050102010706020507" pitchFamily="18" charset="2"/>
+              </a:rPr>
+              <a:t>transconductancia</a:t>
+            </a:r>
+            <a:endParaRPr lang="es-PA" dirty="0" smtClean="0">
+              <a:sym typeface="Symbol" panose="05050102010706020507" pitchFamily="18" charset="2"/>
+            </a:endParaRPr>
+          </a:p>
+          <a:p>
+            <a:r>
+              <a:rPr lang="es-PA" dirty="0" smtClean="0">
+                <a:sym typeface="Symbol" panose="05050102010706020507" pitchFamily="18" charset="2"/>
+              </a:rPr>
+              <a:t>Acepta un voltaje de entrada y da una corriente de salida</a:t>
+            </a:r>
+          </a:p>
+          <a:p>
+            <a:pPr lvl="1"/>
+            <a:r>
+              <a:rPr lang="es-PA" dirty="0" err="1" smtClean="0">
+                <a:sym typeface="Symbol" panose="05050102010706020507" pitchFamily="18" charset="2"/>
+              </a:rPr>
+              <a:t>Io</a:t>
+            </a:r>
+            <a:r>
+              <a:rPr lang="es-PA" dirty="0" smtClean="0">
+                <a:sym typeface="Symbol" panose="05050102010706020507" pitchFamily="18" charset="2"/>
+              </a:rPr>
+              <a:t> = </a:t>
+            </a:r>
+            <a:r>
+              <a:rPr lang="es-PA" dirty="0" err="1" smtClean="0">
+                <a:sym typeface="Symbol" panose="05050102010706020507" pitchFamily="18" charset="2"/>
+              </a:rPr>
+              <a:t>Avi</a:t>
+            </a:r>
+            <a:r>
+              <a:rPr lang="es-PA" dirty="0" smtClean="0">
+                <a:sym typeface="Symbol" panose="05050102010706020507" pitchFamily="18" charset="2"/>
+              </a:rPr>
+              <a:t> – 1/R0 * </a:t>
+            </a:r>
+            <a:r>
+              <a:rPr lang="es-PA" dirty="0" err="1" smtClean="0">
+                <a:sym typeface="Symbol" panose="05050102010706020507" pitchFamily="18" charset="2"/>
+              </a:rPr>
+              <a:t>vl</a:t>
+            </a:r>
+            <a:r>
+              <a:rPr lang="es-PA" dirty="0" smtClean="0">
+                <a:sym typeface="Symbol" panose="05050102010706020507" pitchFamily="18" charset="2"/>
+              </a:rPr>
+              <a:t> en donde </a:t>
+            </a:r>
+            <a:r>
+              <a:rPr lang="es-PA" dirty="0" err="1" smtClean="0">
+                <a:sym typeface="Symbol" panose="05050102010706020507" pitchFamily="18" charset="2"/>
+              </a:rPr>
+              <a:t>vl</a:t>
+            </a:r>
+            <a:r>
+              <a:rPr lang="es-PA" dirty="0" smtClean="0">
+                <a:sym typeface="Symbol" panose="05050102010706020507" pitchFamily="18" charset="2"/>
+              </a:rPr>
+              <a:t> es el voltaje de salida, </a:t>
+            </a:r>
+            <a:r>
+              <a:rPr lang="es-PA" dirty="0" err="1" smtClean="0">
+                <a:sym typeface="Symbol" panose="05050102010706020507" pitchFamily="18" charset="2"/>
+              </a:rPr>
+              <a:t>io</a:t>
+            </a:r>
+            <a:r>
+              <a:rPr lang="es-PA" dirty="0" smtClean="0">
+                <a:sym typeface="Symbol" panose="05050102010706020507" pitchFamily="18" charset="2"/>
+              </a:rPr>
+              <a:t> y Ro son características de salida</a:t>
+            </a:r>
+          </a:p>
+          <a:p>
+            <a:pPr lvl="1"/>
+            <a:r>
+              <a:rPr lang="es-PA" dirty="0" smtClean="0">
+                <a:sym typeface="Symbol" panose="05050102010706020507" pitchFamily="18" charset="2"/>
+              </a:rPr>
+              <a:t>Ro = </a:t>
+            </a:r>
+            <a:r>
+              <a:rPr lang="es-PA" dirty="0" err="1" smtClean="0">
+                <a:sym typeface="Symbol" panose="05050102010706020507" pitchFamily="18" charset="2"/>
+              </a:rPr>
+              <a:t>inf</a:t>
+            </a:r>
+            <a:endParaRPr lang="es-PA" dirty="0" smtClean="0">
+              <a:sym typeface="Symbol" panose="05050102010706020507" pitchFamily="18" charset="2"/>
+            </a:endParaRPr>
+          </a:p>
+          <a:p>
+            <a:r>
+              <a:rPr lang="es-PA" dirty="0" smtClean="0">
+                <a:sym typeface="Symbol" panose="05050102010706020507" pitchFamily="18" charset="2"/>
+              </a:rPr>
+              <a:t>El voltaje de conformidad es el rango permisible de </a:t>
+            </a:r>
+            <a:r>
+              <a:rPr lang="es-PA" dirty="0" err="1" smtClean="0">
+                <a:sym typeface="Symbol" panose="05050102010706020507" pitchFamily="18" charset="2"/>
+              </a:rPr>
+              <a:t>vl</a:t>
+            </a:r>
+            <a:r>
+              <a:rPr lang="es-PA" dirty="0" smtClean="0">
+                <a:sym typeface="Symbol" panose="05050102010706020507" pitchFamily="18" charset="2"/>
+              </a:rPr>
+              <a:t> por el cual trabaja adecuadamente antes de saturarse</a:t>
+            </a:r>
+          </a:p>
+          <a:p>
+            <a:r>
+              <a:rPr lang="es-PA" dirty="0" smtClean="0">
+                <a:sym typeface="Symbol" panose="05050102010706020507" pitchFamily="18" charset="2"/>
+              </a:rPr>
+              <a:t>Puede pasar a estado flotante</a:t>
+            </a:r>
+          </a:p>
+          <a:p>
+            <a:r>
+              <a:rPr lang="es-PA" dirty="0" smtClean="0">
+                <a:sym typeface="Symbol" panose="05050102010706020507" pitchFamily="18" charset="2"/>
+              </a:rPr>
+              <a:t>Una terminal va a tierra y otra a potencial</a:t>
+            </a:r>
+          </a:p>
+          <a:p>
+            <a:endParaRPr lang="es-PA" dirty="0">
+              <a:sym typeface="Symbol" panose="05050102010706020507" pitchFamily="18" charset="2"/>
+            </a:endParaRPr>
+          </a:p>
+          <a:p>
+            <a:r>
+              <a:rPr lang="es-PA" dirty="0" smtClean="0">
+                <a:sym typeface="Symbol" panose="05050102010706020507" pitchFamily="18" charset="2"/>
+              </a:rPr>
+              <a:t>Se ve mejor en la siguiente figura</a:t>
+            </a:r>
+          </a:p>
+        </p:txBody>
+      </p:sp>
+    </p:spTree>
+    <p:extLst>
+      <p:ext uri="{BB962C8B-B14F-4D97-AF65-F5344CB8AC3E}">
+        <p14:creationId xmlns:p14="http://schemas.microsoft.com/office/powerpoint/2010/main" val="794682446"/>
+      </p:ext>
+    </p:extLst>
+  </p:cSld>
+  <p:clrMapOvr>
+    <a:masterClrMapping/>
+  </p:clrMapOvr>
+  <p:timing>
+    <p:tnLst>
+      <p:par>
+        <p:cTn id="1" dur="indefinite" restart="never" nodeType="tmRoot"/>
+      </p:par>
+    </p:tnLst>
+  </p:timing>
+</p:sld>
+</file>
+
+<file path=ppt/slides/slide163.xml><?xml version="1.0" encoding="utf-8"?>
+<p:sld xmlns:a="http://schemas.openxmlformats.org/drawingml/2006/main" xmlns:r="http://schemas.openxmlformats.org/officeDocument/2006/relationships" xmlns:p="http://schemas.openxmlformats.org/presentationml/2006/main">
+  <p:cSld>
+    <p:spTree>
+      <p:nvGrpSpPr>
+        <p:cNvPr id="1" name=""/>
+        <p:cNvGrpSpPr/>
+        <p:nvPr/>
+      </p:nvGrpSpPr>
+      <p:grpSpPr>
+        <a:xfrm>
+          <a:off x="0" y="0"/>
+          <a:ext cx="0" cy="0"/>
+          <a:chOff x="0" y="0"/>
+          <a:chExt cx="0" cy="0"/>
+        </a:xfrm>
+      </p:grpSpPr>
+      <p:sp>
+        <p:nvSpPr>
+          <p:cNvPr id="2" name="Título 1"/>
+          <p:cNvSpPr>
+            <a:spLocks noGrp="1"/>
+          </p:cNvSpPr>
+          <p:nvPr>
+            <p:ph type="title"/>
+          </p:nvPr>
+        </p:nvSpPr>
+        <p:spPr>
+          <a:xfrm>
+            <a:off x="167425" y="360607"/>
+            <a:ext cx="11925837" cy="1178261"/>
+          </a:xfrm>
+        </p:spPr>
+        <p:txBody>
+          <a:bodyPr/>
+          <a:lstStyle/>
+          <a:p>
+            <a:r>
+              <a:rPr lang="es-PA" sz="3500" dirty="0" smtClean="0"/>
+              <a:t>Amplificadores Convertidores </a:t>
+            </a:r>
+            <a:r>
+              <a:rPr lang="es-PA" sz="3500" dirty="0" smtClean="0"/>
+              <a:t>– De Voltaje a Corriente</a:t>
+            </a:r>
+            <a:endParaRPr lang="es-PA" sz="3500" dirty="0"/>
+          </a:p>
+        </p:txBody>
+      </p:sp>
+      <p:sp>
+        <p:nvSpPr>
+          <p:cNvPr id="3" name="Marcador de contenido 2"/>
+          <p:cNvSpPr>
+            <a:spLocks noGrp="1"/>
+          </p:cNvSpPr>
+          <p:nvPr>
+            <p:ph idx="1"/>
+          </p:nvPr>
+        </p:nvSpPr>
+        <p:spPr>
+          <a:xfrm>
+            <a:off x="167426" y="1538869"/>
+            <a:ext cx="11925836" cy="5107258"/>
+          </a:xfrm>
+        </p:spPr>
+        <p:txBody>
+          <a:bodyPr>
+            <a:normAutofit fontScale="92500" lnSpcReduction="20000"/>
+          </a:bodyPr>
+          <a:lstStyle/>
+          <a:p>
+            <a:r>
+              <a:rPr lang="es-PA" dirty="0" smtClean="0">
+                <a:sym typeface="Symbol" panose="05050102010706020507" pitchFamily="18" charset="2"/>
+              </a:rPr>
+              <a:t>Convertidores de carga flotante</a:t>
+            </a:r>
+          </a:p>
+          <a:p>
+            <a:r>
+              <a:rPr lang="es-PA" dirty="0" smtClean="0">
+                <a:sym typeface="Symbol" panose="05050102010706020507" pitchFamily="18" charset="2"/>
+              </a:rPr>
+              <a:t>La carga es el elemento de </a:t>
+            </a:r>
+            <a:r>
+              <a:rPr lang="es-PA" dirty="0" err="1" smtClean="0">
+                <a:sym typeface="Symbol" panose="05050102010706020507" pitchFamily="18" charset="2"/>
+              </a:rPr>
+              <a:t>feedback</a:t>
+            </a:r>
+            <a:endParaRPr lang="es-PA" dirty="0" smtClean="0">
+              <a:sym typeface="Symbol" panose="05050102010706020507" pitchFamily="18" charset="2"/>
+            </a:endParaRPr>
+          </a:p>
+          <a:p>
+            <a:r>
+              <a:rPr lang="es-PA" dirty="0" smtClean="0">
+                <a:sym typeface="Symbol" panose="05050102010706020507" pitchFamily="18" charset="2"/>
+              </a:rPr>
+              <a:t>Si la terminal de </a:t>
+            </a:r>
+            <a:r>
+              <a:rPr lang="es-PA" dirty="0" err="1" smtClean="0">
+                <a:sym typeface="Symbol" panose="05050102010706020507" pitchFamily="18" charset="2"/>
+              </a:rPr>
+              <a:t>feedback</a:t>
+            </a:r>
+            <a:r>
+              <a:rPr lang="es-PA" dirty="0" smtClean="0">
+                <a:sym typeface="Symbol" panose="05050102010706020507" pitchFamily="18" charset="2"/>
+              </a:rPr>
+              <a:t> está comprometida no se podrá tener esta configuración</a:t>
+            </a:r>
+          </a:p>
+          <a:p>
+            <a:r>
+              <a:rPr lang="es-PA" dirty="0" smtClean="0">
+                <a:sym typeface="Symbol" panose="05050102010706020507" pitchFamily="18" charset="2"/>
+              </a:rPr>
+              <a:t>La carga puede ser lineal como no lineal</a:t>
+            </a:r>
+          </a:p>
+          <a:p>
+            <a:r>
+              <a:rPr lang="es-PA" dirty="0" smtClean="0">
+                <a:sym typeface="Symbol" panose="05050102010706020507" pitchFamily="18" charset="2"/>
+              </a:rPr>
+              <a:t>Observar que el convertidor es bidireccional en corriente</a:t>
+            </a:r>
+          </a:p>
+          <a:p>
+            <a:r>
+              <a:rPr lang="es-PA" dirty="0" smtClean="0">
+                <a:sym typeface="Symbol" panose="05050102010706020507" pitchFamily="18" charset="2"/>
+              </a:rPr>
+              <a:t>Cuando la carga es de un capacitor</a:t>
+            </a:r>
+          </a:p>
+          <a:p>
+            <a:pPr lvl="1"/>
+            <a:r>
+              <a:rPr lang="es-PA" dirty="0" smtClean="0">
+                <a:sym typeface="Symbol" panose="05050102010706020507" pitchFamily="18" charset="2"/>
+              </a:rPr>
+              <a:t>Se comporta como integrador</a:t>
+            </a:r>
+          </a:p>
+          <a:p>
+            <a:pPr lvl="1"/>
+            <a:r>
+              <a:rPr lang="es-PA" dirty="0" smtClean="0">
+                <a:sym typeface="Symbol" panose="05050102010706020507" pitchFamily="18" charset="2"/>
+              </a:rPr>
+              <a:t>La corriente fluye constante por el capacitor</a:t>
+            </a:r>
+          </a:p>
+          <a:p>
+            <a:pPr lvl="1"/>
+            <a:r>
+              <a:rPr lang="es-PA" dirty="0" smtClean="0">
+                <a:sym typeface="Symbol" panose="05050102010706020507" pitchFamily="18" charset="2"/>
+              </a:rPr>
+              <a:t>Se pueden realizar generadores de onda</a:t>
+            </a:r>
+          </a:p>
+          <a:p>
+            <a:pPr lvl="2"/>
+            <a:r>
+              <a:rPr lang="es-PA" dirty="0" smtClean="0">
+                <a:sym typeface="Symbol" panose="05050102010706020507" pitchFamily="18" charset="2"/>
+              </a:rPr>
+              <a:t>Diente de sierra</a:t>
+            </a:r>
+          </a:p>
+          <a:p>
+            <a:pPr lvl="2"/>
+            <a:r>
+              <a:rPr lang="es-PA" dirty="0" smtClean="0">
+                <a:sym typeface="Symbol" panose="05050102010706020507" pitchFamily="18" charset="2"/>
+              </a:rPr>
+              <a:t>Triangular</a:t>
+            </a:r>
+          </a:p>
+          <a:p>
+            <a:pPr lvl="1"/>
+            <a:r>
+              <a:rPr lang="es-PA" dirty="0" smtClean="0">
+                <a:sym typeface="Symbol" panose="05050102010706020507" pitchFamily="18" charset="2"/>
+              </a:rPr>
+              <a:t>Se pueden utilizar para hacer convertidores de V-Frecuencia o de Frecuencia-V</a:t>
+            </a:r>
+          </a:p>
+          <a:p>
+            <a:r>
+              <a:rPr lang="es-PA" dirty="0" smtClean="0">
+                <a:sym typeface="Symbol" panose="05050102010706020507" pitchFamily="18" charset="2"/>
+              </a:rPr>
+              <a:t>La desventaja es que la corriente depende de un voltaje de entrada constante vi</a:t>
+            </a:r>
+          </a:p>
+          <a:p>
+            <a:r>
+              <a:rPr lang="es-PA" dirty="0" smtClean="0">
+                <a:sym typeface="Symbol" panose="05050102010706020507" pitchFamily="18" charset="2"/>
+              </a:rPr>
+              <a:t>Otra desventaja es la limitación de corriente determinada por el </a:t>
+            </a:r>
+            <a:r>
+              <a:rPr lang="es-PA" dirty="0" err="1" smtClean="0">
+                <a:sym typeface="Symbol" panose="05050102010706020507" pitchFamily="18" charset="2"/>
+              </a:rPr>
+              <a:t>op</a:t>
+            </a:r>
+            <a:r>
+              <a:rPr lang="es-PA" dirty="0" smtClean="0">
+                <a:sym typeface="Symbol" panose="05050102010706020507" pitchFamily="18" charset="2"/>
+              </a:rPr>
+              <a:t> </a:t>
+            </a:r>
+            <a:r>
+              <a:rPr lang="es-PA" dirty="0" err="1" smtClean="0">
+                <a:sym typeface="Symbol" panose="05050102010706020507" pitchFamily="18" charset="2"/>
+              </a:rPr>
+              <a:t>amp</a:t>
+            </a:r>
+            <a:r>
+              <a:rPr lang="es-PA" dirty="0" smtClean="0">
+                <a:sym typeface="Symbol" panose="05050102010706020507" pitchFamily="18" charset="2"/>
+              </a:rPr>
+              <a:t> (25mA para UA741)</a:t>
+            </a:r>
+          </a:p>
+        </p:txBody>
+      </p:sp>
+      <p:pic>
+        <p:nvPicPr>
+          <p:cNvPr id="4" name="Imagen 3"/>
+          <p:cNvPicPr>
+            <a:picLocks noChangeAspect="1"/>
+          </p:cNvPicPr>
+          <p:nvPr/>
+        </p:nvPicPr>
+        <p:blipFill>
+          <a:blip r:embed="rId2"/>
+          <a:stretch>
+            <a:fillRect/>
+          </a:stretch>
+        </p:blipFill>
+        <p:spPr>
+          <a:xfrm>
+            <a:off x="8594687" y="2985507"/>
+            <a:ext cx="3442472" cy="2213982"/>
+          </a:xfrm>
+          <a:prstGeom prst="rect">
+            <a:avLst/>
+          </a:prstGeom>
+        </p:spPr>
+      </p:pic>
+    </p:spTree>
+    <p:extLst>
+      <p:ext uri="{BB962C8B-B14F-4D97-AF65-F5344CB8AC3E}">
+        <p14:creationId xmlns:p14="http://schemas.microsoft.com/office/powerpoint/2010/main" val="846881656"/>
+      </p:ext>
+    </p:extLst>
+  </p:cSld>
+  <p:clrMapOvr>
+    <a:masterClrMapping/>
+  </p:clrMapOvr>
+  <p:timing>
+    <p:tnLst>
+      <p:par>
+        <p:cTn id="1" dur="indefinite" restart="never" nodeType="tmRoot"/>
+      </p:par>
+    </p:tnLst>
+  </p:timing>
+</p:sld>
+</file>
+
+<file path=ppt/slides/slide164.xml><?xml version="1.0" encoding="utf-8"?>
+<p:sld xmlns:a="http://schemas.openxmlformats.org/drawingml/2006/main" xmlns:r="http://schemas.openxmlformats.org/officeDocument/2006/relationships" xmlns:p="http://schemas.openxmlformats.org/presentationml/2006/main">
+  <p:cSld>
+    <p:spTree>
+      <p:nvGrpSpPr>
+        <p:cNvPr id="1" name=""/>
+        <p:cNvGrpSpPr/>
+        <p:nvPr/>
+      </p:nvGrpSpPr>
+      <p:grpSpPr>
+        <a:xfrm>
+          <a:off x="0" y="0"/>
+          <a:ext cx="0" cy="0"/>
+          <a:chOff x="0" y="0"/>
+          <a:chExt cx="0" cy="0"/>
+        </a:xfrm>
+      </p:grpSpPr>
+      <p:sp>
+        <p:nvSpPr>
+          <p:cNvPr id="2" name="Título 1"/>
+          <p:cNvSpPr>
+            <a:spLocks noGrp="1"/>
+          </p:cNvSpPr>
+          <p:nvPr>
+            <p:ph type="title"/>
+          </p:nvPr>
+        </p:nvSpPr>
+        <p:spPr>
+          <a:xfrm>
+            <a:off x="167425" y="360607"/>
+            <a:ext cx="11925837" cy="1178261"/>
+          </a:xfrm>
+        </p:spPr>
+        <p:txBody>
+          <a:bodyPr/>
+          <a:lstStyle/>
+          <a:p>
+            <a:r>
+              <a:rPr lang="es-PA" sz="3500" dirty="0" smtClean="0"/>
+              <a:t>Amplificadores Convertidores </a:t>
+            </a:r>
+            <a:r>
+              <a:rPr lang="es-PA" sz="3500" dirty="0" smtClean="0"/>
+              <a:t>– De Voltaje a Corriente</a:t>
+            </a:r>
+            <a:endParaRPr lang="es-PA" sz="3500" dirty="0"/>
+          </a:p>
+        </p:txBody>
+      </p:sp>
+      <p:sp>
+        <p:nvSpPr>
+          <p:cNvPr id="3" name="Marcador de contenido 2"/>
+          <p:cNvSpPr>
+            <a:spLocks noGrp="1"/>
+          </p:cNvSpPr>
+          <p:nvPr>
+            <p:ph idx="1"/>
+          </p:nvPr>
+        </p:nvSpPr>
+        <p:spPr>
+          <a:xfrm>
+            <a:off x="167426" y="1538869"/>
+            <a:ext cx="11925836" cy="5107258"/>
+          </a:xfrm>
+        </p:spPr>
+        <p:txBody>
+          <a:bodyPr>
+            <a:normAutofit fontScale="92500" lnSpcReduction="10000"/>
+          </a:bodyPr>
+          <a:lstStyle/>
+          <a:p>
+            <a:r>
+              <a:rPr lang="es-PA" dirty="0" smtClean="0">
+                <a:sym typeface="Symbol" panose="05050102010706020507" pitchFamily="18" charset="2"/>
+              </a:rPr>
+              <a:t>Supongamos tenemos circuitos y los siguientes valores vi = 5V, R = 10k, </a:t>
+            </a:r>
+            <a:r>
+              <a:rPr lang="es-PA" dirty="0" err="1" smtClean="0">
+                <a:sym typeface="Symbol" panose="05050102010706020507" pitchFamily="18" charset="2"/>
+              </a:rPr>
+              <a:t>Vsat</a:t>
+            </a:r>
+            <a:r>
+              <a:rPr lang="es-PA" dirty="0" smtClean="0">
+                <a:sym typeface="Symbol" panose="05050102010706020507" pitchFamily="18" charset="2"/>
+              </a:rPr>
+              <a:t> = 13V y RL = ?</a:t>
+            </a:r>
+          </a:p>
+          <a:p>
+            <a:r>
+              <a:rPr lang="es-PA" dirty="0" smtClean="0">
+                <a:sym typeface="Symbol" panose="05050102010706020507" pitchFamily="18" charset="2"/>
+              </a:rPr>
+              <a:t>Obtener </a:t>
+            </a:r>
+            <a:r>
+              <a:rPr lang="es-PA" dirty="0" err="1" smtClean="0">
+                <a:sym typeface="Symbol" panose="05050102010706020507" pitchFamily="18" charset="2"/>
+              </a:rPr>
+              <a:t>io</a:t>
+            </a:r>
+            <a:r>
+              <a:rPr lang="es-PA" dirty="0" smtClean="0">
+                <a:sym typeface="Symbol" panose="05050102010706020507" pitchFamily="18" charset="2"/>
+              </a:rPr>
+              <a:t>, el voltaje comprometido y el máximo valor posible de RL</a:t>
+            </a:r>
+          </a:p>
+          <a:p>
+            <a:endParaRPr lang="es-PA" dirty="0">
+              <a:sym typeface="Symbol" panose="05050102010706020507" pitchFamily="18" charset="2"/>
+            </a:endParaRPr>
+          </a:p>
+          <a:p>
+            <a:r>
+              <a:rPr lang="es-PA" dirty="0" err="1" smtClean="0">
+                <a:sym typeface="Symbol" panose="05050102010706020507" pitchFamily="18" charset="2"/>
+              </a:rPr>
+              <a:t>Io</a:t>
+            </a:r>
+            <a:r>
+              <a:rPr lang="es-PA" dirty="0" smtClean="0">
+                <a:sym typeface="Symbol" panose="05050102010706020507" pitchFamily="18" charset="2"/>
+              </a:rPr>
+              <a:t> = 1/10 * 5 = 0.5mA</a:t>
+            </a:r>
+          </a:p>
+          <a:p>
+            <a:r>
+              <a:rPr lang="es-PA" dirty="0" smtClean="0">
+                <a:sym typeface="Symbol" panose="05050102010706020507" pitchFamily="18" charset="2"/>
+              </a:rPr>
+              <a:t>Voltaje de compromiso</a:t>
+            </a:r>
+          </a:p>
+          <a:p>
+            <a:pPr lvl="1"/>
+            <a:r>
+              <a:rPr lang="es-PA" dirty="0" err="1" smtClean="0">
+                <a:sym typeface="Symbol" panose="05050102010706020507" pitchFamily="18" charset="2"/>
+              </a:rPr>
+              <a:t>VoL</a:t>
+            </a:r>
+            <a:r>
+              <a:rPr lang="es-PA" dirty="0" smtClean="0">
+                <a:sym typeface="Symbol" panose="05050102010706020507" pitchFamily="18" charset="2"/>
+              </a:rPr>
+              <a:t> y </a:t>
+            </a:r>
+            <a:r>
+              <a:rPr lang="es-PA" dirty="0" err="1" smtClean="0">
+                <a:sym typeface="Symbol" panose="05050102010706020507" pitchFamily="18" charset="2"/>
+              </a:rPr>
+              <a:t>VoH</a:t>
+            </a:r>
+            <a:r>
+              <a:rPr lang="es-PA" dirty="0" smtClean="0">
+                <a:sym typeface="Symbol" panose="05050102010706020507" pitchFamily="18" charset="2"/>
+              </a:rPr>
+              <a:t> para izquierda</a:t>
+            </a:r>
+          </a:p>
+          <a:p>
+            <a:pPr lvl="2"/>
+            <a:r>
+              <a:rPr lang="es-PA" dirty="0" err="1" smtClean="0">
+                <a:sym typeface="Symbol" panose="05050102010706020507" pitchFamily="18" charset="2"/>
+              </a:rPr>
+              <a:t>Vcomp</a:t>
+            </a:r>
+            <a:r>
+              <a:rPr lang="es-PA" dirty="0" smtClean="0">
+                <a:sym typeface="Symbol" panose="05050102010706020507" pitchFamily="18" charset="2"/>
+              </a:rPr>
+              <a:t> =  -13 - 5 =  -18v</a:t>
+            </a:r>
+          </a:p>
+          <a:p>
+            <a:pPr lvl="2"/>
+            <a:r>
+              <a:rPr lang="es-PA" dirty="0" err="1" smtClean="0">
+                <a:sym typeface="Symbol" panose="05050102010706020507" pitchFamily="18" charset="2"/>
+              </a:rPr>
+              <a:t>VcompL</a:t>
+            </a:r>
+            <a:r>
+              <a:rPr lang="es-PA" dirty="0" smtClean="0">
+                <a:sym typeface="Symbol" panose="05050102010706020507" pitchFamily="18" charset="2"/>
+              </a:rPr>
+              <a:t> = 13 – 5 = 8 v</a:t>
+            </a:r>
+          </a:p>
+          <a:p>
+            <a:pPr lvl="2"/>
+            <a:r>
+              <a:rPr lang="es-PA" dirty="0" smtClean="0">
+                <a:sym typeface="Symbol" panose="05050102010706020507" pitchFamily="18" charset="2"/>
+              </a:rPr>
+              <a:t>8V &gt; </a:t>
+            </a:r>
+            <a:r>
+              <a:rPr lang="es-PA" dirty="0" err="1" smtClean="0">
+                <a:sym typeface="Symbol" panose="05050102010706020507" pitchFamily="18" charset="2"/>
+              </a:rPr>
+              <a:t>Vl</a:t>
+            </a:r>
+            <a:r>
+              <a:rPr lang="es-PA" dirty="0" smtClean="0">
+                <a:sym typeface="Symbol" panose="05050102010706020507" pitchFamily="18" charset="2"/>
+              </a:rPr>
+              <a:t> &gt; -18V</a:t>
+            </a:r>
+            <a:endParaRPr lang="es-PA" dirty="0">
+              <a:sym typeface="Symbol" panose="05050102010706020507" pitchFamily="18" charset="2"/>
+            </a:endParaRPr>
+          </a:p>
+          <a:p>
+            <a:pPr lvl="1"/>
+            <a:r>
+              <a:rPr lang="es-PA" dirty="0" err="1" smtClean="0">
+                <a:sym typeface="Symbol" panose="05050102010706020507" pitchFamily="18" charset="2"/>
+              </a:rPr>
+              <a:t>VoL</a:t>
+            </a:r>
+            <a:r>
+              <a:rPr lang="es-PA" dirty="0" smtClean="0">
+                <a:sym typeface="Symbol" panose="05050102010706020507" pitchFamily="18" charset="2"/>
+              </a:rPr>
+              <a:t> y </a:t>
+            </a:r>
+            <a:r>
+              <a:rPr lang="es-PA" dirty="0" err="1" smtClean="0">
+                <a:sym typeface="Symbol" panose="05050102010706020507" pitchFamily="18" charset="2"/>
+              </a:rPr>
+              <a:t>VoH</a:t>
+            </a:r>
+            <a:r>
+              <a:rPr lang="es-PA" dirty="0" smtClean="0">
+                <a:sym typeface="Symbol" panose="05050102010706020507" pitchFamily="18" charset="2"/>
+              </a:rPr>
+              <a:t> para derecha</a:t>
+            </a:r>
+          </a:p>
+          <a:p>
+            <a:pPr lvl="2"/>
+            <a:r>
+              <a:rPr lang="es-PA" dirty="0" err="1" smtClean="0">
+                <a:sym typeface="Symbol" panose="05050102010706020507" pitchFamily="18" charset="2"/>
+              </a:rPr>
+              <a:t>Vcomp</a:t>
+            </a:r>
+            <a:r>
+              <a:rPr lang="es-PA" dirty="0" smtClean="0">
+                <a:sym typeface="Symbol" panose="05050102010706020507" pitchFamily="18" charset="2"/>
+              </a:rPr>
+              <a:t> = </a:t>
+            </a:r>
+            <a:r>
+              <a:rPr lang="es-PA" dirty="0" err="1" smtClean="0">
+                <a:sym typeface="Symbol" panose="05050102010706020507" pitchFamily="18" charset="2"/>
+              </a:rPr>
+              <a:t>Vl</a:t>
+            </a:r>
+            <a:endParaRPr lang="es-PA" dirty="0" smtClean="0">
+              <a:sym typeface="Symbol" panose="05050102010706020507" pitchFamily="18" charset="2"/>
+            </a:endParaRPr>
+          </a:p>
+          <a:p>
+            <a:pPr lvl="2"/>
+            <a:r>
+              <a:rPr lang="es-PA" dirty="0" err="1" smtClean="0">
+                <a:sym typeface="Symbol" panose="05050102010706020507" pitchFamily="18" charset="2"/>
+              </a:rPr>
+              <a:t>Vcomp</a:t>
+            </a:r>
+            <a:r>
+              <a:rPr lang="es-PA" dirty="0" smtClean="0">
+                <a:sym typeface="Symbol" panose="05050102010706020507" pitchFamily="18" charset="2"/>
+              </a:rPr>
+              <a:t> = </a:t>
+            </a:r>
+            <a:r>
+              <a:rPr lang="es-PA" dirty="0" err="1" smtClean="0">
+                <a:sym typeface="Symbol" panose="05050102010706020507" pitchFamily="18" charset="2"/>
+              </a:rPr>
+              <a:t>Vl</a:t>
+            </a:r>
+            <a:endParaRPr lang="es-PA" dirty="0" smtClean="0">
+              <a:sym typeface="Symbol" panose="05050102010706020507" pitchFamily="18" charset="2"/>
+            </a:endParaRPr>
+          </a:p>
+          <a:p>
+            <a:pPr lvl="2"/>
+            <a:r>
+              <a:rPr lang="es-PA" dirty="0" smtClean="0">
+                <a:sym typeface="Symbol" panose="05050102010706020507" pitchFamily="18" charset="2"/>
+              </a:rPr>
+              <a:t>13V &gt; </a:t>
+            </a:r>
+            <a:r>
+              <a:rPr lang="es-PA" dirty="0" err="1" smtClean="0">
+                <a:sym typeface="Symbol" panose="05050102010706020507" pitchFamily="18" charset="2"/>
+              </a:rPr>
+              <a:t>Vl</a:t>
+            </a:r>
+            <a:r>
+              <a:rPr lang="es-PA" dirty="0" smtClean="0">
+                <a:sym typeface="Symbol" panose="05050102010706020507" pitchFamily="18" charset="2"/>
+              </a:rPr>
+              <a:t> &gt; -13V</a:t>
+            </a:r>
+          </a:p>
+          <a:p>
+            <a:r>
+              <a:rPr lang="es-PA" dirty="0" smtClean="0">
+                <a:sym typeface="Symbol" panose="05050102010706020507" pitchFamily="18" charset="2"/>
+              </a:rPr>
+              <a:t>RL </a:t>
+            </a:r>
+            <a:r>
+              <a:rPr lang="es-PA" dirty="0" err="1" smtClean="0">
+                <a:sym typeface="Symbol" panose="05050102010706020507" pitchFamily="18" charset="2"/>
+              </a:rPr>
+              <a:t>max</a:t>
+            </a:r>
+            <a:r>
+              <a:rPr lang="es-PA" dirty="0" smtClean="0">
+                <a:sym typeface="Symbol" panose="05050102010706020507" pitchFamily="18" charset="2"/>
+              </a:rPr>
+              <a:t> = 8/0.5 = 16k </a:t>
+            </a:r>
+            <a:r>
+              <a:rPr lang="es-PA" dirty="0" err="1" smtClean="0">
+                <a:sym typeface="Symbol" panose="05050102010706020507" pitchFamily="18" charset="2"/>
+              </a:rPr>
+              <a:t>circ</a:t>
+            </a:r>
+            <a:r>
+              <a:rPr lang="es-PA" dirty="0" smtClean="0">
+                <a:sym typeface="Symbol" panose="05050102010706020507" pitchFamily="18" charset="2"/>
+              </a:rPr>
+              <a:t>. </a:t>
+            </a:r>
+            <a:r>
+              <a:rPr lang="es-PA" dirty="0" err="1" smtClean="0">
+                <a:sym typeface="Symbol" panose="05050102010706020507" pitchFamily="18" charset="2"/>
+              </a:rPr>
+              <a:t>Izq</a:t>
+            </a:r>
+            <a:r>
+              <a:rPr lang="es-PA" dirty="0" smtClean="0">
+                <a:sym typeface="Symbol" panose="05050102010706020507" pitchFamily="18" charset="2"/>
+              </a:rPr>
+              <a:t>, </a:t>
+            </a:r>
+            <a:r>
+              <a:rPr lang="es-PA" dirty="0" err="1" smtClean="0">
+                <a:sym typeface="Symbol" panose="05050102010706020507" pitchFamily="18" charset="2"/>
+              </a:rPr>
+              <a:t>Rlmax</a:t>
+            </a:r>
+            <a:r>
+              <a:rPr lang="es-PA" dirty="0" smtClean="0">
+                <a:sym typeface="Symbol" panose="05050102010706020507" pitchFamily="18" charset="2"/>
+              </a:rPr>
+              <a:t> = 13/0.5 = 26k </a:t>
+            </a:r>
+            <a:r>
+              <a:rPr lang="es-PA" dirty="0" err="1" smtClean="0">
+                <a:sym typeface="Symbol" panose="05050102010706020507" pitchFamily="18" charset="2"/>
+              </a:rPr>
+              <a:t>circ</a:t>
+            </a:r>
+            <a:r>
+              <a:rPr lang="es-PA" dirty="0" smtClean="0">
+                <a:sym typeface="Symbol" panose="05050102010706020507" pitchFamily="18" charset="2"/>
+              </a:rPr>
+              <a:t>. Der (la resistencia no puede ser negativa)</a:t>
+            </a:r>
+          </a:p>
+        </p:txBody>
+      </p:sp>
+      <p:pic>
+        <p:nvPicPr>
+          <p:cNvPr id="4" name="Imagen 3"/>
+          <p:cNvPicPr>
+            <a:picLocks noChangeAspect="1"/>
+          </p:cNvPicPr>
+          <p:nvPr/>
+        </p:nvPicPr>
+        <p:blipFill>
+          <a:blip r:embed="rId2"/>
+          <a:stretch>
+            <a:fillRect/>
+          </a:stretch>
+        </p:blipFill>
+        <p:spPr>
+          <a:xfrm>
+            <a:off x="8594687" y="2985507"/>
+            <a:ext cx="3442472" cy="2213982"/>
+          </a:xfrm>
+          <a:prstGeom prst="rect">
+            <a:avLst/>
+          </a:prstGeom>
+        </p:spPr>
+      </p:pic>
+    </p:spTree>
+    <p:extLst>
+      <p:ext uri="{BB962C8B-B14F-4D97-AF65-F5344CB8AC3E}">
+        <p14:creationId xmlns:p14="http://schemas.microsoft.com/office/powerpoint/2010/main" val="2787870501"/>
+      </p:ext>
+    </p:extLst>
+  </p:cSld>
+  <p:clrMapOvr>
+    <a:masterClrMapping/>
+  </p:clrMapOvr>
+  <p:timing>
+    <p:tnLst>
+      <p:par>
+        <p:cTn id="1" dur="indefinite" restart="never" nodeType="tmRoot"/>
+      </p:par>
+    </p:tnLst>
+  </p:timing>
+</p:sld>
+</file>
+
+<file path=ppt/slides/slide165.xml><?xml version="1.0" encoding="utf-8"?>
+<p:sld xmlns:a="http://schemas.openxmlformats.org/drawingml/2006/main" xmlns:r="http://schemas.openxmlformats.org/officeDocument/2006/relationships" xmlns:p="http://schemas.openxmlformats.org/presentationml/2006/main">
+  <p:cSld>
+    <p:spTree>
+      <p:nvGrpSpPr>
+        <p:cNvPr id="1" name=""/>
+        <p:cNvGrpSpPr/>
+        <p:nvPr/>
+      </p:nvGrpSpPr>
+      <p:grpSpPr>
+        <a:xfrm>
+          <a:off x="0" y="0"/>
+          <a:ext cx="0" cy="0"/>
+          <a:chOff x="0" y="0"/>
+          <a:chExt cx="0" cy="0"/>
+        </a:xfrm>
+      </p:grpSpPr>
+      <p:sp>
+        <p:nvSpPr>
+          <p:cNvPr id="2" name="Título 1"/>
+          <p:cNvSpPr>
+            <a:spLocks noGrp="1"/>
+          </p:cNvSpPr>
+          <p:nvPr>
+            <p:ph type="title"/>
+          </p:nvPr>
+        </p:nvSpPr>
+        <p:spPr>
+          <a:xfrm>
+            <a:off x="167425" y="360607"/>
+            <a:ext cx="11925837" cy="1178261"/>
+          </a:xfrm>
+        </p:spPr>
+        <p:txBody>
+          <a:bodyPr/>
+          <a:lstStyle/>
+          <a:p>
+            <a:r>
+              <a:rPr lang="es-PA" sz="3500" dirty="0" smtClean="0"/>
+              <a:t>Amplificadores Convertidores </a:t>
+            </a:r>
+            <a:r>
+              <a:rPr lang="es-PA" sz="3500" dirty="0" smtClean="0"/>
+              <a:t>– De Voltaje a Corriente</a:t>
+            </a:r>
+            <a:endParaRPr lang="es-PA" sz="3500" dirty="0"/>
+          </a:p>
+        </p:txBody>
+      </p:sp>
+      <p:sp>
+        <p:nvSpPr>
+          <p:cNvPr id="3" name="Marcador de contenido 2"/>
+          <p:cNvSpPr>
+            <a:spLocks noGrp="1"/>
+          </p:cNvSpPr>
+          <p:nvPr>
+            <p:ph idx="1"/>
+          </p:nvPr>
+        </p:nvSpPr>
+        <p:spPr>
+          <a:xfrm>
+            <a:off x="167426" y="1538869"/>
+            <a:ext cx="11925836" cy="5107258"/>
+          </a:xfrm>
+        </p:spPr>
+        <p:txBody>
+          <a:bodyPr>
+            <a:normAutofit/>
+          </a:bodyPr>
+          <a:lstStyle/>
+          <a:p>
+            <a:r>
+              <a:rPr lang="es-PA" dirty="0" smtClean="0">
+                <a:sym typeface="Symbol" panose="05050102010706020507" pitchFamily="18" charset="2"/>
+              </a:rPr>
+              <a:t>Limitaciones prácticas del </a:t>
+            </a:r>
+            <a:r>
+              <a:rPr lang="es-PA" dirty="0" err="1" smtClean="0">
+                <a:sym typeface="Symbol" panose="05050102010706020507" pitchFamily="18" charset="2"/>
+              </a:rPr>
+              <a:t>op</a:t>
+            </a:r>
+            <a:r>
+              <a:rPr lang="es-PA" dirty="0" smtClean="0">
+                <a:sym typeface="Symbol" panose="05050102010706020507" pitchFamily="18" charset="2"/>
+              </a:rPr>
+              <a:t> </a:t>
+            </a:r>
+            <a:r>
+              <a:rPr lang="es-PA" dirty="0" err="1" smtClean="0">
+                <a:sym typeface="Symbol" panose="05050102010706020507" pitchFamily="18" charset="2"/>
+              </a:rPr>
+              <a:t>amp</a:t>
+            </a:r>
+            <a:endParaRPr lang="es-PA" dirty="0" smtClean="0">
+              <a:sym typeface="Symbol" panose="05050102010706020507" pitchFamily="18" charset="2"/>
+            </a:endParaRPr>
+          </a:p>
+          <a:p>
+            <a:r>
+              <a:rPr lang="es-PA" dirty="0" smtClean="0">
+                <a:sym typeface="Symbol" panose="05050102010706020507" pitchFamily="18" charset="2"/>
+              </a:rPr>
+              <a:t>Modelo del </a:t>
+            </a:r>
+            <a:r>
+              <a:rPr lang="es-PA" dirty="0" err="1" smtClean="0">
+                <a:sym typeface="Symbol" panose="05050102010706020507" pitchFamily="18" charset="2"/>
+              </a:rPr>
+              <a:t>op</a:t>
+            </a:r>
+            <a:r>
+              <a:rPr lang="es-PA" dirty="0" smtClean="0">
+                <a:sym typeface="Symbol" panose="05050102010706020507" pitchFamily="18" charset="2"/>
+              </a:rPr>
+              <a:t> </a:t>
+            </a:r>
+            <a:r>
+              <a:rPr lang="es-PA" dirty="0" err="1" smtClean="0">
+                <a:sym typeface="Symbol" panose="05050102010706020507" pitchFamily="18" charset="2"/>
+              </a:rPr>
+              <a:t>amp</a:t>
+            </a:r>
+            <a:r>
+              <a:rPr lang="es-PA" dirty="0" smtClean="0">
+                <a:sym typeface="Symbol" panose="05050102010706020507" pitchFamily="18" charset="2"/>
+              </a:rPr>
+              <a:t> de voltaje frecuencia</a:t>
+            </a:r>
+          </a:p>
+          <a:p>
+            <a:r>
+              <a:rPr lang="es-PA" dirty="0" smtClean="0">
+                <a:sym typeface="Symbol" panose="05050102010706020507" pitchFamily="18" charset="2"/>
+              </a:rPr>
+              <a:t>-vi + </a:t>
+            </a:r>
+            <a:r>
+              <a:rPr lang="es-PA" dirty="0" err="1" smtClean="0">
+                <a:sym typeface="Symbol" panose="05050102010706020507" pitchFamily="18" charset="2"/>
+              </a:rPr>
+              <a:t>vd</a:t>
+            </a:r>
+            <a:r>
+              <a:rPr lang="es-PA" dirty="0" smtClean="0">
+                <a:sym typeface="Symbol" panose="05050102010706020507" pitchFamily="18" charset="2"/>
+              </a:rPr>
+              <a:t> –</a:t>
+            </a:r>
+            <a:r>
+              <a:rPr lang="es-PA" dirty="0" err="1" smtClean="0">
+                <a:sym typeface="Symbol" panose="05050102010706020507" pitchFamily="18" charset="2"/>
+              </a:rPr>
+              <a:t>vl</a:t>
+            </a:r>
+            <a:r>
+              <a:rPr lang="es-PA" dirty="0" smtClean="0">
+                <a:sym typeface="Symbol" panose="05050102010706020507" pitchFamily="18" charset="2"/>
+              </a:rPr>
+              <a:t> –ro*</a:t>
+            </a:r>
+            <a:r>
+              <a:rPr lang="es-PA" dirty="0" err="1" smtClean="0">
+                <a:sym typeface="Symbol" panose="05050102010706020507" pitchFamily="18" charset="2"/>
+              </a:rPr>
+              <a:t>io</a:t>
+            </a:r>
+            <a:r>
+              <a:rPr lang="es-PA" dirty="0" smtClean="0">
+                <a:sym typeface="Symbol" panose="05050102010706020507" pitchFamily="18" charset="2"/>
+              </a:rPr>
+              <a:t> + a*</a:t>
+            </a:r>
+            <a:r>
+              <a:rPr lang="es-PA" dirty="0" err="1" smtClean="0">
+                <a:sym typeface="Symbol" panose="05050102010706020507" pitchFamily="18" charset="2"/>
+              </a:rPr>
+              <a:t>vd</a:t>
+            </a:r>
+            <a:r>
+              <a:rPr lang="es-PA" dirty="0" smtClean="0">
+                <a:sym typeface="Symbol" panose="05050102010706020507" pitchFamily="18" charset="2"/>
+              </a:rPr>
+              <a:t> = 0</a:t>
+            </a:r>
+          </a:p>
+          <a:p>
+            <a:endParaRPr lang="es-PA" dirty="0" smtClean="0">
+              <a:sym typeface="Symbol" panose="05050102010706020507" pitchFamily="18" charset="2"/>
+            </a:endParaRPr>
+          </a:p>
+          <a:p>
+            <a:r>
+              <a:rPr lang="es-PA" dirty="0" smtClean="0">
+                <a:sym typeface="Symbol" panose="05050102010706020507" pitchFamily="18" charset="2"/>
+              </a:rPr>
+              <a:t>Convertidores de carga y tierra</a:t>
+            </a:r>
+          </a:p>
+          <a:p>
+            <a:r>
+              <a:rPr lang="es-PA" dirty="0" smtClean="0">
+                <a:sym typeface="Symbol" panose="05050102010706020507" pitchFamily="18" charset="2"/>
+              </a:rPr>
+              <a:t>El circuito muestra que sucede cuando la terminal está comprometida</a:t>
+            </a:r>
+          </a:p>
+          <a:p>
+            <a:r>
+              <a:rPr lang="es-PA" dirty="0" smtClean="0">
+                <a:sym typeface="Symbol" panose="05050102010706020507" pitchFamily="18" charset="2"/>
+              </a:rPr>
+              <a:t>El circuito izquierdo es la bomba de carga de </a:t>
+            </a:r>
+            <a:r>
+              <a:rPr lang="es-PA" dirty="0" err="1" smtClean="0">
+                <a:sym typeface="Symbol" panose="05050102010706020507" pitchFamily="18" charset="2"/>
+              </a:rPr>
+              <a:t>Howland</a:t>
+            </a:r>
+            <a:endParaRPr lang="es-PA" dirty="0" smtClean="0">
+              <a:sym typeface="Symbol" panose="05050102010706020507" pitchFamily="18" charset="2"/>
+            </a:endParaRPr>
+          </a:p>
+          <a:p>
+            <a:r>
+              <a:rPr lang="es-PA" dirty="0" smtClean="0">
+                <a:sym typeface="Symbol" panose="05050102010706020507" pitchFamily="18" charset="2"/>
+              </a:rPr>
+              <a:t>El de la derecha es el equivalente de Norton</a:t>
+            </a:r>
+          </a:p>
+          <a:p>
+            <a:r>
+              <a:rPr lang="es-PA" dirty="0" smtClean="0">
+                <a:sym typeface="Symbol" panose="05050102010706020507" pitchFamily="18" charset="2"/>
+              </a:rPr>
+              <a:t>Se puede utilizar este equivalente para controlar la resistencia</a:t>
+            </a:r>
+          </a:p>
+          <a:p>
+            <a:r>
+              <a:rPr lang="es-PA" dirty="0" smtClean="0">
+                <a:sym typeface="Symbol" panose="05050102010706020507" pitchFamily="18" charset="2"/>
+              </a:rPr>
+              <a:t>De salida</a:t>
+            </a:r>
+          </a:p>
+        </p:txBody>
+      </p:sp>
+      <p:pic>
+        <p:nvPicPr>
+          <p:cNvPr id="5" name="Imagen 4"/>
+          <p:cNvPicPr>
+            <a:picLocks noChangeAspect="1"/>
+          </p:cNvPicPr>
+          <p:nvPr/>
+        </p:nvPicPr>
+        <p:blipFill>
+          <a:blip r:embed="rId2"/>
+          <a:stretch>
+            <a:fillRect/>
+          </a:stretch>
+        </p:blipFill>
+        <p:spPr>
+          <a:xfrm>
+            <a:off x="8762534" y="1284274"/>
+            <a:ext cx="2948381" cy="2194906"/>
+          </a:xfrm>
+          <a:prstGeom prst="rect">
+            <a:avLst/>
+          </a:prstGeom>
+        </p:spPr>
+      </p:pic>
+      <p:pic>
+        <p:nvPicPr>
+          <p:cNvPr id="6" name="Imagen 5"/>
+          <p:cNvPicPr>
+            <a:picLocks noChangeAspect="1"/>
+          </p:cNvPicPr>
+          <p:nvPr/>
+        </p:nvPicPr>
+        <p:blipFill>
+          <a:blip r:embed="rId3"/>
+          <a:stretch>
+            <a:fillRect/>
+          </a:stretch>
+        </p:blipFill>
+        <p:spPr>
+          <a:xfrm>
+            <a:off x="4373181" y="2381727"/>
+            <a:ext cx="4389353" cy="651405"/>
+          </a:xfrm>
+          <a:prstGeom prst="rect">
+            <a:avLst/>
+          </a:prstGeom>
+        </p:spPr>
+      </p:pic>
+      <p:pic>
+        <p:nvPicPr>
+          <p:cNvPr id="7" name="Imagen 6"/>
+          <p:cNvPicPr>
+            <a:picLocks noChangeAspect="1"/>
+          </p:cNvPicPr>
+          <p:nvPr/>
+        </p:nvPicPr>
+        <p:blipFill>
+          <a:blip r:embed="rId4"/>
+          <a:stretch>
+            <a:fillRect/>
+          </a:stretch>
+        </p:blipFill>
+        <p:spPr>
+          <a:xfrm>
+            <a:off x="8524980" y="4056726"/>
+            <a:ext cx="3423488" cy="2011855"/>
+          </a:xfrm>
+          <a:prstGeom prst="rect">
+            <a:avLst/>
+          </a:prstGeom>
+        </p:spPr>
+      </p:pic>
+      <p:pic>
+        <p:nvPicPr>
+          <p:cNvPr id="8" name="Imagen 7"/>
+          <p:cNvPicPr>
+            <a:picLocks noChangeAspect="1"/>
+          </p:cNvPicPr>
+          <p:nvPr/>
+        </p:nvPicPr>
+        <p:blipFill>
+          <a:blip r:embed="rId5"/>
+          <a:stretch>
+            <a:fillRect/>
+          </a:stretch>
+        </p:blipFill>
+        <p:spPr>
+          <a:xfrm>
+            <a:off x="1755000" y="5360310"/>
+            <a:ext cx="3959890" cy="1381357"/>
+          </a:xfrm>
+          <a:prstGeom prst="rect">
+            <a:avLst/>
+          </a:prstGeom>
+        </p:spPr>
+      </p:pic>
+      <p:pic>
+        <p:nvPicPr>
+          <p:cNvPr id="9" name="Imagen 8"/>
+          <p:cNvPicPr>
+            <a:picLocks noChangeAspect="1"/>
+          </p:cNvPicPr>
+          <p:nvPr/>
+        </p:nvPicPr>
+        <p:blipFill>
+          <a:blip r:embed="rId6"/>
+          <a:stretch>
+            <a:fillRect/>
+          </a:stretch>
+        </p:blipFill>
+        <p:spPr>
+          <a:xfrm>
+            <a:off x="5714890" y="5455849"/>
+            <a:ext cx="1826938" cy="595139"/>
+          </a:xfrm>
+          <a:prstGeom prst="rect">
+            <a:avLst/>
+          </a:prstGeom>
+        </p:spPr>
+      </p:pic>
+      <p:pic>
+        <p:nvPicPr>
+          <p:cNvPr id="10" name="Imagen 9"/>
+          <p:cNvPicPr>
+            <a:picLocks noChangeAspect="1"/>
+          </p:cNvPicPr>
+          <p:nvPr/>
+        </p:nvPicPr>
+        <p:blipFill>
+          <a:blip r:embed="rId7"/>
+          <a:stretch>
+            <a:fillRect/>
+          </a:stretch>
+        </p:blipFill>
+        <p:spPr>
+          <a:xfrm>
+            <a:off x="5714890" y="6028276"/>
+            <a:ext cx="949381" cy="617851"/>
+          </a:xfrm>
+          <a:prstGeom prst="rect">
+            <a:avLst/>
+          </a:prstGeom>
+        </p:spPr>
+      </p:pic>
+      <p:pic>
+        <p:nvPicPr>
+          <p:cNvPr id="11" name="Imagen 10"/>
+          <p:cNvPicPr>
+            <a:picLocks noChangeAspect="1"/>
+          </p:cNvPicPr>
+          <p:nvPr/>
+        </p:nvPicPr>
+        <p:blipFill>
+          <a:blip r:embed="rId8"/>
+          <a:stretch>
+            <a:fillRect/>
+          </a:stretch>
+        </p:blipFill>
+        <p:spPr>
+          <a:xfrm>
+            <a:off x="6664271" y="6028275"/>
+            <a:ext cx="1026615" cy="595139"/>
+          </a:xfrm>
+          <a:prstGeom prst="rect">
+            <a:avLst/>
+          </a:prstGeom>
+        </p:spPr>
+      </p:pic>
+      <p:pic>
+        <p:nvPicPr>
+          <p:cNvPr id="12" name="Imagen 11"/>
+          <p:cNvPicPr>
+            <a:picLocks noChangeAspect="1"/>
+          </p:cNvPicPr>
+          <p:nvPr/>
+        </p:nvPicPr>
+        <p:blipFill>
+          <a:blip r:embed="rId9"/>
+          <a:stretch>
+            <a:fillRect/>
+          </a:stretch>
+        </p:blipFill>
+        <p:spPr>
+          <a:xfrm>
+            <a:off x="7678554" y="6008096"/>
+            <a:ext cx="1525473" cy="615317"/>
+          </a:xfrm>
+          <a:prstGeom prst="rect">
+            <a:avLst/>
+          </a:prstGeom>
+        </p:spPr>
+      </p:pic>
+    </p:spTree>
+    <p:extLst>
+      <p:ext uri="{BB962C8B-B14F-4D97-AF65-F5344CB8AC3E}">
+        <p14:creationId xmlns:p14="http://schemas.microsoft.com/office/powerpoint/2010/main" val="2239688751"/>
+      </p:ext>
+    </p:extLst>
+  </p:cSld>
+  <p:clrMapOvr>
+    <a:masterClrMapping/>
+  </p:clrMapOvr>
+  <p:timing>
+    <p:tnLst>
+      <p:par>
+        <p:cTn id="1" dur="indefinite" restart="never" nodeType="tmRoot"/>
+      </p:par>
+    </p:tnLst>
+  </p:timing>
+</p:sld>
+</file>
+
+<file path=ppt/slides/slide166.xml><?xml version="1.0" encoding="utf-8"?>
+<p:sld xmlns:a="http://schemas.openxmlformats.org/drawingml/2006/main" xmlns:r="http://schemas.openxmlformats.org/officeDocument/2006/relationships" xmlns:p="http://schemas.openxmlformats.org/presentationml/2006/main">
+  <p:cSld>
+    <p:spTree>
+      <p:nvGrpSpPr>
+        <p:cNvPr id="1" name=""/>
+        <p:cNvGrpSpPr/>
+        <p:nvPr/>
+      </p:nvGrpSpPr>
+      <p:grpSpPr>
+        <a:xfrm>
+          <a:off x="0" y="0"/>
+          <a:ext cx="0" cy="0"/>
+          <a:chOff x="0" y="0"/>
+          <a:chExt cx="0" cy="0"/>
+        </a:xfrm>
+      </p:grpSpPr>
+      <p:sp>
+        <p:nvSpPr>
+          <p:cNvPr id="2" name="Título 1"/>
+          <p:cNvSpPr>
+            <a:spLocks noGrp="1"/>
+          </p:cNvSpPr>
+          <p:nvPr>
+            <p:ph type="title"/>
+          </p:nvPr>
+        </p:nvSpPr>
+        <p:spPr>
+          <a:xfrm>
+            <a:off x="167425" y="360607"/>
+            <a:ext cx="11925837" cy="1178261"/>
+          </a:xfrm>
+        </p:spPr>
+        <p:txBody>
+          <a:bodyPr/>
+          <a:lstStyle/>
+          <a:p>
+            <a:r>
+              <a:rPr lang="es-PA" sz="3500" dirty="0" smtClean="0"/>
+              <a:t>Amplificadores Convertidores </a:t>
+            </a:r>
+            <a:r>
+              <a:rPr lang="es-PA" sz="3500" dirty="0" smtClean="0"/>
+              <a:t>– De Voltaje a Corriente</a:t>
+            </a:r>
+            <a:endParaRPr lang="es-PA" sz="3500" dirty="0"/>
+          </a:p>
+        </p:txBody>
+      </p:sp>
+      <p:sp>
+        <p:nvSpPr>
+          <p:cNvPr id="3" name="Marcador de contenido 2"/>
+          <p:cNvSpPr>
+            <a:spLocks noGrp="1"/>
+          </p:cNvSpPr>
+          <p:nvPr>
+            <p:ph idx="1"/>
+          </p:nvPr>
+        </p:nvSpPr>
+        <p:spPr>
+          <a:xfrm>
+            <a:off x="167423" y="1538868"/>
+            <a:ext cx="11925836" cy="5107258"/>
+          </a:xfrm>
+        </p:spPr>
+        <p:txBody>
+          <a:bodyPr>
+            <a:normAutofit/>
+          </a:bodyPr>
+          <a:lstStyle/>
+          <a:p>
+            <a:r>
+              <a:rPr lang="es-PA" dirty="0" smtClean="0">
+                <a:sym typeface="Symbol" panose="05050102010706020507" pitchFamily="18" charset="2"/>
+              </a:rPr>
+              <a:t>El amplificador de </a:t>
+            </a:r>
+            <a:r>
+              <a:rPr lang="es-PA" dirty="0" err="1" smtClean="0">
+                <a:sym typeface="Symbol" panose="05050102010706020507" pitchFamily="18" charset="2"/>
+              </a:rPr>
+              <a:t>Howland</a:t>
+            </a:r>
+            <a:r>
+              <a:rPr lang="es-PA" dirty="0" smtClean="0">
+                <a:sym typeface="Symbol" panose="05050102010706020507" pitchFamily="18" charset="2"/>
+              </a:rPr>
+              <a:t> usa vi = 2V y una corriente de 1mA.  </a:t>
+            </a:r>
+            <a:r>
+              <a:rPr lang="es-PA" dirty="0" err="1" smtClean="0">
+                <a:sym typeface="Symbol" panose="05050102010706020507" pitchFamily="18" charset="2"/>
+              </a:rPr>
+              <a:t>Asumiento</a:t>
+            </a:r>
+            <a:r>
+              <a:rPr lang="es-PA" dirty="0" smtClean="0">
+                <a:sym typeface="Symbol" panose="05050102010706020507" pitchFamily="18" charset="2"/>
+              </a:rPr>
+              <a:t> el </a:t>
+            </a:r>
+            <a:r>
+              <a:rPr lang="es-PA" dirty="0" err="1" smtClean="0">
+                <a:sym typeface="Symbol" panose="05050102010706020507" pitchFamily="18" charset="2"/>
+              </a:rPr>
+              <a:t>op</a:t>
+            </a:r>
+            <a:r>
+              <a:rPr lang="es-PA" dirty="0" smtClean="0">
+                <a:sym typeface="Symbol" panose="05050102010706020507" pitchFamily="18" charset="2"/>
+              </a:rPr>
+              <a:t> </a:t>
+            </a:r>
+            <a:r>
+              <a:rPr lang="es-PA" dirty="0" err="1" smtClean="0">
+                <a:sym typeface="Symbol" panose="05050102010706020507" pitchFamily="18" charset="2"/>
+              </a:rPr>
+              <a:t>amp</a:t>
+            </a:r>
+            <a:r>
+              <a:rPr lang="es-PA" dirty="0" smtClean="0">
+                <a:sym typeface="Symbol" panose="05050102010706020507" pitchFamily="18" charset="2"/>
+              </a:rPr>
+              <a:t> </a:t>
+            </a:r>
+            <a:r>
+              <a:rPr lang="es-PA" dirty="0" err="1" smtClean="0">
+                <a:sym typeface="Symbol" panose="05050102010706020507" pitchFamily="18" charset="2"/>
+              </a:rPr>
+              <a:t>Vsat</a:t>
+            </a:r>
+            <a:r>
+              <a:rPr lang="es-PA" dirty="0" smtClean="0">
+                <a:sym typeface="Symbol" panose="05050102010706020507" pitchFamily="18" charset="2"/>
+              </a:rPr>
+              <a:t> = 9V (rail-to-rail) preparar las tablas para </a:t>
+            </a:r>
+            <a:r>
+              <a:rPr lang="es-PA" dirty="0" err="1" smtClean="0">
+                <a:sym typeface="Symbol" panose="05050102010706020507" pitchFamily="18" charset="2"/>
+              </a:rPr>
+              <a:t>Vl</a:t>
+            </a:r>
+            <a:r>
+              <a:rPr lang="es-PA" dirty="0" smtClean="0">
+                <a:sym typeface="Symbol" panose="05050102010706020507" pitchFamily="18" charset="2"/>
+              </a:rPr>
+              <a:t> = 0, 1, 2, 3, 4, 5, -2, -4 y -6V</a:t>
+            </a:r>
+          </a:p>
+          <a:p>
+            <a:r>
+              <a:rPr lang="es-PA" dirty="0" smtClean="0">
+                <a:sym typeface="Symbol" panose="05050102010706020507" pitchFamily="18" charset="2"/>
+              </a:rPr>
+              <a:t>Tenemos que: -9V &lt;= </a:t>
+            </a:r>
+            <a:r>
+              <a:rPr lang="es-PA" dirty="0" err="1" smtClean="0">
+                <a:sym typeface="Symbol" panose="05050102010706020507" pitchFamily="18" charset="2"/>
+              </a:rPr>
+              <a:t>voa</a:t>
+            </a:r>
+            <a:r>
+              <a:rPr lang="es-PA" dirty="0" smtClean="0">
+                <a:sym typeface="Symbol" panose="05050102010706020507" pitchFamily="18" charset="2"/>
+              </a:rPr>
+              <a:t> &lt;= 9V. </a:t>
+            </a:r>
+          </a:p>
+          <a:p>
+            <a:r>
+              <a:rPr lang="es-PA" dirty="0" smtClean="0">
+                <a:sym typeface="Symbol" panose="05050102010706020507" pitchFamily="18" charset="2"/>
+              </a:rPr>
+              <a:t>Como es rail to rail </a:t>
+            </a:r>
+            <a:r>
+              <a:rPr lang="es-PA" dirty="0" err="1" smtClean="0">
+                <a:sym typeface="Symbol" panose="05050102010706020507" pitchFamily="18" charset="2"/>
+              </a:rPr>
+              <a:t>voa</a:t>
+            </a:r>
+            <a:r>
+              <a:rPr lang="es-PA" dirty="0" smtClean="0">
+                <a:sym typeface="Symbol" panose="05050102010706020507" pitchFamily="18" charset="2"/>
+              </a:rPr>
+              <a:t> = 2vl (región lineal)</a:t>
+            </a:r>
+          </a:p>
+          <a:p>
+            <a:r>
+              <a:rPr lang="es-PA" dirty="0" smtClean="0">
+                <a:sym typeface="Symbol" panose="05050102010706020507" pitchFamily="18" charset="2"/>
+              </a:rPr>
+              <a:t>-4.5v &lt;= </a:t>
+            </a:r>
+            <a:r>
+              <a:rPr lang="es-PA" dirty="0" err="1" smtClean="0">
+                <a:sym typeface="Symbol" panose="05050102010706020507" pitchFamily="18" charset="2"/>
+              </a:rPr>
+              <a:t>Vl</a:t>
+            </a:r>
+            <a:r>
+              <a:rPr lang="es-PA" dirty="0" smtClean="0">
+                <a:sym typeface="Symbol" panose="05050102010706020507" pitchFamily="18" charset="2"/>
+              </a:rPr>
+              <a:t> &lt;= 4.5v</a:t>
+            </a:r>
+          </a:p>
+          <a:p>
+            <a:r>
+              <a:rPr lang="es-PA" dirty="0" smtClean="0">
+                <a:sym typeface="Symbol" panose="05050102010706020507" pitchFamily="18" charset="2"/>
+              </a:rPr>
+              <a:t>I1 = (</a:t>
+            </a:r>
+            <a:r>
+              <a:rPr lang="es-PA" dirty="0" err="1" smtClean="0">
+                <a:sym typeface="Symbol" panose="05050102010706020507" pitchFamily="18" charset="2"/>
+              </a:rPr>
+              <a:t>Vref</a:t>
+            </a:r>
+            <a:r>
+              <a:rPr lang="es-PA" dirty="0" smtClean="0">
+                <a:sym typeface="Symbol" panose="05050102010706020507" pitchFamily="18" charset="2"/>
+              </a:rPr>
+              <a:t> – </a:t>
+            </a:r>
+            <a:r>
+              <a:rPr lang="es-PA" dirty="0" err="1" smtClean="0">
+                <a:sym typeface="Symbol" panose="05050102010706020507" pitchFamily="18" charset="2"/>
+              </a:rPr>
+              <a:t>vl</a:t>
+            </a:r>
+            <a:r>
+              <a:rPr lang="es-PA" dirty="0" smtClean="0">
+                <a:sym typeface="Symbol" panose="05050102010706020507" pitchFamily="18" charset="2"/>
+              </a:rPr>
+              <a:t>) / R1</a:t>
+            </a:r>
+          </a:p>
+          <a:p>
+            <a:r>
+              <a:rPr lang="es-PA" dirty="0" smtClean="0">
+                <a:sym typeface="Symbol" panose="05050102010706020507" pitchFamily="18" charset="2"/>
+              </a:rPr>
+              <a:t>I2 = (</a:t>
+            </a:r>
+            <a:r>
+              <a:rPr lang="es-PA" dirty="0" err="1" smtClean="0">
+                <a:sym typeface="Symbol" panose="05050102010706020507" pitchFamily="18" charset="2"/>
+              </a:rPr>
+              <a:t>voa</a:t>
+            </a:r>
+            <a:r>
+              <a:rPr lang="es-PA" dirty="0" smtClean="0">
+                <a:sym typeface="Symbol" panose="05050102010706020507" pitchFamily="18" charset="2"/>
+              </a:rPr>
+              <a:t> – </a:t>
+            </a:r>
+            <a:r>
+              <a:rPr lang="es-PA" dirty="0" err="1" smtClean="0">
+                <a:sym typeface="Symbol" panose="05050102010706020507" pitchFamily="18" charset="2"/>
+              </a:rPr>
+              <a:t>vl</a:t>
+            </a:r>
+            <a:r>
+              <a:rPr lang="es-PA" dirty="0" smtClean="0">
+                <a:sym typeface="Symbol" panose="05050102010706020507" pitchFamily="18" charset="2"/>
+              </a:rPr>
+              <a:t>)/R2 = (2vl – </a:t>
+            </a:r>
+            <a:r>
+              <a:rPr lang="es-PA" dirty="0" err="1" smtClean="0">
+                <a:sym typeface="Symbol" panose="05050102010706020507" pitchFamily="18" charset="2"/>
+              </a:rPr>
+              <a:t>vl</a:t>
+            </a:r>
+            <a:r>
+              <a:rPr lang="es-PA" dirty="0" smtClean="0">
+                <a:sym typeface="Symbol" panose="05050102010706020507" pitchFamily="18" charset="2"/>
+              </a:rPr>
+              <a:t>)/R2 = </a:t>
+            </a:r>
+            <a:r>
+              <a:rPr lang="es-PA" dirty="0" err="1" smtClean="0">
+                <a:sym typeface="Symbol" panose="05050102010706020507" pitchFamily="18" charset="2"/>
+              </a:rPr>
+              <a:t>vl</a:t>
+            </a:r>
+            <a:r>
+              <a:rPr lang="es-PA" dirty="0" smtClean="0">
+                <a:sym typeface="Symbol" panose="05050102010706020507" pitchFamily="18" charset="2"/>
+              </a:rPr>
+              <a:t>/R2</a:t>
+            </a:r>
+          </a:p>
+          <a:p>
+            <a:r>
+              <a:rPr lang="es-PA" dirty="0" smtClean="0">
+                <a:sym typeface="Symbol" panose="05050102010706020507" pitchFamily="18" charset="2"/>
+              </a:rPr>
+              <a:t>Note que </a:t>
+            </a:r>
+            <a:r>
+              <a:rPr lang="es-PA" dirty="0" err="1" smtClean="0">
+                <a:sym typeface="Symbol" panose="05050102010706020507" pitchFamily="18" charset="2"/>
+              </a:rPr>
+              <a:t>io</a:t>
+            </a:r>
+            <a:r>
+              <a:rPr lang="es-PA" dirty="0" smtClean="0">
+                <a:sym typeface="Symbol" panose="05050102010706020507" pitchFamily="18" charset="2"/>
+              </a:rPr>
+              <a:t> = 1mA a pesar de </a:t>
+            </a:r>
+            <a:r>
+              <a:rPr lang="es-PA" dirty="0" err="1" smtClean="0">
+                <a:sym typeface="Symbol" panose="05050102010706020507" pitchFamily="18" charset="2"/>
+              </a:rPr>
+              <a:t>Vl</a:t>
+            </a:r>
+            <a:r>
+              <a:rPr lang="es-PA" dirty="0" smtClean="0">
+                <a:sym typeface="Symbol" panose="05050102010706020507" pitchFamily="18" charset="2"/>
+              </a:rPr>
+              <a:t> (pos)</a:t>
+            </a:r>
+          </a:p>
+          <a:p>
+            <a:r>
+              <a:rPr lang="es-PA" dirty="0" smtClean="0">
+                <a:sym typeface="Symbol" panose="05050102010706020507" pitchFamily="18" charset="2"/>
+              </a:rPr>
+              <a:t>Cuando se satura (</a:t>
+            </a:r>
+            <a:r>
+              <a:rPr lang="es-PA" dirty="0" err="1" smtClean="0">
+                <a:sym typeface="Symbol" panose="05050102010706020507" pitchFamily="18" charset="2"/>
+              </a:rPr>
+              <a:t>Vl</a:t>
+            </a:r>
+            <a:r>
+              <a:rPr lang="es-PA" dirty="0" smtClean="0">
+                <a:sym typeface="Symbol" panose="05050102010706020507" pitchFamily="18" charset="2"/>
+              </a:rPr>
+              <a:t> &gt; 4.5) </a:t>
+            </a:r>
+            <a:r>
+              <a:rPr lang="es-PA" dirty="0" err="1" smtClean="0">
+                <a:sym typeface="Symbol" panose="05050102010706020507" pitchFamily="18" charset="2"/>
+              </a:rPr>
+              <a:t>io</a:t>
+            </a:r>
+            <a:r>
+              <a:rPr lang="es-PA" dirty="0" smtClean="0">
+                <a:sym typeface="Symbol" panose="05050102010706020507" pitchFamily="18" charset="2"/>
+              </a:rPr>
+              <a:t> = 0.5mA</a:t>
+            </a:r>
+          </a:p>
+          <a:p>
+            <a:r>
+              <a:rPr lang="es-PA" dirty="0" smtClean="0">
+                <a:sym typeface="Symbol" panose="05050102010706020507" pitchFamily="18" charset="2"/>
+              </a:rPr>
+              <a:t>Igual sufre de saturación en el lado </a:t>
+            </a:r>
+            <a:r>
+              <a:rPr lang="es-PA" dirty="0" err="1" smtClean="0">
+                <a:sym typeface="Symbol" panose="05050102010706020507" pitchFamily="18" charset="2"/>
+              </a:rPr>
+              <a:t>neg</a:t>
+            </a:r>
+            <a:r>
+              <a:rPr lang="es-PA" dirty="0" smtClean="0">
+                <a:sym typeface="Symbol" panose="05050102010706020507" pitchFamily="18" charset="2"/>
+              </a:rPr>
+              <a:t>.</a:t>
+            </a:r>
+          </a:p>
+        </p:txBody>
+      </p:sp>
+      <p:pic>
+        <p:nvPicPr>
+          <p:cNvPr id="4" name="Imagen 3"/>
+          <p:cNvPicPr>
+            <a:picLocks noChangeAspect="1"/>
+          </p:cNvPicPr>
+          <p:nvPr/>
+        </p:nvPicPr>
+        <p:blipFill>
+          <a:blip r:embed="rId2"/>
+          <a:stretch>
+            <a:fillRect/>
+          </a:stretch>
+        </p:blipFill>
+        <p:spPr>
+          <a:xfrm>
+            <a:off x="9448351" y="2069479"/>
+            <a:ext cx="2644908" cy="2859359"/>
+          </a:xfrm>
+          <a:prstGeom prst="rect">
+            <a:avLst/>
+          </a:prstGeom>
+        </p:spPr>
+      </p:pic>
+      <p:pic>
+        <p:nvPicPr>
+          <p:cNvPr id="13" name="Imagen 12"/>
+          <p:cNvPicPr>
+            <a:picLocks noChangeAspect="1"/>
+          </p:cNvPicPr>
+          <p:nvPr/>
+        </p:nvPicPr>
+        <p:blipFill>
+          <a:blip r:embed="rId3"/>
+          <a:stretch>
+            <a:fillRect/>
+          </a:stretch>
+        </p:blipFill>
+        <p:spPr>
+          <a:xfrm>
+            <a:off x="5813388" y="2227920"/>
+            <a:ext cx="3634960" cy="3704529"/>
+          </a:xfrm>
+          <a:prstGeom prst="rect">
+            <a:avLst/>
+          </a:prstGeom>
+        </p:spPr>
+      </p:pic>
+      <p:pic>
+        <p:nvPicPr>
+          <p:cNvPr id="14" name="Imagen 13"/>
+          <p:cNvPicPr>
+            <a:picLocks noChangeAspect="1"/>
+          </p:cNvPicPr>
+          <p:nvPr/>
+        </p:nvPicPr>
+        <p:blipFill>
+          <a:blip r:embed="rId4"/>
+          <a:stretch>
+            <a:fillRect/>
+          </a:stretch>
+        </p:blipFill>
+        <p:spPr>
+          <a:xfrm>
+            <a:off x="593453" y="5716277"/>
+            <a:ext cx="3320889" cy="929849"/>
+          </a:xfrm>
+          <a:prstGeom prst="rect">
+            <a:avLst/>
+          </a:prstGeom>
+        </p:spPr>
+      </p:pic>
+    </p:spTree>
+    <p:extLst>
+      <p:ext uri="{BB962C8B-B14F-4D97-AF65-F5344CB8AC3E}">
+        <p14:creationId xmlns:p14="http://schemas.microsoft.com/office/powerpoint/2010/main" val="465342516"/>
+      </p:ext>
+    </p:extLst>
+  </p:cSld>
+  <p:clrMapOvr>
+    <a:masterClrMapping/>
+  </p:clrMapOvr>
+  <p:timing>
+    <p:tnLst>
+      <p:par>
+        <p:cTn id="1" dur="indefinite" restart="never" nodeType="tmRoot"/>
+      </p:par>
+    </p:tnLst>
+  </p:timing>
+</p:sld>
+</file>
+
+<file path=ppt/slides/slide167.xml><?xml version="1.0" encoding="utf-8"?>
+<p:sld xmlns:a="http://schemas.openxmlformats.org/drawingml/2006/main" xmlns:r="http://schemas.openxmlformats.org/officeDocument/2006/relationships" xmlns:p="http://schemas.openxmlformats.org/presentationml/2006/main">
+  <p:cSld>
+    <p:spTree>
+      <p:nvGrpSpPr>
+        <p:cNvPr id="1" name=""/>
+        <p:cNvGrpSpPr/>
+        <p:nvPr/>
+      </p:nvGrpSpPr>
+      <p:grpSpPr>
+        <a:xfrm>
+          <a:off x="0" y="0"/>
+          <a:ext cx="0" cy="0"/>
+          <a:chOff x="0" y="0"/>
+          <a:chExt cx="0" cy="0"/>
+        </a:xfrm>
+      </p:grpSpPr>
+      <p:sp>
+        <p:nvSpPr>
+          <p:cNvPr id="2" name="Título 1"/>
+          <p:cNvSpPr>
+            <a:spLocks noGrp="1"/>
+          </p:cNvSpPr>
+          <p:nvPr>
+            <p:ph type="title"/>
+          </p:nvPr>
+        </p:nvSpPr>
+        <p:spPr>
+          <a:xfrm>
+            <a:off x="167425" y="360607"/>
+            <a:ext cx="11925837" cy="1178261"/>
+          </a:xfrm>
+        </p:spPr>
+        <p:txBody>
+          <a:bodyPr/>
+          <a:lstStyle/>
+          <a:p>
+            <a:r>
+              <a:rPr lang="es-PA" sz="3500" dirty="0" smtClean="0"/>
+              <a:t>Amplificadores Convertidores </a:t>
+            </a:r>
+            <a:r>
+              <a:rPr lang="es-PA" sz="3500" dirty="0" smtClean="0"/>
+              <a:t>– De Voltaje a Corriente</a:t>
+            </a:r>
+            <a:endParaRPr lang="es-PA" sz="3500" dirty="0"/>
+          </a:p>
+        </p:txBody>
+      </p:sp>
+      <p:sp>
+        <p:nvSpPr>
+          <p:cNvPr id="3" name="Marcador de contenido 2"/>
+          <p:cNvSpPr>
+            <a:spLocks noGrp="1"/>
+          </p:cNvSpPr>
+          <p:nvPr>
+            <p:ph idx="1"/>
+          </p:nvPr>
+        </p:nvSpPr>
+        <p:spPr>
+          <a:xfrm>
+            <a:off x="167423" y="1538868"/>
+            <a:ext cx="11925836" cy="5107258"/>
+          </a:xfrm>
+        </p:spPr>
+        <p:txBody>
+          <a:bodyPr>
+            <a:normAutofit fontScale="92500" lnSpcReduction="20000"/>
+          </a:bodyPr>
+          <a:lstStyle/>
+          <a:p>
+            <a:r>
+              <a:rPr lang="es-PA" dirty="0" smtClean="0">
+                <a:sym typeface="Symbol" panose="05050102010706020507" pitchFamily="18" charset="2"/>
+              </a:rPr>
+              <a:t>Efectos de </a:t>
+            </a:r>
+            <a:r>
+              <a:rPr lang="es-PA" dirty="0" err="1" smtClean="0">
+                <a:sym typeface="Symbol" panose="05050102010706020507" pitchFamily="18" charset="2"/>
+              </a:rPr>
+              <a:t>descordinaciones</a:t>
+            </a:r>
+            <a:r>
+              <a:rPr lang="es-PA" dirty="0" smtClean="0">
+                <a:sym typeface="Symbol" panose="05050102010706020507" pitchFamily="18" charset="2"/>
+              </a:rPr>
+              <a:t> de resistencia</a:t>
+            </a:r>
+          </a:p>
+          <a:p>
+            <a:r>
+              <a:rPr lang="es-PA" dirty="0" smtClean="0">
+                <a:sym typeface="Symbol" panose="05050102010706020507" pitchFamily="18" charset="2"/>
+              </a:rPr>
+              <a:t>En ejemplos prácticos la resistencia es desbalanceada</a:t>
+            </a:r>
+          </a:p>
+          <a:p>
+            <a:r>
+              <a:rPr lang="es-PA" dirty="0" smtClean="0">
+                <a:sym typeface="Symbol" panose="05050102010706020507" pitchFamily="18" charset="2"/>
+              </a:rPr>
+              <a:t>Degrada Ro a tal punto de que</a:t>
+            </a:r>
+          </a:p>
+          <a:p>
+            <a:r>
+              <a:rPr lang="es-PA" dirty="0" smtClean="0">
+                <a:sym typeface="Symbol" panose="05050102010706020507" pitchFamily="18" charset="2"/>
+              </a:rPr>
+              <a:t>El balance perfecto es e = 0 Ro = </a:t>
+            </a:r>
+            <a:r>
+              <a:rPr lang="es-PA" dirty="0" err="1" smtClean="0">
+                <a:sym typeface="Symbol" panose="05050102010706020507" pitchFamily="18" charset="2"/>
+              </a:rPr>
+              <a:t>inf</a:t>
+            </a:r>
+            <a:endParaRPr lang="es-PA" dirty="0" smtClean="0">
+              <a:sym typeface="Symbol" panose="05050102010706020507" pitchFamily="18" charset="2"/>
+            </a:endParaRPr>
+          </a:p>
+          <a:p>
+            <a:r>
+              <a:rPr lang="es-PA" dirty="0" smtClean="0">
+                <a:sym typeface="Symbol" panose="05050102010706020507" pitchFamily="18" charset="2"/>
+              </a:rPr>
+              <a:t>Ejemplo:  </a:t>
+            </a:r>
+          </a:p>
+          <a:p>
+            <a:r>
+              <a:rPr lang="es-PA" dirty="0" smtClean="0">
+                <a:sym typeface="Symbol" panose="05050102010706020507" pitchFamily="18" charset="2"/>
+              </a:rPr>
+              <a:t>Qué sucedería si utilizamos resistores de 1% en el circuito </a:t>
+            </a:r>
+          </a:p>
+          <a:p>
+            <a:r>
+              <a:rPr lang="es-PA" dirty="0" smtClean="0">
+                <a:sym typeface="Symbol" panose="05050102010706020507" pitchFamily="18" charset="2"/>
+              </a:rPr>
+              <a:t>Lo mismo pero para resistores de 0.1%</a:t>
+            </a:r>
+          </a:p>
+          <a:p>
+            <a:r>
+              <a:rPr lang="es-PA" dirty="0" smtClean="0">
+                <a:sym typeface="Symbol" panose="05050102010706020507" pitchFamily="18" charset="2"/>
+              </a:rPr>
+              <a:t>Encuentre la tolerancia requerida para mantener Ro &gt;= 10Mohms</a:t>
+            </a:r>
+          </a:p>
+          <a:p>
+            <a:r>
+              <a:rPr lang="es-PA" dirty="0" smtClean="0">
+                <a:sym typeface="Symbol" panose="05050102010706020507" pitchFamily="18" charset="2"/>
+              </a:rPr>
+              <a:t>Bajo </a:t>
+            </a:r>
+            <a:r>
+              <a:rPr lang="es-PA" dirty="0" err="1" smtClean="0">
+                <a:sym typeface="Symbol" panose="05050102010706020507" pitchFamily="18" charset="2"/>
+              </a:rPr>
+              <a:t>lso</a:t>
+            </a:r>
+            <a:r>
+              <a:rPr lang="es-PA" dirty="0" smtClean="0">
+                <a:sym typeface="Symbol" panose="05050102010706020507" pitchFamily="18" charset="2"/>
+              </a:rPr>
+              <a:t> factores de tolerancia…</a:t>
+            </a:r>
+          </a:p>
+          <a:p>
+            <a:endParaRPr lang="es-PA" dirty="0">
+              <a:sym typeface="Symbol" panose="05050102010706020507" pitchFamily="18" charset="2"/>
+            </a:endParaRPr>
+          </a:p>
+          <a:p>
+            <a:r>
+              <a:rPr lang="es-PA" dirty="0" smtClean="0">
+                <a:sym typeface="Symbol" panose="05050102010706020507" pitchFamily="18" charset="2"/>
+              </a:rPr>
+              <a:t>A 1%, e = 4(1%) = 0.04, así que Ro = 2/0.4 = 50k</a:t>
+            </a:r>
+          </a:p>
+          <a:p>
+            <a:r>
+              <a:rPr lang="es-PA" dirty="0" smtClean="0">
+                <a:sym typeface="Symbol" panose="05050102010706020507" pitchFamily="18" charset="2"/>
+              </a:rPr>
+              <a:t>A 0.1%, Ro = 500k</a:t>
+            </a:r>
+          </a:p>
+          <a:p>
+            <a:r>
+              <a:rPr lang="es-PA" dirty="0" smtClean="0">
+                <a:sym typeface="Symbol" panose="05050102010706020507" pitchFamily="18" charset="2"/>
+              </a:rPr>
+              <a:t>Para el mismo valor de Ro = 500k, mejorarlo a 10M requiere un factor de 20 (10/.5), p = tol/k = 0.1/20 = 0.005% </a:t>
+            </a:r>
+          </a:p>
+        </p:txBody>
+      </p:sp>
+      <p:pic>
+        <p:nvPicPr>
+          <p:cNvPr id="5" name="Imagen 4"/>
+          <p:cNvPicPr>
+            <a:picLocks noChangeAspect="1"/>
+          </p:cNvPicPr>
+          <p:nvPr/>
+        </p:nvPicPr>
+        <p:blipFill>
+          <a:blip r:embed="rId2"/>
+          <a:stretch>
+            <a:fillRect/>
+          </a:stretch>
+        </p:blipFill>
+        <p:spPr>
+          <a:xfrm>
+            <a:off x="4649478" y="2345654"/>
+            <a:ext cx="1426639" cy="598268"/>
+          </a:xfrm>
+          <a:prstGeom prst="rect">
+            <a:avLst/>
+          </a:prstGeom>
+        </p:spPr>
+      </p:pic>
+      <p:pic>
+        <p:nvPicPr>
+          <p:cNvPr id="6" name="Imagen 5"/>
+          <p:cNvPicPr>
+            <a:picLocks noChangeAspect="1"/>
+          </p:cNvPicPr>
+          <p:nvPr/>
+        </p:nvPicPr>
+        <p:blipFill>
+          <a:blip r:embed="rId3"/>
+          <a:stretch>
+            <a:fillRect/>
+          </a:stretch>
+        </p:blipFill>
+        <p:spPr>
+          <a:xfrm>
+            <a:off x="6175180" y="2383754"/>
+            <a:ext cx="961600" cy="590456"/>
+          </a:xfrm>
+          <a:prstGeom prst="rect">
+            <a:avLst/>
+          </a:prstGeom>
+        </p:spPr>
+      </p:pic>
+      <p:pic>
+        <p:nvPicPr>
+          <p:cNvPr id="7" name="Imagen 6"/>
+          <p:cNvPicPr>
+            <a:picLocks noChangeAspect="1"/>
+          </p:cNvPicPr>
+          <p:nvPr/>
+        </p:nvPicPr>
+        <p:blipFill>
+          <a:blip r:embed="rId4"/>
+          <a:stretch>
+            <a:fillRect/>
+          </a:stretch>
+        </p:blipFill>
+        <p:spPr>
+          <a:xfrm>
+            <a:off x="4551219" y="4438823"/>
+            <a:ext cx="1937795" cy="551405"/>
+          </a:xfrm>
+          <a:prstGeom prst="rect">
+            <a:avLst/>
+          </a:prstGeom>
+        </p:spPr>
+      </p:pic>
+      <p:pic>
+        <p:nvPicPr>
+          <p:cNvPr id="8" name="Imagen 7"/>
+          <p:cNvPicPr>
+            <a:picLocks noChangeAspect="1"/>
+          </p:cNvPicPr>
+          <p:nvPr/>
+        </p:nvPicPr>
+        <p:blipFill>
+          <a:blip r:embed="rId5"/>
+          <a:stretch>
+            <a:fillRect/>
+          </a:stretch>
+        </p:blipFill>
+        <p:spPr>
+          <a:xfrm>
+            <a:off x="6489014" y="4501602"/>
+            <a:ext cx="4172926" cy="484497"/>
+          </a:xfrm>
+          <a:prstGeom prst="rect">
+            <a:avLst/>
+          </a:prstGeom>
+        </p:spPr>
+      </p:pic>
+      <p:pic>
+        <p:nvPicPr>
+          <p:cNvPr id="9" name="Imagen 8"/>
+          <p:cNvPicPr>
+            <a:picLocks noChangeAspect="1"/>
+          </p:cNvPicPr>
+          <p:nvPr/>
+        </p:nvPicPr>
+        <p:blipFill>
+          <a:blip r:embed="rId6"/>
+          <a:stretch>
+            <a:fillRect/>
+          </a:stretch>
+        </p:blipFill>
+        <p:spPr>
+          <a:xfrm>
+            <a:off x="10661940" y="4498319"/>
+            <a:ext cx="1126340" cy="518474"/>
+          </a:xfrm>
+          <a:prstGeom prst="rect">
+            <a:avLst/>
+          </a:prstGeom>
+        </p:spPr>
+      </p:pic>
+      <p:pic>
+        <p:nvPicPr>
+          <p:cNvPr id="10" name="Imagen 9"/>
+          <p:cNvPicPr>
+            <a:picLocks noChangeAspect="1"/>
+          </p:cNvPicPr>
+          <p:nvPr/>
+        </p:nvPicPr>
+        <p:blipFill>
+          <a:blip r:embed="rId7"/>
+          <a:stretch>
+            <a:fillRect/>
+          </a:stretch>
+        </p:blipFill>
+        <p:spPr>
+          <a:xfrm>
+            <a:off x="8839706" y="1391802"/>
+            <a:ext cx="2741594" cy="3104239"/>
+          </a:xfrm>
+          <a:prstGeom prst="rect">
+            <a:avLst/>
+          </a:prstGeom>
+        </p:spPr>
+      </p:pic>
+    </p:spTree>
+    <p:extLst>
+      <p:ext uri="{BB962C8B-B14F-4D97-AF65-F5344CB8AC3E}">
+        <p14:creationId xmlns:p14="http://schemas.microsoft.com/office/powerpoint/2010/main" val="2111925579"/>
+      </p:ext>
+    </p:extLst>
+  </p:cSld>
+  <p:clrMapOvr>
+    <a:masterClrMapping/>
+  </p:clrMapOvr>
+  <p:timing>
+    <p:tnLst>
+      <p:par>
+        <p:cTn id="1" dur="indefinite" restart="never" nodeType="tmRoot"/>
+      </p:par>
+    </p:tnLst>
+  </p:timing>
+</p:sld>
+</file>
+
+<file path=ppt/slides/slide168.xml><?xml version="1.0" encoding="utf-8"?>
+<p:sld xmlns:a="http://schemas.openxmlformats.org/drawingml/2006/main" xmlns:r="http://schemas.openxmlformats.org/officeDocument/2006/relationships" xmlns:p="http://schemas.openxmlformats.org/presentationml/2006/main">
+  <p:cSld>
+    <p:spTree>
+      <p:nvGrpSpPr>
+        <p:cNvPr id="1" name=""/>
+        <p:cNvGrpSpPr/>
+        <p:nvPr/>
+      </p:nvGrpSpPr>
+      <p:grpSpPr>
+        <a:xfrm>
+          <a:off x="0" y="0"/>
+          <a:ext cx="0" cy="0"/>
+          <a:chOff x="0" y="0"/>
+          <a:chExt cx="0" cy="0"/>
+        </a:xfrm>
+      </p:grpSpPr>
+      <p:sp>
+        <p:nvSpPr>
+          <p:cNvPr id="2" name="Título 1"/>
+          <p:cNvSpPr>
+            <a:spLocks noGrp="1"/>
+          </p:cNvSpPr>
+          <p:nvPr>
+            <p:ph type="title"/>
+          </p:nvPr>
+        </p:nvSpPr>
+        <p:spPr>
+          <a:xfrm>
+            <a:off x="167425" y="360607"/>
+            <a:ext cx="11925837" cy="1178261"/>
+          </a:xfrm>
+        </p:spPr>
+        <p:txBody>
+          <a:bodyPr/>
+          <a:lstStyle/>
+          <a:p>
+            <a:r>
+              <a:rPr lang="es-PA" sz="3500" dirty="0" smtClean="0"/>
+              <a:t>Amplificadores Convertidores </a:t>
+            </a:r>
+            <a:r>
+              <a:rPr lang="es-PA" sz="3500" dirty="0" smtClean="0"/>
+              <a:t>– De Voltaje a Corriente</a:t>
+            </a:r>
+            <a:endParaRPr lang="es-PA" sz="3500" dirty="0"/>
+          </a:p>
+        </p:txBody>
+      </p:sp>
+      <p:sp>
+        <p:nvSpPr>
+          <p:cNvPr id="3" name="Marcador de contenido 2"/>
+          <p:cNvSpPr>
+            <a:spLocks noGrp="1"/>
+          </p:cNvSpPr>
+          <p:nvPr>
+            <p:ph idx="1"/>
+          </p:nvPr>
+        </p:nvSpPr>
+        <p:spPr>
+          <a:xfrm>
+            <a:off x="167423" y="1538868"/>
+            <a:ext cx="11925836" cy="5107258"/>
+          </a:xfrm>
+        </p:spPr>
+        <p:txBody>
+          <a:bodyPr>
+            <a:normAutofit/>
+          </a:bodyPr>
+          <a:lstStyle/>
+          <a:p>
+            <a:r>
+              <a:rPr lang="es-PA" dirty="0" smtClean="0">
+                <a:sym typeface="Symbol" panose="05050102010706020507" pitchFamily="18" charset="2"/>
+              </a:rPr>
+              <a:t>Otra alternativa a la anterior es utilizar potenciómetros pero debe no hacerse debido a que son mecánicos, inestables a temperatura y ocupan gran tamaño.</a:t>
+            </a:r>
+          </a:p>
+          <a:p>
+            <a:r>
+              <a:rPr lang="es-PA" dirty="0" smtClean="0">
+                <a:sym typeface="Symbol" panose="05050102010706020507" pitchFamily="18" charset="2"/>
+              </a:rPr>
+              <a:t>Otra manera es</a:t>
+            </a:r>
+          </a:p>
+          <a:p>
+            <a:pPr lvl="1"/>
+            <a:r>
+              <a:rPr lang="es-PA" dirty="0" smtClean="0">
+                <a:sym typeface="Symbol" panose="05050102010706020507" pitchFamily="18" charset="2"/>
+              </a:rPr>
+              <a:t>Llevar a tierra la entrada</a:t>
+            </a:r>
+          </a:p>
+          <a:p>
+            <a:pPr lvl="1"/>
+            <a:r>
+              <a:rPr lang="es-PA" dirty="0" smtClean="0">
+                <a:sym typeface="Symbol" panose="05050102010706020507" pitchFamily="18" charset="2"/>
+              </a:rPr>
+              <a:t>Poner un medidor de corriente a la salida</a:t>
+            </a:r>
+          </a:p>
+          <a:p>
+            <a:pPr lvl="1"/>
+            <a:r>
+              <a:rPr lang="es-PA" dirty="0" smtClean="0">
+                <a:sym typeface="Symbol" panose="05050102010706020507" pitchFamily="18" charset="2"/>
+              </a:rPr>
+              <a:t>Llevar el amperímetro a 0</a:t>
+            </a:r>
+          </a:p>
+          <a:p>
+            <a:r>
+              <a:rPr lang="es-PA" dirty="0" smtClean="0">
+                <a:sym typeface="Symbol" panose="05050102010706020507" pitchFamily="18" charset="2"/>
+              </a:rPr>
+              <a:t>Ejemplo.  Especificar el resistor ajustable adicional del ejemplo anterior</a:t>
+            </a:r>
+          </a:p>
+          <a:p>
+            <a:r>
+              <a:rPr lang="es-PA" dirty="0" smtClean="0">
+                <a:sym typeface="Symbol" panose="05050102010706020507" pitchFamily="18" charset="2"/>
+              </a:rPr>
+              <a:t>Reemplazar R3 que permite balancear a 1% de resistencia</a:t>
+            </a:r>
+          </a:p>
+          <a:p>
+            <a:endParaRPr lang="es-PA" dirty="0" smtClean="0">
+              <a:sym typeface="Symbol" panose="05050102010706020507" pitchFamily="18" charset="2"/>
+            </a:endParaRPr>
+          </a:p>
+          <a:p>
+            <a:r>
+              <a:rPr lang="es-PA" dirty="0" smtClean="0">
+                <a:sym typeface="Symbol" panose="05050102010706020507" pitchFamily="18" charset="2"/>
+              </a:rPr>
+              <a:t>4pR1 = 4 * 1% * 2k = 80 </a:t>
+            </a:r>
+            <a:r>
+              <a:rPr lang="es-PA" dirty="0" err="1" smtClean="0">
+                <a:sym typeface="Symbol" panose="05050102010706020507" pitchFamily="18" charset="2"/>
+              </a:rPr>
+              <a:t>ohms</a:t>
+            </a:r>
+            <a:r>
+              <a:rPr lang="es-PA" dirty="0" smtClean="0">
+                <a:sym typeface="Symbol" panose="05050102010706020507" pitchFamily="18" charset="2"/>
+              </a:rPr>
+              <a:t> </a:t>
+            </a:r>
+          </a:p>
+          <a:p>
+            <a:r>
+              <a:rPr lang="es-PA" dirty="0" err="1" smtClean="0">
+                <a:sym typeface="Symbol" panose="05050102010706020507" pitchFamily="18" charset="2"/>
+              </a:rPr>
+              <a:t>Rs</a:t>
+            </a:r>
+            <a:r>
+              <a:rPr lang="es-PA" dirty="0" smtClean="0">
+                <a:sym typeface="Symbol" panose="05050102010706020507" pitchFamily="18" charset="2"/>
+              </a:rPr>
+              <a:t> = (R1 – r) = (2k – 0.08) = 1.92k, 1%</a:t>
+            </a:r>
+          </a:p>
+          <a:p>
+            <a:r>
+              <a:rPr lang="es-PA" dirty="0" err="1" smtClean="0">
+                <a:sym typeface="Symbol" panose="05050102010706020507" pitchFamily="18" charset="2"/>
+              </a:rPr>
+              <a:t>Rpot</a:t>
+            </a:r>
+            <a:r>
+              <a:rPr lang="es-PA" dirty="0" smtClean="0">
+                <a:sym typeface="Symbol" panose="05050102010706020507" pitchFamily="18" charset="2"/>
+              </a:rPr>
+              <a:t> = 2(2k – 1.92k) = 160 </a:t>
+            </a:r>
+            <a:r>
+              <a:rPr lang="es-PA" dirty="0" err="1" smtClean="0">
+                <a:sym typeface="Symbol" panose="05050102010706020507" pitchFamily="18" charset="2"/>
+              </a:rPr>
+              <a:t>ohms</a:t>
+            </a:r>
+            <a:r>
+              <a:rPr lang="es-PA" dirty="0" smtClean="0">
+                <a:sym typeface="Symbol" panose="05050102010706020507" pitchFamily="18" charset="2"/>
+              </a:rPr>
+              <a:t> (tomar 200 </a:t>
+            </a:r>
+            <a:r>
+              <a:rPr lang="es-PA" dirty="0" err="1" smtClean="0">
+                <a:sym typeface="Symbol" panose="05050102010706020507" pitchFamily="18" charset="2"/>
+              </a:rPr>
+              <a:t>ohms</a:t>
+            </a:r>
+            <a:r>
+              <a:rPr lang="es-PA" dirty="0" smtClean="0">
+                <a:sym typeface="Symbol" panose="05050102010706020507" pitchFamily="18" charset="2"/>
+              </a:rPr>
+              <a:t>)</a:t>
+            </a:r>
+          </a:p>
+        </p:txBody>
+      </p:sp>
+      <p:pic>
+        <p:nvPicPr>
+          <p:cNvPr id="4" name="Imagen 3"/>
+          <p:cNvPicPr>
+            <a:picLocks noChangeAspect="1"/>
+          </p:cNvPicPr>
+          <p:nvPr/>
+        </p:nvPicPr>
+        <p:blipFill>
+          <a:blip r:embed="rId2"/>
+          <a:stretch>
+            <a:fillRect/>
+          </a:stretch>
+        </p:blipFill>
+        <p:spPr>
+          <a:xfrm>
+            <a:off x="8846865" y="1926553"/>
+            <a:ext cx="3214583" cy="1976373"/>
+          </a:xfrm>
+          <a:prstGeom prst="rect">
+            <a:avLst/>
+          </a:prstGeom>
+        </p:spPr>
+      </p:pic>
+      <p:pic>
+        <p:nvPicPr>
+          <p:cNvPr id="11" name="Imagen 10"/>
+          <p:cNvPicPr>
+            <a:picLocks noChangeAspect="1"/>
+          </p:cNvPicPr>
+          <p:nvPr/>
+        </p:nvPicPr>
+        <p:blipFill>
+          <a:blip r:embed="rId3"/>
+          <a:stretch>
+            <a:fillRect/>
+          </a:stretch>
+        </p:blipFill>
+        <p:spPr>
+          <a:xfrm>
+            <a:off x="9827220" y="4116365"/>
+            <a:ext cx="2234228" cy="2529761"/>
+          </a:xfrm>
+          <a:prstGeom prst="rect">
+            <a:avLst/>
+          </a:prstGeom>
+        </p:spPr>
+      </p:pic>
+    </p:spTree>
+    <p:extLst>
+      <p:ext uri="{BB962C8B-B14F-4D97-AF65-F5344CB8AC3E}">
+        <p14:creationId xmlns:p14="http://schemas.microsoft.com/office/powerpoint/2010/main" val="383456362"/>
+      </p:ext>
+    </p:extLst>
+  </p:cSld>
+  <p:clrMapOvr>
+    <a:masterClrMapping/>
+  </p:clrMapOvr>
+  <p:timing>
+    <p:tnLst>
+      <p:par>
+        <p:cTn id="1" dur="indefinite" restart="never" nodeType="tmRoot"/>
+      </p:par>
+    </p:tnLst>
+  </p:timing>
+</p:sld>
+</file>
+
+<file path=ppt/slides/slide169.xml><?xml version="1.0" encoding="utf-8"?>
+<p:sld xmlns:a="http://schemas.openxmlformats.org/drawingml/2006/main" xmlns:r="http://schemas.openxmlformats.org/officeDocument/2006/relationships" xmlns:p="http://schemas.openxmlformats.org/presentationml/2006/main">
+  <p:cSld>
+    <p:spTree>
+      <p:nvGrpSpPr>
+        <p:cNvPr id="1" name=""/>
+        <p:cNvGrpSpPr/>
+        <p:nvPr/>
+      </p:nvGrpSpPr>
+      <p:grpSpPr>
+        <a:xfrm>
+          <a:off x="0" y="0"/>
+          <a:ext cx="0" cy="0"/>
+          <a:chOff x="0" y="0"/>
+          <a:chExt cx="0" cy="0"/>
+        </a:xfrm>
+      </p:grpSpPr>
+      <p:sp>
+        <p:nvSpPr>
+          <p:cNvPr id="2" name="Título 1"/>
+          <p:cNvSpPr>
+            <a:spLocks noGrp="1"/>
+          </p:cNvSpPr>
+          <p:nvPr>
+            <p:ph type="title"/>
+          </p:nvPr>
+        </p:nvSpPr>
+        <p:spPr>
+          <a:xfrm>
+            <a:off x="167425" y="360607"/>
+            <a:ext cx="11925837" cy="1178261"/>
+          </a:xfrm>
+        </p:spPr>
+        <p:txBody>
+          <a:bodyPr/>
+          <a:lstStyle/>
+          <a:p>
+            <a:r>
+              <a:rPr lang="es-PA" sz="3500" dirty="0" smtClean="0"/>
+              <a:t>Amplificadores Convertidores </a:t>
+            </a:r>
+            <a:r>
+              <a:rPr lang="es-PA" sz="3500" dirty="0" smtClean="0"/>
+              <a:t>– De Voltaje a Corriente</a:t>
+            </a:r>
+            <a:endParaRPr lang="es-PA" sz="3500" dirty="0"/>
+          </a:p>
+        </p:txBody>
+      </p:sp>
+      <p:sp>
+        <p:nvSpPr>
+          <p:cNvPr id="3" name="Marcador de contenido 2"/>
+          <p:cNvSpPr>
+            <a:spLocks noGrp="1"/>
+          </p:cNvSpPr>
+          <p:nvPr>
+            <p:ph idx="1"/>
+          </p:nvPr>
+        </p:nvSpPr>
+        <p:spPr>
+          <a:xfrm>
+            <a:off x="167423" y="1538868"/>
+            <a:ext cx="11925836" cy="5107258"/>
+          </a:xfrm>
+        </p:spPr>
+        <p:txBody>
+          <a:bodyPr>
+            <a:normAutofit/>
+          </a:bodyPr>
+          <a:lstStyle/>
+          <a:p>
+            <a:r>
+              <a:rPr lang="es-PA" dirty="0" smtClean="0">
+                <a:sym typeface="Symbol" panose="05050102010706020507" pitchFamily="18" charset="2"/>
+              </a:rPr>
+              <a:t>Efecto de ganancia finita de lazo abierto</a:t>
+            </a:r>
+          </a:p>
+          <a:p>
+            <a:r>
+              <a:rPr lang="es-PA" dirty="0" smtClean="0">
+                <a:sym typeface="Symbol" panose="05050102010706020507" pitchFamily="18" charset="2"/>
+              </a:rPr>
+              <a:t>Para esto asumiremos un puente balanceado en el circuito de </a:t>
+            </a:r>
+            <a:r>
+              <a:rPr lang="es-PA" dirty="0" err="1" smtClean="0">
+                <a:sym typeface="Symbol" panose="05050102010706020507" pitchFamily="18" charset="2"/>
+              </a:rPr>
+              <a:t>Howland</a:t>
+            </a:r>
+            <a:endParaRPr lang="es-PA" dirty="0" smtClean="0">
+              <a:sym typeface="Symbol" panose="05050102010706020507" pitchFamily="18" charset="2"/>
+            </a:endParaRPr>
+          </a:p>
+          <a:p>
+            <a:r>
+              <a:rPr lang="es-PA" dirty="0" smtClean="0">
+                <a:sym typeface="Symbol" panose="05050102010706020507" pitchFamily="18" charset="2"/>
+              </a:rPr>
+              <a:t>Del análisis de circuito tenemos</a:t>
+            </a:r>
+          </a:p>
+          <a:p>
+            <a:endParaRPr lang="es-PA" dirty="0">
+              <a:sym typeface="Symbol" panose="05050102010706020507" pitchFamily="18" charset="2"/>
+            </a:endParaRPr>
+          </a:p>
+          <a:p>
+            <a:r>
+              <a:rPr lang="es-PA" dirty="0" smtClean="0">
+                <a:sym typeface="Symbol" panose="05050102010706020507" pitchFamily="18" charset="2"/>
+              </a:rPr>
+              <a:t>Ejemplo:  calcular Ro si tiene A = 10^5 V/V, </a:t>
+            </a:r>
+            <a:r>
+              <a:rPr lang="es-PA" dirty="0" err="1" smtClean="0">
+                <a:sym typeface="Symbol" panose="05050102010706020507" pitchFamily="18" charset="2"/>
+              </a:rPr>
+              <a:t>rd</a:t>
+            </a:r>
+            <a:r>
+              <a:rPr lang="es-PA" dirty="0" smtClean="0">
+                <a:sym typeface="Symbol" panose="05050102010706020507" pitchFamily="18" charset="2"/>
+              </a:rPr>
+              <a:t> = </a:t>
+            </a:r>
+            <a:r>
+              <a:rPr lang="es-PA" dirty="0" err="1" smtClean="0">
+                <a:sym typeface="Symbol" panose="05050102010706020507" pitchFamily="18" charset="2"/>
+              </a:rPr>
+              <a:t>inf</a:t>
+            </a:r>
+            <a:r>
+              <a:rPr lang="es-PA" dirty="0" smtClean="0">
+                <a:sym typeface="Symbol" panose="05050102010706020507" pitchFamily="18" charset="2"/>
+              </a:rPr>
+              <a:t> y ro = 0</a:t>
+            </a:r>
+          </a:p>
+          <a:p>
+            <a:r>
+              <a:rPr lang="es-PA" dirty="0" smtClean="0">
+                <a:sym typeface="Symbol" panose="05050102010706020507" pitchFamily="18" charset="2"/>
+              </a:rPr>
+              <a:t>Qué sucede si </a:t>
+            </a:r>
+            <a:r>
+              <a:rPr lang="es-PA" dirty="0" err="1" smtClean="0">
+                <a:sym typeface="Symbol" panose="05050102010706020507" pitchFamily="18" charset="2"/>
+              </a:rPr>
+              <a:t>rd</a:t>
+            </a:r>
+            <a:r>
+              <a:rPr lang="es-PA" dirty="0" smtClean="0">
+                <a:sym typeface="Symbol" panose="05050102010706020507" pitchFamily="18" charset="2"/>
+              </a:rPr>
+              <a:t> = 1M y ro = 100 </a:t>
+            </a:r>
+            <a:r>
+              <a:rPr lang="es-PA" dirty="0" err="1" smtClean="0">
+                <a:sym typeface="Symbol" panose="05050102010706020507" pitchFamily="18" charset="2"/>
+              </a:rPr>
+              <a:t>ohms</a:t>
+            </a:r>
+            <a:endParaRPr lang="es-PA" dirty="0" smtClean="0">
+              <a:sym typeface="Symbol" panose="05050102010706020507" pitchFamily="18" charset="2"/>
+            </a:endParaRPr>
+          </a:p>
+          <a:p>
+            <a:r>
+              <a:rPr lang="es-PA" dirty="0" smtClean="0">
+                <a:sym typeface="Symbol" panose="05050102010706020507" pitchFamily="18" charset="2"/>
+              </a:rPr>
+              <a:t>Ro = (2 / 2)*10^3 [1 + 10^5/(1 + 2/2)] = 50M</a:t>
+            </a:r>
+          </a:p>
+          <a:p>
+            <a:r>
+              <a:rPr lang="es-PA" dirty="0" smtClean="0">
+                <a:sym typeface="Symbol" panose="05050102010706020507" pitchFamily="18" charset="2"/>
+              </a:rPr>
+              <a:t>Ro = 47.523M</a:t>
+            </a:r>
+            <a:endParaRPr lang="es-PA" dirty="0">
+              <a:sym typeface="Symbol" panose="05050102010706020507" pitchFamily="18" charset="2"/>
+            </a:endParaRPr>
+          </a:p>
+          <a:p>
+            <a:endParaRPr lang="es-PA" dirty="0" smtClean="0">
+              <a:sym typeface="Symbol" panose="05050102010706020507" pitchFamily="18" charset="2"/>
+            </a:endParaRPr>
+          </a:p>
+        </p:txBody>
+      </p:sp>
+      <p:pic>
+        <p:nvPicPr>
+          <p:cNvPr id="5" name="Imagen 4"/>
+          <p:cNvPicPr>
+            <a:picLocks noChangeAspect="1"/>
+          </p:cNvPicPr>
+          <p:nvPr/>
+        </p:nvPicPr>
+        <p:blipFill>
+          <a:blip r:embed="rId2"/>
+          <a:stretch>
+            <a:fillRect/>
+          </a:stretch>
+        </p:blipFill>
+        <p:spPr>
+          <a:xfrm>
+            <a:off x="4526449" y="2391682"/>
+            <a:ext cx="3635796" cy="438604"/>
+          </a:xfrm>
+          <a:prstGeom prst="rect">
+            <a:avLst/>
+          </a:prstGeom>
+        </p:spPr>
+      </p:pic>
+      <p:pic>
+        <p:nvPicPr>
+          <p:cNvPr id="6" name="Imagen 5"/>
+          <p:cNvPicPr>
+            <a:picLocks noChangeAspect="1"/>
+          </p:cNvPicPr>
+          <p:nvPr/>
+        </p:nvPicPr>
+        <p:blipFill>
+          <a:blip r:embed="rId3"/>
+          <a:stretch>
+            <a:fillRect/>
+          </a:stretch>
+        </p:blipFill>
+        <p:spPr>
+          <a:xfrm>
+            <a:off x="8571184" y="2391682"/>
+            <a:ext cx="3031335" cy="2557689"/>
+          </a:xfrm>
+          <a:prstGeom prst="rect">
+            <a:avLst/>
+          </a:prstGeom>
+        </p:spPr>
+      </p:pic>
+      <p:pic>
+        <p:nvPicPr>
+          <p:cNvPr id="8" name="Imagen 7"/>
+          <p:cNvPicPr>
+            <a:picLocks noChangeAspect="1"/>
+          </p:cNvPicPr>
+          <p:nvPr/>
+        </p:nvPicPr>
+        <p:blipFill>
+          <a:blip r:embed="rId4"/>
+          <a:stretch>
+            <a:fillRect/>
+          </a:stretch>
+        </p:blipFill>
+        <p:spPr>
+          <a:xfrm>
+            <a:off x="555924" y="4949371"/>
+            <a:ext cx="4389353" cy="651405"/>
+          </a:xfrm>
+          <a:prstGeom prst="rect">
+            <a:avLst/>
+          </a:prstGeom>
+        </p:spPr>
+      </p:pic>
+    </p:spTree>
+    <p:extLst>
+      <p:ext uri="{BB962C8B-B14F-4D97-AF65-F5344CB8AC3E}">
+        <p14:creationId xmlns:p14="http://schemas.microsoft.com/office/powerpoint/2010/main" val="4207122168"/>
+      </p:ext>
+    </p:extLst>
+  </p:cSld>
+  <p:clrMapOvr>
+    <a:masterClrMapping/>
+  </p:clrMapOvr>
+  <p:timing>
+    <p:tnLst>
+      <p:par>
+        <p:cTn id="1" dur="indefinite" restart="never" nodeType="tmRoot"/>
+      </p:par>
+    </p:tnLst>
+  </p:timing>
+</p:sld>
+</file>
+
 <file path=ppt/slides/slide17.xml><?xml version="1.0" encoding="utf-8"?>
 <p:sld xmlns:a="http://schemas.openxmlformats.org/drawingml/2006/main" xmlns:r="http://schemas.openxmlformats.org/officeDocument/2006/relationships" xmlns:p="http://schemas.openxmlformats.org/presentationml/2006/main">
   <p:cSld>
@@ -23469,6 +27408,3518 @@
     <p:extLst>
       <p:ext uri="{BB962C8B-B14F-4D97-AF65-F5344CB8AC3E}">
         <p14:creationId xmlns:p14="http://schemas.microsoft.com/office/powerpoint/2010/main" val="243897996"/>
+      </p:ext>
+    </p:extLst>
+  </p:cSld>
+  <p:clrMapOvr>
+    <a:masterClrMapping/>
+  </p:clrMapOvr>
+  <p:timing>
+    <p:tnLst>
+      <p:par>
+        <p:cTn id="1" dur="indefinite" restart="never" nodeType="tmRoot"/>
+      </p:par>
+    </p:tnLst>
+  </p:timing>
+</p:sld>
+</file>
+
+<file path=ppt/slides/slide170.xml><?xml version="1.0" encoding="utf-8"?>
+<p:sld xmlns:a="http://schemas.openxmlformats.org/drawingml/2006/main" xmlns:r="http://schemas.openxmlformats.org/officeDocument/2006/relationships" xmlns:p="http://schemas.openxmlformats.org/presentationml/2006/main">
+  <p:cSld>
+    <p:spTree>
+      <p:nvGrpSpPr>
+        <p:cNvPr id="1" name=""/>
+        <p:cNvGrpSpPr/>
+        <p:nvPr/>
+      </p:nvGrpSpPr>
+      <p:grpSpPr>
+        <a:xfrm>
+          <a:off x="0" y="0"/>
+          <a:ext cx="0" cy="0"/>
+          <a:chOff x="0" y="0"/>
+          <a:chExt cx="0" cy="0"/>
+        </a:xfrm>
+      </p:grpSpPr>
+      <p:sp>
+        <p:nvSpPr>
+          <p:cNvPr id="2" name="Título 1"/>
+          <p:cNvSpPr>
+            <a:spLocks noGrp="1"/>
+          </p:cNvSpPr>
+          <p:nvPr>
+            <p:ph type="title"/>
+          </p:nvPr>
+        </p:nvSpPr>
+        <p:spPr>
+          <a:xfrm>
+            <a:off x="167425" y="360607"/>
+            <a:ext cx="11925837" cy="1178261"/>
+          </a:xfrm>
+        </p:spPr>
+        <p:txBody>
+          <a:bodyPr/>
+          <a:lstStyle/>
+          <a:p>
+            <a:r>
+              <a:rPr lang="es-PA" sz="3500" dirty="0" smtClean="0"/>
+              <a:t>Amplificadores Convertidores </a:t>
+            </a:r>
+            <a:r>
+              <a:rPr lang="es-PA" sz="3500" dirty="0" smtClean="0"/>
+              <a:t>– De Voltaje a Corriente</a:t>
+            </a:r>
+            <a:endParaRPr lang="es-PA" sz="3500" dirty="0"/>
+          </a:p>
+        </p:txBody>
+      </p:sp>
+      <p:sp>
+        <p:nvSpPr>
+          <p:cNvPr id="3" name="Marcador de contenido 2"/>
+          <p:cNvSpPr>
+            <a:spLocks noGrp="1"/>
+          </p:cNvSpPr>
+          <p:nvPr>
+            <p:ph idx="1"/>
+          </p:nvPr>
+        </p:nvSpPr>
+        <p:spPr>
+          <a:xfrm>
+            <a:off x="167423" y="1538868"/>
+            <a:ext cx="11925836" cy="5107258"/>
+          </a:xfrm>
+        </p:spPr>
+        <p:txBody>
+          <a:bodyPr>
+            <a:normAutofit/>
+          </a:bodyPr>
+          <a:lstStyle/>
+          <a:p>
+            <a:r>
+              <a:rPr lang="es-PA" dirty="0" smtClean="0">
+                <a:sym typeface="Symbol" panose="05050102010706020507" pitchFamily="18" charset="2"/>
+              </a:rPr>
+              <a:t>Circuito de </a:t>
+            </a:r>
+            <a:r>
+              <a:rPr lang="es-PA" dirty="0" err="1" smtClean="0">
+                <a:sym typeface="Symbol" panose="05050102010706020507" pitchFamily="18" charset="2"/>
+              </a:rPr>
+              <a:t>Howland</a:t>
+            </a:r>
+            <a:r>
+              <a:rPr lang="es-PA" dirty="0" smtClean="0">
+                <a:sym typeface="Symbol" panose="05050102010706020507" pitchFamily="18" charset="2"/>
+              </a:rPr>
+              <a:t> mejorado</a:t>
+            </a:r>
+            <a:endParaRPr lang="es-PA" dirty="0">
+              <a:sym typeface="Symbol" panose="05050102010706020507" pitchFamily="18" charset="2"/>
+            </a:endParaRPr>
+          </a:p>
+          <a:p>
+            <a:r>
+              <a:rPr lang="es-PA" dirty="0" smtClean="0">
+                <a:sym typeface="Symbol" panose="05050102010706020507" pitchFamily="18" charset="2"/>
+              </a:rPr>
+              <a:t>Los circuitos anteriores de </a:t>
+            </a:r>
+            <a:r>
+              <a:rPr lang="es-PA" dirty="0" err="1" smtClean="0">
+                <a:sym typeface="Symbol" panose="05050102010706020507" pitchFamily="18" charset="2"/>
+              </a:rPr>
+              <a:t>Howland</a:t>
+            </a:r>
+            <a:r>
+              <a:rPr lang="es-PA" dirty="0" smtClean="0">
+                <a:sym typeface="Symbol" panose="05050102010706020507" pitchFamily="18" charset="2"/>
+              </a:rPr>
+              <a:t> gastan mucha corriente, </a:t>
+            </a:r>
+            <a:r>
+              <a:rPr lang="es-PA" dirty="0" err="1" smtClean="0">
+                <a:sym typeface="Symbol" panose="05050102010706020507" pitchFamily="18" charset="2"/>
+              </a:rPr>
+              <a:t>p.e</a:t>
+            </a:r>
+            <a:r>
+              <a:rPr lang="es-PA" dirty="0" smtClean="0">
+                <a:sym typeface="Symbol" panose="05050102010706020507" pitchFamily="18" charset="2"/>
+              </a:rPr>
+              <a:t>.</a:t>
+            </a:r>
+          </a:p>
+          <a:p>
+            <a:r>
+              <a:rPr lang="es-PA" dirty="0" smtClean="0">
+                <a:sym typeface="Symbol" panose="05050102010706020507" pitchFamily="18" charset="2"/>
+              </a:rPr>
+              <a:t>Vi = 1V, R1 = R2 = 1k, R2 = R4 = 100 </a:t>
+            </a:r>
+            <a:r>
+              <a:rPr lang="es-PA" dirty="0" err="1" smtClean="0">
+                <a:sym typeface="Symbol" panose="05050102010706020507" pitchFamily="18" charset="2"/>
+              </a:rPr>
+              <a:t>ohms</a:t>
+            </a:r>
+            <a:r>
+              <a:rPr lang="es-PA" dirty="0">
+                <a:sym typeface="Symbol" panose="05050102010706020507" pitchFamily="18" charset="2"/>
+              </a:rPr>
+              <a:t> </a:t>
+            </a:r>
+            <a:r>
+              <a:rPr lang="es-PA" dirty="0" smtClean="0">
+                <a:sym typeface="Symbol" panose="05050102010706020507" pitchFamily="18" charset="2"/>
+              </a:rPr>
+              <a:t>y </a:t>
+            </a:r>
+            <a:r>
+              <a:rPr lang="es-PA" dirty="0" err="1" smtClean="0">
+                <a:sym typeface="Symbol" panose="05050102010706020507" pitchFamily="18" charset="2"/>
+              </a:rPr>
+              <a:t>vl</a:t>
+            </a:r>
+            <a:r>
+              <a:rPr lang="es-PA" dirty="0" smtClean="0">
+                <a:sym typeface="Symbol" panose="05050102010706020507" pitchFamily="18" charset="2"/>
+              </a:rPr>
+              <a:t> = 10V</a:t>
+            </a:r>
+          </a:p>
+          <a:p>
+            <a:r>
+              <a:rPr lang="es-PA" dirty="0" err="1" smtClean="0">
+                <a:sym typeface="Symbol" panose="05050102010706020507" pitchFamily="18" charset="2"/>
+              </a:rPr>
+              <a:t>Io</a:t>
+            </a:r>
+            <a:r>
+              <a:rPr lang="es-PA" dirty="0" smtClean="0">
+                <a:sym typeface="Symbol" panose="05050102010706020507" pitchFamily="18" charset="2"/>
+              </a:rPr>
+              <a:t> = 1mA</a:t>
+            </a:r>
+          </a:p>
+          <a:p>
+            <a:r>
+              <a:rPr lang="es-PA" dirty="0" smtClean="0">
+                <a:sym typeface="Symbol" panose="05050102010706020507" pitchFamily="18" charset="2"/>
+              </a:rPr>
+              <a:t>I1 = (</a:t>
+            </a:r>
+            <a:r>
+              <a:rPr lang="es-PA" dirty="0" err="1" smtClean="0">
+                <a:sym typeface="Symbol" panose="05050102010706020507" pitchFamily="18" charset="2"/>
+              </a:rPr>
+              <a:t>vl</a:t>
+            </a:r>
+            <a:r>
+              <a:rPr lang="es-PA" dirty="0" smtClean="0">
+                <a:sym typeface="Symbol" panose="05050102010706020507" pitchFamily="18" charset="2"/>
+              </a:rPr>
+              <a:t> – vi)/R1 = (10 – 1)/1 = 9mA</a:t>
+            </a:r>
+          </a:p>
+          <a:p>
+            <a:r>
+              <a:rPr lang="es-PA" dirty="0" smtClean="0">
+                <a:sym typeface="Symbol" panose="05050102010706020507" pitchFamily="18" charset="2"/>
+              </a:rPr>
+              <a:t>La modificación incluye tener dos resistores R2 = R2a y R2b</a:t>
+            </a:r>
+          </a:p>
+          <a:p>
+            <a:endParaRPr lang="es-PA" dirty="0">
+              <a:sym typeface="Symbol" panose="05050102010706020507" pitchFamily="18" charset="2"/>
+            </a:endParaRPr>
+          </a:p>
+          <a:p>
+            <a:r>
+              <a:rPr lang="es-PA" dirty="0" smtClean="0">
+                <a:sym typeface="Symbol" panose="05050102010706020507" pitchFamily="18" charset="2"/>
+              </a:rPr>
+              <a:t>Entonces podemos </a:t>
+            </a:r>
+            <a:r>
+              <a:rPr lang="es-PA" dirty="0" err="1" smtClean="0">
+                <a:sym typeface="Symbol" panose="05050102010706020507" pitchFamily="18" charset="2"/>
+              </a:rPr>
+              <a:t>modifcar</a:t>
+            </a:r>
+            <a:r>
+              <a:rPr lang="es-PA" dirty="0" smtClean="0">
+                <a:sym typeface="Symbol" panose="05050102010706020507" pitchFamily="18" charset="2"/>
+              </a:rPr>
+              <a:t>, </a:t>
+            </a:r>
+            <a:r>
+              <a:rPr lang="es-PA" dirty="0" err="1" smtClean="0">
+                <a:sym typeface="Symbol" panose="05050102010706020507" pitchFamily="18" charset="2"/>
+              </a:rPr>
+              <a:t>p.e</a:t>
+            </a:r>
+            <a:r>
+              <a:rPr lang="es-PA" dirty="0" smtClean="0">
+                <a:sym typeface="Symbol" panose="05050102010706020507" pitchFamily="18" charset="2"/>
+              </a:rPr>
+              <a:t>.</a:t>
+            </a:r>
+          </a:p>
+          <a:p>
+            <a:r>
+              <a:rPr lang="es-PA" dirty="0" smtClean="0">
+                <a:sym typeface="Symbol" panose="05050102010706020507" pitchFamily="18" charset="2"/>
+              </a:rPr>
+              <a:t>R2b = 1k, R1 = R2 = R4 = 100k y R2a = 100 – 1 = 99k</a:t>
+            </a:r>
+          </a:p>
+          <a:p>
+            <a:r>
+              <a:rPr lang="es-PA" dirty="0" smtClean="0">
+                <a:sym typeface="Symbol" panose="05050102010706020507" pitchFamily="18" charset="2"/>
+              </a:rPr>
+              <a:t>Podemos tener </a:t>
+            </a:r>
+            <a:r>
+              <a:rPr lang="es-PA" dirty="0" err="1" smtClean="0">
+                <a:sym typeface="Symbol" panose="05050102010706020507" pitchFamily="18" charset="2"/>
+              </a:rPr>
+              <a:t>io</a:t>
+            </a:r>
+            <a:r>
+              <a:rPr lang="es-PA" dirty="0" smtClean="0">
+                <a:sym typeface="Symbol" panose="05050102010706020507" pitchFamily="18" charset="2"/>
+              </a:rPr>
+              <a:t> = 1mA con vi = 1V </a:t>
+            </a:r>
+            <a:r>
+              <a:rPr lang="es-PA" dirty="0" err="1" smtClean="0">
+                <a:sym typeface="Symbol" panose="05050102010706020507" pitchFamily="18" charset="2"/>
+              </a:rPr>
+              <a:t>igualemnte</a:t>
+            </a:r>
+            <a:endParaRPr lang="es-PA" dirty="0" smtClean="0">
+              <a:sym typeface="Symbol" panose="05050102010706020507" pitchFamily="18" charset="2"/>
+            </a:endParaRPr>
+          </a:p>
+          <a:p>
+            <a:r>
+              <a:rPr lang="es-PA" dirty="0" smtClean="0">
+                <a:sym typeface="Symbol" panose="05050102010706020507" pitchFamily="18" charset="2"/>
+              </a:rPr>
+              <a:t>El voltaje de compromiso es </a:t>
+            </a:r>
+            <a:r>
+              <a:rPr lang="es-PA" dirty="0" err="1" smtClean="0">
+                <a:sym typeface="Symbol" panose="05050102010706020507" pitchFamily="18" charset="2"/>
+              </a:rPr>
+              <a:t>aprox</a:t>
+            </a:r>
+            <a:r>
+              <a:rPr lang="es-PA" dirty="0" smtClean="0">
+                <a:sym typeface="Symbol" panose="05050102010706020507" pitchFamily="18" charset="2"/>
+              </a:rPr>
+              <a:t> |</a:t>
+            </a:r>
+            <a:r>
+              <a:rPr lang="es-PA" dirty="0" err="1" smtClean="0">
+                <a:sym typeface="Symbol" panose="05050102010706020507" pitchFamily="18" charset="2"/>
+              </a:rPr>
+              <a:t>vl</a:t>
+            </a:r>
+            <a:r>
+              <a:rPr lang="es-PA" dirty="0" smtClean="0">
+                <a:sym typeface="Symbol" panose="05050102010706020507" pitchFamily="18" charset="2"/>
+              </a:rPr>
+              <a:t>| &lt;= </a:t>
+            </a:r>
+            <a:r>
+              <a:rPr lang="es-PA" dirty="0" err="1" smtClean="0">
+                <a:sym typeface="Symbol" panose="05050102010706020507" pitchFamily="18" charset="2"/>
+              </a:rPr>
+              <a:t>Vsat</a:t>
+            </a:r>
+            <a:r>
+              <a:rPr lang="es-PA" dirty="0" smtClean="0">
+                <a:sym typeface="Symbol" panose="05050102010706020507" pitchFamily="18" charset="2"/>
+              </a:rPr>
+              <a:t> – R2/R1|vi|</a:t>
+            </a:r>
+          </a:p>
+        </p:txBody>
+      </p:sp>
+      <p:pic>
+        <p:nvPicPr>
+          <p:cNvPr id="4" name="Imagen 3"/>
+          <p:cNvPicPr>
+            <a:picLocks noChangeAspect="1"/>
+          </p:cNvPicPr>
+          <p:nvPr/>
+        </p:nvPicPr>
+        <p:blipFill>
+          <a:blip r:embed="rId2"/>
+          <a:stretch>
+            <a:fillRect/>
+          </a:stretch>
+        </p:blipFill>
+        <p:spPr>
+          <a:xfrm>
+            <a:off x="9303655" y="4282068"/>
+            <a:ext cx="2617438" cy="2249361"/>
+          </a:xfrm>
+          <a:prstGeom prst="rect">
+            <a:avLst/>
+          </a:prstGeom>
+        </p:spPr>
+      </p:pic>
+      <p:pic>
+        <p:nvPicPr>
+          <p:cNvPr id="7" name="Imagen 6"/>
+          <p:cNvPicPr>
+            <a:picLocks noChangeAspect="1"/>
+          </p:cNvPicPr>
+          <p:nvPr/>
+        </p:nvPicPr>
+        <p:blipFill>
+          <a:blip r:embed="rId3"/>
+          <a:stretch>
+            <a:fillRect/>
+          </a:stretch>
+        </p:blipFill>
+        <p:spPr>
+          <a:xfrm>
+            <a:off x="7569187" y="4282068"/>
+            <a:ext cx="1611487" cy="666288"/>
+          </a:xfrm>
+          <a:prstGeom prst="rect">
+            <a:avLst/>
+          </a:prstGeom>
+        </p:spPr>
+      </p:pic>
+      <p:pic>
+        <p:nvPicPr>
+          <p:cNvPr id="9" name="Imagen 8"/>
+          <p:cNvPicPr>
+            <a:picLocks noChangeAspect="1"/>
+          </p:cNvPicPr>
+          <p:nvPr/>
+        </p:nvPicPr>
+        <p:blipFill>
+          <a:blip r:embed="rId4"/>
+          <a:stretch>
+            <a:fillRect/>
+          </a:stretch>
+        </p:blipFill>
+        <p:spPr>
+          <a:xfrm>
+            <a:off x="7569187" y="4983150"/>
+            <a:ext cx="1325814" cy="662907"/>
+          </a:xfrm>
+          <a:prstGeom prst="rect">
+            <a:avLst/>
+          </a:prstGeom>
+        </p:spPr>
+      </p:pic>
+    </p:spTree>
+    <p:extLst>
+      <p:ext uri="{BB962C8B-B14F-4D97-AF65-F5344CB8AC3E}">
+        <p14:creationId xmlns:p14="http://schemas.microsoft.com/office/powerpoint/2010/main" val="2548461949"/>
+      </p:ext>
+    </p:extLst>
+  </p:cSld>
+  <p:clrMapOvr>
+    <a:masterClrMapping/>
+  </p:clrMapOvr>
+  <p:timing>
+    <p:tnLst>
+      <p:par>
+        <p:cTn id="1" dur="indefinite" restart="never" nodeType="tmRoot"/>
+      </p:par>
+    </p:tnLst>
+  </p:timing>
+</p:sld>
+</file>
+
+<file path=ppt/slides/slide171.xml><?xml version="1.0" encoding="utf-8"?>
+<p:sld xmlns:a="http://schemas.openxmlformats.org/drawingml/2006/main" xmlns:r="http://schemas.openxmlformats.org/officeDocument/2006/relationships" xmlns:p="http://schemas.openxmlformats.org/presentationml/2006/main">
+  <p:cSld>
+    <p:spTree>
+      <p:nvGrpSpPr>
+        <p:cNvPr id="1" name=""/>
+        <p:cNvGrpSpPr/>
+        <p:nvPr/>
+      </p:nvGrpSpPr>
+      <p:grpSpPr>
+        <a:xfrm>
+          <a:off x="0" y="0"/>
+          <a:ext cx="0" cy="0"/>
+          <a:chOff x="0" y="0"/>
+          <a:chExt cx="0" cy="0"/>
+        </a:xfrm>
+      </p:grpSpPr>
+      <p:sp>
+        <p:nvSpPr>
+          <p:cNvPr id="2" name="Título 1"/>
+          <p:cNvSpPr>
+            <a:spLocks noGrp="1"/>
+          </p:cNvSpPr>
+          <p:nvPr>
+            <p:ph type="title"/>
+          </p:nvPr>
+        </p:nvSpPr>
+        <p:spPr>
+          <a:xfrm>
+            <a:off x="167425" y="360607"/>
+            <a:ext cx="11925837" cy="1178261"/>
+          </a:xfrm>
+        </p:spPr>
+        <p:txBody>
+          <a:bodyPr/>
+          <a:lstStyle/>
+          <a:p>
+            <a:r>
+              <a:rPr lang="es-PA" sz="3500" dirty="0" smtClean="0"/>
+              <a:t>Amplificadores Convertidores </a:t>
+            </a:r>
+            <a:r>
+              <a:rPr lang="es-PA" sz="3500" dirty="0" smtClean="0"/>
+              <a:t>– Amplificadores de Corriente</a:t>
+            </a:r>
+            <a:endParaRPr lang="es-PA" sz="3500" dirty="0"/>
+          </a:p>
+        </p:txBody>
+      </p:sp>
+      <p:sp>
+        <p:nvSpPr>
+          <p:cNvPr id="3" name="Marcador de contenido 2"/>
+          <p:cNvSpPr>
+            <a:spLocks noGrp="1"/>
+          </p:cNvSpPr>
+          <p:nvPr>
+            <p:ph idx="1"/>
+          </p:nvPr>
+        </p:nvSpPr>
+        <p:spPr>
+          <a:xfrm>
+            <a:off x="167423" y="1538868"/>
+            <a:ext cx="11925836" cy="5107258"/>
+          </a:xfrm>
+        </p:spPr>
+        <p:txBody>
+          <a:bodyPr>
+            <a:normAutofit/>
+          </a:bodyPr>
+          <a:lstStyle/>
+          <a:p>
+            <a:r>
+              <a:rPr lang="es-PA" dirty="0" smtClean="0">
+                <a:sym typeface="Symbol" panose="05050102010706020507" pitchFamily="18" charset="2"/>
+              </a:rPr>
+              <a:t>También como son convertidores pueden amplificar corriente</a:t>
+            </a:r>
+          </a:p>
+          <a:p>
+            <a:r>
+              <a:rPr lang="es-PA" dirty="0" smtClean="0">
+                <a:sym typeface="Symbol" panose="05050102010706020507" pitchFamily="18" charset="2"/>
+              </a:rPr>
+              <a:t>Tenemos entonces el circuito izquierdo</a:t>
+            </a:r>
+          </a:p>
+          <a:p>
+            <a:endParaRPr lang="es-PA" dirty="0">
+              <a:sym typeface="Symbol" panose="05050102010706020507" pitchFamily="18" charset="2"/>
+            </a:endParaRPr>
+          </a:p>
+          <a:p>
+            <a:r>
+              <a:rPr lang="es-PA" dirty="0" smtClean="0">
+                <a:sym typeface="Symbol" panose="05050102010706020507" pitchFamily="18" charset="2"/>
+              </a:rPr>
+              <a:t>Reemplazando tenemos</a:t>
+            </a:r>
+          </a:p>
+          <a:p>
+            <a:endParaRPr lang="es-PA" dirty="0">
+              <a:sym typeface="Symbol" panose="05050102010706020507" pitchFamily="18" charset="2"/>
+            </a:endParaRPr>
+          </a:p>
+          <a:p>
+            <a:r>
+              <a:rPr lang="es-PA" dirty="0" smtClean="0">
+                <a:sym typeface="Symbol" panose="05050102010706020507" pitchFamily="18" charset="2"/>
+              </a:rPr>
+              <a:t>Para finalmente el caso derecho será</a:t>
+            </a:r>
+            <a:endParaRPr lang="es-PA" dirty="0">
+              <a:sym typeface="Symbol" panose="05050102010706020507" pitchFamily="18" charset="2"/>
+            </a:endParaRPr>
+          </a:p>
+          <a:p>
+            <a:endParaRPr lang="es-PA" dirty="0" smtClean="0">
+              <a:sym typeface="Symbol" panose="05050102010706020507" pitchFamily="18" charset="2"/>
+            </a:endParaRPr>
+          </a:p>
+          <a:p>
+            <a:r>
+              <a:rPr lang="es-PA" dirty="0" smtClean="0">
+                <a:sym typeface="Symbol" panose="05050102010706020507" pitchFamily="18" charset="2"/>
+              </a:rPr>
+              <a:t>La ganancia negativa indica la dirección de </a:t>
+            </a:r>
+            <a:r>
+              <a:rPr lang="es-PA" dirty="0" err="1" smtClean="0">
+                <a:sym typeface="Symbol" panose="05050102010706020507" pitchFamily="18" charset="2"/>
+              </a:rPr>
+              <a:t>io</a:t>
+            </a:r>
+            <a:r>
+              <a:rPr lang="es-PA" dirty="0" smtClean="0">
+                <a:sym typeface="Symbol" panose="05050102010706020507" pitchFamily="18" charset="2"/>
+              </a:rPr>
+              <a:t> (opuesta a la dibujada)</a:t>
+            </a:r>
+          </a:p>
+          <a:p>
+            <a:r>
+              <a:rPr lang="es-PA" dirty="0" smtClean="0">
+                <a:sym typeface="Symbol" panose="05050102010706020507" pitchFamily="18" charset="2"/>
+              </a:rPr>
+              <a:t>Si R1 = R2, A = -1 A/A, funciona como </a:t>
+            </a:r>
+            <a:r>
+              <a:rPr lang="es-PA" dirty="0" err="1" smtClean="0">
+                <a:sym typeface="Symbol" panose="05050102010706020507" pitchFamily="18" charset="2"/>
+              </a:rPr>
+              <a:t>reversor</a:t>
+            </a:r>
+            <a:r>
+              <a:rPr lang="es-PA" dirty="0" smtClean="0">
+                <a:sym typeface="Symbol" panose="05050102010706020507" pitchFamily="18" charset="2"/>
+              </a:rPr>
+              <a:t> de corriente o espejo de corriente</a:t>
+            </a:r>
+          </a:p>
+          <a:p>
+            <a:endParaRPr lang="es-PA" dirty="0" smtClean="0">
+              <a:sym typeface="Symbol" panose="05050102010706020507" pitchFamily="18" charset="2"/>
+            </a:endParaRPr>
+          </a:p>
+        </p:txBody>
+      </p:sp>
+      <p:pic>
+        <p:nvPicPr>
+          <p:cNvPr id="5" name="Imagen 4"/>
+          <p:cNvPicPr>
+            <a:picLocks noChangeAspect="1"/>
+          </p:cNvPicPr>
+          <p:nvPr/>
+        </p:nvPicPr>
+        <p:blipFill>
+          <a:blip r:embed="rId2"/>
+          <a:stretch>
+            <a:fillRect/>
+          </a:stretch>
+        </p:blipFill>
+        <p:spPr>
+          <a:xfrm>
+            <a:off x="748240" y="2362446"/>
+            <a:ext cx="1213984" cy="504825"/>
+          </a:xfrm>
+          <a:prstGeom prst="rect">
+            <a:avLst/>
+          </a:prstGeom>
+        </p:spPr>
+      </p:pic>
+      <p:pic>
+        <p:nvPicPr>
+          <p:cNvPr id="6" name="Imagen 5"/>
+          <p:cNvPicPr>
+            <a:picLocks noChangeAspect="1"/>
+          </p:cNvPicPr>
+          <p:nvPr/>
+        </p:nvPicPr>
+        <p:blipFill>
+          <a:blip r:embed="rId3"/>
+          <a:stretch>
+            <a:fillRect/>
+          </a:stretch>
+        </p:blipFill>
+        <p:spPr>
+          <a:xfrm>
+            <a:off x="3377866" y="2362445"/>
+            <a:ext cx="923246" cy="328613"/>
+          </a:xfrm>
+          <a:prstGeom prst="rect">
+            <a:avLst/>
+          </a:prstGeom>
+        </p:spPr>
+      </p:pic>
+      <p:pic>
+        <p:nvPicPr>
+          <p:cNvPr id="8" name="Imagen 7"/>
+          <p:cNvPicPr>
+            <a:picLocks noChangeAspect="1"/>
+          </p:cNvPicPr>
+          <p:nvPr/>
+        </p:nvPicPr>
+        <p:blipFill>
+          <a:blip r:embed="rId4"/>
+          <a:stretch>
+            <a:fillRect/>
+          </a:stretch>
+        </p:blipFill>
+        <p:spPr>
+          <a:xfrm>
+            <a:off x="2129161" y="2362445"/>
+            <a:ext cx="1081768" cy="504825"/>
+          </a:xfrm>
+          <a:prstGeom prst="rect">
+            <a:avLst/>
+          </a:prstGeom>
+        </p:spPr>
+      </p:pic>
+      <p:pic>
+        <p:nvPicPr>
+          <p:cNvPr id="10" name="Imagen 9"/>
+          <p:cNvPicPr>
+            <a:picLocks noChangeAspect="1"/>
+          </p:cNvPicPr>
+          <p:nvPr/>
+        </p:nvPicPr>
+        <p:blipFill>
+          <a:blip r:embed="rId5"/>
+          <a:stretch>
+            <a:fillRect/>
+          </a:stretch>
+        </p:blipFill>
+        <p:spPr>
+          <a:xfrm>
+            <a:off x="7336203" y="1921791"/>
+            <a:ext cx="4547238" cy="2097759"/>
+          </a:xfrm>
+          <a:prstGeom prst="rect">
+            <a:avLst/>
+          </a:prstGeom>
+        </p:spPr>
+      </p:pic>
+      <p:pic>
+        <p:nvPicPr>
+          <p:cNvPr id="11" name="Imagen 10"/>
+          <p:cNvPicPr>
+            <a:picLocks noChangeAspect="1"/>
+          </p:cNvPicPr>
+          <p:nvPr/>
+        </p:nvPicPr>
+        <p:blipFill>
+          <a:blip r:embed="rId6"/>
+          <a:stretch>
+            <a:fillRect/>
+          </a:stretch>
+        </p:blipFill>
+        <p:spPr>
+          <a:xfrm>
+            <a:off x="3705299" y="2867271"/>
+            <a:ext cx="2652993" cy="461964"/>
+          </a:xfrm>
+          <a:prstGeom prst="rect">
+            <a:avLst/>
+          </a:prstGeom>
+        </p:spPr>
+      </p:pic>
+      <p:pic>
+        <p:nvPicPr>
+          <p:cNvPr id="12" name="Imagen 11"/>
+          <p:cNvPicPr>
+            <a:picLocks noChangeAspect="1"/>
+          </p:cNvPicPr>
+          <p:nvPr/>
+        </p:nvPicPr>
+        <p:blipFill>
+          <a:blip r:embed="rId7"/>
+          <a:stretch>
+            <a:fillRect/>
+          </a:stretch>
+        </p:blipFill>
+        <p:spPr>
+          <a:xfrm>
+            <a:off x="1355232" y="4092408"/>
+            <a:ext cx="2073093" cy="521617"/>
+          </a:xfrm>
+          <a:prstGeom prst="rect">
+            <a:avLst/>
+          </a:prstGeom>
+        </p:spPr>
+      </p:pic>
+      <p:pic>
+        <p:nvPicPr>
+          <p:cNvPr id="13" name="Imagen 12"/>
+          <p:cNvPicPr>
+            <a:picLocks noChangeAspect="1"/>
+          </p:cNvPicPr>
+          <p:nvPr/>
+        </p:nvPicPr>
+        <p:blipFill rotWithShape="1">
+          <a:blip r:embed="rId8"/>
+          <a:srcRect l="2528" t="30507" r="2846" b="5819"/>
+          <a:stretch/>
+        </p:blipFill>
+        <p:spPr>
+          <a:xfrm>
+            <a:off x="847777" y="3462494"/>
+            <a:ext cx="4076701" cy="266701"/>
+          </a:xfrm>
+          <a:prstGeom prst="rect">
+            <a:avLst/>
+          </a:prstGeom>
+        </p:spPr>
+      </p:pic>
+    </p:spTree>
+    <p:extLst>
+      <p:ext uri="{BB962C8B-B14F-4D97-AF65-F5344CB8AC3E}">
+        <p14:creationId xmlns:p14="http://schemas.microsoft.com/office/powerpoint/2010/main" val="4072960025"/>
+      </p:ext>
+    </p:extLst>
+  </p:cSld>
+  <p:clrMapOvr>
+    <a:masterClrMapping/>
+  </p:clrMapOvr>
+  <p:timing>
+    <p:tnLst>
+      <p:par>
+        <p:cTn id="1" dur="indefinite" restart="never" nodeType="tmRoot"/>
+      </p:par>
+    </p:tnLst>
+  </p:timing>
+</p:sld>
+</file>
+
+<file path=ppt/slides/slide172.xml><?xml version="1.0" encoding="utf-8"?>
+<p:sld xmlns:a="http://schemas.openxmlformats.org/drawingml/2006/main" xmlns:r="http://schemas.openxmlformats.org/officeDocument/2006/relationships" xmlns:p="http://schemas.openxmlformats.org/presentationml/2006/main">
+  <p:cSld>
+    <p:spTree>
+      <p:nvGrpSpPr>
+        <p:cNvPr id="1" name=""/>
+        <p:cNvGrpSpPr/>
+        <p:nvPr/>
+      </p:nvGrpSpPr>
+      <p:grpSpPr>
+        <a:xfrm>
+          <a:off x="0" y="0"/>
+          <a:ext cx="0" cy="0"/>
+          <a:chOff x="0" y="0"/>
+          <a:chExt cx="0" cy="0"/>
+        </a:xfrm>
+      </p:grpSpPr>
+      <p:sp>
+        <p:nvSpPr>
+          <p:cNvPr id="2" name="Título 1"/>
+          <p:cNvSpPr>
+            <a:spLocks noGrp="1"/>
+          </p:cNvSpPr>
+          <p:nvPr>
+            <p:ph type="title"/>
+          </p:nvPr>
+        </p:nvSpPr>
+        <p:spPr>
+          <a:xfrm>
+            <a:off x="167425" y="360607"/>
+            <a:ext cx="11925837" cy="1178261"/>
+          </a:xfrm>
+        </p:spPr>
+        <p:txBody>
+          <a:bodyPr/>
+          <a:lstStyle/>
+          <a:p>
+            <a:r>
+              <a:rPr lang="es-PA" sz="3500" dirty="0" smtClean="0"/>
+              <a:t>Amplificadores Convertidores </a:t>
+            </a:r>
+            <a:r>
+              <a:rPr lang="es-PA" sz="3500" dirty="0" smtClean="0"/>
+              <a:t>– Amplificadores de Corriente Retroalimentados</a:t>
+            </a:r>
+            <a:endParaRPr lang="es-PA" sz="3500" dirty="0"/>
+          </a:p>
+        </p:txBody>
+      </p:sp>
+      <p:sp>
+        <p:nvSpPr>
+          <p:cNvPr id="3" name="Marcador de contenido 2"/>
+          <p:cNvSpPr>
+            <a:spLocks noGrp="1"/>
+          </p:cNvSpPr>
+          <p:nvPr>
+            <p:ph idx="1"/>
+          </p:nvPr>
+        </p:nvSpPr>
+        <p:spPr>
+          <a:xfrm>
+            <a:off x="167423" y="1538868"/>
+            <a:ext cx="11925836" cy="5107258"/>
+          </a:xfrm>
+        </p:spPr>
+        <p:txBody>
+          <a:bodyPr>
+            <a:normAutofit/>
+          </a:bodyPr>
+          <a:lstStyle/>
+          <a:p>
+            <a:r>
+              <a:rPr lang="es-PA" dirty="0" smtClean="0">
+                <a:sym typeface="Symbol" panose="05050102010706020507" pitchFamily="18" charset="2"/>
+              </a:rPr>
+              <a:t>Los </a:t>
+            </a:r>
+            <a:r>
+              <a:rPr lang="es-PA" dirty="0" err="1" smtClean="0">
+                <a:sym typeface="Symbol" panose="05050102010706020507" pitchFamily="18" charset="2"/>
+              </a:rPr>
+              <a:t>CFAs</a:t>
+            </a:r>
+            <a:r>
+              <a:rPr lang="es-PA" dirty="0" smtClean="0">
+                <a:sym typeface="Symbol" panose="05050102010706020507" pitchFamily="18" charset="2"/>
+              </a:rPr>
+              <a:t> se enfocan en la operación de corriente</a:t>
+            </a:r>
+          </a:p>
+          <a:p>
+            <a:r>
+              <a:rPr lang="es-PA" dirty="0" smtClean="0">
+                <a:sym typeface="Symbol" panose="05050102010706020507" pitchFamily="18" charset="2"/>
+              </a:rPr>
+              <a:t>El circuito de la derecha muestra un </a:t>
+            </a:r>
+            <a:r>
+              <a:rPr lang="es-PA" dirty="0" err="1" smtClean="0">
+                <a:sym typeface="Symbol" panose="05050102010706020507" pitchFamily="18" charset="2"/>
+              </a:rPr>
+              <a:t>op-amp</a:t>
+            </a:r>
+            <a:r>
+              <a:rPr lang="es-PA" dirty="0" smtClean="0">
+                <a:sym typeface="Symbol" panose="05050102010706020507" pitchFamily="18" charset="2"/>
+              </a:rPr>
+              <a:t> de corriente de </a:t>
+            </a:r>
+            <a:r>
+              <a:rPr lang="es-PA" dirty="0" err="1" smtClean="0">
+                <a:sym typeface="Symbol" panose="05050102010706020507" pitchFamily="18" charset="2"/>
+              </a:rPr>
+              <a:t>feedback</a:t>
+            </a:r>
+            <a:r>
+              <a:rPr lang="es-PA" dirty="0" smtClean="0">
+                <a:sym typeface="Symbol" panose="05050102010706020507" pitchFamily="18" charset="2"/>
+              </a:rPr>
+              <a:t> </a:t>
+            </a:r>
+          </a:p>
+          <a:p>
+            <a:pPr lvl="1"/>
+            <a:r>
+              <a:rPr lang="es-PA" dirty="0" smtClean="0">
+                <a:sym typeface="Symbol" panose="05050102010706020507" pitchFamily="18" charset="2"/>
+              </a:rPr>
+              <a:t>Consta de un buffer de entrada unitario</a:t>
+            </a:r>
+          </a:p>
+          <a:p>
+            <a:pPr lvl="1"/>
+            <a:r>
+              <a:rPr lang="es-PA" dirty="0" smtClean="0">
+                <a:sym typeface="Symbol" panose="05050102010706020507" pitchFamily="18" charset="2"/>
+              </a:rPr>
+              <a:t>Espejos de corriente</a:t>
+            </a:r>
+          </a:p>
+          <a:p>
+            <a:pPr lvl="1"/>
+            <a:r>
+              <a:rPr lang="es-PA" dirty="0" smtClean="0">
+                <a:sym typeface="Symbol" panose="05050102010706020507" pitchFamily="18" charset="2"/>
+              </a:rPr>
+              <a:t>Buffer de salida</a:t>
+            </a:r>
+          </a:p>
+          <a:p>
+            <a:r>
+              <a:rPr lang="es-PA" dirty="0" smtClean="0">
+                <a:sym typeface="Symbol" panose="05050102010706020507" pitchFamily="18" charset="2"/>
+              </a:rPr>
+              <a:t>El buffer de entrada tiene al par Q1 y Q2</a:t>
+            </a:r>
+          </a:p>
+          <a:p>
+            <a:pPr lvl="1"/>
+            <a:r>
+              <a:rPr lang="es-PA" dirty="0" smtClean="0">
+                <a:sym typeface="Symbol" panose="05050102010706020507" pitchFamily="18" charset="2"/>
+              </a:rPr>
+              <a:t>Provee baja impedancia en </a:t>
+            </a:r>
+            <a:r>
+              <a:rPr lang="es-PA" dirty="0" err="1" smtClean="0">
+                <a:sym typeface="Symbol" panose="05050102010706020507" pitchFamily="18" charset="2"/>
+              </a:rPr>
+              <a:t>Vn</a:t>
+            </a:r>
+            <a:r>
+              <a:rPr lang="es-PA" dirty="0" smtClean="0">
+                <a:sym typeface="Symbol" panose="05050102010706020507" pitchFamily="18" charset="2"/>
+              </a:rPr>
+              <a:t> (entrada inversora)</a:t>
+            </a:r>
+          </a:p>
+          <a:p>
+            <a:pPr lvl="1"/>
+            <a:r>
+              <a:rPr lang="es-PA" dirty="0" smtClean="0">
+                <a:sym typeface="Symbol" panose="05050102010706020507" pitchFamily="18" charset="2"/>
+              </a:rPr>
+              <a:t>Puede actuar de fuente o </a:t>
+            </a:r>
+            <a:r>
+              <a:rPr lang="es-PA" dirty="0" err="1" smtClean="0">
+                <a:sym typeface="Symbol" panose="05050102010706020507" pitchFamily="18" charset="2"/>
+              </a:rPr>
+              <a:t>sink</a:t>
+            </a:r>
+            <a:r>
+              <a:rPr lang="es-PA" dirty="0" smtClean="0">
+                <a:sym typeface="Symbol" panose="05050102010706020507" pitchFamily="18" charset="2"/>
+              </a:rPr>
+              <a:t> de in</a:t>
+            </a:r>
+          </a:p>
+          <a:p>
+            <a:pPr lvl="1"/>
+            <a:r>
+              <a:rPr lang="es-PA" dirty="0" smtClean="0">
+                <a:sym typeface="Symbol" panose="05050102010706020507" pitchFamily="18" charset="2"/>
+              </a:rPr>
+              <a:t>Por diseño </a:t>
+            </a:r>
+            <a:r>
+              <a:rPr lang="es-PA" dirty="0" err="1" smtClean="0">
+                <a:sym typeface="Symbol" panose="05050102010706020507" pitchFamily="18" charset="2"/>
+              </a:rPr>
+              <a:t>vn</a:t>
+            </a:r>
+            <a:r>
+              <a:rPr lang="es-PA" dirty="0" smtClean="0">
+                <a:sym typeface="Symbol" panose="05050102010706020507" pitchFamily="18" charset="2"/>
+              </a:rPr>
+              <a:t> sigue a </a:t>
+            </a:r>
+            <a:r>
+              <a:rPr lang="es-PA" dirty="0" err="1" smtClean="0">
+                <a:sym typeface="Symbol" panose="05050102010706020507" pitchFamily="18" charset="2"/>
+              </a:rPr>
+              <a:t>vp</a:t>
+            </a:r>
+            <a:endParaRPr lang="es-PA" dirty="0" smtClean="0">
+              <a:sym typeface="Symbol" panose="05050102010706020507" pitchFamily="18" charset="2"/>
+            </a:endParaRPr>
+          </a:p>
+          <a:p>
+            <a:pPr lvl="1"/>
+            <a:r>
+              <a:rPr lang="es-PA" dirty="0" smtClean="0">
+                <a:sym typeface="Symbol" panose="05050102010706020507" pitchFamily="18" charset="2"/>
+              </a:rPr>
+              <a:t>Cualquier situación de corriente sobre </a:t>
+            </a:r>
+            <a:r>
+              <a:rPr lang="es-PA" dirty="0" err="1" smtClean="0">
+                <a:sym typeface="Symbol" panose="05050102010706020507" pitchFamily="18" charset="2"/>
+              </a:rPr>
+              <a:t>vn</a:t>
+            </a:r>
+            <a:r>
+              <a:rPr lang="es-PA" dirty="0" smtClean="0">
+                <a:sym typeface="Symbol" panose="05050102010706020507" pitchFamily="18" charset="2"/>
+              </a:rPr>
+              <a:t> hace desbalancear el par </a:t>
+            </a:r>
+            <a:r>
+              <a:rPr lang="es-PA" dirty="0" err="1" smtClean="0">
+                <a:sym typeface="Symbol" panose="05050102010706020507" pitchFamily="18" charset="2"/>
+              </a:rPr>
+              <a:t>push-pull</a:t>
+            </a:r>
+            <a:r>
+              <a:rPr lang="es-PA" dirty="0" smtClean="0">
+                <a:sym typeface="Symbol" panose="05050102010706020507" pitchFamily="18" charset="2"/>
+              </a:rPr>
+              <a:t> Q1-Q2</a:t>
+            </a:r>
+          </a:p>
+        </p:txBody>
+      </p:sp>
+      <p:pic>
+        <p:nvPicPr>
+          <p:cNvPr id="4" name="Imagen 3"/>
+          <p:cNvPicPr>
+            <a:picLocks noChangeAspect="1"/>
+          </p:cNvPicPr>
+          <p:nvPr/>
+        </p:nvPicPr>
+        <p:blipFill>
+          <a:blip r:embed="rId2"/>
+          <a:stretch>
+            <a:fillRect/>
+          </a:stretch>
+        </p:blipFill>
+        <p:spPr>
+          <a:xfrm>
+            <a:off x="6767512" y="2393279"/>
+            <a:ext cx="4002008" cy="2671763"/>
+          </a:xfrm>
+          <a:prstGeom prst="rect">
+            <a:avLst/>
+          </a:prstGeom>
+        </p:spPr>
+      </p:pic>
+    </p:spTree>
+    <p:extLst>
+      <p:ext uri="{BB962C8B-B14F-4D97-AF65-F5344CB8AC3E}">
+        <p14:creationId xmlns:p14="http://schemas.microsoft.com/office/powerpoint/2010/main" val="3345319095"/>
+      </p:ext>
+    </p:extLst>
+  </p:cSld>
+  <p:clrMapOvr>
+    <a:masterClrMapping/>
+  </p:clrMapOvr>
+  <p:timing>
+    <p:tnLst>
+      <p:par>
+        <p:cTn id="1" dur="indefinite" restart="never" nodeType="tmRoot"/>
+      </p:par>
+    </p:tnLst>
+  </p:timing>
+</p:sld>
+</file>
+
+<file path=ppt/slides/slide173.xml><?xml version="1.0" encoding="utf-8"?>
+<p:sld xmlns:a="http://schemas.openxmlformats.org/drawingml/2006/main" xmlns:r="http://schemas.openxmlformats.org/officeDocument/2006/relationships" xmlns:p="http://schemas.openxmlformats.org/presentationml/2006/main">
+  <p:cSld>
+    <p:spTree>
+      <p:nvGrpSpPr>
+        <p:cNvPr id="1" name=""/>
+        <p:cNvGrpSpPr/>
+        <p:nvPr/>
+      </p:nvGrpSpPr>
+      <p:grpSpPr>
+        <a:xfrm>
+          <a:off x="0" y="0"/>
+          <a:ext cx="0" cy="0"/>
+          <a:chOff x="0" y="0"/>
+          <a:chExt cx="0" cy="0"/>
+        </a:xfrm>
+      </p:grpSpPr>
+      <p:sp>
+        <p:nvSpPr>
+          <p:cNvPr id="2" name="Título 1"/>
+          <p:cNvSpPr>
+            <a:spLocks noGrp="1"/>
+          </p:cNvSpPr>
+          <p:nvPr>
+            <p:ph type="title"/>
+          </p:nvPr>
+        </p:nvSpPr>
+        <p:spPr>
+          <a:xfrm>
+            <a:off x="167425" y="360607"/>
+            <a:ext cx="11925837" cy="1178261"/>
+          </a:xfrm>
+        </p:spPr>
+        <p:txBody>
+          <a:bodyPr/>
+          <a:lstStyle/>
+          <a:p>
+            <a:r>
+              <a:rPr lang="es-PA" sz="3500" dirty="0" smtClean="0"/>
+              <a:t>Amplificadores Convertidores </a:t>
+            </a:r>
+            <a:r>
+              <a:rPr lang="es-PA" sz="3500" dirty="0" smtClean="0"/>
+              <a:t>– Amplificadores de Corriente Retroalimentados</a:t>
+            </a:r>
+            <a:endParaRPr lang="es-PA" sz="3500" dirty="0"/>
+          </a:p>
+        </p:txBody>
+      </p:sp>
+      <p:sp>
+        <p:nvSpPr>
+          <p:cNvPr id="3" name="Marcador de contenido 2"/>
+          <p:cNvSpPr>
+            <a:spLocks noGrp="1"/>
+          </p:cNvSpPr>
+          <p:nvPr>
+            <p:ph idx="1"/>
+          </p:nvPr>
+        </p:nvSpPr>
+        <p:spPr>
+          <a:xfrm>
+            <a:off x="167423" y="1538868"/>
+            <a:ext cx="11925836" cy="5107258"/>
+          </a:xfrm>
+        </p:spPr>
+        <p:txBody>
+          <a:bodyPr>
+            <a:normAutofit/>
+          </a:bodyPr>
+          <a:lstStyle/>
+          <a:p>
+            <a:r>
+              <a:rPr lang="es-PA" dirty="0">
+                <a:sym typeface="Symbol" panose="05050102010706020507" pitchFamily="18" charset="2"/>
+              </a:rPr>
+              <a:t>Espejos de corriente Q5-Q6 y Q7-Q8 replican i1 e </a:t>
+            </a:r>
+            <a:r>
+              <a:rPr lang="es-PA" dirty="0" smtClean="0">
+                <a:sym typeface="Symbol" panose="05050102010706020507" pitchFamily="18" charset="2"/>
+              </a:rPr>
+              <a:t>i2 y se suman en el nodo llamado nodo de ganancia.</a:t>
+            </a:r>
+          </a:p>
+          <a:p>
+            <a:pPr lvl="1"/>
+            <a:r>
+              <a:rPr lang="es-PA" dirty="0" err="1" smtClean="0">
+                <a:sym typeface="Symbol" panose="05050102010706020507" pitchFamily="18" charset="2"/>
+              </a:rPr>
+              <a:t>Vo</a:t>
+            </a:r>
+            <a:r>
+              <a:rPr lang="es-PA" dirty="0" smtClean="0">
+                <a:sym typeface="Symbol" panose="05050102010706020507" pitchFamily="18" charset="2"/>
+              </a:rPr>
+              <a:t> = z(</a:t>
+            </a:r>
+            <a:r>
+              <a:rPr lang="es-PA" dirty="0" err="1" smtClean="0">
+                <a:sym typeface="Symbol" panose="05050102010706020507" pitchFamily="18" charset="2"/>
+              </a:rPr>
+              <a:t>jf</a:t>
+            </a:r>
+            <a:r>
+              <a:rPr lang="es-PA" dirty="0" smtClean="0">
+                <a:sym typeface="Symbol" panose="05050102010706020507" pitchFamily="18" charset="2"/>
+              </a:rPr>
+              <a:t>)In &lt;- ganancia de </a:t>
+            </a:r>
+            <a:r>
+              <a:rPr lang="es-PA" dirty="0" err="1" smtClean="0">
+                <a:sym typeface="Symbol" panose="05050102010706020507" pitchFamily="18" charset="2"/>
+              </a:rPr>
+              <a:t>transimpendancia</a:t>
+            </a:r>
+            <a:r>
+              <a:rPr lang="es-PA" dirty="0" smtClean="0">
+                <a:sym typeface="Symbol" panose="05050102010706020507" pitchFamily="18" charset="2"/>
+              </a:rPr>
+              <a:t> de lazo abierto</a:t>
+            </a:r>
+          </a:p>
+          <a:p>
+            <a:pPr lvl="1"/>
+            <a:endParaRPr lang="es-PA" dirty="0">
+              <a:sym typeface="Symbol" panose="05050102010706020507" pitchFamily="18" charset="2"/>
+            </a:endParaRPr>
+          </a:p>
+          <a:p>
+            <a:pPr lvl="1"/>
+            <a:endParaRPr lang="es-PA" dirty="0" smtClean="0">
+              <a:sym typeface="Symbol" panose="05050102010706020507" pitchFamily="18" charset="2"/>
+            </a:endParaRPr>
+          </a:p>
+          <a:p>
+            <a:pPr lvl="1"/>
+            <a:endParaRPr lang="es-PA" dirty="0">
+              <a:sym typeface="Symbol" panose="05050102010706020507" pitchFamily="18" charset="2"/>
+            </a:endParaRPr>
+          </a:p>
+          <a:p>
+            <a:pPr lvl="1"/>
+            <a:endParaRPr lang="es-PA" dirty="0" smtClean="0">
+              <a:sym typeface="Symbol" panose="05050102010706020507" pitchFamily="18" charset="2"/>
+            </a:endParaRPr>
+          </a:p>
+          <a:p>
+            <a:r>
+              <a:rPr lang="es-PA" dirty="0" err="1" smtClean="0">
+                <a:sym typeface="Symbol" panose="05050102010706020507" pitchFamily="18" charset="2"/>
+              </a:rPr>
+              <a:t>Ejm</a:t>
+            </a:r>
+            <a:r>
+              <a:rPr lang="es-PA" dirty="0" smtClean="0">
+                <a:sym typeface="Symbol" panose="05050102010706020507" pitchFamily="18" charset="2"/>
+              </a:rPr>
+              <a:t>:  El CLC401 tiene </a:t>
+            </a:r>
+            <a:r>
+              <a:rPr lang="es-PA" dirty="0" err="1" smtClean="0">
+                <a:sym typeface="Symbol" panose="05050102010706020507" pitchFamily="18" charset="2"/>
+              </a:rPr>
+              <a:t>zo</a:t>
+            </a:r>
+            <a:r>
+              <a:rPr lang="es-PA" dirty="0" smtClean="0">
+                <a:sym typeface="Symbol" panose="05050102010706020507" pitchFamily="18" charset="2"/>
+              </a:rPr>
+              <a:t> = 0.71 V/</a:t>
+            </a:r>
+            <a:r>
+              <a:rPr lang="es-PA" dirty="0" err="1" smtClean="0">
+                <a:sym typeface="Symbol" panose="05050102010706020507" pitchFamily="18" charset="2"/>
+              </a:rPr>
+              <a:t>uA</a:t>
+            </a:r>
+            <a:r>
+              <a:rPr lang="es-PA" dirty="0" smtClean="0">
+                <a:sym typeface="Symbol" panose="05050102010706020507" pitchFamily="18" charset="2"/>
+              </a:rPr>
+              <a:t> y </a:t>
+            </a:r>
+            <a:r>
+              <a:rPr lang="es-PA" dirty="0" err="1" smtClean="0">
+                <a:sym typeface="Symbol" panose="05050102010706020507" pitchFamily="18" charset="2"/>
+              </a:rPr>
+              <a:t>fb</a:t>
+            </a:r>
+            <a:r>
+              <a:rPr lang="es-PA" dirty="0" smtClean="0">
+                <a:sym typeface="Symbol" panose="05050102010706020507" pitchFamily="18" charset="2"/>
+              </a:rPr>
+              <a:t> = 350kHz</a:t>
+            </a:r>
+          </a:p>
+          <a:p>
+            <a:r>
+              <a:rPr lang="es-PA" dirty="0" smtClean="0">
+                <a:sym typeface="Symbol" panose="05050102010706020507" pitchFamily="18" charset="2"/>
+              </a:rPr>
+              <a:t>Encuentre </a:t>
+            </a:r>
+            <a:r>
+              <a:rPr lang="es-PA" dirty="0" err="1" smtClean="0">
+                <a:sym typeface="Symbol" panose="05050102010706020507" pitchFamily="18" charset="2"/>
+              </a:rPr>
+              <a:t>Ceq</a:t>
+            </a:r>
+            <a:r>
+              <a:rPr lang="es-PA" dirty="0" smtClean="0">
+                <a:sym typeface="Symbol" panose="05050102010706020507" pitchFamily="18" charset="2"/>
+              </a:rPr>
+              <a:t> </a:t>
+            </a:r>
+          </a:p>
+          <a:p>
+            <a:r>
+              <a:rPr lang="es-PA" dirty="0" smtClean="0">
+                <a:sym typeface="Symbol" panose="05050102010706020507" pitchFamily="18" charset="2"/>
+              </a:rPr>
+              <a:t>Encuentre In para </a:t>
+            </a:r>
+            <a:r>
+              <a:rPr lang="es-PA" dirty="0" err="1" smtClean="0">
+                <a:sym typeface="Symbol" panose="05050102010706020507" pitchFamily="18" charset="2"/>
+              </a:rPr>
+              <a:t>vo</a:t>
+            </a:r>
+            <a:r>
+              <a:rPr lang="es-PA" dirty="0" smtClean="0">
+                <a:sym typeface="Symbol" panose="05050102010706020507" pitchFamily="18" charset="2"/>
+              </a:rPr>
+              <a:t>  = 5V</a:t>
+            </a:r>
+          </a:p>
+          <a:p>
+            <a:endParaRPr lang="es-PA" dirty="0" smtClean="0">
+              <a:sym typeface="Symbol" panose="05050102010706020507" pitchFamily="18" charset="2"/>
+            </a:endParaRPr>
+          </a:p>
+          <a:p>
+            <a:r>
+              <a:rPr lang="es-PA" dirty="0" err="1" smtClean="0">
+                <a:sym typeface="Symbol" panose="05050102010706020507" pitchFamily="18" charset="2"/>
+              </a:rPr>
+              <a:t>Req</a:t>
+            </a:r>
+            <a:r>
+              <a:rPr lang="es-PA" dirty="0" smtClean="0">
+                <a:sym typeface="Symbol" panose="05050102010706020507" pitchFamily="18" charset="2"/>
+              </a:rPr>
+              <a:t> = 710k, </a:t>
+            </a:r>
+            <a:r>
+              <a:rPr lang="es-PA" dirty="0" err="1" smtClean="0">
+                <a:sym typeface="Symbol" panose="05050102010706020507" pitchFamily="18" charset="2"/>
+              </a:rPr>
+              <a:t>Ceq</a:t>
+            </a:r>
+            <a:r>
+              <a:rPr lang="es-PA" dirty="0" smtClean="0">
+                <a:sym typeface="Symbol" panose="05050102010706020507" pitchFamily="18" charset="2"/>
+              </a:rPr>
+              <a:t> = 1/(2piReq </a:t>
+            </a:r>
+            <a:r>
+              <a:rPr lang="es-PA" dirty="0" err="1" smtClean="0">
+                <a:sym typeface="Symbol" panose="05050102010706020507" pitchFamily="18" charset="2"/>
+              </a:rPr>
+              <a:t>fb</a:t>
+            </a:r>
+            <a:r>
+              <a:rPr lang="es-PA" dirty="0" smtClean="0">
+                <a:sym typeface="Symbol" panose="05050102010706020507" pitchFamily="18" charset="2"/>
+              </a:rPr>
+              <a:t>) = 0.64pF; in = </a:t>
+            </a:r>
+            <a:r>
+              <a:rPr lang="es-PA" dirty="0" err="1" smtClean="0">
+                <a:sym typeface="Symbol" panose="05050102010706020507" pitchFamily="18" charset="2"/>
+              </a:rPr>
+              <a:t>vo</a:t>
+            </a:r>
+            <a:r>
+              <a:rPr lang="es-PA" dirty="0" smtClean="0">
+                <a:sym typeface="Symbol" panose="05050102010706020507" pitchFamily="18" charset="2"/>
+              </a:rPr>
+              <a:t>/</a:t>
+            </a:r>
+            <a:r>
+              <a:rPr lang="es-PA" dirty="0" err="1" smtClean="0">
+                <a:sym typeface="Symbol" panose="05050102010706020507" pitchFamily="18" charset="2"/>
+              </a:rPr>
+              <a:t>Req</a:t>
+            </a:r>
+            <a:r>
+              <a:rPr lang="es-PA" dirty="0" smtClean="0">
+                <a:sym typeface="Symbol" panose="05050102010706020507" pitchFamily="18" charset="2"/>
+              </a:rPr>
+              <a:t> = 7.04uA</a:t>
+            </a:r>
+          </a:p>
+        </p:txBody>
+      </p:sp>
+      <p:pic>
+        <p:nvPicPr>
+          <p:cNvPr id="4" name="Imagen 3"/>
+          <p:cNvPicPr>
+            <a:picLocks noChangeAspect="1"/>
+          </p:cNvPicPr>
+          <p:nvPr/>
+        </p:nvPicPr>
+        <p:blipFill>
+          <a:blip r:embed="rId2"/>
+          <a:stretch>
+            <a:fillRect/>
+          </a:stretch>
+        </p:blipFill>
+        <p:spPr>
+          <a:xfrm>
+            <a:off x="6691312" y="2756615"/>
+            <a:ext cx="4002008" cy="2671763"/>
+          </a:xfrm>
+          <a:prstGeom prst="rect">
+            <a:avLst/>
+          </a:prstGeom>
+        </p:spPr>
+      </p:pic>
+      <p:pic>
+        <p:nvPicPr>
+          <p:cNvPr id="5" name="Imagen 4"/>
+          <p:cNvPicPr>
+            <a:picLocks noChangeAspect="1"/>
+          </p:cNvPicPr>
+          <p:nvPr/>
+        </p:nvPicPr>
+        <p:blipFill>
+          <a:blip r:embed="rId3"/>
+          <a:stretch>
+            <a:fillRect/>
+          </a:stretch>
+        </p:blipFill>
+        <p:spPr>
+          <a:xfrm>
+            <a:off x="719137" y="2756615"/>
+            <a:ext cx="1974389" cy="1434385"/>
+          </a:xfrm>
+          <a:prstGeom prst="rect">
+            <a:avLst/>
+          </a:prstGeom>
+        </p:spPr>
+      </p:pic>
+    </p:spTree>
+    <p:extLst>
+      <p:ext uri="{BB962C8B-B14F-4D97-AF65-F5344CB8AC3E}">
+        <p14:creationId xmlns:p14="http://schemas.microsoft.com/office/powerpoint/2010/main" val="4097465186"/>
+      </p:ext>
+    </p:extLst>
+  </p:cSld>
+  <p:clrMapOvr>
+    <a:masterClrMapping/>
+  </p:clrMapOvr>
+  <p:timing>
+    <p:tnLst>
+      <p:par>
+        <p:cTn id="1" dur="indefinite" restart="never" nodeType="tmRoot"/>
+      </p:par>
+    </p:tnLst>
+  </p:timing>
+</p:sld>
+</file>
+
+<file path=ppt/slides/slide174.xml><?xml version="1.0" encoding="utf-8"?>
+<p:sld xmlns:a="http://schemas.openxmlformats.org/drawingml/2006/main" xmlns:r="http://schemas.openxmlformats.org/officeDocument/2006/relationships" xmlns:p="http://schemas.openxmlformats.org/presentationml/2006/main">
+  <p:cSld>
+    <p:spTree>
+      <p:nvGrpSpPr>
+        <p:cNvPr id="1" name=""/>
+        <p:cNvGrpSpPr/>
+        <p:nvPr/>
+      </p:nvGrpSpPr>
+      <p:grpSpPr>
+        <a:xfrm>
+          <a:off x="0" y="0"/>
+          <a:ext cx="0" cy="0"/>
+          <a:chOff x="0" y="0"/>
+          <a:chExt cx="0" cy="0"/>
+        </a:xfrm>
+      </p:grpSpPr>
+      <p:sp>
+        <p:nvSpPr>
+          <p:cNvPr id="2" name="Título 1"/>
+          <p:cNvSpPr>
+            <a:spLocks noGrp="1"/>
+          </p:cNvSpPr>
+          <p:nvPr>
+            <p:ph type="title"/>
+          </p:nvPr>
+        </p:nvSpPr>
+        <p:spPr>
+          <a:xfrm>
+            <a:off x="167425" y="360607"/>
+            <a:ext cx="11925837" cy="1178261"/>
+          </a:xfrm>
+        </p:spPr>
+        <p:txBody>
+          <a:bodyPr/>
+          <a:lstStyle/>
+          <a:p>
+            <a:r>
+              <a:rPr lang="es-PA" sz="3500" dirty="0" smtClean="0"/>
+              <a:t>Amplificadores Convertidores </a:t>
+            </a:r>
+            <a:r>
+              <a:rPr lang="es-PA" sz="3500" dirty="0" smtClean="0"/>
+              <a:t>– Amplificadores de Corriente Retroalimentados</a:t>
+            </a:r>
+            <a:endParaRPr lang="es-PA" sz="3500" dirty="0"/>
+          </a:p>
+        </p:txBody>
+      </p:sp>
+      <p:sp>
+        <p:nvSpPr>
+          <p:cNvPr id="3" name="Marcador de contenido 2"/>
+          <p:cNvSpPr>
+            <a:spLocks noGrp="1"/>
+          </p:cNvSpPr>
+          <p:nvPr>
+            <p:ph idx="1"/>
+          </p:nvPr>
+        </p:nvSpPr>
+        <p:spPr>
+          <a:xfrm>
+            <a:off x="167423" y="1538868"/>
+            <a:ext cx="11925836" cy="5107258"/>
+          </a:xfrm>
+        </p:spPr>
+        <p:txBody>
+          <a:bodyPr>
+            <a:normAutofit/>
+          </a:bodyPr>
+          <a:lstStyle/>
+          <a:p>
+            <a:r>
+              <a:rPr lang="es-PA" dirty="0" smtClean="0">
+                <a:sym typeface="Symbol" panose="05050102010706020507" pitchFamily="18" charset="2"/>
+              </a:rPr>
+              <a:t>Ganancia de lazo cerrado</a:t>
+            </a:r>
+          </a:p>
+          <a:p>
+            <a:r>
+              <a:rPr lang="es-PA" dirty="0" smtClean="0">
+                <a:sym typeface="Symbol" panose="05050102010706020507" pitchFamily="18" charset="2"/>
+              </a:rPr>
+              <a:t>Vi </a:t>
+            </a:r>
+            <a:r>
+              <a:rPr lang="es-PA" dirty="0" err="1" smtClean="0">
+                <a:sym typeface="Symbol" panose="05050102010706020507" pitchFamily="18" charset="2"/>
+              </a:rPr>
+              <a:t>trada</a:t>
+            </a:r>
+            <a:r>
+              <a:rPr lang="es-PA" dirty="0" smtClean="0">
+                <a:sym typeface="Symbol" panose="05050102010706020507" pitchFamily="18" charset="2"/>
+              </a:rPr>
+              <a:t> de </a:t>
+            </a:r>
+            <a:r>
+              <a:rPr lang="es-PA" dirty="0" err="1" smtClean="0">
+                <a:sym typeface="Symbol" panose="05050102010706020507" pitchFamily="18" charset="2"/>
+              </a:rPr>
+              <a:t>desbalanciear</a:t>
+            </a:r>
+            <a:r>
+              <a:rPr lang="es-PA" dirty="0" smtClean="0">
+                <a:sym typeface="Symbol" panose="05050102010706020507" pitchFamily="18" charset="2"/>
+              </a:rPr>
+              <a:t> el circuito</a:t>
+            </a:r>
+          </a:p>
+          <a:p>
+            <a:r>
+              <a:rPr lang="es-PA" dirty="0" smtClean="0">
+                <a:sym typeface="Symbol" panose="05050102010706020507" pitchFamily="18" charset="2"/>
+              </a:rPr>
+              <a:t>Por ende In también se </a:t>
+            </a:r>
+            <a:r>
+              <a:rPr lang="es-PA" dirty="0" err="1" smtClean="0">
+                <a:sym typeface="Symbol" panose="05050102010706020507" pitchFamily="18" charset="2"/>
+              </a:rPr>
+              <a:t>desblalancea</a:t>
+            </a:r>
+            <a:endParaRPr lang="es-PA" dirty="0" smtClean="0">
+              <a:sym typeface="Symbol" panose="05050102010706020507" pitchFamily="18" charset="2"/>
+            </a:endParaRPr>
+          </a:p>
+          <a:p>
+            <a:r>
+              <a:rPr lang="es-PA" dirty="0" err="1" smtClean="0">
+                <a:sym typeface="Symbol" panose="05050102010706020507" pitchFamily="18" charset="2"/>
+              </a:rPr>
+              <a:t>Vo</a:t>
+            </a:r>
+            <a:r>
+              <a:rPr lang="es-PA" dirty="0" smtClean="0">
+                <a:sym typeface="Symbol" panose="05050102010706020507" pitchFamily="18" charset="2"/>
+              </a:rPr>
+              <a:t> cambia de positivo a negativo</a:t>
+            </a:r>
+          </a:p>
+          <a:p>
+            <a:r>
+              <a:rPr lang="es-PA" dirty="0" smtClean="0">
+                <a:sym typeface="Symbol" panose="05050102010706020507" pitchFamily="18" charset="2"/>
+              </a:rPr>
+              <a:t>Aplicando el principio de superposición tenemos</a:t>
+            </a:r>
+          </a:p>
+          <a:p>
+            <a:r>
+              <a:rPr lang="es-PA" dirty="0" smtClean="0">
+                <a:sym typeface="Symbol" panose="05050102010706020507" pitchFamily="18" charset="2"/>
+              </a:rPr>
+              <a:t>Sustituyendo obtenemos las ecuaciones</a:t>
+            </a:r>
+          </a:p>
+          <a:p>
+            <a:endParaRPr lang="es-PA" dirty="0">
+              <a:sym typeface="Symbol" panose="05050102010706020507" pitchFamily="18" charset="2"/>
+            </a:endParaRPr>
+          </a:p>
+          <a:p>
+            <a:endParaRPr lang="es-PA" dirty="0" smtClean="0">
+              <a:sym typeface="Symbol" panose="05050102010706020507" pitchFamily="18" charset="2"/>
+            </a:endParaRPr>
+          </a:p>
+          <a:p>
+            <a:endParaRPr lang="es-PA" dirty="0">
+              <a:sym typeface="Symbol" panose="05050102010706020507" pitchFamily="18" charset="2"/>
+            </a:endParaRPr>
+          </a:p>
+          <a:p>
+            <a:r>
+              <a:rPr lang="es-PA" dirty="0" smtClean="0">
+                <a:sym typeface="Symbol" panose="05050102010706020507" pitchFamily="18" charset="2"/>
+              </a:rPr>
+              <a:t>T es la ganancia de lazo cerrado</a:t>
+            </a:r>
+          </a:p>
+          <a:p>
+            <a:r>
+              <a:rPr lang="es-PA" dirty="0" smtClean="0">
+                <a:sym typeface="Symbol" panose="05050102010706020507" pitchFamily="18" charset="2"/>
+              </a:rPr>
+              <a:t>Se puede ver en la gráfica el efecto causado por la ganancia entre R2 y 1/B</a:t>
+            </a:r>
+          </a:p>
+          <a:p>
+            <a:endParaRPr lang="es-PA" dirty="0">
+              <a:sym typeface="Symbol" panose="05050102010706020507" pitchFamily="18" charset="2"/>
+            </a:endParaRPr>
+          </a:p>
+          <a:p>
+            <a:endParaRPr lang="es-PA" dirty="0" smtClean="0">
+              <a:sym typeface="Symbol" panose="05050102010706020507" pitchFamily="18" charset="2"/>
+            </a:endParaRPr>
+          </a:p>
+          <a:p>
+            <a:endParaRPr lang="es-PA" dirty="0" smtClean="0">
+              <a:sym typeface="Symbol" panose="05050102010706020507" pitchFamily="18" charset="2"/>
+            </a:endParaRPr>
+          </a:p>
+          <a:p>
+            <a:endParaRPr lang="es-PA" dirty="0" smtClean="0">
+              <a:sym typeface="Symbol" panose="05050102010706020507" pitchFamily="18" charset="2"/>
+            </a:endParaRPr>
+          </a:p>
+        </p:txBody>
+      </p:sp>
+      <p:pic>
+        <p:nvPicPr>
+          <p:cNvPr id="6" name="Imagen 5"/>
+          <p:cNvPicPr>
+            <a:picLocks noChangeAspect="1"/>
+          </p:cNvPicPr>
+          <p:nvPr/>
+        </p:nvPicPr>
+        <p:blipFill>
+          <a:blip r:embed="rId2"/>
+          <a:stretch>
+            <a:fillRect/>
+          </a:stretch>
+        </p:blipFill>
+        <p:spPr>
+          <a:xfrm>
+            <a:off x="6244395" y="1143000"/>
+            <a:ext cx="4386454" cy="2089824"/>
+          </a:xfrm>
+          <a:prstGeom prst="rect">
+            <a:avLst/>
+          </a:prstGeom>
+        </p:spPr>
+      </p:pic>
+      <p:pic>
+        <p:nvPicPr>
+          <p:cNvPr id="7" name="Imagen 6"/>
+          <p:cNvPicPr>
+            <a:picLocks noChangeAspect="1"/>
+          </p:cNvPicPr>
+          <p:nvPr/>
+        </p:nvPicPr>
+        <p:blipFill>
+          <a:blip r:embed="rId3"/>
+          <a:stretch>
+            <a:fillRect/>
+          </a:stretch>
+        </p:blipFill>
+        <p:spPr>
+          <a:xfrm>
+            <a:off x="6772275" y="3232824"/>
+            <a:ext cx="2121154" cy="782393"/>
+          </a:xfrm>
+          <a:prstGeom prst="rect">
+            <a:avLst/>
+          </a:prstGeom>
+        </p:spPr>
+      </p:pic>
+      <p:pic>
+        <p:nvPicPr>
+          <p:cNvPr id="8" name="Imagen 7"/>
+          <p:cNvPicPr>
+            <a:picLocks noChangeAspect="1"/>
+          </p:cNvPicPr>
+          <p:nvPr/>
+        </p:nvPicPr>
+        <p:blipFill>
+          <a:blip r:embed="rId4"/>
+          <a:stretch>
+            <a:fillRect/>
+          </a:stretch>
+        </p:blipFill>
+        <p:spPr>
+          <a:xfrm>
+            <a:off x="1176337" y="4092497"/>
+            <a:ext cx="3508599" cy="1222453"/>
+          </a:xfrm>
+          <a:prstGeom prst="rect">
+            <a:avLst/>
+          </a:prstGeom>
+        </p:spPr>
+      </p:pic>
+    </p:spTree>
+    <p:extLst>
+      <p:ext uri="{BB962C8B-B14F-4D97-AF65-F5344CB8AC3E}">
+        <p14:creationId xmlns:p14="http://schemas.microsoft.com/office/powerpoint/2010/main" val="2402461668"/>
+      </p:ext>
+    </p:extLst>
+  </p:cSld>
+  <p:clrMapOvr>
+    <a:masterClrMapping/>
+  </p:clrMapOvr>
+  <p:timing>
+    <p:tnLst>
+      <p:par>
+        <p:cTn id="1" dur="indefinite" restart="never" nodeType="tmRoot"/>
+      </p:par>
+    </p:tnLst>
+  </p:timing>
+</p:sld>
+</file>
+
+<file path=ppt/slides/slide175.xml><?xml version="1.0" encoding="utf-8"?>
+<p:sld xmlns:a="http://schemas.openxmlformats.org/drawingml/2006/main" xmlns:r="http://schemas.openxmlformats.org/officeDocument/2006/relationships" xmlns:p="http://schemas.openxmlformats.org/presentationml/2006/main">
+  <p:cSld>
+    <p:spTree>
+      <p:nvGrpSpPr>
+        <p:cNvPr id="1" name=""/>
+        <p:cNvGrpSpPr/>
+        <p:nvPr/>
+      </p:nvGrpSpPr>
+      <p:grpSpPr>
+        <a:xfrm>
+          <a:off x="0" y="0"/>
+          <a:ext cx="0" cy="0"/>
+          <a:chOff x="0" y="0"/>
+          <a:chExt cx="0" cy="0"/>
+        </a:xfrm>
+      </p:grpSpPr>
+      <p:sp>
+        <p:nvSpPr>
+          <p:cNvPr id="2" name="Título 1"/>
+          <p:cNvSpPr>
+            <a:spLocks noGrp="1"/>
+          </p:cNvSpPr>
+          <p:nvPr>
+            <p:ph type="title"/>
+          </p:nvPr>
+        </p:nvSpPr>
+        <p:spPr>
+          <a:xfrm>
+            <a:off x="167425" y="360607"/>
+            <a:ext cx="11925837" cy="1178261"/>
+          </a:xfrm>
+        </p:spPr>
+        <p:txBody>
+          <a:bodyPr/>
+          <a:lstStyle/>
+          <a:p>
+            <a:r>
+              <a:rPr lang="es-PA" sz="3500" dirty="0" smtClean="0"/>
+              <a:t>Amplificadores Convertidores </a:t>
+            </a:r>
+            <a:r>
+              <a:rPr lang="es-PA" sz="3500" dirty="0" smtClean="0"/>
+              <a:t>– Amplificadores de Corriente Retroalimentados</a:t>
+            </a:r>
+            <a:endParaRPr lang="es-PA" sz="3500" dirty="0"/>
+          </a:p>
+        </p:txBody>
+      </p:sp>
+      <p:sp>
+        <p:nvSpPr>
+          <p:cNvPr id="3" name="Marcador de contenido 2"/>
+          <p:cNvSpPr>
+            <a:spLocks noGrp="1"/>
+          </p:cNvSpPr>
+          <p:nvPr>
+            <p:ph idx="1"/>
+          </p:nvPr>
+        </p:nvSpPr>
+        <p:spPr>
+          <a:xfrm>
+            <a:off x="167423" y="1538868"/>
+            <a:ext cx="11925836" cy="5107258"/>
+          </a:xfrm>
+        </p:spPr>
+        <p:txBody>
+          <a:bodyPr>
+            <a:normAutofit lnSpcReduction="10000"/>
+          </a:bodyPr>
+          <a:lstStyle/>
+          <a:p>
+            <a:r>
+              <a:rPr lang="es-PA" dirty="0" smtClean="0">
+                <a:sym typeface="Symbol" panose="05050102010706020507" pitchFamily="18" charset="2"/>
+              </a:rPr>
+              <a:t>Dinámica de los </a:t>
+            </a:r>
+            <a:r>
+              <a:rPr lang="es-PA" dirty="0" err="1" smtClean="0">
+                <a:sym typeface="Symbol" panose="05050102010706020507" pitchFamily="18" charset="2"/>
+              </a:rPr>
+              <a:t>CFAs</a:t>
+            </a:r>
+            <a:endParaRPr lang="es-PA" dirty="0" smtClean="0">
+              <a:sym typeface="Symbol" panose="05050102010706020507" pitchFamily="18" charset="2"/>
+            </a:endParaRPr>
+          </a:p>
+          <a:p>
+            <a:endParaRPr lang="es-PA" dirty="0">
+              <a:sym typeface="Symbol" panose="05050102010706020507" pitchFamily="18" charset="2"/>
+            </a:endParaRPr>
+          </a:p>
+          <a:p>
+            <a:r>
+              <a:rPr lang="es-PA" dirty="0" smtClean="0">
+                <a:sym typeface="Symbol" panose="05050102010706020507" pitchFamily="18" charset="2"/>
+              </a:rPr>
+              <a:t>Podemos seguir </a:t>
+            </a:r>
+            <a:r>
+              <a:rPr lang="es-PA" dirty="0" err="1" smtClean="0">
+                <a:sym typeface="Symbol" panose="05050102010706020507" pitchFamily="18" charset="2"/>
+              </a:rPr>
+              <a:t>reemplazano</a:t>
+            </a:r>
+            <a:r>
+              <a:rPr lang="es-PA" dirty="0" smtClean="0">
+                <a:sym typeface="Symbol" panose="05050102010706020507" pitchFamily="18" charset="2"/>
+              </a:rPr>
+              <a:t> en la…</a:t>
+            </a:r>
+          </a:p>
+          <a:p>
+            <a:r>
+              <a:rPr lang="es-PA" dirty="0" smtClean="0">
+                <a:sym typeface="Symbol" panose="05050102010706020507" pitchFamily="18" charset="2"/>
+              </a:rPr>
+              <a:t>… ecuación y conseguir estos resultados</a:t>
+            </a:r>
+          </a:p>
+          <a:p>
+            <a:endParaRPr lang="es-PA" dirty="0">
+              <a:sym typeface="Symbol" panose="05050102010706020507" pitchFamily="18" charset="2"/>
+            </a:endParaRPr>
+          </a:p>
+          <a:p>
+            <a:endParaRPr lang="es-PA" dirty="0" smtClean="0">
+              <a:sym typeface="Symbol" panose="05050102010706020507" pitchFamily="18" charset="2"/>
+            </a:endParaRPr>
+          </a:p>
+          <a:p>
+            <a:endParaRPr lang="es-PA" dirty="0">
+              <a:sym typeface="Symbol" panose="05050102010706020507" pitchFamily="18" charset="2"/>
+            </a:endParaRPr>
+          </a:p>
+          <a:p>
+            <a:r>
+              <a:rPr lang="es-PA" dirty="0" smtClean="0">
+                <a:sym typeface="Symbol" panose="05050102010706020507" pitchFamily="18" charset="2"/>
+              </a:rPr>
+              <a:t>A0 y ft son las ganancias de ancho de banda a lazo cerrado en DC.</a:t>
+            </a:r>
+          </a:p>
+          <a:p>
+            <a:r>
+              <a:rPr lang="es-PA" dirty="0" smtClean="0">
+                <a:sym typeface="Symbol" panose="05050102010706020507" pitchFamily="18" charset="2"/>
+              </a:rPr>
+              <a:t>R2 [</a:t>
+            </a:r>
+            <a:r>
+              <a:rPr lang="es-PA" dirty="0" err="1" smtClean="0">
+                <a:sym typeface="Symbol" panose="05050102010706020507" pitchFamily="18" charset="2"/>
+              </a:rPr>
+              <a:t>kohm</a:t>
+            </a:r>
+            <a:r>
+              <a:rPr lang="es-PA" dirty="0" smtClean="0">
+                <a:sym typeface="Symbol" panose="05050102010706020507" pitchFamily="18" charset="2"/>
+              </a:rPr>
+              <a:t>] </a:t>
+            </a:r>
+            <a:r>
+              <a:rPr lang="es-PA" dirty="0" err="1" smtClean="0">
+                <a:sym typeface="Symbol" panose="05050102010706020507" pitchFamily="18" charset="2"/>
+              </a:rPr>
+              <a:t>Ceq</a:t>
+            </a:r>
+            <a:r>
+              <a:rPr lang="es-PA" dirty="0" smtClean="0">
+                <a:sym typeface="Symbol" panose="05050102010706020507" pitchFamily="18" charset="2"/>
+              </a:rPr>
+              <a:t> [</a:t>
+            </a:r>
+            <a:r>
+              <a:rPr lang="es-PA" dirty="0" err="1" smtClean="0">
+                <a:sym typeface="Symbol" panose="05050102010706020507" pitchFamily="18" charset="2"/>
+              </a:rPr>
+              <a:t>Pf</a:t>
+            </a:r>
+            <a:r>
+              <a:rPr lang="es-PA" dirty="0" smtClean="0">
+                <a:sym typeface="Symbol" panose="05050102010706020507" pitchFamily="18" charset="2"/>
+              </a:rPr>
+              <a:t>].  Generalmente anda alrededor de los 10^8 Hz.</a:t>
+            </a:r>
+          </a:p>
+          <a:p>
+            <a:r>
+              <a:rPr lang="es-PA" dirty="0" smtClean="0">
+                <a:sym typeface="Symbol" panose="05050102010706020507" pitchFamily="18" charset="2"/>
+              </a:rPr>
+              <a:t>El máximo ancho de banda depende de R2…</a:t>
+            </a:r>
+          </a:p>
+          <a:p>
+            <a:r>
+              <a:rPr lang="es-PA" dirty="0" smtClean="0">
+                <a:sym typeface="Symbol" panose="05050102010706020507" pitchFamily="18" charset="2"/>
+              </a:rPr>
+              <a:t>… por ende se utiliza para ajustar ft</a:t>
+            </a:r>
+          </a:p>
+          <a:p>
+            <a:r>
+              <a:rPr lang="es-PA" dirty="0" smtClean="0">
+                <a:sym typeface="Symbol" panose="05050102010706020507" pitchFamily="18" charset="2"/>
+              </a:rPr>
+              <a:t>R1 se utiliza para ajustar A0</a:t>
+            </a:r>
+          </a:p>
+          <a:p>
+            <a:endParaRPr lang="es-PA" dirty="0" smtClean="0">
+              <a:sym typeface="Symbol" panose="05050102010706020507" pitchFamily="18" charset="2"/>
+            </a:endParaRPr>
+          </a:p>
+        </p:txBody>
+      </p:sp>
+      <p:pic>
+        <p:nvPicPr>
+          <p:cNvPr id="4" name="Imagen 3"/>
+          <p:cNvPicPr>
+            <a:picLocks noChangeAspect="1"/>
+          </p:cNvPicPr>
+          <p:nvPr/>
+        </p:nvPicPr>
+        <p:blipFill>
+          <a:blip r:embed="rId2"/>
+          <a:stretch>
+            <a:fillRect/>
+          </a:stretch>
+        </p:blipFill>
+        <p:spPr>
+          <a:xfrm>
+            <a:off x="6992623" y="1511971"/>
+            <a:ext cx="3400425" cy="1876425"/>
+          </a:xfrm>
+          <a:prstGeom prst="rect">
+            <a:avLst/>
+          </a:prstGeom>
+        </p:spPr>
+      </p:pic>
+      <p:pic>
+        <p:nvPicPr>
+          <p:cNvPr id="5" name="Imagen 4"/>
+          <p:cNvPicPr>
+            <a:picLocks noChangeAspect="1"/>
+          </p:cNvPicPr>
+          <p:nvPr/>
+        </p:nvPicPr>
+        <p:blipFill>
+          <a:blip r:embed="rId3"/>
+          <a:stretch>
+            <a:fillRect/>
+          </a:stretch>
+        </p:blipFill>
+        <p:spPr>
+          <a:xfrm>
+            <a:off x="5365552" y="1511971"/>
+            <a:ext cx="1521305" cy="554374"/>
+          </a:xfrm>
+          <a:prstGeom prst="rect">
+            <a:avLst/>
+          </a:prstGeom>
+        </p:spPr>
+      </p:pic>
+      <p:pic>
+        <p:nvPicPr>
+          <p:cNvPr id="9" name="Imagen 8"/>
+          <p:cNvPicPr>
+            <a:picLocks noChangeAspect="1"/>
+          </p:cNvPicPr>
+          <p:nvPr/>
+        </p:nvPicPr>
+        <p:blipFill>
+          <a:blip r:embed="rId4"/>
+          <a:stretch>
+            <a:fillRect/>
+          </a:stretch>
+        </p:blipFill>
+        <p:spPr>
+          <a:xfrm>
+            <a:off x="5365552" y="2066345"/>
+            <a:ext cx="1521305" cy="677973"/>
+          </a:xfrm>
+          <a:prstGeom prst="rect">
+            <a:avLst/>
+          </a:prstGeom>
+        </p:spPr>
+      </p:pic>
+      <p:pic>
+        <p:nvPicPr>
+          <p:cNvPr id="10" name="Imagen 9"/>
+          <p:cNvPicPr>
+            <a:picLocks noChangeAspect="1"/>
+          </p:cNvPicPr>
+          <p:nvPr/>
+        </p:nvPicPr>
+        <p:blipFill>
+          <a:blip r:embed="rId5"/>
+          <a:stretch>
+            <a:fillRect/>
+          </a:stretch>
+        </p:blipFill>
+        <p:spPr>
+          <a:xfrm>
+            <a:off x="1123950" y="3225721"/>
+            <a:ext cx="3438372" cy="1193879"/>
+          </a:xfrm>
+          <a:prstGeom prst="rect">
+            <a:avLst/>
+          </a:prstGeom>
+        </p:spPr>
+      </p:pic>
+      <p:pic>
+        <p:nvPicPr>
+          <p:cNvPr id="11" name="Imagen 10"/>
+          <p:cNvPicPr>
+            <a:picLocks noChangeAspect="1"/>
+          </p:cNvPicPr>
+          <p:nvPr/>
+        </p:nvPicPr>
+        <p:blipFill>
+          <a:blip r:embed="rId6"/>
+          <a:stretch>
+            <a:fillRect/>
+          </a:stretch>
+        </p:blipFill>
+        <p:spPr>
+          <a:xfrm>
+            <a:off x="6415087" y="5034722"/>
+            <a:ext cx="2119313" cy="1756943"/>
+          </a:xfrm>
+          <a:prstGeom prst="rect">
+            <a:avLst/>
+          </a:prstGeom>
+        </p:spPr>
+      </p:pic>
+      <p:pic>
+        <p:nvPicPr>
+          <p:cNvPr id="12" name="Imagen 11"/>
+          <p:cNvPicPr>
+            <a:picLocks noChangeAspect="1"/>
+          </p:cNvPicPr>
+          <p:nvPr/>
+        </p:nvPicPr>
+        <p:blipFill>
+          <a:blip r:embed="rId7"/>
+          <a:stretch>
+            <a:fillRect/>
+          </a:stretch>
+        </p:blipFill>
+        <p:spPr>
+          <a:xfrm>
+            <a:off x="8877300" y="5034722"/>
+            <a:ext cx="2209800" cy="1770095"/>
+          </a:xfrm>
+          <a:prstGeom prst="rect">
+            <a:avLst/>
+          </a:prstGeom>
+        </p:spPr>
+      </p:pic>
+    </p:spTree>
+    <p:extLst>
+      <p:ext uri="{BB962C8B-B14F-4D97-AF65-F5344CB8AC3E}">
+        <p14:creationId xmlns:p14="http://schemas.microsoft.com/office/powerpoint/2010/main" val="1321823746"/>
+      </p:ext>
+    </p:extLst>
+  </p:cSld>
+  <p:clrMapOvr>
+    <a:masterClrMapping/>
+  </p:clrMapOvr>
+  <p:timing>
+    <p:tnLst>
+      <p:par>
+        <p:cTn id="1" dur="indefinite" restart="never" nodeType="tmRoot"/>
+      </p:par>
+    </p:tnLst>
+  </p:timing>
+</p:sld>
+</file>
+
+<file path=ppt/slides/slide176.xml><?xml version="1.0" encoding="utf-8"?>
+<p:sld xmlns:a="http://schemas.openxmlformats.org/drawingml/2006/main" xmlns:r="http://schemas.openxmlformats.org/officeDocument/2006/relationships" xmlns:p="http://schemas.openxmlformats.org/presentationml/2006/main">
+  <p:cSld>
+    <p:spTree>
+      <p:nvGrpSpPr>
+        <p:cNvPr id="1" name=""/>
+        <p:cNvGrpSpPr/>
+        <p:nvPr/>
+      </p:nvGrpSpPr>
+      <p:grpSpPr>
+        <a:xfrm>
+          <a:off x="0" y="0"/>
+          <a:ext cx="0" cy="0"/>
+          <a:chOff x="0" y="0"/>
+          <a:chExt cx="0" cy="0"/>
+        </a:xfrm>
+      </p:grpSpPr>
+      <p:sp>
+        <p:nvSpPr>
+          <p:cNvPr id="2" name="Título 1"/>
+          <p:cNvSpPr>
+            <a:spLocks noGrp="1"/>
+          </p:cNvSpPr>
+          <p:nvPr>
+            <p:ph type="title"/>
+          </p:nvPr>
+        </p:nvSpPr>
+        <p:spPr>
+          <a:xfrm>
+            <a:off x="167425" y="360607"/>
+            <a:ext cx="11925837" cy="1178261"/>
+          </a:xfrm>
+        </p:spPr>
+        <p:txBody>
+          <a:bodyPr/>
+          <a:lstStyle/>
+          <a:p>
+            <a:r>
+              <a:rPr lang="es-PA" sz="3500" dirty="0" smtClean="0"/>
+              <a:t>Amplificadores Convertidores </a:t>
+            </a:r>
+            <a:r>
+              <a:rPr lang="es-PA" sz="3500" dirty="0" smtClean="0"/>
+              <a:t>– Amplificadores de Corriente Retroalimentados</a:t>
+            </a:r>
+            <a:endParaRPr lang="es-PA" sz="3500" dirty="0"/>
+          </a:p>
+        </p:txBody>
+      </p:sp>
+      <p:sp>
+        <p:nvSpPr>
+          <p:cNvPr id="3" name="Marcador de contenido 2"/>
+          <p:cNvSpPr>
+            <a:spLocks noGrp="1"/>
+          </p:cNvSpPr>
+          <p:nvPr>
+            <p:ph idx="1"/>
+          </p:nvPr>
+        </p:nvSpPr>
+        <p:spPr>
+          <a:xfrm>
+            <a:off x="167423" y="1538868"/>
+            <a:ext cx="11925836" cy="5107258"/>
+          </a:xfrm>
+        </p:spPr>
+        <p:txBody>
+          <a:bodyPr>
+            <a:normAutofit/>
+          </a:bodyPr>
+          <a:lstStyle/>
+          <a:p>
+            <a:r>
+              <a:rPr lang="es-PA" dirty="0" smtClean="0">
+                <a:sym typeface="Symbol" panose="05050102010706020507" pitchFamily="18" charset="2"/>
+              </a:rPr>
+              <a:t>Dinámica de los </a:t>
+            </a:r>
+            <a:r>
+              <a:rPr lang="es-PA" dirty="0" err="1" smtClean="0">
+                <a:sym typeface="Symbol" panose="05050102010706020507" pitchFamily="18" charset="2"/>
+              </a:rPr>
+              <a:t>CFAs</a:t>
+            </a:r>
+            <a:endParaRPr lang="es-PA" dirty="0" smtClean="0">
+              <a:sym typeface="Symbol" panose="05050102010706020507" pitchFamily="18" charset="2"/>
+            </a:endParaRPr>
+          </a:p>
+          <a:p>
+            <a:r>
+              <a:rPr lang="es-PA" dirty="0" smtClean="0">
+                <a:sym typeface="Symbol" panose="05050102010706020507" pitchFamily="18" charset="2"/>
+              </a:rPr>
+              <a:t>La respuesta transitoria se da si para la ecuación</a:t>
+            </a:r>
+          </a:p>
+          <a:p>
+            <a:r>
+              <a:rPr lang="es-PA" dirty="0" smtClean="0">
+                <a:sym typeface="Symbol" panose="05050102010706020507" pitchFamily="18" charset="2"/>
+              </a:rPr>
+              <a:t>Siendo                 </a:t>
+            </a:r>
+          </a:p>
+          <a:p>
+            <a:r>
+              <a:rPr lang="es-PA" dirty="0" smtClean="0">
+                <a:sym typeface="Symbol" panose="05050102010706020507" pitchFamily="18" charset="2"/>
+              </a:rPr>
+              <a:t>R2 queda siendo menor que </a:t>
+            </a:r>
+            <a:r>
+              <a:rPr lang="es-PA" dirty="0" err="1" smtClean="0">
+                <a:sym typeface="Symbol" panose="05050102010706020507" pitchFamily="18" charset="2"/>
+              </a:rPr>
+              <a:t>Req</a:t>
+            </a:r>
+            <a:r>
+              <a:rPr lang="es-PA" dirty="0" smtClean="0">
+                <a:sym typeface="Symbol" panose="05050102010706020507" pitchFamily="18" charset="2"/>
+              </a:rPr>
+              <a:t>  </a:t>
+            </a:r>
+          </a:p>
+          <a:p>
+            <a:r>
+              <a:rPr lang="es-PA" dirty="0" smtClean="0">
+                <a:sym typeface="Symbol" panose="05050102010706020507" pitchFamily="18" charset="2"/>
+              </a:rPr>
+              <a:t>Y </a:t>
+            </a:r>
+          </a:p>
+          <a:p>
+            <a:endParaRPr lang="es-PA" dirty="0">
+              <a:sym typeface="Symbol" panose="05050102010706020507" pitchFamily="18" charset="2"/>
+            </a:endParaRPr>
+          </a:p>
+          <a:p>
+            <a:endParaRPr lang="es-PA" dirty="0" smtClean="0">
+              <a:sym typeface="Symbol" panose="05050102010706020507" pitchFamily="18" charset="2"/>
+            </a:endParaRPr>
+          </a:p>
+          <a:p>
+            <a:r>
+              <a:rPr lang="es-PA" dirty="0" smtClean="0">
+                <a:sym typeface="Symbol" panose="05050102010706020507" pitchFamily="18" charset="2"/>
+              </a:rPr>
+              <a:t>Por consiguiente los valores del CLC401 son alrededor de R2 = 1.5k,</a:t>
+            </a:r>
+          </a:p>
+          <a:p>
+            <a:r>
+              <a:rPr lang="es-PA" dirty="0" smtClean="0">
+                <a:sym typeface="Symbol" panose="05050102010706020507" pitchFamily="18" charset="2"/>
+              </a:rPr>
+              <a:t>Tau = 1.5 x 10^3 x 0.64  x 10^-12 = 1ns</a:t>
+            </a:r>
+          </a:p>
+          <a:p>
+            <a:r>
+              <a:rPr lang="es-PA" dirty="0" err="1" smtClean="0">
+                <a:sym typeface="Symbol" panose="05050102010706020507" pitchFamily="18" charset="2"/>
+              </a:rPr>
+              <a:t>tR</a:t>
+            </a:r>
+            <a:r>
+              <a:rPr lang="es-PA" dirty="0" smtClean="0">
+                <a:sym typeface="Symbol" panose="05050102010706020507" pitchFamily="18" charset="2"/>
+              </a:rPr>
+              <a:t> = 2.2tau = 2.2ns y un </a:t>
+            </a:r>
+            <a:r>
+              <a:rPr lang="es-PA" dirty="0" err="1" smtClean="0">
+                <a:sym typeface="Symbol" panose="05050102010706020507" pitchFamily="18" charset="2"/>
+              </a:rPr>
+              <a:t>tiempp</a:t>
+            </a:r>
+            <a:r>
+              <a:rPr lang="es-PA" dirty="0" smtClean="0">
+                <a:sym typeface="Symbol" panose="05050102010706020507" pitchFamily="18" charset="2"/>
+              </a:rPr>
+              <a:t> de ajuste de 0.1% del valor final </a:t>
+            </a:r>
+            <a:r>
+              <a:rPr lang="es-PA" dirty="0" err="1" smtClean="0">
+                <a:sym typeface="Symbol" panose="05050102010706020507" pitchFamily="18" charset="2"/>
+              </a:rPr>
+              <a:t>ts</a:t>
+            </a:r>
+            <a:r>
+              <a:rPr lang="es-PA" dirty="0" smtClean="0">
+                <a:sym typeface="Symbol" panose="05050102010706020507" pitchFamily="18" charset="2"/>
+              </a:rPr>
+              <a:t> = 7tau = 7ns</a:t>
+            </a:r>
+          </a:p>
+          <a:p>
+            <a:r>
+              <a:rPr lang="es-PA" dirty="0" err="1" smtClean="0">
+                <a:sym typeface="Symbol" panose="05050102010706020507" pitchFamily="18" charset="2"/>
+              </a:rPr>
+              <a:t>Tr</a:t>
+            </a:r>
+            <a:r>
+              <a:rPr lang="es-PA" dirty="0" smtClean="0">
+                <a:sym typeface="Symbol" panose="05050102010706020507" pitchFamily="18" charset="2"/>
+              </a:rPr>
+              <a:t> = 2.5ns y </a:t>
+            </a:r>
+            <a:r>
+              <a:rPr lang="es-PA" dirty="0" err="1" smtClean="0">
+                <a:sym typeface="Symbol" panose="05050102010706020507" pitchFamily="18" charset="2"/>
+              </a:rPr>
+              <a:t>ts</a:t>
+            </a:r>
+            <a:r>
+              <a:rPr lang="es-PA" dirty="0" smtClean="0">
+                <a:sym typeface="Symbol" panose="05050102010706020507" pitchFamily="18" charset="2"/>
+              </a:rPr>
+              <a:t> = 10ns en el </a:t>
+            </a:r>
+            <a:r>
+              <a:rPr lang="es-PA" dirty="0" err="1" smtClean="0">
+                <a:sym typeface="Symbol" panose="05050102010706020507" pitchFamily="18" charset="2"/>
+              </a:rPr>
+              <a:t>datasheet</a:t>
+            </a:r>
+            <a:endParaRPr lang="es-PA" dirty="0" smtClean="0">
+              <a:sym typeface="Symbol" panose="05050102010706020507" pitchFamily="18" charset="2"/>
+            </a:endParaRPr>
+          </a:p>
+        </p:txBody>
+      </p:sp>
+      <p:pic>
+        <p:nvPicPr>
+          <p:cNvPr id="6" name="Imagen 5"/>
+          <p:cNvPicPr>
+            <a:picLocks noChangeAspect="1"/>
+          </p:cNvPicPr>
+          <p:nvPr/>
+        </p:nvPicPr>
+        <p:blipFill>
+          <a:blip r:embed="rId2"/>
+          <a:stretch>
+            <a:fillRect/>
+          </a:stretch>
+        </p:blipFill>
+        <p:spPr>
+          <a:xfrm>
+            <a:off x="8401050" y="1166812"/>
+            <a:ext cx="2095500" cy="2082723"/>
+          </a:xfrm>
+          <a:prstGeom prst="rect">
+            <a:avLst/>
+          </a:prstGeom>
+        </p:spPr>
+      </p:pic>
+      <p:pic>
+        <p:nvPicPr>
+          <p:cNvPr id="7" name="Imagen 6"/>
+          <p:cNvPicPr>
+            <a:picLocks noChangeAspect="1"/>
+          </p:cNvPicPr>
+          <p:nvPr/>
+        </p:nvPicPr>
+        <p:blipFill>
+          <a:blip r:embed="rId3"/>
+          <a:stretch>
+            <a:fillRect/>
+          </a:stretch>
+        </p:blipFill>
+        <p:spPr>
+          <a:xfrm>
+            <a:off x="6804337" y="1965576"/>
+            <a:ext cx="1342059" cy="549024"/>
+          </a:xfrm>
+          <a:prstGeom prst="rect">
+            <a:avLst/>
+          </a:prstGeom>
+        </p:spPr>
+      </p:pic>
+      <p:pic>
+        <p:nvPicPr>
+          <p:cNvPr id="8" name="Imagen 7"/>
+          <p:cNvPicPr>
+            <a:picLocks noChangeAspect="1"/>
+          </p:cNvPicPr>
+          <p:nvPr/>
+        </p:nvPicPr>
+        <p:blipFill>
+          <a:blip r:embed="rId4"/>
+          <a:stretch>
+            <a:fillRect/>
+          </a:stretch>
+        </p:blipFill>
+        <p:spPr>
+          <a:xfrm>
+            <a:off x="1523999" y="2393279"/>
+            <a:ext cx="1048657" cy="323850"/>
+          </a:xfrm>
+          <a:prstGeom prst="rect">
+            <a:avLst/>
+          </a:prstGeom>
+        </p:spPr>
+      </p:pic>
+      <p:pic>
+        <p:nvPicPr>
+          <p:cNvPr id="12" name="Imagen 11"/>
+          <p:cNvPicPr>
+            <a:picLocks noChangeAspect="1"/>
+          </p:cNvPicPr>
+          <p:nvPr/>
+        </p:nvPicPr>
+        <p:blipFill>
+          <a:blip r:embed="rId5"/>
+          <a:stretch>
+            <a:fillRect/>
+          </a:stretch>
+        </p:blipFill>
+        <p:spPr>
+          <a:xfrm>
+            <a:off x="4849682" y="2846382"/>
+            <a:ext cx="1722568" cy="403154"/>
+          </a:xfrm>
+          <a:prstGeom prst="rect">
+            <a:avLst/>
+          </a:prstGeom>
+        </p:spPr>
+      </p:pic>
+      <p:pic>
+        <p:nvPicPr>
+          <p:cNvPr id="13" name="Imagen 12"/>
+          <p:cNvPicPr>
+            <a:picLocks noChangeAspect="1"/>
+          </p:cNvPicPr>
+          <p:nvPr/>
+        </p:nvPicPr>
+        <p:blipFill>
+          <a:blip r:embed="rId6"/>
+          <a:stretch>
+            <a:fillRect/>
+          </a:stretch>
+        </p:blipFill>
+        <p:spPr>
+          <a:xfrm>
+            <a:off x="1010556" y="3249535"/>
+            <a:ext cx="2605028" cy="771860"/>
+          </a:xfrm>
+          <a:prstGeom prst="rect">
+            <a:avLst/>
+          </a:prstGeom>
+        </p:spPr>
+      </p:pic>
+    </p:spTree>
+    <p:extLst>
+      <p:ext uri="{BB962C8B-B14F-4D97-AF65-F5344CB8AC3E}">
+        <p14:creationId xmlns:p14="http://schemas.microsoft.com/office/powerpoint/2010/main" val="2271731981"/>
+      </p:ext>
+    </p:extLst>
+  </p:cSld>
+  <p:clrMapOvr>
+    <a:masterClrMapping/>
+  </p:clrMapOvr>
+  <p:timing>
+    <p:tnLst>
+      <p:par>
+        <p:cTn id="1" dur="indefinite" restart="never" nodeType="tmRoot"/>
+      </p:par>
+    </p:tnLst>
+  </p:timing>
+</p:sld>
+</file>
+
+<file path=ppt/slides/slide177.xml><?xml version="1.0" encoding="utf-8"?>
+<p:sld xmlns:a="http://schemas.openxmlformats.org/drawingml/2006/main" xmlns:r="http://schemas.openxmlformats.org/officeDocument/2006/relationships" xmlns:p="http://schemas.openxmlformats.org/presentationml/2006/main">
+  <p:cSld>
+    <p:spTree>
+      <p:nvGrpSpPr>
+        <p:cNvPr id="1" name=""/>
+        <p:cNvGrpSpPr/>
+        <p:nvPr/>
+      </p:nvGrpSpPr>
+      <p:grpSpPr>
+        <a:xfrm>
+          <a:off x="0" y="0"/>
+          <a:ext cx="0" cy="0"/>
+          <a:chOff x="0" y="0"/>
+          <a:chExt cx="0" cy="0"/>
+        </a:xfrm>
+      </p:grpSpPr>
+      <p:sp>
+        <p:nvSpPr>
+          <p:cNvPr id="2" name="Título 1"/>
+          <p:cNvSpPr>
+            <a:spLocks noGrp="1"/>
+          </p:cNvSpPr>
+          <p:nvPr>
+            <p:ph type="title"/>
+          </p:nvPr>
+        </p:nvSpPr>
+        <p:spPr>
+          <a:xfrm>
+            <a:off x="167425" y="360607"/>
+            <a:ext cx="11925837" cy="1178261"/>
+          </a:xfrm>
+        </p:spPr>
+        <p:txBody>
+          <a:bodyPr/>
+          <a:lstStyle/>
+          <a:p>
+            <a:r>
+              <a:rPr lang="es-PA" sz="3500" dirty="0" smtClean="0"/>
+              <a:t>Amplificadores Convertidores </a:t>
+            </a:r>
+            <a:r>
+              <a:rPr lang="es-PA" sz="3500" dirty="0" smtClean="0"/>
+              <a:t>– Amplificadores de Corriente Retroalimentados</a:t>
+            </a:r>
+            <a:endParaRPr lang="es-PA" sz="3500" dirty="0"/>
+          </a:p>
+        </p:txBody>
+      </p:sp>
+      <p:sp>
+        <p:nvSpPr>
+          <p:cNvPr id="3" name="Marcador de contenido 2"/>
+          <p:cNvSpPr>
+            <a:spLocks noGrp="1"/>
+          </p:cNvSpPr>
+          <p:nvPr>
+            <p:ph idx="1"/>
+          </p:nvPr>
+        </p:nvSpPr>
+        <p:spPr>
+          <a:xfrm>
+            <a:off x="167423" y="1538868"/>
+            <a:ext cx="11925836" cy="5107258"/>
+          </a:xfrm>
+        </p:spPr>
+        <p:txBody>
+          <a:bodyPr>
+            <a:normAutofit/>
+          </a:bodyPr>
+          <a:lstStyle/>
+          <a:p>
+            <a:r>
+              <a:rPr lang="es-PA" dirty="0" smtClean="0">
+                <a:sym typeface="Symbol" panose="05050102010706020507" pitchFamily="18" charset="2"/>
+              </a:rPr>
+              <a:t>Efectos de ordenes superiores</a:t>
+            </a:r>
+          </a:p>
+          <a:p>
+            <a:r>
+              <a:rPr lang="es-PA" dirty="0" smtClean="0">
+                <a:sym typeface="Symbol" panose="05050102010706020507" pitchFamily="18" charset="2"/>
+              </a:rPr>
+              <a:t>De lo anterior R2 aparente no ser afectado por la dinámica sin embargo cambia para ordenes superior del </a:t>
+            </a:r>
+            <a:r>
+              <a:rPr lang="es-PA" dirty="0" err="1" smtClean="0">
+                <a:sym typeface="Symbol" panose="05050102010706020507" pitchFamily="18" charset="2"/>
+              </a:rPr>
+              <a:t>op</a:t>
+            </a:r>
+            <a:r>
+              <a:rPr lang="es-PA" dirty="0" smtClean="0">
+                <a:sym typeface="Symbol" panose="05050102010706020507" pitchFamily="18" charset="2"/>
+              </a:rPr>
+              <a:t> </a:t>
+            </a:r>
+            <a:r>
+              <a:rPr lang="es-PA" dirty="0" err="1" smtClean="0">
+                <a:sym typeface="Symbol" panose="05050102010706020507" pitchFamily="18" charset="2"/>
+              </a:rPr>
+              <a:t>amp</a:t>
+            </a:r>
+            <a:endParaRPr lang="es-PA" dirty="0" smtClean="0">
+              <a:sym typeface="Symbol" panose="05050102010706020507" pitchFamily="18" charset="2"/>
+            </a:endParaRPr>
+          </a:p>
+          <a:p>
+            <a:r>
+              <a:rPr lang="es-PA" dirty="0" smtClean="0">
+                <a:sym typeface="Symbol" panose="05050102010706020507" pitchFamily="18" charset="2"/>
+              </a:rPr>
+              <a:t>A0 varía un poco en los CFA debido a la resistencia de entrada </a:t>
+            </a:r>
+            <a:r>
+              <a:rPr lang="es-PA" dirty="0" err="1" smtClean="0">
+                <a:sym typeface="Symbol" panose="05050102010706020507" pitchFamily="18" charset="2"/>
+              </a:rPr>
+              <a:t>rn</a:t>
+            </a:r>
+            <a:r>
+              <a:rPr lang="es-PA" dirty="0" smtClean="0">
+                <a:sym typeface="Symbol" panose="05050102010706020507" pitchFamily="18" charset="2"/>
+              </a:rPr>
+              <a:t> degradando en proporción el lazo cerrado, por el principio de superposición tenemos</a:t>
+            </a:r>
+          </a:p>
+          <a:p>
+            <a:r>
+              <a:rPr lang="es-PA" dirty="0" smtClean="0">
+                <a:sym typeface="Symbol" panose="05050102010706020507" pitchFamily="18" charset="2"/>
+              </a:rPr>
+              <a:t>Que deriva a la fórmula                                                      y</a:t>
+            </a:r>
+          </a:p>
+          <a:p>
+            <a:r>
+              <a:rPr lang="es-PA" dirty="0" smtClean="0">
+                <a:sym typeface="Symbol" panose="05050102010706020507" pitchFamily="18" charset="2"/>
+              </a:rPr>
+              <a:t>Ejemplo: Un CFA tiene ft = 100MHz para 1/B = 1.5 V/</a:t>
+            </a:r>
+            <a:r>
+              <a:rPr lang="es-PA" dirty="0" err="1" smtClean="0">
+                <a:sym typeface="Symbol" panose="05050102010706020507" pitchFamily="18" charset="2"/>
+              </a:rPr>
+              <a:t>mA</a:t>
+            </a:r>
+            <a:r>
+              <a:rPr lang="es-PA" dirty="0" smtClean="0">
+                <a:sym typeface="Symbol" panose="05050102010706020507" pitchFamily="18" charset="2"/>
+              </a:rPr>
+              <a:t>, R2 = 1.5k, </a:t>
+            </a:r>
+            <a:r>
+              <a:rPr lang="es-PA" dirty="0" err="1" smtClean="0">
+                <a:sym typeface="Symbol" panose="05050102010706020507" pitchFamily="18" charset="2"/>
+              </a:rPr>
+              <a:t>rn</a:t>
+            </a:r>
+            <a:r>
+              <a:rPr lang="es-PA" dirty="0" smtClean="0">
+                <a:sym typeface="Symbol" panose="05050102010706020507" pitchFamily="18" charset="2"/>
+              </a:rPr>
+              <a:t> = 50 </a:t>
+            </a:r>
+            <a:r>
+              <a:rPr lang="es-PA" dirty="0" err="1" smtClean="0">
+                <a:sym typeface="Symbol" panose="05050102010706020507" pitchFamily="18" charset="2"/>
+              </a:rPr>
+              <a:t>ohms</a:t>
+            </a:r>
+            <a:r>
+              <a:rPr lang="es-PA" dirty="0" smtClean="0">
+                <a:sym typeface="Symbol" panose="05050102010706020507" pitchFamily="18" charset="2"/>
+              </a:rPr>
+              <a:t>. Encuentre R1, </a:t>
+            </a:r>
+            <a:r>
+              <a:rPr lang="es-PA" dirty="0" err="1" smtClean="0">
+                <a:sym typeface="Symbol" panose="05050102010706020507" pitchFamily="18" charset="2"/>
+              </a:rPr>
+              <a:t>fb</a:t>
+            </a:r>
+            <a:r>
+              <a:rPr lang="es-PA" dirty="0" smtClean="0">
+                <a:sym typeface="Symbol" panose="05050102010706020507" pitchFamily="18" charset="2"/>
+              </a:rPr>
+              <a:t> y </a:t>
+            </a:r>
+            <a:r>
+              <a:rPr lang="es-PA" dirty="0" err="1" smtClean="0">
+                <a:sym typeface="Symbol" panose="05050102010706020507" pitchFamily="18" charset="2"/>
+              </a:rPr>
+              <a:t>tR</a:t>
+            </a:r>
+            <a:r>
+              <a:rPr lang="es-PA" dirty="0" smtClean="0">
+                <a:sym typeface="Symbol" panose="05050102010706020507" pitchFamily="18" charset="2"/>
+              </a:rPr>
+              <a:t> para A0 = 1V/V, 10V/V y 100 V/V</a:t>
+            </a:r>
+          </a:p>
+          <a:p>
+            <a:r>
+              <a:rPr lang="es-PA" dirty="0" smtClean="0">
+                <a:sym typeface="Symbol" panose="05050102010706020507" pitchFamily="18" charset="2"/>
+              </a:rPr>
+              <a:t>R1 = R2/(A0 – 1)				</a:t>
+            </a:r>
+            <a:r>
+              <a:rPr lang="es-PA" dirty="0" err="1" smtClean="0">
+                <a:sym typeface="Symbol" panose="05050102010706020507" pitchFamily="18" charset="2"/>
+              </a:rPr>
+              <a:t>fb</a:t>
+            </a:r>
+            <a:r>
+              <a:rPr lang="es-PA" dirty="0" smtClean="0">
+                <a:sym typeface="Symbol" panose="05050102010706020507" pitchFamily="18" charset="2"/>
+              </a:rPr>
+              <a:t> = 10^8/(1 + A0/30)</a:t>
+            </a:r>
+          </a:p>
+          <a:p>
+            <a:r>
+              <a:rPr lang="es-PA" dirty="0" smtClean="0">
+                <a:sym typeface="Symbol" panose="05050102010706020507" pitchFamily="18" charset="2"/>
+              </a:rPr>
+              <a:t>A0 = 1, 10, 100, R1 = </a:t>
+            </a:r>
+            <a:r>
+              <a:rPr lang="es-PA" dirty="0" err="1" smtClean="0">
+                <a:sym typeface="Symbol" panose="05050102010706020507" pitchFamily="18" charset="2"/>
+              </a:rPr>
+              <a:t>inf</a:t>
+            </a:r>
+            <a:r>
+              <a:rPr lang="es-PA" dirty="0" smtClean="0">
+                <a:sym typeface="Symbol" panose="05050102010706020507" pitchFamily="18" charset="2"/>
+              </a:rPr>
+              <a:t>, 166.7 y 15.15; </a:t>
+            </a:r>
+            <a:r>
+              <a:rPr lang="es-PA" dirty="0" err="1" smtClean="0">
+                <a:sym typeface="Symbol" panose="05050102010706020507" pitchFamily="18" charset="2"/>
+              </a:rPr>
+              <a:t>Fb</a:t>
+            </a:r>
+            <a:r>
+              <a:rPr lang="es-PA" dirty="0" smtClean="0">
+                <a:sym typeface="Symbol" panose="05050102010706020507" pitchFamily="18" charset="2"/>
+              </a:rPr>
+              <a:t> = 96.8MHz, 75MHz y 231MHz, </a:t>
+            </a:r>
+          </a:p>
+          <a:p>
+            <a:r>
+              <a:rPr lang="es-PA" dirty="0" err="1" smtClean="0">
+                <a:sym typeface="Symbol" panose="05050102010706020507" pitchFamily="18" charset="2"/>
+              </a:rPr>
+              <a:t>tR</a:t>
+            </a:r>
+            <a:r>
+              <a:rPr lang="es-PA" dirty="0" smtClean="0">
+                <a:sym typeface="Symbol" panose="05050102010706020507" pitchFamily="18" charset="2"/>
+              </a:rPr>
+              <a:t> = 2.2/(2pi96.8MHz) = 3.6ns, 4.7ns 15.2ns</a:t>
+            </a:r>
+          </a:p>
+          <a:p>
+            <a:r>
+              <a:rPr lang="es-PA" dirty="0" smtClean="0">
+                <a:sym typeface="Symbol" panose="05050102010706020507" pitchFamily="18" charset="2"/>
+              </a:rPr>
+              <a:t>La reducción (BW) se puede ver en la figura</a:t>
+            </a:r>
+            <a:endParaRPr lang="es-PA" dirty="0">
+              <a:sym typeface="Symbol" panose="05050102010706020507" pitchFamily="18" charset="2"/>
+            </a:endParaRPr>
+          </a:p>
+          <a:p>
+            <a:endParaRPr lang="es-PA" dirty="0">
+              <a:sym typeface="Symbol" panose="05050102010706020507" pitchFamily="18" charset="2"/>
+            </a:endParaRPr>
+          </a:p>
+          <a:p>
+            <a:endParaRPr lang="es-PA" dirty="0" smtClean="0">
+              <a:sym typeface="Symbol" panose="05050102010706020507" pitchFamily="18" charset="2"/>
+            </a:endParaRPr>
+          </a:p>
+        </p:txBody>
+      </p:sp>
+      <p:pic>
+        <p:nvPicPr>
+          <p:cNvPr id="4" name="Imagen 3"/>
+          <p:cNvPicPr>
+            <a:picLocks noChangeAspect="1"/>
+          </p:cNvPicPr>
+          <p:nvPr/>
+        </p:nvPicPr>
+        <p:blipFill>
+          <a:blip r:embed="rId2"/>
+          <a:stretch>
+            <a:fillRect/>
+          </a:stretch>
+        </p:blipFill>
+        <p:spPr>
+          <a:xfrm>
+            <a:off x="9239250" y="3100387"/>
+            <a:ext cx="2171704" cy="271463"/>
+          </a:xfrm>
+          <a:prstGeom prst="rect">
+            <a:avLst/>
+          </a:prstGeom>
+        </p:spPr>
+      </p:pic>
+      <p:pic>
+        <p:nvPicPr>
+          <p:cNvPr id="5" name="Imagen 4"/>
+          <p:cNvPicPr>
+            <a:picLocks noChangeAspect="1"/>
+          </p:cNvPicPr>
+          <p:nvPr/>
+        </p:nvPicPr>
+        <p:blipFill>
+          <a:blip r:embed="rId3"/>
+          <a:stretch>
+            <a:fillRect/>
+          </a:stretch>
+        </p:blipFill>
+        <p:spPr>
+          <a:xfrm>
+            <a:off x="3614737" y="3343274"/>
+            <a:ext cx="3498934" cy="447675"/>
+          </a:xfrm>
+          <a:prstGeom prst="rect">
+            <a:avLst/>
+          </a:prstGeom>
+        </p:spPr>
+      </p:pic>
+      <p:pic>
+        <p:nvPicPr>
+          <p:cNvPr id="9" name="Imagen 8"/>
+          <p:cNvPicPr>
+            <a:picLocks noChangeAspect="1"/>
+          </p:cNvPicPr>
+          <p:nvPr/>
+        </p:nvPicPr>
+        <p:blipFill>
+          <a:blip r:embed="rId4"/>
+          <a:stretch>
+            <a:fillRect/>
+          </a:stretch>
+        </p:blipFill>
+        <p:spPr>
+          <a:xfrm>
+            <a:off x="7566859" y="3324224"/>
+            <a:ext cx="1672387" cy="483424"/>
+          </a:xfrm>
+          <a:prstGeom prst="rect">
+            <a:avLst/>
+          </a:prstGeom>
+        </p:spPr>
+      </p:pic>
+      <p:pic>
+        <p:nvPicPr>
+          <p:cNvPr id="10" name="Imagen 9"/>
+          <p:cNvPicPr>
+            <a:picLocks noChangeAspect="1"/>
+          </p:cNvPicPr>
+          <p:nvPr/>
+        </p:nvPicPr>
+        <p:blipFill>
+          <a:blip r:embed="rId5"/>
+          <a:stretch>
+            <a:fillRect/>
+          </a:stretch>
+        </p:blipFill>
+        <p:spPr>
+          <a:xfrm>
+            <a:off x="2643187" y="4599412"/>
+            <a:ext cx="957263" cy="449086"/>
+          </a:xfrm>
+          <a:prstGeom prst="rect">
+            <a:avLst/>
+          </a:prstGeom>
+        </p:spPr>
+      </p:pic>
+      <p:pic>
+        <p:nvPicPr>
+          <p:cNvPr id="11" name="Imagen 10"/>
+          <p:cNvPicPr>
+            <a:picLocks noChangeAspect="1"/>
+          </p:cNvPicPr>
+          <p:nvPr/>
+        </p:nvPicPr>
+        <p:blipFill>
+          <a:blip r:embed="rId6"/>
+          <a:stretch>
+            <a:fillRect/>
+          </a:stretch>
+        </p:blipFill>
+        <p:spPr>
+          <a:xfrm>
+            <a:off x="6709608" y="5404195"/>
+            <a:ext cx="2758243" cy="1241931"/>
+          </a:xfrm>
+          <a:prstGeom prst="rect">
+            <a:avLst/>
+          </a:prstGeom>
+        </p:spPr>
+      </p:pic>
+    </p:spTree>
+    <p:extLst>
+      <p:ext uri="{BB962C8B-B14F-4D97-AF65-F5344CB8AC3E}">
+        <p14:creationId xmlns:p14="http://schemas.microsoft.com/office/powerpoint/2010/main" val="4161823215"/>
+      </p:ext>
+    </p:extLst>
+  </p:cSld>
+  <p:clrMapOvr>
+    <a:masterClrMapping/>
+  </p:clrMapOvr>
+  <p:timing>
+    <p:tnLst>
+      <p:par>
+        <p:cTn id="1" dur="indefinite" restart="never" nodeType="tmRoot"/>
+      </p:par>
+    </p:tnLst>
+  </p:timing>
+</p:sld>
+</file>
+
+<file path=ppt/slides/slide178.xml><?xml version="1.0" encoding="utf-8"?>
+<p:sld xmlns:a="http://schemas.openxmlformats.org/drawingml/2006/main" xmlns:r="http://schemas.openxmlformats.org/officeDocument/2006/relationships" xmlns:p="http://schemas.openxmlformats.org/presentationml/2006/main">
+  <p:cSld>
+    <p:spTree>
+      <p:nvGrpSpPr>
+        <p:cNvPr id="1" name=""/>
+        <p:cNvGrpSpPr/>
+        <p:nvPr/>
+      </p:nvGrpSpPr>
+      <p:grpSpPr>
+        <a:xfrm>
+          <a:off x="0" y="0"/>
+          <a:ext cx="0" cy="0"/>
+          <a:chOff x="0" y="0"/>
+          <a:chExt cx="0" cy="0"/>
+        </a:xfrm>
+      </p:grpSpPr>
+      <p:sp>
+        <p:nvSpPr>
+          <p:cNvPr id="2" name="Título 1"/>
+          <p:cNvSpPr>
+            <a:spLocks noGrp="1"/>
+          </p:cNvSpPr>
+          <p:nvPr>
+            <p:ph type="title"/>
+          </p:nvPr>
+        </p:nvSpPr>
+        <p:spPr>
+          <a:xfrm>
+            <a:off x="167425" y="360607"/>
+            <a:ext cx="11925837" cy="1178261"/>
+          </a:xfrm>
+        </p:spPr>
+        <p:txBody>
+          <a:bodyPr/>
+          <a:lstStyle/>
+          <a:p>
+            <a:r>
+              <a:rPr lang="es-PA" sz="3500" dirty="0" smtClean="0"/>
+              <a:t>Amplificadores Convertidores </a:t>
+            </a:r>
+            <a:r>
+              <a:rPr lang="es-PA" sz="3500" dirty="0" smtClean="0"/>
+              <a:t>– Amplificadores de Corriente Retroalimentados</a:t>
+            </a:r>
+            <a:endParaRPr lang="es-PA" sz="3500" dirty="0"/>
+          </a:p>
+        </p:txBody>
+      </p:sp>
+      <p:sp>
+        <p:nvSpPr>
+          <p:cNvPr id="3" name="Marcador de contenido 2"/>
+          <p:cNvSpPr>
+            <a:spLocks noGrp="1"/>
+          </p:cNvSpPr>
+          <p:nvPr>
+            <p:ph idx="1"/>
+          </p:nvPr>
+        </p:nvSpPr>
+        <p:spPr>
+          <a:xfrm>
+            <a:off x="167423" y="1538868"/>
+            <a:ext cx="11925836" cy="5107258"/>
+          </a:xfrm>
+        </p:spPr>
+        <p:txBody>
+          <a:bodyPr>
+            <a:normAutofit/>
+          </a:bodyPr>
+          <a:lstStyle/>
+          <a:p>
+            <a:r>
+              <a:rPr lang="es-PA" dirty="0" smtClean="0">
+                <a:sym typeface="Symbol" panose="05050102010706020507" pitchFamily="18" charset="2"/>
+              </a:rPr>
+              <a:t>Ejemplo:  Rediseñar el ejemplo anterior para </a:t>
+            </a:r>
+          </a:p>
+          <a:p>
+            <a:r>
+              <a:rPr lang="es-PA" dirty="0" smtClean="0">
+                <a:sym typeface="Symbol" panose="05050102010706020507" pitchFamily="18" charset="2"/>
+              </a:rPr>
+              <a:t>(1) A0 = 10V/V, </a:t>
+            </a:r>
+            <a:r>
+              <a:rPr lang="es-PA" dirty="0" err="1" smtClean="0">
+                <a:sym typeface="Symbol" panose="05050102010706020507" pitchFamily="18" charset="2"/>
+              </a:rPr>
+              <a:t>Fb</a:t>
+            </a:r>
+            <a:r>
+              <a:rPr lang="es-PA" dirty="0" smtClean="0">
+                <a:sym typeface="Symbol" panose="05050102010706020507" pitchFamily="18" charset="2"/>
+              </a:rPr>
+              <a:t> = 100MHz en vez de 75MHz</a:t>
+            </a:r>
+          </a:p>
+          <a:p>
+            <a:r>
+              <a:rPr lang="es-PA" dirty="0" smtClean="0">
+                <a:sym typeface="Symbol" panose="05050102010706020507" pitchFamily="18" charset="2"/>
+              </a:rPr>
+              <a:t>(2) Asumiendo </a:t>
+            </a:r>
+            <a:r>
+              <a:rPr lang="es-PA" dirty="0" err="1" smtClean="0">
+                <a:sym typeface="Symbol" panose="05050102010706020507" pitchFamily="18" charset="2"/>
+              </a:rPr>
+              <a:t>zo</a:t>
+            </a:r>
+            <a:r>
+              <a:rPr lang="es-PA" dirty="0" smtClean="0">
+                <a:sym typeface="Symbol" panose="05050102010706020507" pitchFamily="18" charset="2"/>
+              </a:rPr>
+              <a:t> = 0.75 V/</a:t>
+            </a:r>
+            <a:r>
+              <a:rPr lang="es-PA" dirty="0" err="1" smtClean="0">
+                <a:sym typeface="Symbol" panose="05050102010706020507" pitchFamily="18" charset="2"/>
+              </a:rPr>
+              <a:t>uA</a:t>
+            </a:r>
+            <a:r>
+              <a:rPr lang="es-PA" dirty="0" smtClean="0">
+                <a:sym typeface="Symbol" panose="05050102010706020507" pitchFamily="18" charset="2"/>
+              </a:rPr>
+              <a:t> encuentre la ganancia de error</a:t>
+            </a:r>
+          </a:p>
+          <a:p>
+            <a:r>
+              <a:rPr lang="es-PA" dirty="0" smtClean="0">
+                <a:sym typeface="Symbol" panose="05050102010706020507" pitchFamily="18" charset="2"/>
+              </a:rPr>
+              <a:t>(1) Para </a:t>
+            </a:r>
+            <a:r>
+              <a:rPr lang="es-PA" dirty="0" err="1" smtClean="0">
+                <a:sym typeface="Symbol" panose="05050102010706020507" pitchFamily="18" charset="2"/>
+              </a:rPr>
+              <a:t>fB</a:t>
+            </a:r>
+            <a:r>
+              <a:rPr lang="es-PA" dirty="0" smtClean="0">
+                <a:sym typeface="Symbol" panose="05050102010706020507" pitchFamily="18" charset="2"/>
+              </a:rPr>
+              <a:t> = 100MHz, y B = 1.5V/</a:t>
+            </a:r>
+            <a:r>
+              <a:rPr lang="es-PA" dirty="0" err="1" smtClean="0">
+                <a:sym typeface="Symbol" panose="05050102010706020507" pitchFamily="18" charset="2"/>
+              </a:rPr>
+              <a:t>uA</a:t>
+            </a:r>
+            <a:r>
+              <a:rPr lang="es-PA" dirty="0" smtClean="0">
+                <a:sym typeface="Symbol" panose="05050102010706020507" pitchFamily="18" charset="2"/>
+              </a:rPr>
+              <a:t> (</a:t>
+            </a:r>
+            <a:r>
+              <a:rPr lang="es-PA" dirty="0" err="1" smtClean="0">
+                <a:sym typeface="Symbol" panose="05050102010706020507" pitchFamily="18" charset="2"/>
+              </a:rPr>
+              <a:t>ant</a:t>
+            </a:r>
+            <a:r>
+              <a:rPr lang="es-PA" dirty="0" smtClean="0">
+                <a:sym typeface="Symbol" panose="05050102010706020507" pitchFamily="18" charset="2"/>
+              </a:rPr>
+              <a:t>)</a:t>
+            </a:r>
+          </a:p>
+          <a:p>
+            <a:r>
+              <a:rPr lang="es-PA" dirty="0" smtClean="0">
+                <a:sym typeface="Symbol" panose="05050102010706020507" pitchFamily="18" charset="2"/>
+              </a:rPr>
+              <a:t>R2 = 1500 – 50X10 = 1k</a:t>
+            </a:r>
+          </a:p>
+          <a:p>
+            <a:r>
+              <a:rPr lang="es-PA" dirty="0" smtClean="0">
+                <a:sym typeface="Symbol" panose="05050102010706020507" pitchFamily="18" charset="2"/>
+              </a:rPr>
+              <a:t>R1 = R2/(A0 – 1) = 111 </a:t>
+            </a:r>
+            <a:r>
+              <a:rPr lang="es-PA" dirty="0" err="1" smtClean="0">
+                <a:sym typeface="Symbol" panose="05050102010706020507" pitchFamily="18" charset="2"/>
+              </a:rPr>
+              <a:t>Ohms</a:t>
+            </a:r>
+            <a:endParaRPr lang="es-PA" dirty="0" smtClean="0">
+              <a:sym typeface="Symbol" panose="05050102010706020507" pitchFamily="18" charset="2"/>
+            </a:endParaRPr>
+          </a:p>
+          <a:p>
+            <a:r>
+              <a:rPr lang="es-PA" dirty="0" smtClean="0">
+                <a:sym typeface="Symbol" panose="05050102010706020507" pitchFamily="18" charset="2"/>
+              </a:rPr>
+              <a:t>(2) To = z0B = (1/1500)*0.75*10^6 = 500</a:t>
+            </a:r>
+          </a:p>
+          <a:p>
+            <a:r>
+              <a:rPr lang="es-PA" dirty="0" smtClean="0">
+                <a:sym typeface="Symbol" panose="05050102010706020507" pitchFamily="18" charset="2"/>
+              </a:rPr>
+              <a:t>Error de ganancia es e = -100/To = -0.2%</a:t>
+            </a:r>
+          </a:p>
+        </p:txBody>
+      </p:sp>
+      <p:pic>
+        <p:nvPicPr>
+          <p:cNvPr id="4" name="Imagen 3"/>
+          <p:cNvPicPr>
+            <a:picLocks noChangeAspect="1"/>
+          </p:cNvPicPr>
+          <p:nvPr/>
+        </p:nvPicPr>
+        <p:blipFill>
+          <a:blip r:embed="rId2"/>
+          <a:stretch>
+            <a:fillRect/>
+          </a:stretch>
+        </p:blipFill>
+        <p:spPr>
+          <a:xfrm>
+            <a:off x="7651419" y="3457908"/>
+            <a:ext cx="2171704" cy="271463"/>
+          </a:xfrm>
+          <a:prstGeom prst="rect">
+            <a:avLst/>
+          </a:prstGeom>
+        </p:spPr>
+      </p:pic>
+      <p:pic>
+        <p:nvPicPr>
+          <p:cNvPr id="5" name="Imagen 4"/>
+          <p:cNvPicPr>
+            <a:picLocks noChangeAspect="1"/>
+          </p:cNvPicPr>
+          <p:nvPr/>
+        </p:nvPicPr>
+        <p:blipFill>
+          <a:blip r:embed="rId3"/>
+          <a:stretch>
+            <a:fillRect/>
+          </a:stretch>
+        </p:blipFill>
+        <p:spPr>
+          <a:xfrm>
+            <a:off x="5863641" y="2781377"/>
+            <a:ext cx="3498934" cy="447675"/>
+          </a:xfrm>
+          <a:prstGeom prst="rect">
+            <a:avLst/>
+          </a:prstGeom>
+        </p:spPr>
+      </p:pic>
+      <p:pic>
+        <p:nvPicPr>
+          <p:cNvPr id="9" name="Imagen 8"/>
+          <p:cNvPicPr>
+            <a:picLocks noChangeAspect="1"/>
+          </p:cNvPicPr>
+          <p:nvPr/>
+        </p:nvPicPr>
+        <p:blipFill>
+          <a:blip r:embed="rId4"/>
+          <a:stretch>
+            <a:fillRect/>
+          </a:stretch>
+        </p:blipFill>
+        <p:spPr>
+          <a:xfrm>
+            <a:off x="5880601" y="3356964"/>
+            <a:ext cx="1672387" cy="483424"/>
+          </a:xfrm>
+          <a:prstGeom prst="rect">
+            <a:avLst/>
+          </a:prstGeom>
+        </p:spPr>
+      </p:pic>
+      <p:pic>
+        <p:nvPicPr>
+          <p:cNvPr id="10" name="Imagen 9"/>
+          <p:cNvPicPr>
+            <a:picLocks noChangeAspect="1"/>
+          </p:cNvPicPr>
+          <p:nvPr/>
+        </p:nvPicPr>
+        <p:blipFill>
+          <a:blip r:embed="rId5"/>
+          <a:stretch>
+            <a:fillRect/>
+          </a:stretch>
+        </p:blipFill>
+        <p:spPr>
+          <a:xfrm>
+            <a:off x="5880601" y="3958227"/>
+            <a:ext cx="957263" cy="449086"/>
+          </a:xfrm>
+          <a:prstGeom prst="rect">
+            <a:avLst/>
+          </a:prstGeom>
+        </p:spPr>
+      </p:pic>
+    </p:spTree>
+    <p:extLst>
+      <p:ext uri="{BB962C8B-B14F-4D97-AF65-F5344CB8AC3E}">
+        <p14:creationId xmlns:p14="http://schemas.microsoft.com/office/powerpoint/2010/main" val="1787022440"/>
+      </p:ext>
+    </p:extLst>
+  </p:cSld>
+  <p:clrMapOvr>
+    <a:masterClrMapping/>
+  </p:clrMapOvr>
+  <p:timing>
+    <p:tnLst>
+      <p:par>
+        <p:cTn id="1" dur="indefinite" restart="never" nodeType="tmRoot"/>
+      </p:par>
+    </p:tnLst>
+  </p:timing>
+</p:sld>
+</file>
+
+<file path=ppt/slides/slide179.xml><?xml version="1.0" encoding="utf-8"?>
+<p:sld xmlns:a="http://schemas.openxmlformats.org/drawingml/2006/main" xmlns:r="http://schemas.openxmlformats.org/officeDocument/2006/relationships" xmlns:p="http://schemas.openxmlformats.org/presentationml/2006/main">
+  <p:cSld>
+    <p:spTree>
+      <p:nvGrpSpPr>
+        <p:cNvPr id="1" name=""/>
+        <p:cNvGrpSpPr/>
+        <p:nvPr/>
+      </p:nvGrpSpPr>
+      <p:grpSpPr>
+        <a:xfrm>
+          <a:off x="0" y="0"/>
+          <a:ext cx="0" cy="0"/>
+          <a:chOff x="0" y="0"/>
+          <a:chExt cx="0" cy="0"/>
+        </a:xfrm>
+      </p:grpSpPr>
+      <p:sp>
+        <p:nvSpPr>
+          <p:cNvPr id="2" name="Título 1"/>
+          <p:cNvSpPr>
+            <a:spLocks noGrp="1"/>
+          </p:cNvSpPr>
+          <p:nvPr>
+            <p:ph type="title"/>
+          </p:nvPr>
+        </p:nvSpPr>
+        <p:spPr>
+          <a:xfrm>
+            <a:off x="167425" y="360607"/>
+            <a:ext cx="11925837" cy="1178261"/>
+          </a:xfrm>
+        </p:spPr>
+        <p:txBody>
+          <a:bodyPr/>
+          <a:lstStyle/>
+          <a:p>
+            <a:r>
+              <a:rPr lang="es-PA" sz="3500" dirty="0" smtClean="0"/>
+              <a:t>Amplificadores Convertidores </a:t>
+            </a:r>
+            <a:r>
+              <a:rPr lang="es-PA" sz="3500" dirty="0" smtClean="0"/>
+              <a:t>– Amplificadores de Corriente Retroalimentados</a:t>
+            </a:r>
+            <a:endParaRPr lang="es-PA" sz="3500" dirty="0"/>
+          </a:p>
+        </p:txBody>
+      </p:sp>
+      <p:sp>
+        <p:nvSpPr>
+          <p:cNvPr id="3" name="Marcador de contenido 2"/>
+          <p:cNvSpPr>
+            <a:spLocks noGrp="1"/>
+          </p:cNvSpPr>
+          <p:nvPr>
+            <p:ph idx="1"/>
+          </p:nvPr>
+        </p:nvSpPr>
+        <p:spPr>
+          <a:xfrm>
+            <a:off x="167423" y="1538868"/>
+            <a:ext cx="11925836" cy="5107258"/>
+          </a:xfrm>
+        </p:spPr>
+        <p:txBody>
+          <a:bodyPr>
+            <a:normAutofit/>
+          </a:bodyPr>
+          <a:lstStyle/>
+          <a:p>
+            <a:r>
+              <a:rPr lang="es-PA" dirty="0" smtClean="0">
+                <a:sym typeface="Symbol" panose="05050102010706020507" pitchFamily="18" charset="2"/>
+              </a:rPr>
+              <a:t>Aplicando un CFA</a:t>
+            </a:r>
+          </a:p>
+          <a:p>
+            <a:r>
+              <a:rPr lang="es-PA" dirty="0" smtClean="0">
+                <a:sym typeface="Symbol" panose="05050102010706020507" pitchFamily="18" charset="2"/>
+              </a:rPr>
+              <a:t>Si </a:t>
+            </a:r>
+            <a:r>
+              <a:rPr lang="es-PA" dirty="0" err="1" smtClean="0">
+                <a:sym typeface="Symbol" panose="05050102010706020507" pitchFamily="18" charset="2"/>
+              </a:rPr>
+              <a:t>levantmos</a:t>
+            </a:r>
+            <a:r>
+              <a:rPr lang="es-PA" dirty="0" smtClean="0">
+                <a:sym typeface="Symbol" panose="05050102010706020507" pitchFamily="18" charset="2"/>
+              </a:rPr>
+              <a:t> R1 y aplicamos Vi en R1 y la terminal a GND</a:t>
+            </a:r>
+          </a:p>
+          <a:p>
+            <a:pPr lvl="1"/>
+            <a:r>
+              <a:rPr lang="es-PA" dirty="0" smtClean="0">
+                <a:sym typeface="Symbol" panose="05050102010706020507" pitchFamily="18" charset="2"/>
+              </a:rPr>
+              <a:t>Tenemos un amplificador inversor</a:t>
+            </a:r>
+          </a:p>
+          <a:p>
+            <a:pPr lvl="1"/>
+            <a:r>
+              <a:rPr lang="es-PA" dirty="0" smtClean="0">
+                <a:sym typeface="Symbol" panose="05050102010706020507" pitchFamily="18" charset="2"/>
+              </a:rPr>
+              <a:t>A = -R2 / R1</a:t>
+            </a:r>
+          </a:p>
+          <a:p>
+            <a:r>
+              <a:rPr lang="es-PA" dirty="0" smtClean="0">
+                <a:sym typeface="Symbol" panose="05050102010706020507" pitchFamily="18" charset="2"/>
+              </a:rPr>
+              <a:t>También podemos configurarlos como no inversores…</a:t>
+            </a:r>
+          </a:p>
+          <a:p>
+            <a:r>
+              <a:rPr lang="es-PA" dirty="0" smtClean="0">
+                <a:sym typeface="Symbol" panose="05050102010706020507" pitchFamily="18" charset="2"/>
+              </a:rPr>
+              <a:t>… sumadores, etc.</a:t>
+            </a:r>
+          </a:p>
+          <a:p>
+            <a:r>
+              <a:rPr lang="es-PA" dirty="0" smtClean="0">
+                <a:sym typeface="Symbol" panose="05050102010706020507" pitchFamily="18" charset="2"/>
+              </a:rPr>
+              <a:t>Aclaración:  Nunca incluir capacitores entre salida y la entrada inversora (tiene a </a:t>
+            </a:r>
+            <a:r>
+              <a:rPr lang="es-PA" dirty="0" err="1" smtClean="0">
+                <a:sym typeface="Symbol" panose="05050102010706020507" pitchFamily="18" charset="2"/>
+              </a:rPr>
+              <a:t>inestabilizarse</a:t>
+            </a:r>
+            <a:r>
+              <a:rPr lang="es-PA" dirty="0" smtClean="0">
+                <a:sym typeface="Symbol" panose="05050102010706020507" pitchFamily="18" charset="2"/>
+              </a:rPr>
+              <a:t>)</a:t>
+            </a:r>
+          </a:p>
+          <a:p>
+            <a:r>
+              <a:rPr lang="es-PA" dirty="0" smtClean="0">
+                <a:sym typeface="Symbol" panose="05050102010706020507" pitchFamily="18" charset="2"/>
+              </a:rPr>
+              <a:t>CFA sufren de baja ganancia DC del orden de 10^3 o menor.</a:t>
+            </a:r>
+          </a:p>
+          <a:p>
+            <a:r>
+              <a:rPr lang="es-PA" dirty="0" smtClean="0">
+                <a:sym typeface="Symbol" panose="05050102010706020507" pitchFamily="18" charset="2"/>
+              </a:rPr>
+              <a:t>Tienden a ser ruidosos</a:t>
+            </a:r>
+          </a:p>
+        </p:txBody>
+      </p:sp>
+      <p:pic>
+        <p:nvPicPr>
+          <p:cNvPr id="6" name="Imagen 5"/>
+          <p:cNvPicPr>
+            <a:picLocks noChangeAspect="1"/>
+          </p:cNvPicPr>
+          <p:nvPr/>
+        </p:nvPicPr>
+        <p:blipFill>
+          <a:blip r:embed="rId2"/>
+          <a:stretch>
+            <a:fillRect/>
+          </a:stretch>
+        </p:blipFill>
+        <p:spPr>
+          <a:xfrm>
+            <a:off x="8001000" y="1538868"/>
+            <a:ext cx="2266950" cy="2202548"/>
+          </a:xfrm>
+          <a:prstGeom prst="rect">
+            <a:avLst/>
+          </a:prstGeom>
+        </p:spPr>
+      </p:pic>
+      <p:pic>
+        <p:nvPicPr>
+          <p:cNvPr id="7" name="Imagen 6"/>
+          <p:cNvPicPr>
+            <a:picLocks noChangeAspect="1"/>
+          </p:cNvPicPr>
+          <p:nvPr/>
+        </p:nvPicPr>
+        <p:blipFill>
+          <a:blip r:embed="rId3"/>
+          <a:stretch>
+            <a:fillRect/>
+          </a:stretch>
+        </p:blipFill>
+        <p:spPr>
+          <a:xfrm>
+            <a:off x="2705099" y="2717129"/>
+            <a:ext cx="1700463" cy="504825"/>
+          </a:xfrm>
+          <a:prstGeom prst="rect">
+            <a:avLst/>
+          </a:prstGeom>
+        </p:spPr>
+      </p:pic>
+    </p:spTree>
+    <p:extLst>
+      <p:ext uri="{BB962C8B-B14F-4D97-AF65-F5344CB8AC3E}">
+        <p14:creationId xmlns:p14="http://schemas.microsoft.com/office/powerpoint/2010/main" val="2847532913"/>
       </p:ext>
     </p:extLst>
   </p:cSld>
@@ -23725,6 +31176,367 @@
     <p:extLst>
       <p:ext uri="{BB962C8B-B14F-4D97-AF65-F5344CB8AC3E}">
         <p14:creationId xmlns:p14="http://schemas.microsoft.com/office/powerpoint/2010/main" val="1869994216"/>
+      </p:ext>
+    </p:extLst>
+  </p:cSld>
+  <p:clrMapOvr>
+    <a:masterClrMapping/>
+  </p:clrMapOvr>
+  <p:timing>
+    <p:tnLst>
+      <p:par>
+        <p:cTn id="1" dur="indefinite" restart="never" nodeType="tmRoot"/>
+      </p:par>
+    </p:tnLst>
+  </p:timing>
+</p:sld>
+</file>
+
+<file path=ppt/slides/slide180.xml><?xml version="1.0" encoding="utf-8"?>
+<p:sld xmlns:a="http://schemas.openxmlformats.org/drawingml/2006/main" xmlns:r="http://schemas.openxmlformats.org/officeDocument/2006/relationships" xmlns:p="http://schemas.openxmlformats.org/presentationml/2006/main">
+  <p:cSld>
+    <p:spTree>
+      <p:nvGrpSpPr>
+        <p:cNvPr id="1" name=""/>
+        <p:cNvGrpSpPr/>
+        <p:nvPr/>
+      </p:nvGrpSpPr>
+      <p:grpSpPr>
+        <a:xfrm>
+          <a:off x="0" y="0"/>
+          <a:ext cx="0" cy="0"/>
+          <a:chOff x="0" y="0"/>
+          <a:chExt cx="0" cy="0"/>
+        </a:xfrm>
+      </p:grpSpPr>
+      <p:sp>
+        <p:nvSpPr>
+          <p:cNvPr id="2" name="Título 1"/>
+          <p:cNvSpPr>
+            <a:spLocks noGrp="1"/>
+          </p:cNvSpPr>
+          <p:nvPr>
+            <p:ph type="title"/>
+          </p:nvPr>
+        </p:nvSpPr>
+        <p:spPr>
+          <a:xfrm>
+            <a:off x="167425" y="360607"/>
+            <a:ext cx="11925837" cy="1178261"/>
+          </a:xfrm>
+        </p:spPr>
+        <p:txBody>
+          <a:bodyPr/>
+          <a:lstStyle/>
+          <a:p>
+            <a:r>
+              <a:rPr lang="es-PA" sz="3500" dirty="0" smtClean="0"/>
+              <a:t>Amplificadores Convertidores </a:t>
+            </a:r>
+            <a:r>
+              <a:rPr lang="es-PA" sz="3500" dirty="0" smtClean="0"/>
+              <a:t>– Amplificadores de Corriente Retroalimentados</a:t>
+            </a:r>
+            <a:endParaRPr lang="es-PA" sz="3500" dirty="0"/>
+          </a:p>
+        </p:txBody>
+      </p:sp>
+      <p:sp>
+        <p:nvSpPr>
+          <p:cNvPr id="3" name="Marcador de contenido 2"/>
+          <p:cNvSpPr>
+            <a:spLocks noGrp="1"/>
+          </p:cNvSpPr>
+          <p:nvPr>
+            <p:ph idx="1"/>
+          </p:nvPr>
+        </p:nvSpPr>
+        <p:spPr>
+          <a:xfrm>
+            <a:off x="167423" y="1538868"/>
+            <a:ext cx="11925836" cy="5107258"/>
+          </a:xfrm>
+        </p:spPr>
+        <p:txBody>
+          <a:bodyPr>
+            <a:normAutofit/>
+          </a:bodyPr>
+          <a:lstStyle/>
+          <a:p>
+            <a:r>
+              <a:rPr lang="es-PA" dirty="0" smtClean="0">
+                <a:sym typeface="Symbol" panose="05050102010706020507" pitchFamily="18" charset="2"/>
+              </a:rPr>
+              <a:t>Amplificadores de </a:t>
+            </a:r>
+            <a:r>
+              <a:rPr lang="es-PA" dirty="0" err="1" smtClean="0">
+                <a:sym typeface="Symbol" panose="05050102010706020507" pitchFamily="18" charset="2"/>
+              </a:rPr>
+              <a:t>Feedback</a:t>
+            </a:r>
+            <a:r>
+              <a:rPr lang="es-PA" dirty="0" smtClean="0">
+                <a:sym typeface="Symbol" panose="05050102010706020507" pitchFamily="18" charset="2"/>
+              </a:rPr>
+              <a:t> de voltaje de Alta Velocidad</a:t>
+            </a:r>
+          </a:p>
+          <a:p>
+            <a:r>
+              <a:rPr lang="es-PA" dirty="0" smtClean="0">
+                <a:sym typeface="Symbol" panose="05050102010706020507" pitchFamily="18" charset="2"/>
+              </a:rPr>
+              <a:t>Tienen alta </a:t>
+            </a:r>
+            <a:r>
+              <a:rPr lang="es-PA" dirty="0" err="1" smtClean="0">
+                <a:sym typeface="Symbol" panose="05050102010706020507" pitchFamily="18" charset="2"/>
+              </a:rPr>
+              <a:t>gananca</a:t>
+            </a:r>
+            <a:r>
+              <a:rPr lang="es-PA" dirty="0" smtClean="0">
+                <a:sym typeface="Symbol" panose="05050102010706020507" pitchFamily="18" charset="2"/>
+              </a:rPr>
+              <a:t> GPB &gt; 50MHz SR &gt; 100V/</a:t>
+            </a:r>
+            <a:r>
+              <a:rPr lang="es-PA" dirty="0" err="1" smtClean="0">
+                <a:sym typeface="Symbol" panose="05050102010706020507" pitchFamily="18" charset="2"/>
+              </a:rPr>
+              <a:t>us</a:t>
+            </a:r>
+            <a:endParaRPr lang="es-PA" dirty="0" smtClean="0">
+              <a:sym typeface="Symbol" panose="05050102010706020507" pitchFamily="18" charset="2"/>
+            </a:endParaRPr>
+          </a:p>
+          <a:p>
+            <a:r>
+              <a:rPr lang="es-PA" dirty="0" smtClean="0">
+                <a:sym typeface="Symbol" panose="05050102010706020507" pitchFamily="18" charset="2"/>
+              </a:rPr>
+              <a:t>Se parece el CFA pero tiene una ganancia unitaria de Q13 a Q16</a:t>
+            </a:r>
+          </a:p>
+          <a:p>
+            <a:r>
+              <a:rPr lang="es-PA" dirty="0" smtClean="0">
+                <a:sym typeface="Symbol" panose="05050102010706020507" pitchFamily="18" charset="2"/>
+              </a:rPr>
+              <a:t>R es manejado ahora por dos buffer de entrada</a:t>
+            </a:r>
+          </a:p>
+          <a:p>
+            <a:r>
+              <a:rPr lang="es-PA" dirty="0" smtClean="0">
+                <a:sym typeface="Symbol" panose="05050102010706020507" pitchFamily="18" charset="2"/>
+              </a:rPr>
+              <a:t>El SR es equivalente al del CFA</a:t>
+            </a:r>
+          </a:p>
+          <a:p>
+            <a:pPr lvl="1"/>
+            <a:r>
+              <a:rPr lang="es-PA" dirty="0" err="1" smtClean="0">
+                <a:sym typeface="Symbol" panose="05050102010706020507" pitchFamily="18" charset="2"/>
+              </a:rPr>
+              <a:t>Decrementar</a:t>
+            </a:r>
+            <a:r>
+              <a:rPr lang="es-PA" dirty="0" smtClean="0">
+                <a:sym typeface="Symbol" panose="05050102010706020507" pitchFamily="18" charset="2"/>
+              </a:rPr>
+              <a:t> la banda de lazo cerrado …</a:t>
+            </a:r>
+          </a:p>
+          <a:p>
+            <a:pPr lvl="1"/>
+            <a:r>
+              <a:rPr lang="es-PA" dirty="0" smtClean="0">
+                <a:sym typeface="Symbol" panose="05050102010706020507" pitchFamily="18" charset="2"/>
+              </a:rPr>
+              <a:t>… incrementa la ganancia de lazo cerrado</a:t>
+            </a:r>
+          </a:p>
+          <a:p>
+            <a:r>
+              <a:rPr lang="es-PA" dirty="0" smtClean="0">
+                <a:sym typeface="Symbol" panose="05050102010706020507" pitchFamily="18" charset="2"/>
+              </a:rPr>
+              <a:t>Tendencia:</a:t>
+            </a:r>
+          </a:p>
+          <a:p>
+            <a:pPr lvl="1"/>
+            <a:r>
+              <a:rPr lang="es-PA" dirty="0" smtClean="0">
+                <a:sym typeface="Symbol" panose="05050102010706020507" pitchFamily="18" charset="2"/>
+              </a:rPr>
+              <a:t>Alta velocidad</a:t>
+            </a:r>
+          </a:p>
+          <a:p>
+            <a:pPr lvl="1"/>
+            <a:r>
+              <a:rPr lang="es-PA" dirty="0" smtClean="0">
+                <a:sym typeface="Symbol" panose="05050102010706020507" pitchFamily="18" charset="2"/>
+              </a:rPr>
+              <a:t>Alta ganancia</a:t>
+            </a:r>
+          </a:p>
+        </p:txBody>
+      </p:sp>
+      <p:pic>
+        <p:nvPicPr>
+          <p:cNvPr id="4" name="Imagen 3"/>
+          <p:cNvPicPr>
+            <a:picLocks noChangeAspect="1"/>
+          </p:cNvPicPr>
+          <p:nvPr/>
+        </p:nvPicPr>
+        <p:blipFill>
+          <a:blip r:embed="rId2"/>
+          <a:stretch>
+            <a:fillRect/>
+          </a:stretch>
+        </p:blipFill>
+        <p:spPr>
+          <a:xfrm>
+            <a:off x="7040240" y="3411054"/>
+            <a:ext cx="4343400" cy="2440577"/>
+          </a:xfrm>
+          <a:prstGeom prst="rect">
+            <a:avLst/>
+          </a:prstGeom>
+        </p:spPr>
+      </p:pic>
+      <p:pic>
+        <p:nvPicPr>
+          <p:cNvPr id="5" name="Imagen 4"/>
+          <p:cNvPicPr>
+            <a:picLocks noChangeAspect="1"/>
+          </p:cNvPicPr>
+          <p:nvPr/>
+        </p:nvPicPr>
+        <p:blipFill>
+          <a:blip r:embed="rId3"/>
+          <a:stretch>
+            <a:fillRect/>
+          </a:stretch>
+        </p:blipFill>
+        <p:spPr>
+          <a:xfrm>
+            <a:off x="3077575" y="4631343"/>
+            <a:ext cx="3643313" cy="2014783"/>
+          </a:xfrm>
+          <a:prstGeom prst="rect">
+            <a:avLst/>
+          </a:prstGeom>
+        </p:spPr>
+      </p:pic>
+    </p:spTree>
+    <p:extLst>
+      <p:ext uri="{BB962C8B-B14F-4D97-AF65-F5344CB8AC3E}">
+        <p14:creationId xmlns:p14="http://schemas.microsoft.com/office/powerpoint/2010/main" val="200524110"/>
+      </p:ext>
+    </p:extLst>
+  </p:cSld>
+  <p:clrMapOvr>
+    <a:masterClrMapping/>
+  </p:clrMapOvr>
+  <p:timing>
+    <p:tnLst>
+      <p:par>
+        <p:cTn id="1" dur="indefinite" restart="never" nodeType="tmRoot"/>
+      </p:par>
+    </p:tnLst>
+  </p:timing>
+</p:sld>
+</file>
+
+<file path=ppt/slides/slide181.xml><?xml version="1.0" encoding="utf-8"?>
+<p:sld xmlns:a="http://schemas.openxmlformats.org/drawingml/2006/main" xmlns:r="http://schemas.openxmlformats.org/officeDocument/2006/relationships" xmlns:p="http://schemas.openxmlformats.org/presentationml/2006/main">
+  <p:cSld>
+    <p:spTree>
+      <p:nvGrpSpPr>
+        <p:cNvPr id="1" name=""/>
+        <p:cNvGrpSpPr/>
+        <p:nvPr/>
+      </p:nvGrpSpPr>
+      <p:grpSpPr>
+        <a:xfrm>
+          <a:off x="0" y="0"/>
+          <a:ext cx="0" cy="0"/>
+          <a:chOff x="0" y="0"/>
+          <a:chExt cx="0" cy="0"/>
+        </a:xfrm>
+      </p:grpSpPr>
+      <p:sp>
+        <p:nvSpPr>
+          <p:cNvPr id="3" name="Marcador de contenido 2"/>
+          <p:cNvSpPr>
+            <a:spLocks noGrp="1"/>
+          </p:cNvSpPr>
+          <p:nvPr>
+            <p:ph idx="1"/>
+          </p:nvPr>
+        </p:nvSpPr>
+        <p:spPr>
+          <a:xfrm>
+            <a:off x="0" y="0"/>
+            <a:ext cx="12192000" cy="6858000"/>
+          </a:xfrm>
+        </p:spPr>
+        <p:txBody>
+          <a:bodyPr>
+            <a:normAutofit/>
+          </a:bodyPr>
+          <a:lstStyle/>
+          <a:p>
+            <a:pPr marL="0" indent="0" algn="ctr">
+              <a:buNone/>
+            </a:pPr>
+            <a:endParaRPr lang="es-PA" sz="4000" dirty="0"/>
+          </a:p>
+          <a:p>
+            <a:pPr marL="0" indent="0" algn="ctr">
+              <a:buNone/>
+            </a:pPr>
+            <a:endParaRPr lang="es-PA" sz="4000" dirty="0" smtClean="0"/>
+          </a:p>
+          <a:p>
+            <a:pPr marL="0" indent="0" algn="ctr">
+              <a:buNone/>
+            </a:pPr>
+            <a:endParaRPr lang="es-PA" sz="4000" dirty="0"/>
+          </a:p>
+          <a:p>
+            <a:pPr marL="0" indent="0" algn="ctr">
+              <a:buNone/>
+            </a:pPr>
+            <a:endParaRPr lang="es-PA" sz="4000" dirty="0" smtClean="0"/>
+          </a:p>
+          <a:p>
+            <a:pPr marL="0" indent="0" algn="ctr">
+              <a:buNone/>
+            </a:pPr>
+            <a:r>
+              <a:rPr lang="es-PA" sz="10000" dirty="0" smtClean="0"/>
+              <a:t>FINAL DÍA </a:t>
+            </a:r>
+            <a:r>
+              <a:rPr lang="es-PA" sz="10000" dirty="0" smtClean="0"/>
+              <a:t>5</a:t>
+            </a:r>
+            <a:endParaRPr lang="es-PA" sz="10000" dirty="0"/>
+          </a:p>
+        </p:txBody>
+      </p:sp>
+    </p:spTree>
+    <p:extLst>
+      <p:ext uri="{BB962C8B-B14F-4D97-AF65-F5344CB8AC3E}">
+        <p14:creationId xmlns:p14="http://schemas.microsoft.com/office/powerpoint/2010/main" val="2062256684"/>
       </p:ext>
     </p:extLst>
   </p:cSld>
